--- a/obrazy.pptx
+++ b/obrazy.pptx
@@ -319,7 +319,7 @@
           <a:p>
             <a:fld id="{B52AA6F2-AEE1-4FE6-B3E2-3509488F5D07}" type="datetimeFigureOut">
               <a:rPr lang="pl-PL" smtClean="0"/>
-              <a:t>2019-04-12</a:t>
+              <a:t>14.04.2019</a:t>
             </a:fld>
             <a:endParaRPr lang="pl-PL"/>
           </a:p>
@@ -489,7 +489,7 @@
           <a:p>
             <a:fld id="{B52AA6F2-AEE1-4FE6-B3E2-3509488F5D07}" type="datetimeFigureOut">
               <a:rPr lang="pl-PL" smtClean="0"/>
-              <a:t>2019-04-12</a:t>
+              <a:t>14.04.2019</a:t>
             </a:fld>
             <a:endParaRPr lang="pl-PL"/>
           </a:p>
@@ -669,7 +669,7 @@
           <a:p>
             <a:fld id="{B52AA6F2-AEE1-4FE6-B3E2-3509488F5D07}" type="datetimeFigureOut">
               <a:rPr lang="pl-PL" smtClean="0"/>
-              <a:t>2019-04-12</a:t>
+              <a:t>14.04.2019</a:t>
             </a:fld>
             <a:endParaRPr lang="pl-PL"/>
           </a:p>
@@ -839,7 +839,7 @@
           <a:p>
             <a:fld id="{B52AA6F2-AEE1-4FE6-B3E2-3509488F5D07}" type="datetimeFigureOut">
               <a:rPr lang="pl-PL" smtClean="0"/>
-              <a:t>2019-04-12</a:t>
+              <a:t>14.04.2019</a:t>
             </a:fld>
             <a:endParaRPr lang="pl-PL"/>
           </a:p>
@@ -1085,7 +1085,7 @@
           <a:p>
             <a:fld id="{B52AA6F2-AEE1-4FE6-B3E2-3509488F5D07}" type="datetimeFigureOut">
               <a:rPr lang="pl-PL" smtClean="0"/>
-              <a:t>2019-04-12</a:t>
+              <a:t>14.04.2019</a:t>
             </a:fld>
             <a:endParaRPr lang="pl-PL"/>
           </a:p>
@@ -1373,7 +1373,7 @@
           <a:p>
             <a:fld id="{B52AA6F2-AEE1-4FE6-B3E2-3509488F5D07}" type="datetimeFigureOut">
               <a:rPr lang="pl-PL" smtClean="0"/>
-              <a:t>2019-04-12</a:t>
+              <a:t>14.04.2019</a:t>
             </a:fld>
             <a:endParaRPr lang="pl-PL"/>
           </a:p>
@@ -1795,7 +1795,7 @@
           <a:p>
             <a:fld id="{B52AA6F2-AEE1-4FE6-B3E2-3509488F5D07}" type="datetimeFigureOut">
               <a:rPr lang="pl-PL" smtClean="0"/>
-              <a:t>2019-04-12</a:t>
+              <a:t>14.04.2019</a:t>
             </a:fld>
             <a:endParaRPr lang="pl-PL"/>
           </a:p>
@@ -1913,7 +1913,7 @@
           <a:p>
             <a:fld id="{B52AA6F2-AEE1-4FE6-B3E2-3509488F5D07}" type="datetimeFigureOut">
               <a:rPr lang="pl-PL" smtClean="0"/>
-              <a:t>2019-04-12</a:t>
+              <a:t>14.04.2019</a:t>
             </a:fld>
             <a:endParaRPr lang="pl-PL"/>
           </a:p>
@@ -2008,7 +2008,7 @@
           <a:p>
             <a:fld id="{B52AA6F2-AEE1-4FE6-B3E2-3509488F5D07}" type="datetimeFigureOut">
               <a:rPr lang="pl-PL" smtClean="0"/>
-              <a:t>2019-04-12</a:t>
+              <a:t>14.04.2019</a:t>
             </a:fld>
             <a:endParaRPr lang="pl-PL"/>
           </a:p>
@@ -2285,7 +2285,7 @@
           <a:p>
             <a:fld id="{B52AA6F2-AEE1-4FE6-B3E2-3509488F5D07}" type="datetimeFigureOut">
               <a:rPr lang="pl-PL" smtClean="0"/>
-              <a:t>2019-04-12</a:t>
+              <a:t>14.04.2019</a:t>
             </a:fld>
             <a:endParaRPr lang="pl-PL"/>
           </a:p>
@@ -2538,7 +2538,7 @@
           <a:p>
             <a:fld id="{B52AA6F2-AEE1-4FE6-B3E2-3509488F5D07}" type="datetimeFigureOut">
               <a:rPr lang="pl-PL" smtClean="0"/>
-              <a:t>2019-04-12</a:t>
+              <a:t>14.04.2019</a:t>
             </a:fld>
             <a:endParaRPr lang="pl-PL"/>
           </a:p>
@@ -2751,7 +2751,7 @@
           <a:p>
             <a:fld id="{B52AA6F2-AEE1-4FE6-B3E2-3509488F5D07}" type="datetimeFigureOut">
               <a:rPr lang="pl-PL" smtClean="0"/>
-              <a:t>2019-04-12</a:t>
+              <a:t>14.04.2019</a:t>
             </a:fld>
             <a:endParaRPr lang="pl-PL"/>
           </a:p>
@@ -38299,6 +38299,238 @@
           </a:p>
         </p:txBody>
       </p:sp>
+      <p:sp>
+        <p:nvSpPr>
+          <p:cNvPr id="38" name="Up Arrow 46"/>
+          <p:cNvSpPr>
+            <a:spLocks/>
+          </p:cNvSpPr>
+          <p:nvPr/>
+        </p:nvSpPr>
+        <p:spPr>
+          <a:xfrm rot="6300000">
+            <a:off x="8325840" y="3210767"/>
+            <a:ext cx="198453" cy="432048"/>
+          </a:xfrm>
+          <a:prstGeom prst="upArrow">
+            <a:avLst>
+              <a:gd name="adj1" fmla="val 31999"/>
+              <a:gd name="adj2" fmla="val 68312"/>
+            </a:avLst>
+          </a:prstGeom>
+          <a:solidFill>
+            <a:srgbClr val="7030A0"/>
+          </a:solidFill>
+          <a:ln>
+            <a:solidFill>
+              <a:schemeClr val="accent3">
+                <a:lumMod val="50000"/>
+              </a:schemeClr>
+            </a:solidFill>
+          </a:ln>
+        </p:spPr>
+        <p:style>
+          <a:lnRef idx="2">
+            <a:schemeClr val="accent3">
+              <a:shade val="50000"/>
+            </a:schemeClr>
+          </a:lnRef>
+          <a:fillRef idx="1">
+            <a:schemeClr val="accent3"/>
+          </a:fillRef>
+          <a:effectRef idx="0">
+            <a:schemeClr val="accent3"/>
+          </a:effectRef>
+          <a:fontRef idx="minor">
+            <a:schemeClr val="lt1"/>
+          </a:fontRef>
+        </p:style>
+        <p:txBody>
+          <a:bodyPr rtlCol="0" anchor="ctr"/>
+          <a:lstStyle/>
+          <a:p>
+            <a:pPr algn="ctr"/>
+            <a:endParaRPr lang="pl-PL"/>
+          </a:p>
+        </p:txBody>
+      </p:sp>
+      <p:sp>
+        <p:nvSpPr>
+          <p:cNvPr id="39" name="Up Arrow 46"/>
+          <p:cNvSpPr>
+            <a:spLocks/>
+          </p:cNvSpPr>
+          <p:nvPr/>
+        </p:nvSpPr>
+        <p:spPr>
+          <a:xfrm rot="15300000" flipV="1">
+            <a:off x="8144774" y="3641880"/>
+            <a:ext cx="296852" cy="646271"/>
+          </a:xfrm>
+          <a:prstGeom prst="upArrow">
+            <a:avLst>
+              <a:gd name="adj1" fmla="val 31999"/>
+              <a:gd name="adj2" fmla="val 68312"/>
+            </a:avLst>
+          </a:prstGeom>
+          <a:solidFill>
+            <a:srgbClr val="7030A0"/>
+          </a:solidFill>
+          <a:ln>
+            <a:solidFill>
+              <a:schemeClr val="accent3">
+                <a:lumMod val="50000"/>
+              </a:schemeClr>
+            </a:solidFill>
+          </a:ln>
+        </p:spPr>
+        <p:style>
+          <a:lnRef idx="2">
+            <a:schemeClr val="accent3">
+              <a:shade val="50000"/>
+            </a:schemeClr>
+          </a:lnRef>
+          <a:fillRef idx="1">
+            <a:schemeClr val="accent3"/>
+          </a:fillRef>
+          <a:effectRef idx="0">
+            <a:schemeClr val="accent3"/>
+          </a:effectRef>
+          <a:fontRef idx="minor">
+            <a:schemeClr val="lt1"/>
+          </a:fontRef>
+        </p:style>
+        <p:txBody>
+          <a:bodyPr rtlCol="0" anchor="ctr"/>
+          <a:lstStyle/>
+          <a:p>
+            <a:pPr algn="ctr"/>
+            <a:endParaRPr lang="pl-PL"/>
+          </a:p>
+        </p:txBody>
+      </p:sp>
+      <p:sp>
+        <p:nvSpPr>
+          <p:cNvPr id="40" name="Bent Arrow 45"/>
+          <p:cNvSpPr>
+            <a:spLocks/>
+          </p:cNvSpPr>
+          <p:nvPr/>
+        </p:nvSpPr>
+        <p:spPr>
+          <a:xfrm rot="5400000" flipH="1">
+            <a:off x="6444208" y="89692"/>
+            <a:ext cx="432048" cy="576064"/>
+          </a:xfrm>
+          <a:prstGeom prst="bentArrow">
+            <a:avLst>
+              <a:gd name="adj1" fmla="val 25000"/>
+              <a:gd name="adj2" fmla="val 27645"/>
+              <a:gd name="adj3" fmla="val 50000"/>
+              <a:gd name="adj4" fmla="val 43750"/>
+            </a:avLst>
+          </a:prstGeom>
+          <a:solidFill>
+            <a:srgbClr val="7030A0"/>
+          </a:solidFill>
+          <a:ln>
+            <a:solidFill>
+              <a:schemeClr val="accent3">
+                <a:lumMod val="50000"/>
+              </a:schemeClr>
+            </a:solidFill>
+          </a:ln>
+        </p:spPr>
+        <p:style>
+          <a:lnRef idx="2">
+            <a:schemeClr val="accent3">
+              <a:shade val="50000"/>
+            </a:schemeClr>
+          </a:lnRef>
+          <a:fillRef idx="1">
+            <a:schemeClr val="accent3"/>
+          </a:fillRef>
+          <a:effectRef idx="0">
+            <a:schemeClr val="accent3"/>
+          </a:effectRef>
+          <a:fontRef idx="minor">
+            <a:schemeClr val="lt1"/>
+          </a:fontRef>
+        </p:style>
+        <p:txBody>
+          <a:bodyPr rtlCol="0" anchor="ctr"/>
+          <a:lstStyle/>
+          <a:p>
+            <a:pPr algn="ctr"/>
+            <a:endParaRPr lang="pl-PL">
+              <a:solidFill>
+                <a:schemeClr val="tx1"/>
+              </a:solidFill>
+            </a:endParaRPr>
+          </a:p>
+        </p:txBody>
+      </p:sp>
+      <p:sp>
+        <p:nvSpPr>
+          <p:cNvPr id="41" name="Bent Arrow 45"/>
+          <p:cNvSpPr>
+            <a:spLocks/>
+          </p:cNvSpPr>
+          <p:nvPr/>
+        </p:nvSpPr>
+        <p:spPr>
+          <a:xfrm rot="16200000" flipH="1" flipV="1">
+            <a:off x="6437490" y="998375"/>
+            <a:ext cx="432048" cy="576064"/>
+          </a:xfrm>
+          <a:prstGeom prst="bentArrow">
+            <a:avLst>
+              <a:gd name="adj1" fmla="val 25000"/>
+              <a:gd name="adj2" fmla="val 27645"/>
+              <a:gd name="adj3" fmla="val 50000"/>
+              <a:gd name="adj4" fmla="val 43750"/>
+            </a:avLst>
+          </a:prstGeom>
+          <a:solidFill>
+            <a:srgbClr val="7030A0"/>
+          </a:solidFill>
+          <a:ln>
+            <a:solidFill>
+              <a:schemeClr val="accent3">
+                <a:lumMod val="50000"/>
+              </a:schemeClr>
+            </a:solidFill>
+          </a:ln>
+        </p:spPr>
+        <p:style>
+          <a:lnRef idx="2">
+            <a:schemeClr val="accent3">
+              <a:shade val="50000"/>
+            </a:schemeClr>
+          </a:lnRef>
+          <a:fillRef idx="1">
+            <a:schemeClr val="accent3"/>
+          </a:fillRef>
+          <a:effectRef idx="0">
+            <a:schemeClr val="accent3"/>
+          </a:effectRef>
+          <a:fontRef idx="minor">
+            <a:schemeClr val="lt1"/>
+          </a:fontRef>
+        </p:style>
+        <p:txBody>
+          <a:bodyPr rtlCol="0" anchor="ctr"/>
+          <a:lstStyle/>
+          <a:p>
+            <a:pPr algn="ctr"/>
+            <a:endParaRPr lang="pl-PL">
+              <a:solidFill>
+                <a:schemeClr val="tx1"/>
+              </a:solidFill>
+            </a:endParaRPr>
+          </a:p>
+        </p:txBody>
+      </p:sp>
     </p:spTree>
     <p:extLst>
       <p:ext uri="{BB962C8B-B14F-4D97-AF65-F5344CB8AC3E}">

--- a/obrazy.pptx
+++ b/obrazy.pptx
@@ -38531,6 +38531,226 @@
           </a:p>
         </p:txBody>
       </p:sp>
+      <p:sp>
+        <p:nvSpPr>
+          <p:cNvPr id="42" name="Up Arrow 46"/>
+          <p:cNvSpPr>
+            <a:spLocks/>
+          </p:cNvSpPr>
+          <p:nvPr/>
+        </p:nvSpPr>
+        <p:spPr>
+          <a:xfrm rot="15300000" flipV="1">
+            <a:off x="6574315" y="4330321"/>
+            <a:ext cx="296852" cy="646271"/>
+          </a:xfrm>
+          <a:prstGeom prst="upArrow">
+            <a:avLst>
+              <a:gd name="adj1" fmla="val 31999"/>
+              <a:gd name="adj2" fmla="val 68312"/>
+            </a:avLst>
+          </a:prstGeom>
+          <a:solidFill>
+            <a:srgbClr val="00B050"/>
+          </a:solidFill>
+          <a:ln>
+            <a:solidFill>
+              <a:schemeClr val="accent3">
+                <a:lumMod val="50000"/>
+              </a:schemeClr>
+            </a:solidFill>
+          </a:ln>
+        </p:spPr>
+        <p:style>
+          <a:lnRef idx="2">
+            <a:schemeClr val="accent3">
+              <a:shade val="50000"/>
+            </a:schemeClr>
+          </a:lnRef>
+          <a:fillRef idx="1">
+            <a:schemeClr val="accent3"/>
+          </a:fillRef>
+          <a:effectRef idx="0">
+            <a:schemeClr val="accent3"/>
+          </a:effectRef>
+          <a:fontRef idx="minor">
+            <a:schemeClr val="lt1"/>
+          </a:fontRef>
+        </p:style>
+        <p:txBody>
+          <a:bodyPr rtlCol="0" anchor="ctr"/>
+          <a:lstStyle/>
+          <a:p>
+            <a:pPr algn="ctr"/>
+            <a:endParaRPr lang="pl-PL"/>
+          </a:p>
+        </p:txBody>
+      </p:sp>
+      <p:sp>
+        <p:nvSpPr>
+          <p:cNvPr id="43" name="Up Arrow 46"/>
+          <p:cNvSpPr>
+            <a:spLocks/>
+          </p:cNvSpPr>
+          <p:nvPr/>
+        </p:nvSpPr>
+        <p:spPr>
+          <a:xfrm rot="6300000">
+            <a:off x="6623514" y="5048424"/>
+            <a:ext cx="198453" cy="432048"/>
+          </a:xfrm>
+          <a:prstGeom prst="upArrow">
+            <a:avLst>
+              <a:gd name="adj1" fmla="val 31999"/>
+              <a:gd name="adj2" fmla="val 68312"/>
+            </a:avLst>
+          </a:prstGeom>
+          <a:solidFill>
+            <a:srgbClr val="00B050"/>
+          </a:solidFill>
+          <a:ln>
+            <a:solidFill>
+              <a:schemeClr val="accent3">
+                <a:lumMod val="50000"/>
+              </a:schemeClr>
+            </a:solidFill>
+          </a:ln>
+        </p:spPr>
+        <p:style>
+          <a:lnRef idx="2">
+            <a:schemeClr val="accent3">
+              <a:shade val="50000"/>
+            </a:schemeClr>
+          </a:lnRef>
+          <a:fillRef idx="1">
+            <a:schemeClr val="accent3"/>
+          </a:fillRef>
+          <a:effectRef idx="0">
+            <a:schemeClr val="accent3"/>
+          </a:effectRef>
+          <a:fontRef idx="minor">
+            <a:schemeClr val="lt1"/>
+          </a:fontRef>
+        </p:style>
+        <p:txBody>
+          <a:bodyPr rtlCol="0" anchor="ctr"/>
+          <a:lstStyle/>
+          <a:p>
+            <a:pPr algn="ctr"/>
+            <a:endParaRPr lang="pl-PL"/>
+          </a:p>
+        </p:txBody>
+      </p:sp>
+      <p:sp>
+        <p:nvSpPr>
+          <p:cNvPr id="44" name="Up Arrow 46"/>
+          <p:cNvSpPr>
+            <a:spLocks/>
+          </p:cNvSpPr>
+          <p:nvPr/>
+        </p:nvSpPr>
+        <p:spPr>
+          <a:xfrm rot="15300000" flipV="1">
+            <a:off x="6678758" y="3170218"/>
+            <a:ext cx="296852" cy="646271"/>
+          </a:xfrm>
+          <a:prstGeom prst="upArrow">
+            <a:avLst>
+              <a:gd name="adj1" fmla="val 31999"/>
+              <a:gd name="adj2" fmla="val 68312"/>
+            </a:avLst>
+          </a:prstGeom>
+          <a:solidFill>
+            <a:srgbClr val="FF0000"/>
+          </a:solidFill>
+          <a:ln>
+            <a:solidFill>
+              <a:schemeClr val="accent3">
+                <a:lumMod val="50000"/>
+              </a:schemeClr>
+            </a:solidFill>
+          </a:ln>
+        </p:spPr>
+        <p:style>
+          <a:lnRef idx="2">
+            <a:schemeClr val="accent3">
+              <a:shade val="50000"/>
+            </a:schemeClr>
+          </a:lnRef>
+          <a:fillRef idx="1">
+            <a:schemeClr val="accent3"/>
+          </a:fillRef>
+          <a:effectRef idx="0">
+            <a:schemeClr val="accent3"/>
+          </a:effectRef>
+          <a:fontRef idx="minor">
+            <a:schemeClr val="lt1"/>
+          </a:fontRef>
+        </p:style>
+        <p:txBody>
+          <a:bodyPr rtlCol="0" anchor="ctr"/>
+          <a:lstStyle/>
+          <a:p>
+            <a:pPr algn="ctr"/>
+            <a:endParaRPr lang="pl-PL"/>
+          </a:p>
+        </p:txBody>
+      </p:sp>
+      <p:sp>
+        <p:nvSpPr>
+          <p:cNvPr id="45" name="Up Arrow 46"/>
+          <p:cNvSpPr>
+            <a:spLocks/>
+          </p:cNvSpPr>
+          <p:nvPr/>
+        </p:nvSpPr>
+        <p:spPr>
+          <a:xfrm rot="6300000">
+            <a:off x="6727957" y="3888321"/>
+            <a:ext cx="198453" cy="432048"/>
+          </a:xfrm>
+          <a:prstGeom prst="upArrow">
+            <a:avLst>
+              <a:gd name="adj1" fmla="val 31999"/>
+              <a:gd name="adj2" fmla="val 68312"/>
+            </a:avLst>
+          </a:prstGeom>
+          <a:solidFill>
+            <a:srgbClr val="FF0000"/>
+          </a:solidFill>
+          <a:ln>
+            <a:solidFill>
+              <a:schemeClr val="accent3">
+                <a:lumMod val="50000"/>
+              </a:schemeClr>
+            </a:solidFill>
+          </a:ln>
+        </p:spPr>
+        <p:style>
+          <a:lnRef idx="2">
+            <a:schemeClr val="accent3">
+              <a:shade val="50000"/>
+            </a:schemeClr>
+          </a:lnRef>
+          <a:fillRef idx="1">
+            <a:schemeClr val="accent3"/>
+          </a:fillRef>
+          <a:effectRef idx="0">
+            <a:schemeClr val="accent3"/>
+          </a:effectRef>
+          <a:fontRef idx="minor">
+            <a:schemeClr val="lt1"/>
+          </a:fontRef>
+        </p:style>
+        <p:txBody>
+          <a:bodyPr rtlCol="0" anchor="ctr"/>
+          <a:lstStyle/>
+          <a:p>
+            <a:pPr algn="ctr"/>
+            <a:endParaRPr lang="pl-PL"/>
+          </a:p>
+        </p:txBody>
+      </p:sp>
     </p:spTree>
     <p:extLst>
       <p:ext uri="{BB962C8B-B14F-4D97-AF65-F5344CB8AC3E}">

--- a/obrazy.pptx
+++ b/obrazy.pptx
@@ -10,33 +10,34 @@
     <p:sldId id="287" r:id="rId4"/>
     <p:sldId id="289" r:id="rId5"/>
     <p:sldId id="290" r:id="rId6"/>
-    <p:sldId id="291" r:id="rId7"/>
-    <p:sldId id="256" r:id="rId8"/>
-    <p:sldId id="257" r:id="rId9"/>
-    <p:sldId id="260" r:id="rId10"/>
-    <p:sldId id="261" r:id="rId11"/>
-    <p:sldId id="258" r:id="rId12"/>
-    <p:sldId id="262" r:id="rId13"/>
-    <p:sldId id="263" r:id="rId14"/>
-    <p:sldId id="259" r:id="rId15"/>
-    <p:sldId id="264" r:id="rId16"/>
-    <p:sldId id="265" r:id="rId17"/>
-    <p:sldId id="266" r:id="rId18"/>
-    <p:sldId id="267" r:id="rId19"/>
-    <p:sldId id="270" r:id="rId20"/>
-    <p:sldId id="268" r:id="rId21"/>
-    <p:sldId id="272" r:id="rId22"/>
-    <p:sldId id="273" r:id="rId23"/>
-    <p:sldId id="274" r:id="rId24"/>
-    <p:sldId id="275" r:id="rId25"/>
-    <p:sldId id="276" r:id="rId26"/>
-    <p:sldId id="278" r:id="rId27"/>
-    <p:sldId id="280" r:id="rId28"/>
-    <p:sldId id="281" r:id="rId29"/>
-    <p:sldId id="282" r:id="rId30"/>
-    <p:sldId id="283" r:id="rId31"/>
-    <p:sldId id="284" r:id="rId32"/>
-    <p:sldId id="285" r:id="rId33"/>
+    <p:sldId id="292" r:id="rId7"/>
+    <p:sldId id="291" r:id="rId8"/>
+    <p:sldId id="256" r:id="rId9"/>
+    <p:sldId id="257" r:id="rId10"/>
+    <p:sldId id="260" r:id="rId11"/>
+    <p:sldId id="261" r:id="rId12"/>
+    <p:sldId id="258" r:id="rId13"/>
+    <p:sldId id="262" r:id="rId14"/>
+    <p:sldId id="263" r:id="rId15"/>
+    <p:sldId id="259" r:id="rId16"/>
+    <p:sldId id="264" r:id="rId17"/>
+    <p:sldId id="265" r:id="rId18"/>
+    <p:sldId id="266" r:id="rId19"/>
+    <p:sldId id="267" r:id="rId20"/>
+    <p:sldId id="270" r:id="rId21"/>
+    <p:sldId id="268" r:id="rId22"/>
+    <p:sldId id="272" r:id="rId23"/>
+    <p:sldId id="273" r:id="rId24"/>
+    <p:sldId id="274" r:id="rId25"/>
+    <p:sldId id="275" r:id="rId26"/>
+    <p:sldId id="276" r:id="rId27"/>
+    <p:sldId id="278" r:id="rId28"/>
+    <p:sldId id="280" r:id="rId29"/>
+    <p:sldId id="281" r:id="rId30"/>
+    <p:sldId id="282" r:id="rId31"/>
+    <p:sldId id="283" r:id="rId32"/>
+    <p:sldId id="284" r:id="rId33"/>
+    <p:sldId id="285" r:id="rId34"/>
   </p:sldIdLst>
   <p:sldSz cx="9144000" cy="6858000" type="screen4x3"/>
   <p:notesSz cx="6858000" cy="9144000"/>
@@ -319,7 +320,7 @@
           <a:p>
             <a:fld id="{B52AA6F2-AEE1-4FE6-B3E2-3509488F5D07}" type="datetimeFigureOut">
               <a:rPr lang="pl-PL" smtClean="0"/>
-              <a:t>14.04.2019</a:t>
+              <a:t>2019-04-24</a:t>
             </a:fld>
             <a:endParaRPr lang="pl-PL"/>
           </a:p>
@@ -489,7 +490,7 @@
           <a:p>
             <a:fld id="{B52AA6F2-AEE1-4FE6-B3E2-3509488F5D07}" type="datetimeFigureOut">
               <a:rPr lang="pl-PL" smtClean="0"/>
-              <a:t>14.04.2019</a:t>
+              <a:t>2019-04-24</a:t>
             </a:fld>
             <a:endParaRPr lang="pl-PL"/>
           </a:p>
@@ -669,7 +670,7 @@
           <a:p>
             <a:fld id="{B52AA6F2-AEE1-4FE6-B3E2-3509488F5D07}" type="datetimeFigureOut">
               <a:rPr lang="pl-PL" smtClean="0"/>
-              <a:t>14.04.2019</a:t>
+              <a:t>2019-04-24</a:t>
             </a:fld>
             <a:endParaRPr lang="pl-PL"/>
           </a:p>
@@ -839,7 +840,7 @@
           <a:p>
             <a:fld id="{B52AA6F2-AEE1-4FE6-B3E2-3509488F5D07}" type="datetimeFigureOut">
               <a:rPr lang="pl-PL" smtClean="0"/>
-              <a:t>14.04.2019</a:t>
+              <a:t>2019-04-24</a:t>
             </a:fld>
             <a:endParaRPr lang="pl-PL"/>
           </a:p>
@@ -1085,7 +1086,7 @@
           <a:p>
             <a:fld id="{B52AA6F2-AEE1-4FE6-B3E2-3509488F5D07}" type="datetimeFigureOut">
               <a:rPr lang="pl-PL" smtClean="0"/>
-              <a:t>14.04.2019</a:t>
+              <a:t>2019-04-24</a:t>
             </a:fld>
             <a:endParaRPr lang="pl-PL"/>
           </a:p>
@@ -1373,7 +1374,7 @@
           <a:p>
             <a:fld id="{B52AA6F2-AEE1-4FE6-B3E2-3509488F5D07}" type="datetimeFigureOut">
               <a:rPr lang="pl-PL" smtClean="0"/>
-              <a:t>14.04.2019</a:t>
+              <a:t>2019-04-24</a:t>
             </a:fld>
             <a:endParaRPr lang="pl-PL"/>
           </a:p>
@@ -1795,7 +1796,7 @@
           <a:p>
             <a:fld id="{B52AA6F2-AEE1-4FE6-B3E2-3509488F5D07}" type="datetimeFigureOut">
               <a:rPr lang="pl-PL" smtClean="0"/>
-              <a:t>14.04.2019</a:t>
+              <a:t>2019-04-24</a:t>
             </a:fld>
             <a:endParaRPr lang="pl-PL"/>
           </a:p>
@@ -1913,7 +1914,7 @@
           <a:p>
             <a:fld id="{B52AA6F2-AEE1-4FE6-B3E2-3509488F5D07}" type="datetimeFigureOut">
               <a:rPr lang="pl-PL" smtClean="0"/>
-              <a:t>14.04.2019</a:t>
+              <a:t>2019-04-24</a:t>
             </a:fld>
             <a:endParaRPr lang="pl-PL"/>
           </a:p>
@@ -2008,7 +2009,7 @@
           <a:p>
             <a:fld id="{B52AA6F2-AEE1-4FE6-B3E2-3509488F5D07}" type="datetimeFigureOut">
               <a:rPr lang="pl-PL" smtClean="0"/>
-              <a:t>14.04.2019</a:t>
+              <a:t>2019-04-24</a:t>
             </a:fld>
             <a:endParaRPr lang="pl-PL"/>
           </a:p>
@@ -2285,7 +2286,7 @@
           <a:p>
             <a:fld id="{B52AA6F2-AEE1-4FE6-B3E2-3509488F5D07}" type="datetimeFigureOut">
               <a:rPr lang="pl-PL" smtClean="0"/>
-              <a:t>14.04.2019</a:t>
+              <a:t>2019-04-24</a:t>
             </a:fld>
             <a:endParaRPr lang="pl-PL"/>
           </a:p>
@@ -2538,7 +2539,7 @@
           <a:p>
             <a:fld id="{B52AA6F2-AEE1-4FE6-B3E2-3509488F5D07}" type="datetimeFigureOut">
               <a:rPr lang="pl-PL" smtClean="0"/>
-              <a:t>14.04.2019</a:t>
+              <a:t>2019-04-24</a:t>
             </a:fld>
             <a:endParaRPr lang="pl-PL"/>
           </a:p>
@@ -2751,7 +2752,7 @@
           <a:p>
             <a:fld id="{B52AA6F2-AEE1-4FE6-B3E2-3509488F5D07}" type="datetimeFigureOut">
               <a:rPr lang="pl-PL" smtClean="0"/>
-              <a:t>14.04.2019</a:t>
+              <a:t>2019-04-24</a:t>
             </a:fld>
             <a:endParaRPr lang="pl-PL"/>
           </a:p>
@@ -3938,7 +3939,7 @@
       </p:grpSpPr>
       <p:pic>
         <p:nvPicPr>
-          <p:cNvPr id="4" name="Picture 3"/>
+          <p:cNvPr id="1027" name="Picture 3"/>
           <p:cNvPicPr>
             <a:picLocks noChangeAspect="1" noChangeArrowheads="1"/>
           </p:cNvPicPr>
@@ -3959,7 +3960,7 @@
         </p:blipFill>
         <p:spPr bwMode="auto">
           <a:xfrm>
-            <a:off x="539553" y="1173299"/>
+            <a:off x="539553" y="2132856"/>
             <a:ext cx="8259763" cy="514350"/>
           </a:xfrm>
           <a:prstGeom prst="rect">
@@ -4008,7 +4009,7 @@
         </p:nvCxnSpPr>
         <p:spPr>
           <a:xfrm>
-            <a:off x="611560" y="1173303"/>
+            <a:off x="611560" y="2132860"/>
             <a:ext cx="0" cy="509203"/>
           </a:xfrm>
           <a:prstGeom prst="line">
@@ -4040,13 +4041,89 @@
       </p:cxnSp>
       <p:cxnSp>
         <p:nvCxnSpPr>
-          <p:cNvPr id="8" name="Straight Connector 7"/>
+          <p:cNvPr id="11" name="Straight Connector 10"/>
           <p:cNvCxnSpPr/>
           <p:nvPr/>
         </p:nvCxnSpPr>
         <p:spPr>
           <a:xfrm>
-            <a:off x="4499992" y="1191609"/>
+            <a:off x="2555776" y="2132859"/>
+            <a:ext cx="0" cy="509203"/>
+          </a:xfrm>
+          <a:prstGeom prst="line">
+            <a:avLst/>
+          </a:prstGeom>
+          <a:ln w="28575">
+            <a:solidFill>
+              <a:schemeClr val="tx1">
+                <a:lumMod val="95000"/>
+                <a:lumOff val="5000"/>
+              </a:schemeClr>
+            </a:solidFill>
+          </a:ln>
+        </p:spPr>
+        <p:style>
+          <a:lnRef idx="1">
+            <a:schemeClr val="dk1"/>
+          </a:lnRef>
+          <a:fillRef idx="0">
+            <a:schemeClr val="dk1"/>
+          </a:fillRef>
+          <a:effectRef idx="0">
+            <a:schemeClr val="dk1"/>
+          </a:effectRef>
+          <a:fontRef idx="minor">
+            <a:schemeClr val="tx1"/>
+          </a:fontRef>
+        </p:style>
+      </p:cxnSp>
+      <p:cxnSp>
+        <p:nvCxnSpPr>
+          <p:cNvPr id="12" name="Straight Connector 11"/>
+          <p:cNvCxnSpPr/>
+          <p:nvPr/>
+        </p:nvCxnSpPr>
+        <p:spPr>
+          <a:xfrm>
+            <a:off x="6444208" y="2151166"/>
+            <a:ext cx="0" cy="509203"/>
+          </a:xfrm>
+          <a:prstGeom prst="line">
+            <a:avLst/>
+          </a:prstGeom>
+          <a:ln w="28575">
+            <a:solidFill>
+              <a:schemeClr val="tx1">
+                <a:lumMod val="95000"/>
+                <a:lumOff val="5000"/>
+              </a:schemeClr>
+            </a:solidFill>
+          </a:ln>
+        </p:spPr>
+        <p:style>
+          <a:lnRef idx="1">
+            <a:schemeClr val="dk1"/>
+          </a:lnRef>
+          <a:fillRef idx="0">
+            <a:schemeClr val="dk1"/>
+          </a:fillRef>
+          <a:effectRef idx="0">
+            <a:schemeClr val="dk1"/>
+          </a:effectRef>
+          <a:fontRef idx="minor">
+            <a:schemeClr val="tx1"/>
+          </a:fontRef>
+        </p:style>
+      </p:cxnSp>
+      <p:cxnSp>
+        <p:nvCxnSpPr>
+          <p:cNvPr id="14" name="Straight Connector 13"/>
+          <p:cNvCxnSpPr/>
+          <p:nvPr/>
+        </p:nvCxnSpPr>
+        <p:spPr>
+          <a:xfrm>
+            <a:off x="4499992" y="2151166"/>
             <a:ext cx="0" cy="509203"/>
           </a:xfrm>
           <a:prstGeom prst="line">
@@ -4078,13 +4155,13 @@
       </p:cxnSp>
       <p:sp>
         <p:nvSpPr>
-          <p:cNvPr id="9" name="TextBox 8"/>
+          <p:cNvPr id="8" name="TextBox 7"/>
           <p:cNvSpPr txBox="1"/>
           <p:nvPr/>
         </p:nvSpPr>
         <p:spPr>
           <a:xfrm>
-            <a:off x="2339752" y="636383"/>
+            <a:off x="1240656" y="1595942"/>
             <a:ext cx="418704" cy="646331"/>
           </a:xfrm>
           <a:prstGeom prst="rect">
@@ -4108,13 +4185,13 @@
       </p:sp>
       <p:sp>
         <p:nvSpPr>
-          <p:cNvPr id="10" name="TextBox 9"/>
+          <p:cNvPr id="16" name="TextBox 15"/>
           <p:cNvSpPr txBox="1"/>
           <p:nvPr/>
         </p:nvSpPr>
         <p:spPr>
           <a:xfrm>
-            <a:off x="6385544" y="619885"/>
+            <a:off x="3237904" y="1579441"/>
             <a:ext cx="418704" cy="646331"/>
           </a:xfrm>
           <a:prstGeom prst="rect">
@@ -4136,9 +4213,511 @@
           </a:p>
         </p:txBody>
       </p:sp>
+      <p:sp>
+        <p:nvSpPr>
+          <p:cNvPr id="17" name="TextBox 16"/>
+          <p:cNvSpPr txBox="1"/>
+          <p:nvPr/>
+        </p:nvSpPr>
+        <p:spPr>
+          <a:xfrm>
+            <a:off x="5182120" y="1579441"/>
+            <a:ext cx="418704" cy="646331"/>
+          </a:xfrm>
+          <a:prstGeom prst="rect">
+            <a:avLst/>
+          </a:prstGeom>
+          <a:noFill/>
+        </p:spPr>
+        <p:txBody>
+          <a:bodyPr wrap="none" rtlCol="0">
+            <a:spAutoFit/>
+          </a:bodyPr>
+          <a:lstStyle/>
+          <a:p>
+            <a:r>
+              <a:rPr lang="pl-PL" sz="3600" b="1" dirty="0" smtClean="0"/>
+              <a:t>3</a:t>
+            </a:r>
+            <a:endParaRPr lang="pl-PL" sz="3600" b="1" dirty="0"/>
+          </a:p>
+        </p:txBody>
+      </p:sp>
+      <p:sp>
+        <p:nvSpPr>
+          <p:cNvPr id="18" name="TextBox 17"/>
+          <p:cNvSpPr txBox="1"/>
+          <p:nvPr/>
+        </p:nvSpPr>
+        <p:spPr>
+          <a:xfrm>
+            <a:off x="7126336" y="1579441"/>
+            <a:ext cx="418704" cy="646331"/>
+          </a:xfrm>
+          <a:prstGeom prst="rect">
+            <a:avLst/>
+          </a:prstGeom>
+          <a:noFill/>
+        </p:spPr>
+        <p:txBody>
+          <a:bodyPr wrap="none" rtlCol="0">
+            <a:spAutoFit/>
+          </a:bodyPr>
+          <a:lstStyle/>
+          <a:p>
+            <a:r>
+              <a:rPr lang="pl-PL" sz="3600" b="1" dirty="0" smtClean="0"/>
+              <a:t>0</a:t>
+            </a:r>
+            <a:endParaRPr lang="pl-PL" sz="3600" b="1" dirty="0"/>
+          </a:p>
+        </p:txBody>
+      </p:sp>
+      <mc:AlternateContent xmlns:mc="http://schemas.openxmlformats.org/markup-compatibility/2006" xmlns:a14="http://schemas.microsoft.com/office/drawing/2010/main">
+        <mc:Choice Requires="a14">
+          <p:sp>
+            <p:nvSpPr>
+              <p:cNvPr id="9" name="TextBox 8"/>
+              <p:cNvSpPr txBox="1"/>
+              <p:nvPr/>
+            </p:nvSpPr>
+            <p:spPr>
+              <a:xfrm>
+                <a:off x="1240657" y="2636912"/>
+                <a:ext cx="457305" cy="369332"/>
+              </a:xfrm>
+              <a:prstGeom prst="rect">
+                <a:avLst/>
+              </a:prstGeom>
+              <a:noFill/>
+            </p:spPr>
+            <p:txBody>
+              <a:bodyPr wrap="none" rtlCol="0">
+                <a:spAutoFit/>
+              </a:bodyPr>
+              <a:lstStyle/>
+              <a:p>
+                <a:pPr/>
+                <a14:m>
+                  <m:oMathPara xmlns:m="http://schemas.openxmlformats.org/officeDocument/2006/math">
+                    <m:oMathParaPr>
+                      <m:jc m:val="centerGroup"/>
+                    </m:oMathParaPr>
+                    <m:oMath xmlns:m="http://schemas.openxmlformats.org/officeDocument/2006/math">
+                      <m:sSub>
+                        <m:sSubPr>
+                          <m:ctrlPr>
+                            <a:rPr lang="pl-PL" i="1" smtClean="0">
+                              <a:latin typeface="Cambria Math"/>
+                            </a:rPr>
+                          </m:ctrlPr>
+                        </m:sSubPr>
+                        <m:e>
+                          <m:r>
+                            <a:rPr lang="pl-PL" b="0" i="1" smtClean="0">
+                              <a:latin typeface="Cambria Math"/>
+                            </a:rPr>
+                            <m:t>𝑏</m:t>
+                          </m:r>
+                        </m:e>
+                        <m:sub>
+                          <m:r>
+                            <a:rPr lang="pl-PL" b="0" i="1" smtClean="0">
+                              <a:latin typeface="Cambria Math"/>
+                            </a:rPr>
+                            <m:t>1</m:t>
+                          </m:r>
+                        </m:sub>
+                      </m:sSub>
+                    </m:oMath>
+                  </m:oMathPara>
+                </a14:m>
+                <a:endParaRPr lang="pl-PL" dirty="0"/>
+              </a:p>
+            </p:txBody>
+          </p:sp>
+        </mc:Choice>
+        <mc:Fallback xmlns="">
+          <p:sp>
+            <p:nvSpPr>
+              <p:cNvPr id="9" name="TextBox 8"/>
+              <p:cNvSpPr txBox="1">
+                <a:spLocks noRot="1" noChangeAspect="1" noMove="1" noResize="1" noEditPoints="1" noAdjustHandles="1" noChangeArrowheads="1" noChangeShapeType="1" noTextEdit="1"/>
+              </p:cNvSpPr>
+              <p:nvPr/>
+            </p:nvSpPr>
+            <p:spPr>
+              <a:xfrm>
+                <a:off x="1240656" y="2636912"/>
+                <a:ext cx="457305" cy="369332"/>
+              </a:xfrm>
+              <a:prstGeom prst="rect">
+                <a:avLst/>
+              </a:prstGeom>
+              <a:blipFill rotWithShape="1">
+                <a:blip r:embed="rId3"/>
+                <a:stretch>
+                  <a:fillRect/>
+                </a:stretch>
+              </a:blipFill>
+            </p:spPr>
+            <p:txBody>
+              <a:bodyPr/>
+              <a:lstStyle/>
+              <a:p>
+                <a:r>
+                  <a:rPr lang="pl-PL">
+                    <a:noFill/>
+                  </a:rPr>
+                  <a:t> </a:t>
+                </a:r>
+              </a:p>
+            </p:txBody>
+          </p:sp>
+        </mc:Fallback>
+      </mc:AlternateContent>
+      <mc:AlternateContent xmlns:mc="http://schemas.openxmlformats.org/markup-compatibility/2006" xmlns:a14="http://schemas.microsoft.com/office/drawing/2010/main">
+        <mc:Choice Requires="a14">
+          <p:sp>
+            <p:nvSpPr>
+              <p:cNvPr id="20" name="TextBox 19"/>
+              <p:cNvSpPr txBox="1"/>
+              <p:nvPr/>
+            </p:nvSpPr>
+            <p:spPr>
+              <a:xfrm>
+                <a:off x="3250599" y="2636912"/>
+                <a:ext cx="462627" cy="369332"/>
+              </a:xfrm>
+              <a:prstGeom prst="rect">
+                <a:avLst/>
+              </a:prstGeom>
+              <a:noFill/>
+            </p:spPr>
+            <p:txBody>
+              <a:bodyPr wrap="none" rtlCol="0">
+                <a:spAutoFit/>
+              </a:bodyPr>
+              <a:lstStyle/>
+              <a:p>
+                <a:pPr/>
+                <a14:m>
+                  <m:oMathPara xmlns:m="http://schemas.openxmlformats.org/officeDocument/2006/math">
+                    <m:oMathParaPr>
+                      <m:jc m:val="centerGroup"/>
+                    </m:oMathParaPr>
+                    <m:oMath xmlns:m="http://schemas.openxmlformats.org/officeDocument/2006/math">
+                      <m:sSub>
+                        <m:sSubPr>
+                          <m:ctrlPr>
+                            <a:rPr lang="pl-PL" i="1" smtClean="0">
+                              <a:latin typeface="Cambria Math"/>
+                            </a:rPr>
+                          </m:ctrlPr>
+                        </m:sSubPr>
+                        <m:e>
+                          <m:r>
+                            <a:rPr lang="pl-PL" b="0" i="1" smtClean="0">
+                              <a:latin typeface="Cambria Math"/>
+                            </a:rPr>
+                            <m:t>𝑏</m:t>
+                          </m:r>
+                        </m:e>
+                        <m:sub>
+                          <m:r>
+                            <a:rPr lang="pl-PL" b="0" i="1" smtClean="0">
+                              <a:latin typeface="Cambria Math"/>
+                            </a:rPr>
+                            <m:t>2</m:t>
+                          </m:r>
+                        </m:sub>
+                      </m:sSub>
+                    </m:oMath>
+                  </m:oMathPara>
+                </a14:m>
+                <a:endParaRPr lang="pl-PL" dirty="0"/>
+              </a:p>
+            </p:txBody>
+          </p:sp>
+        </mc:Choice>
+        <mc:Fallback xmlns="">
+          <p:sp>
+            <p:nvSpPr>
+              <p:cNvPr id="20" name="TextBox 19"/>
+              <p:cNvSpPr txBox="1">
+                <a:spLocks noRot="1" noChangeAspect="1" noMove="1" noResize="1" noEditPoints="1" noAdjustHandles="1" noChangeArrowheads="1" noChangeShapeType="1" noTextEdit="1"/>
+              </p:cNvSpPr>
+              <p:nvPr/>
+            </p:nvSpPr>
+            <p:spPr>
+              <a:xfrm>
+                <a:off x="3250599" y="2636912"/>
+                <a:ext cx="462626" cy="369332"/>
+              </a:xfrm>
+              <a:prstGeom prst="rect">
+                <a:avLst/>
+              </a:prstGeom>
+              <a:blipFill rotWithShape="1">
+                <a:blip r:embed="rId4"/>
+                <a:stretch>
+                  <a:fillRect/>
+                </a:stretch>
+              </a:blipFill>
+            </p:spPr>
+            <p:txBody>
+              <a:bodyPr/>
+              <a:lstStyle/>
+              <a:p>
+                <a:r>
+                  <a:rPr lang="pl-PL">
+                    <a:noFill/>
+                  </a:rPr>
+                  <a:t> </a:t>
+                </a:r>
+              </a:p>
+            </p:txBody>
+          </p:sp>
+        </mc:Fallback>
+      </mc:AlternateContent>
+      <mc:AlternateContent xmlns:mc="http://schemas.openxmlformats.org/markup-compatibility/2006" xmlns:a14="http://schemas.microsoft.com/office/drawing/2010/main">
+        <mc:Choice Requires="a14">
+          <p:sp>
+            <p:nvSpPr>
+              <p:cNvPr id="21" name="TextBox 20"/>
+              <p:cNvSpPr txBox="1"/>
+              <p:nvPr/>
+            </p:nvSpPr>
+            <p:spPr>
+              <a:xfrm>
+                <a:off x="5194815" y="2636912"/>
+                <a:ext cx="462627" cy="369332"/>
+              </a:xfrm>
+              <a:prstGeom prst="rect">
+                <a:avLst/>
+              </a:prstGeom>
+              <a:noFill/>
+            </p:spPr>
+            <p:txBody>
+              <a:bodyPr wrap="none" rtlCol="0">
+                <a:spAutoFit/>
+              </a:bodyPr>
+              <a:lstStyle/>
+              <a:p>
+                <a:pPr/>
+                <a14:m>
+                  <m:oMathPara xmlns:m="http://schemas.openxmlformats.org/officeDocument/2006/math">
+                    <m:oMathParaPr>
+                      <m:jc m:val="centerGroup"/>
+                    </m:oMathParaPr>
+                    <m:oMath xmlns:m="http://schemas.openxmlformats.org/officeDocument/2006/math">
+                      <m:sSub>
+                        <m:sSubPr>
+                          <m:ctrlPr>
+                            <a:rPr lang="pl-PL" i="1" smtClean="0">
+                              <a:latin typeface="Cambria Math"/>
+                            </a:rPr>
+                          </m:ctrlPr>
+                        </m:sSubPr>
+                        <m:e>
+                          <m:r>
+                            <a:rPr lang="pl-PL" b="0" i="1" smtClean="0">
+                              <a:latin typeface="Cambria Math"/>
+                            </a:rPr>
+                            <m:t>𝑏</m:t>
+                          </m:r>
+                        </m:e>
+                        <m:sub>
+                          <m:r>
+                            <a:rPr lang="pl-PL" b="0" i="1" smtClean="0">
+                              <a:latin typeface="Cambria Math"/>
+                            </a:rPr>
+                            <m:t>3</m:t>
+                          </m:r>
+                        </m:sub>
+                      </m:sSub>
+                    </m:oMath>
+                  </m:oMathPara>
+                </a14:m>
+                <a:endParaRPr lang="pl-PL" dirty="0"/>
+              </a:p>
+            </p:txBody>
+          </p:sp>
+        </mc:Choice>
+        <mc:Fallback xmlns="">
+          <p:sp>
+            <p:nvSpPr>
+              <p:cNvPr id="21" name="TextBox 20"/>
+              <p:cNvSpPr txBox="1">
+                <a:spLocks noRot="1" noChangeAspect="1" noMove="1" noResize="1" noEditPoints="1" noAdjustHandles="1" noChangeArrowheads="1" noChangeShapeType="1" noTextEdit="1"/>
+              </p:cNvSpPr>
+              <p:nvPr/>
+            </p:nvSpPr>
+            <p:spPr>
+              <a:xfrm>
+                <a:off x="5194815" y="2636912"/>
+                <a:ext cx="462626" cy="369332"/>
+              </a:xfrm>
+              <a:prstGeom prst="rect">
+                <a:avLst/>
+              </a:prstGeom>
+              <a:blipFill rotWithShape="1">
+                <a:blip r:embed="rId5"/>
+                <a:stretch>
+                  <a:fillRect/>
+                </a:stretch>
+              </a:blipFill>
+            </p:spPr>
+            <p:txBody>
+              <a:bodyPr/>
+              <a:lstStyle/>
+              <a:p>
+                <a:r>
+                  <a:rPr lang="pl-PL">
+                    <a:noFill/>
+                  </a:rPr>
+                  <a:t> </a:t>
+                </a:r>
+              </a:p>
+            </p:txBody>
+          </p:sp>
+        </mc:Fallback>
+      </mc:AlternateContent>
+      <mc:AlternateContent xmlns:mc="http://schemas.openxmlformats.org/markup-compatibility/2006" xmlns:a14="http://schemas.microsoft.com/office/drawing/2010/main">
+        <mc:Choice Requires="a14">
+          <p:sp>
+            <p:nvSpPr>
+              <p:cNvPr id="22" name="TextBox 21"/>
+              <p:cNvSpPr txBox="1"/>
+              <p:nvPr/>
+            </p:nvSpPr>
+            <p:spPr>
+              <a:xfrm>
+                <a:off x="7092281" y="2636912"/>
+                <a:ext cx="462627" cy="369332"/>
+              </a:xfrm>
+              <a:prstGeom prst="rect">
+                <a:avLst/>
+              </a:prstGeom>
+              <a:noFill/>
+            </p:spPr>
+            <p:txBody>
+              <a:bodyPr wrap="none" rtlCol="0">
+                <a:spAutoFit/>
+              </a:bodyPr>
+              <a:lstStyle/>
+              <a:p>
+                <a:pPr/>
+                <a14:m>
+                  <m:oMathPara xmlns:m="http://schemas.openxmlformats.org/officeDocument/2006/math">
+                    <m:oMathParaPr>
+                      <m:jc m:val="centerGroup"/>
+                    </m:oMathParaPr>
+                    <m:oMath xmlns:m="http://schemas.openxmlformats.org/officeDocument/2006/math">
+                      <m:sSub>
+                        <m:sSubPr>
+                          <m:ctrlPr>
+                            <a:rPr lang="pl-PL" i="1" smtClean="0">
+                              <a:latin typeface="Cambria Math"/>
+                            </a:rPr>
+                          </m:ctrlPr>
+                        </m:sSubPr>
+                        <m:e>
+                          <m:r>
+                            <a:rPr lang="pl-PL" b="0" i="1" smtClean="0">
+                              <a:latin typeface="Cambria Math"/>
+                            </a:rPr>
+                            <m:t>𝑏</m:t>
+                          </m:r>
+                        </m:e>
+                        <m:sub>
+                          <m:r>
+                            <a:rPr lang="pl-PL" b="0" i="1" smtClean="0">
+                              <a:latin typeface="Cambria Math"/>
+                            </a:rPr>
+                            <m:t>4</m:t>
+                          </m:r>
+                        </m:sub>
+                      </m:sSub>
+                    </m:oMath>
+                  </m:oMathPara>
+                </a14:m>
+                <a:endParaRPr lang="pl-PL" dirty="0"/>
+              </a:p>
+            </p:txBody>
+          </p:sp>
+        </mc:Choice>
+        <mc:Fallback xmlns="">
+          <p:sp>
+            <p:nvSpPr>
+              <p:cNvPr id="22" name="TextBox 21"/>
+              <p:cNvSpPr txBox="1">
+                <a:spLocks noRot="1" noChangeAspect="1" noMove="1" noResize="1" noEditPoints="1" noAdjustHandles="1" noChangeArrowheads="1" noChangeShapeType="1" noTextEdit="1"/>
+              </p:cNvSpPr>
+              <p:nvPr/>
+            </p:nvSpPr>
+            <p:spPr>
+              <a:xfrm>
+                <a:off x="7092280" y="2636912"/>
+                <a:ext cx="462626" cy="369332"/>
+              </a:xfrm>
+              <a:prstGeom prst="rect">
+                <a:avLst/>
+              </a:prstGeom>
+              <a:blipFill rotWithShape="1">
+                <a:blip r:embed="rId6"/>
+                <a:stretch>
+                  <a:fillRect/>
+                </a:stretch>
+              </a:blipFill>
+            </p:spPr>
+            <p:txBody>
+              <a:bodyPr/>
+              <a:lstStyle/>
+              <a:p>
+                <a:r>
+                  <a:rPr lang="pl-PL">
+                    <a:noFill/>
+                  </a:rPr>
+                  <a:t> </a:t>
+                </a:r>
+              </a:p>
+            </p:txBody>
+          </p:sp>
+        </mc:Fallback>
+      </mc:AlternateContent>
+    </p:spTree>
+    <p:extLst>
+      <p:ext uri="{BB962C8B-B14F-4D97-AF65-F5344CB8AC3E}">
+        <p14:creationId xmlns:p14="http://schemas.microsoft.com/office/powerpoint/2010/main" val="2331824026"/>
+      </p:ext>
+    </p:extLst>
+  </p:cSld>
+  <p:clrMapOvr>
+    <a:masterClrMapping/>
+  </p:clrMapOvr>
+</p:sld>
+</file>
+
+<file path=ppt/slides/slide11.xml><?xml version="1.0" encoding="utf-8"?>
+<p:sld xmlns:a="http://schemas.openxmlformats.org/drawingml/2006/main" xmlns:r="http://schemas.openxmlformats.org/officeDocument/2006/relationships" xmlns:p="http://schemas.openxmlformats.org/presentationml/2006/main">
+  <p:cSld>
+    <p:spTree>
+      <p:nvGrpSpPr>
+        <p:cNvPr id="1" name=""/>
+        <p:cNvGrpSpPr/>
+        <p:nvPr/>
+      </p:nvGrpSpPr>
+      <p:grpSpPr>
+        <a:xfrm>
+          <a:off x="0" y="0"/>
+          <a:ext cx="0" cy="0"/>
+          <a:chOff x="0" y="0"/>
+          <a:chExt cx="0" cy="0"/>
+        </a:xfrm>
+      </p:grpSpPr>
       <p:pic>
         <p:nvPicPr>
-          <p:cNvPr id="13" name="Picture 12"/>
+          <p:cNvPr id="4" name="Picture 3"/>
           <p:cNvPicPr>
             <a:picLocks noChangeAspect="1" noChangeArrowheads="1"/>
           </p:cNvPicPr>
@@ -4159,7 +4738,7 @@
         </p:blipFill>
         <p:spPr bwMode="auto">
           <a:xfrm>
-            <a:off x="539553" y="2613459"/>
+            <a:off x="539553" y="1173299"/>
             <a:ext cx="8259763" cy="514350"/>
           </a:xfrm>
           <a:prstGeom prst="rect">
@@ -4202,13 +4781,13 @@
       </p:pic>
       <p:cxnSp>
         <p:nvCxnSpPr>
-          <p:cNvPr id="14" name="Straight Connector 13"/>
+          <p:cNvPr id="5" name="Straight Connector 4"/>
           <p:cNvCxnSpPr/>
           <p:nvPr/>
         </p:nvCxnSpPr>
         <p:spPr>
           <a:xfrm>
-            <a:off x="611560" y="2613463"/>
+            <a:off x="611560" y="1173303"/>
             <a:ext cx="0" cy="509203"/>
           </a:xfrm>
           <a:prstGeom prst="line">
@@ -4240,13 +4819,13 @@
       </p:cxnSp>
       <p:cxnSp>
         <p:nvCxnSpPr>
-          <p:cNvPr id="15" name="Straight Connector 14"/>
+          <p:cNvPr id="8" name="Straight Connector 7"/>
           <p:cNvCxnSpPr/>
           <p:nvPr/>
         </p:nvCxnSpPr>
         <p:spPr>
           <a:xfrm>
-            <a:off x="4499992" y="2631769"/>
+            <a:off x="4499992" y="1191609"/>
             <a:ext cx="0" cy="509203"/>
           </a:xfrm>
           <a:prstGeom prst="line">
@@ -4278,13 +4857,13 @@
       </p:cxnSp>
       <p:sp>
         <p:nvSpPr>
-          <p:cNvPr id="16" name="TextBox 15"/>
+          <p:cNvPr id="9" name="TextBox 8"/>
           <p:cNvSpPr txBox="1"/>
           <p:nvPr/>
         </p:nvSpPr>
         <p:spPr>
           <a:xfrm>
-            <a:off x="2339752" y="2076546"/>
+            <a:off x="2339752" y="636383"/>
             <a:ext cx="418704" cy="646331"/>
           </a:xfrm>
           <a:prstGeom prst="rect">
@@ -4300,7 +4879,7 @@
           <a:p>
             <a:r>
               <a:rPr lang="pl-PL" sz="3600" b="1" dirty="0" smtClean="0"/>
-              <a:t>3</a:t>
+              <a:t>2</a:t>
             </a:r>
             <a:endParaRPr lang="pl-PL" sz="3600" b="1" dirty="0"/>
           </a:p>
@@ -4308,13 +4887,13 @@
       </p:sp>
       <p:sp>
         <p:nvSpPr>
-          <p:cNvPr id="17" name="TextBox 16"/>
+          <p:cNvPr id="10" name="TextBox 9"/>
           <p:cNvSpPr txBox="1"/>
           <p:nvPr/>
         </p:nvSpPr>
         <p:spPr>
           <a:xfrm>
-            <a:off x="6385544" y="2060046"/>
+            <a:off x="6385544" y="619885"/>
             <a:ext cx="418704" cy="646331"/>
           </a:xfrm>
           <a:prstGeom prst="rect">
@@ -4330,7 +4909,7 @@
           <a:p>
             <a:r>
               <a:rPr lang="pl-PL" sz="3600" b="1" dirty="0" smtClean="0"/>
-              <a:t>0</a:t>
+              <a:t>4</a:t>
             </a:r>
             <a:endParaRPr lang="pl-PL" sz="3600" b="1" dirty="0"/>
           </a:p>
@@ -4338,7 +4917,7 @@
       </p:sp>
       <p:pic>
         <p:nvPicPr>
-          <p:cNvPr id="18" name="Picture 17"/>
+          <p:cNvPr id="13" name="Picture 12"/>
           <p:cNvPicPr>
             <a:picLocks noChangeAspect="1" noChangeArrowheads="1"/>
           </p:cNvPicPr>
@@ -4359,7 +4938,7 @@
         </p:blipFill>
         <p:spPr bwMode="auto">
           <a:xfrm>
-            <a:off x="560711" y="3981611"/>
+            <a:off x="539553" y="2613459"/>
             <a:ext cx="8259763" cy="514350"/>
           </a:xfrm>
           <a:prstGeom prst="rect">
@@ -4402,13 +4981,13 @@
       </p:pic>
       <p:cxnSp>
         <p:nvCxnSpPr>
-          <p:cNvPr id="19" name="Straight Connector 18"/>
+          <p:cNvPr id="14" name="Straight Connector 13"/>
           <p:cNvCxnSpPr/>
           <p:nvPr/>
         </p:nvCxnSpPr>
         <p:spPr>
           <a:xfrm>
-            <a:off x="632717" y="3981615"/>
+            <a:off x="611560" y="2613463"/>
             <a:ext cx="0" cy="509203"/>
           </a:xfrm>
           <a:prstGeom prst="line">
@@ -4440,13 +5019,13 @@
       </p:cxnSp>
       <p:cxnSp>
         <p:nvCxnSpPr>
-          <p:cNvPr id="20" name="Straight Connector 19"/>
+          <p:cNvPr id="15" name="Straight Connector 14"/>
           <p:cNvCxnSpPr/>
           <p:nvPr/>
         </p:nvCxnSpPr>
         <p:spPr>
           <a:xfrm>
-            <a:off x="4521149" y="3999921"/>
+            <a:off x="4499992" y="2631769"/>
             <a:ext cx="0" cy="509203"/>
           </a:xfrm>
           <a:prstGeom prst="line">
@@ -4478,13 +5057,13 @@
       </p:cxnSp>
       <p:sp>
         <p:nvSpPr>
-          <p:cNvPr id="21" name="TextBox 20"/>
+          <p:cNvPr id="16" name="TextBox 15"/>
           <p:cNvSpPr txBox="1"/>
           <p:nvPr/>
         </p:nvSpPr>
         <p:spPr>
           <a:xfrm>
-            <a:off x="2360909" y="3444697"/>
+            <a:off x="2339752" y="2076546"/>
             <a:ext cx="418704" cy="646331"/>
           </a:xfrm>
           <a:prstGeom prst="rect">
@@ -4500,7 +5079,7 @@
           <a:p>
             <a:r>
               <a:rPr lang="pl-PL" sz="3600" b="1" dirty="0" smtClean="0"/>
-              <a:t>1</a:t>
+              <a:t>3</a:t>
             </a:r>
             <a:endParaRPr lang="pl-PL" sz="3600" b="1" dirty="0"/>
           </a:p>
@@ -4508,13 +5087,13 @@
       </p:sp>
       <p:sp>
         <p:nvSpPr>
-          <p:cNvPr id="22" name="TextBox 21"/>
+          <p:cNvPr id="17" name="TextBox 16"/>
           <p:cNvSpPr txBox="1"/>
           <p:nvPr/>
         </p:nvSpPr>
         <p:spPr>
           <a:xfrm>
-            <a:off x="6406702" y="3428197"/>
+            <a:off x="6385544" y="2060046"/>
             <a:ext cx="418704" cy="646331"/>
           </a:xfrm>
           <a:prstGeom prst="rect">
@@ -4530,45 +5109,15 @@
           <a:p>
             <a:r>
               <a:rPr lang="pl-PL" sz="3600" b="1" dirty="0" smtClean="0"/>
-              <a:t>5</a:t>
+              <a:t>0</a:t>
             </a:r>
             <a:endParaRPr lang="pl-PL" sz="3600" b="1" dirty="0"/>
           </a:p>
         </p:txBody>
       </p:sp>
-    </p:spTree>
-    <p:extLst>
-      <p:ext uri="{BB962C8B-B14F-4D97-AF65-F5344CB8AC3E}">
-        <p14:creationId xmlns:p14="http://schemas.microsoft.com/office/powerpoint/2010/main" val="3585858269"/>
-      </p:ext>
-    </p:extLst>
-  </p:cSld>
-  <p:clrMapOvr>
-    <a:masterClrMapping/>
-  </p:clrMapOvr>
-</p:sld>
-</file>
-
-<file path=ppt/slides/slide11.xml><?xml version="1.0" encoding="utf-8"?>
-<p:sld xmlns:a="http://schemas.openxmlformats.org/drawingml/2006/main" xmlns:r="http://schemas.openxmlformats.org/officeDocument/2006/relationships" xmlns:p="http://schemas.openxmlformats.org/presentationml/2006/main">
-  <p:cSld>
-    <p:spTree>
-      <p:nvGrpSpPr>
-        <p:cNvPr id="1" name=""/>
-        <p:cNvGrpSpPr/>
-        <p:nvPr/>
-      </p:nvGrpSpPr>
-      <p:grpSpPr>
-        <a:xfrm>
-          <a:off x="0" y="0"/>
-          <a:ext cx="0" cy="0"/>
-          <a:chOff x="0" y="0"/>
-          <a:chExt cx="0" cy="0"/>
-        </a:xfrm>
-      </p:grpSpPr>
       <p:pic>
         <p:nvPicPr>
-          <p:cNvPr id="3" name="Picture 2"/>
+          <p:cNvPr id="18" name="Picture 17"/>
           <p:cNvPicPr>
             <a:picLocks noChangeAspect="1" noChangeArrowheads="1"/>
           </p:cNvPicPr>
@@ -4589,8 +5138,8 @@
         </p:blipFill>
         <p:spPr bwMode="auto">
           <a:xfrm>
-            <a:off x="395537" y="467990"/>
-            <a:ext cx="8420159" cy="5201940"/>
+            <a:off x="560711" y="3981611"/>
+            <a:ext cx="8259763" cy="514350"/>
           </a:xfrm>
           <a:prstGeom prst="rect">
             <a:avLst/>
@@ -4632,13 +5181,13 @@
       </p:pic>
       <p:cxnSp>
         <p:nvCxnSpPr>
-          <p:cNvPr id="4" name="Straight Connector 3"/>
+          <p:cNvPr id="19" name="Straight Connector 18"/>
           <p:cNvCxnSpPr/>
           <p:nvPr/>
         </p:nvCxnSpPr>
         <p:spPr>
           <a:xfrm>
-            <a:off x="2915816" y="2700223"/>
+            <a:off x="632717" y="3981615"/>
             <a:ext cx="0" cy="509203"/>
           </a:xfrm>
           <a:prstGeom prst="line">
@@ -4670,13 +5219,13 @@
       </p:cxnSp>
       <p:cxnSp>
         <p:nvCxnSpPr>
-          <p:cNvPr id="5" name="Straight Connector 4"/>
+          <p:cNvPr id="20" name="Straight Connector 19"/>
           <p:cNvCxnSpPr/>
           <p:nvPr/>
         </p:nvCxnSpPr>
         <p:spPr>
-          <a:xfrm rot="2100000">
-            <a:off x="6514197" y="3891555"/>
+          <a:xfrm>
+            <a:off x="4521149" y="3999921"/>
             <a:ext cx="0" cy="509203"/>
           </a:xfrm>
           <a:prstGeom prst="line">
@@ -4706,54 +5255,106 @@
           </a:fontRef>
         </p:style>
       </p:cxnSp>
-      <p:cxnSp>
-        <p:nvCxnSpPr>
-          <p:cNvPr id="6" name="Straight Connector 5"/>
-          <p:cNvCxnSpPr/>
-          <p:nvPr/>
-        </p:nvCxnSpPr>
-        <p:spPr>
-          <a:xfrm rot="-2100000">
-            <a:off x="6551394" y="1582760"/>
-            <a:ext cx="0" cy="509203"/>
-          </a:xfrm>
-          <a:prstGeom prst="line">
-            <a:avLst/>
-          </a:prstGeom>
-          <a:ln w="28575">
-            <a:solidFill>
-              <a:schemeClr val="tx1">
-                <a:lumMod val="95000"/>
-                <a:lumOff val="5000"/>
-              </a:schemeClr>
-            </a:solidFill>
-          </a:ln>
-        </p:spPr>
-        <p:style>
-          <a:lnRef idx="1">
-            <a:schemeClr val="dk1"/>
-          </a:lnRef>
-          <a:fillRef idx="0">
-            <a:schemeClr val="dk1"/>
-          </a:fillRef>
-          <a:effectRef idx="0">
-            <a:schemeClr val="dk1"/>
-          </a:effectRef>
-          <a:fontRef idx="minor">
-            <a:schemeClr val="tx1"/>
-          </a:fontRef>
-        </p:style>
-      </p:cxnSp>
+      <p:sp>
+        <p:nvSpPr>
+          <p:cNvPr id="21" name="TextBox 20"/>
+          <p:cNvSpPr txBox="1"/>
+          <p:nvPr/>
+        </p:nvSpPr>
+        <p:spPr>
+          <a:xfrm>
+            <a:off x="2360909" y="3444697"/>
+            <a:ext cx="418704" cy="646331"/>
+          </a:xfrm>
+          <a:prstGeom prst="rect">
+            <a:avLst/>
+          </a:prstGeom>
+          <a:noFill/>
+        </p:spPr>
+        <p:txBody>
+          <a:bodyPr wrap="none" rtlCol="0">
+            <a:spAutoFit/>
+          </a:bodyPr>
+          <a:lstStyle/>
+          <a:p>
+            <a:r>
+              <a:rPr lang="pl-PL" sz="3600" b="1" dirty="0" smtClean="0"/>
+              <a:t>1</a:t>
+            </a:r>
+            <a:endParaRPr lang="pl-PL" sz="3600" b="1" dirty="0"/>
+          </a:p>
+        </p:txBody>
+      </p:sp>
+      <p:sp>
+        <p:nvSpPr>
+          <p:cNvPr id="22" name="TextBox 21"/>
+          <p:cNvSpPr txBox="1"/>
+          <p:nvPr/>
+        </p:nvSpPr>
+        <p:spPr>
+          <a:xfrm>
+            <a:off x="6406702" y="3428197"/>
+            <a:ext cx="418704" cy="646331"/>
+          </a:xfrm>
+          <a:prstGeom prst="rect">
+            <a:avLst/>
+          </a:prstGeom>
+          <a:noFill/>
+        </p:spPr>
+        <p:txBody>
+          <a:bodyPr wrap="none" rtlCol="0">
+            <a:spAutoFit/>
+          </a:bodyPr>
+          <a:lstStyle/>
+          <a:p>
+            <a:r>
+              <a:rPr lang="pl-PL" sz="3600" b="1" dirty="0" smtClean="0"/>
+              <a:t>5</a:t>
+            </a:r>
+            <a:endParaRPr lang="pl-PL" sz="3600" b="1" dirty="0"/>
+          </a:p>
+        </p:txBody>
+      </p:sp>
+    </p:spTree>
+    <p:extLst>
+      <p:ext uri="{BB962C8B-B14F-4D97-AF65-F5344CB8AC3E}">
+        <p14:creationId xmlns:p14="http://schemas.microsoft.com/office/powerpoint/2010/main" val="3585858269"/>
+      </p:ext>
+    </p:extLst>
+  </p:cSld>
+  <p:clrMapOvr>
+    <a:masterClrMapping/>
+  </p:clrMapOvr>
+</p:sld>
+</file>
+
+<file path=ppt/slides/slide12.xml><?xml version="1.0" encoding="utf-8"?>
+<p:sld xmlns:a="http://schemas.openxmlformats.org/drawingml/2006/main" xmlns:r="http://schemas.openxmlformats.org/officeDocument/2006/relationships" xmlns:p="http://schemas.openxmlformats.org/presentationml/2006/main">
+  <p:cSld>
+    <p:spTree>
+      <p:nvGrpSpPr>
+        <p:cNvPr id="1" name=""/>
+        <p:cNvGrpSpPr/>
+        <p:nvPr/>
+      </p:nvGrpSpPr>
+      <p:grpSpPr>
+        <a:xfrm>
+          <a:off x="0" y="0"/>
+          <a:ext cx="0" cy="0"/>
+          <a:chOff x="0" y="0"/>
+          <a:chExt cx="0" cy="0"/>
+        </a:xfrm>
+      </p:grpSpPr>
       <p:pic>
         <p:nvPicPr>
-          <p:cNvPr id="19" name="Picture 2"/>
+          <p:cNvPr id="3" name="Picture 2"/>
           <p:cNvPicPr>
             <a:picLocks noChangeAspect="1" noChangeArrowheads="1"/>
           </p:cNvPicPr>
           <p:nvPr/>
         </p:nvPicPr>
         <p:blipFill>
-          <a:blip r:embed="rId3">
+          <a:blip r:embed="rId2">
             <a:extLst>
               <a:ext uri="{28A0092B-C50C-407E-A947-70E740481C1C}">
                 <a14:useLocalDpi xmlns:a14="http://schemas.microsoft.com/office/drawing/2010/main" val="0"/>
@@ -4767,8 +5368,8 @@
         </p:blipFill>
         <p:spPr bwMode="auto">
           <a:xfrm>
-            <a:off x="1043609" y="2696811"/>
-            <a:ext cx="457200" cy="552450"/>
+            <a:off x="395537" y="467990"/>
+            <a:ext cx="8420159" cy="5201940"/>
           </a:xfrm>
           <a:prstGeom prst="rect">
             <a:avLst/>
@@ -4808,9 +5409,123 @@
           </a:extLst>
         </p:spPr>
       </p:pic>
+      <p:cxnSp>
+        <p:nvCxnSpPr>
+          <p:cNvPr id="4" name="Straight Connector 3"/>
+          <p:cNvCxnSpPr/>
+          <p:nvPr/>
+        </p:nvCxnSpPr>
+        <p:spPr>
+          <a:xfrm>
+            <a:off x="2915816" y="2700223"/>
+            <a:ext cx="0" cy="509203"/>
+          </a:xfrm>
+          <a:prstGeom prst="line">
+            <a:avLst/>
+          </a:prstGeom>
+          <a:ln w="28575">
+            <a:solidFill>
+              <a:schemeClr val="tx1">
+                <a:lumMod val="95000"/>
+                <a:lumOff val="5000"/>
+              </a:schemeClr>
+            </a:solidFill>
+          </a:ln>
+        </p:spPr>
+        <p:style>
+          <a:lnRef idx="1">
+            <a:schemeClr val="dk1"/>
+          </a:lnRef>
+          <a:fillRef idx="0">
+            <a:schemeClr val="dk1"/>
+          </a:fillRef>
+          <a:effectRef idx="0">
+            <a:schemeClr val="dk1"/>
+          </a:effectRef>
+          <a:fontRef idx="minor">
+            <a:schemeClr val="tx1"/>
+          </a:fontRef>
+        </p:style>
+      </p:cxnSp>
+      <p:cxnSp>
+        <p:nvCxnSpPr>
+          <p:cNvPr id="5" name="Straight Connector 4"/>
+          <p:cNvCxnSpPr/>
+          <p:nvPr/>
+        </p:nvCxnSpPr>
+        <p:spPr>
+          <a:xfrm rot="2100000">
+            <a:off x="6514197" y="3891555"/>
+            <a:ext cx="0" cy="509203"/>
+          </a:xfrm>
+          <a:prstGeom prst="line">
+            <a:avLst/>
+          </a:prstGeom>
+          <a:ln w="28575">
+            <a:solidFill>
+              <a:schemeClr val="tx1">
+                <a:lumMod val="95000"/>
+                <a:lumOff val="5000"/>
+              </a:schemeClr>
+            </a:solidFill>
+          </a:ln>
+        </p:spPr>
+        <p:style>
+          <a:lnRef idx="1">
+            <a:schemeClr val="dk1"/>
+          </a:lnRef>
+          <a:fillRef idx="0">
+            <a:schemeClr val="dk1"/>
+          </a:fillRef>
+          <a:effectRef idx="0">
+            <a:schemeClr val="dk1"/>
+          </a:effectRef>
+          <a:fontRef idx="minor">
+            <a:schemeClr val="tx1"/>
+          </a:fontRef>
+        </p:style>
+      </p:cxnSp>
+      <p:cxnSp>
+        <p:nvCxnSpPr>
+          <p:cNvPr id="6" name="Straight Connector 5"/>
+          <p:cNvCxnSpPr/>
+          <p:nvPr/>
+        </p:nvCxnSpPr>
+        <p:spPr>
+          <a:xfrm rot="-2100000">
+            <a:off x="6551394" y="1582760"/>
+            <a:ext cx="0" cy="509203"/>
+          </a:xfrm>
+          <a:prstGeom prst="line">
+            <a:avLst/>
+          </a:prstGeom>
+          <a:ln w="28575">
+            <a:solidFill>
+              <a:schemeClr val="tx1">
+                <a:lumMod val="95000"/>
+                <a:lumOff val="5000"/>
+              </a:schemeClr>
+            </a:solidFill>
+          </a:ln>
+        </p:spPr>
+        <p:style>
+          <a:lnRef idx="1">
+            <a:schemeClr val="dk1"/>
+          </a:lnRef>
+          <a:fillRef idx="0">
+            <a:schemeClr val="dk1"/>
+          </a:fillRef>
+          <a:effectRef idx="0">
+            <a:schemeClr val="dk1"/>
+          </a:effectRef>
+          <a:fontRef idx="minor">
+            <a:schemeClr val="tx1"/>
+          </a:fontRef>
+        </p:style>
+      </p:cxnSp>
       <p:pic>
         <p:nvPicPr>
-          <p:cNvPr id="20" name="Picture 3"/>
+          <p:cNvPr id="19" name="Picture 2"/>
           <p:cNvPicPr>
             <a:picLocks noChangeAspect="1" noChangeArrowheads="1"/>
           </p:cNvPicPr>
@@ -4831,7 +5546,7 @@
         </p:blipFill>
         <p:spPr bwMode="auto">
           <a:xfrm>
-            <a:off x="4343401" y="3152775"/>
+            <a:off x="1043609" y="2696811"/>
             <a:ext cx="457200" cy="552450"/>
           </a:xfrm>
           <a:prstGeom prst="rect">
@@ -4874,7 +5589,7 @@
       </p:pic>
       <p:pic>
         <p:nvPicPr>
-          <p:cNvPr id="21" name="Picture 5"/>
+          <p:cNvPr id="20" name="Picture 3"/>
           <p:cNvPicPr>
             <a:picLocks noChangeAspect="1" noChangeArrowheads="1"/>
           </p:cNvPicPr>
@@ -4895,7 +5610,7 @@
         </p:blipFill>
         <p:spPr bwMode="auto">
           <a:xfrm>
-            <a:off x="7740353" y="5149230"/>
+            <a:off x="4343401" y="3152775"/>
             <a:ext cx="457200" cy="552450"/>
           </a:xfrm>
           <a:prstGeom prst="rect">
@@ -4938,7 +5653,7 @@
       </p:pic>
       <p:pic>
         <p:nvPicPr>
-          <p:cNvPr id="22" name="Picture 6"/>
+          <p:cNvPr id="21" name="Picture 5"/>
           <p:cNvPicPr>
             <a:picLocks noChangeAspect="1" noChangeArrowheads="1"/>
           </p:cNvPicPr>
@@ -4959,7 +5674,7 @@
         </p:blipFill>
         <p:spPr bwMode="auto">
           <a:xfrm>
-            <a:off x="4743450" y="3406775"/>
+            <a:off x="7740353" y="5149230"/>
             <a:ext cx="457200" cy="552450"/>
           </a:xfrm>
           <a:prstGeom prst="rect">
@@ -5002,7 +5717,7 @@
       </p:pic>
       <p:pic>
         <p:nvPicPr>
-          <p:cNvPr id="23" name="Picture 7"/>
+          <p:cNvPr id="22" name="Picture 6"/>
           <p:cNvPicPr>
             <a:picLocks noChangeAspect="1" noChangeArrowheads="1"/>
           </p:cNvPicPr>
@@ -5023,7 +5738,7 @@
         </p:blipFill>
         <p:spPr bwMode="auto">
           <a:xfrm>
-            <a:off x="7926368" y="4573220"/>
+            <a:off x="4743450" y="3406775"/>
             <a:ext cx="457200" cy="552450"/>
           </a:xfrm>
           <a:prstGeom prst="rect">
@@ -5066,7 +5781,7 @@
       </p:pic>
       <p:pic>
         <p:nvPicPr>
-          <p:cNvPr id="24" name="Picture 8"/>
+          <p:cNvPr id="23" name="Picture 7"/>
           <p:cNvPicPr>
             <a:picLocks noChangeAspect="1" noChangeArrowheads="1"/>
           </p:cNvPicPr>
@@ -5087,7 +5802,7 @@
         </p:blipFill>
         <p:spPr bwMode="auto">
           <a:xfrm>
-            <a:off x="8028385" y="4941004"/>
+            <a:off x="7926368" y="4573220"/>
             <a:ext cx="457200" cy="552450"/>
           </a:xfrm>
           <a:prstGeom prst="rect">
@@ -5130,7 +5845,7 @@
       </p:pic>
       <p:pic>
         <p:nvPicPr>
-          <p:cNvPr id="25" name="Picture 9"/>
+          <p:cNvPr id="24" name="Picture 8"/>
           <p:cNvPicPr>
             <a:picLocks noChangeAspect="1" noChangeArrowheads="1"/>
           </p:cNvPicPr>
@@ -5151,7 +5866,7 @@
         </p:blipFill>
         <p:spPr bwMode="auto">
           <a:xfrm>
-            <a:off x="4375150" y="3502025"/>
+            <a:off x="8028385" y="4941004"/>
             <a:ext cx="457200" cy="552450"/>
           </a:xfrm>
           <a:prstGeom prst="rect">
@@ -5194,7 +5909,7 @@
       </p:pic>
       <p:pic>
         <p:nvPicPr>
-          <p:cNvPr id="26" name="Picture 10"/>
+          <p:cNvPr id="25" name="Picture 9"/>
           <p:cNvPicPr>
             <a:picLocks noChangeAspect="1" noChangeArrowheads="1"/>
           </p:cNvPicPr>
@@ -5215,7 +5930,7 @@
         </p:blipFill>
         <p:spPr bwMode="auto">
           <a:xfrm>
-            <a:off x="7958117" y="5117480"/>
+            <a:off x="4375150" y="3502025"/>
             <a:ext cx="457200" cy="552450"/>
           </a:xfrm>
           <a:prstGeom prst="rect">
@@ -5258,14 +5973,14 @@
       </p:pic>
       <p:pic>
         <p:nvPicPr>
-          <p:cNvPr id="27" name="Picture 11"/>
+          <p:cNvPr id="26" name="Picture 10"/>
           <p:cNvPicPr>
             <a:picLocks noChangeAspect="1" noChangeArrowheads="1"/>
           </p:cNvPicPr>
           <p:nvPr/>
         </p:nvPicPr>
         <p:blipFill>
-          <a:blip r:embed="rId4">
+          <a:blip r:embed="rId3">
             <a:extLst>
               <a:ext uri="{28A0092B-C50C-407E-A947-70E740481C1C}">
                 <a14:useLocalDpi xmlns:a14="http://schemas.microsoft.com/office/drawing/2010/main" val="0"/>
@@ -5279,8 +5994,8 @@
         </p:blipFill>
         <p:spPr bwMode="auto">
           <a:xfrm>
-            <a:off x="7926368" y="5117484"/>
-            <a:ext cx="152400" cy="161925"/>
+            <a:off x="7958117" y="5117480"/>
+            <a:ext cx="457200" cy="552450"/>
           </a:xfrm>
           <a:prstGeom prst="rect">
             <a:avLst/>
@@ -5322,7 +6037,7 @@
       </p:pic>
       <p:pic>
         <p:nvPicPr>
-          <p:cNvPr id="28" name="Picture 12"/>
+          <p:cNvPr id="27" name="Picture 11"/>
           <p:cNvPicPr>
             <a:picLocks noChangeAspect="1" noChangeArrowheads="1"/>
           </p:cNvPicPr>
@@ -5343,7 +6058,7 @@
         </p:blipFill>
         <p:spPr bwMode="auto">
           <a:xfrm>
-            <a:off x="7892753" y="5068271"/>
+            <a:off x="7926368" y="5117484"/>
             <a:ext cx="152400" cy="161925"/>
           </a:xfrm>
           <a:prstGeom prst="rect">
@@ -5386,7 +6101,7 @@
       </p:pic>
       <p:pic>
         <p:nvPicPr>
-          <p:cNvPr id="29" name="Picture 13"/>
+          <p:cNvPr id="28" name="Picture 12"/>
           <p:cNvPicPr>
             <a:picLocks noChangeAspect="1" noChangeArrowheads="1"/>
           </p:cNvPicPr>
@@ -5407,7 +6122,7 @@
         </p:blipFill>
         <p:spPr bwMode="auto">
           <a:xfrm>
-            <a:off x="7788126" y="5125674"/>
+            <a:off x="7892753" y="5068271"/>
             <a:ext cx="152400" cy="161925"/>
           </a:xfrm>
           <a:prstGeom prst="rect">
@@ -5450,7 +6165,7 @@
       </p:pic>
       <p:pic>
         <p:nvPicPr>
-          <p:cNvPr id="30" name="Picture 14"/>
+          <p:cNvPr id="29" name="Picture 13"/>
           <p:cNvPicPr>
             <a:picLocks noChangeAspect="1" noChangeArrowheads="1"/>
           </p:cNvPicPr>
@@ -5471,7 +6186,7 @@
         </p:blipFill>
         <p:spPr bwMode="auto">
           <a:xfrm>
-            <a:off x="7824173" y="562514"/>
+            <a:off x="7788126" y="5125674"/>
             <a:ext cx="152400" cy="161925"/>
           </a:xfrm>
           <a:prstGeom prst="rect">
@@ -5514,14 +6229,14 @@
       </p:pic>
       <p:pic>
         <p:nvPicPr>
-          <p:cNvPr id="31" name="Picture 15"/>
+          <p:cNvPr id="30" name="Picture 14"/>
           <p:cNvPicPr>
             <a:picLocks noChangeAspect="1" noChangeArrowheads="1"/>
           </p:cNvPicPr>
           <p:nvPr/>
         </p:nvPicPr>
         <p:blipFill>
-          <a:blip r:embed="rId5">
+          <a:blip r:embed="rId4">
             <a:extLst>
               <a:ext uri="{28A0092B-C50C-407E-A947-70E740481C1C}">
                 <a14:useLocalDpi xmlns:a14="http://schemas.microsoft.com/office/drawing/2010/main" val="0"/>
@@ -5535,8 +6250,8 @@
         </p:blipFill>
         <p:spPr bwMode="auto">
           <a:xfrm>
-            <a:off x="7892754" y="533251"/>
-            <a:ext cx="561975" cy="514350"/>
+            <a:off x="7824173" y="562514"/>
+            <a:ext cx="152400" cy="161925"/>
           </a:xfrm>
           <a:prstGeom prst="rect">
             <a:avLst/>
@@ -5578,14 +6293,14 @@
       </p:pic>
       <p:pic>
         <p:nvPicPr>
-          <p:cNvPr id="32" name="Picture 20"/>
+          <p:cNvPr id="31" name="Picture 15"/>
           <p:cNvPicPr>
             <a:picLocks noChangeAspect="1" noChangeArrowheads="1"/>
           </p:cNvPicPr>
           <p:nvPr/>
         </p:nvPicPr>
         <p:blipFill>
-          <a:blip r:embed="rId6">
+          <a:blip r:embed="rId5">
             <a:extLst>
               <a:ext uri="{28A0092B-C50C-407E-A947-70E740481C1C}">
                 <a14:useLocalDpi xmlns:a14="http://schemas.microsoft.com/office/drawing/2010/main" val="0"/>
@@ -5599,8 +6314,8 @@
         </p:blipFill>
         <p:spPr bwMode="auto">
           <a:xfrm>
-            <a:off x="7818836" y="281526"/>
-            <a:ext cx="209550" cy="561975"/>
+            <a:off x="7892754" y="533251"/>
+            <a:ext cx="561975" cy="514350"/>
           </a:xfrm>
           <a:prstGeom prst="rect">
             <a:avLst/>
@@ -5642,7 +6357,7 @@
       </p:pic>
       <p:pic>
         <p:nvPicPr>
-          <p:cNvPr id="33" name="Picture 21"/>
+          <p:cNvPr id="32" name="Picture 20"/>
           <p:cNvPicPr>
             <a:picLocks noChangeAspect="1" noChangeArrowheads="1"/>
           </p:cNvPicPr>
@@ -5663,7 +6378,7 @@
         </p:blipFill>
         <p:spPr bwMode="auto">
           <a:xfrm>
-            <a:off x="4467227" y="2179642"/>
+            <a:off x="7818836" y="281526"/>
             <a:ext cx="209550" cy="561975"/>
           </a:xfrm>
           <a:prstGeom prst="rect">
@@ -5706,14 +6421,14 @@
       </p:pic>
       <p:pic>
         <p:nvPicPr>
-          <p:cNvPr id="34" name="Picture 24"/>
+          <p:cNvPr id="33" name="Picture 21"/>
           <p:cNvPicPr>
             <a:picLocks noChangeAspect="1" noChangeArrowheads="1"/>
           </p:cNvPicPr>
           <p:nvPr/>
         </p:nvPicPr>
         <p:blipFill>
-          <a:blip r:embed="rId7">
+          <a:blip r:embed="rId6">
             <a:extLst>
               <a:ext uri="{28A0092B-C50C-407E-A947-70E740481C1C}">
                 <a14:useLocalDpi xmlns:a14="http://schemas.microsoft.com/office/drawing/2010/main" val="0"/>
@@ -5727,8 +6442,8 @@
         </p:blipFill>
         <p:spPr bwMode="auto">
           <a:xfrm>
-            <a:off x="7764312" y="429163"/>
-            <a:ext cx="352425" cy="428625"/>
+            <a:off x="4467227" y="2179642"/>
+            <a:ext cx="209550" cy="561975"/>
           </a:xfrm>
           <a:prstGeom prst="rect">
             <a:avLst/>
@@ -5770,7 +6485,7 @@
       </p:pic>
       <p:pic>
         <p:nvPicPr>
-          <p:cNvPr id="35" name="Picture 25"/>
+          <p:cNvPr id="34" name="Picture 24"/>
           <p:cNvPicPr>
             <a:picLocks noChangeAspect="1" noChangeArrowheads="1"/>
           </p:cNvPicPr>
@@ -5791,7 +6506,7 @@
         </p:blipFill>
         <p:spPr bwMode="auto">
           <a:xfrm>
-            <a:off x="7764312" y="471709"/>
+            <a:off x="7764312" y="429163"/>
             <a:ext cx="352425" cy="428625"/>
           </a:xfrm>
           <a:prstGeom prst="rect">
@@ -5832,6 +6547,70 @@
           </a:extLst>
         </p:spPr>
       </p:pic>
+      <p:pic>
+        <p:nvPicPr>
+          <p:cNvPr id="35" name="Picture 25"/>
+          <p:cNvPicPr>
+            <a:picLocks noChangeAspect="1" noChangeArrowheads="1"/>
+          </p:cNvPicPr>
+          <p:nvPr/>
+        </p:nvPicPr>
+        <p:blipFill>
+          <a:blip r:embed="rId7">
+            <a:extLst>
+              <a:ext uri="{28A0092B-C50C-407E-A947-70E740481C1C}">
+                <a14:useLocalDpi xmlns:a14="http://schemas.microsoft.com/office/drawing/2010/main" val="0"/>
+              </a:ext>
+            </a:extLst>
+          </a:blip>
+          <a:srcRect/>
+          <a:stretch>
+            <a:fillRect/>
+          </a:stretch>
+        </p:blipFill>
+        <p:spPr bwMode="auto">
+          <a:xfrm>
+            <a:off x="7764312" y="471709"/>
+            <a:ext cx="352425" cy="428625"/>
+          </a:xfrm>
+          <a:prstGeom prst="rect">
+            <a:avLst/>
+          </a:prstGeom>
+          <a:noFill/>
+          <a:ln>
+            <a:noFill/>
+          </a:ln>
+          <a:effectLst/>
+          <a:extLst>
+            <a:ext uri="{909E8E84-426E-40DD-AFC4-6F175D3DCCD1}">
+              <a14:hiddenFill xmlns:a14="http://schemas.microsoft.com/office/drawing/2010/main">
+                <a:solidFill>
+                  <a:schemeClr val="accent1"/>
+                </a:solidFill>
+              </a14:hiddenFill>
+            </a:ext>
+            <a:ext uri="{91240B29-F687-4F45-9708-019B960494DF}">
+              <a14:hiddenLine xmlns:a14="http://schemas.microsoft.com/office/drawing/2010/main" w="9525">
+                <a:solidFill>
+                  <a:schemeClr val="tx1"/>
+                </a:solidFill>
+                <a:miter lim="800000"/>
+                <a:headEnd/>
+                <a:tailEnd/>
+              </a14:hiddenLine>
+            </a:ext>
+            <a:ext uri="{AF507438-7753-43E0-B8FC-AC1667EBCBE1}">
+              <a14:hiddenEffects xmlns:a14="http://schemas.microsoft.com/office/drawing/2010/main">
+                <a:effectLst>
+                  <a:outerShdw dist="35921" dir="2700000" algn="ctr" rotWithShape="0">
+                    <a:schemeClr val="bg2"/>
+                  </a:outerShdw>
+                </a:effectLst>
+              </a14:hiddenEffects>
+            </a:ext>
+          </a:extLst>
+        </p:spPr>
+      </p:pic>
     </p:spTree>
     <p:extLst>
       <p:ext uri="{BB962C8B-B14F-4D97-AF65-F5344CB8AC3E}">
@@ -5852,7 +6631,7 @@
 </p:sld>
 </file>
 
-<file path=ppt/slides/slide12.xml><?xml version="1.0" encoding="utf-8"?>
+<file path=ppt/slides/slide13.xml><?xml version="1.0" encoding="utf-8"?>
 <p:sld xmlns:a="http://schemas.openxmlformats.org/drawingml/2006/main" xmlns:r="http://schemas.openxmlformats.org/officeDocument/2006/relationships" xmlns:p="http://schemas.openxmlformats.org/presentationml/2006/main">
   <p:cSld>
     <p:spTree>
@@ -7946,7 +8725,7 @@
 </p:sld>
 </file>
 
-<file path=ppt/slides/slide13.xml><?xml version="1.0" encoding="utf-8"?>
+<file path=ppt/slides/slide14.xml><?xml version="1.0" encoding="utf-8"?>
 <p:sld xmlns:a="http://schemas.openxmlformats.org/drawingml/2006/main" xmlns:r="http://schemas.openxmlformats.org/officeDocument/2006/relationships" xmlns:p="http://schemas.openxmlformats.org/presentationml/2006/main">
   <p:cSld>
     <p:spTree>
@@ -7976,7 +8755,7 @@
 </p:sld>
 </file>
 
-<file path=ppt/slides/slide14.xml><?xml version="1.0" encoding="utf-8"?>
+<file path=ppt/slides/slide15.xml><?xml version="1.0" encoding="utf-8"?>
 <p:sld xmlns:a="http://schemas.openxmlformats.org/drawingml/2006/main" xmlns:r="http://schemas.openxmlformats.org/officeDocument/2006/relationships" xmlns:p="http://schemas.openxmlformats.org/presentationml/2006/main">
   <p:cSld>
     <p:spTree>
@@ -9378,7 +10157,7 @@
 </p:sld>
 </file>
 
-<file path=ppt/slides/slide15.xml><?xml version="1.0" encoding="utf-8"?>
+<file path=ppt/slides/slide16.xml><?xml version="1.0" encoding="utf-8"?>
 <p:sld xmlns:a="http://schemas.openxmlformats.org/drawingml/2006/main" xmlns:r="http://schemas.openxmlformats.org/officeDocument/2006/relationships" xmlns:p="http://schemas.openxmlformats.org/presentationml/2006/main">
   <p:cSld>
     <p:spTree>
@@ -11602,7 +12381,7 @@
 </p:sld>
 </file>
 
-<file path=ppt/slides/slide16.xml><?xml version="1.0" encoding="utf-8"?>
+<file path=ppt/slides/slide17.xml><?xml version="1.0" encoding="utf-8"?>
 <p:sld xmlns:a="http://schemas.openxmlformats.org/drawingml/2006/main" xmlns:r="http://schemas.openxmlformats.org/officeDocument/2006/relationships" xmlns:p="http://schemas.openxmlformats.org/presentationml/2006/main">
   <p:cSld>
     <p:spTree>
@@ -13826,7 +14605,7 @@
 </p:sld>
 </file>
 
-<file path=ppt/slides/slide17.xml><?xml version="1.0" encoding="utf-8"?>
+<file path=ppt/slides/slide18.xml><?xml version="1.0" encoding="utf-8"?>
 <p:sld xmlns:a="http://schemas.openxmlformats.org/drawingml/2006/main" xmlns:r="http://schemas.openxmlformats.org/officeDocument/2006/relationships" xmlns:p="http://schemas.openxmlformats.org/presentationml/2006/main">
   <p:cSld>
     <p:spTree>
@@ -16048,7 +16827,7 @@
 </p:sld>
 </file>
 
-<file path=ppt/slides/slide18.xml><?xml version="1.0" encoding="utf-8"?>
+<file path=ppt/slides/slide19.xml><?xml version="1.0" encoding="utf-8"?>
 <p:sld xmlns:a="http://schemas.openxmlformats.org/drawingml/2006/main" xmlns:r="http://schemas.openxmlformats.org/officeDocument/2006/relationships" xmlns:p="http://schemas.openxmlformats.org/presentationml/2006/main">
   <p:cSld>
     <p:spTree>
@@ -18335,292 +19114,6 @@
 </p:sld>
 </file>
 
-<file path=ppt/slides/slide19.xml><?xml version="1.0" encoding="utf-8"?>
-<p:sld xmlns:a="http://schemas.openxmlformats.org/drawingml/2006/main" xmlns:r="http://schemas.openxmlformats.org/officeDocument/2006/relationships" xmlns:p="http://schemas.openxmlformats.org/presentationml/2006/main">
-  <p:cSld>
-    <p:spTree>
-      <p:nvGrpSpPr>
-        <p:cNvPr id="1" name=""/>
-        <p:cNvGrpSpPr/>
-        <p:nvPr/>
-      </p:nvGrpSpPr>
-      <p:grpSpPr>
-        <a:xfrm>
-          <a:off x="0" y="0"/>
-          <a:ext cx="0" cy="0"/>
-          <a:chOff x="0" y="0"/>
-          <a:chExt cx="0" cy="0"/>
-        </a:xfrm>
-      </p:grpSpPr>
-      <p:pic>
-        <p:nvPicPr>
-          <p:cNvPr id="3075" name="Picture 3"/>
-          <p:cNvPicPr>
-            <a:picLocks noChangeAspect="1" noChangeArrowheads="1"/>
-          </p:cNvPicPr>
-          <p:nvPr/>
-        </p:nvPicPr>
-        <p:blipFill>
-          <a:blip r:embed="rId2">
-            <a:extLst>
-              <a:ext uri="{28A0092B-C50C-407E-A947-70E740481C1C}">
-                <a14:useLocalDpi xmlns:a14="http://schemas.microsoft.com/office/drawing/2010/main" val="0"/>
-              </a:ext>
-            </a:extLst>
-          </a:blip>
-          <a:srcRect/>
-          <a:stretch>
-            <a:fillRect/>
-          </a:stretch>
-        </p:blipFill>
-        <p:spPr bwMode="auto">
-          <a:xfrm>
-            <a:off x="899592" y="116636"/>
-            <a:ext cx="7372350" cy="3286125"/>
-          </a:xfrm>
-          <a:prstGeom prst="rect">
-            <a:avLst/>
-          </a:prstGeom>
-          <a:noFill/>
-          <a:ln>
-            <a:noFill/>
-          </a:ln>
-          <a:effectLst/>
-          <a:extLst>
-            <a:ext uri="{909E8E84-426E-40DD-AFC4-6F175D3DCCD1}">
-              <a14:hiddenFill xmlns:a14="http://schemas.microsoft.com/office/drawing/2010/main">
-                <a:solidFill>
-                  <a:schemeClr val="accent1"/>
-                </a:solidFill>
-              </a14:hiddenFill>
-            </a:ext>
-            <a:ext uri="{91240B29-F687-4F45-9708-019B960494DF}">
-              <a14:hiddenLine xmlns:a14="http://schemas.microsoft.com/office/drawing/2010/main" w="9525">
-                <a:solidFill>
-                  <a:schemeClr val="tx1"/>
-                </a:solidFill>
-                <a:miter lim="800000"/>
-                <a:headEnd/>
-                <a:tailEnd/>
-              </a14:hiddenLine>
-            </a:ext>
-            <a:ext uri="{AF507438-7753-43E0-B8FC-AC1667EBCBE1}">
-              <a14:hiddenEffects xmlns:a14="http://schemas.microsoft.com/office/drawing/2010/main">
-                <a:effectLst>
-                  <a:outerShdw dist="35921" dir="2700000" algn="ctr" rotWithShape="0">
-                    <a:schemeClr val="bg2"/>
-                  </a:outerShdw>
-                </a:effectLst>
-              </a14:hiddenEffects>
-            </a:ext>
-          </a:extLst>
-        </p:spPr>
-      </p:pic>
-      <p:pic>
-        <p:nvPicPr>
-          <p:cNvPr id="3076" name="Picture 4"/>
-          <p:cNvPicPr>
-            <a:picLocks noChangeAspect="1" noChangeArrowheads="1"/>
-          </p:cNvPicPr>
-          <p:nvPr/>
-        </p:nvPicPr>
-        <p:blipFill>
-          <a:blip r:embed="rId3" cstate="print">
-            <a:extLst>
-              <a:ext uri="{28A0092B-C50C-407E-A947-70E740481C1C}">
-                <a14:useLocalDpi xmlns:a14="http://schemas.microsoft.com/office/drawing/2010/main" val="0"/>
-              </a:ext>
-            </a:extLst>
-          </a:blip>
-          <a:srcRect/>
-          <a:stretch>
-            <a:fillRect/>
-          </a:stretch>
-        </p:blipFill>
-        <p:spPr bwMode="auto">
-          <a:xfrm>
-            <a:off x="2254692" y="4581131"/>
-            <a:ext cx="372966" cy="680317"/>
-          </a:xfrm>
-          <a:prstGeom prst="rect">
-            <a:avLst/>
-          </a:prstGeom>
-          <a:noFill/>
-          <a:ln>
-            <a:noFill/>
-          </a:ln>
-          <a:effectLst/>
-          <a:extLst>
-            <a:ext uri="{909E8E84-426E-40DD-AFC4-6F175D3DCCD1}">
-              <a14:hiddenFill xmlns:a14="http://schemas.microsoft.com/office/drawing/2010/main">
-                <a:solidFill>
-                  <a:schemeClr val="accent1"/>
-                </a:solidFill>
-              </a14:hiddenFill>
-            </a:ext>
-            <a:ext uri="{91240B29-F687-4F45-9708-019B960494DF}">
-              <a14:hiddenLine xmlns:a14="http://schemas.microsoft.com/office/drawing/2010/main" w="9525">
-                <a:solidFill>
-                  <a:schemeClr val="tx1"/>
-                </a:solidFill>
-                <a:miter lim="800000"/>
-                <a:headEnd/>
-                <a:tailEnd/>
-              </a14:hiddenLine>
-            </a:ext>
-            <a:ext uri="{AF507438-7753-43E0-B8FC-AC1667EBCBE1}">
-              <a14:hiddenEffects xmlns:a14="http://schemas.microsoft.com/office/drawing/2010/main">
-                <a:effectLst>
-                  <a:outerShdw dist="35921" dir="2700000" algn="ctr" rotWithShape="0">
-                    <a:schemeClr val="bg2"/>
-                  </a:outerShdw>
-                </a:effectLst>
-              </a14:hiddenEffects>
-            </a:ext>
-          </a:extLst>
-        </p:spPr>
-      </p:pic>
-      <p:pic>
-        <p:nvPicPr>
-          <p:cNvPr id="3077" name="Picture 5"/>
-          <p:cNvPicPr>
-            <a:picLocks noChangeAspect="1" noChangeArrowheads="1"/>
-          </p:cNvPicPr>
-          <p:nvPr/>
-        </p:nvPicPr>
-        <p:blipFill>
-          <a:blip r:embed="rId4" cstate="print">
-            <a:extLst>
-              <a:ext uri="{28A0092B-C50C-407E-A947-70E740481C1C}">
-                <a14:useLocalDpi xmlns:a14="http://schemas.microsoft.com/office/drawing/2010/main" val="0"/>
-              </a:ext>
-            </a:extLst>
-          </a:blip>
-          <a:srcRect/>
-          <a:stretch>
-            <a:fillRect/>
-          </a:stretch>
-        </p:blipFill>
-        <p:spPr bwMode="auto">
-          <a:xfrm>
-            <a:off x="2980114" y="4581131"/>
-            <a:ext cx="373407" cy="680317"/>
-          </a:xfrm>
-          <a:prstGeom prst="rect">
-            <a:avLst/>
-          </a:prstGeom>
-          <a:noFill/>
-          <a:ln>
-            <a:noFill/>
-          </a:ln>
-          <a:effectLst/>
-          <a:extLst>
-            <a:ext uri="{909E8E84-426E-40DD-AFC4-6F175D3DCCD1}">
-              <a14:hiddenFill xmlns:a14="http://schemas.microsoft.com/office/drawing/2010/main">
-                <a:solidFill>
-                  <a:schemeClr val="accent1"/>
-                </a:solidFill>
-              </a14:hiddenFill>
-            </a:ext>
-            <a:ext uri="{91240B29-F687-4F45-9708-019B960494DF}">
-              <a14:hiddenLine xmlns:a14="http://schemas.microsoft.com/office/drawing/2010/main" w="9525">
-                <a:solidFill>
-                  <a:schemeClr val="tx1"/>
-                </a:solidFill>
-                <a:miter lim="800000"/>
-                <a:headEnd/>
-                <a:tailEnd/>
-              </a14:hiddenLine>
-            </a:ext>
-            <a:ext uri="{AF507438-7753-43E0-B8FC-AC1667EBCBE1}">
-              <a14:hiddenEffects xmlns:a14="http://schemas.microsoft.com/office/drawing/2010/main">
-                <a:effectLst>
-                  <a:outerShdw dist="35921" dir="2700000" algn="ctr" rotWithShape="0">
-                    <a:schemeClr val="bg2"/>
-                  </a:outerShdw>
-                </a:effectLst>
-              </a14:hiddenEffects>
-            </a:ext>
-          </a:extLst>
-        </p:spPr>
-      </p:pic>
-      <p:pic>
-        <p:nvPicPr>
-          <p:cNvPr id="3078" name="Picture 6"/>
-          <p:cNvPicPr>
-            <a:picLocks noChangeAspect="1" noChangeArrowheads="1"/>
-          </p:cNvPicPr>
-          <p:nvPr/>
-        </p:nvPicPr>
-        <p:blipFill>
-          <a:blip r:embed="rId5" cstate="print">
-            <a:extLst>
-              <a:ext uri="{28A0092B-C50C-407E-A947-70E740481C1C}">
-                <a14:useLocalDpi xmlns:a14="http://schemas.microsoft.com/office/drawing/2010/main" val="0"/>
-              </a:ext>
-            </a:extLst>
-          </a:blip>
-          <a:srcRect/>
-          <a:stretch>
-            <a:fillRect/>
-          </a:stretch>
-        </p:blipFill>
-        <p:spPr bwMode="auto">
-          <a:xfrm>
-            <a:off x="3568376" y="4581130"/>
-            <a:ext cx="366325" cy="680317"/>
-          </a:xfrm>
-          <a:prstGeom prst="rect">
-            <a:avLst/>
-          </a:prstGeom>
-          <a:noFill/>
-          <a:ln>
-            <a:noFill/>
-          </a:ln>
-          <a:effectLst/>
-          <a:extLst>
-            <a:ext uri="{909E8E84-426E-40DD-AFC4-6F175D3DCCD1}">
-              <a14:hiddenFill xmlns:a14="http://schemas.microsoft.com/office/drawing/2010/main">
-                <a:solidFill>
-                  <a:schemeClr val="accent1"/>
-                </a:solidFill>
-              </a14:hiddenFill>
-            </a:ext>
-            <a:ext uri="{91240B29-F687-4F45-9708-019B960494DF}">
-              <a14:hiddenLine xmlns:a14="http://schemas.microsoft.com/office/drawing/2010/main" w="9525">
-                <a:solidFill>
-                  <a:schemeClr val="tx1"/>
-                </a:solidFill>
-                <a:miter lim="800000"/>
-                <a:headEnd/>
-                <a:tailEnd/>
-              </a14:hiddenLine>
-            </a:ext>
-            <a:ext uri="{AF507438-7753-43E0-B8FC-AC1667EBCBE1}">
-              <a14:hiddenEffects xmlns:a14="http://schemas.microsoft.com/office/drawing/2010/main">
-                <a:effectLst>
-                  <a:outerShdw dist="35921" dir="2700000" algn="ctr" rotWithShape="0">
-                    <a:schemeClr val="bg2"/>
-                  </a:outerShdw>
-                </a:effectLst>
-              </a14:hiddenEffects>
-            </a:ext>
-          </a:extLst>
-        </p:spPr>
-      </p:pic>
-    </p:spTree>
-    <p:extLst>
-      <p:ext uri="{BB962C8B-B14F-4D97-AF65-F5344CB8AC3E}">
-        <p14:creationId xmlns:p14="http://schemas.microsoft.com/office/powerpoint/2010/main" val="469689570"/>
-      </p:ext>
-    </p:extLst>
-  </p:cSld>
-  <p:clrMapOvr>
-    <a:masterClrMapping/>
-  </p:clrMapOvr>
-</p:sld>
-</file>
-
 <file path=ppt/slides/slide2.xml><?xml version="1.0" encoding="utf-8"?>
 <p:sld xmlns:a="http://schemas.openxmlformats.org/drawingml/2006/main" xmlns:r="http://schemas.openxmlformats.org/officeDocument/2006/relationships" xmlns:p="http://schemas.openxmlformats.org/presentationml/2006/main">
   <p:cSld>
@@ -19432,6 +19925,292 @@
 </file>
 
 <file path=ppt/slides/slide20.xml><?xml version="1.0" encoding="utf-8"?>
+<p:sld xmlns:a="http://schemas.openxmlformats.org/drawingml/2006/main" xmlns:r="http://schemas.openxmlformats.org/officeDocument/2006/relationships" xmlns:p="http://schemas.openxmlformats.org/presentationml/2006/main">
+  <p:cSld>
+    <p:spTree>
+      <p:nvGrpSpPr>
+        <p:cNvPr id="1" name=""/>
+        <p:cNvGrpSpPr/>
+        <p:nvPr/>
+      </p:nvGrpSpPr>
+      <p:grpSpPr>
+        <a:xfrm>
+          <a:off x="0" y="0"/>
+          <a:ext cx="0" cy="0"/>
+          <a:chOff x="0" y="0"/>
+          <a:chExt cx="0" cy="0"/>
+        </a:xfrm>
+      </p:grpSpPr>
+      <p:pic>
+        <p:nvPicPr>
+          <p:cNvPr id="3075" name="Picture 3"/>
+          <p:cNvPicPr>
+            <a:picLocks noChangeAspect="1" noChangeArrowheads="1"/>
+          </p:cNvPicPr>
+          <p:nvPr/>
+        </p:nvPicPr>
+        <p:blipFill>
+          <a:blip r:embed="rId2">
+            <a:extLst>
+              <a:ext uri="{28A0092B-C50C-407E-A947-70E740481C1C}">
+                <a14:useLocalDpi xmlns:a14="http://schemas.microsoft.com/office/drawing/2010/main" val="0"/>
+              </a:ext>
+            </a:extLst>
+          </a:blip>
+          <a:srcRect/>
+          <a:stretch>
+            <a:fillRect/>
+          </a:stretch>
+        </p:blipFill>
+        <p:spPr bwMode="auto">
+          <a:xfrm>
+            <a:off x="899592" y="116636"/>
+            <a:ext cx="7372350" cy="3286125"/>
+          </a:xfrm>
+          <a:prstGeom prst="rect">
+            <a:avLst/>
+          </a:prstGeom>
+          <a:noFill/>
+          <a:ln>
+            <a:noFill/>
+          </a:ln>
+          <a:effectLst/>
+          <a:extLst>
+            <a:ext uri="{909E8E84-426E-40DD-AFC4-6F175D3DCCD1}">
+              <a14:hiddenFill xmlns:a14="http://schemas.microsoft.com/office/drawing/2010/main">
+                <a:solidFill>
+                  <a:schemeClr val="accent1"/>
+                </a:solidFill>
+              </a14:hiddenFill>
+            </a:ext>
+            <a:ext uri="{91240B29-F687-4F45-9708-019B960494DF}">
+              <a14:hiddenLine xmlns:a14="http://schemas.microsoft.com/office/drawing/2010/main" w="9525">
+                <a:solidFill>
+                  <a:schemeClr val="tx1"/>
+                </a:solidFill>
+                <a:miter lim="800000"/>
+                <a:headEnd/>
+                <a:tailEnd/>
+              </a14:hiddenLine>
+            </a:ext>
+            <a:ext uri="{AF507438-7753-43E0-B8FC-AC1667EBCBE1}">
+              <a14:hiddenEffects xmlns:a14="http://schemas.microsoft.com/office/drawing/2010/main">
+                <a:effectLst>
+                  <a:outerShdw dist="35921" dir="2700000" algn="ctr" rotWithShape="0">
+                    <a:schemeClr val="bg2"/>
+                  </a:outerShdw>
+                </a:effectLst>
+              </a14:hiddenEffects>
+            </a:ext>
+          </a:extLst>
+        </p:spPr>
+      </p:pic>
+      <p:pic>
+        <p:nvPicPr>
+          <p:cNvPr id="3076" name="Picture 4"/>
+          <p:cNvPicPr>
+            <a:picLocks noChangeAspect="1" noChangeArrowheads="1"/>
+          </p:cNvPicPr>
+          <p:nvPr/>
+        </p:nvPicPr>
+        <p:blipFill>
+          <a:blip r:embed="rId3" cstate="print">
+            <a:extLst>
+              <a:ext uri="{28A0092B-C50C-407E-A947-70E740481C1C}">
+                <a14:useLocalDpi xmlns:a14="http://schemas.microsoft.com/office/drawing/2010/main" val="0"/>
+              </a:ext>
+            </a:extLst>
+          </a:blip>
+          <a:srcRect/>
+          <a:stretch>
+            <a:fillRect/>
+          </a:stretch>
+        </p:blipFill>
+        <p:spPr bwMode="auto">
+          <a:xfrm>
+            <a:off x="2254692" y="4581131"/>
+            <a:ext cx="372966" cy="680317"/>
+          </a:xfrm>
+          <a:prstGeom prst="rect">
+            <a:avLst/>
+          </a:prstGeom>
+          <a:noFill/>
+          <a:ln>
+            <a:noFill/>
+          </a:ln>
+          <a:effectLst/>
+          <a:extLst>
+            <a:ext uri="{909E8E84-426E-40DD-AFC4-6F175D3DCCD1}">
+              <a14:hiddenFill xmlns:a14="http://schemas.microsoft.com/office/drawing/2010/main">
+                <a:solidFill>
+                  <a:schemeClr val="accent1"/>
+                </a:solidFill>
+              </a14:hiddenFill>
+            </a:ext>
+            <a:ext uri="{91240B29-F687-4F45-9708-019B960494DF}">
+              <a14:hiddenLine xmlns:a14="http://schemas.microsoft.com/office/drawing/2010/main" w="9525">
+                <a:solidFill>
+                  <a:schemeClr val="tx1"/>
+                </a:solidFill>
+                <a:miter lim="800000"/>
+                <a:headEnd/>
+                <a:tailEnd/>
+              </a14:hiddenLine>
+            </a:ext>
+            <a:ext uri="{AF507438-7753-43E0-B8FC-AC1667EBCBE1}">
+              <a14:hiddenEffects xmlns:a14="http://schemas.microsoft.com/office/drawing/2010/main">
+                <a:effectLst>
+                  <a:outerShdw dist="35921" dir="2700000" algn="ctr" rotWithShape="0">
+                    <a:schemeClr val="bg2"/>
+                  </a:outerShdw>
+                </a:effectLst>
+              </a14:hiddenEffects>
+            </a:ext>
+          </a:extLst>
+        </p:spPr>
+      </p:pic>
+      <p:pic>
+        <p:nvPicPr>
+          <p:cNvPr id="3077" name="Picture 5"/>
+          <p:cNvPicPr>
+            <a:picLocks noChangeAspect="1" noChangeArrowheads="1"/>
+          </p:cNvPicPr>
+          <p:nvPr/>
+        </p:nvPicPr>
+        <p:blipFill>
+          <a:blip r:embed="rId4" cstate="print">
+            <a:extLst>
+              <a:ext uri="{28A0092B-C50C-407E-A947-70E740481C1C}">
+                <a14:useLocalDpi xmlns:a14="http://schemas.microsoft.com/office/drawing/2010/main" val="0"/>
+              </a:ext>
+            </a:extLst>
+          </a:blip>
+          <a:srcRect/>
+          <a:stretch>
+            <a:fillRect/>
+          </a:stretch>
+        </p:blipFill>
+        <p:spPr bwMode="auto">
+          <a:xfrm>
+            <a:off x="2980114" y="4581131"/>
+            <a:ext cx="373407" cy="680317"/>
+          </a:xfrm>
+          <a:prstGeom prst="rect">
+            <a:avLst/>
+          </a:prstGeom>
+          <a:noFill/>
+          <a:ln>
+            <a:noFill/>
+          </a:ln>
+          <a:effectLst/>
+          <a:extLst>
+            <a:ext uri="{909E8E84-426E-40DD-AFC4-6F175D3DCCD1}">
+              <a14:hiddenFill xmlns:a14="http://schemas.microsoft.com/office/drawing/2010/main">
+                <a:solidFill>
+                  <a:schemeClr val="accent1"/>
+                </a:solidFill>
+              </a14:hiddenFill>
+            </a:ext>
+            <a:ext uri="{91240B29-F687-4F45-9708-019B960494DF}">
+              <a14:hiddenLine xmlns:a14="http://schemas.microsoft.com/office/drawing/2010/main" w="9525">
+                <a:solidFill>
+                  <a:schemeClr val="tx1"/>
+                </a:solidFill>
+                <a:miter lim="800000"/>
+                <a:headEnd/>
+                <a:tailEnd/>
+              </a14:hiddenLine>
+            </a:ext>
+            <a:ext uri="{AF507438-7753-43E0-B8FC-AC1667EBCBE1}">
+              <a14:hiddenEffects xmlns:a14="http://schemas.microsoft.com/office/drawing/2010/main">
+                <a:effectLst>
+                  <a:outerShdw dist="35921" dir="2700000" algn="ctr" rotWithShape="0">
+                    <a:schemeClr val="bg2"/>
+                  </a:outerShdw>
+                </a:effectLst>
+              </a14:hiddenEffects>
+            </a:ext>
+          </a:extLst>
+        </p:spPr>
+      </p:pic>
+      <p:pic>
+        <p:nvPicPr>
+          <p:cNvPr id="3078" name="Picture 6"/>
+          <p:cNvPicPr>
+            <a:picLocks noChangeAspect="1" noChangeArrowheads="1"/>
+          </p:cNvPicPr>
+          <p:nvPr/>
+        </p:nvPicPr>
+        <p:blipFill>
+          <a:blip r:embed="rId5" cstate="print">
+            <a:extLst>
+              <a:ext uri="{28A0092B-C50C-407E-A947-70E740481C1C}">
+                <a14:useLocalDpi xmlns:a14="http://schemas.microsoft.com/office/drawing/2010/main" val="0"/>
+              </a:ext>
+            </a:extLst>
+          </a:blip>
+          <a:srcRect/>
+          <a:stretch>
+            <a:fillRect/>
+          </a:stretch>
+        </p:blipFill>
+        <p:spPr bwMode="auto">
+          <a:xfrm>
+            <a:off x="3568376" y="4581130"/>
+            <a:ext cx="366325" cy="680317"/>
+          </a:xfrm>
+          <a:prstGeom prst="rect">
+            <a:avLst/>
+          </a:prstGeom>
+          <a:noFill/>
+          <a:ln>
+            <a:noFill/>
+          </a:ln>
+          <a:effectLst/>
+          <a:extLst>
+            <a:ext uri="{909E8E84-426E-40DD-AFC4-6F175D3DCCD1}">
+              <a14:hiddenFill xmlns:a14="http://schemas.microsoft.com/office/drawing/2010/main">
+                <a:solidFill>
+                  <a:schemeClr val="accent1"/>
+                </a:solidFill>
+              </a14:hiddenFill>
+            </a:ext>
+            <a:ext uri="{91240B29-F687-4F45-9708-019B960494DF}">
+              <a14:hiddenLine xmlns:a14="http://schemas.microsoft.com/office/drawing/2010/main" w="9525">
+                <a:solidFill>
+                  <a:schemeClr val="tx1"/>
+                </a:solidFill>
+                <a:miter lim="800000"/>
+                <a:headEnd/>
+                <a:tailEnd/>
+              </a14:hiddenLine>
+            </a:ext>
+            <a:ext uri="{AF507438-7753-43E0-B8FC-AC1667EBCBE1}">
+              <a14:hiddenEffects xmlns:a14="http://schemas.microsoft.com/office/drawing/2010/main">
+                <a:effectLst>
+                  <a:outerShdw dist="35921" dir="2700000" algn="ctr" rotWithShape="0">
+                    <a:schemeClr val="bg2"/>
+                  </a:outerShdw>
+                </a:effectLst>
+              </a14:hiddenEffects>
+            </a:ext>
+          </a:extLst>
+        </p:spPr>
+      </p:pic>
+    </p:spTree>
+    <p:extLst>
+      <p:ext uri="{BB962C8B-B14F-4D97-AF65-F5344CB8AC3E}">
+        <p14:creationId xmlns:p14="http://schemas.microsoft.com/office/powerpoint/2010/main" val="469689570"/>
+      </p:ext>
+    </p:extLst>
+  </p:cSld>
+  <p:clrMapOvr>
+    <a:masterClrMapping/>
+  </p:clrMapOvr>
+</p:sld>
+</file>
+
+<file path=ppt/slides/slide21.xml><?xml version="1.0" encoding="utf-8"?>
 <p:sld xmlns:a="http://schemas.openxmlformats.org/drawingml/2006/main" xmlns:r="http://schemas.openxmlformats.org/officeDocument/2006/relationships" xmlns:p="http://schemas.openxmlformats.org/presentationml/2006/main">
   <p:cSld>
     <p:spTree>
@@ -20572,7 +21351,7 @@
 </p:sld>
 </file>
 
-<file path=ppt/slides/slide21.xml><?xml version="1.0" encoding="utf-8"?>
+<file path=ppt/slides/slide22.xml><?xml version="1.0" encoding="utf-8"?>
 <p:sld xmlns:a="http://schemas.openxmlformats.org/drawingml/2006/main" xmlns:r="http://schemas.openxmlformats.org/officeDocument/2006/relationships" xmlns:p="http://schemas.openxmlformats.org/presentationml/2006/main">
   <p:cSld>
     <p:spTree>
@@ -21712,7 +22491,7 @@
 </p:sld>
 </file>
 
-<file path=ppt/slides/slide22.xml><?xml version="1.0" encoding="utf-8"?>
+<file path=ppt/slides/slide23.xml><?xml version="1.0" encoding="utf-8"?>
 <p:sld xmlns:a="http://schemas.openxmlformats.org/drawingml/2006/main" xmlns:r="http://schemas.openxmlformats.org/officeDocument/2006/relationships" xmlns:p="http://schemas.openxmlformats.org/presentationml/2006/main">
   <p:cSld>
     <p:spTree>
@@ -22851,7 +23630,7 @@
 </p:sld>
 </file>
 
-<file path=ppt/slides/slide23.xml><?xml version="1.0" encoding="utf-8"?>
+<file path=ppt/slides/slide24.xml><?xml version="1.0" encoding="utf-8"?>
 <p:sld xmlns:a="http://schemas.openxmlformats.org/drawingml/2006/main" xmlns:r="http://schemas.openxmlformats.org/officeDocument/2006/relationships" xmlns:p="http://schemas.openxmlformats.org/presentationml/2006/main">
   <p:cSld>
     <p:spTree>
@@ -23992,7 +24771,7 @@
 </p:sld>
 </file>
 
-<file path=ppt/slides/slide24.xml><?xml version="1.0" encoding="utf-8"?>
+<file path=ppt/slides/slide25.xml><?xml version="1.0" encoding="utf-8"?>
 <p:sld xmlns:a="http://schemas.openxmlformats.org/drawingml/2006/main" xmlns:r="http://schemas.openxmlformats.org/officeDocument/2006/relationships" xmlns:p="http://schemas.openxmlformats.org/presentationml/2006/main">
   <p:cSld>
     <p:spTree>
@@ -25129,7 +25908,7 @@
 </p:sld>
 </file>
 
-<file path=ppt/slides/slide25.xml><?xml version="1.0" encoding="utf-8"?>
+<file path=ppt/slides/slide26.xml><?xml version="1.0" encoding="utf-8"?>
 <p:sld xmlns:a="http://schemas.openxmlformats.org/drawingml/2006/main" xmlns:r="http://schemas.openxmlformats.org/officeDocument/2006/relationships" xmlns:p="http://schemas.openxmlformats.org/presentationml/2006/main">
   <p:cSld>
     <p:spTree>
@@ -26268,7 +27047,7 @@
 </p:sld>
 </file>
 
-<file path=ppt/slides/slide26.xml><?xml version="1.0" encoding="utf-8"?>
+<file path=ppt/slides/slide27.xml><?xml version="1.0" encoding="utf-8"?>
 <p:sld xmlns:a="http://schemas.openxmlformats.org/drawingml/2006/main" xmlns:r="http://schemas.openxmlformats.org/officeDocument/2006/relationships" xmlns:p="http://schemas.openxmlformats.org/presentationml/2006/main">
   <p:cSld>
     <p:spTree>
@@ -27046,7 +27825,7 @@
 </p:sld>
 </file>
 
-<file path=ppt/slides/slide27.xml><?xml version="1.0" encoding="utf-8"?>
+<file path=ppt/slides/slide28.xml><?xml version="1.0" encoding="utf-8"?>
 <p:sld xmlns:a="http://schemas.openxmlformats.org/drawingml/2006/main" xmlns:r="http://schemas.openxmlformats.org/officeDocument/2006/relationships" xmlns:p="http://schemas.openxmlformats.org/presentationml/2006/main">
   <p:cSld>
     <p:spTree>
@@ -27822,7 +28601,7 @@
 </p:sld>
 </file>
 
-<file path=ppt/slides/slide28.xml><?xml version="1.0" encoding="utf-8"?>
+<file path=ppt/slides/slide29.xml><?xml version="1.0" encoding="utf-8"?>
 <p:sld xmlns:a="http://schemas.openxmlformats.org/drawingml/2006/main" xmlns:r="http://schemas.openxmlformats.org/officeDocument/2006/relationships" xmlns:p="http://schemas.openxmlformats.org/presentationml/2006/main">
   <p:cSld>
     <p:spTree>
@@ -28599,100 +29378,6 @@
 </p:sld>
 </file>
 
-<file path=ppt/slides/slide29.xml><?xml version="1.0" encoding="utf-8"?>
-<p:sld xmlns:a="http://schemas.openxmlformats.org/drawingml/2006/main" xmlns:r="http://schemas.openxmlformats.org/officeDocument/2006/relationships" xmlns:p="http://schemas.openxmlformats.org/presentationml/2006/main">
-  <p:cSld>
-    <p:spTree>
-      <p:nvGrpSpPr>
-        <p:cNvPr id="1" name=""/>
-        <p:cNvGrpSpPr/>
-        <p:nvPr/>
-      </p:nvGrpSpPr>
-      <p:grpSpPr>
-        <a:xfrm>
-          <a:off x="0" y="0"/>
-          <a:ext cx="0" cy="0"/>
-          <a:chOff x="0" y="0"/>
-          <a:chExt cx="0" cy="0"/>
-        </a:xfrm>
-      </p:grpSpPr>
-      <p:pic>
-        <p:nvPicPr>
-          <p:cNvPr id="1026" name="Picture 2"/>
-          <p:cNvPicPr>
-            <a:picLocks noChangeAspect="1" noChangeArrowheads="1"/>
-          </p:cNvPicPr>
-          <p:nvPr/>
-        </p:nvPicPr>
-        <p:blipFill>
-          <a:blip r:embed="rId2">
-            <a:extLst>
-              <a:ext uri="{28A0092B-C50C-407E-A947-70E740481C1C}">
-                <a14:useLocalDpi xmlns:a14="http://schemas.microsoft.com/office/drawing/2010/main" val="0"/>
-              </a:ext>
-            </a:extLst>
-          </a:blip>
-          <a:srcRect/>
-          <a:stretch>
-            <a:fillRect/>
-          </a:stretch>
-        </p:blipFill>
-        <p:spPr bwMode="auto">
-          <a:xfrm>
-            <a:off x="161925" y="1724025"/>
-            <a:ext cx="8820150" cy="3409950"/>
-          </a:xfrm>
-          <a:prstGeom prst="rect">
-            <a:avLst/>
-          </a:prstGeom>
-          <a:noFill/>
-          <a:ln>
-            <a:noFill/>
-          </a:ln>
-          <a:effectLst/>
-          <a:extLst>
-            <a:ext uri="{909E8E84-426E-40DD-AFC4-6F175D3DCCD1}">
-              <a14:hiddenFill xmlns:a14="http://schemas.microsoft.com/office/drawing/2010/main">
-                <a:solidFill>
-                  <a:schemeClr val="accent1"/>
-                </a:solidFill>
-              </a14:hiddenFill>
-            </a:ext>
-            <a:ext uri="{91240B29-F687-4F45-9708-019B960494DF}">
-              <a14:hiddenLine xmlns:a14="http://schemas.microsoft.com/office/drawing/2010/main" w="9525">
-                <a:solidFill>
-                  <a:schemeClr val="tx1"/>
-                </a:solidFill>
-                <a:miter lim="800000"/>
-                <a:headEnd/>
-                <a:tailEnd/>
-              </a14:hiddenLine>
-            </a:ext>
-            <a:ext uri="{AF507438-7753-43E0-B8FC-AC1667EBCBE1}">
-              <a14:hiddenEffects xmlns:a14="http://schemas.microsoft.com/office/drawing/2010/main">
-                <a:effectLst>
-                  <a:outerShdw dist="35921" dir="2700000" algn="ctr" rotWithShape="0">
-                    <a:schemeClr val="bg2"/>
-                  </a:outerShdw>
-                </a:effectLst>
-              </a14:hiddenEffects>
-            </a:ext>
-          </a:extLst>
-        </p:spPr>
-      </p:pic>
-    </p:spTree>
-    <p:extLst>
-      <p:ext uri="{BB962C8B-B14F-4D97-AF65-F5344CB8AC3E}">
-        <p14:creationId xmlns:p14="http://schemas.microsoft.com/office/powerpoint/2010/main" val="1750130460"/>
-      </p:ext>
-    </p:extLst>
-  </p:cSld>
-  <p:clrMapOvr>
-    <a:masterClrMapping/>
-  </p:clrMapOvr>
-</p:sld>
-</file>
-
 <file path=ppt/slides/slide3.xml><?xml version="1.0" encoding="utf-8"?>
 <p:sld xmlns:a="http://schemas.openxmlformats.org/drawingml/2006/main" xmlns:r="http://schemas.openxmlformats.org/officeDocument/2006/relationships" xmlns:p="http://schemas.openxmlformats.org/presentationml/2006/main">
   <p:cSld>
@@ -29504,6 +30189,100 @@
 </file>
 
 <file path=ppt/slides/slide30.xml><?xml version="1.0" encoding="utf-8"?>
+<p:sld xmlns:a="http://schemas.openxmlformats.org/drawingml/2006/main" xmlns:r="http://schemas.openxmlformats.org/officeDocument/2006/relationships" xmlns:p="http://schemas.openxmlformats.org/presentationml/2006/main">
+  <p:cSld>
+    <p:spTree>
+      <p:nvGrpSpPr>
+        <p:cNvPr id="1" name=""/>
+        <p:cNvGrpSpPr/>
+        <p:nvPr/>
+      </p:nvGrpSpPr>
+      <p:grpSpPr>
+        <a:xfrm>
+          <a:off x="0" y="0"/>
+          <a:ext cx="0" cy="0"/>
+          <a:chOff x="0" y="0"/>
+          <a:chExt cx="0" cy="0"/>
+        </a:xfrm>
+      </p:grpSpPr>
+      <p:pic>
+        <p:nvPicPr>
+          <p:cNvPr id="1026" name="Picture 2"/>
+          <p:cNvPicPr>
+            <a:picLocks noChangeAspect="1" noChangeArrowheads="1"/>
+          </p:cNvPicPr>
+          <p:nvPr/>
+        </p:nvPicPr>
+        <p:blipFill>
+          <a:blip r:embed="rId2">
+            <a:extLst>
+              <a:ext uri="{28A0092B-C50C-407E-A947-70E740481C1C}">
+                <a14:useLocalDpi xmlns:a14="http://schemas.microsoft.com/office/drawing/2010/main" val="0"/>
+              </a:ext>
+            </a:extLst>
+          </a:blip>
+          <a:srcRect/>
+          <a:stretch>
+            <a:fillRect/>
+          </a:stretch>
+        </p:blipFill>
+        <p:spPr bwMode="auto">
+          <a:xfrm>
+            <a:off x="161925" y="1724025"/>
+            <a:ext cx="8820150" cy="3409950"/>
+          </a:xfrm>
+          <a:prstGeom prst="rect">
+            <a:avLst/>
+          </a:prstGeom>
+          <a:noFill/>
+          <a:ln>
+            <a:noFill/>
+          </a:ln>
+          <a:effectLst/>
+          <a:extLst>
+            <a:ext uri="{909E8E84-426E-40DD-AFC4-6F175D3DCCD1}">
+              <a14:hiddenFill xmlns:a14="http://schemas.microsoft.com/office/drawing/2010/main">
+                <a:solidFill>
+                  <a:schemeClr val="accent1"/>
+                </a:solidFill>
+              </a14:hiddenFill>
+            </a:ext>
+            <a:ext uri="{91240B29-F687-4F45-9708-019B960494DF}">
+              <a14:hiddenLine xmlns:a14="http://schemas.microsoft.com/office/drawing/2010/main" w="9525">
+                <a:solidFill>
+                  <a:schemeClr val="tx1"/>
+                </a:solidFill>
+                <a:miter lim="800000"/>
+                <a:headEnd/>
+                <a:tailEnd/>
+              </a14:hiddenLine>
+            </a:ext>
+            <a:ext uri="{AF507438-7753-43E0-B8FC-AC1667EBCBE1}">
+              <a14:hiddenEffects xmlns:a14="http://schemas.microsoft.com/office/drawing/2010/main">
+                <a:effectLst>
+                  <a:outerShdw dist="35921" dir="2700000" algn="ctr" rotWithShape="0">
+                    <a:schemeClr val="bg2"/>
+                  </a:outerShdw>
+                </a:effectLst>
+              </a14:hiddenEffects>
+            </a:ext>
+          </a:extLst>
+        </p:spPr>
+      </p:pic>
+    </p:spTree>
+    <p:extLst>
+      <p:ext uri="{BB962C8B-B14F-4D97-AF65-F5344CB8AC3E}">
+        <p14:creationId xmlns:p14="http://schemas.microsoft.com/office/powerpoint/2010/main" val="1750130460"/>
+      </p:ext>
+    </p:extLst>
+  </p:cSld>
+  <p:clrMapOvr>
+    <a:masterClrMapping/>
+  </p:clrMapOvr>
+</p:sld>
+</file>
+
+<file path=ppt/slides/slide31.xml><?xml version="1.0" encoding="utf-8"?>
 <p:sld xmlns:a="http://schemas.openxmlformats.org/drawingml/2006/main" xmlns:r="http://schemas.openxmlformats.org/officeDocument/2006/relationships" xmlns:p="http://schemas.openxmlformats.org/presentationml/2006/main">
   <p:cSld>
     <p:spTree>
@@ -31509,7 +32288,7 @@
 </p:sld>
 </file>
 
-<file path=ppt/slides/slide31.xml><?xml version="1.0" encoding="utf-8"?>
+<file path=ppt/slides/slide32.xml><?xml version="1.0" encoding="utf-8"?>
 <p:sld xmlns:a="http://schemas.openxmlformats.org/drawingml/2006/main" xmlns:r="http://schemas.openxmlformats.org/officeDocument/2006/relationships" xmlns:p="http://schemas.openxmlformats.org/presentationml/2006/main">
   <p:cSld>
     <p:spTree>
@@ -33364,7 +34143,7 @@
 </p:sld>
 </file>
 
-<file path=ppt/slides/slide32.xml><?xml version="1.0" encoding="utf-8"?>
+<file path=ppt/slides/slide33.xml><?xml version="1.0" encoding="utf-8"?>
 <p:sld xmlns:a="http://schemas.openxmlformats.org/drawingml/2006/main" xmlns:r="http://schemas.openxmlformats.org/officeDocument/2006/relationships" xmlns:p="http://schemas.openxmlformats.org/presentationml/2006/main">
   <p:cSld>
     <p:spTree>
@@ -38751,6 +39530,120 @@
           </a:p>
         </p:txBody>
       </p:sp>
+      <p:sp>
+        <p:nvSpPr>
+          <p:cNvPr id="52" name="Up Arrow 46"/>
+          <p:cNvSpPr>
+            <a:spLocks/>
+          </p:cNvSpPr>
+          <p:nvPr/>
+        </p:nvSpPr>
+        <p:spPr>
+          <a:xfrm rot="15300000" flipV="1">
+            <a:off x="6592786" y="2723935"/>
+            <a:ext cx="296852" cy="646271"/>
+          </a:xfrm>
+          <a:prstGeom prst="upArrow">
+            <a:avLst>
+              <a:gd name="adj1" fmla="val 31999"/>
+              <a:gd name="adj2" fmla="val 68312"/>
+            </a:avLst>
+          </a:prstGeom>
+          <a:solidFill>
+            <a:srgbClr val="FFC000"/>
+          </a:solidFill>
+          <a:ln>
+            <a:solidFill>
+              <a:schemeClr val="accent3">
+                <a:lumMod val="50000"/>
+              </a:schemeClr>
+            </a:solidFill>
+          </a:ln>
+        </p:spPr>
+        <p:style>
+          <a:lnRef idx="2">
+            <a:schemeClr val="accent3">
+              <a:shade val="50000"/>
+            </a:schemeClr>
+          </a:lnRef>
+          <a:fillRef idx="1">
+            <a:schemeClr val="accent3"/>
+          </a:fillRef>
+          <a:effectRef idx="0">
+            <a:schemeClr val="accent3"/>
+          </a:effectRef>
+          <a:fontRef idx="minor">
+            <a:schemeClr val="lt1"/>
+          </a:fontRef>
+        </p:style>
+        <p:txBody>
+          <a:bodyPr rtlCol="0" anchor="ctr"/>
+          <a:lstStyle/>
+          <a:p>
+            <a:pPr algn="ctr"/>
+            <a:endParaRPr lang="pl-PL">
+              <a:solidFill>
+                <a:srgbClr val="FFC000"/>
+              </a:solidFill>
+            </a:endParaRPr>
+          </a:p>
+        </p:txBody>
+      </p:sp>
+      <p:sp>
+        <p:nvSpPr>
+          <p:cNvPr id="53" name="Up Arrow 46"/>
+          <p:cNvSpPr>
+            <a:spLocks/>
+          </p:cNvSpPr>
+          <p:nvPr/>
+        </p:nvSpPr>
+        <p:spPr>
+          <a:xfrm rot="14094270" flipV="1">
+            <a:off x="7926100" y="2202449"/>
+            <a:ext cx="296852" cy="646271"/>
+          </a:xfrm>
+          <a:prstGeom prst="upArrow">
+            <a:avLst>
+              <a:gd name="adj1" fmla="val 31999"/>
+              <a:gd name="adj2" fmla="val 68312"/>
+            </a:avLst>
+          </a:prstGeom>
+          <a:solidFill>
+            <a:srgbClr val="7030A0"/>
+          </a:solidFill>
+          <a:ln>
+            <a:solidFill>
+              <a:schemeClr val="accent3">
+                <a:lumMod val="50000"/>
+              </a:schemeClr>
+            </a:solidFill>
+          </a:ln>
+        </p:spPr>
+        <p:style>
+          <a:lnRef idx="2">
+            <a:schemeClr val="accent3">
+              <a:shade val="50000"/>
+            </a:schemeClr>
+          </a:lnRef>
+          <a:fillRef idx="1">
+            <a:schemeClr val="accent3"/>
+          </a:fillRef>
+          <a:effectRef idx="0">
+            <a:schemeClr val="accent3"/>
+          </a:effectRef>
+          <a:fontRef idx="minor">
+            <a:schemeClr val="lt1"/>
+          </a:fontRef>
+        </p:style>
+        <p:txBody>
+          <a:bodyPr rtlCol="0" anchor="ctr"/>
+          <a:lstStyle/>
+          <a:p>
+            <a:pPr algn="ctr"/>
+            <a:endParaRPr lang="pl-PL"/>
+          </a:p>
+        </p:txBody>
+      </p:sp>
     </p:spTree>
     <p:extLst>
       <p:ext uri="{BB962C8B-B14F-4D97-AF65-F5344CB8AC3E}">
@@ -38765,6 +39658,2978 @@
 </file>
 
 <file path=ppt/slides/slide6.xml><?xml version="1.0" encoding="utf-8"?>
+<p:sld xmlns:a="http://schemas.openxmlformats.org/drawingml/2006/main" xmlns:r="http://schemas.openxmlformats.org/officeDocument/2006/relationships" xmlns:p="http://schemas.openxmlformats.org/presentationml/2006/main">
+  <p:cSld>
+    <p:spTree>
+      <p:nvGrpSpPr>
+        <p:cNvPr id="1" name=""/>
+        <p:cNvGrpSpPr/>
+        <p:nvPr/>
+      </p:nvGrpSpPr>
+      <p:grpSpPr>
+        <a:xfrm>
+          <a:off x="0" y="0"/>
+          <a:ext cx="0" cy="0"/>
+          <a:chOff x="0" y="0"/>
+          <a:chExt cx="0" cy="0"/>
+        </a:xfrm>
+      </p:grpSpPr>
+      <p:sp>
+        <p:nvSpPr>
+          <p:cNvPr id="4" name="Bent Arrow 3"/>
+          <p:cNvSpPr>
+            <a:spLocks/>
+          </p:cNvSpPr>
+          <p:nvPr/>
+        </p:nvSpPr>
+        <p:spPr>
+          <a:xfrm>
+            <a:off x="1732172" y="1519480"/>
+            <a:ext cx="432048" cy="576064"/>
+          </a:xfrm>
+          <a:prstGeom prst="bentArrow">
+            <a:avLst>
+              <a:gd name="adj1" fmla="val 26764"/>
+              <a:gd name="adj2" fmla="val 25881"/>
+              <a:gd name="adj3" fmla="val 50000"/>
+              <a:gd name="adj4" fmla="val 61387"/>
+            </a:avLst>
+          </a:prstGeom>
+          <a:solidFill>
+            <a:srgbClr val="00CC00"/>
+          </a:solidFill>
+          <a:ln>
+            <a:solidFill>
+              <a:schemeClr val="accent3">
+                <a:lumMod val="50000"/>
+              </a:schemeClr>
+            </a:solidFill>
+          </a:ln>
+        </p:spPr>
+        <p:style>
+          <a:lnRef idx="2">
+            <a:schemeClr val="accent3">
+              <a:shade val="50000"/>
+            </a:schemeClr>
+          </a:lnRef>
+          <a:fillRef idx="1">
+            <a:schemeClr val="accent3"/>
+          </a:fillRef>
+          <a:effectRef idx="0">
+            <a:schemeClr val="accent3"/>
+          </a:effectRef>
+          <a:fontRef idx="minor">
+            <a:schemeClr val="lt1"/>
+          </a:fontRef>
+        </p:style>
+        <p:txBody>
+          <a:bodyPr rtlCol="0" anchor="ctr"/>
+          <a:lstStyle/>
+          <a:p>
+            <a:pPr algn="ctr"/>
+            <a:endParaRPr lang="pl-PL">
+              <a:solidFill>
+                <a:schemeClr val="tx1"/>
+              </a:solidFill>
+            </a:endParaRPr>
+          </a:p>
+        </p:txBody>
+      </p:sp>
+      <p:sp>
+        <p:nvSpPr>
+          <p:cNvPr id="5" name="Bent Arrow 4"/>
+          <p:cNvSpPr>
+            <a:spLocks/>
+          </p:cNvSpPr>
+          <p:nvPr/>
+        </p:nvSpPr>
+        <p:spPr>
+          <a:xfrm rot="5400000" flipH="1">
+            <a:off x="2555776" y="260684"/>
+            <a:ext cx="432048" cy="576064"/>
+          </a:xfrm>
+          <a:prstGeom prst="bentArrow">
+            <a:avLst>
+              <a:gd name="adj1" fmla="val 25000"/>
+              <a:gd name="adj2" fmla="val 27645"/>
+              <a:gd name="adj3" fmla="val 50000"/>
+              <a:gd name="adj4" fmla="val 43750"/>
+            </a:avLst>
+          </a:prstGeom>
+          <a:solidFill>
+            <a:srgbClr val="00CC00"/>
+          </a:solidFill>
+          <a:ln>
+            <a:solidFill>
+              <a:schemeClr val="accent3">
+                <a:lumMod val="50000"/>
+              </a:schemeClr>
+            </a:solidFill>
+          </a:ln>
+        </p:spPr>
+        <p:style>
+          <a:lnRef idx="2">
+            <a:schemeClr val="accent3">
+              <a:shade val="50000"/>
+            </a:schemeClr>
+          </a:lnRef>
+          <a:fillRef idx="1">
+            <a:schemeClr val="accent3"/>
+          </a:fillRef>
+          <a:effectRef idx="0">
+            <a:schemeClr val="accent3"/>
+          </a:effectRef>
+          <a:fontRef idx="minor">
+            <a:schemeClr val="lt1"/>
+          </a:fontRef>
+        </p:style>
+        <p:txBody>
+          <a:bodyPr rtlCol="0" anchor="ctr"/>
+          <a:lstStyle/>
+          <a:p>
+            <a:pPr algn="ctr"/>
+            <a:endParaRPr lang="pl-PL">
+              <a:solidFill>
+                <a:schemeClr val="tx1"/>
+              </a:solidFill>
+            </a:endParaRPr>
+          </a:p>
+        </p:txBody>
+      </p:sp>
+      <p:sp>
+        <p:nvSpPr>
+          <p:cNvPr id="6" name="Up Arrow 5"/>
+          <p:cNvSpPr>
+            <a:spLocks/>
+          </p:cNvSpPr>
+          <p:nvPr/>
+        </p:nvSpPr>
+        <p:spPr>
+          <a:xfrm rot="5400000">
+            <a:off x="2744581" y="953586"/>
+            <a:ext cx="198453" cy="432048"/>
+          </a:xfrm>
+          <a:prstGeom prst="upArrow">
+            <a:avLst>
+              <a:gd name="adj1" fmla="val 31999"/>
+              <a:gd name="adj2" fmla="val 68312"/>
+            </a:avLst>
+          </a:prstGeom>
+          <a:solidFill>
+            <a:srgbClr val="00CC00"/>
+          </a:solidFill>
+          <a:ln>
+            <a:solidFill>
+              <a:schemeClr val="accent3">
+                <a:lumMod val="50000"/>
+              </a:schemeClr>
+            </a:solidFill>
+          </a:ln>
+        </p:spPr>
+        <p:style>
+          <a:lnRef idx="2">
+            <a:schemeClr val="accent3">
+              <a:shade val="50000"/>
+            </a:schemeClr>
+          </a:lnRef>
+          <a:fillRef idx="1">
+            <a:schemeClr val="accent3"/>
+          </a:fillRef>
+          <a:effectRef idx="0">
+            <a:schemeClr val="accent3"/>
+          </a:effectRef>
+          <a:fontRef idx="minor">
+            <a:schemeClr val="lt1"/>
+          </a:fontRef>
+        </p:style>
+        <p:txBody>
+          <a:bodyPr rtlCol="0" anchor="ctr"/>
+          <a:lstStyle/>
+          <a:p>
+            <a:pPr algn="ctr"/>
+            <a:endParaRPr lang="pl-PL"/>
+          </a:p>
+        </p:txBody>
+      </p:sp>
+      <p:sp>
+        <p:nvSpPr>
+          <p:cNvPr id="7" name="Up Arrow 6"/>
+          <p:cNvSpPr>
+            <a:spLocks/>
+          </p:cNvSpPr>
+          <p:nvPr/>
+        </p:nvSpPr>
+        <p:spPr>
+          <a:xfrm>
+            <a:off x="1776889" y="953587"/>
+            <a:ext cx="198453" cy="432048"/>
+          </a:xfrm>
+          <a:prstGeom prst="upArrow">
+            <a:avLst>
+              <a:gd name="adj1" fmla="val 31999"/>
+              <a:gd name="adj2" fmla="val 68312"/>
+            </a:avLst>
+          </a:prstGeom>
+          <a:solidFill>
+            <a:srgbClr val="00CC00"/>
+          </a:solidFill>
+          <a:ln>
+            <a:solidFill>
+              <a:schemeClr val="accent3">
+                <a:lumMod val="50000"/>
+              </a:schemeClr>
+            </a:solidFill>
+          </a:ln>
+        </p:spPr>
+        <p:style>
+          <a:lnRef idx="2">
+            <a:schemeClr val="accent3">
+              <a:shade val="50000"/>
+            </a:schemeClr>
+          </a:lnRef>
+          <a:fillRef idx="1">
+            <a:schemeClr val="accent3"/>
+          </a:fillRef>
+          <a:effectRef idx="0">
+            <a:schemeClr val="accent3"/>
+          </a:effectRef>
+          <a:fontRef idx="minor">
+            <a:schemeClr val="lt1"/>
+          </a:fontRef>
+        </p:style>
+        <p:txBody>
+          <a:bodyPr rtlCol="0" anchor="ctr"/>
+          <a:lstStyle/>
+          <a:p>
+            <a:pPr algn="ctr"/>
+            <a:endParaRPr lang="pl-PL"/>
+          </a:p>
+        </p:txBody>
+      </p:sp>
+      <p:sp>
+        <p:nvSpPr>
+          <p:cNvPr id="8" name="Up Arrow 7"/>
+          <p:cNvSpPr>
+            <a:spLocks/>
+          </p:cNvSpPr>
+          <p:nvPr/>
+        </p:nvSpPr>
+        <p:spPr>
+          <a:xfrm rot="16200000" flipH="1">
+            <a:off x="480781" y="953586"/>
+            <a:ext cx="198453" cy="432048"/>
+          </a:xfrm>
+          <a:prstGeom prst="upArrow">
+            <a:avLst>
+              <a:gd name="adj1" fmla="val 31999"/>
+              <a:gd name="adj2" fmla="val 68312"/>
+            </a:avLst>
+          </a:prstGeom>
+          <a:solidFill>
+            <a:srgbClr val="00CC00"/>
+          </a:solidFill>
+          <a:ln>
+            <a:solidFill>
+              <a:schemeClr val="accent3">
+                <a:lumMod val="50000"/>
+              </a:schemeClr>
+            </a:solidFill>
+          </a:ln>
+        </p:spPr>
+        <p:style>
+          <a:lnRef idx="2">
+            <a:schemeClr val="accent3">
+              <a:shade val="50000"/>
+            </a:schemeClr>
+          </a:lnRef>
+          <a:fillRef idx="1">
+            <a:schemeClr val="accent3"/>
+          </a:fillRef>
+          <a:effectRef idx="0">
+            <a:schemeClr val="accent3"/>
+          </a:effectRef>
+          <a:fontRef idx="minor">
+            <a:schemeClr val="lt1"/>
+          </a:fontRef>
+        </p:style>
+        <p:txBody>
+          <a:bodyPr rtlCol="0" anchor="ctr"/>
+          <a:lstStyle/>
+          <a:p>
+            <a:pPr algn="ctr"/>
+            <a:endParaRPr lang="pl-PL"/>
+          </a:p>
+        </p:txBody>
+      </p:sp>
+      <p:sp>
+        <p:nvSpPr>
+          <p:cNvPr id="9" name="Up Arrow 8"/>
+          <p:cNvSpPr>
+            <a:spLocks/>
+          </p:cNvSpPr>
+          <p:nvPr/>
+        </p:nvSpPr>
+        <p:spPr>
+          <a:xfrm rot="10800000">
+            <a:off x="3968368" y="963520"/>
+            <a:ext cx="198453" cy="432048"/>
+          </a:xfrm>
+          <a:prstGeom prst="upArrow">
+            <a:avLst>
+              <a:gd name="adj1" fmla="val 31999"/>
+              <a:gd name="adj2" fmla="val 68312"/>
+            </a:avLst>
+          </a:prstGeom>
+          <a:solidFill>
+            <a:srgbClr val="00CC00"/>
+          </a:solidFill>
+          <a:ln>
+            <a:solidFill>
+              <a:schemeClr val="accent3">
+                <a:lumMod val="50000"/>
+              </a:schemeClr>
+            </a:solidFill>
+          </a:ln>
+        </p:spPr>
+        <p:style>
+          <a:lnRef idx="2">
+            <a:schemeClr val="accent3">
+              <a:shade val="50000"/>
+            </a:schemeClr>
+          </a:lnRef>
+          <a:fillRef idx="1">
+            <a:schemeClr val="accent3"/>
+          </a:fillRef>
+          <a:effectRef idx="0">
+            <a:schemeClr val="accent3"/>
+          </a:effectRef>
+          <a:fontRef idx="minor">
+            <a:schemeClr val="lt1"/>
+          </a:fontRef>
+        </p:style>
+        <p:txBody>
+          <a:bodyPr rtlCol="0" anchor="ctr"/>
+          <a:lstStyle/>
+          <a:p>
+            <a:pPr algn="ctr"/>
+            <a:endParaRPr lang="pl-PL"/>
+          </a:p>
+        </p:txBody>
+      </p:sp>
+      <p:sp>
+        <p:nvSpPr>
+          <p:cNvPr id="10" name="Bent Arrow 9"/>
+          <p:cNvSpPr>
+            <a:spLocks/>
+          </p:cNvSpPr>
+          <p:nvPr/>
+        </p:nvSpPr>
+        <p:spPr>
+          <a:xfrm rot="10800000" flipH="1">
+            <a:off x="3851570" y="161700"/>
+            <a:ext cx="432048" cy="576064"/>
+          </a:xfrm>
+          <a:prstGeom prst="bentArrow">
+            <a:avLst>
+              <a:gd name="adj1" fmla="val 25000"/>
+              <a:gd name="adj2" fmla="val 27645"/>
+              <a:gd name="adj3" fmla="val 50000"/>
+              <a:gd name="adj4" fmla="val 43750"/>
+            </a:avLst>
+          </a:prstGeom>
+          <a:solidFill>
+            <a:srgbClr val="00CC00"/>
+          </a:solidFill>
+          <a:ln>
+            <a:solidFill>
+              <a:schemeClr val="accent3">
+                <a:lumMod val="50000"/>
+              </a:schemeClr>
+            </a:solidFill>
+          </a:ln>
+        </p:spPr>
+        <p:style>
+          <a:lnRef idx="2">
+            <a:schemeClr val="accent3">
+              <a:shade val="50000"/>
+            </a:schemeClr>
+          </a:lnRef>
+          <a:fillRef idx="1">
+            <a:schemeClr val="accent3"/>
+          </a:fillRef>
+          <a:effectRef idx="0">
+            <a:schemeClr val="accent3"/>
+          </a:effectRef>
+          <a:fontRef idx="minor">
+            <a:schemeClr val="lt1"/>
+          </a:fontRef>
+        </p:style>
+        <p:txBody>
+          <a:bodyPr rtlCol="0" anchor="ctr"/>
+          <a:lstStyle/>
+          <a:p>
+            <a:pPr algn="ctr"/>
+            <a:endParaRPr lang="pl-PL">
+              <a:solidFill>
+                <a:schemeClr val="tx1"/>
+              </a:solidFill>
+            </a:endParaRPr>
+          </a:p>
+        </p:txBody>
+      </p:sp>
+      <p:sp>
+        <p:nvSpPr>
+          <p:cNvPr id="11" name="Bent Arrow 10"/>
+          <p:cNvSpPr>
+            <a:spLocks/>
+          </p:cNvSpPr>
+          <p:nvPr/>
+        </p:nvSpPr>
+        <p:spPr>
+          <a:xfrm flipH="1">
+            <a:off x="1691332" y="260684"/>
+            <a:ext cx="432048" cy="576064"/>
+          </a:xfrm>
+          <a:prstGeom prst="bentArrow">
+            <a:avLst>
+              <a:gd name="adj1" fmla="val 25000"/>
+              <a:gd name="adj2" fmla="val 27645"/>
+              <a:gd name="adj3" fmla="val 50000"/>
+              <a:gd name="adj4" fmla="val 43750"/>
+            </a:avLst>
+          </a:prstGeom>
+          <a:solidFill>
+            <a:srgbClr val="00CC00"/>
+          </a:solidFill>
+          <a:ln>
+            <a:solidFill>
+              <a:schemeClr val="accent3">
+                <a:lumMod val="50000"/>
+              </a:schemeClr>
+            </a:solidFill>
+          </a:ln>
+        </p:spPr>
+        <p:style>
+          <a:lnRef idx="2">
+            <a:schemeClr val="accent3">
+              <a:shade val="50000"/>
+            </a:schemeClr>
+          </a:lnRef>
+          <a:fillRef idx="1">
+            <a:schemeClr val="accent3"/>
+          </a:fillRef>
+          <a:effectRef idx="0">
+            <a:schemeClr val="accent3"/>
+          </a:effectRef>
+          <a:fontRef idx="minor">
+            <a:schemeClr val="lt1"/>
+          </a:fontRef>
+        </p:style>
+        <p:txBody>
+          <a:bodyPr rtlCol="0" anchor="ctr"/>
+          <a:lstStyle/>
+          <a:p>
+            <a:pPr algn="ctr"/>
+            <a:endParaRPr lang="pl-PL">
+              <a:solidFill>
+                <a:schemeClr val="tx1"/>
+              </a:solidFill>
+            </a:endParaRPr>
+          </a:p>
+        </p:txBody>
+      </p:sp>
+      <p:sp>
+        <p:nvSpPr>
+          <p:cNvPr id="12" name="Bent Arrow 11"/>
+          <p:cNvSpPr>
+            <a:spLocks/>
+          </p:cNvSpPr>
+          <p:nvPr/>
+        </p:nvSpPr>
+        <p:spPr>
+          <a:xfrm rot="16200000">
+            <a:off x="539552" y="243956"/>
+            <a:ext cx="432048" cy="576064"/>
+          </a:xfrm>
+          <a:prstGeom prst="bentArrow">
+            <a:avLst>
+              <a:gd name="adj1" fmla="val 25000"/>
+              <a:gd name="adj2" fmla="val 27645"/>
+              <a:gd name="adj3" fmla="val 50000"/>
+              <a:gd name="adj4" fmla="val 43750"/>
+            </a:avLst>
+          </a:prstGeom>
+          <a:solidFill>
+            <a:srgbClr val="00CC00"/>
+          </a:solidFill>
+          <a:ln>
+            <a:solidFill>
+              <a:schemeClr val="accent3">
+                <a:lumMod val="50000"/>
+              </a:schemeClr>
+            </a:solidFill>
+          </a:ln>
+        </p:spPr>
+        <p:style>
+          <a:lnRef idx="2">
+            <a:schemeClr val="accent3">
+              <a:shade val="50000"/>
+            </a:schemeClr>
+          </a:lnRef>
+          <a:fillRef idx="1">
+            <a:schemeClr val="accent3"/>
+          </a:fillRef>
+          <a:effectRef idx="0">
+            <a:schemeClr val="accent3"/>
+          </a:effectRef>
+          <a:fontRef idx="minor">
+            <a:schemeClr val="lt1"/>
+          </a:fontRef>
+        </p:style>
+        <p:txBody>
+          <a:bodyPr rtlCol="0" anchor="ctr"/>
+          <a:lstStyle/>
+          <a:p>
+            <a:pPr algn="ctr"/>
+            <a:endParaRPr lang="pl-PL">
+              <a:solidFill>
+                <a:schemeClr val="tx1"/>
+              </a:solidFill>
+            </a:endParaRPr>
+          </a:p>
+        </p:txBody>
+      </p:sp>
+      <p:sp>
+        <p:nvSpPr>
+          <p:cNvPr id="13" name="Bent Arrow 12"/>
+          <p:cNvSpPr>
+            <a:spLocks/>
+          </p:cNvSpPr>
+          <p:nvPr/>
+        </p:nvSpPr>
+        <p:spPr>
+          <a:xfrm rot="5400000">
+            <a:off x="2636996" y="1531312"/>
+            <a:ext cx="432048" cy="576064"/>
+          </a:xfrm>
+          <a:prstGeom prst="bentArrow">
+            <a:avLst>
+              <a:gd name="adj1" fmla="val 26764"/>
+              <a:gd name="adj2" fmla="val 25881"/>
+              <a:gd name="adj3" fmla="val 50000"/>
+              <a:gd name="adj4" fmla="val 61387"/>
+            </a:avLst>
+          </a:prstGeom>
+          <a:solidFill>
+            <a:srgbClr val="00CC00"/>
+          </a:solidFill>
+          <a:ln>
+            <a:solidFill>
+              <a:schemeClr val="accent3">
+                <a:lumMod val="50000"/>
+              </a:schemeClr>
+            </a:solidFill>
+          </a:ln>
+        </p:spPr>
+        <p:style>
+          <a:lnRef idx="2">
+            <a:schemeClr val="accent3">
+              <a:shade val="50000"/>
+            </a:schemeClr>
+          </a:lnRef>
+          <a:fillRef idx="1">
+            <a:schemeClr val="accent3"/>
+          </a:fillRef>
+          <a:effectRef idx="0">
+            <a:schemeClr val="accent3"/>
+          </a:effectRef>
+          <a:fontRef idx="minor">
+            <a:schemeClr val="lt1"/>
+          </a:fontRef>
+        </p:style>
+        <p:txBody>
+          <a:bodyPr rtlCol="0" anchor="ctr"/>
+          <a:lstStyle/>
+          <a:p>
+            <a:pPr algn="ctr"/>
+            <a:endParaRPr lang="pl-PL">
+              <a:solidFill>
+                <a:schemeClr val="tx1"/>
+              </a:solidFill>
+            </a:endParaRPr>
+          </a:p>
+        </p:txBody>
+      </p:sp>
+      <p:sp>
+        <p:nvSpPr>
+          <p:cNvPr id="14" name="Bent Arrow 13"/>
+          <p:cNvSpPr>
+            <a:spLocks/>
+          </p:cNvSpPr>
+          <p:nvPr/>
+        </p:nvSpPr>
+        <p:spPr>
+          <a:xfrm flipH="1">
+            <a:off x="3867680" y="1531312"/>
+            <a:ext cx="432048" cy="576064"/>
+          </a:xfrm>
+          <a:prstGeom prst="bentArrow">
+            <a:avLst>
+              <a:gd name="adj1" fmla="val 26764"/>
+              <a:gd name="adj2" fmla="val 25881"/>
+              <a:gd name="adj3" fmla="val 50000"/>
+              <a:gd name="adj4" fmla="val 61387"/>
+            </a:avLst>
+          </a:prstGeom>
+          <a:solidFill>
+            <a:srgbClr val="00CC00"/>
+          </a:solidFill>
+          <a:ln>
+            <a:solidFill>
+              <a:schemeClr val="accent3">
+                <a:lumMod val="50000"/>
+              </a:schemeClr>
+            </a:solidFill>
+          </a:ln>
+        </p:spPr>
+        <p:style>
+          <a:lnRef idx="2">
+            <a:schemeClr val="accent3">
+              <a:shade val="50000"/>
+            </a:schemeClr>
+          </a:lnRef>
+          <a:fillRef idx="1">
+            <a:schemeClr val="accent3"/>
+          </a:fillRef>
+          <a:effectRef idx="0">
+            <a:schemeClr val="accent3"/>
+          </a:effectRef>
+          <a:fontRef idx="minor">
+            <a:schemeClr val="lt1"/>
+          </a:fontRef>
+        </p:style>
+        <p:txBody>
+          <a:bodyPr rtlCol="0" anchor="ctr"/>
+          <a:lstStyle/>
+          <a:p>
+            <a:pPr algn="ctr"/>
+            <a:endParaRPr lang="pl-PL">
+              <a:solidFill>
+                <a:schemeClr val="tx1"/>
+              </a:solidFill>
+            </a:endParaRPr>
+          </a:p>
+        </p:txBody>
+      </p:sp>
+      <p:sp>
+        <p:nvSpPr>
+          <p:cNvPr id="15" name="Bent Arrow 14"/>
+          <p:cNvSpPr>
+            <a:spLocks/>
+          </p:cNvSpPr>
+          <p:nvPr/>
+        </p:nvSpPr>
+        <p:spPr>
+          <a:xfrm rot="5400000">
+            <a:off x="539551" y="1548124"/>
+            <a:ext cx="432048" cy="576064"/>
+          </a:xfrm>
+          <a:prstGeom prst="bentArrow">
+            <a:avLst>
+              <a:gd name="adj1" fmla="val 26764"/>
+              <a:gd name="adj2" fmla="val 25881"/>
+              <a:gd name="adj3" fmla="val 50000"/>
+              <a:gd name="adj4" fmla="val 61387"/>
+            </a:avLst>
+          </a:prstGeom>
+          <a:solidFill>
+            <a:srgbClr val="00CC00"/>
+          </a:solidFill>
+          <a:ln>
+            <a:solidFill>
+              <a:schemeClr val="accent3">
+                <a:lumMod val="50000"/>
+              </a:schemeClr>
+            </a:solidFill>
+          </a:ln>
+        </p:spPr>
+        <p:style>
+          <a:lnRef idx="2">
+            <a:schemeClr val="accent3">
+              <a:shade val="50000"/>
+            </a:schemeClr>
+          </a:lnRef>
+          <a:fillRef idx="1">
+            <a:schemeClr val="accent3"/>
+          </a:fillRef>
+          <a:effectRef idx="0">
+            <a:schemeClr val="accent3"/>
+          </a:effectRef>
+          <a:fontRef idx="minor">
+            <a:schemeClr val="lt1"/>
+          </a:fontRef>
+        </p:style>
+        <p:txBody>
+          <a:bodyPr rtlCol="0" anchor="ctr"/>
+          <a:lstStyle/>
+          <a:p>
+            <a:pPr algn="ctr"/>
+            <a:endParaRPr lang="pl-PL">
+              <a:solidFill>
+                <a:schemeClr val="tx1"/>
+              </a:solidFill>
+            </a:endParaRPr>
+          </a:p>
+        </p:txBody>
+      </p:sp>
+      <p:sp>
+        <p:nvSpPr>
+          <p:cNvPr id="16" name="Bent Arrow 15"/>
+          <p:cNvSpPr>
+            <a:spLocks/>
+          </p:cNvSpPr>
+          <p:nvPr/>
+        </p:nvSpPr>
+        <p:spPr>
+          <a:xfrm>
+            <a:off x="1745657" y="3414960"/>
+            <a:ext cx="432048" cy="576064"/>
+          </a:xfrm>
+          <a:prstGeom prst="bentArrow">
+            <a:avLst>
+              <a:gd name="adj1" fmla="val 26764"/>
+              <a:gd name="adj2" fmla="val 25881"/>
+              <a:gd name="adj3" fmla="val 50000"/>
+              <a:gd name="adj4" fmla="val 61387"/>
+            </a:avLst>
+          </a:prstGeom>
+          <a:solidFill>
+            <a:srgbClr val="FFC000"/>
+          </a:solidFill>
+          <a:ln>
+            <a:solidFill>
+              <a:schemeClr val="accent3">
+                <a:lumMod val="50000"/>
+              </a:schemeClr>
+            </a:solidFill>
+          </a:ln>
+        </p:spPr>
+        <p:style>
+          <a:lnRef idx="2">
+            <a:schemeClr val="accent3">
+              <a:shade val="50000"/>
+            </a:schemeClr>
+          </a:lnRef>
+          <a:fillRef idx="1">
+            <a:schemeClr val="accent3"/>
+          </a:fillRef>
+          <a:effectRef idx="0">
+            <a:schemeClr val="accent3"/>
+          </a:effectRef>
+          <a:fontRef idx="minor">
+            <a:schemeClr val="lt1"/>
+          </a:fontRef>
+        </p:style>
+        <p:txBody>
+          <a:bodyPr rtlCol="0" anchor="ctr"/>
+          <a:lstStyle/>
+          <a:p>
+            <a:pPr algn="ctr"/>
+            <a:endParaRPr lang="pl-PL">
+              <a:solidFill>
+                <a:schemeClr val="tx1"/>
+              </a:solidFill>
+            </a:endParaRPr>
+          </a:p>
+        </p:txBody>
+      </p:sp>
+      <p:sp>
+        <p:nvSpPr>
+          <p:cNvPr id="17" name="Bent Arrow 16"/>
+          <p:cNvSpPr>
+            <a:spLocks/>
+          </p:cNvSpPr>
+          <p:nvPr/>
+        </p:nvSpPr>
+        <p:spPr>
+          <a:xfrm rot="5400000" flipH="1">
+            <a:off x="2569261" y="2156164"/>
+            <a:ext cx="432048" cy="576064"/>
+          </a:xfrm>
+          <a:prstGeom prst="bentArrow">
+            <a:avLst>
+              <a:gd name="adj1" fmla="val 25000"/>
+              <a:gd name="adj2" fmla="val 27645"/>
+              <a:gd name="adj3" fmla="val 50000"/>
+              <a:gd name="adj4" fmla="val 43750"/>
+            </a:avLst>
+          </a:prstGeom>
+          <a:solidFill>
+            <a:srgbClr val="FFC000"/>
+          </a:solidFill>
+          <a:ln>
+            <a:solidFill>
+              <a:schemeClr val="accent3">
+                <a:lumMod val="50000"/>
+              </a:schemeClr>
+            </a:solidFill>
+          </a:ln>
+        </p:spPr>
+        <p:style>
+          <a:lnRef idx="2">
+            <a:schemeClr val="accent3">
+              <a:shade val="50000"/>
+            </a:schemeClr>
+          </a:lnRef>
+          <a:fillRef idx="1">
+            <a:schemeClr val="accent3"/>
+          </a:fillRef>
+          <a:effectRef idx="0">
+            <a:schemeClr val="accent3"/>
+          </a:effectRef>
+          <a:fontRef idx="minor">
+            <a:schemeClr val="lt1"/>
+          </a:fontRef>
+        </p:style>
+        <p:txBody>
+          <a:bodyPr rtlCol="0" anchor="ctr"/>
+          <a:lstStyle/>
+          <a:p>
+            <a:pPr algn="ctr"/>
+            <a:endParaRPr lang="pl-PL">
+              <a:solidFill>
+                <a:schemeClr val="tx1"/>
+              </a:solidFill>
+            </a:endParaRPr>
+          </a:p>
+        </p:txBody>
+      </p:sp>
+      <p:sp>
+        <p:nvSpPr>
+          <p:cNvPr id="18" name="Up Arrow 17"/>
+          <p:cNvSpPr>
+            <a:spLocks/>
+          </p:cNvSpPr>
+          <p:nvPr/>
+        </p:nvSpPr>
+        <p:spPr>
+          <a:xfrm rot="5400000">
+            <a:off x="2758066" y="2849066"/>
+            <a:ext cx="198453" cy="432048"/>
+          </a:xfrm>
+          <a:prstGeom prst="upArrow">
+            <a:avLst>
+              <a:gd name="adj1" fmla="val 31999"/>
+              <a:gd name="adj2" fmla="val 68312"/>
+            </a:avLst>
+          </a:prstGeom>
+          <a:solidFill>
+            <a:srgbClr val="FFC000"/>
+          </a:solidFill>
+          <a:ln>
+            <a:solidFill>
+              <a:schemeClr val="accent3">
+                <a:lumMod val="50000"/>
+              </a:schemeClr>
+            </a:solidFill>
+          </a:ln>
+        </p:spPr>
+        <p:style>
+          <a:lnRef idx="2">
+            <a:schemeClr val="accent3">
+              <a:shade val="50000"/>
+            </a:schemeClr>
+          </a:lnRef>
+          <a:fillRef idx="1">
+            <a:schemeClr val="accent3"/>
+          </a:fillRef>
+          <a:effectRef idx="0">
+            <a:schemeClr val="accent3"/>
+          </a:effectRef>
+          <a:fontRef idx="minor">
+            <a:schemeClr val="lt1"/>
+          </a:fontRef>
+        </p:style>
+        <p:txBody>
+          <a:bodyPr rtlCol="0" anchor="ctr"/>
+          <a:lstStyle/>
+          <a:p>
+            <a:pPr algn="ctr"/>
+            <a:endParaRPr lang="pl-PL"/>
+          </a:p>
+        </p:txBody>
+      </p:sp>
+      <p:sp>
+        <p:nvSpPr>
+          <p:cNvPr id="19" name="Up Arrow 18"/>
+          <p:cNvSpPr>
+            <a:spLocks/>
+          </p:cNvSpPr>
+          <p:nvPr/>
+        </p:nvSpPr>
+        <p:spPr>
+          <a:xfrm>
+            <a:off x="1790374" y="2849067"/>
+            <a:ext cx="198453" cy="432048"/>
+          </a:xfrm>
+          <a:prstGeom prst="upArrow">
+            <a:avLst>
+              <a:gd name="adj1" fmla="val 31999"/>
+              <a:gd name="adj2" fmla="val 68312"/>
+            </a:avLst>
+          </a:prstGeom>
+          <a:solidFill>
+            <a:srgbClr val="FFC000"/>
+          </a:solidFill>
+          <a:ln>
+            <a:solidFill>
+              <a:schemeClr val="accent3">
+                <a:lumMod val="50000"/>
+              </a:schemeClr>
+            </a:solidFill>
+          </a:ln>
+        </p:spPr>
+        <p:style>
+          <a:lnRef idx="2">
+            <a:schemeClr val="accent3">
+              <a:shade val="50000"/>
+            </a:schemeClr>
+          </a:lnRef>
+          <a:fillRef idx="1">
+            <a:schemeClr val="accent3"/>
+          </a:fillRef>
+          <a:effectRef idx="0">
+            <a:schemeClr val="accent3"/>
+          </a:effectRef>
+          <a:fontRef idx="minor">
+            <a:schemeClr val="lt1"/>
+          </a:fontRef>
+        </p:style>
+        <p:txBody>
+          <a:bodyPr rtlCol="0" anchor="ctr"/>
+          <a:lstStyle/>
+          <a:p>
+            <a:pPr algn="ctr"/>
+            <a:endParaRPr lang="pl-PL"/>
+          </a:p>
+        </p:txBody>
+      </p:sp>
+      <p:sp>
+        <p:nvSpPr>
+          <p:cNvPr id="20" name="Up Arrow 19"/>
+          <p:cNvSpPr>
+            <a:spLocks/>
+          </p:cNvSpPr>
+          <p:nvPr/>
+        </p:nvSpPr>
+        <p:spPr>
+          <a:xfrm rot="16200000" flipH="1">
+            <a:off x="494266" y="2849066"/>
+            <a:ext cx="198453" cy="432048"/>
+          </a:xfrm>
+          <a:prstGeom prst="upArrow">
+            <a:avLst>
+              <a:gd name="adj1" fmla="val 31999"/>
+              <a:gd name="adj2" fmla="val 68312"/>
+            </a:avLst>
+          </a:prstGeom>
+          <a:solidFill>
+            <a:srgbClr val="FFC000"/>
+          </a:solidFill>
+          <a:ln>
+            <a:solidFill>
+              <a:schemeClr val="accent3">
+                <a:lumMod val="50000"/>
+              </a:schemeClr>
+            </a:solidFill>
+          </a:ln>
+        </p:spPr>
+        <p:style>
+          <a:lnRef idx="2">
+            <a:schemeClr val="accent3">
+              <a:shade val="50000"/>
+            </a:schemeClr>
+          </a:lnRef>
+          <a:fillRef idx="1">
+            <a:schemeClr val="accent3"/>
+          </a:fillRef>
+          <a:effectRef idx="0">
+            <a:schemeClr val="accent3"/>
+          </a:effectRef>
+          <a:fontRef idx="minor">
+            <a:schemeClr val="lt1"/>
+          </a:fontRef>
+        </p:style>
+        <p:txBody>
+          <a:bodyPr rtlCol="0" anchor="ctr"/>
+          <a:lstStyle/>
+          <a:p>
+            <a:pPr algn="ctr"/>
+            <a:endParaRPr lang="pl-PL"/>
+          </a:p>
+        </p:txBody>
+      </p:sp>
+      <p:sp>
+        <p:nvSpPr>
+          <p:cNvPr id="21" name="Up Arrow 20"/>
+          <p:cNvSpPr>
+            <a:spLocks/>
+          </p:cNvSpPr>
+          <p:nvPr/>
+        </p:nvSpPr>
+        <p:spPr>
+          <a:xfrm rot="10800000">
+            <a:off x="3981853" y="2859000"/>
+            <a:ext cx="198453" cy="432048"/>
+          </a:xfrm>
+          <a:prstGeom prst="upArrow">
+            <a:avLst>
+              <a:gd name="adj1" fmla="val 31999"/>
+              <a:gd name="adj2" fmla="val 68312"/>
+            </a:avLst>
+          </a:prstGeom>
+          <a:solidFill>
+            <a:srgbClr val="FFC000"/>
+          </a:solidFill>
+          <a:ln>
+            <a:solidFill>
+              <a:schemeClr val="accent3">
+                <a:lumMod val="50000"/>
+              </a:schemeClr>
+            </a:solidFill>
+          </a:ln>
+        </p:spPr>
+        <p:style>
+          <a:lnRef idx="2">
+            <a:schemeClr val="accent3">
+              <a:shade val="50000"/>
+            </a:schemeClr>
+          </a:lnRef>
+          <a:fillRef idx="1">
+            <a:schemeClr val="accent3"/>
+          </a:fillRef>
+          <a:effectRef idx="0">
+            <a:schemeClr val="accent3"/>
+          </a:effectRef>
+          <a:fontRef idx="minor">
+            <a:schemeClr val="lt1"/>
+          </a:fontRef>
+        </p:style>
+        <p:txBody>
+          <a:bodyPr rtlCol="0" anchor="ctr"/>
+          <a:lstStyle/>
+          <a:p>
+            <a:pPr algn="ctr"/>
+            <a:endParaRPr lang="pl-PL"/>
+          </a:p>
+        </p:txBody>
+      </p:sp>
+      <p:sp>
+        <p:nvSpPr>
+          <p:cNvPr id="22" name="Bent Arrow 21"/>
+          <p:cNvSpPr>
+            <a:spLocks/>
+          </p:cNvSpPr>
+          <p:nvPr/>
+        </p:nvSpPr>
+        <p:spPr>
+          <a:xfrm rot="10800000" flipH="1">
+            <a:off x="3865055" y="2057180"/>
+            <a:ext cx="432048" cy="576064"/>
+          </a:xfrm>
+          <a:prstGeom prst="bentArrow">
+            <a:avLst>
+              <a:gd name="adj1" fmla="val 25000"/>
+              <a:gd name="adj2" fmla="val 27645"/>
+              <a:gd name="adj3" fmla="val 50000"/>
+              <a:gd name="adj4" fmla="val 43750"/>
+            </a:avLst>
+          </a:prstGeom>
+          <a:solidFill>
+            <a:srgbClr val="FFC000"/>
+          </a:solidFill>
+          <a:ln>
+            <a:solidFill>
+              <a:schemeClr val="accent3">
+                <a:lumMod val="50000"/>
+              </a:schemeClr>
+            </a:solidFill>
+          </a:ln>
+        </p:spPr>
+        <p:style>
+          <a:lnRef idx="2">
+            <a:schemeClr val="accent3">
+              <a:shade val="50000"/>
+            </a:schemeClr>
+          </a:lnRef>
+          <a:fillRef idx="1">
+            <a:schemeClr val="accent3"/>
+          </a:fillRef>
+          <a:effectRef idx="0">
+            <a:schemeClr val="accent3"/>
+          </a:effectRef>
+          <a:fontRef idx="minor">
+            <a:schemeClr val="lt1"/>
+          </a:fontRef>
+        </p:style>
+        <p:txBody>
+          <a:bodyPr rtlCol="0" anchor="ctr"/>
+          <a:lstStyle/>
+          <a:p>
+            <a:pPr algn="ctr"/>
+            <a:endParaRPr lang="pl-PL">
+              <a:solidFill>
+                <a:schemeClr val="tx1"/>
+              </a:solidFill>
+            </a:endParaRPr>
+          </a:p>
+        </p:txBody>
+      </p:sp>
+      <p:sp>
+        <p:nvSpPr>
+          <p:cNvPr id="23" name="Bent Arrow 22"/>
+          <p:cNvSpPr>
+            <a:spLocks/>
+          </p:cNvSpPr>
+          <p:nvPr/>
+        </p:nvSpPr>
+        <p:spPr>
+          <a:xfrm flipH="1">
+            <a:off x="1704817" y="2156164"/>
+            <a:ext cx="432048" cy="576064"/>
+          </a:xfrm>
+          <a:prstGeom prst="bentArrow">
+            <a:avLst>
+              <a:gd name="adj1" fmla="val 25000"/>
+              <a:gd name="adj2" fmla="val 27645"/>
+              <a:gd name="adj3" fmla="val 50000"/>
+              <a:gd name="adj4" fmla="val 43750"/>
+            </a:avLst>
+          </a:prstGeom>
+          <a:solidFill>
+            <a:srgbClr val="FFC000"/>
+          </a:solidFill>
+          <a:ln>
+            <a:solidFill>
+              <a:schemeClr val="accent3">
+                <a:lumMod val="50000"/>
+              </a:schemeClr>
+            </a:solidFill>
+          </a:ln>
+        </p:spPr>
+        <p:style>
+          <a:lnRef idx="2">
+            <a:schemeClr val="accent3">
+              <a:shade val="50000"/>
+            </a:schemeClr>
+          </a:lnRef>
+          <a:fillRef idx="1">
+            <a:schemeClr val="accent3"/>
+          </a:fillRef>
+          <a:effectRef idx="0">
+            <a:schemeClr val="accent3"/>
+          </a:effectRef>
+          <a:fontRef idx="minor">
+            <a:schemeClr val="lt1"/>
+          </a:fontRef>
+        </p:style>
+        <p:txBody>
+          <a:bodyPr rtlCol="0" anchor="ctr"/>
+          <a:lstStyle/>
+          <a:p>
+            <a:pPr algn="ctr"/>
+            <a:endParaRPr lang="pl-PL">
+              <a:solidFill>
+                <a:schemeClr val="tx1"/>
+              </a:solidFill>
+            </a:endParaRPr>
+          </a:p>
+        </p:txBody>
+      </p:sp>
+      <p:sp>
+        <p:nvSpPr>
+          <p:cNvPr id="24" name="Bent Arrow 23"/>
+          <p:cNvSpPr>
+            <a:spLocks/>
+          </p:cNvSpPr>
+          <p:nvPr/>
+        </p:nvSpPr>
+        <p:spPr>
+          <a:xfrm rot="16200000">
+            <a:off x="553037" y="2139436"/>
+            <a:ext cx="432048" cy="576064"/>
+          </a:xfrm>
+          <a:prstGeom prst="bentArrow">
+            <a:avLst>
+              <a:gd name="adj1" fmla="val 25000"/>
+              <a:gd name="adj2" fmla="val 27645"/>
+              <a:gd name="adj3" fmla="val 50000"/>
+              <a:gd name="adj4" fmla="val 43750"/>
+            </a:avLst>
+          </a:prstGeom>
+          <a:solidFill>
+            <a:srgbClr val="FFC000"/>
+          </a:solidFill>
+          <a:ln>
+            <a:solidFill>
+              <a:schemeClr val="accent3">
+                <a:lumMod val="50000"/>
+              </a:schemeClr>
+            </a:solidFill>
+          </a:ln>
+        </p:spPr>
+        <p:style>
+          <a:lnRef idx="2">
+            <a:schemeClr val="accent3">
+              <a:shade val="50000"/>
+            </a:schemeClr>
+          </a:lnRef>
+          <a:fillRef idx="1">
+            <a:schemeClr val="accent3"/>
+          </a:fillRef>
+          <a:effectRef idx="0">
+            <a:schemeClr val="accent3"/>
+          </a:effectRef>
+          <a:fontRef idx="minor">
+            <a:schemeClr val="lt1"/>
+          </a:fontRef>
+        </p:style>
+        <p:txBody>
+          <a:bodyPr rtlCol="0" anchor="ctr"/>
+          <a:lstStyle/>
+          <a:p>
+            <a:pPr algn="ctr"/>
+            <a:endParaRPr lang="pl-PL">
+              <a:solidFill>
+                <a:schemeClr val="tx1"/>
+              </a:solidFill>
+            </a:endParaRPr>
+          </a:p>
+        </p:txBody>
+      </p:sp>
+      <p:sp>
+        <p:nvSpPr>
+          <p:cNvPr id="25" name="Bent Arrow 24"/>
+          <p:cNvSpPr>
+            <a:spLocks/>
+          </p:cNvSpPr>
+          <p:nvPr/>
+        </p:nvSpPr>
+        <p:spPr>
+          <a:xfrm rot="5400000">
+            <a:off x="2650481" y="3426792"/>
+            <a:ext cx="432048" cy="576064"/>
+          </a:xfrm>
+          <a:prstGeom prst="bentArrow">
+            <a:avLst>
+              <a:gd name="adj1" fmla="val 26764"/>
+              <a:gd name="adj2" fmla="val 25881"/>
+              <a:gd name="adj3" fmla="val 50000"/>
+              <a:gd name="adj4" fmla="val 61387"/>
+            </a:avLst>
+          </a:prstGeom>
+          <a:solidFill>
+            <a:srgbClr val="FFC000"/>
+          </a:solidFill>
+          <a:ln>
+            <a:solidFill>
+              <a:schemeClr val="accent3">
+                <a:lumMod val="50000"/>
+              </a:schemeClr>
+            </a:solidFill>
+          </a:ln>
+        </p:spPr>
+        <p:style>
+          <a:lnRef idx="2">
+            <a:schemeClr val="accent3">
+              <a:shade val="50000"/>
+            </a:schemeClr>
+          </a:lnRef>
+          <a:fillRef idx="1">
+            <a:schemeClr val="accent3"/>
+          </a:fillRef>
+          <a:effectRef idx="0">
+            <a:schemeClr val="accent3"/>
+          </a:effectRef>
+          <a:fontRef idx="minor">
+            <a:schemeClr val="lt1"/>
+          </a:fontRef>
+        </p:style>
+        <p:txBody>
+          <a:bodyPr rtlCol="0" anchor="ctr"/>
+          <a:lstStyle/>
+          <a:p>
+            <a:pPr algn="ctr"/>
+            <a:endParaRPr lang="pl-PL">
+              <a:solidFill>
+                <a:schemeClr val="tx1"/>
+              </a:solidFill>
+            </a:endParaRPr>
+          </a:p>
+        </p:txBody>
+      </p:sp>
+      <p:sp>
+        <p:nvSpPr>
+          <p:cNvPr id="26" name="Bent Arrow 25"/>
+          <p:cNvSpPr>
+            <a:spLocks/>
+          </p:cNvSpPr>
+          <p:nvPr/>
+        </p:nvSpPr>
+        <p:spPr>
+          <a:xfrm flipH="1">
+            <a:off x="3881165" y="3426792"/>
+            <a:ext cx="432048" cy="576064"/>
+          </a:xfrm>
+          <a:prstGeom prst="bentArrow">
+            <a:avLst>
+              <a:gd name="adj1" fmla="val 26764"/>
+              <a:gd name="adj2" fmla="val 25881"/>
+              <a:gd name="adj3" fmla="val 50000"/>
+              <a:gd name="adj4" fmla="val 61387"/>
+            </a:avLst>
+          </a:prstGeom>
+          <a:solidFill>
+            <a:srgbClr val="FFC000"/>
+          </a:solidFill>
+          <a:ln>
+            <a:solidFill>
+              <a:schemeClr val="accent3">
+                <a:lumMod val="50000"/>
+              </a:schemeClr>
+            </a:solidFill>
+          </a:ln>
+        </p:spPr>
+        <p:style>
+          <a:lnRef idx="2">
+            <a:schemeClr val="accent3">
+              <a:shade val="50000"/>
+            </a:schemeClr>
+          </a:lnRef>
+          <a:fillRef idx="1">
+            <a:schemeClr val="accent3"/>
+          </a:fillRef>
+          <a:effectRef idx="0">
+            <a:schemeClr val="accent3"/>
+          </a:effectRef>
+          <a:fontRef idx="minor">
+            <a:schemeClr val="lt1"/>
+          </a:fontRef>
+        </p:style>
+        <p:txBody>
+          <a:bodyPr rtlCol="0" anchor="ctr"/>
+          <a:lstStyle/>
+          <a:p>
+            <a:pPr algn="ctr"/>
+            <a:endParaRPr lang="pl-PL">
+              <a:solidFill>
+                <a:schemeClr val="tx1"/>
+              </a:solidFill>
+            </a:endParaRPr>
+          </a:p>
+        </p:txBody>
+      </p:sp>
+      <p:sp>
+        <p:nvSpPr>
+          <p:cNvPr id="27" name="Bent Arrow 26"/>
+          <p:cNvSpPr>
+            <a:spLocks/>
+          </p:cNvSpPr>
+          <p:nvPr/>
+        </p:nvSpPr>
+        <p:spPr>
+          <a:xfrm rot="5400000">
+            <a:off x="553036" y="3443604"/>
+            <a:ext cx="432048" cy="576064"/>
+          </a:xfrm>
+          <a:prstGeom prst="bentArrow">
+            <a:avLst>
+              <a:gd name="adj1" fmla="val 26764"/>
+              <a:gd name="adj2" fmla="val 25881"/>
+              <a:gd name="adj3" fmla="val 50000"/>
+              <a:gd name="adj4" fmla="val 61387"/>
+            </a:avLst>
+          </a:prstGeom>
+          <a:solidFill>
+            <a:srgbClr val="FFC000"/>
+          </a:solidFill>
+          <a:ln>
+            <a:solidFill>
+              <a:schemeClr val="accent3">
+                <a:lumMod val="50000"/>
+              </a:schemeClr>
+            </a:solidFill>
+          </a:ln>
+        </p:spPr>
+        <p:style>
+          <a:lnRef idx="2">
+            <a:schemeClr val="accent3">
+              <a:shade val="50000"/>
+            </a:schemeClr>
+          </a:lnRef>
+          <a:fillRef idx="1">
+            <a:schemeClr val="accent3"/>
+          </a:fillRef>
+          <a:effectRef idx="0">
+            <a:schemeClr val="accent3"/>
+          </a:effectRef>
+          <a:fontRef idx="minor">
+            <a:schemeClr val="lt1"/>
+          </a:fontRef>
+        </p:style>
+        <p:txBody>
+          <a:bodyPr rtlCol="0" anchor="ctr"/>
+          <a:lstStyle/>
+          <a:p>
+            <a:pPr algn="ctr"/>
+            <a:endParaRPr lang="pl-PL">
+              <a:solidFill>
+                <a:schemeClr val="tx1"/>
+              </a:solidFill>
+            </a:endParaRPr>
+          </a:p>
+        </p:txBody>
+      </p:sp>
+      <p:sp>
+        <p:nvSpPr>
+          <p:cNvPr id="28" name="Bent Arrow 27"/>
+          <p:cNvSpPr>
+            <a:spLocks/>
+          </p:cNvSpPr>
+          <p:nvPr/>
+        </p:nvSpPr>
+        <p:spPr>
+          <a:xfrm>
+            <a:off x="1885831" y="5604384"/>
+            <a:ext cx="432048" cy="576064"/>
+          </a:xfrm>
+          <a:prstGeom prst="bentArrow">
+            <a:avLst>
+              <a:gd name="adj1" fmla="val 26764"/>
+              <a:gd name="adj2" fmla="val 25881"/>
+              <a:gd name="adj3" fmla="val 50000"/>
+              <a:gd name="adj4" fmla="val 61387"/>
+            </a:avLst>
+          </a:prstGeom>
+          <a:solidFill>
+            <a:srgbClr val="FF0000"/>
+          </a:solidFill>
+          <a:ln>
+            <a:solidFill>
+              <a:schemeClr val="accent3">
+                <a:lumMod val="50000"/>
+              </a:schemeClr>
+            </a:solidFill>
+          </a:ln>
+        </p:spPr>
+        <p:style>
+          <a:lnRef idx="2">
+            <a:schemeClr val="accent3">
+              <a:shade val="50000"/>
+            </a:schemeClr>
+          </a:lnRef>
+          <a:fillRef idx="1">
+            <a:schemeClr val="accent3"/>
+          </a:fillRef>
+          <a:effectRef idx="0">
+            <a:schemeClr val="accent3"/>
+          </a:effectRef>
+          <a:fontRef idx="minor">
+            <a:schemeClr val="lt1"/>
+          </a:fontRef>
+        </p:style>
+        <p:txBody>
+          <a:bodyPr rtlCol="0" anchor="ctr"/>
+          <a:lstStyle/>
+          <a:p>
+            <a:pPr algn="ctr"/>
+            <a:endParaRPr lang="pl-PL">
+              <a:solidFill>
+                <a:schemeClr val="tx1"/>
+              </a:solidFill>
+            </a:endParaRPr>
+          </a:p>
+        </p:txBody>
+      </p:sp>
+      <p:sp>
+        <p:nvSpPr>
+          <p:cNvPr id="29" name="Bent Arrow 28"/>
+          <p:cNvSpPr>
+            <a:spLocks/>
+          </p:cNvSpPr>
+          <p:nvPr/>
+        </p:nvSpPr>
+        <p:spPr>
+          <a:xfrm rot="5400000" flipH="1">
+            <a:off x="2709435" y="4345588"/>
+            <a:ext cx="432048" cy="576064"/>
+          </a:xfrm>
+          <a:prstGeom prst="bentArrow">
+            <a:avLst>
+              <a:gd name="adj1" fmla="val 25000"/>
+              <a:gd name="adj2" fmla="val 27645"/>
+              <a:gd name="adj3" fmla="val 50000"/>
+              <a:gd name="adj4" fmla="val 43750"/>
+            </a:avLst>
+          </a:prstGeom>
+          <a:solidFill>
+            <a:srgbClr val="FF0000"/>
+          </a:solidFill>
+          <a:ln>
+            <a:solidFill>
+              <a:schemeClr val="accent3">
+                <a:lumMod val="50000"/>
+              </a:schemeClr>
+            </a:solidFill>
+          </a:ln>
+        </p:spPr>
+        <p:style>
+          <a:lnRef idx="2">
+            <a:schemeClr val="accent3">
+              <a:shade val="50000"/>
+            </a:schemeClr>
+          </a:lnRef>
+          <a:fillRef idx="1">
+            <a:schemeClr val="accent3"/>
+          </a:fillRef>
+          <a:effectRef idx="0">
+            <a:schemeClr val="accent3"/>
+          </a:effectRef>
+          <a:fontRef idx="minor">
+            <a:schemeClr val="lt1"/>
+          </a:fontRef>
+        </p:style>
+        <p:txBody>
+          <a:bodyPr rtlCol="0" anchor="ctr"/>
+          <a:lstStyle/>
+          <a:p>
+            <a:pPr algn="ctr"/>
+            <a:endParaRPr lang="pl-PL">
+              <a:solidFill>
+                <a:schemeClr val="tx1"/>
+              </a:solidFill>
+            </a:endParaRPr>
+          </a:p>
+        </p:txBody>
+      </p:sp>
+      <p:sp>
+        <p:nvSpPr>
+          <p:cNvPr id="30" name="Up Arrow 29"/>
+          <p:cNvSpPr>
+            <a:spLocks/>
+          </p:cNvSpPr>
+          <p:nvPr/>
+        </p:nvSpPr>
+        <p:spPr>
+          <a:xfrm rot="5400000">
+            <a:off x="2898240" y="5038490"/>
+            <a:ext cx="198453" cy="432048"/>
+          </a:xfrm>
+          <a:prstGeom prst="upArrow">
+            <a:avLst>
+              <a:gd name="adj1" fmla="val 31999"/>
+              <a:gd name="adj2" fmla="val 68312"/>
+            </a:avLst>
+          </a:prstGeom>
+          <a:solidFill>
+            <a:srgbClr val="FF0000"/>
+          </a:solidFill>
+          <a:ln>
+            <a:solidFill>
+              <a:schemeClr val="accent3">
+                <a:lumMod val="50000"/>
+              </a:schemeClr>
+            </a:solidFill>
+          </a:ln>
+        </p:spPr>
+        <p:style>
+          <a:lnRef idx="2">
+            <a:schemeClr val="accent3">
+              <a:shade val="50000"/>
+            </a:schemeClr>
+          </a:lnRef>
+          <a:fillRef idx="1">
+            <a:schemeClr val="accent3"/>
+          </a:fillRef>
+          <a:effectRef idx="0">
+            <a:schemeClr val="accent3"/>
+          </a:effectRef>
+          <a:fontRef idx="minor">
+            <a:schemeClr val="lt1"/>
+          </a:fontRef>
+        </p:style>
+        <p:txBody>
+          <a:bodyPr rtlCol="0" anchor="ctr"/>
+          <a:lstStyle/>
+          <a:p>
+            <a:pPr algn="ctr"/>
+            <a:endParaRPr lang="pl-PL"/>
+          </a:p>
+        </p:txBody>
+      </p:sp>
+      <p:sp>
+        <p:nvSpPr>
+          <p:cNvPr id="31" name="Up Arrow 30"/>
+          <p:cNvSpPr>
+            <a:spLocks/>
+          </p:cNvSpPr>
+          <p:nvPr/>
+        </p:nvSpPr>
+        <p:spPr>
+          <a:xfrm>
+            <a:off x="1930548" y="5038491"/>
+            <a:ext cx="198453" cy="432048"/>
+          </a:xfrm>
+          <a:prstGeom prst="upArrow">
+            <a:avLst>
+              <a:gd name="adj1" fmla="val 31999"/>
+              <a:gd name="adj2" fmla="val 68312"/>
+            </a:avLst>
+          </a:prstGeom>
+          <a:solidFill>
+            <a:srgbClr val="FF0000"/>
+          </a:solidFill>
+          <a:ln>
+            <a:solidFill>
+              <a:schemeClr val="accent3">
+                <a:lumMod val="50000"/>
+              </a:schemeClr>
+            </a:solidFill>
+          </a:ln>
+        </p:spPr>
+        <p:style>
+          <a:lnRef idx="2">
+            <a:schemeClr val="accent3">
+              <a:shade val="50000"/>
+            </a:schemeClr>
+          </a:lnRef>
+          <a:fillRef idx="1">
+            <a:schemeClr val="accent3"/>
+          </a:fillRef>
+          <a:effectRef idx="0">
+            <a:schemeClr val="accent3"/>
+          </a:effectRef>
+          <a:fontRef idx="minor">
+            <a:schemeClr val="lt1"/>
+          </a:fontRef>
+        </p:style>
+        <p:txBody>
+          <a:bodyPr rtlCol="0" anchor="ctr"/>
+          <a:lstStyle/>
+          <a:p>
+            <a:pPr algn="ctr"/>
+            <a:endParaRPr lang="pl-PL"/>
+          </a:p>
+        </p:txBody>
+      </p:sp>
+      <p:sp>
+        <p:nvSpPr>
+          <p:cNvPr id="32" name="Up Arrow 31"/>
+          <p:cNvSpPr>
+            <a:spLocks/>
+          </p:cNvSpPr>
+          <p:nvPr/>
+        </p:nvSpPr>
+        <p:spPr>
+          <a:xfrm rot="16200000" flipH="1">
+            <a:off x="634440" y="5038490"/>
+            <a:ext cx="198453" cy="432048"/>
+          </a:xfrm>
+          <a:prstGeom prst="upArrow">
+            <a:avLst>
+              <a:gd name="adj1" fmla="val 31999"/>
+              <a:gd name="adj2" fmla="val 68312"/>
+            </a:avLst>
+          </a:prstGeom>
+          <a:solidFill>
+            <a:srgbClr val="FF0000"/>
+          </a:solidFill>
+          <a:ln>
+            <a:solidFill>
+              <a:schemeClr val="accent3">
+                <a:lumMod val="50000"/>
+              </a:schemeClr>
+            </a:solidFill>
+          </a:ln>
+        </p:spPr>
+        <p:style>
+          <a:lnRef idx="2">
+            <a:schemeClr val="accent3">
+              <a:shade val="50000"/>
+            </a:schemeClr>
+          </a:lnRef>
+          <a:fillRef idx="1">
+            <a:schemeClr val="accent3"/>
+          </a:fillRef>
+          <a:effectRef idx="0">
+            <a:schemeClr val="accent3"/>
+          </a:effectRef>
+          <a:fontRef idx="minor">
+            <a:schemeClr val="lt1"/>
+          </a:fontRef>
+        </p:style>
+        <p:txBody>
+          <a:bodyPr rtlCol="0" anchor="ctr"/>
+          <a:lstStyle/>
+          <a:p>
+            <a:pPr algn="ctr"/>
+            <a:endParaRPr lang="pl-PL"/>
+          </a:p>
+        </p:txBody>
+      </p:sp>
+      <p:sp>
+        <p:nvSpPr>
+          <p:cNvPr id="33" name="Up Arrow 32"/>
+          <p:cNvSpPr>
+            <a:spLocks/>
+          </p:cNvSpPr>
+          <p:nvPr/>
+        </p:nvSpPr>
+        <p:spPr>
+          <a:xfrm rot="10800000">
+            <a:off x="4122027" y="5048424"/>
+            <a:ext cx="198453" cy="432048"/>
+          </a:xfrm>
+          <a:prstGeom prst="upArrow">
+            <a:avLst>
+              <a:gd name="adj1" fmla="val 31999"/>
+              <a:gd name="adj2" fmla="val 68312"/>
+            </a:avLst>
+          </a:prstGeom>
+          <a:solidFill>
+            <a:srgbClr val="FF0000"/>
+          </a:solidFill>
+          <a:ln>
+            <a:solidFill>
+              <a:schemeClr val="accent3">
+                <a:lumMod val="50000"/>
+              </a:schemeClr>
+            </a:solidFill>
+          </a:ln>
+        </p:spPr>
+        <p:style>
+          <a:lnRef idx="2">
+            <a:schemeClr val="accent3">
+              <a:shade val="50000"/>
+            </a:schemeClr>
+          </a:lnRef>
+          <a:fillRef idx="1">
+            <a:schemeClr val="accent3"/>
+          </a:fillRef>
+          <a:effectRef idx="0">
+            <a:schemeClr val="accent3"/>
+          </a:effectRef>
+          <a:fontRef idx="minor">
+            <a:schemeClr val="lt1"/>
+          </a:fontRef>
+        </p:style>
+        <p:txBody>
+          <a:bodyPr rtlCol="0" anchor="ctr"/>
+          <a:lstStyle/>
+          <a:p>
+            <a:pPr algn="ctr"/>
+            <a:endParaRPr lang="pl-PL"/>
+          </a:p>
+        </p:txBody>
+      </p:sp>
+      <p:sp>
+        <p:nvSpPr>
+          <p:cNvPr id="34" name="Bent Arrow 33"/>
+          <p:cNvSpPr>
+            <a:spLocks/>
+          </p:cNvSpPr>
+          <p:nvPr/>
+        </p:nvSpPr>
+        <p:spPr>
+          <a:xfrm rot="10800000" flipH="1">
+            <a:off x="4005229" y="4246604"/>
+            <a:ext cx="432048" cy="576064"/>
+          </a:xfrm>
+          <a:prstGeom prst="bentArrow">
+            <a:avLst>
+              <a:gd name="adj1" fmla="val 25000"/>
+              <a:gd name="adj2" fmla="val 27645"/>
+              <a:gd name="adj3" fmla="val 50000"/>
+              <a:gd name="adj4" fmla="val 43750"/>
+            </a:avLst>
+          </a:prstGeom>
+          <a:solidFill>
+            <a:srgbClr val="FF0000"/>
+          </a:solidFill>
+          <a:ln>
+            <a:solidFill>
+              <a:schemeClr val="accent3">
+                <a:lumMod val="50000"/>
+              </a:schemeClr>
+            </a:solidFill>
+          </a:ln>
+        </p:spPr>
+        <p:style>
+          <a:lnRef idx="2">
+            <a:schemeClr val="accent3">
+              <a:shade val="50000"/>
+            </a:schemeClr>
+          </a:lnRef>
+          <a:fillRef idx="1">
+            <a:schemeClr val="accent3"/>
+          </a:fillRef>
+          <a:effectRef idx="0">
+            <a:schemeClr val="accent3"/>
+          </a:effectRef>
+          <a:fontRef idx="minor">
+            <a:schemeClr val="lt1"/>
+          </a:fontRef>
+        </p:style>
+        <p:txBody>
+          <a:bodyPr rtlCol="0" anchor="ctr"/>
+          <a:lstStyle/>
+          <a:p>
+            <a:pPr algn="ctr"/>
+            <a:endParaRPr lang="pl-PL">
+              <a:solidFill>
+                <a:schemeClr val="tx1"/>
+              </a:solidFill>
+            </a:endParaRPr>
+          </a:p>
+        </p:txBody>
+      </p:sp>
+      <p:sp>
+        <p:nvSpPr>
+          <p:cNvPr id="35" name="Bent Arrow 34"/>
+          <p:cNvSpPr>
+            <a:spLocks/>
+          </p:cNvSpPr>
+          <p:nvPr/>
+        </p:nvSpPr>
+        <p:spPr>
+          <a:xfrm flipH="1">
+            <a:off x="1844991" y="4345588"/>
+            <a:ext cx="432048" cy="576064"/>
+          </a:xfrm>
+          <a:prstGeom prst="bentArrow">
+            <a:avLst>
+              <a:gd name="adj1" fmla="val 25000"/>
+              <a:gd name="adj2" fmla="val 27645"/>
+              <a:gd name="adj3" fmla="val 50000"/>
+              <a:gd name="adj4" fmla="val 43750"/>
+            </a:avLst>
+          </a:prstGeom>
+          <a:solidFill>
+            <a:srgbClr val="FF0000"/>
+          </a:solidFill>
+          <a:ln>
+            <a:solidFill>
+              <a:schemeClr val="accent3">
+                <a:lumMod val="50000"/>
+              </a:schemeClr>
+            </a:solidFill>
+          </a:ln>
+        </p:spPr>
+        <p:style>
+          <a:lnRef idx="2">
+            <a:schemeClr val="accent3">
+              <a:shade val="50000"/>
+            </a:schemeClr>
+          </a:lnRef>
+          <a:fillRef idx="1">
+            <a:schemeClr val="accent3"/>
+          </a:fillRef>
+          <a:effectRef idx="0">
+            <a:schemeClr val="accent3"/>
+          </a:effectRef>
+          <a:fontRef idx="minor">
+            <a:schemeClr val="lt1"/>
+          </a:fontRef>
+        </p:style>
+        <p:txBody>
+          <a:bodyPr rtlCol="0" anchor="ctr"/>
+          <a:lstStyle/>
+          <a:p>
+            <a:pPr algn="ctr"/>
+            <a:endParaRPr lang="pl-PL">
+              <a:solidFill>
+                <a:schemeClr val="tx1"/>
+              </a:solidFill>
+            </a:endParaRPr>
+          </a:p>
+        </p:txBody>
+      </p:sp>
+      <p:sp>
+        <p:nvSpPr>
+          <p:cNvPr id="36" name="Bent Arrow 35"/>
+          <p:cNvSpPr>
+            <a:spLocks/>
+          </p:cNvSpPr>
+          <p:nvPr/>
+        </p:nvSpPr>
+        <p:spPr>
+          <a:xfrm rot="16200000">
+            <a:off x="693211" y="4328860"/>
+            <a:ext cx="432048" cy="576064"/>
+          </a:xfrm>
+          <a:prstGeom prst="bentArrow">
+            <a:avLst>
+              <a:gd name="adj1" fmla="val 25000"/>
+              <a:gd name="adj2" fmla="val 27645"/>
+              <a:gd name="adj3" fmla="val 50000"/>
+              <a:gd name="adj4" fmla="val 43750"/>
+            </a:avLst>
+          </a:prstGeom>
+          <a:solidFill>
+            <a:srgbClr val="FF0000"/>
+          </a:solidFill>
+          <a:ln>
+            <a:solidFill>
+              <a:schemeClr val="accent3">
+                <a:lumMod val="50000"/>
+              </a:schemeClr>
+            </a:solidFill>
+          </a:ln>
+        </p:spPr>
+        <p:style>
+          <a:lnRef idx="2">
+            <a:schemeClr val="accent3">
+              <a:shade val="50000"/>
+            </a:schemeClr>
+          </a:lnRef>
+          <a:fillRef idx="1">
+            <a:schemeClr val="accent3"/>
+          </a:fillRef>
+          <a:effectRef idx="0">
+            <a:schemeClr val="accent3"/>
+          </a:effectRef>
+          <a:fontRef idx="minor">
+            <a:schemeClr val="lt1"/>
+          </a:fontRef>
+        </p:style>
+        <p:txBody>
+          <a:bodyPr rtlCol="0" anchor="ctr"/>
+          <a:lstStyle/>
+          <a:p>
+            <a:pPr algn="ctr"/>
+            <a:endParaRPr lang="pl-PL">
+              <a:solidFill>
+                <a:schemeClr val="tx1"/>
+              </a:solidFill>
+            </a:endParaRPr>
+          </a:p>
+        </p:txBody>
+      </p:sp>
+      <p:sp>
+        <p:nvSpPr>
+          <p:cNvPr id="37" name="Bent Arrow 36"/>
+          <p:cNvSpPr>
+            <a:spLocks/>
+          </p:cNvSpPr>
+          <p:nvPr/>
+        </p:nvSpPr>
+        <p:spPr>
+          <a:xfrm rot="5400000">
+            <a:off x="2790655" y="5616216"/>
+            <a:ext cx="432048" cy="576064"/>
+          </a:xfrm>
+          <a:prstGeom prst="bentArrow">
+            <a:avLst>
+              <a:gd name="adj1" fmla="val 26764"/>
+              <a:gd name="adj2" fmla="val 25881"/>
+              <a:gd name="adj3" fmla="val 50000"/>
+              <a:gd name="adj4" fmla="val 61387"/>
+            </a:avLst>
+          </a:prstGeom>
+          <a:solidFill>
+            <a:srgbClr val="FF0000"/>
+          </a:solidFill>
+          <a:ln>
+            <a:solidFill>
+              <a:schemeClr val="accent3">
+                <a:lumMod val="50000"/>
+              </a:schemeClr>
+            </a:solidFill>
+          </a:ln>
+        </p:spPr>
+        <p:style>
+          <a:lnRef idx="2">
+            <a:schemeClr val="accent3">
+              <a:shade val="50000"/>
+            </a:schemeClr>
+          </a:lnRef>
+          <a:fillRef idx="1">
+            <a:schemeClr val="accent3"/>
+          </a:fillRef>
+          <a:effectRef idx="0">
+            <a:schemeClr val="accent3"/>
+          </a:effectRef>
+          <a:fontRef idx="minor">
+            <a:schemeClr val="lt1"/>
+          </a:fontRef>
+        </p:style>
+        <p:txBody>
+          <a:bodyPr rtlCol="0" anchor="ctr"/>
+          <a:lstStyle/>
+          <a:p>
+            <a:pPr algn="ctr"/>
+            <a:endParaRPr lang="pl-PL">
+              <a:solidFill>
+                <a:schemeClr val="tx1"/>
+              </a:solidFill>
+            </a:endParaRPr>
+          </a:p>
+        </p:txBody>
+      </p:sp>
+      <p:sp>
+        <p:nvSpPr>
+          <p:cNvPr id="38" name="Bent Arrow 37"/>
+          <p:cNvSpPr>
+            <a:spLocks/>
+          </p:cNvSpPr>
+          <p:nvPr/>
+        </p:nvSpPr>
+        <p:spPr>
+          <a:xfrm flipH="1">
+            <a:off x="4021339" y="5616216"/>
+            <a:ext cx="432048" cy="576064"/>
+          </a:xfrm>
+          <a:prstGeom prst="bentArrow">
+            <a:avLst>
+              <a:gd name="adj1" fmla="val 26764"/>
+              <a:gd name="adj2" fmla="val 25881"/>
+              <a:gd name="adj3" fmla="val 50000"/>
+              <a:gd name="adj4" fmla="val 61387"/>
+            </a:avLst>
+          </a:prstGeom>
+          <a:solidFill>
+            <a:srgbClr val="FF0000"/>
+          </a:solidFill>
+          <a:ln>
+            <a:solidFill>
+              <a:schemeClr val="accent3">
+                <a:lumMod val="50000"/>
+              </a:schemeClr>
+            </a:solidFill>
+          </a:ln>
+        </p:spPr>
+        <p:style>
+          <a:lnRef idx="2">
+            <a:schemeClr val="accent3">
+              <a:shade val="50000"/>
+            </a:schemeClr>
+          </a:lnRef>
+          <a:fillRef idx="1">
+            <a:schemeClr val="accent3"/>
+          </a:fillRef>
+          <a:effectRef idx="0">
+            <a:schemeClr val="accent3"/>
+          </a:effectRef>
+          <a:fontRef idx="minor">
+            <a:schemeClr val="lt1"/>
+          </a:fontRef>
+        </p:style>
+        <p:txBody>
+          <a:bodyPr rtlCol="0" anchor="ctr"/>
+          <a:lstStyle/>
+          <a:p>
+            <a:pPr algn="ctr"/>
+            <a:endParaRPr lang="pl-PL">
+              <a:solidFill>
+                <a:schemeClr val="tx1"/>
+              </a:solidFill>
+            </a:endParaRPr>
+          </a:p>
+        </p:txBody>
+      </p:sp>
+      <p:sp>
+        <p:nvSpPr>
+          <p:cNvPr id="39" name="Bent Arrow 38"/>
+          <p:cNvSpPr>
+            <a:spLocks/>
+          </p:cNvSpPr>
+          <p:nvPr/>
+        </p:nvSpPr>
+        <p:spPr>
+          <a:xfrm rot="5400000">
+            <a:off x="693210" y="5633028"/>
+            <a:ext cx="432048" cy="576064"/>
+          </a:xfrm>
+          <a:prstGeom prst="bentArrow">
+            <a:avLst>
+              <a:gd name="adj1" fmla="val 26764"/>
+              <a:gd name="adj2" fmla="val 25881"/>
+              <a:gd name="adj3" fmla="val 50000"/>
+              <a:gd name="adj4" fmla="val 61387"/>
+            </a:avLst>
+          </a:prstGeom>
+          <a:solidFill>
+            <a:srgbClr val="FF0000"/>
+          </a:solidFill>
+          <a:ln>
+            <a:solidFill>
+              <a:schemeClr val="accent3">
+                <a:lumMod val="50000"/>
+              </a:schemeClr>
+            </a:solidFill>
+          </a:ln>
+        </p:spPr>
+        <p:style>
+          <a:lnRef idx="2">
+            <a:schemeClr val="accent3">
+              <a:shade val="50000"/>
+            </a:schemeClr>
+          </a:lnRef>
+          <a:fillRef idx="1">
+            <a:schemeClr val="accent3"/>
+          </a:fillRef>
+          <a:effectRef idx="0">
+            <a:schemeClr val="accent3"/>
+          </a:effectRef>
+          <a:fontRef idx="minor">
+            <a:schemeClr val="lt1"/>
+          </a:fontRef>
+        </p:style>
+        <p:txBody>
+          <a:bodyPr rtlCol="0" anchor="ctr"/>
+          <a:lstStyle/>
+          <a:p>
+            <a:pPr algn="ctr"/>
+            <a:endParaRPr lang="pl-PL">
+              <a:solidFill>
+                <a:schemeClr val="tx1"/>
+              </a:solidFill>
+            </a:endParaRPr>
+          </a:p>
+        </p:txBody>
+      </p:sp>
+      <p:sp>
+        <p:nvSpPr>
+          <p:cNvPr id="52" name="Bent Arrow 51"/>
+          <p:cNvSpPr>
+            <a:spLocks/>
+          </p:cNvSpPr>
+          <p:nvPr/>
+        </p:nvSpPr>
+        <p:spPr>
+          <a:xfrm>
+            <a:off x="6269026" y="1446644"/>
+            <a:ext cx="432048" cy="576064"/>
+          </a:xfrm>
+          <a:prstGeom prst="bentArrow">
+            <a:avLst>
+              <a:gd name="adj1" fmla="val 26764"/>
+              <a:gd name="adj2" fmla="val 25881"/>
+              <a:gd name="adj3" fmla="val 50000"/>
+              <a:gd name="adj4" fmla="val 61387"/>
+            </a:avLst>
+          </a:prstGeom>
+          <a:solidFill>
+            <a:srgbClr val="7030A0"/>
+          </a:solidFill>
+          <a:ln>
+            <a:solidFill>
+              <a:schemeClr val="accent3">
+                <a:lumMod val="50000"/>
+              </a:schemeClr>
+            </a:solidFill>
+          </a:ln>
+        </p:spPr>
+        <p:style>
+          <a:lnRef idx="2">
+            <a:schemeClr val="accent3">
+              <a:shade val="50000"/>
+            </a:schemeClr>
+          </a:lnRef>
+          <a:fillRef idx="1">
+            <a:schemeClr val="accent3"/>
+          </a:fillRef>
+          <a:effectRef idx="0">
+            <a:schemeClr val="accent3"/>
+          </a:effectRef>
+          <a:fontRef idx="minor">
+            <a:schemeClr val="lt1"/>
+          </a:fontRef>
+        </p:style>
+        <p:txBody>
+          <a:bodyPr rtlCol="0" anchor="ctr"/>
+          <a:lstStyle/>
+          <a:p>
+            <a:pPr algn="ctr"/>
+            <a:endParaRPr lang="pl-PL">
+              <a:solidFill>
+                <a:schemeClr val="tx1"/>
+              </a:solidFill>
+            </a:endParaRPr>
+          </a:p>
+        </p:txBody>
+      </p:sp>
+      <p:sp>
+        <p:nvSpPr>
+          <p:cNvPr id="53" name="Bent Arrow 52"/>
+          <p:cNvSpPr>
+            <a:spLocks/>
+          </p:cNvSpPr>
+          <p:nvPr/>
+        </p:nvSpPr>
+        <p:spPr>
+          <a:xfrm rot="5400000" flipH="1">
+            <a:off x="7092630" y="187848"/>
+            <a:ext cx="432048" cy="576064"/>
+          </a:xfrm>
+          <a:prstGeom prst="bentArrow">
+            <a:avLst>
+              <a:gd name="adj1" fmla="val 25000"/>
+              <a:gd name="adj2" fmla="val 27645"/>
+              <a:gd name="adj3" fmla="val 50000"/>
+              <a:gd name="adj4" fmla="val 43750"/>
+            </a:avLst>
+          </a:prstGeom>
+          <a:solidFill>
+            <a:srgbClr val="7030A0"/>
+          </a:solidFill>
+          <a:ln>
+            <a:solidFill>
+              <a:schemeClr val="accent3">
+                <a:lumMod val="50000"/>
+              </a:schemeClr>
+            </a:solidFill>
+          </a:ln>
+        </p:spPr>
+        <p:style>
+          <a:lnRef idx="2">
+            <a:schemeClr val="accent3">
+              <a:shade val="50000"/>
+            </a:schemeClr>
+          </a:lnRef>
+          <a:fillRef idx="1">
+            <a:schemeClr val="accent3"/>
+          </a:fillRef>
+          <a:effectRef idx="0">
+            <a:schemeClr val="accent3"/>
+          </a:effectRef>
+          <a:fontRef idx="minor">
+            <a:schemeClr val="lt1"/>
+          </a:fontRef>
+        </p:style>
+        <p:txBody>
+          <a:bodyPr rtlCol="0" anchor="ctr"/>
+          <a:lstStyle/>
+          <a:p>
+            <a:pPr algn="ctr"/>
+            <a:endParaRPr lang="pl-PL">
+              <a:solidFill>
+                <a:schemeClr val="tx1"/>
+              </a:solidFill>
+            </a:endParaRPr>
+          </a:p>
+        </p:txBody>
+      </p:sp>
+      <p:sp>
+        <p:nvSpPr>
+          <p:cNvPr id="54" name="Up Arrow 53"/>
+          <p:cNvSpPr>
+            <a:spLocks/>
+          </p:cNvSpPr>
+          <p:nvPr/>
+        </p:nvSpPr>
+        <p:spPr>
+          <a:xfrm rot="5400000">
+            <a:off x="7281435" y="880750"/>
+            <a:ext cx="198453" cy="432048"/>
+          </a:xfrm>
+          <a:prstGeom prst="upArrow">
+            <a:avLst>
+              <a:gd name="adj1" fmla="val 31999"/>
+              <a:gd name="adj2" fmla="val 68312"/>
+            </a:avLst>
+          </a:prstGeom>
+          <a:solidFill>
+            <a:srgbClr val="7030A0"/>
+          </a:solidFill>
+          <a:ln>
+            <a:solidFill>
+              <a:schemeClr val="accent3">
+                <a:lumMod val="50000"/>
+              </a:schemeClr>
+            </a:solidFill>
+          </a:ln>
+        </p:spPr>
+        <p:style>
+          <a:lnRef idx="2">
+            <a:schemeClr val="accent3">
+              <a:shade val="50000"/>
+            </a:schemeClr>
+          </a:lnRef>
+          <a:fillRef idx="1">
+            <a:schemeClr val="accent3"/>
+          </a:fillRef>
+          <a:effectRef idx="0">
+            <a:schemeClr val="accent3"/>
+          </a:effectRef>
+          <a:fontRef idx="minor">
+            <a:schemeClr val="lt1"/>
+          </a:fontRef>
+        </p:style>
+        <p:txBody>
+          <a:bodyPr rtlCol="0" anchor="ctr"/>
+          <a:lstStyle/>
+          <a:p>
+            <a:pPr algn="ctr"/>
+            <a:endParaRPr lang="pl-PL"/>
+          </a:p>
+        </p:txBody>
+      </p:sp>
+      <p:sp>
+        <p:nvSpPr>
+          <p:cNvPr id="55" name="Up Arrow 54"/>
+          <p:cNvSpPr>
+            <a:spLocks/>
+          </p:cNvSpPr>
+          <p:nvPr/>
+        </p:nvSpPr>
+        <p:spPr>
+          <a:xfrm>
+            <a:off x="6313743" y="880751"/>
+            <a:ext cx="198453" cy="432048"/>
+          </a:xfrm>
+          <a:prstGeom prst="upArrow">
+            <a:avLst>
+              <a:gd name="adj1" fmla="val 31999"/>
+              <a:gd name="adj2" fmla="val 68312"/>
+            </a:avLst>
+          </a:prstGeom>
+          <a:solidFill>
+            <a:srgbClr val="7030A0"/>
+          </a:solidFill>
+          <a:ln>
+            <a:solidFill>
+              <a:schemeClr val="accent3">
+                <a:lumMod val="50000"/>
+              </a:schemeClr>
+            </a:solidFill>
+          </a:ln>
+        </p:spPr>
+        <p:style>
+          <a:lnRef idx="2">
+            <a:schemeClr val="accent3">
+              <a:shade val="50000"/>
+            </a:schemeClr>
+          </a:lnRef>
+          <a:fillRef idx="1">
+            <a:schemeClr val="accent3"/>
+          </a:fillRef>
+          <a:effectRef idx="0">
+            <a:schemeClr val="accent3"/>
+          </a:effectRef>
+          <a:fontRef idx="minor">
+            <a:schemeClr val="lt1"/>
+          </a:fontRef>
+        </p:style>
+        <p:txBody>
+          <a:bodyPr rtlCol="0" anchor="ctr"/>
+          <a:lstStyle/>
+          <a:p>
+            <a:pPr algn="ctr"/>
+            <a:endParaRPr lang="pl-PL"/>
+          </a:p>
+        </p:txBody>
+      </p:sp>
+      <p:sp>
+        <p:nvSpPr>
+          <p:cNvPr id="56" name="Up Arrow 55"/>
+          <p:cNvSpPr>
+            <a:spLocks/>
+          </p:cNvSpPr>
+          <p:nvPr/>
+        </p:nvSpPr>
+        <p:spPr>
+          <a:xfrm rot="16200000" flipH="1">
+            <a:off x="5017635" y="880750"/>
+            <a:ext cx="198453" cy="432048"/>
+          </a:xfrm>
+          <a:prstGeom prst="upArrow">
+            <a:avLst>
+              <a:gd name="adj1" fmla="val 31999"/>
+              <a:gd name="adj2" fmla="val 68312"/>
+            </a:avLst>
+          </a:prstGeom>
+          <a:solidFill>
+            <a:srgbClr val="7030A0"/>
+          </a:solidFill>
+          <a:ln>
+            <a:solidFill>
+              <a:schemeClr val="accent3">
+                <a:lumMod val="50000"/>
+              </a:schemeClr>
+            </a:solidFill>
+          </a:ln>
+        </p:spPr>
+        <p:style>
+          <a:lnRef idx="2">
+            <a:schemeClr val="accent3">
+              <a:shade val="50000"/>
+            </a:schemeClr>
+          </a:lnRef>
+          <a:fillRef idx="1">
+            <a:schemeClr val="accent3"/>
+          </a:fillRef>
+          <a:effectRef idx="0">
+            <a:schemeClr val="accent3"/>
+          </a:effectRef>
+          <a:fontRef idx="minor">
+            <a:schemeClr val="lt1"/>
+          </a:fontRef>
+        </p:style>
+        <p:txBody>
+          <a:bodyPr rtlCol="0" anchor="ctr"/>
+          <a:lstStyle/>
+          <a:p>
+            <a:pPr algn="ctr"/>
+            <a:endParaRPr lang="pl-PL"/>
+          </a:p>
+        </p:txBody>
+      </p:sp>
+      <p:sp>
+        <p:nvSpPr>
+          <p:cNvPr id="57" name="Up Arrow 56"/>
+          <p:cNvSpPr>
+            <a:spLocks/>
+          </p:cNvSpPr>
+          <p:nvPr/>
+        </p:nvSpPr>
+        <p:spPr>
+          <a:xfrm rot="10800000">
+            <a:off x="8505222" y="890684"/>
+            <a:ext cx="198453" cy="432048"/>
+          </a:xfrm>
+          <a:prstGeom prst="upArrow">
+            <a:avLst>
+              <a:gd name="adj1" fmla="val 31999"/>
+              <a:gd name="adj2" fmla="val 68312"/>
+            </a:avLst>
+          </a:prstGeom>
+          <a:solidFill>
+            <a:srgbClr val="7030A0"/>
+          </a:solidFill>
+          <a:ln>
+            <a:solidFill>
+              <a:schemeClr val="accent3">
+                <a:lumMod val="50000"/>
+              </a:schemeClr>
+            </a:solidFill>
+          </a:ln>
+        </p:spPr>
+        <p:style>
+          <a:lnRef idx="2">
+            <a:schemeClr val="accent3">
+              <a:shade val="50000"/>
+            </a:schemeClr>
+          </a:lnRef>
+          <a:fillRef idx="1">
+            <a:schemeClr val="accent3"/>
+          </a:fillRef>
+          <a:effectRef idx="0">
+            <a:schemeClr val="accent3"/>
+          </a:effectRef>
+          <a:fontRef idx="minor">
+            <a:schemeClr val="lt1"/>
+          </a:fontRef>
+        </p:style>
+        <p:txBody>
+          <a:bodyPr rtlCol="0" anchor="ctr"/>
+          <a:lstStyle/>
+          <a:p>
+            <a:pPr algn="ctr"/>
+            <a:endParaRPr lang="pl-PL"/>
+          </a:p>
+        </p:txBody>
+      </p:sp>
+      <p:sp>
+        <p:nvSpPr>
+          <p:cNvPr id="58" name="Bent Arrow 57"/>
+          <p:cNvSpPr>
+            <a:spLocks/>
+          </p:cNvSpPr>
+          <p:nvPr/>
+        </p:nvSpPr>
+        <p:spPr>
+          <a:xfrm rot="10800000" flipH="1">
+            <a:off x="8388424" y="88864"/>
+            <a:ext cx="432048" cy="576064"/>
+          </a:xfrm>
+          <a:prstGeom prst="bentArrow">
+            <a:avLst>
+              <a:gd name="adj1" fmla="val 25000"/>
+              <a:gd name="adj2" fmla="val 27645"/>
+              <a:gd name="adj3" fmla="val 50000"/>
+              <a:gd name="adj4" fmla="val 43750"/>
+            </a:avLst>
+          </a:prstGeom>
+          <a:solidFill>
+            <a:srgbClr val="7030A0"/>
+          </a:solidFill>
+          <a:ln>
+            <a:solidFill>
+              <a:schemeClr val="accent3">
+                <a:lumMod val="50000"/>
+              </a:schemeClr>
+            </a:solidFill>
+          </a:ln>
+        </p:spPr>
+        <p:style>
+          <a:lnRef idx="2">
+            <a:schemeClr val="accent3">
+              <a:shade val="50000"/>
+            </a:schemeClr>
+          </a:lnRef>
+          <a:fillRef idx="1">
+            <a:schemeClr val="accent3"/>
+          </a:fillRef>
+          <a:effectRef idx="0">
+            <a:schemeClr val="accent3"/>
+          </a:effectRef>
+          <a:fontRef idx="minor">
+            <a:schemeClr val="lt1"/>
+          </a:fontRef>
+        </p:style>
+        <p:txBody>
+          <a:bodyPr rtlCol="0" anchor="ctr"/>
+          <a:lstStyle/>
+          <a:p>
+            <a:pPr algn="ctr"/>
+            <a:endParaRPr lang="pl-PL">
+              <a:solidFill>
+                <a:schemeClr val="tx1"/>
+              </a:solidFill>
+            </a:endParaRPr>
+          </a:p>
+        </p:txBody>
+      </p:sp>
+      <p:sp>
+        <p:nvSpPr>
+          <p:cNvPr id="59" name="Bent Arrow 58"/>
+          <p:cNvSpPr>
+            <a:spLocks/>
+          </p:cNvSpPr>
+          <p:nvPr/>
+        </p:nvSpPr>
+        <p:spPr>
+          <a:xfrm flipH="1">
+            <a:off x="6228186" y="187848"/>
+            <a:ext cx="432048" cy="576064"/>
+          </a:xfrm>
+          <a:prstGeom prst="bentArrow">
+            <a:avLst>
+              <a:gd name="adj1" fmla="val 25000"/>
+              <a:gd name="adj2" fmla="val 27645"/>
+              <a:gd name="adj3" fmla="val 50000"/>
+              <a:gd name="adj4" fmla="val 43750"/>
+            </a:avLst>
+          </a:prstGeom>
+          <a:solidFill>
+            <a:srgbClr val="7030A0"/>
+          </a:solidFill>
+          <a:ln>
+            <a:solidFill>
+              <a:schemeClr val="accent3">
+                <a:lumMod val="50000"/>
+              </a:schemeClr>
+            </a:solidFill>
+          </a:ln>
+        </p:spPr>
+        <p:style>
+          <a:lnRef idx="2">
+            <a:schemeClr val="accent3">
+              <a:shade val="50000"/>
+            </a:schemeClr>
+          </a:lnRef>
+          <a:fillRef idx="1">
+            <a:schemeClr val="accent3"/>
+          </a:fillRef>
+          <a:effectRef idx="0">
+            <a:schemeClr val="accent3"/>
+          </a:effectRef>
+          <a:fontRef idx="minor">
+            <a:schemeClr val="lt1"/>
+          </a:fontRef>
+        </p:style>
+        <p:txBody>
+          <a:bodyPr rtlCol="0" anchor="ctr"/>
+          <a:lstStyle/>
+          <a:p>
+            <a:pPr algn="ctr"/>
+            <a:endParaRPr lang="pl-PL">
+              <a:solidFill>
+                <a:schemeClr val="tx1"/>
+              </a:solidFill>
+            </a:endParaRPr>
+          </a:p>
+        </p:txBody>
+      </p:sp>
+      <p:sp>
+        <p:nvSpPr>
+          <p:cNvPr id="60" name="Bent Arrow 59"/>
+          <p:cNvSpPr>
+            <a:spLocks/>
+          </p:cNvSpPr>
+          <p:nvPr/>
+        </p:nvSpPr>
+        <p:spPr>
+          <a:xfrm rot="16200000">
+            <a:off x="5076406" y="171120"/>
+            <a:ext cx="432048" cy="576064"/>
+          </a:xfrm>
+          <a:prstGeom prst="bentArrow">
+            <a:avLst>
+              <a:gd name="adj1" fmla="val 25000"/>
+              <a:gd name="adj2" fmla="val 27645"/>
+              <a:gd name="adj3" fmla="val 50000"/>
+              <a:gd name="adj4" fmla="val 43750"/>
+            </a:avLst>
+          </a:prstGeom>
+          <a:solidFill>
+            <a:srgbClr val="7030A0"/>
+          </a:solidFill>
+          <a:ln>
+            <a:solidFill>
+              <a:schemeClr val="accent3">
+                <a:lumMod val="50000"/>
+              </a:schemeClr>
+            </a:solidFill>
+          </a:ln>
+        </p:spPr>
+        <p:style>
+          <a:lnRef idx="2">
+            <a:schemeClr val="accent3">
+              <a:shade val="50000"/>
+            </a:schemeClr>
+          </a:lnRef>
+          <a:fillRef idx="1">
+            <a:schemeClr val="accent3"/>
+          </a:fillRef>
+          <a:effectRef idx="0">
+            <a:schemeClr val="accent3"/>
+          </a:effectRef>
+          <a:fontRef idx="minor">
+            <a:schemeClr val="lt1"/>
+          </a:fontRef>
+        </p:style>
+        <p:txBody>
+          <a:bodyPr rtlCol="0" anchor="ctr"/>
+          <a:lstStyle/>
+          <a:p>
+            <a:pPr algn="ctr"/>
+            <a:endParaRPr lang="pl-PL">
+              <a:solidFill>
+                <a:schemeClr val="tx1"/>
+              </a:solidFill>
+            </a:endParaRPr>
+          </a:p>
+        </p:txBody>
+      </p:sp>
+      <p:sp>
+        <p:nvSpPr>
+          <p:cNvPr id="61" name="Bent Arrow 60"/>
+          <p:cNvSpPr>
+            <a:spLocks/>
+          </p:cNvSpPr>
+          <p:nvPr/>
+        </p:nvSpPr>
+        <p:spPr>
+          <a:xfrm rot="5400000">
+            <a:off x="7173850" y="1458476"/>
+            <a:ext cx="432048" cy="576064"/>
+          </a:xfrm>
+          <a:prstGeom prst="bentArrow">
+            <a:avLst>
+              <a:gd name="adj1" fmla="val 26764"/>
+              <a:gd name="adj2" fmla="val 25881"/>
+              <a:gd name="adj3" fmla="val 50000"/>
+              <a:gd name="adj4" fmla="val 61387"/>
+            </a:avLst>
+          </a:prstGeom>
+          <a:solidFill>
+            <a:srgbClr val="7030A0"/>
+          </a:solidFill>
+          <a:ln>
+            <a:solidFill>
+              <a:schemeClr val="accent3">
+                <a:lumMod val="50000"/>
+              </a:schemeClr>
+            </a:solidFill>
+          </a:ln>
+        </p:spPr>
+        <p:style>
+          <a:lnRef idx="2">
+            <a:schemeClr val="accent3">
+              <a:shade val="50000"/>
+            </a:schemeClr>
+          </a:lnRef>
+          <a:fillRef idx="1">
+            <a:schemeClr val="accent3"/>
+          </a:fillRef>
+          <a:effectRef idx="0">
+            <a:schemeClr val="accent3"/>
+          </a:effectRef>
+          <a:fontRef idx="minor">
+            <a:schemeClr val="lt1"/>
+          </a:fontRef>
+        </p:style>
+        <p:txBody>
+          <a:bodyPr rtlCol="0" anchor="ctr"/>
+          <a:lstStyle/>
+          <a:p>
+            <a:pPr algn="ctr"/>
+            <a:endParaRPr lang="pl-PL">
+              <a:solidFill>
+                <a:schemeClr val="tx1"/>
+              </a:solidFill>
+            </a:endParaRPr>
+          </a:p>
+        </p:txBody>
+      </p:sp>
+      <p:sp>
+        <p:nvSpPr>
+          <p:cNvPr id="62" name="Bent Arrow 61"/>
+          <p:cNvSpPr>
+            <a:spLocks/>
+          </p:cNvSpPr>
+          <p:nvPr/>
+        </p:nvSpPr>
+        <p:spPr>
+          <a:xfrm flipH="1">
+            <a:off x="8404534" y="1458476"/>
+            <a:ext cx="432048" cy="576064"/>
+          </a:xfrm>
+          <a:prstGeom prst="bentArrow">
+            <a:avLst>
+              <a:gd name="adj1" fmla="val 26764"/>
+              <a:gd name="adj2" fmla="val 25881"/>
+              <a:gd name="adj3" fmla="val 50000"/>
+              <a:gd name="adj4" fmla="val 61387"/>
+            </a:avLst>
+          </a:prstGeom>
+          <a:solidFill>
+            <a:srgbClr val="7030A0"/>
+          </a:solidFill>
+          <a:ln>
+            <a:solidFill>
+              <a:schemeClr val="accent3">
+                <a:lumMod val="50000"/>
+              </a:schemeClr>
+            </a:solidFill>
+          </a:ln>
+        </p:spPr>
+        <p:style>
+          <a:lnRef idx="2">
+            <a:schemeClr val="accent3">
+              <a:shade val="50000"/>
+            </a:schemeClr>
+          </a:lnRef>
+          <a:fillRef idx="1">
+            <a:schemeClr val="accent3"/>
+          </a:fillRef>
+          <a:effectRef idx="0">
+            <a:schemeClr val="accent3"/>
+          </a:effectRef>
+          <a:fontRef idx="minor">
+            <a:schemeClr val="lt1"/>
+          </a:fontRef>
+        </p:style>
+        <p:txBody>
+          <a:bodyPr rtlCol="0" anchor="ctr"/>
+          <a:lstStyle/>
+          <a:p>
+            <a:pPr algn="ctr"/>
+            <a:endParaRPr lang="pl-PL">
+              <a:solidFill>
+                <a:schemeClr val="tx1"/>
+              </a:solidFill>
+            </a:endParaRPr>
+          </a:p>
+        </p:txBody>
+      </p:sp>
+      <p:sp>
+        <p:nvSpPr>
+          <p:cNvPr id="63" name="Bent Arrow 62"/>
+          <p:cNvSpPr>
+            <a:spLocks/>
+          </p:cNvSpPr>
+          <p:nvPr/>
+        </p:nvSpPr>
+        <p:spPr>
+          <a:xfrm rot="5400000">
+            <a:off x="5076405" y="1475288"/>
+            <a:ext cx="432048" cy="576064"/>
+          </a:xfrm>
+          <a:prstGeom prst="bentArrow">
+            <a:avLst>
+              <a:gd name="adj1" fmla="val 26764"/>
+              <a:gd name="adj2" fmla="val 25881"/>
+              <a:gd name="adj3" fmla="val 50000"/>
+              <a:gd name="adj4" fmla="val 61387"/>
+            </a:avLst>
+          </a:prstGeom>
+          <a:solidFill>
+            <a:srgbClr val="7030A0"/>
+          </a:solidFill>
+          <a:ln>
+            <a:solidFill>
+              <a:schemeClr val="accent3">
+                <a:lumMod val="50000"/>
+              </a:schemeClr>
+            </a:solidFill>
+          </a:ln>
+        </p:spPr>
+        <p:style>
+          <a:lnRef idx="2">
+            <a:schemeClr val="accent3">
+              <a:shade val="50000"/>
+            </a:schemeClr>
+          </a:lnRef>
+          <a:fillRef idx="1">
+            <a:schemeClr val="accent3"/>
+          </a:fillRef>
+          <a:effectRef idx="0">
+            <a:schemeClr val="accent3"/>
+          </a:effectRef>
+          <a:fontRef idx="minor">
+            <a:schemeClr val="lt1"/>
+          </a:fontRef>
+        </p:style>
+        <p:txBody>
+          <a:bodyPr rtlCol="0" anchor="ctr"/>
+          <a:lstStyle/>
+          <a:p>
+            <a:pPr algn="ctr"/>
+            <a:endParaRPr lang="pl-PL">
+              <a:solidFill>
+                <a:schemeClr val="tx1"/>
+              </a:solidFill>
+            </a:endParaRPr>
+          </a:p>
+        </p:txBody>
+      </p:sp>
+      <p:sp>
+        <p:nvSpPr>
+          <p:cNvPr id="65" name="Up Arrow 46"/>
+          <p:cNvSpPr>
+            <a:spLocks/>
+          </p:cNvSpPr>
+          <p:nvPr/>
+        </p:nvSpPr>
+        <p:spPr>
+          <a:xfrm rot="15000000">
+            <a:off x="6149446" y="2796536"/>
+            <a:ext cx="198453" cy="432048"/>
+          </a:xfrm>
+          <a:prstGeom prst="upArrow">
+            <a:avLst>
+              <a:gd name="adj1" fmla="val 31999"/>
+              <a:gd name="adj2" fmla="val 68312"/>
+            </a:avLst>
+          </a:prstGeom>
+          <a:solidFill>
+            <a:srgbClr val="7030A0"/>
+          </a:solidFill>
+          <a:ln>
+            <a:solidFill>
+              <a:schemeClr val="accent3">
+                <a:lumMod val="50000"/>
+              </a:schemeClr>
+            </a:solidFill>
+          </a:ln>
+        </p:spPr>
+        <p:style>
+          <a:lnRef idx="2">
+            <a:schemeClr val="accent3">
+              <a:shade val="50000"/>
+            </a:schemeClr>
+          </a:lnRef>
+          <a:fillRef idx="1">
+            <a:schemeClr val="accent3"/>
+          </a:fillRef>
+          <a:effectRef idx="0">
+            <a:schemeClr val="accent3"/>
+          </a:effectRef>
+          <a:fontRef idx="minor">
+            <a:schemeClr val="lt1"/>
+          </a:fontRef>
+        </p:style>
+        <p:txBody>
+          <a:bodyPr rtlCol="0" anchor="ctr"/>
+          <a:lstStyle/>
+          <a:p>
+            <a:pPr algn="ctr"/>
+            <a:endParaRPr lang="pl-PL"/>
+          </a:p>
+        </p:txBody>
+      </p:sp>
+      <p:sp>
+        <p:nvSpPr>
+          <p:cNvPr id="66" name="Up Arrow 46"/>
+          <p:cNvSpPr>
+            <a:spLocks/>
+          </p:cNvSpPr>
+          <p:nvPr/>
+        </p:nvSpPr>
+        <p:spPr>
+          <a:xfrm rot="17400000">
+            <a:off x="7232159" y="3147179"/>
+            <a:ext cx="198453" cy="432048"/>
+          </a:xfrm>
+          <a:prstGeom prst="upArrow">
+            <a:avLst>
+              <a:gd name="adj1" fmla="val 31999"/>
+              <a:gd name="adj2" fmla="val 68312"/>
+            </a:avLst>
+          </a:prstGeom>
+          <a:solidFill>
+            <a:srgbClr val="7030A0"/>
+          </a:solidFill>
+          <a:ln>
+            <a:solidFill>
+              <a:schemeClr val="accent3">
+                <a:lumMod val="50000"/>
+              </a:schemeClr>
+            </a:solidFill>
+          </a:ln>
+        </p:spPr>
+        <p:style>
+          <a:lnRef idx="2">
+            <a:schemeClr val="accent3">
+              <a:shade val="50000"/>
+            </a:schemeClr>
+          </a:lnRef>
+          <a:fillRef idx="1">
+            <a:schemeClr val="accent3"/>
+          </a:fillRef>
+          <a:effectRef idx="0">
+            <a:schemeClr val="accent3"/>
+          </a:effectRef>
+          <a:fontRef idx="minor">
+            <a:schemeClr val="lt1"/>
+          </a:fontRef>
+        </p:style>
+        <p:txBody>
+          <a:bodyPr rtlCol="0" anchor="ctr"/>
+          <a:lstStyle/>
+          <a:p>
+            <a:pPr algn="ctr"/>
+            <a:endParaRPr lang="pl-PL"/>
+          </a:p>
+        </p:txBody>
+      </p:sp>
+    </p:spTree>
+    <p:extLst>
+      <p:ext uri="{BB962C8B-B14F-4D97-AF65-F5344CB8AC3E}">
+        <p14:creationId xmlns:p14="http://schemas.microsoft.com/office/powerpoint/2010/main" val="2724626042"/>
+      </p:ext>
+    </p:extLst>
+  </p:cSld>
+  <p:clrMapOvr>
+    <a:masterClrMapping/>
+  </p:clrMapOvr>
+</p:sld>
+</file>
+
+<file path=ppt/slides/slide7.xml><?xml version="1.0" encoding="utf-8"?>
 <p:sld xmlns:a="http://schemas.openxmlformats.org/drawingml/2006/main" xmlns:r="http://schemas.openxmlformats.org/officeDocument/2006/relationships" xmlns:p="http://schemas.openxmlformats.org/presentationml/2006/main">
   <p:cSld>
     <p:spTree>
@@ -40762,7 +44627,7 @@
 </p:sld>
 </file>
 
-<file path=ppt/slides/slide7.xml><?xml version="1.0" encoding="utf-8"?>
+<file path=ppt/slides/slide8.xml><?xml version="1.0" encoding="utf-8"?>
 <p:sld xmlns:a="http://schemas.openxmlformats.org/drawingml/2006/main" xmlns:r="http://schemas.openxmlformats.org/officeDocument/2006/relationships" xmlns:p="http://schemas.openxmlformats.org/presentationml/2006/main">
   <p:cSld>
     <p:spTree>
@@ -42036,7 +45901,7 @@
 </p:sld>
 </file>
 
-<file path=ppt/slides/slide8.xml><?xml version="1.0" encoding="utf-8"?>
+<file path=ppt/slides/slide9.xml><?xml version="1.0" encoding="utf-8"?>
 <p:sld xmlns:a="http://schemas.openxmlformats.org/drawingml/2006/main" xmlns:r="http://schemas.openxmlformats.org/officeDocument/2006/relationships" xmlns:p="http://schemas.openxmlformats.org/presentationml/2006/main">
   <p:cSld>
     <p:spTree>
@@ -43438,784 +47303,6 @@
 </p:sld>
 </file>
 
-<file path=ppt/slides/slide9.xml><?xml version="1.0" encoding="utf-8"?>
-<p:sld xmlns:a="http://schemas.openxmlformats.org/drawingml/2006/main" xmlns:r="http://schemas.openxmlformats.org/officeDocument/2006/relationships" xmlns:p="http://schemas.openxmlformats.org/presentationml/2006/main">
-  <p:cSld>
-    <p:spTree>
-      <p:nvGrpSpPr>
-        <p:cNvPr id="1" name=""/>
-        <p:cNvGrpSpPr/>
-        <p:nvPr/>
-      </p:nvGrpSpPr>
-      <p:grpSpPr>
-        <a:xfrm>
-          <a:off x="0" y="0"/>
-          <a:ext cx="0" cy="0"/>
-          <a:chOff x="0" y="0"/>
-          <a:chExt cx="0" cy="0"/>
-        </a:xfrm>
-      </p:grpSpPr>
-      <p:pic>
-        <p:nvPicPr>
-          <p:cNvPr id="1027" name="Picture 3"/>
-          <p:cNvPicPr>
-            <a:picLocks noChangeAspect="1" noChangeArrowheads="1"/>
-          </p:cNvPicPr>
-          <p:nvPr/>
-        </p:nvPicPr>
-        <p:blipFill>
-          <a:blip r:embed="rId2">
-            <a:extLst>
-              <a:ext uri="{28A0092B-C50C-407E-A947-70E740481C1C}">
-                <a14:useLocalDpi xmlns:a14="http://schemas.microsoft.com/office/drawing/2010/main" val="0"/>
-              </a:ext>
-            </a:extLst>
-          </a:blip>
-          <a:srcRect/>
-          <a:stretch>
-            <a:fillRect/>
-          </a:stretch>
-        </p:blipFill>
-        <p:spPr bwMode="auto">
-          <a:xfrm>
-            <a:off x="539553" y="2132856"/>
-            <a:ext cx="8259763" cy="514350"/>
-          </a:xfrm>
-          <a:prstGeom prst="rect">
-            <a:avLst/>
-          </a:prstGeom>
-          <a:noFill/>
-          <a:ln>
-            <a:noFill/>
-          </a:ln>
-          <a:effectLst/>
-          <a:extLst>
-            <a:ext uri="{909E8E84-426E-40DD-AFC4-6F175D3DCCD1}">
-              <a14:hiddenFill xmlns:a14="http://schemas.microsoft.com/office/drawing/2010/main">
-                <a:solidFill>
-                  <a:schemeClr val="accent1"/>
-                </a:solidFill>
-              </a14:hiddenFill>
-            </a:ext>
-            <a:ext uri="{91240B29-F687-4F45-9708-019B960494DF}">
-              <a14:hiddenLine xmlns:a14="http://schemas.microsoft.com/office/drawing/2010/main" w="9525">
-                <a:solidFill>
-                  <a:schemeClr val="tx1"/>
-                </a:solidFill>
-                <a:miter lim="800000"/>
-                <a:headEnd/>
-                <a:tailEnd/>
-              </a14:hiddenLine>
-            </a:ext>
-            <a:ext uri="{AF507438-7753-43E0-B8FC-AC1667EBCBE1}">
-              <a14:hiddenEffects xmlns:a14="http://schemas.microsoft.com/office/drawing/2010/main">
-                <a:effectLst>
-                  <a:outerShdw dist="35921" dir="2700000" algn="ctr" rotWithShape="0">
-                    <a:schemeClr val="bg2"/>
-                  </a:outerShdw>
-                </a:effectLst>
-              </a14:hiddenEffects>
-            </a:ext>
-          </a:extLst>
-        </p:spPr>
-      </p:pic>
-      <p:cxnSp>
-        <p:nvCxnSpPr>
-          <p:cNvPr id="5" name="Straight Connector 4"/>
-          <p:cNvCxnSpPr/>
-          <p:nvPr/>
-        </p:nvCxnSpPr>
-        <p:spPr>
-          <a:xfrm>
-            <a:off x="611560" y="2132860"/>
-            <a:ext cx="0" cy="509203"/>
-          </a:xfrm>
-          <a:prstGeom prst="line">
-            <a:avLst/>
-          </a:prstGeom>
-          <a:ln w="28575">
-            <a:solidFill>
-              <a:schemeClr val="tx1">
-                <a:lumMod val="95000"/>
-                <a:lumOff val="5000"/>
-              </a:schemeClr>
-            </a:solidFill>
-          </a:ln>
-        </p:spPr>
-        <p:style>
-          <a:lnRef idx="1">
-            <a:schemeClr val="dk1"/>
-          </a:lnRef>
-          <a:fillRef idx="0">
-            <a:schemeClr val="dk1"/>
-          </a:fillRef>
-          <a:effectRef idx="0">
-            <a:schemeClr val="dk1"/>
-          </a:effectRef>
-          <a:fontRef idx="minor">
-            <a:schemeClr val="tx1"/>
-          </a:fontRef>
-        </p:style>
-      </p:cxnSp>
-      <p:cxnSp>
-        <p:nvCxnSpPr>
-          <p:cNvPr id="11" name="Straight Connector 10"/>
-          <p:cNvCxnSpPr/>
-          <p:nvPr/>
-        </p:nvCxnSpPr>
-        <p:spPr>
-          <a:xfrm>
-            <a:off x="2555776" y="2132859"/>
-            <a:ext cx="0" cy="509203"/>
-          </a:xfrm>
-          <a:prstGeom prst="line">
-            <a:avLst/>
-          </a:prstGeom>
-          <a:ln w="28575">
-            <a:solidFill>
-              <a:schemeClr val="tx1">
-                <a:lumMod val="95000"/>
-                <a:lumOff val="5000"/>
-              </a:schemeClr>
-            </a:solidFill>
-          </a:ln>
-        </p:spPr>
-        <p:style>
-          <a:lnRef idx="1">
-            <a:schemeClr val="dk1"/>
-          </a:lnRef>
-          <a:fillRef idx="0">
-            <a:schemeClr val="dk1"/>
-          </a:fillRef>
-          <a:effectRef idx="0">
-            <a:schemeClr val="dk1"/>
-          </a:effectRef>
-          <a:fontRef idx="minor">
-            <a:schemeClr val="tx1"/>
-          </a:fontRef>
-        </p:style>
-      </p:cxnSp>
-      <p:cxnSp>
-        <p:nvCxnSpPr>
-          <p:cNvPr id="12" name="Straight Connector 11"/>
-          <p:cNvCxnSpPr/>
-          <p:nvPr/>
-        </p:nvCxnSpPr>
-        <p:spPr>
-          <a:xfrm>
-            <a:off x="6444208" y="2151166"/>
-            <a:ext cx="0" cy="509203"/>
-          </a:xfrm>
-          <a:prstGeom prst="line">
-            <a:avLst/>
-          </a:prstGeom>
-          <a:ln w="28575">
-            <a:solidFill>
-              <a:schemeClr val="tx1">
-                <a:lumMod val="95000"/>
-                <a:lumOff val="5000"/>
-              </a:schemeClr>
-            </a:solidFill>
-          </a:ln>
-        </p:spPr>
-        <p:style>
-          <a:lnRef idx="1">
-            <a:schemeClr val="dk1"/>
-          </a:lnRef>
-          <a:fillRef idx="0">
-            <a:schemeClr val="dk1"/>
-          </a:fillRef>
-          <a:effectRef idx="0">
-            <a:schemeClr val="dk1"/>
-          </a:effectRef>
-          <a:fontRef idx="minor">
-            <a:schemeClr val="tx1"/>
-          </a:fontRef>
-        </p:style>
-      </p:cxnSp>
-      <p:cxnSp>
-        <p:nvCxnSpPr>
-          <p:cNvPr id="14" name="Straight Connector 13"/>
-          <p:cNvCxnSpPr/>
-          <p:nvPr/>
-        </p:nvCxnSpPr>
-        <p:spPr>
-          <a:xfrm>
-            <a:off x="4499992" y="2151166"/>
-            <a:ext cx="0" cy="509203"/>
-          </a:xfrm>
-          <a:prstGeom prst="line">
-            <a:avLst/>
-          </a:prstGeom>
-          <a:ln w="28575">
-            <a:solidFill>
-              <a:schemeClr val="tx1">
-                <a:lumMod val="95000"/>
-                <a:lumOff val="5000"/>
-              </a:schemeClr>
-            </a:solidFill>
-          </a:ln>
-        </p:spPr>
-        <p:style>
-          <a:lnRef idx="1">
-            <a:schemeClr val="dk1"/>
-          </a:lnRef>
-          <a:fillRef idx="0">
-            <a:schemeClr val="dk1"/>
-          </a:fillRef>
-          <a:effectRef idx="0">
-            <a:schemeClr val="dk1"/>
-          </a:effectRef>
-          <a:fontRef idx="minor">
-            <a:schemeClr val="tx1"/>
-          </a:fontRef>
-        </p:style>
-      </p:cxnSp>
-      <p:sp>
-        <p:nvSpPr>
-          <p:cNvPr id="8" name="TextBox 7"/>
-          <p:cNvSpPr txBox="1"/>
-          <p:nvPr/>
-        </p:nvSpPr>
-        <p:spPr>
-          <a:xfrm>
-            <a:off x="1240656" y="1595942"/>
-            <a:ext cx="418704" cy="646331"/>
-          </a:xfrm>
-          <a:prstGeom prst="rect">
-            <a:avLst/>
-          </a:prstGeom>
-          <a:noFill/>
-        </p:spPr>
-        <p:txBody>
-          <a:bodyPr wrap="none" rtlCol="0">
-            <a:spAutoFit/>
-          </a:bodyPr>
-          <a:lstStyle/>
-          <a:p>
-            <a:r>
-              <a:rPr lang="pl-PL" sz="3600" b="1" dirty="0" smtClean="0"/>
-              <a:t>2</a:t>
-            </a:r>
-            <a:endParaRPr lang="pl-PL" sz="3600" b="1" dirty="0"/>
-          </a:p>
-        </p:txBody>
-      </p:sp>
-      <p:sp>
-        <p:nvSpPr>
-          <p:cNvPr id="16" name="TextBox 15"/>
-          <p:cNvSpPr txBox="1"/>
-          <p:nvPr/>
-        </p:nvSpPr>
-        <p:spPr>
-          <a:xfrm>
-            <a:off x="3237904" y="1579441"/>
-            <a:ext cx="418704" cy="646331"/>
-          </a:xfrm>
-          <a:prstGeom prst="rect">
-            <a:avLst/>
-          </a:prstGeom>
-          <a:noFill/>
-        </p:spPr>
-        <p:txBody>
-          <a:bodyPr wrap="none" rtlCol="0">
-            <a:spAutoFit/>
-          </a:bodyPr>
-          <a:lstStyle/>
-          <a:p>
-            <a:r>
-              <a:rPr lang="pl-PL" sz="3600" b="1" dirty="0" smtClean="0"/>
-              <a:t>4</a:t>
-            </a:r>
-            <a:endParaRPr lang="pl-PL" sz="3600" b="1" dirty="0"/>
-          </a:p>
-        </p:txBody>
-      </p:sp>
-      <p:sp>
-        <p:nvSpPr>
-          <p:cNvPr id="17" name="TextBox 16"/>
-          <p:cNvSpPr txBox="1"/>
-          <p:nvPr/>
-        </p:nvSpPr>
-        <p:spPr>
-          <a:xfrm>
-            <a:off x="5182120" y="1579441"/>
-            <a:ext cx="418704" cy="646331"/>
-          </a:xfrm>
-          <a:prstGeom prst="rect">
-            <a:avLst/>
-          </a:prstGeom>
-          <a:noFill/>
-        </p:spPr>
-        <p:txBody>
-          <a:bodyPr wrap="none" rtlCol="0">
-            <a:spAutoFit/>
-          </a:bodyPr>
-          <a:lstStyle/>
-          <a:p>
-            <a:r>
-              <a:rPr lang="pl-PL" sz="3600" b="1" dirty="0" smtClean="0"/>
-              <a:t>3</a:t>
-            </a:r>
-            <a:endParaRPr lang="pl-PL" sz="3600" b="1" dirty="0"/>
-          </a:p>
-        </p:txBody>
-      </p:sp>
-      <p:sp>
-        <p:nvSpPr>
-          <p:cNvPr id="18" name="TextBox 17"/>
-          <p:cNvSpPr txBox="1"/>
-          <p:nvPr/>
-        </p:nvSpPr>
-        <p:spPr>
-          <a:xfrm>
-            <a:off x="7126336" y="1579441"/>
-            <a:ext cx="418704" cy="646331"/>
-          </a:xfrm>
-          <a:prstGeom prst="rect">
-            <a:avLst/>
-          </a:prstGeom>
-          <a:noFill/>
-        </p:spPr>
-        <p:txBody>
-          <a:bodyPr wrap="none" rtlCol="0">
-            <a:spAutoFit/>
-          </a:bodyPr>
-          <a:lstStyle/>
-          <a:p>
-            <a:r>
-              <a:rPr lang="pl-PL" sz="3600" b="1" dirty="0" smtClean="0"/>
-              <a:t>0</a:t>
-            </a:r>
-            <a:endParaRPr lang="pl-PL" sz="3600" b="1" dirty="0"/>
-          </a:p>
-        </p:txBody>
-      </p:sp>
-      <mc:AlternateContent xmlns:mc="http://schemas.openxmlformats.org/markup-compatibility/2006" xmlns:a14="http://schemas.microsoft.com/office/drawing/2010/main">
-        <mc:Choice Requires="a14">
-          <p:sp>
-            <p:nvSpPr>
-              <p:cNvPr id="9" name="TextBox 8"/>
-              <p:cNvSpPr txBox="1"/>
-              <p:nvPr/>
-            </p:nvSpPr>
-            <p:spPr>
-              <a:xfrm>
-                <a:off x="1240657" y="2636912"/>
-                <a:ext cx="457305" cy="369332"/>
-              </a:xfrm>
-              <a:prstGeom prst="rect">
-                <a:avLst/>
-              </a:prstGeom>
-              <a:noFill/>
-            </p:spPr>
-            <p:txBody>
-              <a:bodyPr wrap="none" rtlCol="0">
-                <a:spAutoFit/>
-              </a:bodyPr>
-              <a:lstStyle/>
-              <a:p>
-                <a:pPr/>
-                <a14:m>
-                  <m:oMathPara xmlns:m="http://schemas.openxmlformats.org/officeDocument/2006/math">
-                    <m:oMathParaPr>
-                      <m:jc m:val="centerGroup"/>
-                    </m:oMathParaPr>
-                    <m:oMath xmlns:m="http://schemas.openxmlformats.org/officeDocument/2006/math">
-                      <m:sSub>
-                        <m:sSubPr>
-                          <m:ctrlPr>
-                            <a:rPr lang="pl-PL" i="1" smtClean="0">
-                              <a:latin typeface="Cambria Math"/>
-                            </a:rPr>
-                          </m:ctrlPr>
-                        </m:sSubPr>
-                        <m:e>
-                          <m:r>
-                            <a:rPr lang="pl-PL" b="0" i="1" smtClean="0">
-                              <a:latin typeface="Cambria Math"/>
-                            </a:rPr>
-                            <m:t>𝑏</m:t>
-                          </m:r>
-                        </m:e>
-                        <m:sub>
-                          <m:r>
-                            <a:rPr lang="pl-PL" b="0" i="1" smtClean="0">
-                              <a:latin typeface="Cambria Math"/>
-                            </a:rPr>
-                            <m:t>1</m:t>
-                          </m:r>
-                        </m:sub>
-                      </m:sSub>
-                    </m:oMath>
-                  </m:oMathPara>
-                </a14:m>
-                <a:endParaRPr lang="pl-PL" dirty="0"/>
-              </a:p>
-            </p:txBody>
-          </p:sp>
-        </mc:Choice>
-        <mc:Fallback xmlns="">
-          <p:sp>
-            <p:nvSpPr>
-              <p:cNvPr id="9" name="TextBox 8"/>
-              <p:cNvSpPr txBox="1">
-                <a:spLocks noRot="1" noChangeAspect="1" noMove="1" noResize="1" noEditPoints="1" noAdjustHandles="1" noChangeArrowheads="1" noChangeShapeType="1" noTextEdit="1"/>
-              </p:cNvSpPr>
-              <p:nvPr/>
-            </p:nvSpPr>
-            <p:spPr>
-              <a:xfrm>
-                <a:off x="1240656" y="2636912"/>
-                <a:ext cx="457305" cy="369332"/>
-              </a:xfrm>
-              <a:prstGeom prst="rect">
-                <a:avLst/>
-              </a:prstGeom>
-              <a:blipFill rotWithShape="1">
-                <a:blip r:embed="rId3"/>
-                <a:stretch>
-                  <a:fillRect/>
-                </a:stretch>
-              </a:blipFill>
-            </p:spPr>
-            <p:txBody>
-              <a:bodyPr/>
-              <a:lstStyle/>
-              <a:p>
-                <a:r>
-                  <a:rPr lang="pl-PL">
-                    <a:noFill/>
-                  </a:rPr>
-                  <a:t> </a:t>
-                </a:r>
-              </a:p>
-            </p:txBody>
-          </p:sp>
-        </mc:Fallback>
-      </mc:AlternateContent>
-      <mc:AlternateContent xmlns:mc="http://schemas.openxmlformats.org/markup-compatibility/2006" xmlns:a14="http://schemas.microsoft.com/office/drawing/2010/main">
-        <mc:Choice Requires="a14">
-          <p:sp>
-            <p:nvSpPr>
-              <p:cNvPr id="20" name="TextBox 19"/>
-              <p:cNvSpPr txBox="1"/>
-              <p:nvPr/>
-            </p:nvSpPr>
-            <p:spPr>
-              <a:xfrm>
-                <a:off x="3250599" y="2636912"/>
-                <a:ext cx="462627" cy="369332"/>
-              </a:xfrm>
-              <a:prstGeom prst="rect">
-                <a:avLst/>
-              </a:prstGeom>
-              <a:noFill/>
-            </p:spPr>
-            <p:txBody>
-              <a:bodyPr wrap="none" rtlCol="0">
-                <a:spAutoFit/>
-              </a:bodyPr>
-              <a:lstStyle/>
-              <a:p>
-                <a:pPr/>
-                <a14:m>
-                  <m:oMathPara xmlns:m="http://schemas.openxmlformats.org/officeDocument/2006/math">
-                    <m:oMathParaPr>
-                      <m:jc m:val="centerGroup"/>
-                    </m:oMathParaPr>
-                    <m:oMath xmlns:m="http://schemas.openxmlformats.org/officeDocument/2006/math">
-                      <m:sSub>
-                        <m:sSubPr>
-                          <m:ctrlPr>
-                            <a:rPr lang="pl-PL" i="1" smtClean="0">
-                              <a:latin typeface="Cambria Math"/>
-                            </a:rPr>
-                          </m:ctrlPr>
-                        </m:sSubPr>
-                        <m:e>
-                          <m:r>
-                            <a:rPr lang="pl-PL" b="0" i="1" smtClean="0">
-                              <a:latin typeface="Cambria Math"/>
-                            </a:rPr>
-                            <m:t>𝑏</m:t>
-                          </m:r>
-                        </m:e>
-                        <m:sub>
-                          <m:r>
-                            <a:rPr lang="pl-PL" b="0" i="1" smtClean="0">
-                              <a:latin typeface="Cambria Math"/>
-                            </a:rPr>
-                            <m:t>2</m:t>
-                          </m:r>
-                        </m:sub>
-                      </m:sSub>
-                    </m:oMath>
-                  </m:oMathPara>
-                </a14:m>
-                <a:endParaRPr lang="pl-PL" dirty="0"/>
-              </a:p>
-            </p:txBody>
-          </p:sp>
-        </mc:Choice>
-        <mc:Fallback xmlns="">
-          <p:sp>
-            <p:nvSpPr>
-              <p:cNvPr id="20" name="TextBox 19"/>
-              <p:cNvSpPr txBox="1">
-                <a:spLocks noRot="1" noChangeAspect="1" noMove="1" noResize="1" noEditPoints="1" noAdjustHandles="1" noChangeArrowheads="1" noChangeShapeType="1" noTextEdit="1"/>
-              </p:cNvSpPr>
-              <p:nvPr/>
-            </p:nvSpPr>
-            <p:spPr>
-              <a:xfrm>
-                <a:off x="3250599" y="2636912"/>
-                <a:ext cx="462626" cy="369332"/>
-              </a:xfrm>
-              <a:prstGeom prst="rect">
-                <a:avLst/>
-              </a:prstGeom>
-              <a:blipFill rotWithShape="1">
-                <a:blip r:embed="rId4"/>
-                <a:stretch>
-                  <a:fillRect/>
-                </a:stretch>
-              </a:blipFill>
-            </p:spPr>
-            <p:txBody>
-              <a:bodyPr/>
-              <a:lstStyle/>
-              <a:p>
-                <a:r>
-                  <a:rPr lang="pl-PL">
-                    <a:noFill/>
-                  </a:rPr>
-                  <a:t> </a:t>
-                </a:r>
-              </a:p>
-            </p:txBody>
-          </p:sp>
-        </mc:Fallback>
-      </mc:AlternateContent>
-      <mc:AlternateContent xmlns:mc="http://schemas.openxmlformats.org/markup-compatibility/2006" xmlns:a14="http://schemas.microsoft.com/office/drawing/2010/main">
-        <mc:Choice Requires="a14">
-          <p:sp>
-            <p:nvSpPr>
-              <p:cNvPr id="21" name="TextBox 20"/>
-              <p:cNvSpPr txBox="1"/>
-              <p:nvPr/>
-            </p:nvSpPr>
-            <p:spPr>
-              <a:xfrm>
-                <a:off x="5194815" y="2636912"/>
-                <a:ext cx="462627" cy="369332"/>
-              </a:xfrm>
-              <a:prstGeom prst="rect">
-                <a:avLst/>
-              </a:prstGeom>
-              <a:noFill/>
-            </p:spPr>
-            <p:txBody>
-              <a:bodyPr wrap="none" rtlCol="0">
-                <a:spAutoFit/>
-              </a:bodyPr>
-              <a:lstStyle/>
-              <a:p>
-                <a:pPr/>
-                <a14:m>
-                  <m:oMathPara xmlns:m="http://schemas.openxmlformats.org/officeDocument/2006/math">
-                    <m:oMathParaPr>
-                      <m:jc m:val="centerGroup"/>
-                    </m:oMathParaPr>
-                    <m:oMath xmlns:m="http://schemas.openxmlformats.org/officeDocument/2006/math">
-                      <m:sSub>
-                        <m:sSubPr>
-                          <m:ctrlPr>
-                            <a:rPr lang="pl-PL" i="1" smtClean="0">
-                              <a:latin typeface="Cambria Math"/>
-                            </a:rPr>
-                          </m:ctrlPr>
-                        </m:sSubPr>
-                        <m:e>
-                          <m:r>
-                            <a:rPr lang="pl-PL" b="0" i="1" smtClean="0">
-                              <a:latin typeface="Cambria Math"/>
-                            </a:rPr>
-                            <m:t>𝑏</m:t>
-                          </m:r>
-                        </m:e>
-                        <m:sub>
-                          <m:r>
-                            <a:rPr lang="pl-PL" b="0" i="1" smtClean="0">
-                              <a:latin typeface="Cambria Math"/>
-                            </a:rPr>
-                            <m:t>3</m:t>
-                          </m:r>
-                        </m:sub>
-                      </m:sSub>
-                    </m:oMath>
-                  </m:oMathPara>
-                </a14:m>
-                <a:endParaRPr lang="pl-PL" dirty="0"/>
-              </a:p>
-            </p:txBody>
-          </p:sp>
-        </mc:Choice>
-        <mc:Fallback xmlns="">
-          <p:sp>
-            <p:nvSpPr>
-              <p:cNvPr id="21" name="TextBox 20"/>
-              <p:cNvSpPr txBox="1">
-                <a:spLocks noRot="1" noChangeAspect="1" noMove="1" noResize="1" noEditPoints="1" noAdjustHandles="1" noChangeArrowheads="1" noChangeShapeType="1" noTextEdit="1"/>
-              </p:cNvSpPr>
-              <p:nvPr/>
-            </p:nvSpPr>
-            <p:spPr>
-              <a:xfrm>
-                <a:off x="5194815" y="2636912"/>
-                <a:ext cx="462626" cy="369332"/>
-              </a:xfrm>
-              <a:prstGeom prst="rect">
-                <a:avLst/>
-              </a:prstGeom>
-              <a:blipFill rotWithShape="1">
-                <a:blip r:embed="rId5"/>
-                <a:stretch>
-                  <a:fillRect/>
-                </a:stretch>
-              </a:blipFill>
-            </p:spPr>
-            <p:txBody>
-              <a:bodyPr/>
-              <a:lstStyle/>
-              <a:p>
-                <a:r>
-                  <a:rPr lang="pl-PL">
-                    <a:noFill/>
-                  </a:rPr>
-                  <a:t> </a:t>
-                </a:r>
-              </a:p>
-            </p:txBody>
-          </p:sp>
-        </mc:Fallback>
-      </mc:AlternateContent>
-      <mc:AlternateContent xmlns:mc="http://schemas.openxmlformats.org/markup-compatibility/2006" xmlns:a14="http://schemas.microsoft.com/office/drawing/2010/main">
-        <mc:Choice Requires="a14">
-          <p:sp>
-            <p:nvSpPr>
-              <p:cNvPr id="22" name="TextBox 21"/>
-              <p:cNvSpPr txBox="1"/>
-              <p:nvPr/>
-            </p:nvSpPr>
-            <p:spPr>
-              <a:xfrm>
-                <a:off x="7092281" y="2636912"/>
-                <a:ext cx="462627" cy="369332"/>
-              </a:xfrm>
-              <a:prstGeom prst="rect">
-                <a:avLst/>
-              </a:prstGeom>
-              <a:noFill/>
-            </p:spPr>
-            <p:txBody>
-              <a:bodyPr wrap="none" rtlCol="0">
-                <a:spAutoFit/>
-              </a:bodyPr>
-              <a:lstStyle/>
-              <a:p>
-                <a:pPr/>
-                <a14:m>
-                  <m:oMathPara xmlns:m="http://schemas.openxmlformats.org/officeDocument/2006/math">
-                    <m:oMathParaPr>
-                      <m:jc m:val="centerGroup"/>
-                    </m:oMathParaPr>
-                    <m:oMath xmlns:m="http://schemas.openxmlformats.org/officeDocument/2006/math">
-                      <m:sSub>
-                        <m:sSubPr>
-                          <m:ctrlPr>
-                            <a:rPr lang="pl-PL" i="1" smtClean="0">
-                              <a:latin typeface="Cambria Math"/>
-                            </a:rPr>
-                          </m:ctrlPr>
-                        </m:sSubPr>
-                        <m:e>
-                          <m:r>
-                            <a:rPr lang="pl-PL" b="0" i="1" smtClean="0">
-                              <a:latin typeface="Cambria Math"/>
-                            </a:rPr>
-                            <m:t>𝑏</m:t>
-                          </m:r>
-                        </m:e>
-                        <m:sub>
-                          <m:r>
-                            <a:rPr lang="pl-PL" b="0" i="1" smtClean="0">
-                              <a:latin typeface="Cambria Math"/>
-                            </a:rPr>
-                            <m:t>4</m:t>
-                          </m:r>
-                        </m:sub>
-                      </m:sSub>
-                    </m:oMath>
-                  </m:oMathPara>
-                </a14:m>
-                <a:endParaRPr lang="pl-PL" dirty="0"/>
-              </a:p>
-            </p:txBody>
-          </p:sp>
-        </mc:Choice>
-        <mc:Fallback xmlns="">
-          <p:sp>
-            <p:nvSpPr>
-              <p:cNvPr id="22" name="TextBox 21"/>
-              <p:cNvSpPr txBox="1">
-                <a:spLocks noRot="1" noChangeAspect="1" noMove="1" noResize="1" noEditPoints="1" noAdjustHandles="1" noChangeArrowheads="1" noChangeShapeType="1" noTextEdit="1"/>
-              </p:cNvSpPr>
-              <p:nvPr/>
-            </p:nvSpPr>
-            <p:spPr>
-              <a:xfrm>
-                <a:off x="7092280" y="2636912"/>
-                <a:ext cx="462626" cy="369332"/>
-              </a:xfrm>
-              <a:prstGeom prst="rect">
-                <a:avLst/>
-              </a:prstGeom>
-              <a:blipFill rotWithShape="1">
-                <a:blip r:embed="rId6"/>
-                <a:stretch>
-                  <a:fillRect/>
-                </a:stretch>
-              </a:blipFill>
-            </p:spPr>
-            <p:txBody>
-              <a:bodyPr/>
-              <a:lstStyle/>
-              <a:p>
-                <a:r>
-                  <a:rPr lang="pl-PL">
-                    <a:noFill/>
-                  </a:rPr>
-                  <a:t> </a:t>
-                </a:r>
-              </a:p>
-            </p:txBody>
-          </p:sp>
-        </mc:Fallback>
-      </mc:AlternateContent>
-    </p:spTree>
-    <p:extLst>
-      <p:ext uri="{BB962C8B-B14F-4D97-AF65-F5344CB8AC3E}">
-        <p14:creationId xmlns:p14="http://schemas.microsoft.com/office/powerpoint/2010/main" val="2331824026"/>
-      </p:ext>
-    </p:extLst>
-  </p:cSld>
-  <p:clrMapOvr>
-    <a:masterClrMapping/>
-  </p:clrMapOvr>
-</p:sld>
-</file>
-
 <file path=ppt/theme/theme1.xml><?xml version="1.0" encoding="utf-8"?>
 <a:theme xmlns:a="http://schemas.openxmlformats.org/drawingml/2006/main" name="Office Theme">
   <a:themeElements>

--- a/obrazy.pptx
+++ b/obrazy.pptx
@@ -320,7 +320,7 @@
           <a:p>
             <a:fld id="{B52AA6F2-AEE1-4FE6-B3E2-3509488F5D07}" type="datetimeFigureOut">
               <a:rPr lang="pl-PL" smtClean="0"/>
-              <a:t>2019-04-24</a:t>
+              <a:t>2019-04-25</a:t>
             </a:fld>
             <a:endParaRPr lang="pl-PL"/>
           </a:p>
@@ -490,7 +490,7 @@
           <a:p>
             <a:fld id="{B52AA6F2-AEE1-4FE6-B3E2-3509488F5D07}" type="datetimeFigureOut">
               <a:rPr lang="pl-PL" smtClean="0"/>
-              <a:t>2019-04-24</a:t>
+              <a:t>2019-04-25</a:t>
             </a:fld>
             <a:endParaRPr lang="pl-PL"/>
           </a:p>
@@ -670,7 +670,7 @@
           <a:p>
             <a:fld id="{B52AA6F2-AEE1-4FE6-B3E2-3509488F5D07}" type="datetimeFigureOut">
               <a:rPr lang="pl-PL" smtClean="0"/>
-              <a:t>2019-04-24</a:t>
+              <a:t>2019-04-25</a:t>
             </a:fld>
             <a:endParaRPr lang="pl-PL"/>
           </a:p>
@@ -840,7 +840,7 @@
           <a:p>
             <a:fld id="{B52AA6F2-AEE1-4FE6-B3E2-3509488F5D07}" type="datetimeFigureOut">
               <a:rPr lang="pl-PL" smtClean="0"/>
-              <a:t>2019-04-24</a:t>
+              <a:t>2019-04-25</a:t>
             </a:fld>
             <a:endParaRPr lang="pl-PL"/>
           </a:p>
@@ -1086,7 +1086,7 @@
           <a:p>
             <a:fld id="{B52AA6F2-AEE1-4FE6-B3E2-3509488F5D07}" type="datetimeFigureOut">
               <a:rPr lang="pl-PL" smtClean="0"/>
-              <a:t>2019-04-24</a:t>
+              <a:t>2019-04-25</a:t>
             </a:fld>
             <a:endParaRPr lang="pl-PL"/>
           </a:p>
@@ -1374,7 +1374,7 @@
           <a:p>
             <a:fld id="{B52AA6F2-AEE1-4FE6-B3E2-3509488F5D07}" type="datetimeFigureOut">
               <a:rPr lang="pl-PL" smtClean="0"/>
-              <a:t>2019-04-24</a:t>
+              <a:t>2019-04-25</a:t>
             </a:fld>
             <a:endParaRPr lang="pl-PL"/>
           </a:p>
@@ -1796,7 +1796,7 @@
           <a:p>
             <a:fld id="{B52AA6F2-AEE1-4FE6-B3E2-3509488F5D07}" type="datetimeFigureOut">
               <a:rPr lang="pl-PL" smtClean="0"/>
-              <a:t>2019-04-24</a:t>
+              <a:t>2019-04-25</a:t>
             </a:fld>
             <a:endParaRPr lang="pl-PL"/>
           </a:p>
@@ -1914,7 +1914,7 @@
           <a:p>
             <a:fld id="{B52AA6F2-AEE1-4FE6-B3E2-3509488F5D07}" type="datetimeFigureOut">
               <a:rPr lang="pl-PL" smtClean="0"/>
-              <a:t>2019-04-24</a:t>
+              <a:t>2019-04-25</a:t>
             </a:fld>
             <a:endParaRPr lang="pl-PL"/>
           </a:p>
@@ -2009,7 +2009,7 @@
           <a:p>
             <a:fld id="{B52AA6F2-AEE1-4FE6-B3E2-3509488F5D07}" type="datetimeFigureOut">
               <a:rPr lang="pl-PL" smtClean="0"/>
-              <a:t>2019-04-24</a:t>
+              <a:t>2019-04-25</a:t>
             </a:fld>
             <a:endParaRPr lang="pl-PL"/>
           </a:p>
@@ -2286,7 +2286,7 @@
           <a:p>
             <a:fld id="{B52AA6F2-AEE1-4FE6-B3E2-3509488F5D07}" type="datetimeFigureOut">
               <a:rPr lang="pl-PL" smtClean="0"/>
-              <a:t>2019-04-24</a:t>
+              <a:t>2019-04-25</a:t>
             </a:fld>
             <a:endParaRPr lang="pl-PL"/>
           </a:p>
@@ -2539,7 +2539,7 @@
           <a:p>
             <a:fld id="{B52AA6F2-AEE1-4FE6-B3E2-3509488F5D07}" type="datetimeFigureOut">
               <a:rPr lang="pl-PL" smtClean="0"/>
-              <a:t>2019-04-24</a:t>
+              <a:t>2019-04-25</a:t>
             </a:fld>
             <a:endParaRPr lang="pl-PL"/>
           </a:p>
@@ -2752,7 +2752,7 @@
           <a:p>
             <a:fld id="{B52AA6F2-AEE1-4FE6-B3E2-3509488F5D07}" type="datetimeFigureOut">
               <a:rPr lang="pl-PL" smtClean="0"/>
-              <a:t>2019-04-24</a:t>
+              <a:t>2019-04-25</a:t>
             </a:fld>
             <a:endParaRPr lang="pl-PL"/>
           </a:p>
@@ -39644,6 +39644,116 @@
           </a:p>
         </p:txBody>
       </p:sp>
+      <p:sp>
+        <p:nvSpPr>
+          <p:cNvPr id="48" name="Up Arrow 46"/>
+          <p:cNvSpPr>
+            <a:spLocks/>
+          </p:cNvSpPr>
+          <p:nvPr/>
+        </p:nvSpPr>
+        <p:spPr>
+          <a:xfrm rot="12960000" flipV="1">
+            <a:off x="8237825" y="1153699"/>
+            <a:ext cx="296852" cy="646271"/>
+          </a:xfrm>
+          <a:prstGeom prst="upArrow">
+            <a:avLst>
+              <a:gd name="adj1" fmla="val 31999"/>
+              <a:gd name="adj2" fmla="val 68312"/>
+            </a:avLst>
+          </a:prstGeom>
+          <a:solidFill>
+            <a:srgbClr val="7030A0"/>
+          </a:solidFill>
+          <a:ln>
+            <a:solidFill>
+              <a:schemeClr val="accent3">
+                <a:lumMod val="50000"/>
+              </a:schemeClr>
+            </a:solidFill>
+          </a:ln>
+        </p:spPr>
+        <p:style>
+          <a:lnRef idx="2">
+            <a:schemeClr val="accent3">
+              <a:shade val="50000"/>
+            </a:schemeClr>
+          </a:lnRef>
+          <a:fillRef idx="1">
+            <a:schemeClr val="accent3"/>
+          </a:fillRef>
+          <a:effectRef idx="0">
+            <a:schemeClr val="accent3"/>
+          </a:effectRef>
+          <a:fontRef idx="minor">
+            <a:schemeClr val="lt1"/>
+          </a:fontRef>
+        </p:style>
+        <p:txBody>
+          <a:bodyPr rtlCol="0" anchor="ctr"/>
+          <a:lstStyle/>
+          <a:p>
+            <a:pPr algn="ctr"/>
+            <a:endParaRPr lang="pl-PL"/>
+          </a:p>
+        </p:txBody>
+      </p:sp>
+      <p:sp>
+        <p:nvSpPr>
+          <p:cNvPr id="49" name="Up Arrow 46"/>
+          <p:cNvSpPr>
+            <a:spLocks/>
+          </p:cNvSpPr>
+          <p:nvPr/>
+        </p:nvSpPr>
+        <p:spPr>
+          <a:xfrm rot="1440000" flipV="1">
+            <a:off x="7834760" y="4744405"/>
+            <a:ext cx="296852" cy="646271"/>
+          </a:xfrm>
+          <a:prstGeom prst="upArrow">
+            <a:avLst>
+              <a:gd name="adj1" fmla="val 31999"/>
+              <a:gd name="adj2" fmla="val 68312"/>
+            </a:avLst>
+          </a:prstGeom>
+          <a:solidFill>
+            <a:srgbClr val="7030A0"/>
+          </a:solidFill>
+          <a:ln>
+            <a:solidFill>
+              <a:schemeClr val="accent3">
+                <a:lumMod val="50000"/>
+              </a:schemeClr>
+            </a:solidFill>
+          </a:ln>
+        </p:spPr>
+        <p:style>
+          <a:lnRef idx="2">
+            <a:schemeClr val="accent3">
+              <a:shade val="50000"/>
+            </a:schemeClr>
+          </a:lnRef>
+          <a:fillRef idx="1">
+            <a:schemeClr val="accent3"/>
+          </a:fillRef>
+          <a:effectRef idx="0">
+            <a:schemeClr val="accent3"/>
+          </a:effectRef>
+          <a:fontRef idx="minor">
+            <a:schemeClr val="lt1"/>
+          </a:fontRef>
+        </p:style>
+        <p:txBody>
+          <a:bodyPr rtlCol="0" anchor="ctr"/>
+          <a:lstStyle/>
+          <a:p>
+            <a:pPr algn="ctr"/>
+            <a:endParaRPr lang="pl-PL"/>
+          </a:p>
+        </p:txBody>
+      </p:sp>
     </p:spTree>
     <p:extLst>
       <p:ext uri="{BB962C8B-B14F-4D97-AF65-F5344CB8AC3E}">

--- a/obrazy.pptx
+++ b/obrazy.pptx
@@ -136,6 +136,22 @@
       </a:defRPr>
     </a:lvl9pPr>
   </p:defaultTextStyle>
+  <p:extLst>
+    <p:ext uri="{EFAFB233-063F-42B5-8137-9DF3F51BA10A}">
+      <p15:sldGuideLst xmlns:p15="http://schemas.microsoft.com/office/powerpoint/2012/main">
+        <p15:guide id="1" orient="horz" pos="2160">
+          <p15:clr>
+            <a:srgbClr val="A4A3A4"/>
+          </p15:clr>
+        </p15:guide>
+        <p15:guide id="2" pos="2880">
+          <p15:clr>
+            <a:srgbClr val="A4A3A4"/>
+          </p15:clr>
+        </p15:guide>
+      </p15:sldGuideLst>
+    </p:ext>
+  </p:extLst>
 </p:presentation>
 </file>
 
@@ -177,7 +193,7 @@
           <a:lstStyle/>
           <a:p>
             <a:r>
-              <a:rPr lang="en-US" smtClean="0"/>
+              <a:rPr lang="en-US"/>
               <a:t>Click to edit Master title style</a:t>
             </a:r>
             <a:endParaRPr lang="pl-PL"/>
@@ -296,7 +312,7 @@
           </a:lstStyle>
           <a:p>
             <a:r>
-              <a:rPr lang="en-US" smtClean="0"/>
+              <a:rPr lang="en-US"/>
               <a:t>Click to edit Master subtitle style</a:t>
             </a:r>
             <a:endParaRPr lang="pl-PL"/>
@@ -320,7 +336,7 @@
           <a:p>
             <a:fld id="{B52AA6F2-AEE1-4FE6-B3E2-3509488F5D07}" type="datetimeFigureOut">
               <a:rPr lang="pl-PL" smtClean="0"/>
-              <a:t>2019-04-25</a:t>
+              <a:t>2019-04-26</a:t>
             </a:fld>
             <a:endParaRPr lang="pl-PL"/>
           </a:p>
@@ -414,7 +430,7 @@
           <a:lstStyle/>
           <a:p>
             <a:r>
-              <a:rPr lang="en-US" smtClean="0"/>
+              <a:rPr lang="en-US"/>
               <a:t>Click to edit Master title style</a:t>
             </a:r>
             <a:endParaRPr lang="pl-PL"/>
@@ -438,35 +454,35 @@
           <a:p>
             <a:pPr lvl="0"/>
             <a:r>
-              <a:rPr lang="en-US" smtClean="0"/>
+              <a:rPr lang="en-US"/>
               <a:t>Click to edit Master text styles</a:t>
             </a:r>
           </a:p>
           <a:p>
             <a:pPr lvl="1"/>
             <a:r>
-              <a:rPr lang="en-US" smtClean="0"/>
+              <a:rPr lang="en-US"/>
               <a:t>Second level</a:t>
             </a:r>
           </a:p>
           <a:p>
             <a:pPr lvl="2"/>
             <a:r>
-              <a:rPr lang="en-US" smtClean="0"/>
+              <a:rPr lang="en-US"/>
               <a:t>Third level</a:t>
             </a:r>
           </a:p>
           <a:p>
             <a:pPr lvl="3"/>
             <a:r>
-              <a:rPr lang="en-US" smtClean="0"/>
+              <a:rPr lang="en-US"/>
               <a:t>Fourth level</a:t>
             </a:r>
           </a:p>
           <a:p>
             <a:pPr lvl="4"/>
             <a:r>
-              <a:rPr lang="en-US" smtClean="0"/>
+              <a:rPr lang="en-US"/>
               <a:t>Fifth level</a:t>
             </a:r>
             <a:endParaRPr lang="pl-PL"/>
@@ -490,7 +506,7 @@
           <a:p>
             <a:fld id="{B52AA6F2-AEE1-4FE6-B3E2-3509488F5D07}" type="datetimeFigureOut">
               <a:rPr lang="pl-PL" smtClean="0"/>
-              <a:t>2019-04-25</a:t>
+              <a:t>2019-04-26</a:t>
             </a:fld>
             <a:endParaRPr lang="pl-PL"/>
           </a:p>
@@ -589,7 +605,7 @@
           <a:lstStyle/>
           <a:p>
             <a:r>
-              <a:rPr lang="en-US" smtClean="0"/>
+              <a:rPr lang="en-US"/>
               <a:t>Click to edit Master title style</a:t>
             </a:r>
             <a:endParaRPr lang="pl-PL"/>
@@ -618,35 +634,35 @@
           <a:p>
             <a:pPr lvl="0"/>
             <a:r>
-              <a:rPr lang="en-US" smtClean="0"/>
+              <a:rPr lang="en-US"/>
               <a:t>Click to edit Master text styles</a:t>
             </a:r>
           </a:p>
           <a:p>
             <a:pPr lvl="1"/>
             <a:r>
-              <a:rPr lang="en-US" smtClean="0"/>
+              <a:rPr lang="en-US"/>
               <a:t>Second level</a:t>
             </a:r>
           </a:p>
           <a:p>
             <a:pPr lvl="2"/>
             <a:r>
-              <a:rPr lang="en-US" smtClean="0"/>
+              <a:rPr lang="en-US"/>
               <a:t>Third level</a:t>
             </a:r>
           </a:p>
           <a:p>
             <a:pPr lvl="3"/>
             <a:r>
-              <a:rPr lang="en-US" smtClean="0"/>
+              <a:rPr lang="en-US"/>
               <a:t>Fourth level</a:t>
             </a:r>
           </a:p>
           <a:p>
             <a:pPr lvl="4"/>
             <a:r>
-              <a:rPr lang="en-US" smtClean="0"/>
+              <a:rPr lang="en-US"/>
               <a:t>Fifth level</a:t>
             </a:r>
             <a:endParaRPr lang="pl-PL"/>
@@ -670,7 +686,7 @@
           <a:p>
             <a:fld id="{B52AA6F2-AEE1-4FE6-B3E2-3509488F5D07}" type="datetimeFigureOut">
               <a:rPr lang="pl-PL" smtClean="0"/>
-              <a:t>2019-04-25</a:t>
+              <a:t>2019-04-26</a:t>
             </a:fld>
             <a:endParaRPr lang="pl-PL"/>
           </a:p>
@@ -764,7 +780,7 @@
           <a:lstStyle/>
           <a:p>
             <a:r>
-              <a:rPr lang="en-US" smtClean="0"/>
+              <a:rPr lang="en-US"/>
               <a:t>Click to edit Master title style</a:t>
             </a:r>
             <a:endParaRPr lang="pl-PL"/>
@@ -788,35 +804,35 @@
           <a:p>
             <a:pPr lvl="0"/>
             <a:r>
-              <a:rPr lang="en-US" smtClean="0"/>
+              <a:rPr lang="en-US"/>
               <a:t>Click to edit Master text styles</a:t>
             </a:r>
           </a:p>
           <a:p>
             <a:pPr lvl="1"/>
             <a:r>
-              <a:rPr lang="en-US" smtClean="0"/>
+              <a:rPr lang="en-US"/>
               <a:t>Second level</a:t>
             </a:r>
           </a:p>
           <a:p>
             <a:pPr lvl="2"/>
             <a:r>
-              <a:rPr lang="en-US" smtClean="0"/>
+              <a:rPr lang="en-US"/>
               <a:t>Third level</a:t>
             </a:r>
           </a:p>
           <a:p>
             <a:pPr lvl="3"/>
             <a:r>
-              <a:rPr lang="en-US" smtClean="0"/>
+              <a:rPr lang="en-US"/>
               <a:t>Fourth level</a:t>
             </a:r>
           </a:p>
           <a:p>
             <a:pPr lvl="4"/>
             <a:r>
-              <a:rPr lang="en-US" smtClean="0"/>
+              <a:rPr lang="en-US"/>
               <a:t>Fifth level</a:t>
             </a:r>
             <a:endParaRPr lang="pl-PL"/>
@@ -840,7 +856,7 @@
           <a:p>
             <a:fld id="{B52AA6F2-AEE1-4FE6-B3E2-3509488F5D07}" type="datetimeFigureOut">
               <a:rPr lang="pl-PL" smtClean="0"/>
-              <a:t>2019-04-25</a:t>
+              <a:t>2019-04-26</a:t>
             </a:fld>
             <a:endParaRPr lang="pl-PL"/>
           </a:p>
@@ -943,7 +959,7 @@
           </a:lstStyle>
           <a:p>
             <a:r>
-              <a:rPr lang="en-US" smtClean="0"/>
+              <a:rPr lang="en-US"/>
               <a:t>Click to edit Master title style</a:t>
             </a:r>
             <a:endParaRPr lang="pl-PL"/>
@@ -1063,7 +1079,7 @@
           <a:p>
             <a:pPr lvl="0"/>
             <a:r>
-              <a:rPr lang="en-US" smtClean="0"/>
+              <a:rPr lang="en-US"/>
               <a:t>Click to edit Master text styles</a:t>
             </a:r>
           </a:p>
@@ -1086,7 +1102,7 @@
           <a:p>
             <a:fld id="{B52AA6F2-AEE1-4FE6-B3E2-3509488F5D07}" type="datetimeFigureOut">
               <a:rPr lang="pl-PL" smtClean="0"/>
-              <a:t>2019-04-25</a:t>
+              <a:t>2019-04-26</a:t>
             </a:fld>
             <a:endParaRPr lang="pl-PL"/>
           </a:p>
@@ -1180,7 +1196,7 @@
           <a:lstStyle/>
           <a:p>
             <a:r>
-              <a:rPr lang="en-US" smtClean="0"/>
+              <a:rPr lang="en-US"/>
               <a:t>Click to edit Master title style</a:t>
             </a:r>
             <a:endParaRPr lang="pl-PL"/>
@@ -1237,35 +1253,35 @@
           <a:p>
             <a:pPr lvl="0"/>
             <a:r>
-              <a:rPr lang="en-US" smtClean="0"/>
+              <a:rPr lang="en-US"/>
               <a:t>Click to edit Master text styles</a:t>
             </a:r>
           </a:p>
           <a:p>
             <a:pPr lvl="1"/>
             <a:r>
-              <a:rPr lang="en-US" smtClean="0"/>
+              <a:rPr lang="en-US"/>
               <a:t>Second level</a:t>
             </a:r>
           </a:p>
           <a:p>
             <a:pPr lvl="2"/>
             <a:r>
-              <a:rPr lang="en-US" smtClean="0"/>
+              <a:rPr lang="en-US"/>
               <a:t>Third level</a:t>
             </a:r>
           </a:p>
           <a:p>
             <a:pPr lvl="3"/>
             <a:r>
-              <a:rPr lang="en-US" smtClean="0"/>
+              <a:rPr lang="en-US"/>
               <a:t>Fourth level</a:t>
             </a:r>
           </a:p>
           <a:p>
             <a:pPr lvl="4"/>
             <a:r>
-              <a:rPr lang="en-US" smtClean="0"/>
+              <a:rPr lang="en-US"/>
               <a:t>Fifth level</a:t>
             </a:r>
             <a:endParaRPr lang="pl-PL"/>
@@ -1322,35 +1338,35 @@
           <a:p>
             <a:pPr lvl="0"/>
             <a:r>
-              <a:rPr lang="en-US" smtClean="0"/>
+              <a:rPr lang="en-US"/>
               <a:t>Click to edit Master text styles</a:t>
             </a:r>
           </a:p>
           <a:p>
             <a:pPr lvl="1"/>
             <a:r>
-              <a:rPr lang="en-US" smtClean="0"/>
+              <a:rPr lang="en-US"/>
               <a:t>Second level</a:t>
             </a:r>
           </a:p>
           <a:p>
             <a:pPr lvl="2"/>
             <a:r>
-              <a:rPr lang="en-US" smtClean="0"/>
+              <a:rPr lang="en-US"/>
               <a:t>Third level</a:t>
             </a:r>
           </a:p>
           <a:p>
             <a:pPr lvl="3"/>
             <a:r>
-              <a:rPr lang="en-US" smtClean="0"/>
+              <a:rPr lang="en-US"/>
               <a:t>Fourth level</a:t>
             </a:r>
           </a:p>
           <a:p>
             <a:pPr lvl="4"/>
             <a:r>
-              <a:rPr lang="en-US" smtClean="0"/>
+              <a:rPr lang="en-US"/>
               <a:t>Fifth level</a:t>
             </a:r>
             <a:endParaRPr lang="pl-PL"/>
@@ -1374,7 +1390,7 @@
           <a:p>
             <a:fld id="{B52AA6F2-AEE1-4FE6-B3E2-3509488F5D07}" type="datetimeFigureOut">
               <a:rPr lang="pl-PL" smtClean="0"/>
-              <a:t>2019-04-25</a:t>
+              <a:t>2019-04-26</a:t>
             </a:fld>
             <a:endParaRPr lang="pl-PL"/>
           </a:p>
@@ -1472,7 +1488,7 @@
           </a:lstStyle>
           <a:p>
             <a:r>
-              <a:rPr lang="en-US" smtClean="0"/>
+              <a:rPr lang="en-US"/>
               <a:t>Click to edit Master title style</a:t>
             </a:r>
             <a:endParaRPr lang="pl-PL"/>
@@ -1538,7 +1554,7 @@
           <a:p>
             <a:pPr lvl="0"/>
             <a:r>
-              <a:rPr lang="en-US" smtClean="0"/>
+              <a:rPr lang="en-US"/>
               <a:t>Click to edit Master text styles</a:t>
             </a:r>
           </a:p>
@@ -1594,35 +1610,35 @@
           <a:p>
             <a:pPr lvl="0"/>
             <a:r>
-              <a:rPr lang="en-US" smtClean="0"/>
+              <a:rPr lang="en-US"/>
               <a:t>Click to edit Master text styles</a:t>
             </a:r>
           </a:p>
           <a:p>
             <a:pPr lvl="1"/>
             <a:r>
-              <a:rPr lang="en-US" smtClean="0"/>
+              <a:rPr lang="en-US"/>
               <a:t>Second level</a:t>
             </a:r>
           </a:p>
           <a:p>
             <a:pPr lvl="2"/>
             <a:r>
-              <a:rPr lang="en-US" smtClean="0"/>
+              <a:rPr lang="en-US"/>
               <a:t>Third level</a:t>
             </a:r>
           </a:p>
           <a:p>
             <a:pPr lvl="3"/>
             <a:r>
-              <a:rPr lang="en-US" smtClean="0"/>
+              <a:rPr lang="en-US"/>
               <a:t>Fourth level</a:t>
             </a:r>
           </a:p>
           <a:p>
             <a:pPr lvl="4"/>
             <a:r>
-              <a:rPr lang="en-US" smtClean="0"/>
+              <a:rPr lang="en-US"/>
               <a:t>Fifth level</a:t>
             </a:r>
             <a:endParaRPr lang="pl-PL"/>
@@ -1688,7 +1704,7 @@
           <a:p>
             <a:pPr lvl="0"/>
             <a:r>
-              <a:rPr lang="en-US" smtClean="0"/>
+              <a:rPr lang="en-US"/>
               <a:t>Click to edit Master text styles</a:t>
             </a:r>
           </a:p>
@@ -1744,35 +1760,35 @@
           <a:p>
             <a:pPr lvl="0"/>
             <a:r>
-              <a:rPr lang="en-US" smtClean="0"/>
+              <a:rPr lang="en-US"/>
               <a:t>Click to edit Master text styles</a:t>
             </a:r>
           </a:p>
           <a:p>
             <a:pPr lvl="1"/>
             <a:r>
-              <a:rPr lang="en-US" smtClean="0"/>
+              <a:rPr lang="en-US"/>
               <a:t>Second level</a:t>
             </a:r>
           </a:p>
           <a:p>
             <a:pPr lvl="2"/>
             <a:r>
-              <a:rPr lang="en-US" smtClean="0"/>
+              <a:rPr lang="en-US"/>
               <a:t>Third level</a:t>
             </a:r>
           </a:p>
           <a:p>
             <a:pPr lvl="3"/>
             <a:r>
-              <a:rPr lang="en-US" smtClean="0"/>
+              <a:rPr lang="en-US"/>
               <a:t>Fourth level</a:t>
             </a:r>
           </a:p>
           <a:p>
             <a:pPr lvl="4"/>
             <a:r>
-              <a:rPr lang="en-US" smtClean="0"/>
+              <a:rPr lang="en-US"/>
               <a:t>Fifth level</a:t>
             </a:r>
             <a:endParaRPr lang="pl-PL"/>
@@ -1796,7 +1812,7 @@
           <a:p>
             <a:fld id="{B52AA6F2-AEE1-4FE6-B3E2-3509488F5D07}" type="datetimeFigureOut">
               <a:rPr lang="pl-PL" smtClean="0"/>
-              <a:t>2019-04-25</a:t>
+              <a:t>2019-04-26</a:t>
             </a:fld>
             <a:endParaRPr lang="pl-PL"/>
           </a:p>
@@ -1890,7 +1906,7 @@
           <a:lstStyle/>
           <a:p>
             <a:r>
-              <a:rPr lang="en-US" smtClean="0"/>
+              <a:rPr lang="en-US"/>
               <a:t>Click to edit Master title style</a:t>
             </a:r>
             <a:endParaRPr lang="pl-PL"/>
@@ -1914,7 +1930,7 @@
           <a:p>
             <a:fld id="{B52AA6F2-AEE1-4FE6-B3E2-3509488F5D07}" type="datetimeFigureOut">
               <a:rPr lang="pl-PL" smtClean="0"/>
-              <a:t>2019-04-25</a:t>
+              <a:t>2019-04-26</a:t>
             </a:fld>
             <a:endParaRPr lang="pl-PL"/>
           </a:p>
@@ -2009,7 +2025,7 @@
           <a:p>
             <a:fld id="{B52AA6F2-AEE1-4FE6-B3E2-3509488F5D07}" type="datetimeFigureOut">
               <a:rPr lang="pl-PL" smtClean="0"/>
-              <a:t>2019-04-25</a:t>
+              <a:t>2019-04-26</a:t>
             </a:fld>
             <a:endParaRPr lang="pl-PL"/>
           </a:p>
@@ -2112,7 +2128,7 @@
           </a:lstStyle>
           <a:p>
             <a:r>
-              <a:rPr lang="en-US" smtClean="0"/>
+              <a:rPr lang="en-US"/>
               <a:t>Click to edit Master title style</a:t>
             </a:r>
             <a:endParaRPr lang="pl-PL"/>
@@ -2169,35 +2185,35 @@
           <a:p>
             <a:pPr lvl="0"/>
             <a:r>
-              <a:rPr lang="en-US" smtClean="0"/>
+              <a:rPr lang="en-US"/>
               <a:t>Click to edit Master text styles</a:t>
             </a:r>
           </a:p>
           <a:p>
             <a:pPr lvl="1"/>
             <a:r>
-              <a:rPr lang="en-US" smtClean="0"/>
+              <a:rPr lang="en-US"/>
               <a:t>Second level</a:t>
             </a:r>
           </a:p>
           <a:p>
             <a:pPr lvl="2"/>
             <a:r>
-              <a:rPr lang="en-US" smtClean="0"/>
+              <a:rPr lang="en-US"/>
               <a:t>Third level</a:t>
             </a:r>
           </a:p>
           <a:p>
             <a:pPr lvl="3"/>
             <a:r>
-              <a:rPr lang="en-US" smtClean="0"/>
+              <a:rPr lang="en-US"/>
               <a:t>Fourth level</a:t>
             </a:r>
           </a:p>
           <a:p>
             <a:pPr lvl="4"/>
             <a:r>
-              <a:rPr lang="en-US" smtClean="0"/>
+              <a:rPr lang="en-US"/>
               <a:t>Fifth level</a:t>
             </a:r>
             <a:endParaRPr lang="pl-PL"/>
@@ -2263,7 +2279,7 @@
           <a:p>
             <a:pPr lvl="0"/>
             <a:r>
-              <a:rPr lang="en-US" smtClean="0"/>
+              <a:rPr lang="en-US"/>
               <a:t>Click to edit Master text styles</a:t>
             </a:r>
           </a:p>
@@ -2286,7 +2302,7 @@
           <a:p>
             <a:fld id="{B52AA6F2-AEE1-4FE6-B3E2-3509488F5D07}" type="datetimeFigureOut">
               <a:rPr lang="pl-PL" smtClean="0"/>
-              <a:t>2019-04-25</a:t>
+              <a:t>2019-04-26</a:t>
             </a:fld>
             <a:endParaRPr lang="pl-PL"/>
           </a:p>
@@ -2389,7 +2405,7 @@
           </a:lstStyle>
           <a:p>
             <a:r>
-              <a:rPr lang="en-US" smtClean="0"/>
+              <a:rPr lang="en-US"/>
               <a:t>Click to edit Master title style</a:t>
             </a:r>
             <a:endParaRPr lang="pl-PL"/>
@@ -2516,7 +2532,7 @@
           <a:p>
             <a:pPr lvl="0"/>
             <a:r>
-              <a:rPr lang="en-US" smtClean="0"/>
+              <a:rPr lang="en-US"/>
               <a:t>Click to edit Master text styles</a:t>
             </a:r>
           </a:p>
@@ -2539,7 +2555,7 @@
           <a:p>
             <a:fld id="{B52AA6F2-AEE1-4FE6-B3E2-3509488F5D07}" type="datetimeFigureOut">
               <a:rPr lang="pl-PL" smtClean="0"/>
-              <a:t>2019-04-25</a:t>
+              <a:t>2019-04-26</a:t>
             </a:fld>
             <a:endParaRPr lang="pl-PL"/>
           </a:p>
@@ -2648,7 +2664,7 @@
           <a:lstStyle/>
           <a:p>
             <a:r>
-              <a:rPr lang="en-US" smtClean="0"/>
+              <a:rPr lang="en-US"/>
               <a:t>Click to edit Master title style</a:t>
             </a:r>
             <a:endParaRPr lang="pl-PL"/>
@@ -2682,35 +2698,35 @@
           <a:p>
             <a:pPr lvl="0"/>
             <a:r>
-              <a:rPr lang="en-US" smtClean="0"/>
+              <a:rPr lang="en-US"/>
               <a:t>Click to edit Master text styles</a:t>
             </a:r>
           </a:p>
           <a:p>
             <a:pPr lvl="1"/>
             <a:r>
-              <a:rPr lang="en-US" smtClean="0"/>
+              <a:rPr lang="en-US"/>
               <a:t>Second level</a:t>
             </a:r>
           </a:p>
           <a:p>
             <a:pPr lvl="2"/>
             <a:r>
-              <a:rPr lang="en-US" smtClean="0"/>
+              <a:rPr lang="en-US"/>
               <a:t>Third level</a:t>
             </a:r>
           </a:p>
           <a:p>
             <a:pPr lvl="3"/>
             <a:r>
-              <a:rPr lang="en-US" smtClean="0"/>
+              <a:rPr lang="en-US"/>
               <a:t>Fourth level</a:t>
             </a:r>
           </a:p>
           <a:p>
             <a:pPr lvl="4"/>
             <a:r>
-              <a:rPr lang="en-US" smtClean="0"/>
+              <a:rPr lang="en-US"/>
               <a:t>Fifth level</a:t>
             </a:r>
             <a:endParaRPr lang="pl-PL"/>
@@ -2752,7 +2768,7 @@
           <a:p>
             <a:fld id="{B52AA6F2-AEE1-4FE6-B3E2-3509488F5D07}" type="datetimeFigureOut">
               <a:rPr lang="pl-PL" smtClean="0"/>
-              <a:t>2019-04-25</a:t>
+              <a:t>2019-04-26</a:t>
             </a:fld>
             <a:endParaRPr lang="pl-PL"/>
           </a:p>
@@ -4176,10 +4192,9 @@
           <a:lstStyle/>
           <a:p>
             <a:r>
-              <a:rPr lang="pl-PL" sz="3600" b="1" dirty="0" smtClean="0"/>
+              <a:rPr lang="pl-PL" sz="3600" b="1" dirty="0"/>
               <a:t>2</a:t>
             </a:r>
-            <a:endParaRPr lang="pl-PL" sz="3600" b="1" dirty="0"/>
           </a:p>
         </p:txBody>
       </p:sp>
@@ -4206,10 +4221,9 @@
           <a:lstStyle/>
           <a:p>
             <a:r>
-              <a:rPr lang="pl-PL" sz="3600" b="1" dirty="0" smtClean="0"/>
+              <a:rPr lang="pl-PL" sz="3600" b="1" dirty="0"/>
               <a:t>4</a:t>
             </a:r>
-            <a:endParaRPr lang="pl-PL" sz="3600" b="1" dirty="0"/>
           </a:p>
         </p:txBody>
       </p:sp>
@@ -4236,10 +4250,9 @@
           <a:lstStyle/>
           <a:p>
             <a:r>
-              <a:rPr lang="pl-PL" sz="3600" b="1" dirty="0" smtClean="0"/>
+              <a:rPr lang="pl-PL" sz="3600" b="1" dirty="0"/>
               <a:t>3</a:t>
             </a:r>
-            <a:endParaRPr lang="pl-PL" sz="3600" b="1" dirty="0"/>
           </a:p>
         </p:txBody>
       </p:sp>
@@ -4266,10 +4279,9 @@
           <a:lstStyle/>
           <a:p>
             <a:r>
-              <a:rPr lang="pl-PL" sz="3600" b="1" dirty="0" smtClean="0"/>
+              <a:rPr lang="pl-PL" sz="3600" b="1" dirty="0"/>
               <a:t>0</a:t>
             </a:r>
-            <a:endParaRPr lang="pl-PL" sz="3600" b="1" dirty="0"/>
           </a:p>
         </p:txBody>
       </p:sp>
@@ -4308,7 +4320,7 @@
                         <m:sSubPr>
                           <m:ctrlPr>
                             <a:rPr lang="pl-PL" i="1" smtClean="0">
-                              <a:latin typeface="Cambria Math"/>
+                              <a:latin typeface="Cambria Math" panose="02040503050406030204" pitchFamily="18" charset="0"/>
                             </a:rPr>
                           </m:ctrlPr>
                         </m:sSubPr>
@@ -4411,7 +4423,7 @@
                         <m:sSubPr>
                           <m:ctrlPr>
                             <a:rPr lang="pl-PL" i="1" smtClean="0">
-                              <a:latin typeface="Cambria Math"/>
+                              <a:latin typeface="Cambria Math" panose="02040503050406030204" pitchFamily="18" charset="0"/>
                             </a:rPr>
                           </m:ctrlPr>
                         </m:sSubPr>
@@ -4514,7 +4526,7 @@
                         <m:sSubPr>
                           <m:ctrlPr>
                             <a:rPr lang="pl-PL" i="1" smtClean="0">
-                              <a:latin typeface="Cambria Math"/>
+                              <a:latin typeface="Cambria Math" panose="02040503050406030204" pitchFamily="18" charset="0"/>
                             </a:rPr>
                           </m:ctrlPr>
                         </m:sSubPr>
@@ -4617,7 +4629,7 @@
                         <m:sSubPr>
                           <m:ctrlPr>
                             <a:rPr lang="pl-PL" i="1" smtClean="0">
-                              <a:latin typeface="Cambria Math"/>
+                              <a:latin typeface="Cambria Math" panose="02040503050406030204" pitchFamily="18" charset="0"/>
                             </a:rPr>
                           </m:ctrlPr>
                         </m:sSubPr>
@@ -4878,10 +4890,9 @@
           <a:lstStyle/>
           <a:p>
             <a:r>
-              <a:rPr lang="pl-PL" sz="3600" b="1" dirty="0" smtClean="0"/>
+              <a:rPr lang="pl-PL" sz="3600" b="1" dirty="0"/>
               <a:t>2</a:t>
             </a:r>
-            <a:endParaRPr lang="pl-PL" sz="3600" b="1" dirty="0"/>
           </a:p>
         </p:txBody>
       </p:sp>
@@ -4908,10 +4919,9 @@
           <a:lstStyle/>
           <a:p>
             <a:r>
-              <a:rPr lang="pl-PL" sz="3600" b="1" dirty="0" smtClean="0"/>
+              <a:rPr lang="pl-PL" sz="3600" b="1" dirty="0"/>
               <a:t>4</a:t>
             </a:r>
-            <a:endParaRPr lang="pl-PL" sz="3600" b="1" dirty="0"/>
           </a:p>
         </p:txBody>
       </p:sp>
@@ -5078,10 +5088,9 @@
           <a:lstStyle/>
           <a:p>
             <a:r>
-              <a:rPr lang="pl-PL" sz="3600" b="1" dirty="0" smtClean="0"/>
+              <a:rPr lang="pl-PL" sz="3600" b="1" dirty="0"/>
               <a:t>3</a:t>
             </a:r>
-            <a:endParaRPr lang="pl-PL" sz="3600" b="1" dirty="0"/>
           </a:p>
         </p:txBody>
       </p:sp>
@@ -5108,10 +5117,9 @@
           <a:lstStyle/>
           <a:p>
             <a:r>
-              <a:rPr lang="pl-PL" sz="3600" b="1" dirty="0" smtClean="0"/>
+              <a:rPr lang="pl-PL" sz="3600" b="1" dirty="0"/>
               <a:t>0</a:t>
             </a:r>
-            <a:endParaRPr lang="pl-PL" sz="3600" b="1" dirty="0"/>
           </a:p>
         </p:txBody>
       </p:sp>
@@ -5278,10 +5286,9 @@
           <a:lstStyle/>
           <a:p>
             <a:r>
-              <a:rPr lang="pl-PL" sz="3600" b="1" dirty="0" smtClean="0"/>
+              <a:rPr lang="pl-PL" sz="3600" b="1" dirty="0"/>
               <a:t>1</a:t>
             </a:r>
-            <a:endParaRPr lang="pl-PL" sz="3600" b="1" dirty="0"/>
           </a:p>
         </p:txBody>
       </p:sp>
@@ -5308,10 +5315,9 @@
           <a:lstStyle/>
           <a:p>
             <a:r>
-              <a:rPr lang="pl-PL" sz="3600" b="1" dirty="0" smtClean="0"/>
+              <a:rPr lang="pl-PL" sz="3600" b="1" dirty="0"/>
               <a:t>5</a:t>
             </a:r>
-            <a:endParaRPr lang="pl-PL" sz="3600" b="1" dirty="0"/>
           </a:p>
         </p:txBody>
       </p:sp>
@@ -6621,13 +6627,6 @@
   <p:clrMapOvr>
     <a:masterClrMapping/>
   </p:clrMapOvr>
-  <p:timing>
-    <p:tnLst>
-      <p:par>
-        <p:cTn id="1" dur="indefinite" restart="never" nodeType="tmRoot"/>
-      </p:par>
-    </p:tnLst>
-  </p:timing>
 </p:sld>
 </file>
 
@@ -6861,7 +6860,7 @@
                         <m:sSubPr>
                           <m:ctrlPr>
                             <a:rPr lang="pl-PL" i="1" smtClean="0">
-                              <a:latin typeface="Cambria Math"/>
+                              <a:latin typeface="Cambria Math" panose="02040503050406030204" pitchFamily="18" charset="0"/>
                             </a:rPr>
                           </m:ctrlPr>
                         </m:sSubPr>
@@ -6964,7 +6963,7 @@
                         <m:sSubPr>
                           <m:ctrlPr>
                             <a:rPr lang="pl-PL" i="1" smtClean="0">
-                              <a:latin typeface="Cambria Math"/>
+                              <a:latin typeface="Cambria Math" panose="02040503050406030204" pitchFamily="18" charset="0"/>
                             </a:rPr>
                           </m:ctrlPr>
                         </m:sSubPr>
@@ -7067,7 +7066,7 @@
                         <m:sSubPr>
                           <m:ctrlPr>
                             <a:rPr lang="pl-PL" i="1" smtClean="0">
-                              <a:latin typeface="Cambria Math"/>
+                              <a:latin typeface="Cambria Math" panose="02040503050406030204" pitchFamily="18" charset="0"/>
                             </a:rPr>
                           </m:ctrlPr>
                         </m:sSubPr>
@@ -7170,7 +7169,7 @@
                         <m:sSubPr>
                           <m:ctrlPr>
                             <a:rPr lang="pl-PL" i="1" smtClean="0">
-                              <a:latin typeface="Cambria Math"/>
+                              <a:latin typeface="Cambria Math" panose="02040503050406030204" pitchFamily="18" charset="0"/>
                             </a:rPr>
                           </m:ctrlPr>
                         </m:sSubPr>
@@ -7273,7 +7272,7 @@
                         <m:sSubPr>
                           <m:ctrlPr>
                             <a:rPr lang="pl-PL" i="1" smtClean="0">
-                              <a:latin typeface="Cambria Math"/>
+                              <a:latin typeface="Cambria Math" panose="02040503050406030204" pitchFamily="18" charset="0"/>
                             </a:rPr>
                           </m:ctrlPr>
                         </m:sSubPr>
@@ -7376,7 +7375,7 @@
                         <m:sSubPr>
                           <m:ctrlPr>
                             <a:rPr lang="pl-PL" i="1" smtClean="0">
-                              <a:latin typeface="Cambria Math"/>
+                              <a:latin typeface="Cambria Math" panose="02040503050406030204" pitchFamily="18" charset="0"/>
                             </a:rPr>
                           </m:ctrlPr>
                         </m:sSubPr>
@@ -7467,10 +7466,9 @@
           <a:lstStyle/>
           <a:p>
             <a:r>
-              <a:rPr lang="pl-PL" sz="3600" b="1" dirty="0" smtClean="0"/>
+              <a:rPr lang="pl-PL" sz="3600" b="1" dirty="0"/>
               <a:t>8</a:t>
             </a:r>
-            <a:endParaRPr lang="pl-PL" sz="3600" b="1" dirty="0"/>
           </a:p>
         </p:txBody>
       </p:sp>
@@ -7497,10 +7495,9 @@
           <a:lstStyle/>
           <a:p>
             <a:r>
-              <a:rPr lang="pl-PL" sz="3600" b="1" dirty="0" smtClean="0"/>
+              <a:rPr lang="pl-PL" sz="3600" b="1" dirty="0"/>
               <a:t>4</a:t>
             </a:r>
-            <a:endParaRPr lang="pl-PL" sz="3600" b="1" dirty="0"/>
           </a:p>
         </p:txBody>
       </p:sp>
@@ -7527,10 +7524,9 @@
           <a:lstStyle/>
           <a:p>
             <a:r>
-              <a:rPr lang="pl-PL" sz="3600" b="1" dirty="0" smtClean="0"/>
+              <a:rPr lang="pl-PL" sz="3600" b="1" dirty="0"/>
               <a:t>3</a:t>
             </a:r>
-            <a:endParaRPr lang="pl-PL" sz="3600" b="1" dirty="0"/>
           </a:p>
         </p:txBody>
       </p:sp>
@@ -7557,10 +7553,9 @@
           <a:lstStyle/>
           <a:p>
             <a:r>
-              <a:rPr lang="pl-PL" sz="3600" b="1" dirty="0" smtClean="0"/>
+              <a:rPr lang="pl-PL" sz="3600" b="1" dirty="0"/>
               <a:t>0</a:t>
             </a:r>
-            <a:endParaRPr lang="pl-PL" sz="3600" b="1" dirty="0"/>
           </a:p>
         </p:txBody>
       </p:sp>
@@ -7587,10 +7582,9 @@
           <a:lstStyle/>
           <a:p>
             <a:r>
-              <a:rPr lang="pl-PL" sz="3600" b="1" dirty="0" smtClean="0"/>
+              <a:rPr lang="pl-PL" sz="3600" b="1" dirty="0"/>
               <a:t>1</a:t>
             </a:r>
-            <a:endParaRPr lang="pl-PL" sz="3600" b="1" dirty="0"/>
           </a:p>
         </p:txBody>
       </p:sp>
@@ -7617,10 +7611,9 @@
           <a:lstStyle/>
           <a:p>
             <a:r>
-              <a:rPr lang="pl-PL" sz="3600" b="1" dirty="0" smtClean="0"/>
+              <a:rPr lang="pl-PL" sz="3600" b="1" dirty="0"/>
               <a:t>5</a:t>
             </a:r>
-            <a:endParaRPr lang="pl-PL" sz="3600" b="1" dirty="0"/>
           </a:p>
         </p:txBody>
       </p:sp>
@@ -8871,7 +8864,7 @@
                         <m:sSubPr>
                           <m:ctrlPr>
                             <a:rPr lang="pl-PL" i="1" smtClean="0">
-                              <a:latin typeface="Cambria Math"/>
+                              <a:latin typeface="Cambria Math" panose="02040503050406030204" pitchFamily="18" charset="0"/>
                             </a:rPr>
                           </m:ctrlPr>
                         </m:sSubPr>
@@ -8974,7 +8967,7 @@
                         <m:sSubPr>
                           <m:ctrlPr>
                             <a:rPr lang="pl-PL" i="1" smtClean="0">
-                              <a:latin typeface="Cambria Math"/>
+                              <a:latin typeface="Cambria Math" panose="02040503050406030204" pitchFamily="18" charset="0"/>
                             </a:rPr>
                           </m:ctrlPr>
                         </m:sSubPr>
@@ -9077,7 +9070,7 @@
                         <m:sSubPr>
                           <m:ctrlPr>
                             <a:rPr lang="pl-PL" i="1" smtClean="0">
-                              <a:latin typeface="Cambria Math"/>
+                              <a:latin typeface="Cambria Math" panose="02040503050406030204" pitchFamily="18" charset="0"/>
                             </a:rPr>
                           </m:ctrlPr>
                         </m:sSubPr>
@@ -9221,7 +9214,7 @@
                         <m:sSubPr>
                           <m:ctrlPr>
                             <a:rPr lang="pl-PL" i="1" smtClean="0">
-                              <a:latin typeface="Cambria Math"/>
+                              <a:latin typeface="Cambria Math" panose="02040503050406030204" pitchFamily="18" charset="0"/>
                             </a:rPr>
                           </m:ctrlPr>
                         </m:sSubPr>
@@ -9324,7 +9317,7 @@
                         <m:sSubPr>
                           <m:ctrlPr>
                             <a:rPr lang="pl-PL" i="1" smtClean="0">
-                              <a:latin typeface="Cambria Math"/>
+                              <a:latin typeface="Cambria Math" panose="02040503050406030204" pitchFamily="18" charset="0"/>
                             </a:rPr>
                           </m:ctrlPr>
                         </m:sSubPr>
@@ -9550,7 +9543,7 @@
                         <m:sSubPr>
                           <m:ctrlPr>
                             <a:rPr lang="pl-PL" i="1" smtClean="0">
-                              <a:latin typeface="Cambria Math"/>
+                              <a:latin typeface="Cambria Math" panose="02040503050406030204" pitchFamily="18" charset="0"/>
                             </a:rPr>
                           </m:ctrlPr>
                         </m:sSubPr>
@@ -9653,7 +9646,7 @@
                         <m:sSubPr>
                           <m:ctrlPr>
                             <a:rPr lang="pl-PL" i="1" smtClean="0">
-                              <a:latin typeface="Cambria Math"/>
+                              <a:latin typeface="Cambria Math" panose="02040503050406030204" pitchFamily="18" charset="0"/>
                             </a:rPr>
                           </m:ctrlPr>
                         </m:sSubPr>
@@ -9838,7 +9831,7 @@
                         <m:sSubPr>
                           <m:ctrlPr>
                             <a:rPr lang="pl-PL" i="1" smtClean="0">
-                              <a:latin typeface="Cambria Math"/>
+                              <a:latin typeface="Cambria Math" panose="02040503050406030204" pitchFamily="18" charset="0"/>
                             </a:rPr>
                           </m:ctrlPr>
                         </m:sSubPr>
@@ -9941,7 +9934,7 @@
                         <m:sSubPr>
                           <m:ctrlPr>
                             <a:rPr lang="pl-PL" i="1" smtClean="0">
-                              <a:latin typeface="Cambria Math"/>
+                              <a:latin typeface="Cambria Math" panose="02040503050406030204" pitchFamily="18" charset="0"/>
                             </a:rPr>
                           </m:ctrlPr>
                         </m:sSubPr>
@@ -10147,13 +10140,6 @@
   <p:clrMapOvr>
     <a:masterClrMapping/>
   </p:clrMapOvr>
-  <p:timing>
-    <p:tnLst>
-      <p:par>
-        <p:cTn id="1" dur="indefinite" restart="never" nodeType="tmRoot"/>
-      </p:par>
-    </p:tnLst>
-  </p:timing>
 </p:sld>
 </file>
 
@@ -10387,7 +10373,7 @@
                         <m:sSubPr>
                           <m:ctrlPr>
                             <a:rPr lang="pl-PL" i="1" smtClean="0">
-                              <a:latin typeface="Cambria Math"/>
+                              <a:latin typeface="Cambria Math" panose="02040503050406030204" pitchFamily="18" charset="0"/>
                             </a:rPr>
                           </m:ctrlPr>
                         </m:sSubPr>
@@ -10490,7 +10476,7 @@
                         <m:sSubPr>
                           <m:ctrlPr>
                             <a:rPr lang="pl-PL" i="1" smtClean="0">
-                              <a:latin typeface="Cambria Math"/>
+                              <a:latin typeface="Cambria Math" panose="02040503050406030204" pitchFamily="18" charset="0"/>
                             </a:rPr>
                           </m:ctrlPr>
                         </m:sSubPr>
@@ -10593,7 +10579,7 @@
                         <m:sSubPr>
                           <m:ctrlPr>
                             <a:rPr lang="pl-PL" i="1" smtClean="0">
-                              <a:latin typeface="Cambria Math"/>
+                              <a:latin typeface="Cambria Math" panose="02040503050406030204" pitchFamily="18" charset="0"/>
                             </a:rPr>
                           </m:ctrlPr>
                         </m:sSubPr>
@@ -10696,7 +10682,7 @@
                         <m:sSubPr>
                           <m:ctrlPr>
                             <a:rPr lang="pl-PL" i="1" smtClean="0">
-                              <a:latin typeface="Cambria Math"/>
+                              <a:latin typeface="Cambria Math" panose="02040503050406030204" pitchFamily="18" charset="0"/>
                             </a:rPr>
                           </m:ctrlPr>
                         </m:sSubPr>
@@ -10799,7 +10785,7 @@
                         <m:sSubPr>
                           <m:ctrlPr>
                             <a:rPr lang="pl-PL" i="1" smtClean="0">
-                              <a:latin typeface="Cambria Math"/>
+                              <a:latin typeface="Cambria Math" panose="02040503050406030204" pitchFamily="18" charset="0"/>
                             </a:rPr>
                           </m:ctrlPr>
                         </m:sSubPr>
@@ -10902,7 +10888,7 @@
                         <m:sSubPr>
                           <m:ctrlPr>
                             <a:rPr lang="pl-PL" i="1" smtClean="0">
-                              <a:latin typeface="Cambria Math"/>
+                              <a:latin typeface="Cambria Math" panose="02040503050406030204" pitchFamily="18" charset="0"/>
                             </a:rPr>
                           </m:ctrlPr>
                         </m:sSubPr>
@@ -10993,10 +10979,9 @@
           <a:lstStyle/>
           <a:p>
             <a:r>
-              <a:rPr lang="pl-PL" sz="3600" b="1" dirty="0" smtClean="0"/>
+              <a:rPr lang="pl-PL" sz="3600" b="1" dirty="0"/>
               <a:t>8</a:t>
             </a:r>
-            <a:endParaRPr lang="pl-PL" sz="3600" b="1" dirty="0"/>
           </a:p>
         </p:txBody>
       </p:sp>
@@ -11023,10 +11008,9 @@
           <a:lstStyle/>
           <a:p>
             <a:r>
-              <a:rPr lang="pl-PL" sz="3600" b="1" dirty="0" smtClean="0"/>
+              <a:rPr lang="pl-PL" sz="3600" b="1" dirty="0"/>
               <a:t>4</a:t>
             </a:r>
-            <a:endParaRPr lang="pl-PL" sz="3600" b="1" dirty="0"/>
           </a:p>
         </p:txBody>
       </p:sp>
@@ -11053,10 +11037,9 @@
           <a:lstStyle/>
           <a:p>
             <a:r>
-              <a:rPr lang="pl-PL" sz="3600" b="1" dirty="0" smtClean="0"/>
+              <a:rPr lang="pl-PL" sz="3600" b="1" dirty="0"/>
               <a:t>3</a:t>
             </a:r>
-            <a:endParaRPr lang="pl-PL" sz="3600" b="1" dirty="0"/>
           </a:p>
         </p:txBody>
       </p:sp>
@@ -11083,10 +11066,9 @@
           <a:lstStyle/>
           <a:p>
             <a:r>
-              <a:rPr lang="pl-PL" sz="3600" b="1" dirty="0" smtClean="0"/>
+              <a:rPr lang="pl-PL" sz="3600" b="1" dirty="0"/>
               <a:t>0</a:t>
             </a:r>
-            <a:endParaRPr lang="pl-PL" sz="3600" b="1" dirty="0"/>
           </a:p>
         </p:txBody>
       </p:sp>
@@ -11113,10 +11095,9 @@
           <a:lstStyle/>
           <a:p>
             <a:r>
-              <a:rPr lang="pl-PL" sz="3600" b="1" dirty="0" smtClean="0"/>
+              <a:rPr lang="pl-PL" sz="3600" b="1" dirty="0"/>
               <a:t>1</a:t>
             </a:r>
-            <a:endParaRPr lang="pl-PL" sz="3600" b="1" dirty="0"/>
           </a:p>
         </p:txBody>
       </p:sp>
@@ -11143,10 +11124,9 @@
           <a:lstStyle/>
           <a:p>
             <a:r>
-              <a:rPr lang="pl-PL" sz="3600" b="1" dirty="0" smtClean="0"/>
+              <a:rPr lang="pl-PL" sz="3600" b="1" dirty="0"/>
               <a:t>5</a:t>
             </a:r>
-            <a:endParaRPr lang="pl-PL" sz="3600" b="1" dirty="0"/>
           </a:p>
         </p:txBody>
       </p:sp>
@@ -12327,10 +12307,9 @@
           <a:lstStyle/>
           <a:p>
             <a:r>
-              <a:rPr lang="pl-PL" dirty="0" smtClean="0"/>
+              <a:rPr lang="pl-PL" dirty="0"/>
               <a:t>75%</a:t>
             </a:r>
-            <a:endParaRPr lang="pl-PL" dirty="0"/>
           </a:p>
         </p:txBody>
       </p:sp>
@@ -12358,13 +12337,8 @@
           <a:p>
             <a:r>
               <a:rPr lang="pl-PL" dirty="0"/>
-              <a:t>2</a:t>
+              <a:t>25%</a:t>
             </a:r>
-            <a:r>
-              <a:rPr lang="pl-PL" dirty="0" smtClean="0"/>
-              <a:t>5%</a:t>
-            </a:r>
-            <a:endParaRPr lang="pl-PL" dirty="0"/>
           </a:p>
         </p:txBody>
       </p:sp>
@@ -12611,7 +12585,7 @@
                         <m:sSubPr>
                           <m:ctrlPr>
                             <a:rPr lang="pl-PL" i="1" smtClean="0">
-                              <a:latin typeface="Cambria Math"/>
+                              <a:latin typeface="Cambria Math" panose="02040503050406030204" pitchFamily="18" charset="0"/>
                             </a:rPr>
                           </m:ctrlPr>
                         </m:sSubPr>
@@ -12714,7 +12688,7 @@
                         <m:sSubPr>
                           <m:ctrlPr>
                             <a:rPr lang="pl-PL" i="1" smtClean="0">
-                              <a:latin typeface="Cambria Math"/>
+                              <a:latin typeface="Cambria Math" panose="02040503050406030204" pitchFamily="18" charset="0"/>
                             </a:rPr>
                           </m:ctrlPr>
                         </m:sSubPr>
@@ -12817,7 +12791,7 @@
                         <m:sSubPr>
                           <m:ctrlPr>
                             <a:rPr lang="pl-PL" i="1" smtClean="0">
-                              <a:latin typeface="Cambria Math"/>
+                              <a:latin typeface="Cambria Math" panose="02040503050406030204" pitchFamily="18" charset="0"/>
                             </a:rPr>
                           </m:ctrlPr>
                         </m:sSubPr>
@@ -12920,7 +12894,7 @@
                         <m:sSubPr>
                           <m:ctrlPr>
                             <a:rPr lang="pl-PL" i="1" smtClean="0">
-                              <a:latin typeface="Cambria Math"/>
+                              <a:latin typeface="Cambria Math" panose="02040503050406030204" pitchFamily="18" charset="0"/>
                             </a:rPr>
                           </m:ctrlPr>
                         </m:sSubPr>
@@ -13023,7 +12997,7 @@
                         <m:sSubPr>
                           <m:ctrlPr>
                             <a:rPr lang="pl-PL" i="1" smtClean="0">
-                              <a:latin typeface="Cambria Math"/>
+                              <a:latin typeface="Cambria Math" panose="02040503050406030204" pitchFamily="18" charset="0"/>
                             </a:rPr>
                           </m:ctrlPr>
                         </m:sSubPr>
@@ -13126,7 +13100,7 @@
                         <m:sSubPr>
                           <m:ctrlPr>
                             <a:rPr lang="pl-PL" i="1" smtClean="0">
-                              <a:latin typeface="Cambria Math"/>
+                              <a:latin typeface="Cambria Math" panose="02040503050406030204" pitchFamily="18" charset="0"/>
                             </a:rPr>
                           </m:ctrlPr>
                         </m:sSubPr>
@@ -13217,10 +13191,9 @@
           <a:lstStyle/>
           <a:p>
             <a:r>
-              <a:rPr lang="pl-PL" sz="3600" b="1" dirty="0" smtClean="0"/>
+              <a:rPr lang="pl-PL" sz="3600" b="1" dirty="0"/>
               <a:t>0</a:t>
             </a:r>
-            <a:endParaRPr lang="pl-PL" sz="3600" b="1" dirty="0"/>
           </a:p>
         </p:txBody>
       </p:sp>
@@ -13247,10 +13220,9 @@
           <a:lstStyle/>
           <a:p>
             <a:r>
-              <a:rPr lang="pl-PL" sz="3600" b="1" dirty="0" smtClean="0"/>
+              <a:rPr lang="pl-PL" sz="3600" b="1" dirty="0"/>
               <a:t>8</a:t>
             </a:r>
-            <a:endParaRPr lang="pl-PL" sz="3600" b="1" dirty="0"/>
           </a:p>
         </p:txBody>
       </p:sp>
@@ -13277,10 +13249,9 @@
           <a:lstStyle/>
           <a:p>
             <a:r>
-              <a:rPr lang="pl-PL" sz="3600" b="1" dirty="0" smtClean="0"/>
+              <a:rPr lang="pl-PL" sz="3600" b="1" dirty="0"/>
               <a:t>3</a:t>
             </a:r>
-            <a:endParaRPr lang="pl-PL" sz="3600" b="1" dirty="0"/>
           </a:p>
         </p:txBody>
       </p:sp>
@@ -13307,10 +13278,9 @@
           <a:lstStyle/>
           <a:p>
             <a:r>
-              <a:rPr lang="pl-PL" sz="3600" b="1" dirty="0" smtClean="0"/>
+              <a:rPr lang="pl-PL" sz="3600" b="1" dirty="0"/>
               <a:t>3</a:t>
             </a:r>
-            <a:endParaRPr lang="pl-PL" sz="3600" b="1" dirty="0"/>
           </a:p>
         </p:txBody>
       </p:sp>
@@ -13337,10 +13307,9 @@
           <a:lstStyle/>
           <a:p>
             <a:r>
-              <a:rPr lang="pl-PL" sz="3600" b="1" dirty="0" smtClean="0"/>
+              <a:rPr lang="pl-PL" sz="3600" b="1" dirty="0"/>
               <a:t>1</a:t>
             </a:r>
-            <a:endParaRPr lang="pl-PL" sz="3600" b="1" dirty="0"/>
           </a:p>
         </p:txBody>
       </p:sp>
@@ -13367,10 +13336,9 @@
           <a:lstStyle/>
           <a:p>
             <a:r>
-              <a:rPr lang="pl-PL" sz="3600" b="1" dirty="0" smtClean="0"/>
+              <a:rPr lang="pl-PL" sz="3600" b="1" dirty="0"/>
               <a:t>1</a:t>
             </a:r>
-            <a:endParaRPr lang="pl-PL" sz="3600" b="1" dirty="0"/>
           </a:p>
         </p:txBody>
       </p:sp>
@@ -14551,10 +14519,9 @@
           <a:lstStyle/>
           <a:p>
             <a:r>
-              <a:rPr lang="pl-PL" dirty="0" smtClean="0"/>
+              <a:rPr lang="pl-PL" dirty="0"/>
               <a:t>75%</a:t>
             </a:r>
-            <a:endParaRPr lang="pl-PL" dirty="0"/>
           </a:p>
         </p:txBody>
       </p:sp>
@@ -14582,13 +14549,8 @@
           <a:p>
             <a:r>
               <a:rPr lang="pl-PL" dirty="0"/>
-              <a:t>2</a:t>
+              <a:t>25%</a:t>
             </a:r>
-            <a:r>
-              <a:rPr lang="pl-PL" dirty="0" smtClean="0"/>
-              <a:t>5%</a:t>
-            </a:r>
-            <a:endParaRPr lang="pl-PL" dirty="0"/>
           </a:p>
         </p:txBody>
       </p:sp>
@@ -14835,7 +14797,7 @@
                         <m:sSubPr>
                           <m:ctrlPr>
                             <a:rPr lang="pl-PL" i="1" smtClean="0">
-                              <a:latin typeface="Cambria Math"/>
+                              <a:latin typeface="Cambria Math" panose="02040503050406030204" pitchFamily="18" charset="0"/>
                             </a:rPr>
                           </m:ctrlPr>
                         </m:sSubPr>
@@ -14938,7 +14900,7 @@
                         <m:sSubPr>
                           <m:ctrlPr>
                             <a:rPr lang="pl-PL" i="1" smtClean="0">
-                              <a:latin typeface="Cambria Math"/>
+                              <a:latin typeface="Cambria Math" panose="02040503050406030204" pitchFamily="18" charset="0"/>
                             </a:rPr>
                           </m:ctrlPr>
                         </m:sSubPr>
@@ -15041,7 +15003,7 @@
                         <m:sSubPr>
                           <m:ctrlPr>
                             <a:rPr lang="pl-PL" i="1" smtClean="0">
-                              <a:latin typeface="Cambria Math"/>
+                              <a:latin typeface="Cambria Math" panose="02040503050406030204" pitchFamily="18" charset="0"/>
                             </a:rPr>
                           </m:ctrlPr>
                         </m:sSubPr>
@@ -15144,7 +15106,7 @@
                         <m:sSubPr>
                           <m:ctrlPr>
                             <a:rPr lang="pl-PL" i="1" smtClean="0">
-                              <a:latin typeface="Cambria Math"/>
+                              <a:latin typeface="Cambria Math" panose="02040503050406030204" pitchFamily="18" charset="0"/>
                             </a:rPr>
                           </m:ctrlPr>
                         </m:sSubPr>
@@ -15247,7 +15209,7 @@
                         <m:sSubPr>
                           <m:ctrlPr>
                             <a:rPr lang="pl-PL" i="1" smtClean="0">
-                              <a:latin typeface="Cambria Math"/>
+                              <a:latin typeface="Cambria Math" panose="02040503050406030204" pitchFamily="18" charset="0"/>
                             </a:rPr>
                           </m:ctrlPr>
                         </m:sSubPr>
@@ -15350,7 +15312,7 @@
                         <m:sSubPr>
                           <m:ctrlPr>
                             <a:rPr lang="pl-PL" i="1" smtClean="0">
-                              <a:latin typeface="Cambria Math"/>
+                              <a:latin typeface="Cambria Math" panose="02040503050406030204" pitchFamily="18" charset="0"/>
                             </a:rPr>
                           </m:ctrlPr>
                         </m:sSubPr>
@@ -15441,10 +15403,9 @@
           <a:lstStyle/>
           <a:p>
             <a:r>
-              <a:rPr lang="pl-PL" sz="3600" b="1" dirty="0" smtClean="0"/>
+              <a:rPr lang="pl-PL" sz="3600" b="1" dirty="0"/>
               <a:t>0</a:t>
             </a:r>
-            <a:endParaRPr lang="pl-PL" sz="3600" b="1" dirty="0"/>
           </a:p>
         </p:txBody>
       </p:sp>
@@ -15529,10 +15490,9 @@
           <a:lstStyle/>
           <a:p>
             <a:r>
-              <a:rPr lang="pl-PL" sz="3600" b="1" dirty="0" smtClean="0"/>
+              <a:rPr lang="pl-PL" sz="3600" b="1" dirty="0"/>
               <a:t>3</a:t>
             </a:r>
-            <a:endParaRPr lang="pl-PL" sz="3600" b="1" dirty="0"/>
           </a:p>
         </p:txBody>
       </p:sp>
@@ -15559,10 +15519,9 @@
           <a:lstStyle/>
           <a:p>
             <a:r>
-              <a:rPr lang="pl-PL" sz="3600" b="1" dirty="0" smtClean="0"/>
+              <a:rPr lang="pl-PL" sz="3600" b="1" dirty="0"/>
               <a:t>2</a:t>
             </a:r>
-            <a:endParaRPr lang="pl-PL" sz="3600" b="1" dirty="0"/>
           </a:p>
         </p:txBody>
       </p:sp>
@@ -15589,10 +15548,9 @@
           <a:lstStyle/>
           <a:p>
             <a:r>
-              <a:rPr lang="pl-PL" sz="3600" b="1" dirty="0" smtClean="0"/>
+              <a:rPr lang="pl-PL" sz="3600" b="1" dirty="0"/>
               <a:t>1</a:t>
             </a:r>
-            <a:endParaRPr lang="pl-PL" sz="3600" b="1" dirty="0"/>
           </a:p>
         </p:txBody>
       </p:sp>
@@ -16773,10 +16731,9 @@
           <a:lstStyle/>
           <a:p>
             <a:r>
-              <a:rPr lang="pl-PL" dirty="0" smtClean="0"/>
+              <a:rPr lang="pl-PL" dirty="0"/>
               <a:t>75%</a:t>
             </a:r>
-            <a:endParaRPr lang="pl-PL" dirty="0"/>
           </a:p>
         </p:txBody>
       </p:sp>
@@ -16804,13 +16761,8 @@
           <a:p>
             <a:r>
               <a:rPr lang="pl-PL" dirty="0"/>
-              <a:t>2</a:t>
+              <a:t>25%</a:t>
             </a:r>
-            <a:r>
-              <a:rPr lang="pl-PL" dirty="0" smtClean="0"/>
-              <a:t>5%</a:t>
-            </a:r>
-            <a:endParaRPr lang="pl-PL" dirty="0"/>
           </a:p>
         </p:txBody>
       </p:sp>
@@ -17057,7 +17009,7 @@
                         <m:sSubPr>
                           <m:ctrlPr>
                             <a:rPr lang="pl-PL" i="1" smtClean="0">
-                              <a:latin typeface="Cambria Math"/>
+                              <a:latin typeface="Cambria Math" panose="02040503050406030204" pitchFamily="18" charset="0"/>
                             </a:rPr>
                           </m:ctrlPr>
                         </m:sSubPr>
@@ -17160,7 +17112,7 @@
                         <m:sSubPr>
                           <m:ctrlPr>
                             <a:rPr lang="pl-PL" i="1" smtClean="0">
-                              <a:latin typeface="Cambria Math"/>
+                              <a:latin typeface="Cambria Math" panose="02040503050406030204" pitchFamily="18" charset="0"/>
                             </a:rPr>
                           </m:ctrlPr>
                         </m:sSubPr>
@@ -17263,7 +17215,7 @@
                         <m:sSubPr>
                           <m:ctrlPr>
                             <a:rPr lang="pl-PL" i="1" smtClean="0">
-                              <a:latin typeface="Cambria Math"/>
+                              <a:latin typeface="Cambria Math" panose="02040503050406030204" pitchFamily="18" charset="0"/>
                             </a:rPr>
                           </m:ctrlPr>
                         </m:sSubPr>
@@ -17366,7 +17318,7 @@
                         <m:sSubPr>
                           <m:ctrlPr>
                             <a:rPr lang="pl-PL" i="1" smtClean="0">
-                              <a:latin typeface="Cambria Math"/>
+                              <a:latin typeface="Cambria Math" panose="02040503050406030204" pitchFamily="18" charset="0"/>
                             </a:rPr>
                           </m:ctrlPr>
                         </m:sSubPr>
@@ -17469,7 +17421,7 @@
                         <m:sSubPr>
                           <m:ctrlPr>
                             <a:rPr lang="pl-PL" i="1" smtClean="0">
-                              <a:latin typeface="Cambria Math"/>
+                              <a:latin typeface="Cambria Math" panose="02040503050406030204" pitchFamily="18" charset="0"/>
                             </a:rPr>
                           </m:ctrlPr>
                         </m:sSubPr>
@@ -17572,7 +17524,7 @@
                         <m:sSubPr>
                           <m:ctrlPr>
                             <a:rPr lang="pl-PL" i="1" smtClean="0">
-                              <a:latin typeface="Cambria Math"/>
+                              <a:latin typeface="Cambria Math" panose="02040503050406030204" pitchFamily="18" charset="0"/>
                             </a:rPr>
                           </m:ctrlPr>
                         </m:sSubPr>
@@ -17663,10 +17615,9 @@
           <a:lstStyle/>
           <a:p>
             <a:r>
-              <a:rPr lang="pl-PL" sz="3600" b="1" dirty="0" smtClean="0"/>
+              <a:rPr lang="pl-PL" sz="3600" b="1" dirty="0"/>
               <a:t>0</a:t>
             </a:r>
-            <a:endParaRPr lang="pl-PL" sz="3600" b="1" dirty="0"/>
           </a:p>
         </p:txBody>
       </p:sp>
@@ -17722,10 +17673,9 @@
           <a:lstStyle/>
           <a:p>
             <a:r>
-              <a:rPr lang="pl-PL" sz="3600" b="1" dirty="0" smtClean="0"/>
+              <a:rPr lang="pl-PL" sz="3600" b="1" dirty="0"/>
               <a:t>0</a:t>
             </a:r>
-            <a:endParaRPr lang="pl-PL" sz="3600" b="1" dirty="0"/>
           </a:p>
         </p:txBody>
       </p:sp>
@@ -18993,10 +18943,9 @@
           <a:lstStyle/>
           <a:p>
             <a:r>
-              <a:rPr lang="pl-PL" dirty="0" smtClean="0"/>
+              <a:rPr lang="pl-PL" dirty="0"/>
               <a:t>75%</a:t>
             </a:r>
-            <a:endParaRPr lang="pl-PL" dirty="0"/>
           </a:p>
         </p:txBody>
       </p:sp>
@@ -19024,13 +18973,8 @@
           <a:p>
             <a:r>
               <a:rPr lang="pl-PL" dirty="0"/>
-              <a:t>2</a:t>
+              <a:t>25%</a:t>
             </a:r>
-            <a:r>
-              <a:rPr lang="pl-PL" dirty="0" smtClean="0"/>
-              <a:t>5%</a:t>
-            </a:r>
-            <a:endParaRPr lang="pl-PL" dirty="0"/>
           </a:p>
         </p:txBody>
       </p:sp>
@@ -19091,13 +19035,8 @@
           <a:p>
             <a:r>
               <a:rPr lang="pl-PL" dirty="0"/>
-              <a:t>2</a:t>
+              <a:t>25%</a:t>
             </a:r>
-            <a:r>
-              <a:rPr lang="pl-PL" dirty="0" smtClean="0"/>
-              <a:t>5%</a:t>
-            </a:r>
-            <a:endParaRPr lang="pl-PL" dirty="0"/>
           </a:p>
         </p:txBody>
       </p:sp>
@@ -20341,7 +20280,7 @@
                         <m:sSubPr>
                           <m:ctrlPr>
                             <a:rPr lang="pl-PL" i="1" smtClean="0">
-                              <a:latin typeface="Cambria Math"/>
+                              <a:latin typeface="Cambria Math" panose="02040503050406030204" pitchFamily="18" charset="0"/>
                             </a:rPr>
                           </m:ctrlPr>
                         </m:sSubPr>
@@ -20444,7 +20383,7 @@
                         <m:sSubPr>
                           <m:ctrlPr>
                             <a:rPr lang="pl-PL" i="1" smtClean="0">
-                              <a:latin typeface="Cambria Math"/>
+                              <a:latin typeface="Cambria Math" panose="02040503050406030204" pitchFamily="18" charset="0"/>
                             </a:rPr>
                           </m:ctrlPr>
                         </m:sSubPr>
@@ -20535,10 +20474,9 @@
           <a:lstStyle/>
           <a:p>
             <a:r>
-              <a:rPr lang="pl-PL" sz="3600" b="1" dirty="0" smtClean="0"/>
+              <a:rPr lang="pl-PL" sz="3600" b="1" dirty="0"/>
               <a:t>7</a:t>
             </a:r>
-            <a:endParaRPr lang="pl-PL" sz="3600" b="1" dirty="0"/>
           </a:p>
         </p:txBody>
       </p:sp>
@@ -20565,10 +20503,9 @@
           <a:lstStyle/>
           <a:p>
             <a:r>
-              <a:rPr lang="pl-PL" sz="3600" b="1" dirty="0" smtClean="0"/>
+              <a:rPr lang="pl-PL" sz="3600" b="1" dirty="0"/>
               <a:t>1</a:t>
             </a:r>
-            <a:endParaRPr lang="pl-PL" sz="3600" b="1" dirty="0"/>
           </a:p>
         </p:txBody>
       </p:sp>
@@ -20683,7 +20620,7 @@
                         <m:sSubPr>
                           <m:ctrlPr>
                             <a:rPr lang="pl-PL" i="1" smtClean="0">
-                              <a:latin typeface="Cambria Math"/>
+                              <a:latin typeface="Cambria Math" panose="02040503050406030204" pitchFamily="18" charset="0"/>
                             </a:rPr>
                           </m:ctrlPr>
                         </m:sSubPr>
@@ -20786,7 +20723,7 @@
                         <m:sSubPr>
                           <m:ctrlPr>
                             <a:rPr lang="pl-PL" i="1" smtClean="0">
-                              <a:latin typeface="Cambria Math"/>
+                              <a:latin typeface="Cambria Math" panose="02040503050406030204" pitchFamily="18" charset="0"/>
                             </a:rPr>
                           </m:ctrlPr>
                         </m:sSubPr>
@@ -20889,7 +20826,7 @@
                         <m:sSubPr>
                           <m:ctrlPr>
                             <a:rPr lang="pl-PL" i="1" smtClean="0">
-                              <a:latin typeface="Cambria Math"/>
+                              <a:latin typeface="Cambria Math" panose="02040503050406030204" pitchFamily="18" charset="0"/>
                             </a:rPr>
                           </m:ctrlPr>
                         </m:sSubPr>
@@ -20992,7 +20929,7 @@
                         <m:sSubPr>
                           <m:ctrlPr>
                             <a:rPr lang="pl-PL" i="1" smtClean="0">
-                              <a:latin typeface="Cambria Math"/>
+                              <a:latin typeface="Cambria Math" panose="02040503050406030204" pitchFamily="18" charset="0"/>
                             </a:rPr>
                           </m:ctrlPr>
                         </m:sSubPr>
@@ -21083,10 +21020,9 @@
           <a:lstStyle/>
           <a:p>
             <a:r>
-              <a:rPr lang="pl-PL" sz="3600" b="1" dirty="0" smtClean="0"/>
+              <a:rPr lang="pl-PL" sz="3600" b="1" dirty="0"/>
               <a:t>3</a:t>
             </a:r>
-            <a:endParaRPr lang="pl-PL" sz="3600" b="1" dirty="0"/>
           </a:p>
         </p:txBody>
       </p:sp>
@@ -21113,10 +21049,9 @@
           <a:lstStyle/>
           <a:p>
             <a:r>
-              <a:rPr lang="pl-PL" sz="3600" b="1" dirty="0" smtClean="0"/>
+              <a:rPr lang="pl-PL" sz="3600" b="1" dirty="0"/>
               <a:t>5</a:t>
             </a:r>
-            <a:endParaRPr lang="pl-PL" sz="3600" b="1" dirty="0"/>
           </a:p>
         </p:txBody>
       </p:sp>
@@ -21143,10 +21078,9 @@
           <a:lstStyle/>
           <a:p>
             <a:r>
-              <a:rPr lang="pl-PL" sz="3600" b="1" dirty="0" smtClean="0"/>
+              <a:rPr lang="pl-PL" sz="3600" b="1" dirty="0"/>
               <a:t>4</a:t>
             </a:r>
-            <a:endParaRPr lang="pl-PL" sz="3600" b="1" dirty="0"/>
           </a:p>
         </p:txBody>
       </p:sp>
@@ -21173,10 +21107,9 @@
           <a:lstStyle/>
           <a:p>
             <a:r>
-              <a:rPr lang="pl-PL" sz="3600" b="1" dirty="0" smtClean="0"/>
+              <a:rPr lang="pl-PL" sz="3600" b="1" dirty="0"/>
               <a:t>2</a:t>
             </a:r>
-            <a:endParaRPr lang="pl-PL" sz="3600" b="1" dirty="0"/>
           </a:p>
         </p:txBody>
       </p:sp>
@@ -21331,10 +21264,9 @@
           <a:lstStyle/>
           <a:p>
             <a:r>
-              <a:rPr lang="pl-PL" dirty="0" smtClean="0"/>
+              <a:rPr lang="pl-PL" dirty="0"/>
               <a:t>T=0</a:t>
             </a:r>
-            <a:endParaRPr lang="pl-PL" dirty="0"/>
           </a:p>
         </p:txBody>
       </p:sp>
@@ -21482,7 +21414,7 @@
                         <m:sSubPr>
                           <m:ctrlPr>
                             <a:rPr lang="pl-PL" i="1" smtClean="0">
-                              <a:latin typeface="Cambria Math"/>
+                              <a:latin typeface="Cambria Math" panose="02040503050406030204" pitchFamily="18" charset="0"/>
                             </a:rPr>
                           </m:ctrlPr>
                         </m:sSubPr>
@@ -21585,7 +21517,7 @@
                         <m:sSubPr>
                           <m:ctrlPr>
                             <a:rPr lang="pl-PL" i="1" smtClean="0">
-                              <a:latin typeface="Cambria Math"/>
+                              <a:latin typeface="Cambria Math" panose="02040503050406030204" pitchFamily="18" charset="0"/>
                             </a:rPr>
                           </m:ctrlPr>
                         </m:sSubPr>
@@ -21676,10 +21608,9 @@
           <a:lstStyle/>
           <a:p>
             <a:r>
-              <a:rPr lang="pl-PL" sz="3600" b="1" dirty="0" smtClean="0"/>
+              <a:rPr lang="pl-PL" sz="3600" b="1" dirty="0"/>
               <a:t>5</a:t>
             </a:r>
-            <a:endParaRPr lang="pl-PL" sz="3600" b="1" dirty="0"/>
           </a:p>
         </p:txBody>
       </p:sp>
@@ -21823,7 +21754,7 @@
                         <m:sSubPr>
                           <m:ctrlPr>
                             <a:rPr lang="pl-PL" i="1" smtClean="0">
-                              <a:latin typeface="Cambria Math"/>
+                              <a:latin typeface="Cambria Math" panose="02040503050406030204" pitchFamily="18" charset="0"/>
                             </a:rPr>
                           </m:ctrlPr>
                         </m:sSubPr>
@@ -21926,7 +21857,7 @@
                         <m:sSubPr>
                           <m:ctrlPr>
                             <a:rPr lang="pl-PL" i="1" smtClean="0">
-                              <a:latin typeface="Cambria Math"/>
+                              <a:latin typeface="Cambria Math" panose="02040503050406030204" pitchFamily="18" charset="0"/>
                             </a:rPr>
                           </m:ctrlPr>
                         </m:sSubPr>
@@ -22029,7 +21960,7 @@
                         <m:sSubPr>
                           <m:ctrlPr>
                             <a:rPr lang="pl-PL" i="1" smtClean="0">
-                              <a:latin typeface="Cambria Math"/>
+                              <a:latin typeface="Cambria Math" panose="02040503050406030204" pitchFamily="18" charset="0"/>
                             </a:rPr>
                           </m:ctrlPr>
                         </m:sSubPr>
@@ -22132,7 +22063,7 @@
                         <m:sSubPr>
                           <m:ctrlPr>
                             <a:rPr lang="pl-PL" i="1" smtClean="0">
-                              <a:latin typeface="Cambria Math"/>
+                              <a:latin typeface="Cambria Math" panose="02040503050406030204" pitchFamily="18" charset="0"/>
                             </a:rPr>
                           </m:ctrlPr>
                         </m:sSubPr>
@@ -22223,10 +22154,9 @@
           <a:lstStyle/>
           <a:p>
             <a:r>
-              <a:rPr lang="pl-PL" sz="3600" b="1" dirty="0" smtClean="0"/>
+              <a:rPr lang="pl-PL" sz="3600" b="1" dirty="0"/>
               <a:t>0</a:t>
             </a:r>
-            <a:endParaRPr lang="pl-PL" sz="3600" b="1" dirty="0"/>
           </a:p>
         </p:txBody>
       </p:sp>
@@ -22253,10 +22183,9 @@
           <a:lstStyle/>
           <a:p>
             <a:r>
-              <a:rPr lang="pl-PL" sz="3600" b="1" dirty="0" smtClean="0"/>
+              <a:rPr lang="pl-PL" sz="3600" b="1" dirty="0"/>
               <a:t>3</a:t>
             </a:r>
-            <a:endParaRPr lang="pl-PL" sz="3600" b="1" dirty="0"/>
           </a:p>
         </p:txBody>
       </p:sp>
@@ -22283,10 +22212,9 @@
           <a:lstStyle/>
           <a:p>
             <a:r>
-              <a:rPr lang="pl-PL" sz="3600" b="1" dirty="0" smtClean="0"/>
+              <a:rPr lang="pl-PL" sz="3600" b="1" dirty="0"/>
               <a:t>0</a:t>
             </a:r>
-            <a:endParaRPr lang="pl-PL" sz="3600" b="1" dirty="0"/>
           </a:p>
         </p:txBody>
       </p:sp>
@@ -22313,10 +22241,9 @@
           <a:lstStyle/>
           <a:p>
             <a:r>
-              <a:rPr lang="pl-PL" sz="3600" b="1" dirty="0" smtClean="0"/>
+              <a:rPr lang="pl-PL" sz="3600" b="1" dirty="0"/>
               <a:t>6</a:t>
             </a:r>
-            <a:endParaRPr lang="pl-PL" sz="3600" b="1" dirty="0"/>
           </a:p>
         </p:txBody>
       </p:sp>
@@ -22471,10 +22398,9 @@
           <a:lstStyle/>
           <a:p>
             <a:r>
-              <a:rPr lang="pl-PL" dirty="0" smtClean="0"/>
+              <a:rPr lang="pl-PL" dirty="0"/>
               <a:t>T=1</a:t>
             </a:r>
-            <a:endParaRPr lang="pl-PL" dirty="0"/>
           </a:p>
         </p:txBody>
       </p:sp>
@@ -22622,7 +22548,7 @@
                         <m:sSubPr>
                           <m:ctrlPr>
                             <a:rPr lang="pl-PL" i="1" smtClean="0">
-                              <a:latin typeface="Cambria Math"/>
+                              <a:latin typeface="Cambria Math" panose="02040503050406030204" pitchFamily="18" charset="0"/>
                             </a:rPr>
                           </m:ctrlPr>
                         </m:sSubPr>
@@ -22725,7 +22651,7 @@
                         <m:sSubPr>
                           <m:ctrlPr>
                             <a:rPr lang="pl-PL" i="1" smtClean="0">
-                              <a:latin typeface="Cambria Math"/>
+                              <a:latin typeface="Cambria Math" panose="02040503050406030204" pitchFamily="18" charset="0"/>
                             </a:rPr>
                           </m:ctrlPr>
                         </m:sSubPr>
@@ -22962,7 +22888,7 @@
                         <m:sSubPr>
                           <m:ctrlPr>
                             <a:rPr lang="pl-PL" i="1" smtClean="0">
-                              <a:latin typeface="Cambria Math"/>
+                              <a:latin typeface="Cambria Math" panose="02040503050406030204" pitchFamily="18" charset="0"/>
                             </a:rPr>
                           </m:ctrlPr>
                         </m:sSubPr>
@@ -23065,7 +22991,7 @@
                         <m:sSubPr>
                           <m:ctrlPr>
                             <a:rPr lang="pl-PL" i="1" smtClean="0">
-                              <a:latin typeface="Cambria Math"/>
+                              <a:latin typeface="Cambria Math" panose="02040503050406030204" pitchFamily="18" charset="0"/>
                             </a:rPr>
                           </m:ctrlPr>
                         </m:sSubPr>
@@ -23168,7 +23094,7 @@
                         <m:sSubPr>
                           <m:ctrlPr>
                             <a:rPr lang="pl-PL" i="1" smtClean="0">
-                              <a:latin typeface="Cambria Math"/>
+                              <a:latin typeface="Cambria Math" panose="02040503050406030204" pitchFamily="18" charset="0"/>
                             </a:rPr>
                           </m:ctrlPr>
                         </m:sSubPr>
@@ -23271,7 +23197,7 @@
                         <m:sSubPr>
                           <m:ctrlPr>
                             <a:rPr lang="pl-PL" i="1" smtClean="0">
-                              <a:latin typeface="Cambria Math"/>
+                              <a:latin typeface="Cambria Math" panose="02040503050406030204" pitchFamily="18" charset="0"/>
                             </a:rPr>
                           </m:ctrlPr>
                         </m:sSubPr>
@@ -23362,10 +23288,9 @@
           <a:lstStyle/>
           <a:p>
             <a:r>
-              <a:rPr lang="pl-PL" sz="3600" b="1" dirty="0" smtClean="0"/>
+              <a:rPr lang="pl-PL" sz="3600" b="1" dirty="0"/>
               <a:t>0</a:t>
             </a:r>
-            <a:endParaRPr lang="pl-PL" sz="3600" b="1" dirty="0"/>
           </a:p>
         </p:txBody>
       </p:sp>
@@ -23392,10 +23317,9 @@
           <a:lstStyle/>
           <a:p>
             <a:r>
-              <a:rPr lang="pl-PL" sz="3600" b="1" dirty="0" smtClean="0"/>
+              <a:rPr lang="pl-PL" sz="3600" b="1" dirty="0"/>
               <a:t>3</a:t>
             </a:r>
-            <a:endParaRPr lang="pl-PL" sz="3600" b="1" dirty="0"/>
           </a:p>
         </p:txBody>
       </p:sp>
@@ -23422,10 +23346,9 @@
           <a:lstStyle/>
           <a:p>
             <a:r>
-              <a:rPr lang="pl-PL" sz="3600" b="1" dirty="0" smtClean="0"/>
+              <a:rPr lang="pl-PL" sz="3600" b="1" dirty="0"/>
               <a:t>0</a:t>
             </a:r>
-            <a:endParaRPr lang="pl-PL" sz="3600" b="1" dirty="0"/>
           </a:p>
         </p:txBody>
       </p:sp>
@@ -23452,10 +23375,9 @@
           <a:lstStyle/>
           <a:p>
             <a:r>
-              <a:rPr lang="pl-PL" sz="3600" b="1" dirty="0" smtClean="0"/>
+              <a:rPr lang="pl-PL" sz="3600" b="1" dirty="0"/>
               <a:t>6</a:t>
             </a:r>
-            <a:endParaRPr lang="pl-PL" sz="3600" b="1" dirty="0"/>
           </a:p>
         </p:txBody>
       </p:sp>
@@ -23610,10 +23532,9 @@
           <a:lstStyle/>
           <a:p>
             <a:r>
-              <a:rPr lang="pl-PL" dirty="0" smtClean="0"/>
+              <a:rPr lang="pl-PL" dirty="0"/>
               <a:t>T=2</a:t>
             </a:r>
-            <a:endParaRPr lang="pl-PL" dirty="0"/>
           </a:p>
         </p:txBody>
       </p:sp>
@@ -23761,7 +23682,7 @@
                         <m:sSubPr>
                           <m:ctrlPr>
                             <a:rPr lang="pl-PL" i="1" smtClean="0">
-                              <a:latin typeface="Cambria Math"/>
+                              <a:latin typeface="Cambria Math" panose="02040503050406030204" pitchFamily="18" charset="0"/>
                             </a:rPr>
                           </m:ctrlPr>
                         </m:sSubPr>
@@ -23864,7 +23785,7 @@
                         <m:sSubPr>
                           <m:ctrlPr>
                             <a:rPr lang="pl-PL" i="1" smtClean="0">
-                              <a:latin typeface="Cambria Math"/>
+                              <a:latin typeface="Cambria Math" panose="02040503050406030204" pitchFamily="18" charset="0"/>
                             </a:rPr>
                           </m:ctrlPr>
                         </m:sSubPr>
@@ -23955,10 +23876,9 @@
           <a:lstStyle/>
           <a:p>
             <a:r>
-              <a:rPr lang="pl-PL" sz="3600" b="1" dirty="0" smtClean="0"/>
+              <a:rPr lang="pl-PL" sz="3600" b="1" dirty="0"/>
               <a:t>6</a:t>
             </a:r>
-            <a:endParaRPr lang="pl-PL" sz="3600" b="1" dirty="0"/>
           </a:p>
         </p:txBody>
       </p:sp>
@@ -23985,10 +23905,9 @@
           <a:lstStyle/>
           <a:p>
             <a:r>
-              <a:rPr lang="pl-PL" sz="3600" b="1" dirty="0" smtClean="0"/>
+              <a:rPr lang="pl-PL" sz="3600" b="1" dirty="0"/>
               <a:t>0</a:t>
             </a:r>
-            <a:endParaRPr lang="pl-PL" sz="3600" b="1" dirty="0"/>
           </a:p>
         </p:txBody>
       </p:sp>
@@ -24103,7 +24022,7 @@
                         <m:sSubPr>
                           <m:ctrlPr>
                             <a:rPr lang="pl-PL" i="1" smtClean="0">
-                              <a:latin typeface="Cambria Math"/>
+                              <a:latin typeface="Cambria Math" panose="02040503050406030204" pitchFamily="18" charset="0"/>
                             </a:rPr>
                           </m:ctrlPr>
                         </m:sSubPr>
@@ -24206,7 +24125,7 @@
                         <m:sSubPr>
                           <m:ctrlPr>
                             <a:rPr lang="pl-PL" i="1" smtClean="0">
-                              <a:latin typeface="Cambria Math"/>
+                              <a:latin typeface="Cambria Math" panose="02040503050406030204" pitchFamily="18" charset="0"/>
                             </a:rPr>
                           </m:ctrlPr>
                         </m:sSubPr>
@@ -24309,7 +24228,7 @@
                         <m:sSubPr>
                           <m:ctrlPr>
                             <a:rPr lang="pl-PL" i="1" smtClean="0">
-                              <a:latin typeface="Cambria Math"/>
+                              <a:latin typeface="Cambria Math" panose="02040503050406030204" pitchFamily="18" charset="0"/>
                             </a:rPr>
                           </m:ctrlPr>
                         </m:sSubPr>
@@ -24412,7 +24331,7 @@
                         <m:sSubPr>
                           <m:ctrlPr>
                             <a:rPr lang="pl-PL" i="1" smtClean="0">
-                              <a:latin typeface="Cambria Math"/>
+                              <a:latin typeface="Cambria Math" panose="02040503050406030204" pitchFamily="18" charset="0"/>
                             </a:rPr>
                           </m:ctrlPr>
                         </m:sSubPr>
@@ -24503,10 +24422,9 @@
           <a:lstStyle/>
           <a:p>
             <a:r>
-              <a:rPr lang="pl-PL" sz="3600" b="1" dirty="0" smtClean="0"/>
+              <a:rPr lang="pl-PL" sz="3600" b="1" dirty="0"/>
               <a:t>0</a:t>
             </a:r>
-            <a:endParaRPr lang="pl-PL" sz="3600" b="1" dirty="0"/>
           </a:p>
         </p:txBody>
       </p:sp>
@@ -24533,10 +24451,9 @@
           <a:lstStyle/>
           <a:p>
             <a:r>
-              <a:rPr lang="pl-PL" sz="3600" b="1" dirty="0" smtClean="0"/>
+              <a:rPr lang="pl-PL" sz="3600" b="1" dirty="0"/>
               <a:t>3</a:t>
             </a:r>
-            <a:endParaRPr lang="pl-PL" sz="3600" b="1" dirty="0"/>
           </a:p>
         </p:txBody>
       </p:sp>
@@ -24563,10 +24480,9 @@
           <a:lstStyle/>
           <a:p>
             <a:r>
-              <a:rPr lang="pl-PL" sz="3600" b="1" dirty="0" smtClean="0"/>
+              <a:rPr lang="pl-PL" sz="3600" b="1" dirty="0"/>
               <a:t>0</a:t>
             </a:r>
-            <a:endParaRPr lang="pl-PL" sz="3600" b="1" dirty="0"/>
           </a:p>
         </p:txBody>
       </p:sp>
@@ -24593,10 +24509,9 @@
           <a:lstStyle/>
           <a:p>
             <a:r>
-              <a:rPr lang="pl-PL" sz="3600" b="1" dirty="0" smtClean="0"/>
+              <a:rPr lang="pl-PL" sz="3600" b="1" dirty="0"/>
               <a:t>0</a:t>
             </a:r>
-            <a:endParaRPr lang="pl-PL" sz="3600" b="1" dirty="0"/>
           </a:p>
         </p:txBody>
       </p:sp>
@@ -24751,10 +24666,9 @@
           <a:lstStyle/>
           <a:p>
             <a:r>
-              <a:rPr lang="pl-PL" dirty="0" smtClean="0"/>
+              <a:rPr lang="pl-PL" dirty="0"/>
               <a:t>T=3</a:t>
             </a:r>
-            <a:endParaRPr lang="pl-PL" dirty="0"/>
           </a:p>
         </p:txBody>
       </p:sp>
@@ -24902,7 +24816,7 @@
                         <m:sSubPr>
                           <m:ctrlPr>
                             <a:rPr lang="pl-PL" i="1" smtClean="0">
-                              <a:latin typeface="Cambria Math"/>
+                              <a:latin typeface="Cambria Math" panose="02040503050406030204" pitchFamily="18" charset="0"/>
                             </a:rPr>
                           </m:ctrlPr>
                         </m:sSubPr>
@@ -25005,7 +24919,7 @@
                         <m:sSubPr>
                           <m:ctrlPr>
                             <a:rPr lang="pl-PL" i="1" smtClean="0">
-                              <a:latin typeface="Cambria Math"/>
+                              <a:latin typeface="Cambria Math" panose="02040503050406030204" pitchFamily="18" charset="0"/>
                             </a:rPr>
                           </m:ctrlPr>
                         </m:sSubPr>
@@ -25242,7 +25156,7 @@
                         <m:sSubPr>
                           <m:ctrlPr>
                             <a:rPr lang="pl-PL" i="1" smtClean="0">
-                              <a:latin typeface="Cambria Math"/>
+                              <a:latin typeface="Cambria Math" panose="02040503050406030204" pitchFamily="18" charset="0"/>
                             </a:rPr>
                           </m:ctrlPr>
                         </m:sSubPr>
@@ -25345,7 +25259,7 @@
                         <m:sSubPr>
                           <m:ctrlPr>
                             <a:rPr lang="pl-PL" i="1" smtClean="0">
-                              <a:latin typeface="Cambria Math"/>
+                              <a:latin typeface="Cambria Math" panose="02040503050406030204" pitchFamily="18" charset="0"/>
                             </a:rPr>
                           </m:ctrlPr>
                         </m:sSubPr>
@@ -25448,7 +25362,7 @@
                         <m:sSubPr>
                           <m:ctrlPr>
                             <a:rPr lang="pl-PL" i="1" smtClean="0">
-                              <a:latin typeface="Cambria Math"/>
+                              <a:latin typeface="Cambria Math" panose="02040503050406030204" pitchFamily="18" charset="0"/>
                             </a:rPr>
                           </m:ctrlPr>
                         </m:sSubPr>
@@ -25551,7 +25465,7 @@
                         <m:sSubPr>
                           <m:ctrlPr>
                             <a:rPr lang="pl-PL" i="1" smtClean="0">
-                              <a:latin typeface="Cambria Math"/>
+                              <a:latin typeface="Cambria Math" panose="02040503050406030204" pitchFamily="18" charset="0"/>
                             </a:rPr>
                           </m:ctrlPr>
                         </m:sSubPr>
@@ -25671,10 +25585,9 @@
           <a:lstStyle/>
           <a:p>
             <a:r>
-              <a:rPr lang="pl-PL" sz="3600" b="1" dirty="0" smtClean="0"/>
+              <a:rPr lang="pl-PL" sz="3600" b="1" dirty="0"/>
               <a:t>3</a:t>
             </a:r>
-            <a:endParaRPr lang="pl-PL" sz="3600" b="1" dirty="0"/>
           </a:p>
         </p:txBody>
       </p:sp>
@@ -25701,10 +25614,9 @@
           <a:lstStyle/>
           <a:p>
             <a:r>
-              <a:rPr lang="pl-PL" sz="3600" b="1" dirty="0" smtClean="0"/>
+              <a:rPr lang="pl-PL" sz="3600" b="1" dirty="0"/>
               <a:t>0</a:t>
             </a:r>
-            <a:endParaRPr lang="pl-PL" sz="3600" b="1" dirty="0"/>
           </a:p>
         </p:txBody>
       </p:sp>
@@ -25888,10 +25800,9 @@
           <a:lstStyle/>
           <a:p>
             <a:r>
-              <a:rPr lang="pl-PL" dirty="0" smtClean="0"/>
+              <a:rPr lang="pl-PL" dirty="0"/>
               <a:t>T=4</a:t>
             </a:r>
-            <a:endParaRPr lang="pl-PL" dirty="0"/>
           </a:p>
         </p:txBody>
       </p:sp>
@@ -26039,7 +25950,7 @@
                         <m:sSubPr>
                           <m:ctrlPr>
                             <a:rPr lang="pl-PL" i="1" smtClean="0">
-                              <a:latin typeface="Cambria Math"/>
+                              <a:latin typeface="Cambria Math" panose="02040503050406030204" pitchFamily="18" charset="0"/>
                             </a:rPr>
                           </m:ctrlPr>
                         </m:sSubPr>
@@ -26142,7 +26053,7 @@
                         <m:sSubPr>
                           <m:ctrlPr>
                             <a:rPr lang="pl-PL" i="1" smtClean="0">
-                              <a:latin typeface="Cambria Math"/>
+                              <a:latin typeface="Cambria Math" panose="02040503050406030204" pitchFamily="18" charset="0"/>
                             </a:rPr>
                           </m:ctrlPr>
                         </m:sSubPr>
@@ -26262,10 +26173,9 @@
           <a:lstStyle/>
           <a:p>
             <a:r>
-              <a:rPr lang="pl-PL" sz="3600" b="1" dirty="0" smtClean="0"/>
+              <a:rPr lang="pl-PL" sz="3600" b="1" dirty="0"/>
               <a:t>0</a:t>
             </a:r>
-            <a:endParaRPr lang="pl-PL" sz="3600" b="1" dirty="0"/>
           </a:p>
         </p:txBody>
       </p:sp>
@@ -26380,7 +26290,7 @@
                         <m:sSubPr>
                           <m:ctrlPr>
                             <a:rPr lang="pl-PL" i="1" smtClean="0">
-                              <a:latin typeface="Cambria Math"/>
+                              <a:latin typeface="Cambria Math" panose="02040503050406030204" pitchFamily="18" charset="0"/>
                             </a:rPr>
                           </m:ctrlPr>
                         </m:sSubPr>
@@ -26483,7 +26393,7 @@
                         <m:sSubPr>
                           <m:ctrlPr>
                             <a:rPr lang="pl-PL" i="1" smtClean="0">
-                              <a:latin typeface="Cambria Math"/>
+                              <a:latin typeface="Cambria Math" panose="02040503050406030204" pitchFamily="18" charset="0"/>
                             </a:rPr>
                           </m:ctrlPr>
                         </m:sSubPr>
@@ -26586,7 +26496,7 @@
                         <m:sSubPr>
                           <m:ctrlPr>
                             <a:rPr lang="pl-PL" i="1" smtClean="0">
-                              <a:latin typeface="Cambria Math"/>
+                              <a:latin typeface="Cambria Math" panose="02040503050406030204" pitchFamily="18" charset="0"/>
                             </a:rPr>
                           </m:ctrlPr>
                         </m:sSubPr>
@@ -26689,7 +26599,7 @@
                         <m:sSubPr>
                           <m:ctrlPr>
                             <a:rPr lang="pl-PL" i="1" smtClean="0">
-                              <a:latin typeface="Cambria Math"/>
+                              <a:latin typeface="Cambria Math" panose="02040503050406030204" pitchFamily="18" charset="0"/>
                             </a:rPr>
                           </m:ctrlPr>
                         </m:sSubPr>
@@ -26780,10 +26690,9 @@
           <a:lstStyle/>
           <a:p>
             <a:r>
-              <a:rPr lang="pl-PL" sz="3600" b="1" dirty="0" smtClean="0"/>
+              <a:rPr lang="pl-PL" sz="3600" b="1" dirty="0"/>
               <a:t>0</a:t>
             </a:r>
-            <a:endParaRPr lang="pl-PL" sz="3600" b="1" dirty="0"/>
           </a:p>
         </p:txBody>
       </p:sp>
@@ -26839,10 +26748,9 @@
           <a:lstStyle/>
           <a:p>
             <a:r>
-              <a:rPr lang="pl-PL" sz="3600" b="1" dirty="0" smtClean="0"/>
+              <a:rPr lang="pl-PL" sz="3600" b="1" dirty="0"/>
               <a:t>0</a:t>
             </a:r>
-            <a:endParaRPr lang="pl-PL" sz="3600" b="1" dirty="0"/>
           </a:p>
         </p:txBody>
       </p:sp>
@@ -26869,10 +26777,9 @@
           <a:lstStyle/>
           <a:p>
             <a:r>
-              <a:rPr lang="pl-PL" sz="3600" b="1" dirty="0" smtClean="0"/>
+              <a:rPr lang="pl-PL" sz="3600" b="1" dirty="0"/>
               <a:t>0</a:t>
             </a:r>
-            <a:endParaRPr lang="pl-PL" sz="3600" b="1" dirty="0"/>
           </a:p>
         </p:txBody>
       </p:sp>
@@ -27027,10 +26934,9 @@
           <a:lstStyle/>
           <a:p>
             <a:r>
-              <a:rPr lang="pl-PL" dirty="0" smtClean="0"/>
+              <a:rPr lang="pl-PL" dirty="0"/>
               <a:t>T=5</a:t>
             </a:r>
-            <a:endParaRPr lang="pl-PL" dirty="0"/>
           </a:p>
         </p:txBody>
       </p:sp>
@@ -27303,10 +27209,9 @@
           <a:lstStyle/>
           <a:p>
             <a:r>
-              <a:rPr lang="pl-PL" sz="3600" b="1" dirty="0" smtClean="0"/>
+              <a:rPr lang="pl-PL" sz="3600" b="1" dirty="0"/>
               <a:t>2</a:t>
             </a:r>
-            <a:endParaRPr lang="pl-PL" sz="3600" b="1" dirty="0"/>
           </a:p>
         </p:txBody>
       </p:sp>
@@ -27333,10 +27238,9 @@
           <a:lstStyle/>
           <a:p>
             <a:r>
-              <a:rPr lang="pl-PL" sz="3600" b="1" dirty="0" smtClean="0"/>
+              <a:rPr lang="pl-PL" sz="3600" b="1" dirty="0"/>
               <a:t>4</a:t>
             </a:r>
-            <a:endParaRPr lang="pl-PL" sz="3600" b="1" dirty="0"/>
           </a:p>
         </p:txBody>
       </p:sp>
@@ -27363,10 +27267,9 @@
           <a:lstStyle/>
           <a:p>
             <a:r>
-              <a:rPr lang="pl-PL" sz="3600" b="1" dirty="0" smtClean="0"/>
+              <a:rPr lang="pl-PL" sz="3600" b="1" dirty="0"/>
               <a:t>3</a:t>
             </a:r>
-            <a:endParaRPr lang="pl-PL" sz="3600" b="1" dirty="0"/>
           </a:p>
         </p:txBody>
       </p:sp>
@@ -27393,10 +27296,9 @@
           <a:lstStyle/>
           <a:p>
             <a:r>
-              <a:rPr lang="pl-PL" sz="3600" b="1" dirty="0" smtClean="0"/>
+              <a:rPr lang="pl-PL" sz="3600" b="1" dirty="0"/>
               <a:t>0</a:t>
             </a:r>
-            <a:endParaRPr lang="pl-PL" sz="3600" b="1" dirty="0"/>
           </a:p>
         </p:txBody>
       </p:sp>
@@ -27435,7 +27337,7 @@
                         <m:sSubPr>
                           <m:ctrlPr>
                             <a:rPr lang="pl-PL" i="1" smtClean="0">
-                              <a:latin typeface="Cambria Math"/>
+                              <a:latin typeface="Cambria Math" panose="02040503050406030204" pitchFamily="18" charset="0"/>
                             </a:rPr>
                           </m:ctrlPr>
                         </m:sSubPr>
@@ -27538,7 +27440,7 @@
                         <m:sSubPr>
                           <m:ctrlPr>
                             <a:rPr lang="pl-PL" i="1" smtClean="0">
-                              <a:latin typeface="Cambria Math"/>
+                              <a:latin typeface="Cambria Math" panose="02040503050406030204" pitchFamily="18" charset="0"/>
                             </a:rPr>
                           </m:ctrlPr>
                         </m:sSubPr>
@@ -27641,7 +27543,7 @@
                         <m:sSubPr>
                           <m:ctrlPr>
                             <a:rPr lang="pl-PL" i="1" smtClean="0">
-                              <a:latin typeface="Cambria Math"/>
+                              <a:latin typeface="Cambria Math" panose="02040503050406030204" pitchFamily="18" charset="0"/>
                             </a:rPr>
                           </m:ctrlPr>
                         </m:sSubPr>
@@ -27744,7 +27646,7 @@
                         <m:sSubPr>
                           <m:ctrlPr>
                             <a:rPr lang="pl-PL" i="1" smtClean="0">
-                              <a:latin typeface="Cambria Math"/>
+                              <a:latin typeface="Cambria Math" panose="02040503050406030204" pitchFamily="18" charset="0"/>
                             </a:rPr>
                           </m:ctrlPr>
                         </m:sSubPr>
@@ -28139,10 +28041,9 @@
           <a:lstStyle/>
           <a:p>
             <a:r>
-              <a:rPr lang="pl-PL" sz="3600" b="1" dirty="0" smtClean="0"/>
+              <a:rPr lang="pl-PL" sz="3600" b="1" dirty="0"/>
               <a:t>4</a:t>
             </a:r>
-            <a:endParaRPr lang="pl-PL" sz="3600" b="1" dirty="0"/>
           </a:p>
         </p:txBody>
       </p:sp>
@@ -28169,10 +28070,9 @@
           <a:lstStyle/>
           <a:p>
             <a:r>
-              <a:rPr lang="pl-PL" sz="3600" b="1" dirty="0" smtClean="0"/>
+              <a:rPr lang="pl-PL" sz="3600" b="1" dirty="0"/>
               <a:t>3</a:t>
             </a:r>
-            <a:endParaRPr lang="pl-PL" sz="3600" b="1" dirty="0"/>
           </a:p>
         </p:txBody>
       </p:sp>
@@ -28211,7 +28111,7 @@
                         <m:sSubPr>
                           <m:ctrlPr>
                             <a:rPr lang="pl-PL" i="1" smtClean="0">
-                              <a:latin typeface="Cambria Math"/>
+                              <a:latin typeface="Cambria Math" panose="02040503050406030204" pitchFamily="18" charset="0"/>
                             </a:rPr>
                           </m:ctrlPr>
                         </m:sSubPr>
@@ -28314,7 +28214,7 @@
                         <m:sSubPr>
                           <m:ctrlPr>
                             <a:rPr lang="pl-PL" i="1" smtClean="0">
-                              <a:latin typeface="Cambria Math"/>
+                              <a:latin typeface="Cambria Math" panose="02040503050406030204" pitchFamily="18" charset="0"/>
                             </a:rPr>
                           </m:ctrlPr>
                         </m:sSubPr>
@@ -28417,7 +28317,7 @@
                         <m:sSubPr>
                           <m:ctrlPr>
                             <a:rPr lang="pl-PL" i="1" smtClean="0">
-                              <a:latin typeface="Cambria Math"/>
+                              <a:latin typeface="Cambria Math" panose="02040503050406030204" pitchFamily="18" charset="0"/>
                             </a:rPr>
                           </m:ctrlPr>
                         </m:sSubPr>
@@ -28520,7 +28420,7 @@
                         <m:sSubPr>
                           <m:ctrlPr>
                             <a:rPr lang="pl-PL" i="1" smtClean="0">
-                              <a:latin typeface="Cambria Math"/>
+                              <a:latin typeface="Cambria Math" panose="02040503050406030204" pitchFamily="18" charset="0"/>
                             </a:rPr>
                           </m:ctrlPr>
                         </m:sSubPr>
@@ -28857,10 +28757,9 @@
           <a:lstStyle/>
           <a:p>
             <a:r>
-              <a:rPr lang="pl-PL" sz="3600" b="1" dirty="0" smtClean="0"/>
+              <a:rPr lang="pl-PL" sz="3600" b="1" dirty="0"/>
               <a:t>1</a:t>
             </a:r>
-            <a:endParaRPr lang="pl-PL" sz="3600" b="1" dirty="0"/>
           </a:p>
         </p:txBody>
       </p:sp>
@@ -28887,10 +28786,9 @@
           <a:lstStyle/>
           <a:p>
             <a:r>
-              <a:rPr lang="pl-PL" sz="3600" b="1" dirty="0" smtClean="0"/>
+              <a:rPr lang="pl-PL" sz="3600" b="1" dirty="0"/>
               <a:t>6</a:t>
             </a:r>
-            <a:endParaRPr lang="pl-PL" sz="3600" b="1" dirty="0"/>
           </a:p>
         </p:txBody>
       </p:sp>
@@ -28917,10 +28815,9 @@
           <a:lstStyle/>
           <a:p>
             <a:r>
-              <a:rPr lang="pl-PL" sz="3600" b="1" dirty="0" smtClean="0"/>
+              <a:rPr lang="pl-PL" sz="3600" b="1" dirty="0"/>
               <a:t>2</a:t>
             </a:r>
-            <a:endParaRPr lang="pl-PL" sz="3600" b="1" dirty="0"/>
           </a:p>
         </p:txBody>
       </p:sp>
@@ -28988,7 +28885,7 @@
                         <m:sSubPr>
                           <m:ctrlPr>
                             <a:rPr lang="pl-PL" i="1" smtClean="0">
-                              <a:latin typeface="Cambria Math"/>
+                              <a:latin typeface="Cambria Math" panose="02040503050406030204" pitchFamily="18" charset="0"/>
                             </a:rPr>
                           </m:ctrlPr>
                         </m:sSubPr>
@@ -29091,7 +28988,7 @@
                         <m:sSubPr>
                           <m:ctrlPr>
                             <a:rPr lang="pl-PL" i="1" smtClean="0">
-                              <a:latin typeface="Cambria Math"/>
+                              <a:latin typeface="Cambria Math" panose="02040503050406030204" pitchFamily="18" charset="0"/>
                             </a:rPr>
                           </m:ctrlPr>
                         </m:sSubPr>
@@ -29194,7 +29091,7 @@
                         <m:sSubPr>
                           <m:ctrlPr>
                             <a:rPr lang="pl-PL" i="1" smtClean="0">
-                              <a:latin typeface="Cambria Math"/>
+                              <a:latin typeface="Cambria Math" panose="02040503050406030204" pitchFamily="18" charset="0"/>
                             </a:rPr>
                           </m:ctrlPr>
                         </m:sSubPr>
@@ -29297,7 +29194,7 @@
                         <m:sSubPr>
                           <m:ctrlPr>
                             <a:rPr lang="pl-PL" i="1" smtClean="0">
-                              <a:latin typeface="Cambria Math"/>
+                              <a:latin typeface="Cambria Math" panose="02040503050406030204" pitchFamily="18" charset="0"/>
                             </a:rPr>
                           </m:ctrlPr>
                         </m:sSubPr>
@@ -30652,10 +30549,9 @@
           <a:lstStyle/>
           <a:p>
             <a:r>
-              <a:rPr lang="pl-PL" sz="2000" b="1" dirty="0" smtClean="0"/>
+              <a:rPr lang="pl-PL" sz="2000" b="1" dirty="0"/>
               <a:t>2</a:t>
             </a:r>
-            <a:endParaRPr lang="pl-PL" sz="2000" b="1" dirty="0"/>
           </a:p>
         </p:txBody>
       </p:sp>
@@ -30682,10 +30578,9 @@
           <a:lstStyle/>
           <a:p>
             <a:r>
-              <a:rPr lang="pl-PL" sz="2000" b="1" dirty="0" smtClean="0"/>
+              <a:rPr lang="pl-PL" sz="2000" b="1" dirty="0"/>
               <a:t>2</a:t>
             </a:r>
-            <a:endParaRPr lang="pl-PL" sz="2000" b="1" dirty="0"/>
           </a:p>
         </p:txBody>
       </p:sp>
@@ -30741,10 +30636,9 @@
           <a:lstStyle/>
           <a:p>
             <a:r>
-              <a:rPr lang="pl-PL" sz="2000" b="1" dirty="0" smtClean="0"/>
+              <a:rPr lang="pl-PL" sz="2000" b="1" dirty="0"/>
               <a:t>6</a:t>
             </a:r>
-            <a:endParaRPr lang="pl-PL" sz="2000" b="1" dirty="0"/>
           </a:p>
         </p:txBody>
       </p:sp>
@@ -30771,10 +30665,9 @@
           <a:lstStyle/>
           <a:p>
             <a:r>
-              <a:rPr lang="pl-PL" sz="2000" b="1" dirty="0" smtClean="0"/>
+              <a:rPr lang="pl-PL" sz="2000" b="1" dirty="0"/>
               <a:t>4</a:t>
             </a:r>
-            <a:endParaRPr lang="pl-PL" sz="2000" b="1" dirty="0"/>
           </a:p>
         </p:txBody>
       </p:sp>
@@ -30801,10 +30694,9 @@
           <a:lstStyle/>
           <a:p>
             <a:r>
-              <a:rPr lang="pl-PL" sz="2000" b="1" dirty="0" smtClean="0"/>
+              <a:rPr lang="pl-PL" sz="2000" b="1" dirty="0"/>
               <a:t>8</a:t>
             </a:r>
-            <a:endParaRPr lang="pl-PL" sz="2000" b="1" dirty="0"/>
           </a:p>
         </p:txBody>
       </p:sp>
@@ -30831,10 +30723,9 @@
           <a:lstStyle/>
           <a:p>
             <a:r>
-              <a:rPr lang="pl-PL" sz="2000" b="1" dirty="0" smtClean="0"/>
+              <a:rPr lang="pl-PL" sz="2000" b="1" dirty="0"/>
               <a:t>1</a:t>
             </a:r>
-            <a:endParaRPr lang="pl-PL" sz="2000" b="1" dirty="0"/>
           </a:p>
         </p:txBody>
       </p:sp>
@@ -31115,10 +31006,9 @@
           <a:lstStyle/>
           <a:p>
             <a:r>
-              <a:rPr lang="pl-PL" dirty="0" smtClean="0"/>
+              <a:rPr lang="pl-PL" dirty="0"/>
               <a:t>50%</a:t>
             </a:r>
-            <a:endParaRPr lang="pl-PL" dirty="0"/>
           </a:p>
         </p:txBody>
       </p:sp>
@@ -31178,10 +31068,9 @@
           <a:lstStyle/>
           <a:p>
             <a:r>
-              <a:rPr lang="pl-PL" dirty="0" smtClean="0"/>
+              <a:rPr lang="pl-PL" dirty="0"/>
               <a:t>50%</a:t>
             </a:r>
-            <a:endParaRPr lang="pl-PL" dirty="0"/>
           </a:p>
         </p:txBody>
       </p:sp>
@@ -31208,10 +31097,9 @@
           <a:lstStyle/>
           <a:p>
             <a:r>
-              <a:rPr lang="pl-PL" sz="2000" b="1" dirty="0" smtClean="0"/>
+              <a:rPr lang="pl-PL" sz="2000" b="1" dirty="0"/>
               <a:t>5</a:t>
             </a:r>
-            <a:endParaRPr lang="pl-PL" sz="2000" b="1" dirty="0"/>
           </a:p>
         </p:txBody>
       </p:sp>
@@ -31238,10 +31126,9 @@
           <a:lstStyle/>
           <a:p>
             <a:r>
-              <a:rPr lang="pl-PL" sz="2000" b="1" dirty="0" smtClean="0"/>
+              <a:rPr lang="pl-PL" sz="2000" b="1" dirty="0"/>
               <a:t>3</a:t>
             </a:r>
-            <a:endParaRPr lang="pl-PL" sz="2000" b="1" dirty="0"/>
           </a:p>
         </p:txBody>
       </p:sp>
@@ -31280,7 +31167,7 @@
                         <m:sSubPr>
                           <m:ctrlPr>
                             <a:rPr lang="pl-PL" sz="1600" i="1" smtClean="0">
-                              <a:latin typeface="Cambria Math"/>
+                              <a:latin typeface="Cambria Math" panose="02040503050406030204" pitchFamily="18" charset="0"/>
                             </a:rPr>
                           </m:ctrlPr>
                         </m:sSubPr>
@@ -31383,7 +31270,7 @@
                         <m:sSubPr>
                           <m:ctrlPr>
                             <a:rPr lang="pl-PL" i="1" smtClean="0">
-                              <a:latin typeface="Cambria Math"/>
+                              <a:latin typeface="Cambria Math" panose="02040503050406030204" pitchFamily="18" charset="0"/>
                             </a:rPr>
                           </m:ctrlPr>
                         </m:sSubPr>
@@ -31486,7 +31373,7 @@
                         <m:sSubPr>
                           <m:ctrlPr>
                             <a:rPr lang="pl-PL" i="1" smtClean="0">
-                              <a:latin typeface="Cambria Math"/>
+                              <a:latin typeface="Cambria Math" panose="02040503050406030204" pitchFamily="18" charset="0"/>
                             </a:rPr>
                           </m:ctrlPr>
                         </m:sSubPr>
@@ -31589,7 +31476,7 @@
                         <m:sSubPr>
                           <m:ctrlPr>
                             <a:rPr lang="pl-PL" i="1" smtClean="0">
-                              <a:latin typeface="Cambria Math"/>
+                              <a:latin typeface="Cambria Math" panose="02040503050406030204" pitchFamily="18" charset="0"/>
                             </a:rPr>
                           </m:ctrlPr>
                         </m:sSubPr>
@@ -31692,7 +31579,7 @@
                         <m:sSubPr>
                           <m:ctrlPr>
                             <a:rPr lang="pl-PL" i="1" smtClean="0">
-                              <a:latin typeface="Cambria Math"/>
+                              <a:latin typeface="Cambria Math" panose="02040503050406030204" pitchFamily="18" charset="0"/>
                             </a:rPr>
                           </m:ctrlPr>
                         </m:sSubPr>
@@ -31795,7 +31682,7 @@
                         <m:sSubPr>
                           <m:ctrlPr>
                             <a:rPr lang="pl-PL" i="1" smtClean="0">
-                              <a:latin typeface="Cambria Math"/>
+                              <a:latin typeface="Cambria Math" panose="02040503050406030204" pitchFamily="18" charset="0"/>
                             </a:rPr>
                           </m:ctrlPr>
                         </m:sSubPr>
@@ -31898,7 +31785,7 @@
                         <m:sSubPr>
                           <m:ctrlPr>
                             <a:rPr lang="pl-PL" i="1" smtClean="0">
-                              <a:latin typeface="Cambria Math"/>
+                              <a:latin typeface="Cambria Math" panose="02040503050406030204" pitchFamily="18" charset="0"/>
                             </a:rPr>
                           </m:ctrlPr>
                         </m:sSubPr>
@@ -32001,7 +31888,7 @@
                         <m:sSubPr>
                           <m:ctrlPr>
                             <a:rPr lang="pl-PL" i="1" smtClean="0">
-                              <a:latin typeface="Cambria Math"/>
+                              <a:latin typeface="Cambria Math" panose="02040503050406030204" pitchFamily="18" charset="0"/>
                             </a:rPr>
                           </m:ctrlPr>
                         </m:sSubPr>
@@ -32104,7 +31991,7 @@
                         <m:sSubPr>
                           <m:ctrlPr>
                             <a:rPr lang="pl-PL" i="1" smtClean="0">
-                              <a:latin typeface="Cambria Math"/>
+                              <a:latin typeface="Cambria Math" panose="02040503050406030204" pitchFamily="18" charset="0"/>
                             </a:rPr>
                           </m:ctrlPr>
                         </m:sSubPr>
@@ -32207,7 +32094,7 @@
                         <m:sSubPr>
                           <m:ctrlPr>
                             <a:rPr lang="pl-PL" i="1" smtClean="0">
-                              <a:latin typeface="Cambria Math"/>
+                              <a:latin typeface="Cambria Math" panose="02040503050406030204" pitchFamily="18" charset="0"/>
                             </a:rPr>
                           </m:ctrlPr>
                         </m:sSubPr>
@@ -32687,10 +32574,9 @@
           <a:lstStyle/>
           <a:p>
             <a:r>
-              <a:rPr lang="pl-PL" sz="2000" b="1" dirty="0" smtClean="0"/>
+              <a:rPr lang="pl-PL" sz="2000" b="1" dirty="0"/>
               <a:t>2</a:t>
             </a:r>
-            <a:endParaRPr lang="pl-PL" sz="2000" b="1" dirty="0"/>
           </a:p>
         </p:txBody>
       </p:sp>
@@ -32717,10 +32603,9 @@
           <a:lstStyle/>
           <a:p>
             <a:r>
-              <a:rPr lang="pl-PL" sz="2000" b="1" dirty="0" smtClean="0"/>
+              <a:rPr lang="pl-PL" sz="2000" b="1" dirty="0"/>
               <a:t>3</a:t>
             </a:r>
-            <a:endParaRPr lang="pl-PL" sz="2000" b="1" dirty="0"/>
           </a:p>
         </p:txBody>
       </p:sp>
@@ -32747,10 +32632,9 @@
           <a:lstStyle/>
           <a:p>
             <a:r>
-              <a:rPr lang="pl-PL" sz="2000" b="1" dirty="0" smtClean="0"/>
+              <a:rPr lang="pl-PL" sz="2000" b="1" dirty="0"/>
               <a:t>1</a:t>
             </a:r>
-            <a:endParaRPr lang="pl-PL" sz="2000" b="1" dirty="0"/>
           </a:p>
         </p:txBody>
       </p:sp>
@@ -32777,10 +32661,9 @@
           <a:lstStyle/>
           <a:p>
             <a:r>
-              <a:rPr lang="pl-PL" sz="2000" b="1" dirty="0" smtClean="0"/>
+              <a:rPr lang="pl-PL" sz="2000" b="1" dirty="0"/>
               <a:t>2</a:t>
             </a:r>
-            <a:endParaRPr lang="pl-PL" sz="2000" b="1" dirty="0"/>
           </a:p>
         </p:txBody>
       </p:sp>
@@ -32807,10 +32690,9 @@
           <a:lstStyle/>
           <a:p>
             <a:r>
-              <a:rPr lang="pl-PL" sz="2000" b="1" dirty="0" smtClean="0"/>
+              <a:rPr lang="pl-PL" sz="2000" b="1" dirty="0"/>
               <a:t>3</a:t>
             </a:r>
-            <a:endParaRPr lang="pl-PL" sz="2000" b="1" dirty="0"/>
           </a:p>
         </p:txBody>
       </p:sp>
@@ -32837,10 +32719,9 @@
           <a:lstStyle/>
           <a:p>
             <a:r>
-              <a:rPr lang="pl-PL" sz="2000" b="1" dirty="0" smtClean="0"/>
+              <a:rPr lang="pl-PL" sz="2000" b="1" dirty="0"/>
               <a:t>1</a:t>
             </a:r>
-            <a:endParaRPr lang="pl-PL" sz="2000" b="1" dirty="0"/>
           </a:p>
         </p:txBody>
       </p:sp>
@@ -32867,10 +32748,9 @@
           <a:lstStyle/>
           <a:p>
             <a:r>
-              <a:rPr lang="pl-PL" sz="2000" b="1" dirty="0" smtClean="0"/>
+              <a:rPr lang="pl-PL" sz="2000" b="1" dirty="0"/>
               <a:t>3</a:t>
             </a:r>
-            <a:endParaRPr lang="pl-PL" sz="2000" b="1" dirty="0"/>
           </a:p>
         </p:txBody>
       </p:sp>
@@ -32995,13 +32875,8 @@
           <a:p>
             <a:r>
               <a:rPr lang="pl-PL" dirty="0"/>
-              <a:t>3</a:t>
+              <a:t>30%</a:t>
             </a:r>
-            <a:r>
-              <a:rPr lang="pl-PL" dirty="0" smtClean="0"/>
-              <a:t>0%</a:t>
-            </a:r>
-            <a:endParaRPr lang="pl-PL" dirty="0"/>
           </a:p>
         </p:txBody>
       </p:sp>
@@ -33062,13 +32937,8 @@
           <a:p>
             <a:r>
               <a:rPr lang="pl-PL" dirty="0"/>
-              <a:t>7</a:t>
+              <a:t>70%</a:t>
             </a:r>
-            <a:r>
-              <a:rPr lang="pl-PL" dirty="0" smtClean="0"/>
-              <a:t>0%</a:t>
-            </a:r>
-            <a:endParaRPr lang="pl-PL" dirty="0"/>
           </a:p>
         </p:txBody>
       </p:sp>
@@ -33095,10 +32965,9 @@
           <a:lstStyle/>
           <a:p>
             <a:r>
-              <a:rPr lang="pl-PL" sz="2000" b="1" dirty="0" smtClean="0"/>
+              <a:rPr lang="pl-PL" sz="2000" b="1" dirty="0"/>
               <a:t>1</a:t>
             </a:r>
-            <a:endParaRPr lang="pl-PL" sz="2000" b="1" dirty="0"/>
           </a:p>
         </p:txBody>
       </p:sp>
@@ -33125,10 +32994,9 @@
           <a:lstStyle/>
           <a:p>
             <a:r>
-              <a:rPr lang="pl-PL" sz="2000" b="1" dirty="0" smtClean="0"/>
+              <a:rPr lang="pl-PL" sz="2000" b="1" dirty="0"/>
               <a:t>2</a:t>
             </a:r>
-            <a:endParaRPr lang="pl-PL" sz="2000" b="1" dirty="0"/>
           </a:p>
         </p:txBody>
       </p:sp>
@@ -33995,10 +33863,9 @@
           <a:lstStyle/>
           <a:p>
             <a:r>
-              <a:rPr lang="pl-PL" dirty="0" smtClean="0"/>
+              <a:rPr lang="pl-PL" dirty="0"/>
               <a:t> t=0</a:t>
             </a:r>
-            <a:endParaRPr lang="pl-PL" dirty="0"/>
           </a:p>
         </p:txBody>
       </p:sp>
@@ -34513,10 +34380,9 @@
           <a:lstStyle/>
           <a:p>
             <a:r>
-              <a:rPr lang="pl-PL" sz="2000" b="1" dirty="0" smtClean="0"/>
+              <a:rPr lang="pl-PL" sz="2000" b="1" dirty="0"/>
               <a:t>2</a:t>
             </a:r>
-            <a:endParaRPr lang="pl-PL" sz="2000" b="1" dirty="0"/>
           </a:p>
         </p:txBody>
       </p:sp>
@@ -34543,10 +34409,9 @@
           <a:lstStyle/>
           <a:p>
             <a:r>
-              <a:rPr lang="pl-PL" sz="2000" b="1" dirty="0" smtClean="0"/>
+              <a:rPr lang="pl-PL" sz="2000" b="1" dirty="0"/>
               <a:t>1</a:t>
             </a:r>
-            <a:endParaRPr lang="pl-PL" sz="2000" b="1" dirty="0"/>
           </a:p>
         </p:txBody>
       </p:sp>
@@ -34573,10 +34438,9 @@
           <a:lstStyle/>
           <a:p>
             <a:r>
-              <a:rPr lang="pl-PL" sz="2000" b="1" dirty="0" smtClean="0"/>
+              <a:rPr lang="pl-PL" sz="2000" b="1" dirty="0"/>
               <a:t>1</a:t>
             </a:r>
-            <a:endParaRPr lang="pl-PL" sz="2000" b="1" dirty="0"/>
           </a:p>
         </p:txBody>
       </p:sp>
@@ -34603,10 +34467,9 @@
           <a:lstStyle/>
           <a:p>
             <a:r>
-              <a:rPr lang="pl-PL" sz="2000" b="1" dirty="0" smtClean="0"/>
+              <a:rPr lang="pl-PL" sz="2000" b="1" dirty="0"/>
               <a:t>1</a:t>
             </a:r>
-            <a:endParaRPr lang="pl-PL" sz="2000" b="1" dirty="0"/>
           </a:p>
         </p:txBody>
       </p:sp>
@@ -34633,10 +34496,9 @@
           <a:lstStyle/>
           <a:p>
             <a:r>
-              <a:rPr lang="pl-PL" sz="2000" b="1" dirty="0" smtClean="0"/>
+              <a:rPr lang="pl-PL" sz="2000" b="1" dirty="0"/>
               <a:t>2</a:t>
             </a:r>
-            <a:endParaRPr lang="pl-PL" sz="2000" b="1" dirty="0"/>
           </a:p>
         </p:txBody>
       </p:sp>
@@ -34663,10 +34525,9 @@
           <a:lstStyle/>
           <a:p>
             <a:r>
-              <a:rPr lang="pl-PL" sz="2000" b="1" dirty="0" smtClean="0"/>
+              <a:rPr lang="pl-PL" sz="2000" b="1" dirty="0"/>
               <a:t>2</a:t>
             </a:r>
-            <a:endParaRPr lang="pl-PL" sz="2000" b="1" dirty="0"/>
           </a:p>
         </p:txBody>
       </p:sp>
@@ -34693,10 +34554,9 @@
           <a:lstStyle/>
           <a:p>
             <a:r>
-              <a:rPr lang="pl-PL" sz="2000" b="1" dirty="0" smtClean="0"/>
+              <a:rPr lang="pl-PL" sz="2000" b="1" dirty="0"/>
               <a:t>0</a:t>
             </a:r>
-            <a:endParaRPr lang="pl-PL" sz="2000" b="1" dirty="0"/>
           </a:p>
         </p:txBody>
       </p:sp>
@@ -34723,10 +34583,9 @@
           <a:lstStyle/>
           <a:p>
             <a:r>
-              <a:rPr lang="pl-PL" sz="2000" b="1" dirty="0" smtClean="0"/>
+              <a:rPr lang="pl-PL" sz="2000" b="1" dirty="0"/>
               <a:t>2.1</a:t>
             </a:r>
-            <a:endParaRPr lang="pl-PL" sz="2000" b="1" dirty="0"/>
           </a:p>
         </p:txBody>
       </p:sp>
@@ -34979,13 +34838,8 @@
           <a:p>
             <a:r>
               <a:rPr lang="pl-PL" dirty="0"/>
-              <a:t>3</a:t>
+              <a:t>30%</a:t>
             </a:r>
-            <a:r>
-              <a:rPr lang="pl-PL" dirty="0" smtClean="0"/>
-              <a:t>0%</a:t>
-            </a:r>
-            <a:endParaRPr lang="pl-PL" dirty="0"/>
           </a:p>
         </p:txBody>
       </p:sp>
@@ -35046,13 +34900,8 @@
           <a:p>
             <a:r>
               <a:rPr lang="pl-PL" dirty="0"/>
-              <a:t>7</a:t>
+              <a:t>70%</a:t>
             </a:r>
-            <a:r>
-              <a:rPr lang="pl-PL" dirty="0" smtClean="0"/>
-              <a:t>0%</a:t>
-            </a:r>
-            <a:endParaRPr lang="pl-PL" dirty="0"/>
           </a:p>
         </p:txBody>
       </p:sp>
@@ -35079,10 +34928,9 @@
           <a:lstStyle/>
           <a:p>
             <a:r>
-              <a:rPr lang="pl-PL" sz="2000" b="1" dirty="0" smtClean="0"/>
+              <a:rPr lang="pl-PL" sz="2000" b="1" dirty="0"/>
               <a:t>3</a:t>
             </a:r>
-            <a:endParaRPr lang="pl-PL" sz="2000" b="1" dirty="0"/>
           </a:p>
         </p:txBody>
       </p:sp>
@@ -35109,10 +34957,9 @@
           <a:lstStyle/>
           <a:p>
             <a:r>
-              <a:rPr lang="pl-PL" sz="2000" b="1" dirty="0" smtClean="0"/>
+              <a:rPr lang="pl-PL" sz="2000" b="1" dirty="0"/>
               <a:t>1</a:t>
             </a:r>
-            <a:endParaRPr lang="pl-PL" sz="2000" b="1" dirty="0"/>
           </a:p>
         </p:txBody>
       </p:sp>
@@ -35979,10 +35826,9 @@
           <a:lstStyle/>
           <a:p>
             <a:r>
-              <a:rPr lang="pl-PL" dirty="0" smtClean="0"/>
+              <a:rPr lang="pl-PL" dirty="0"/>
               <a:t> t=1</a:t>
             </a:r>
-            <a:endParaRPr lang="pl-PL" dirty="0"/>
           </a:p>
         </p:txBody>
       </p:sp>
@@ -39837,7 +39683,7 @@
           <a:lstStyle/>
           <a:p>
             <a:pPr algn="ctr"/>
-            <a:endParaRPr lang="pl-PL">
+            <a:endParaRPr lang="pl-PL" dirty="0">
               <a:solidFill>
                 <a:schemeClr val="tx1"/>
               </a:solidFill>
@@ -39847,76 +39693,15 @@
       </p:sp>
       <p:sp>
         <p:nvSpPr>
-          <p:cNvPr id="5" name="Bent Arrow 4"/>
+          <p:cNvPr id="7" name="Up Arrow 6"/>
           <p:cNvSpPr>
             <a:spLocks/>
           </p:cNvSpPr>
           <p:nvPr/>
         </p:nvSpPr>
         <p:spPr>
-          <a:xfrm rot="5400000" flipH="1">
-            <a:off x="2555776" y="260684"/>
-            <a:ext cx="432048" cy="576064"/>
-          </a:xfrm>
-          <a:prstGeom prst="bentArrow">
-            <a:avLst>
-              <a:gd name="adj1" fmla="val 25000"/>
-              <a:gd name="adj2" fmla="val 27645"/>
-              <a:gd name="adj3" fmla="val 50000"/>
-              <a:gd name="adj4" fmla="val 43750"/>
-            </a:avLst>
-          </a:prstGeom>
-          <a:solidFill>
-            <a:srgbClr val="00CC00"/>
-          </a:solidFill>
-          <a:ln>
-            <a:solidFill>
-              <a:schemeClr val="accent3">
-                <a:lumMod val="50000"/>
-              </a:schemeClr>
-            </a:solidFill>
-          </a:ln>
-        </p:spPr>
-        <p:style>
-          <a:lnRef idx="2">
-            <a:schemeClr val="accent3">
-              <a:shade val="50000"/>
-            </a:schemeClr>
-          </a:lnRef>
-          <a:fillRef idx="1">
-            <a:schemeClr val="accent3"/>
-          </a:fillRef>
-          <a:effectRef idx="0">
-            <a:schemeClr val="accent3"/>
-          </a:effectRef>
-          <a:fontRef idx="minor">
-            <a:schemeClr val="lt1"/>
-          </a:fontRef>
-        </p:style>
-        <p:txBody>
-          <a:bodyPr rtlCol="0" anchor="ctr"/>
-          <a:lstStyle/>
-          <a:p>
-            <a:pPr algn="ctr"/>
-            <a:endParaRPr lang="pl-PL">
-              <a:solidFill>
-                <a:schemeClr val="tx1"/>
-              </a:solidFill>
-            </a:endParaRPr>
-          </a:p>
-        </p:txBody>
-      </p:sp>
-      <p:sp>
-        <p:nvSpPr>
-          <p:cNvPr id="6" name="Up Arrow 5"/>
-          <p:cNvSpPr>
-            <a:spLocks/>
-          </p:cNvSpPr>
-          <p:nvPr/>
-        </p:nvSpPr>
-        <p:spPr>
-          <a:xfrm rot="5400000">
-            <a:off x="2744581" y="953586"/>
+          <a:xfrm>
+            <a:off x="1776889" y="953587"/>
             <a:ext cx="198453" cy="432048"/>
           </a:xfrm>
           <a:prstGeom prst="upArrow">
@@ -39963,180 +39748,15 @@
       </p:sp>
       <p:sp>
         <p:nvSpPr>
-          <p:cNvPr id="7" name="Up Arrow 6"/>
+          <p:cNvPr id="11" name="Bent Arrow 10"/>
           <p:cNvSpPr>
             <a:spLocks/>
           </p:cNvSpPr>
           <p:nvPr/>
         </p:nvSpPr>
         <p:spPr>
-          <a:xfrm>
-            <a:off x="1776889" y="953587"/>
-            <a:ext cx="198453" cy="432048"/>
-          </a:xfrm>
-          <a:prstGeom prst="upArrow">
-            <a:avLst>
-              <a:gd name="adj1" fmla="val 31999"/>
-              <a:gd name="adj2" fmla="val 68312"/>
-            </a:avLst>
-          </a:prstGeom>
-          <a:solidFill>
-            <a:srgbClr val="00CC00"/>
-          </a:solidFill>
-          <a:ln>
-            <a:solidFill>
-              <a:schemeClr val="accent3">
-                <a:lumMod val="50000"/>
-              </a:schemeClr>
-            </a:solidFill>
-          </a:ln>
-        </p:spPr>
-        <p:style>
-          <a:lnRef idx="2">
-            <a:schemeClr val="accent3">
-              <a:shade val="50000"/>
-            </a:schemeClr>
-          </a:lnRef>
-          <a:fillRef idx="1">
-            <a:schemeClr val="accent3"/>
-          </a:fillRef>
-          <a:effectRef idx="0">
-            <a:schemeClr val="accent3"/>
-          </a:effectRef>
-          <a:fontRef idx="minor">
-            <a:schemeClr val="lt1"/>
-          </a:fontRef>
-        </p:style>
-        <p:txBody>
-          <a:bodyPr rtlCol="0" anchor="ctr"/>
-          <a:lstStyle/>
-          <a:p>
-            <a:pPr algn="ctr"/>
-            <a:endParaRPr lang="pl-PL"/>
-          </a:p>
-        </p:txBody>
-      </p:sp>
-      <p:sp>
-        <p:nvSpPr>
-          <p:cNvPr id="8" name="Up Arrow 7"/>
-          <p:cNvSpPr>
-            <a:spLocks/>
-          </p:cNvSpPr>
-          <p:nvPr/>
-        </p:nvSpPr>
-        <p:spPr>
-          <a:xfrm rot="16200000" flipH="1">
-            <a:off x="480781" y="953586"/>
-            <a:ext cx="198453" cy="432048"/>
-          </a:xfrm>
-          <a:prstGeom prst="upArrow">
-            <a:avLst>
-              <a:gd name="adj1" fmla="val 31999"/>
-              <a:gd name="adj2" fmla="val 68312"/>
-            </a:avLst>
-          </a:prstGeom>
-          <a:solidFill>
-            <a:srgbClr val="00CC00"/>
-          </a:solidFill>
-          <a:ln>
-            <a:solidFill>
-              <a:schemeClr val="accent3">
-                <a:lumMod val="50000"/>
-              </a:schemeClr>
-            </a:solidFill>
-          </a:ln>
-        </p:spPr>
-        <p:style>
-          <a:lnRef idx="2">
-            <a:schemeClr val="accent3">
-              <a:shade val="50000"/>
-            </a:schemeClr>
-          </a:lnRef>
-          <a:fillRef idx="1">
-            <a:schemeClr val="accent3"/>
-          </a:fillRef>
-          <a:effectRef idx="0">
-            <a:schemeClr val="accent3"/>
-          </a:effectRef>
-          <a:fontRef idx="minor">
-            <a:schemeClr val="lt1"/>
-          </a:fontRef>
-        </p:style>
-        <p:txBody>
-          <a:bodyPr rtlCol="0" anchor="ctr"/>
-          <a:lstStyle/>
-          <a:p>
-            <a:pPr algn="ctr"/>
-            <a:endParaRPr lang="pl-PL"/>
-          </a:p>
-        </p:txBody>
-      </p:sp>
-      <p:sp>
-        <p:nvSpPr>
-          <p:cNvPr id="9" name="Up Arrow 8"/>
-          <p:cNvSpPr>
-            <a:spLocks/>
-          </p:cNvSpPr>
-          <p:nvPr/>
-        </p:nvSpPr>
-        <p:spPr>
-          <a:xfrm rot="10800000">
-            <a:off x="3968368" y="963520"/>
-            <a:ext cx="198453" cy="432048"/>
-          </a:xfrm>
-          <a:prstGeom prst="upArrow">
-            <a:avLst>
-              <a:gd name="adj1" fmla="val 31999"/>
-              <a:gd name="adj2" fmla="val 68312"/>
-            </a:avLst>
-          </a:prstGeom>
-          <a:solidFill>
-            <a:srgbClr val="00CC00"/>
-          </a:solidFill>
-          <a:ln>
-            <a:solidFill>
-              <a:schemeClr val="accent3">
-                <a:lumMod val="50000"/>
-              </a:schemeClr>
-            </a:solidFill>
-          </a:ln>
-        </p:spPr>
-        <p:style>
-          <a:lnRef idx="2">
-            <a:schemeClr val="accent3">
-              <a:shade val="50000"/>
-            </a:schemeClr>
-          </a:lnRef>
-          <a:fillRef idx="1">
-            <a:schemeClr val="accent3"/>
-          </a:fillRef>
-          <a:effectRef idx="0">
-            <a:schemeClr val="accent3"/>
-          </a:effectRef>
-          <a:fontRef idx="minor">
-            <a:schemeClr val="lt1"/>
-          </a:fontRef>
-        </p:style>
-        <p:txBody>
-          <a:bodyPr rtlCol="0" anchor="ctr"/>
-          <a:lstStyle/>
-          <a:p>
-            <a:pPr algn="ctr"/>
-            <a:endParaRPr lang="pl-PL"/>
-          </a:p>
-        </p:txBody>
-      </p:sp>
-      <p:sp>
-        <p:nvSpPr>
-          <p:cNvPr id="10" name="Bent Arrow 9"/>
-          <p:cNvSpPr>
-            <a:spLocks/>
-          </p:cNvSpPr>
-          <p:nvPr/>
-        </p:nvSpPr>
-        <p:spPr>
-          <a:xfrm rot="10800000" flipH="1">
-            <a:off x="3851570" y="161700"/>
+          <a:xfrm flipH="1">
+            <a:off x="1691332" y="260684"/>
             <a:ext cx="432048" cy="576064"/>
           </a:xfrm>
           <a:prstGeom prst="bentArrow">
@@ -40145,311 +39765,6 @@
               <a:gd name="adj2" fmla="val 27645"/>
               <a:gd name="adj3" fmla="val 50000"/>
               <a:gd name="adj4" fmla="val 43750"/>
-            </a:avLst>
-          </a:prstGeom>
-          <a:solidFill>
-            <a:srgbClr val="00CC00"/>
-          </a:solidFill>
-          <a:ln>
-            <a:solidFill>
-              <a:schemeClr val="accent3">
-                <a:lumMod val="50000"/>
-              </a:schemeClr>
-            </a:solidFill>
-          </a:ln>
-        </p:spPr>
-        <p:style>
-          <a:lnRef idx="2">
-            <a:schemeClr val="accent3">
-              <a:shade val="50000"/>
-            </a:schemeClr>
-          </a:lnRef>
-          <a:fillRef idx="1">
-            <a:schemeClr val="accent3"/>
-          </a:fillRef>
-          <a:effectRef idx="0">
-            <a:schemeClr val="accent3"/>
-          </a:effectRef>
-          <a:fontRef idx="minor">
-            <a:schemeClr val="lt1"/>
-          </a:fontRef>
-        </p:style>
-        <p:txBody>
-          <a:bodyPr rtlCol="0" anchor="ctr"/>
-          <a:lstStyle/>
-          <a:p>
-            <a:pPr algn="ctr"/>
-            <a:endParaRPr lang="pl-PL">
-              <a:solidFill>
-                <a:schemeClr val="tx1"/>
-              </a:solidFill>
-            </a:endParaRPr>
-          </a:p>
-        </p:txBody>
-      </p:sp>
-      <p:sp>
-        <p:nvSpPr>
-          <p:cNvPr id="11" name="Bent Arrow 10"/>
-          <p:cNvSpPr>
-            <a:spLocks/>
-          </p:cNvSpPr>
-          <p:nvPr/>
-        </p:nvSpPr>
-        <p:spPr>
-          <a:xfrm flipH="1">
-            <a:off x="1691332" y="260684"/>
-            <a:ext cx="432048" cy="576064"/>
-          </a:xfrm>
-          <a:prstGeom prst="bentArrow">
-            <a:avLst>
-              <a:gd name="adj1" fmla="val 25000"/>
-              <a:gd name="adj2" fmla="val 27645"/>
-              <a:gd name="adj3" fmla="val 50000"/>
-              <a:gd name="adj4" fmla="val 43750"/>
-            </a:avLst>
-          </a:prstGeom>
-          <a:solidFill>
-            <a:srgbClr val="00CC00"/>
-          </a:solidFill>
-          <a:ln>
-            <a:solidFill>
-              <a:schemeClr val="accent3">
-                <a:lumMod val="50000"/>
-              </a:schemeClr>
-            </a:solidFill>
-          </a:ln>
-        </p:spPr>
-        <p:style>
-          <a:lnRef idx="2">
-            <a:schemeClr val="accent3">
-              <a:shade val="50000"/>
-            </a:schemeClr>
-          </a:lnRef>
-          <a:fillRef idx="1">
-            <a:schemeClr val="accent3"/>
-          </a:fillRef>
-          <a:effectRef idx="0">
-            <a:schemeClr val="accent3"/>
-          </a:effectRef>
-          <a:fontRef idx="minor">
-            <a:schemeClr val="lt1"/>
-          </a:fontRef>
-        </p:style>
-        <p:txBody>
-          <a:bodyPr rtlCol="0" anchor="ctr"/>
-          <a:lstStyle/>
-          <a:p>
-            <a:pPr algn="ctr"/>
-            <a:endParaRPr lang="pl-PL">
-              <a:solidFill>
-                <a:schemeClr val="tx1"/>
-              </a:solidFill>
-            </a:endParaRPr>
-          </a:p>
-        </p:txBody>
-      </p:sp>
-      <p:sp>
-        <p:nvSpPr>
-          <p:cNvPr id="12" name="Bent Arrow 11"/>
-          <p:cNvSpPr>
-            <a:spLocks/>
-          </p:cNvSpPr>
-          <p:nvPr/>
-        </p:nvSpPr>
-        <p:spPr>
-          <a:xfrm rot="16200000">
-            <a:off x="539552" y="243956"/>
-            <a:ext cx="432048" cy="576064"/>
-          </a:xfrm>
-          <a:prstGeom prst="bentArrow">
-            <a:avLst>
-              <a:gd name="adj1" fmla="val 25000"/>
-              <a:gd name="adj2" fmla="val 27645"/>
-              <a:gd name="adj3" fmla="val 50000"/>
-              <a:gd name="adj4" fmla="val 43750"/>
-            </a:avLst>
-          </a:prstGeom>
-          <a:solidFill>
-            <a:srgbClr val="00CC00"/>
-          </a:solidFill>
-          <a:ln>
-            <a:solidFill>
-              <a:schemeClr val="accent3">
-                <a:lumMod val="50000"/>
-              </a:schemeClr>
-            </a:solidFill>
-          </a:ln>
-        </p:spPr>
-        <p:style>
-          <a:lnRef idx="2">
-            <a:schemeClr val="accent3">
-              <a:shade val="50000"/>
-            </a:schemeClr>
-          </a:lnRef>
-          <a:fillRef idx="1">
-            <a:schemeClr val="accent3"/>
-          </a:fillRef>
-          <a:effectRef idx="0">
-            <a:schemeClr val="accent3"/>
-          </a:effectRef>
-          <a:fontRef idx="minor">
-            <a:schemeClr val="lt1"/>
-          </a:fontRef>
-        </p:style>
-        <p:txBody>
-          <a:bodyPr rtlCol="0" anchor="ctr"/>
-          <a:lstStyle/>
-          <a:p>
-            <a:pPr algn="ctr"/>
-            <a:endParaRPr lang="pl-PL">
-              <a:solidFill>
-                <a:schemeClr val="tx1"/>
-              </a:solidFill>
-            </a:endParaRPr>
-          </a:p>
-        </p:txBody>
-      </p:sp>
-      <p:sp>
-        <p:nvSpPr>
-          <p:cNvPr id="13" name="Bent Arrow 12"/>
-          <p:cNvSpPr>
-            <a:spLocks/>
-          </p:cNvSpPr>
-          <p:nvPr/>
-        </p:nvSpPr>
-        <p:spPr>
-          <a:xfrm rot="5400000">
-            <a:off x="2636996" y="1531312"/>
-            <a:ext cx="432048" cy="576064"/>
-          </a:xfrm>
-          <a:prstGeom prst="bentArrow">
-            <a:avLst>
-              <a:gd name="adj1" fmla="val 26764"/>
-              <a:gd name="adj2" fmla="val 25881"/>
-              <a:gd name="adj3" fmla="val 50000"/>
-              <a:gd name="adj4" fmla="val 61387"/>
-            </a:avLst>
-          </a:prstGeom>
-          <a:solidFill>
-            <a:srgbClr val="00CC00"/>
-          </a:solidFill>
-          <a:ln>
-            <a:solidFill>
-              <a:schemeClr val="accent3">
-                <a:lumMod val="50000"/>
-              </a:schemeClr>
-            </a:solidFill>
-          </a:ln>
-        </p:spPr>
-        <p:style>
-          <a:lnRef idx="2">
-            <a:schemeClr val="accent3">
-              <a:shade val="50000"/>
-            </a:schemeClr>
-          </a:lnRef>
-          <a:fillRef idx="1">
-            <a:schemeClr val="accent3"/>
-          </a:fillRef>
-          <a:effectRef idx="0">
-            <a:schemeClr val="accent3"/>
-          </a:effectRef>
-          <a:fontRef idx="minor">
-            <a:schemeClr val="lt1"/>
-          </a:fontRef>
-        </p:style>
-        <p:txBody>
-          <a:bodyPr rtlCol="0" anchor="ctr"/>
-          <a:lstStyle/>
-          <a:p>
-            <a:pPr algn="ctr"/>
-            <a:endParaRPr lang="pl-PL">
-              <a:solidFill>
-                <a:schemeClr val="tx1"/>
-              </a:solidFill>
-            </a:endParaRPr>
-          </a:p>
-        </p:txBody>
-      </p:sp>
-      <p:sp>
-        <p:nvSpPr>
-          <p:cNvPr id="14" name="Bent Arrow 13"/>
-          <p:cNvSpPr>
-            <a:spLocks/>
-          </p:cNvSpPr>
-          <p:nvPr/>
-        </p:nvSpPr>
-        <p:spPr>
-          <a:xfrm flipH="1">
-            <a:off x="3867680" y="1531312"/>
-            <a:ext cx="432048" cy="576064"/>
-          </a:xfrm>
-          <a:prstGeom prst="bentArrow">
-            <a:avLst>
-              <a:gd name="adj1" fmla="val 26764"/>
-              <a:gd name="adj2" fmla="val 25881"/>
-              <a:gd name="adj3" fmla="val 50000"/>
-              <a:gd name="adj4" fmla="val 61387"/>
-            </a:avLst>
-          </a:prstGeom>
-          <a:solidFill>
-            <a:srgbClr val="00CC00"/>
-          </a:solidFill>
-          <a:ln>
-            <a:solidFill>
-              <a:schemeClr val="accent3">
-                <a:lumMod val="50000"/>
-              </a:schemeClr>
-            </a:solidFill>
-          </a:ln>
-        </p:spPr>
-        <p:style>
-          <a:lnRef idx="2">
-            <a:schemeClr val="accent3">
-              <a:shade val="50000"/>
-            </a:schemeClr>
-          </a:lnRef>
-          <a:fillRef idx="1">
-            <a:schemeClr val="accent3"/>
-          </a:fillRef>
-          <a:effectRef idx="0">
-            <a:schemeClr val="accent3"/>
-          </a:effectRef>
-          <a:fontRef idx="minor">
-            <a:schemeClr val="lt1"/>
-          </a:fontRef>
-        </p:style>
-        <p:txBody>
-          <a:bodyPr rtlCol="0" anchor="ctr"/>
-          <a:lstStyle/>
-          <a:p>
-            <a:pPr algn="ctr"/>
-            <a:endParaRPr lang="pl-PL">
-              <a:solidFill>
-                <a:schemeClr val="tx1"/>
-              </a:solidFill>
-            </a:endParaRPr>
-          </a:p>
-        </p:txBody>
-      </p:sp>
-      <p:sp>
-        <p:nvSpPr>
-          <p:cNvPr id="15" name="Bent Arrow 14"/>
-          <p:cNvSpPr>
-            <a:spLocks/>
-          </p:cNvSpPr>
-          <p:nvPr/>
-        </p:nvSpPr>
-        <p:spPr>
-          <a:xfrm rot="5400000">
-            <a:off x="539551" y="1548124"/>
-            <a:ext cx="432048" cy="576064"/>
-          </a:xfrm>
-          <a:prstGeom prst="bentArrow">
-            <a:avLst>
-              <a:gd name="adj1" fmla="val 26764"/>
-              <a:gd name="adj2" fmla="val 25881"/>
-              <a:gd name="adj3" fmla="val 50000"/>
-              <a:gd name="adj4" fmla="val 61387"/>
             </a:avLst>
           </a:prstGeom>
           <a:solidFill>
@@ -40502,7 +39817,7 @@
         </p:nvSpPr>
         <p:spPr>
           <a:xfrm>
-            <a:off x="1745657" y="3414960"/>
+            <a:off x="3460712" y="1519480"/>
             <a:ext cx="432048" cy="576064"/>
           </a:xfrm>
           <a:prstGeom prst="bentArrow">
@@ -40555,76 +39870,15 @@
       </p:sp>
       <p:sp>
         <p:nvSpPr>
-          <p:cNvPr id="17" name="Bent Arrow 16"/>
+          <p:cNvPr id="19" name="Up Arrow 18"/>
           <p:cNvSpPr>
             <a:spLocks/>
           </p:cNvSpPr>
           <p:nvPr/>
         </p:nvSpPr>
         <p:spPr>
-          <a:xfrm rot="5400000" flipH="1">
-            <a:off x="2569261" y="2156164"/>
-            <a:ext cx="432048" cy="576064"/>
-          </a:xfrm>
-          <a:prstGeom prst="bentArrow">
-            <a:avLst>
-              <a:gd name="adj1" fmla="val 25000"/>
-              <a:gd name="adj2" fmla="val 27645"/>
-              <a:gd name="adj3" fmla="val 50000"/>
-              <a:gd name="adj4" fmla="val 43750"/>
-            </a:avLst>
-          </a:prstGeom>
-          <a:solidFill>
-            <a:srgbClr val="FFC000"/>
-          </a:solidFill>
-          <a:ln>
-            <a:solidFill>
-              <a:schemeClr val="accent3">
-                <a:lumMod val="50000"/>
-              </a:schemeClr>
-            </a:solidFill>
-          </a:ln>
-        </p:spPr>
-        <p:style>
-          <a:lnRef idx="2">
-            <a:schemeClr val="accent3">
-              <a:shade val="50000"/>
-            </a:schemeClr>
-          </a:lnRef>
-          <a:fillRef idx="1">
-            <a:schemeClr val="accent3"/>
-          </a:fillRef>
-          <a:effectRef idx="0">
-            <a:schemeClr val="accent3"/>
-          </a:effectRef>
-          <a:fontRef idx="minor">
-            <a:schemeClr val="lt1"/>
-          </a:fontRef>
-        </p:style>
-        <p:txBody>
-          <a:bodyPr rtlCol="0" anchor="ctr"/>
-          <a:lstStyle/>
-          <a:p>
-            <a:pPr algn="ctr"/>
-            <a:endParaRPr lang="pl-PL">
-              <a:solidFill>
-                <a:schemeClr val="tx1"/>
-              </a:solidFill>
-            </a:endParaRPr>
-          </a:p>
-        </p:txBody>
-      </p:sp>
-      <p:sp>
-        <p:nvSpPr>
-          <p:cNvPr id="18" name="Up Arrow 17"/>
-          <p:cNvSpPr>
-            <a:spLocks/>
-          </p:cNvSpPr>
-          <p:nvPr/>
-        </p:nvSpPr>
-        <p:spPr>
-          <a:xfrm rot="5400000">
-            <a:off x="2758066" y="2849066"/>
+          <a:xfrm>
+            <a:off x="3505429" y="953587"/>
             <a:ext cx="198453" cy="432048"/>
           </a:xfrm>
           <a:prstGeom prst="upArrow">
@@ -40671,180 +39925,15 @@
       </p:sp>
       <p:sp>
         <p:nvSpPr>
-          <p:cNvPr id="19" name="Up Arrow 18"/>
+          <p:cNvPr id="23" name="Bent Arrow 22"/>
           <p:cNvSpPr>
             <a:spLocks/>
           </p:cNvSpPr>
           <p:nvPr/>
         </p:nvSpPr>
         <p:spPr>
-          <a:xfrm>
-            <a:off x="1790374" y="2849067"/>
-            <a:ext cx="198453" cy="432048"/>
-          </a:xfrm>
-          <a:prstGeom prst="upArrow">
-            <a:avLst>
-              <a:gd name="adj1" fmla="val 31999"/>
-              <a:gd name="adj2" fmla="val 68312"/>
-            </a:avLst>
-          </a:prstGeom>
-          <a:solidFill>
-            <a:srgbClr val="FFC000"/>
-          </a:solidFill>
-          <a:ln>
-            <a:solidFill>
-              <a:schemeClr val="accent3">
-                <a:lumMod val="50000"/>
-              </a:schemeClr>
-            </a:solidFill>
-          </a:ln>
-        </p:spPr>
-        <p:style>
-          <a:lnRef idx="2">
-            <a:schemeClr val="accent3">
-              <a:shade val="50000"/>
-            </a:schemeClr>
-          </a:lnRef>
-          <a:fillRef idx="1">
-            <a:schemeClr val="accent3"/>
-          </a:fillRef>
-          <a:effectRef idx="0">
-            <a:schemeClr val="accent3"/>
-          </a:effectRef>
-          <a:fontRef idx="minor">
-            <a:schemeClr val="lt1"/>
-          </a:fontRef>
-        </p:style>
-        <p:txBody>
-          <a:bodyPr rtlCol="0" anchor="ctr"/>
-          <a:lstStyle/>
-          <a:p>
-            <a:pPr algn="ctr"/>
-            <a:endParaRPr lang="pl-PL"/>
-          </a:p>
-        </p:txBody>
-      </p:sp>
-      <p:sp>
-        <p:nvSpPr>
-          <p:cNvPr id="20" name="Up Arrow 19"/>
-          <p:cNvSpPr>
-            <a:spLocks/>
-          </p:cNvSpPr>
-          <p:nvPr/>
-        </p:nvSpPr>
-        <p:spPr>
-          <a:xfrm rot="16200000" flipH="1">
-            <a:off x="494266" y="2849066"/>
-            <a:ext cx="198453" cy="432048"/>
-          </a:xfrm>
-          <a:prstGeom prst="upArrow">
-            <a:avLst>
-              <a:gd name="adj1" fmla="val 31999"/>
-              <a:gd name="adj2" fmla="val 68312"/>
-            </a:avLst>
-          </a:prstGeom>
-          <a:solidFill>
-            <a:srgbClr val="FFC000"/>
-          </a:solidFill>
-          <a:ln>
-            <a:solidFill>
-              <a:schemeClr val="accent3">
-                <a:lumMod val="50000"/>
-              </a:schemeClr>
-            </a:solidFill>
-          </a:ln>
-        </p:spPr>
-        <p:style>
-          <a:lnRef idx="2">
-            <a:schemeClr val="accent3">
-              <a:shade val="50000"/>
-            </a:schemeClr>
-          </a:lnRef>
-          <a:fillRef idx="1">
-            <a:schemeClr val="accent3"/>
-          </a:fillRef>
-          <a:effectRef idx="0">
-            <a:schemeClr val="accent3"/>
-          </a:effectRef>
-          <a:fontRef idx="minor">
-            <a:schemeClr val="lt1"/>
-          </a:fontRef>
-        </p:style>
-        <p:txBody>
-          <a:bodyPr rtlCol="0" anchor="ctr"/>
-          <a:lstStyle/>
-          <a:p>
-            <a:pPr algn="ctr"/>
-            <a:endParaRPr lang="pl-PL"/>
-          </a:p>
-        </p:txBody>
-      </p:sp>
-      <p:sp>
-        <p:nvSpPr>
-          <p:cNvPr id="21" name="Up Arrow 20"/>
-          <p:cNvSpPr>
-            <a:spLocks/>
-          </p:cNvSpPr>
-          <p:nvPr/>
-        </p:nvSpPr>
-        <p:spPr>
-          <a:xfrm rot="10800000">
-            <a:off x="3981853" y="2859000"/>
-            <a:ext cx="198453" cy="432048"/>
-          </a:xfrm>
-          <a:prstGeom prst="upArrow">
-            <a:avLst>
-              <a:gd name="adj1" fmla="val 31999"/>
-              <a:gd name="adj2" fmla="val 68312"/>
-            </a:avLst>
-          </a:prstGeom>
-          <a:solidFill>
-            <a:srgbClr val="FFC000"/>
-          </a:solidFill>
-          <a:ln>
-            <a:solidFill>
-              <a:schemeClr val="accent3">
-                <a:lumMod val="50000"/>
-              </a:schemeClr>
-            </a:solidFill>
-          </a:ln>
-        </p:spPr>
-        <p:style>
-          <a:lnRef idx="2">
-            <a:schemeClr val="accent3">
-              <a:shade val="50000"/>
-            </a:schemeClr>
-          </a:lnRef>
-          <a:fillRef idx="1">
-            <a:schemeClr val="accent3"/>
-          </a:fillRef>
-          <a:effectRef idx="0">
-            <a:schemeClr val="accent3"/>
-          </a:effectRef>
-          <a:fontRef idx="minor">
-            <a:schemeClr val="lt1"/>
-          </a:fontRef>
-        </p:style>
-        <p:txBody>
-          <a:bodyPr rtlCol="0" anchor="ctr"/>
-          <a:lstStyle/>
-          <a:p>
-            <a:pPr algn="ctr"/>
-            <a:endParaRPr lang="pl-PL"/>
-          </a:p>
-        </p:txBody>
-      </p:sp>
-      <p:sp>
-        <p:nvSpPr>
-          <p:cNvPr id="22" name="Bent Arrow 21"/>
-          <p:cNvSpPr>
-            <a:spLocks/>
-          </p:cNvSpPr>
-          <p:nvPr/>
-        </p:nvSpPr>
-        <p:spPr>
-          <a:xfrm rot="10800000" flipH="1">
-            <a:off x="3865055" y="2057180"/>
+          <a:xfrm flipH="1">
+            <a:off x="3419872" y="260684"/>
             <a:ext cx="432048" cy="576064"/>
           </a:xfrm>
           <a:prstGeom prst="bentArrow">
@@ -40853,311 +39942,6 @@
               <a:gd name="adj2" fmla="val 27645"/>
               <a:gd name="adj3" fmla="val 50000"/>
               <a:gd name="adj4" fmla="val 43750"/>
-            </a:avLst>
-          </a:prstGeom>
-          <a:solidFill>
-            <a:srgbClr val="FFC000"/>
-          </a:solidFill>
-          <a:ln>
-            <a:solidFill>
-              <a:schemeClr val="accent3">
-                <a:lumMod val="50000"/>
-              </a:schemeClr>
-            </a:solidFill>
-          </a:ln>
-        </p:spPr>
-        <p:style>
-          <a:lnRef idx="2">
-            <a:schemeClr val="accent3">
-              <a:shade val="50000"/>
-            </a:schemeClr>
-          </a:lnRef>
-          <a:fillRef idx="1">
-            <a:schemeClr val="accent3"/>
-          </a:fillRef>
-          <a:effectRef idx="0">
-            <a:schemeClr val="accent3"/>
-          </a:effectRef>
-          <a:fontRef idx="minor">
-            <a:schemeClr val="lt1"/>
-          </a:fontRef>
-        </p:style>
-        <p:txBody>
-          <a:bodyPr rtlCol="0" anchor="ctr"/>
-          <a:lstStyle/>
-          <a:p>
-            <a:pPr algn="ctr"/>
-            <a:endParaRPr lang="pl-PL">
-              <a:solidFill>
-                <a:schemeClr val="tx1"/>
-              </a:solidFill>
-            </a:endParaRPr>
-          </a:p>
-        </p:txBody>
-      </p:sp>
-      <p:sp>
-        <p:nvSpPr>
-          <p:cNvPr id="23" name="Bent Arrow 22"/>
-          <p:cNvSpPr>
-            <a:spLocks/>
-          </p:cNvSpPr>
-          <p:nvPr/>
-        </p:nvSpPr>
-        <p:spPr>
-          <a:xfrm flipH="1">
-            <a:off x="1704817" y="2156164"/>
-            <a:ext cx="432048" cy="576064"/>
-          </a:xfrm>
-          <a:prstGeom prst="bentArrow">
-            <a:avLst>
-              <a:gd name="adj1" fmla="val 25000"/>
-              <a:gd name="adj2" fmla="val 27645"/>
-              <a:gd name="adj3" fmla="val 50000"/>
-              <a:gd name="adj4" fmla="val 43750"/>
-            </a:avLst>
-          </a:prstGeom>
-          <a:solidFill>
-            <a:srgbClr val="FFC000"/>
-          </a:solidFill>
-          <a:ln>
-            <a:solidFill>
-              <a:schemeClr val="accent3">
-                <a:lumMod val="50000"/>
-              </a:schemeClr>
-            </a:solidFill>
-          </a:ln>
-        </p:spPr>
-        <p:style>
-          <a:lnRef idx="2">
-            <a:schemeClr val="accent3">
-              <a:shade val="50000"/>
-            </a:schemeClr>
-          </a:lnRef>
-          <a:fillRef idx="1">
-            <a:schemeClr val="accent3"/>
-          </a:fillRef>
-          <a:effectRef idx="0">
-            <a:schemeClr val="accent3"/>
-          </a:effectRef>
-          <a:fontRef idx="minor">
-            <a:schemeClr val="lt1"/>
-          </a:fontRef>
-        </p:style>
-        <p:txBody>
-          <a:bodyPr rtlCol="0" anchor="ctr"/>
-          <a:lstStyle/>
-          <a:p>
-            <a:pPr algn="ctr"/>
-            <a:endParaRPr lang="pl-PL">
-              <a:solidFill>
-                <a:schemeClr val="tx1"/>
-              </a:solidFill>
-            </a:endParaRPr>
-          </a:p>
-        </p:txBody>
-      </p:sp>
-      <p:sp>
-        <p:nvSpPr>
-          <p:cNvPr id="24" name="Bent Arrow 23"/>
-          <p:cNvSpPr>
-            <a:spLocks/>
-          </p:cNvSpPr>
-          <p:nvPr/>
-        </p:nvSpPr>
-        <p:spPr>
-          <a:xfrm rot="16200000">
-            <a:off x="553037" y="2139436"/>
-            <a:ext cx="432048" cy="576064"/>
-          </a:xfrm>
-          <a:prstGeom prst="bentArrow">
-            <a:avLst>
-              <a:gd name="adj1" fmla="val 25000"/>
-              <a:gd name="adj2" fmla="val 27645"/>
-              <a:gd name="adj3" fmla="val 50000"/>
-              <a:gd name="adj4" fmla="val 43750"/>
-            </a:avLst>
-          </a:prstGeom>
-          <a:solidFill>
-            <a:srgbClr val="FFC000"/>
-          </a:solidFill>
-          <a:ln>
-            <a:solidFill>
-              <a:schemeClr val="accent3">
-                <a:lumMod val="50000"/>
-              </a:schemeClr>
-            </a:solidFill>
-          </a:ln>
-        </p:spPr>
-        <p:style>
-          <a:lnRef idx="2">
-            <a:schemeClr val="accent3">
-              <a:shade val="50000"/>
-            </a:schemeClr>
-          </a:lnRef>
-          <a:fillRef idx="1">
-            <a:schemeClr val="accent3"/>
-          </a:fillRef>
-          <a:effectRef idx="0">
-            <a:schemeClr val="accent3"/>
-          </a:effectRef>
-          <a:fontRef idx="minor">
-            <a:schemeClr val="lt1"/>
-          </a:fontRef>
-        </p:style>
-        <p:txBody>
-          <a:bodyPr rtlCol="0" anchor="ctr"/>
-          <a:lstStyle/>
-          <a:p>
-            <a:pPr algn="ctr"/>
-            <a:endParaRPr lang="pl-PL">
-              <a:solidFill>
-                <a:schemeClr val="tx1"/>
-              </a:solidFill>
-            </a:endParaRPr>
-          </a:p>
-        </p:txBody>
-      </p:sp>
-      <p:sp>
-        <p:nvSpPr>
-          <p:cNvPr id="25" name="Bent Arrow 24"/>
-          <p:cNvSpPr>
-            <a:spLocks/>
-          </p:cNvSpPr>
-          <p:nvPr/>
-        </p:nvSpPr>
-        <p:spPr>
-          <a:xfrm rot="5400000">
-            <a:off x="2650481" y="3426792"/>
-            <a:ext cx="432048" cy="576064"/>
-          </a:xfrm>
-          <a:prstGeom prst="bentArrow">
-            <a:avLst>
-              <a:gd name="adj1" fmla="val 26764"/>
-              <a:gd name="adj2" fmla="val 25881"/>
-              <a:gd name="adj3" fmla="val 50000"/>
-              <a:gd name="adj4" fmla="val 61387"/>
-            </a:avLst>
-          </a:prstGeom>
-          <a:solidFill>
-            <a:srgbClr val="FFC000"/>
-          </a:solidFill>
-          <a:ln>
-            <a:solidFill>
-              <a:schemeClr val="accent3">
-                <a:lumMod val="50000"/>
-              </a:schemeClr>
-            </a:solidFill>
-          </a:ln>
-        </p:spPr>
-        <p:style>
-          <a:lnRef idx="2">
-            <a:schemeClr val="accent3">
-              <a:shade val="50000"/>
-            </a:schemeClr>
-          </a:lnRef>
-          <a:fillRef idx="1">
-            <a:schemeClr val="accent3"/>
-          </a:fillRef>
-          <a:effectRef idx="0">
-            <a:schemeClr val="accent3"/>
-          </a:effectRef>
-          <a:fontRef idx="minor">
-            <a:schemeClr val="lt1"/>
-          </a:fontRef>
-        </p:style>
-        <p:txBody>
-          <a:bodyPr rtlCol="0" anchor="ctr"/>
-          <a:lstStyle/>
-          <a:p>
-            <a:pPr algn="ctr"/>
-            <a:endParaRPr lang="pl-PL">
-              <a:solidFill>
-                <a:schemeClr val="tx1"/>
-              </a:solidFill>
-            </a:endParaRPr>
-          </a:p>
-        </p:txBody>
-      </p:sp>
-      <p:sp>
-        <p:nvSpPr>
-          <p:cNvPr id="26" name="Bent Arrow 25"/>
-          <p:cNvSpPr>
-            <a:spLocks/>
-          </p:cNvSpPr>
-          <p:nvPr/>
-        </p:nvSpPr>
-        <p:spPr>
-          <a:xfrm flipH="1">
-            <a:off x="3881165" y="3426792"/>
-            <a:ext cx="432048" cy="576064"/>
-          </a:xfrm>
-          <a:prstGeom prst="bentArrow">
-            <a:avLst>
-              <a:gd name="adj1" fmla="val 26764"/>
-              <a:gd name="adj2" fmla="val 25881"/>
-              <a:gd name="adj3" fmla="val 50000"/>
-              <a:gd name="adj4" fmla="val 61387"/>
-            </a:avLst>
-          </a:prstGeom>
-          <a:solidFill>
-            <a:srgbClr val="FFC000"/>
-          </a:solidFill>
-          <a:ln>
-            <a:solidFill>
-              <a:schemeClr val="accent3">
-                <a:lumMod val="50000"/>
-              </a:schemeClr>
-            </a:solidFill>
-          </a:ln>
-        </p:spPr>
-        <p:style>
-          <a:lnRef idx="2">
-            <a:schemeClr val="accent3">
-              <a:shade val="50000"/>
-            </a:schemeClr>
-          </a:lnRef>
-          <a:fillRef idx="1">
-            <a:schemeClr val="accent3"/>
-          </a:fillRef>
-          <a:effectRef idx="0">
-            <a:schemeClr val="accent3"/>
-          </a:effectRef>
-          <a:fontRef idx="minor">
-            <a:schemeClr val="lt1"/>
-          </a:fontRef>
-        </p:style>
-        <p:txBody>
-          <a:bodyPr rtlCol="0" anchor="ctr"/>
-          <a:lstStyle/>
-          <a:p>
-            <a:pPr algn="ctr"/>
-            <a:endParaRPr lang="pl-PL">
-              <a:solidFill>
-                <a:schemeClr val="tx1"/>
-              </a:solidFill>
-            </a:endParaRPr>
-          </a:p>
-        </p:txBody>
-      </p:sp>
-      <p:sp>
-        <p:nvSpPr>
-          <p:cNvPr id="27" name="Bent Arrow 26"/>
-          <p:cNvSpPr>
-            <a:spLocks/>
-          </p:cNvSpPr>
-          <p:nvPr/>
-        </p:nvSpPr>
-        <p:spPr>
-          <a:xfrm rot="5400000">
-            <a:off x="553036" y="3443604"/>
-            <a:ext cx="432048" cy="576064"/>
-          </a:xfrm>
-          <a:prstGeom prst="bentArrow">
-            <a:avLst>
-              <a:gd name="adj1" fmla="val 26764"/>
-              <a:gd name="adj2" fmla="val 25881"/>
-              <a:gd name="adj3" fmla="val 50000"/>
-              <a:gd name="adj4" fmla="val 61387"/>
             </a:avLst>
           </a:prstGeom>
           <a:solidFill>
@@ -41210,7 +39994,7 @@
         </p:nvSpPr>
         <p:spPr>
           <a:xfrm>
-            <a:off x="1885831" y="5604384"/>
+            <a:off x="5317263" y="1519480"/>
             <a:ext cx="432048" cy="576064"/>
           </a:xfrm>
           <a:prstGeom prst="bentArrow">
@@ -41263,76 +40047,15 @@
       </p:sp>
       <p:sp>
         <p:nvSpPr>
-          <p:cNvPr id="29" name="Bent Arrow 28"/>
+          <p:cNvPr id="31" name="Up Arrow 30"/>
           <p:cNvSpPr>
             <a:spLocks/>
           </p:cNvSpPr>
           <p:nvPr/>
         </p:nvSpPr>
         <p:spPr>
-          <a:xfrm rot="5400000" flipH="1">
-            <a:off x="2709435" y="4345588"/>
-            <a:ext cx="432048" cy="576064"/>
-          </a:xfrm>
-          <a:prstGeom prst="bentArrow">
-            <a:avLst>
-              <a:gd name="adj1" fmla="val 25000"/>
-              <a:gd name="adj2" fmla="val 27645"/>
-              <a:gd name="adj3" fmla="val 50000"/>
-              <a:gd name="adj4" fmla="val 43750"/>
-            </a:avLst>
-          </a:prstGeom>
-          <a:solidFill>
-            <a:srgbClr val="FF0000"/>
-          </a:solidFill>
-          <a:ln>
-            <a:solidFill>
-              <a:schemeClr val="accent3">
-                <a:lumMod val="50000"/>
-              </a:schemeClr>
-            </a:solidFill>
-          </a:ln>
-        </p:spPr>
-        <p:style>
-          <a:lnRef idx="2">
-            <a:schemeClr val="accent3">
-              <a:shade val="50000"/>
-            </a:schemeClr>
-          </a:lnRef>
-          <a:fillRef idx="1">
-            <a:schemeClr val="accent3"/>
-          </a:fillRef>
-          <a:effectRef idx="0">
-            <a:schemeClr val="accent3"/>
-          </a:effectRef>
-          <a:fontRef idx="minor">
-            <a:schemeClr val="lt1"/>
-          </a:fontRef>
-        </p:style>
-        <p:txBody>
-          <a:bodyPr rtlCol="0" anchor="ctr"/>
-          <a:lstStyle/>
-          <a:p>
-            <a:pPr algn="ctr"/>
-            <a:endParaRPr lang="pl-PL">
-              <a:solidFill>
-                <a:schemeClr val="tx1"/>
-              </a:solidFill>
-            </a:endParaRPr>
-          </a:p>
-        </p:txBody>
-      </p:sp>
-      <p:sp>
-        <p:nvSpPr>
-          <p:cNvPr id="30" name="Up Arrow 29"/>
-          <p:cNvSpPr>
-            <a:spLocks/>
-          </p:cNvSpPr>
-          <p:nvPr/>
-        </p:nvSpPr>
-        <p:spPr>
-          <a:xfrm rot="5400000">
-            <a:off x="2898240" y="5038490"/>
+          <a:xfrm>
+            <a:off x="5361980" y="953587"/>
             <a:ext cx="198453" cy="432048"/>
           </a:xfrm>
           <a:prstGeom prst="upArrow">
@@ -41379,180 +40102,15 @@
       </p:sp>
       <p:sp>
         <p:nvSpPr>
-          <p:cNvPr id="31" name="Up Arrow 30"/>
+          <p:cNvPr id="35" name="Bent Arrow 34"/>
           <p:cNvSpPr>
             <a:spLocks/>
           </p:cNvSpPr>
           <p:nvPr/>
         </p:nvSpPr>
         <p:spPr>
-          <a:xfrm>
-            <a:off x="1930548" y="5038491"/>
-            <a:ext cx="198453" cy="432048"/>
-          </a:xfrm>
-          <a:prstGeom prst="upArrow">
-            <a:avLst>
-              <a:gd name="adj1" fmla="val 31999"/>
-              <a:gd name="adj2" fmla="val 68312"/>
-            </a:avLst>
-          </a:prstGeom>
-          <a:solidFill>
-            <a:srgbClr val="FF0000"/>
-          </a:solidFill>
-          <a:ln>
-            <a:solidFill>
-              <a:schemeClr val="accent3">
-                <a:lumMod val="50000"/>
-              </a:schemeClr>
-            </a:solidFill>
-          </a:ln>
-        </p:spPr>
-        <p:style>
-          <a:lnRef idx="2">
-            <a:schemeClr val="accent3">
-              <a:shade val="50000"/>
-            </a:schemeClr>
-          </a:lnRef>
-          <a:fillRef idx="1">
-            <a:schemeClr val="accent3"/>
-          </a:fillRef>
-          <a:effectRef idx="0">
-            <a:schemeClr val="accent3"/>
-          </a:effectRef>
-          <a:fontRef idx="minor">
-            <a:schemeClr val="lt1"/>
-          </a:fontRef>
-        </p:style>
-        <p:txBody>
-          <a:bodyPr rtlCol="0" anchor="ctr"/>
-          <a:lstStyle/>
-          <a:p>
-            <a:pPr algn="ctr"/>
-            <a:endParaRPr lang="pl-PL"/>
-          </a:p>
-        </p:txBody>
-      </p:sp>
-      <p:sp>
-        <p:nvSpPr>
-          <p:cNvPr id="32" name="Up Arrow 31"/>
-          <p:cNvSpPr>
-            <a:spLocks/>
-          </p:cNvSpPr>
-          <p:nvPr/>
-        </p:nvSpPr>
-        <p:spPr>
-          <a:xfrm rot="16200000" flipH="1">
-            <a:off x="634440" y="5038490"/>
-            <a:ext cx="198453" cy="432048"/>
-          </a:xfrm>
-          <a:prstGeom prst="upArrow">
-            <a:avLst>
-              <a:gd name="adj1" fmla="val 31999"/>
-              <a:gd name="adj2" fmla="val 68312"/>
-            </a:avLst>
-          </a:prstGeom>
-          <a:solidFill>
-            <a:srgbClr val="FF0000"/>
-          </a:solidFill>
-          <a:ln>
-            <a:solidFill>
-              <a:schemeClr val="accent3">
-                <a:lumMod val="50000"/>
-              </a:schemeClr>
-            </a:solidFill>
-          </a:ln>
-        </p:spPr>
-        <p:style>
-          <a:lnRef idx="2">
-            <a:schemeClr val="accent3">
-              <a:shade val="50000"/>
-            </a:schemeClr>
-          </a:lnRef>
-          <a:fillRef idx="1">
-            <a:schemeClr val="accent3"/>
-          </a:fillRef>
-          <a:effectRef idx="0">
-            <a:schemeClr val="accent3"/>
-          </a:effectRef>
-          <a:fontRef idx="minor">
-            <a:schemeClr val="lt1"/>
-          </a:fontRef>
-        </p:style>
-        <p:txBody>
-          <a:bodyPr rtlCol="0" anchor="ctr"/>
-          <a:lstStyle/>
-          <a:p>
-            <a:pPr algn="ctr"/>
-            <a:endParaRPr lang="pl-PL"/>
-          </a:p>
-        </p:txBody>
-      </p:sp>
-      <p:sp>
-        <p:nvSpPr>
-          <p:cNvPr id="33" name="Up Arrow 32"/>
-          <p:cNvSpPr>
-            <a:spLocks/>
-          </p:cNvSpPr>
-          <p:nvPr/>
-        </p:nvSpPr>
-        <p:spPr>
-          <a:xfrm rot="10800000">
-            <a:off x="4122027" y="5048424"/>
-            <a:ext cx="198453" cy="432048"/>
-          </a:xfrm>
-          <a:prstGeom prst="upArrow">
-            <a:avLst>
-              <a:gd name="adj1" fmla="val 31999"/>
-              <a:gd name="adj2" fmla="val 68312"/>
-            </a:avLst>
-          </a:prstGeom>
-          <a:solidFill>
-            <a:srgbClr val="FF0000"/>
-          </a:solidFill>
-          <a:ln>
-            <a:solidFill>
-              <a:schemeClr val="accent3">
-                <a:lumMod val="50000"/>
-              </a:schemeClr>
-            </a:solidFill>
-          </a:ln>
-        </p:spPr>
-        <p:style>
-          <a:lnRef idx="2">
-            <a:schemeClr val="accent3">
-              <a:shade val="50000"/>
-            </a:schemeClr>
-          </a:lnRef>
-          <a:fillRef idx="1">
-            <a:schemeClr val="accent3"/>
-          </a:fillRef>
-          <a:effectRef idx="0">
-            <a:schemeClr val="accent3"/>
-          </a:effectRef>
-          <a:fontRef idx="minor">
-            <a:schemeClr val="lt1"/>
-          </a:fontRef>
-        </p:style>
-        <p:txBody>
-          <a:bodyPr rtlCol="0" anchor="ctr"/>
-          <a:lstStyle/>
-          <a:p>
-            <a:pPr algn="ctr"/>
-            <a:endParaRPr lang="pl-PL"/>
-          </a:p>
-        </p:txBody>
-      </p:sp>
-      <p:sp>
-        <p:nvSpPr>
-          <p:cNvPr id="34" name="Bent Arrow 33"/>
-          <p:cNvSpPr>
-            <a:spLocks/>
-          </p:cNvSpPr>
-          <p:nvPr/>
-        </p:nvSpPr>
-        <p:spPr>
-          <a:xfrm rot="10800000" flipH="1">
-            <a:off x="4005229" y="4246604"/>
+          <a:xfrm flipH="1">
+            <a:off x="5276423" y="260684"/>
             <a:ext cx="432048" cy="576064"/>
           </a:xfrm>
           <a:prstGeom prst="bentArrow">
@@ -41561,311 +40119,6 @@
               <a:gd name="adj2" fmla="val 27645"/>
               <a:gd name="adj3" fmla="val 50000"/>
               <a:gd name="adj4" fmla="val 43750"/>
-            </a:avLst>
-          </a:prstGeom>
-          <a:solidFill>
-            <a:srgbClr val="FF0000"/>
-          </a:solidFill>
-          <a:ln>
-            <a:solidFill>
-              <a:schemeClr val="accent3">
-                <a:lumMod val="50000"/>
-              </a:schemeClr>
-            </a:solidFill>
-          </a:ln>
-        </p:spPr>
-        <p:style>
-          <a:lnRef idx="2">
-            <a:schemeClr val="accent3">
-              <a:shade val="50000"/>
-            </a:schemeClr>
-          </a:lnRef>
-          <a:fillRef idx="1">
-            <a:schemeClr val="accent3"/>
-          </a:fillRef>
-          <a:effectRef idx="0">
-            <a:schemeClr val="accent3"/>
-          </a:effectRef>
-          <a:fontRef idx="minor">
-            <a:schemeClr val="lt1"/>
-          </a:fontRef>
-        </p:style>
-        <p:txBody>
-          <a:bodyPr rtlCol="0" anchor="ctr"/>
-          <a:lstStyle/>
-          <a:p>
-            <a:pPr algn="ctr"/>
-            <a:endParaRPr lang="pl-PL">
-              <a:solidFill>
-                <a:schemeClr val="tx1"/>
-              </a:solidFill>
-            </a:endParaRPr>
-          </a:p>
-        </p:txBody>
-      </p:sp>
-      <p:sp>
-        <p:nvSpPr>
-          <p:cNvPr id="35" name="Bent Arrow 34"/>
-          <p:cNvSpPr>
-            <a:spLocks/>
-          </p:cNvSpPr>
-          <p:nvPr/>
-        </p:nvSpPr>
-        <p:spPr>
-          <a:xfrm flipH="1">
-            <a:off x="1844991" y="4345588"/>
-            <a:ext cx="432048" cy="576064"/>
-          </a:xfrm>
-          <a:prstGeom prst="bentArrow">
-            <a:avLst>
-              <a:gd name="adj1" fmla="val 25000"/>
-              <a:gd name="adj2" fmla="val 27645"/>
-              <a:gd name="adj3" fmla="val 50000"/>
-              <a:gd name="adj4" fmla="val 43750"/>
-            </a:avLst>
-          </a:prstGeom>
-          <a:solidFill>
-            <a:srgbClr val="FF0000"/>
-          </a:solidFill>
-          <a:ln>
-            <a:solidFill>
-              <a:schemeClr val="accent3">
-                <a:lumMod val="50000"/>
-              </a:schemeClr>
-            </a:solidFill>
-          </a:ln>
-        </p:spPr>
-        <p:style>
-          <a:lnRef idx="2">
-            <a:schemeClr val="accent3">
-              <a:shade val="50000"/>
-            </a:schemeClr>
-          </a:lnRef>
-          <a:fillRef idx="1">
-            <a:schemeClr val="accent3"/>
-          </a:fillRef>
-          <a:effectRef idx="0">
-            <a:schemeClr val="accent3"/>
-          </a:effectRef>
-          <a:fontRef idx="minor">
-            <a:schemeClr val="lt1"/>
-          </a:fontRef>
-        </p:style>
-        <p:txBody>
-          <a:bodyPr rtlCol="0" anchor="ctr"/>
-          <a:lstStyle/>
-          <a:p>
-            <a:pPr algn="ctr"/>
-            <a:endParaRPr lang="pl-PL">
-              <a:solidFill>
-                <a:schemeClr val="tx1"/>
-              </a:solidFill>
-            </a:endParaRPr>
-          </a:p>
-        </p:txBody>
-      </p:sp>
-      <p:sp>
-        <p:nvSpPr>
-          <p:cNvPr id="36" name="Bent Arrow 35"/>
-          <p:cNvSpPr>
-            <a:spLocks/>
-          </p:cNvSpPr>
-          <p:nvPr/>
-        </p:nvSpPr>
-        <p:spPr>
-          <a:xfrm rot="16200000">
-            <a:off x="693211" y="4328860"/>
-            <a:ext cx="432048" cy="576064"/>
-          </a:xfrm>
-          <a:prstGeom prst="bentArrow">
-            <a:avLst>
-              <a:gd name="adj1" fmla="val 25000"/>
-              <a:gd name="adj2" fmla="val 27645"/>
-              <a:gd name="adj3" fmla="val 50000"/>
-              <a:gd name="adj4" fmla="val 43750"/>
-            </a:avLst>
-          </a:prstGeom>
-          <a:solidFill>
-            <a:srgbClr val="FF0000"/>
-          </a:solidFill>
-          <a:ln>
-            <a:solidFill>
-              <a:schemeClr val="accent3">
-                <a:lumMod val="50000"/>
-              </a:schemeClr>
-            </a:solidFill>
-          </a:ln>
-        </p:spPr>
-        <p:style>
-          <a:lnRef idx="2">
-            <a:schemeClr val="accent3">
-              <a:shade val="50000"/>
-            </a:schemeClr>
-          </a:lnRef>
-          <a:fillRef idx="1">
-            <a:schemeClr val="accent3"/>
-          </a:fillRef>
-          <a:effectRef idx="0">
-            <a:schemeClr val="accent3"/>
-          </a:effectRef>
-          <a:fontRef idx="minor">
-            <a:schemeClr val="lt1"/>
-          </a:fontRef>
-        </p:style>
-        <p:txBody>
-          <a:bodyPr rtlCol="0" anchor="ctr"/>
-          <a:lstStyle/>
-          <a:p>
-            <a:pPr algn="ctr"/>
-            <a:endParaRPr lang="pl-PL">
-              <a:solidFill>
-                <a:schemeClr val="tx1"/>
-              </a:solidFill>
-            </a:endParaRPr>
-          </a:p>
-        </p:txBody>
-      </p:sp>
-      <p:sp>
-        <p:nvSpPr>
-          <p:cNvPr id="37" name="Bent Arrow 36"/>
-          <p:cNvSpPr>
-            <a:spLocks/>
-          </p:cNvSpPr>
-          <p:nvPr/>
-        </p:nvSpPr>
-        <p:spPr>
-          <a:xfrm rot="5400000">
-            <a:off x="2790655" y="5616216"/>
-            <a:ext cx="432048" cy="576064"/>
-          </a:xfrm>
-          <a:prstGeom prst="bentArrow">
-            <a:avLst>
-              <a:gd name="adj1" fmla="val 26764"/>
-              <a:gd name="adj2" fmla="val 25881"/>
-              <a:gd name="adj3" fmla="val 50000"/>
-              <a:gd name="adj4" fmla="val 61387"/>
-            </a:avLst>
-          </a:prstGeom>
-          <a:solidFill>
-            <a:srgbClr val="FF0000"/>
-          </a:solidFill>
-          <a:ln>
-            <a:solidFill>
-              <a:schemeClr val="accent3">
-                <a:lumMod val="50000"/>
-              </a:schemeClr>
-            </a:solidFill>
-          </a:ln>
-        </p:spPr>
-        <p:style>
-          <a:lnRef idx="2">
-            <a:schemeClr val="accent3">
-              <a:shade val="50000"/>
-            </a:schemeClr>
-          </a:lnRef>
-          <a:fillRef idx="1">
-            <a:schemeClr val="accent3"/>
-          </a:fillRef>
-          <a:effectRef idx="0">
-            <a:schemeClr val="accent3"/>
-          </a:effectRef>
-          <a:fontRef idx="minor">
-            <a:schemeClr val="lt1"/>
-          </a:fontRef>
-        </p:style>
-        <p:txBody>
-          <a:bodyPr rtlCol="0" anchor="ctr"/>
-          <a:lstStyle/>
-          <a:p>
-            <a:pPr algn="ctr"/>
-            <a:endParaRPr lang="pl-PL">
-              <a:solidFill>
-                <a:schemeClr val="tx1"/>
-              </a:solidFill>
-            </a:endParaRPr>
-          </a:p>
-        </p:txBody>
-      </p:sp>
-      <p:sp>
-        <p:nvSpPr>
-          <p:cNvPr id="38" name="Bent Arrow 37"/>
-          <p:cNvSpPr>
-            <a:spLocks/>
-          </p:cNvSpPr>
-          <p:nvPr/>
-        </p:nvSpPr>
-        <p:spPr>
-          <a:xfrm flipH="1">
-            <a:off x="4021339" y="5616216"/>
-            <a:ext cx="432048" cy="576064"/>
-          </a:xfrm>
-          <a:prstGeom prst="bentArrow">
-            <a:avLst>
-              <a:gd name="adj1" fmla="val 26764"/>
-              <a:gd name="adj2" fmla="val 25881"/>
-              <a:gd name="adj3" fmla="val 50000"/>
-              <a:gd name="adj4" fmla="val 61387"/>
-            </a:avLst>
-          </a:prstGeom>
-          <a:solidFill>
-            <a:srgbClr val="FF0000"/>
-          </a:solidFill>
-          <a:ln>
-            <a:solidFill>
-              <a:schemeClr val="accent3">
-                <a:lumMod val="50000"/>
-              </a:schemeClr>
-            </a:solidFill>
-          </a:ln>
-        </p:spPr>
-        <p:style>
-          <a:lnRef idx="2">
-            <a:schemeClr val="accent3">
-              <a:shade val="50000"/>
-            </a:schemeClr>
-          </a:lnRef>
-          <a:fillRef idx="1">
-            <a:schemeClr val="accent3"/>
-          </a:fillRef>
-          <a:effectRef idx="0">
-            <a:schemeClr val="accent3"/>
-          </a:effectRef>
-          <a:fontRef idx="minor">
-            <a:schemeClr val="lt1"/>
-          </a:fontRef>
-        </p:style>
-        <p:txBody>
-          <a:bodyPr rtlCol="0" anchor="ctr"/>
-          <a:lstStyle/>
-          <a:p>
-            <a:pPr algn="ctr"/>
-            <a:endParaRPr lang="pl-PL">
-              <a:solidFill>
-                <a:schemeClr val="tx1"/>
-              </a:solidFill>
-            </a:endParaRPr>
-          </a:p>
-        </p:txBody>
-      </p:sp>
-      <p:sp>
-        <p:nvSpPr>
-          <p:cNvPr id="39" name="Bent Arrow 38"/>
-          <p:cNvSpPr>
-            <a:spLocks/>
-          </p:cNvSpPr>
-          <p:nvPr/>
-        </p:nvSpPr>
-        <p:spPr>
-          <a:xfrm rot="5400000">
-            <a:off x="693210" y="5633028"/>
-            <a:ext cx="432048" cy="576064"/>
-          </a:xfrm>
-          <a:prstGeom prst="bentArrow">
-            <a:avLst>
-              <a:gd name="adj1" fmla="val 26764"/>
-              <a:gd name="adj2" fmla="val 25881"/>
-              <a:gd name="adj3" fmla="val 50000"/>
-              <a:gd name="adj4" fmla="val 61387"/>
             </a:avLst>
           </a:prstGeom>
           <a:solidFill>
@@ -41918,7 +40171,7 @@
         </p:nvSpPr>
         <p:spPr>
           <a:xfrm>
-            <a:off x="6269026" y="1446644"/>
+            <a:off x="8141232" y="1447436"/>
             <a:ext cx="432048" cy="576064"/>
           </a:xfrm>
           <a:prstGeom prst="bentArrow">
@@ -41971,15 +40224,70 @@
       </p:sp>
       <p:sp>
         <p:nvSpPr>
-          <p:cNvPr id="53" name="Bent Arrow 52"/>
+          <p:cNvPr id="55" name="Up Arrow 54"/>
           <p:cNvSpPr>
             <a:spLocks/>
           </p:cNvSpPr>
           <p:nvPr/>
         </p:nvSpPr>
         <p:spPr>
-          <a:xfrm rot="5400000" flipH="1">
-            <a:off x="7092630" y="187848"/>
+          <a:xfrm>
+            <a:off x="8185949" y="881543"/>
+            <a:ext cx="198453" cy="432048"/>
+          </a:xfrm>
+          <a:prstGeom prst="upArrow">
+            <a:avLst>
+              <a:gd name="adj1" fmla="val 31999"/>
+              <a:gd name="adj2" fmla="val 68312"/>
+            </a:avLst>
+          </a:prstGeom>
+          <a:solidFill>
+            <a:srgbClr val="7030A0"/>
+          </a:solidFill>
+          <a:ln>
+            <a:solidFill>
+              <a:schemeClr val="accent3">
+                <a:lumMod val="50000"/>
+              </a:schemeClr>
+            </a:solidFill>
+          </a:ln>
+        </p:spPr>
+        <p:style>
+          <a:lnRef idx="2">
+            <a:schemeClr val="accent3">
+              <a:shade val="50000"/>
+            </a:schemeClr>
+          </a:lnRef>
+          <a:fillRef idx="1">
+            <a:schemeClr val="accent3"/>
+          </a:fillRef>
+          <a:effectRef idx="0">
+            <a:schemeClr val="accent3"/>
+          </a:effectRef>
+          <a:fontRef idx="minor">
+            <a:schemeClr val="lt1"/>
+          </a:fontRef>
+        </p:style>
+        <p:txBody>
+          <a:bodyPr rtlCol="0" anchor="ctr"/>
+          <a:lstStyle/>
+          <a:p>
+            <a:pPr algn="ctr"/>
+            <a:endParaRPr lang="pl-PL"/>
+          </a:p>
+        </p:txBody>
+      </p:sp>
+      <p:sp>
+        <p:nvSpPr>
+          <p:cNvPr id="59" name="Bent Arrow 58"/>
+          <p:cNvSpPr>
+            <a:spLocks/>
+          </p:cNvSpPr>
+          <p:nvPr/>
+        </p:nvSpPr>
+        <p:spPr>
+          <a:xfrm flipH="1">
+            <a:off x="8100392" y="188640"/>
             <a:ext cx="432048" cy="576064"/>
           </a:xfrm>
           <a:prstGeom prst="bentArrow">
@@ -42032,267 +40340,42 @@
       </p:sp>
       <p:sp>
         <p:nvSpPr>
-          <p:cNvPr id="54" name="Up Arrow 53"/>
-          <p:cNvSpPr>
-            <a:spLocks/>
-          </p:cNvSpPr>
+          <p:cNvPr id="64" name="Strzałka: zawracanie 63">
+            <a:extLst>
+              <a:ext uri="{FF2B5EF4-FFF2-40B4-BE49-F238E27FC236}">
+                <a16:creationId xmlns:a16="http://schemas.microsoft.com/office/drawing/2014/main" id="{078B8FAC-7623-4E28-AF8F-2D063C7050A5}"/>
+              </a:ext>
+            </a:extLst>
+          </p:cNvPr>
+          <p:cNvSpPr/>
           <p:nvPr/>
         </p:nvSpPr>
         <p:spPr>
-          <a:xfrm rot="5400000">
-            <a:off x="7281435" y="880750"/>
-            <a:ext cx="198453" cy="432048"/>
-          </a:xfrm>
-          <a:prstGeom prst="upArrow">
+          <a:xfrm>
+            <a:off x="1660091" y="2420888"/>
+            <a:ext cx="432048" cy="288032"/>
+          </a:xfrm>
+          <a:prstGeom prst="uturnArrow">
             <a:avLst>
-              <a:gd name="adj1" fmla="val 31999"/>
-              <a:gd name="adj2" fmla="val 68312"/>
+              <a:gd name="adj1" fmla="val 25000"/>
+              <a:gd name="adj2" fmla="val 25000"/>
+              <a:gd name="adj3" fmla="val 25000"/>
+              <a:gd name="adj4" fmla="val 75000"/>
+              <a:gd name="adj5" fmla="val 100000"/>
             </a:avLst>
           </a:prstGeom>
-          <a:solidFill>
-            <a:srgbClr val="7030A0"/>
-          </a:solidFill>
-          <a:ln>
-            <a:solidFill>
-              <a:schemeClr val="accent3">
-                <a:lumMod val="50000"/>
-              </a:schemeClr>
-            </a:solidFill>
-          </a:ln>
         </p:spPr>
         <p:style>
           <a:lnRef idx="2">
-            <a:schemeClr val="accent3">
+            <a:schemeClr val="accent4">
               <a:shade val="50000"/>
             </a:schemeClr>
           </a:lnRef>
           <a:fillRef idx="1">
-            <a:schemeClr val="accent3"/>
+            <a:schemeClr val="accent4"/>
           </a:fillRef>
           <a:effectRef idx="0">
-            <a:schemeClr val="accent3"/>
-          </a:effectRef>
-          <a:fontRef idx="minor">
-            <a:schemeClr val="lt1"/>
-          </a:fontRef>
-        </p:style>
-        <p:txBody>
-          <a:bodyPr rtlCol="0" anchor="ctr"/>
-          <a:lstStyle/>
-          <a:p>
-            <a:pPr algn="ctr"/>
-            <a:endParaRPr lang="pl-PL"/>
-          </a:p>
-        </p:txBody>
-      </p:sp>
-      <p:sp>
-        <p:nvSpPr>
-          <p:cNvPr id="55" name="Up Arrow 54"/>
-          <p:cNvSpPr>
-            <a:spLocks/>
-          </p:cNvSpPr>
-          <p:nvPr/>
-        </p:nvSpPr>
-        <p:spPr>
-          <a:xfrm>
-            <a:off x="6313743" y="880751"/>
-            <a:ext cx="198453" cy="432048"/>
-          </a:xfrm>
-          <a:prstGeom prst="upArrow">
-            <a:avLst>
-              <a:gd name="adj1" fmla="val 31999"/>
-              <a:gd name="adj2" fmla="val 68312"/>
-            </a:avLst>
-          </a:prstGeom>
-          <a:solidFill>
-            <a:srgbClr val="7030A0"/>
-          </a:solidFill>
-          <a:ln>
-            <a:solidFill>
-              <a:schemeClr val="accent3">
-                <a:lumMod val="50000"/>
-              </a:schemeClr>
-            </a:solidFill>
-          </a:ln>
-        </p:spPr>
-        <p:style>
-          <a:lnRef idx="2">
-            <a:schemeClr val="accent3">
-              <a:shade val="50000"/>
-            </a:schemeClr>
-          </a:lnRef>
-          <a:fillRef idx="1">
-            <a:schemeClr val="accent3"/>
-          </a:fillRef>
-          <a:effectRef idx="0">
-            <a:schemeClr val="accent3"/>
-          </a:effectRef>
-          <a:fontRef idx="minor">
-            <a:schemeClr val="lt1"/>
-          </a:fontRef>
-        </p:style>
-        <p:txBody>
-          <a:bodyPr rtlCol="0" anchor="ctr"/>
-          <a:lstStyle/>
-          <a:p>
-            <a:pPr algn="ctr"/>
-            <a:endParaRPr lang="pl-PL"/>
-          </a:p>
-        </p:txBody>
-      </p:sp>
-      <p:sp>
-        <p:nvSpPr>
-          <p:cNvPr id="56" name="Up Arrow 55"/>
-          <p:cNvSpPr>
-            <a:spLocks/>
-          </p:cNvSpPr>
-          <p:nvPr/>
-        </p:nvSpPr>
-        <p:spPr>
-          <a:xfrm rot="16200000" flipH="1">
-            <a:off x="5017635" y="880750"/>
-            <a:ext cx="198453" cy="432048"/>
-          </a:xfrm>
-          <a:prstGeom prst="upArrow">
-            <a:avLst>
-              <a:gd name="adj1" fmla="val 31999"/>
-              <a:gd name="adj2" fmla="val 68312"/>
-            </a:avLst>
-          </a:prstGeom>
-          <a:solidFill>
-            <a:srgbClr val="7030A0"/>
-          </a:solidFill>
-          <a:ln>
-            <a:solidFill>
-              <a:schemeClr val="accent3">
-                <a:lumMod val="50000"/>
-              </a:schemeClr>
-            </a:solidFill>
-          </a:ln>
-        </p:spPr>
-        <p:style>
-          <a:lnRef idx="2">
-            <a:schemeClr val="accent3">
-              <a:shade val="50000"/>
-            </a:schemeClr>
-          </a:lnRef>
-          <a:fillRef idx="1">
-            <a:schemeClr val="accent3"/>
-          </a:fillRef>
-          <a:effectRef idx="0">
-            <a:schemeClr val="accent3"/>
-          </a:effectRef>
-          <a:fontRef idx="minor">
-            <a:schemeClr val="lt1"/>
-          </a:fontRef>
-        </p:style>
-        <p:txBody>
-          <a:bodyPr rtlCol="0" anchor="ctr"/>
-          <a:lstStyle/>
-          <a:p>
-            <a:pPr algn="ctr"/>
-            <a:endParaRPr lang="pl-PL"/>
-          </a:p>
-        </p:txBody>
-      </p:sp>
-      <p:sp>
-        <p:nvSpPr>
-          <p:cNvPr id="57" name="Up Arrow 56"/>
-          <p:cNvSpPr>
-            <a:spLocks/>
-          </p:cNvSpPr>
-          <p:nvPr/>
-        </p:nvSpPr>
-        <p:spPr>
-          <a:xfrm rot="10800000">
-            <a:off x="8505222" y="890684"/>
-            <a:ext cx="198453" cy="432048"/>
-          </a:xfrm>
-          <a:prstGeom prst="upArrow">
-            <a:avLst>
-              <a:gd name="adj1" fmla="val 31999"/>
-              <a:gd name="adj2" fmla="val 68312"/>
-            </a:avLst>
-          </a:prstGeom>
-          <a:solidFill>
-            <a:srgbClr val="7030A0"/>
-          </a:solidFill>
-          <a:ln>
-            <a:solidFill>
-              <a:schemeClr val="accent3">
-                <a:lumMod val="50000"/>
-              </a:schemeClr>
-            </a:solidFill>
-          </a:ln>
-        </p:spPr>
-        <p:style>
-          <a:lnRef idx="2">
-            <a:schemeClr val="accent3">
-              <a:shade val="50000"/>
-            </a:schemeClr>
-          </a:lnRef>
-          <a:fillRef idx="1">
-            <a:schemeClr val="accent3"/>
-          </a:fillRef>
-          <a:effectRef idx="0">
-            <a:schemeClr val="accent3"/>
-          </a:effectRef>
-          <a:fontRef idx="minor">
-            <a:schemeClr val="lt1"/>
-          </a:fontRef>
-        </p:style>
-        <p:txBody>
-          <a:bodyPr rtlCol="0" anchor="ctr"/>
-          <a:lstStyle/>
-          <a:p>
-            <a:pPr algn="ctr"/>
-            <a:endParaRPr lang="pl-PL"/>
-          </a:p>
-        </p:txBody>
-      </p:sp>
-      <p:sp>
-        <p:nvSpPr>
-          <p:cNvPr id="58" name="Bent Arrow 57"/>
-          <p:cNvSpPr>
-            <a:spLocks/>
-          </p:cNvSpPr>
-          <p:nvPr/>
-        </p:nvSpPr>
-        <p:spPr>
-          <a:xfrm rot="10800000" flipH="1">
-            <a:off x="8388424" y="88864"/>
-            <a:ext cx="432048" cy="576064"/>
-          </a:xfrm>
-          <a:prstGeom prst="bentArrow">
-            <a:avLst>
-              <a:gd name="adj1" fmla="val 25000"/>
-              <a:gd name="adj2" fmla="val 27645"/>
-              <a:gd name="adj3" fmla="val 50000"/>
-              <a:gd name="adj4" fmla="val 43750"/>
-            </a:avLst>
-          </a:prstGeom>
-          <a:solidFill>
-            <a:srgbClr val="7030A0"/>
-          </a:solidFill>
-          <a:ln>
-            <a:solidFill>
-              <a:schemeClr val="accent3">
-                <a:lumMod val="50000"/>
-              </a:schemeClr>
-            </a:solidFill>
-          </a:ln>
-        </p:spPr>
-        <p:style>
-          <a:lnRef idx="2">
-            <a:schemeClr val="accent3">
-              <a:shade val="50000"/>
-            </a:schemeClr>
-          </a:lnRef>
-          <a:fillRef idx="1">
-            <a:schemeClr val="accent3"/>
-          </a:fillRef>
-          <a:effectRef idx="0">
-            <a:schemeClr val="accent3"/>
+            <a:schemeClr val="accent4"/>
           </a:effectRef>
           <a:fontRef idx="minor">
             <a:schemeClr val="lt1"/>
@@ -42313,47 +40396,42 @@
       </p:sp>
       <p:sp>
         <p:nvSpPr>
-          <p:cNvPr id="59" name="Bent Arrow 58"/>
-          <p:cNvSpPr>
-            <a:spLocks/>
-          </p:cNvSpPr>
+          <p:cNvPr id="67" name="Strzałka: zawracanie 66">
+            <a:extLst>
+              <a:ext uri="{FF2B5EF4-FFF2-40B4-BE49-F238E27FC236}">
+                <a16:creationId xmlns:a16="http://schemas.microsoft.com/office/drawing/2014/main" id="{881BF46E-1BBA-4B10-BDAA-9042C2E350F4}"/>
+              </a:ext>
+            </a:extLst>
+          </p:cNvPr>
+          <p:cNvSpPr/>
           <p:nvPr/>
         </p:nvSpPr>
         <p:spPr>
-          <a:xfrm flipH="1">
-            <a:off x="6228186" y="187848"/>
-            <a:ext cx="432048" cy="576064"/>
-          </a:xfrm>
-          <a:prstGeom prst="bentArrow">
+          <a:xfrm>
+            <a:off x="3440408" y="2420888"/>
+            <a:ext cx="432048" cy="288032"/>
+          </a:xfrm>
+          <a:prstGeom prst="uturnArrow">
             <a:avLst>
               <a:gd name="adj1" fmla="val 25000"/>
-              <a:gd name="adj2" fmla="val 27645"/>
-              <a:gd name="adj3" fmla="val 50000"/>
-              <a:gd name="adj4" fmla="val 43750"/>
+              <a:gd name="adj2" fmla="val 25000"/>
+              <a:gd name="adj3" fmla="val 25000"/>
+              <a:gd name="adj4" fmla="val 75000"/>
+              <a:gd name="adj5" fmla="val 100000"/>
             </a:avLst>
           </a:prstGeom>
-          <a:solidFill>
-            <a:srgbClr val="7030A0"/>
-          </a:solidFill>
-          <a:ln>
-            <a:solidFill>
-              <a:schemeClr val="accent3">
-                <a:lumMod val="50000"/>
-              </a:schemeClr>
-            </a:solidFill>
-          </a:ln>
         </p:spPr>
         <p:style>
           <a:lnRef idx="2">
-            <a:schemeClr val="accent3">
+            <a:schemeClr val="accent4">
               <a:shade val="50000"/>
             </a:schemeClr>
           </a:lnRef>
           <a:fillRef idx="1">
-            <a:schemeClr val="accent3"/>
+            <a:schemeClr val="accent4"/>
           </a:fillRef>
           <a:effectRef idx="0">
-            <a:schemeClr val="accent3"/>
+            <a:schemeClr val="accent4"/>
           </a:effectRef>
           <a:fontRef idx="minor">
             <a:schemeClr val="lt1"/>
@@ -42374,47 +40452,42 @@
       </p:sp>
       <p:sp>
         <p:nvSpPr>
-          <p:cNvPr id="60" name="Bent Arrow 59"/>
-          <p:cNvSpPr>
-            <a:spLocks/>
-          </p:cNvSpPr>
+          <p:cNvPr id="68" name="Strzałka: zawracanie 67">
+            <a:extLst>
+              <a:ext uri="{FF2B5EF4-FFF2-40B4-BE49-F238E27FC236}">
+                <a16:creationId xmlns:a16="http://schemas.microsoft.com/office/drawing/2014/main" id="{3210B1C1-CF02-41D4-A63A-431DD16C5D18}"/>
+              </a:ext>
+            </a:extLst>
+          </p:cNvPr>
+          <p:cNvSpPr/>
           <p:nvPr/>
         </p:nvSpPr>
         <p:spPr>
-          <a:xfrm rot="16200000">
-            <a:off x="5076406" y="171120"/>
-            <a:ext cx="432048" cy="576064"/>
-          </a:xfrm>
-          <a:prstGeom prst="bentArrow">
+          <a:xfrm>
+            <a:off x="5247241" y="2420888"/>
+            <a:ext cx="432048" cy="288032"/>
+          </a:xfrm>
+          <a:prstGeom prst="uturnArrow">
             <a:avLst>
               <a:gd name="adj1" fmla="val 25000"/>
-              <a:gd name="adj2" fmla="val 27645"/>
-              <a:gd name="adj3" fmla="val 50000"/>
-              <a:gd name="adj4" fmla="val 43750"/>
+              <a:gd name="adj2" fmla="val 25000"/>
+              <a:gd name="adj3" fmla="val 25000"/>
+              <a:gd name="adj4" fmla="val 75000"/>
+              <a:gd name="adj5" fmla="val 100000"/>
             </a:avLst>
           </a:prstGeom>
-          <a:solidFill>
-            <a:srgbClr val="7030A0"/>
-          </a:solidFill>
-          <a:ln>
-            <a:solidFill>
-              <a:schemeClr val="accent3">
-                <a:lumMod val="50000"/>
-              </a:schemeClr>
-            </a:solidFill>
-          </a:ln>
         </p:spPr>
         <p:style>
           <a:lnRef idx="2">
-            <a:schemeClr val="accent3">
+            <a:schemeClr val="accent4">
               <a:shade val="50000"/>
             </a:schemeClr>
           </a:lnRef>
           <a:fillRef idx="1">
-            <a:schemeClr val="accent3"/>
+            <a:schemeClr val="accent4"/>
           </a:fillRef>
           <a:effectRef idx="0">
-            <a:schemeClr val="accent3"/>
+            <a:schemeClr val="accent4"/>
           </a:effectRef>
           <a:fontRef idx="minor">
             <a:schemeClr val="lt1"/>
@@ -42430,299 +40503,6 @@
                 <a:schemeClr val="tx1"/>
               </a:solidFill>
             </a:endParaRPr>
-          </a:p>
-        </p:txBody>
-      </p:sp>
-      <p:sp>
-        <p:nvSpPr>
-          <p:cNvPr id="61" name="Bent Arrow 60"/>
-          <p:cNvSpPr>
-            <a:spLocks/>
-          </p:cNvSpPr>
-          <p:nvPr/>
-        </p:nvSpPr>
-        <p:spPr>
-          <a:xfrm rot="5400000">
-            <a:off x="7173850" y="1458476"/>
-            <a:ext cx="432048" cy="576064"/>
-          </a:xfrm>
-          <a:prstGeom prst="bentArrow">
-            <a:avLst>
-              <a:gd name="adj1" fmla="val 26764"/>
-              <a:gd name="adj2" fmla="val 25881"/>
-              <a:gd name="adj3" fmla="val 50000"/>
-              <a:gd name="adj4" fmla="val 61387"/>
-            </a:avLst>
-          </a:prstGeom>
-          <a:solidFill>
-            <a:srgbClr val="7030A0"/>
-          </a:solidFill>
-          <a:ln>
-            <a:solidFill>
-              <a:schemeClr val="accent3">
-                <a:lumMod val="50000"/>
-              </a:schemeClr>
-            </a:solidFill>
-          </a:ln>
-        </p:spPr>
-        <p:style>
-          <a:lnRef idx="2">
-            <a:schemeClr val="accent3">
-              <a:shade val="50000"/>
-            </a:schemeClr>
-          </a:lnRef>
-          <a:fillRef idx="1">
-            <a:schemeClr val="accent3"/>
-          </a:fillRef>
-          <a:effectRef idx="0">
-            <a:schemeClr val="accent3"/>
-          </a:effectRef>
-          <a:fontRef idx="minor">
-            <a:schemeClr val="lt1"/>
-          </a:fontRef>
-        </p:style>
-        <p:txBody>
-          <a:bodyPr rtlCol="0" anchor="ctr"/>
-          <a:lstStyle/>
-          <a:p>
-            <a:pPr algn="ctr"/>
-            <a:endParaRPr lang="pl-PL">
-              <a:solidFill>
-                <a:schemeClr val="tx1"/>
-              </a:solidFill>
-            </a:endParaRPr>
-          </a:p>
-        </p:txBody>
-      </p:sp>
-      <p:sp>
-        <p:nvSpPr>
-          <p:cNvPr id="62" name="Bent Arrow 61"/>
-          <p:cNvSpPr>
-            <a:spLocks/>
-          </p:cNvSpPr>
-          <p:nvPr/>
-        </p:nvSpPr>
-        <p:spPr>
-          <a:xfrm flipH="1">
-            <a:off x="8404534" y="1458476"/>
-            <a:ext cx="432048" cy="576064"/>
-          </a:xfrm>
-          <a:prstGeom prst="bentArrow">
-            <a:avLst>
-              <a:gd name="adj1" fmla="val 26764"/>
-              <a:gd name="adj2" fmla="val 25881"/>
-              <a:gd name="adj3" fmla="val 50000"/>
-              <a:gd name="adj4" fmla="val 61387"/>
-            </a:avLst>
-          </a:prstGeom>
-          <a:solidFill>
-            <a:srgbClr val="7030A0"/>
-          </a:solidFill>
-          <a:ln>
-            <a:solidFill>
-              <a:schemeClr val="accent3">
-                <a:lumMod val="50000"/>
-              </a:schemeClr>
-            </a:solidFill>
-          </a:ln>
-        </p:spPr>
-        <p:style>
-          <a:lnRef idx="2">
-            <a:schemeClr val="accent3">
-              <a:shade val="50000"/>
-            </a:schemeClr>
-          </a:lnRef>
-          <a:fillRef idx="1">
-            <a:schemeClr val="accent3"/>
-          </a:fillRef>
-          <a:effectRef idx="0">
-            <a:schemeClr val="accent3"/>
-          </a:effectRef>
-          <a:fontRef idx="minor">
-            <a:schemeClr val="lt1"/>
-          </a:fontRef>
-        </p:style>
-        <p:txBody>
-          <a:bodyPr rtlCol="0" anchor="ctr"/>
-          <a:lstStyle/>
-          <a:p>
-            <a:pPr algn="ctr"/>
-            <a:endParaRPr lang="pl-PL">
-              <a:solidFill>
-                <a:schemeClr val="tx1"/>
-              </a:solidFill>
-            </a:endParaRPr>
-          </a:p>
-        </p:txBody>
-      </p:sp>
-      <p:sp>
-        <p:nvSpPr>
-          <p:cNvPr id="63" name="Bent Arrow 62"/>
-          <p:cNvSpPr>
-            <a:spLocks/>
-          </p:cNvSpPr>
-          <p:nvPr/>
-        </p:nvSpPr>
-        <p:spPr>
-          <a:xfrm rot="5400000">
-            <a:off x="5076405" y="1475288"/>
-            <a:ext cx="432048" cy="576064"/>
-          </a:xfrm>
-          <a:prstGeom prst="bentArrow">
-            <a:avLst>
-              <a:gd name="adj1" fmla="val 26764"/>
-              <a:gd name="adj2" fmla="val 25881"/>
-              <a:gd name="adj3" fmla="val 50000"/>
-              <a:gd name="adj4" fmla="val 61387"/>
-            </a:avLst>
-          </a:prstGeom>
-          <a:solidFill>
-            <a:srgbClr val="7030A0"/>
-          </a:solidFill>
-          <a:ln>
-            <a:solidFill>
-              <a:schemeClr val="accent3">
-                <a:lumMod val="50000"/>
-              </a:schemeClr>
-            </a:solidFill>
-          </a:ln>
-        </p:spPr>
-        <p:style>
-          <a:lnRef idx="2">
-            <a:schemeClr val="accent3">
-              <a:shade val="50000"/>
-            </a:schemeClr>
-          </a:lnRef>
-          <a:fillRef idx="1">
-            <a:schemeClr val="accent3"/>
-          </a:fillRef>
-          <a:effectRef idx="0">
-            <a:schemeClr val="accent3"/>
-          </a:effectRef>
-          <a:fontRef idx="minor">
-            <a:schemeClr val="lt1"/>
-          </a:fontRef>
-        </p:style>
-        <p:txBody>
-          <a:bodyPr rtlCol="0" anchor="ctr"/>
-          <a:lstStyle/>
-          <a:p>
-            <a:pPr algn="ctr"/>
-            <a:endParaRPr lang="pl-PL">
-              <a:solidFill>
-                <a:schemeClr val="tx1"/>
-              </a:solidFill>
-            </a:endParaRPr>
-          </a:p>
-        </p:txBody>
-      </p:sp>
-      <p:sp>
-        <p:nvSpPr>
-          <p:cNvPr id="65" name="Up Arrow 46"/>
-          <p:cNvSpPr>
-            <a:spLocks/>
-          </p:cNvSpPr>
-          <p:nvPr/>
-        </p:nvSpPr>
-        <p:spPr>
-          <a:xfrm rot="15000000">
-            <a:off x="6149446" y="2796536"/>
-            <a:ext cx="198453" cy="432048"/>
-          </a:xfrm>
-          <a:prstGeom prst="upArrow">
-            <a:avLst>
-              <a:gd name="adj1" fmla="val 31999"/>
-              <a:gd name="adj2" fmla="val 68312"/>
-            </a:avLst>
-          </a:prstGeom>
-          <a:solidFill>
-            <a:srgbClr val="7030A0"/>
-          </a:solidFill>
-          <a:ln>
-            <a:solidFill>
-              <a:schemeClr val="accent3">
-                <a:lumMod val="50000"/>
-              </a:schemeClr>
-            </a:solidFill>
-          </a:ln>
-        </p:spPr>
-        <p:style>
-          <a:lnRef idx="2">
-            <a:schemeClr val="accent3">
-              <a:shade val="50000"/>
-            </a:schemeClr>
-          </a:lnRef>
-          <a:fillRef idx="1">
-            <a:schemeClr val="accent3"/>
-          </a:fillRef>
-          <a:effectRef idx="0">
-            <a:schemeClr val="accent3"/>
-          </a:effectRef>
-          <a:fontRef idx="minor">
-            <a:schemeClr val="lt1"/>
-          </a:fontRef>
-        </p:style>
-        <p:txBody>
-          <a:bodyPr rtlCol="0" anchor="ctr"/>
-          <a:lstStyle/>
-          <a:p>
-            <a:pPr algn="ctr"/>
-            <a:endParaRPr lang="pl-PL"/>
-          </a:p>
-        </p:txBody>
-      </p:sp>
-      <p:sp>
-        <p:nvSpPr>
-          <p:cNvPr id="66" name="Up Arrow 46"/>
-          <p:cNvSpPr>
-            <a:spLocks/>
-          </p:cNvSpPr>
-          <p:nvPr/>
-        </p:nvSpPr>
-        <p:spPr>
-          <a:xfrm rot="17400000">
-            <a:off x="7232159" y="3147179"/>
-            <a:ext cx="198453" cy="432048"/>
-          </a:xfrm>
-          <a:prstGeom prst="upArrow">
-            <a:avLst>
-              <a:gd name="adj1" fmla="val 31999"/>
-              <a:gd name="adj2" fmla="val 68312"/>
-            </a:avLst>
-          </a:prstGeom>
-          <a:solidFill>
-            <a:srgbClr val="7030A0"/>
-          </a:solidFill>
-          <a:ln>
-            <a:solidFill>
-              <a:schemeClr val="accent3">
-                <a:lumMod val="50000"/>
-              </a:schemeClr>
-            </a:solidFill>
-          </a:ln>
-        </p:spPr>
-        <p:style>
-          <a:lnRef idx="2">
-            <a:schemeClr val="accent3">
-              <a:shade val="50000"/>
-            </a:schemeClr>
-          </a:lnRef>
-          <a:fillRef idx="1">
-            <a:schemeClr val="accent3"/>
-          </a:fillRef>
-          <a:effectRef idx="0">
-            <a:schemeClr val="accent3"/>
-          </a:effectRef>
-          <a:fontRef idx="minor">
-            <a:schemeClr val="lt1"/>
-          </a:fontRef>
-        </p:style>
-        <p:txBody>
-          <a:bodyPr rtlCol="0" anchor="ctr"/>
-          <a:lstStyle/>
-          <a:p>
-            <a:pPr algn="ctr"/>
-            <a:endParaRPr lang="pl-PL"/>
           </a:p>
         </p:txBody>
       </p:sp>
@@ -44853,7 +42633,7 @@
                         <m:sSubPr>
                           <m:ctrlPr>
                             <a:rPr lang="pl-PL" i="1" smtClean="0">
-                              <a:latin typeface="Cambria Math"/>
+                              <a:latin typeface="Cambria Math" panose="02040503050406030204" pitchFamily="18" charset="0"/>
                             </a:rPr>
                           </m:ctrlPr>
                         </m:sSubPr>
@@ -44956,7 +42736,7 @@
                         <m:sSubPr>
                           <m:ctrlPr>
                             <a:rPr lang="pl-PL" i="1" smtClean="0">
-                              <a:latin typeface="Cambria Math"/>
+                              <a:latin typeface="Cambria Math" panose="02040503050406030204" pitchFamily="18" charset="0"/>
                             </a:rPr>
                           </m:ctrlPr>
                         </m:sSubPr>
@@ -45059,7 +42839,7 @@
                         <m:sSubPr>
                           <m:ctrlPr>
                             <a:rPr lang="pl-PL" i="1" smtClean="0">
-                              <a:latin typeface="Cambria Math"/>
+                              <a:latin typeface="Cambria Math" panose="02040503050406030204" pitchFamily="18" charset="0"/>
                             </a:rPr>
                           </m:ctrlPr>
                         </m:sSubPr>
@@ -45203,7 +42983,7 @@
                         <m:sSubPr>
                           <m:ctrlPr>
                             <a:rPr lang="pl-PL" i="1" smtClean="0">
-                              <a:latin typeface="Cambria Math"/>
+                              <a:latin typeface="Cambria Math" panose="02040503050406030204" pitchFamily="18" charset="0"/>
                             </a:rPr>
                           </m:ctrlPr>
                         </m:sSubPr>
@@ -45306,7 +43086,7 @@
                         <m:sSubPr>
                           <m:ctrlPr>
                             <a:rPr lang="pl-PL" i="1" smtClean="0">
-                              <a:latin typeface="Cambria Math"/>
+                              <a:latin typeface="Cambria Math" panose="02040503050406030204" pitchFamily="18" charset="0"/>
                             </a:rPr>
                           </m:ctrlPr>
                         </m:sSubPr>
@@ -45532,7 +43312,7 @@
                         <m:sSubPr>
                           <m:ctrlPr>
                             <a:rPr lang="pl-PL" i="1" smtClean="0">
-                              <a:latin typeface="Cambria Math"/>
+                              <a:latin typeface="Cambria Math" panose="02040503050406030204" pitchFamily="18" charset="0"/>
                             </a:rPr>
                           </m:ctrlPr>
                         </m:sSubPr>
@@ -45635,7 +43415,7 @@
                         <m:sSubPr>
                           <m:ctrlPr>
                             <a:rPr lang="pl-PL" i="1" smtClean="0">
-                              <a:latin typeface="Cambria Math"/>
+                              <a:latin typeface="Cambria Math" panose="02040503050406030204" pitchFamily="18" charset="0"/>
                             </a:rPr>
                           </m:ctrlPr>
                         </m:sSubPr>
@@ -45820,7 +43600,7 @@
                         <m:sSubPr>
                           <m:ctrlPr>
                             <a:rPr lang="pl-PL" i="1" smtClean="0">
-                              <a:latin typeface="Cambria Math"/>
+                              <a:latin typeface="Cambria Math" panose="02040503050406030204" pitchFamily="18" charset="0"/>
                             </a:rPr>
                           </m:ctrlPr>
                         </m:sSubPr>
@@ -45923,7 +43703,7 @@
                         <m:sSubPr>
                           <m:ctrlPr>
                             <a:rPr lang="pl-PL" i="1" smtClean="0">
-                              <a:latin typeface="Cambria Math"/>
+                              <a:latin typeface="Cambria Math" panose="02040503050406030204" pitchFamily="18" charset="0"/>
                             </a:rPr>
                           </m:ctrlPr>
                         </m:sSubPr>
@@ -46001,13 +43781,6 @@
   <p:clrMapOvr>
     <a:masterClrMapping/>
   </p:clrMapOvr>
-  <p:timing>
-    <p:tnLst>
-      <p:par>
-        <p:cTn id="1" dur="indefinite" restart="never" nodeType="tmRoot"/>
-      </p:par>
-    </p:tnLst>
-  </p:timing>
 </p:sld>
 </file>
 
@@ -46127,7 +43900,7 @@
                         <m:sSubPr>
                           <m:ctrlPr>
                             <a:rPr lang="pl-PL" i="1" smtClean="0">
-                              <a:latin typeface="Cambria Math"/>
+                              <a:latin typeface="Cambria Math" panose="02040503050406030204" pitchFamily="18" charset="0"/>
                             </a:rPr>
                           </m:ctrlPr>
                         </m:sSubPr>
@@ -46230,7 +44003,7 @@
                         <m:sSubPr>
                           <m:ctrlPr>
                             <a:rPr lang="pl-PL" i="1" smtClean="0">
-                              <a:latin typeface="Cambria Math"/>
+                              <a:latin typeface="Cambria Math" panose="02040503050406030204" pitchFamily="18" charset="0"/>
                             </a:rPr>
                           </m:ctrlPr>
                         </m:sSubPr>
@@ -46333,7 +44106,7 @@
                         <m:sSubPr>
                           <m:ctrlPr>
                             <a:rPr lang="pl-PL" i="1" smtClean="0">
-                              <a:latin typeface="Cambria Math"/>
+                              <a:latin typeface="Cambria Math" panose="02040503050406030204" pitchFamily="18" charset="0"/>
                             </a:rPr>
                           </m:ctrlPr>
                         </m:sSubPr>
@@ -46477,7 +44250,7 @@
                         <m:sSubPr>
                           <m:ctrlPr>
                             <a:rPr lang="pl-PL" i="1" smtClean="0">
-                              <a:latin typeface="Cambria Math"/>
+                              <a:latin typeface="Cambria Math" panose="02040503050406030204" pitchFamily="18" charset="0"/>
                             </a:rPr>
                           </m:ctrlPr>
                         </m:sSubPr>
@@ -46580,7 +44353,7 @@
                         <m:sSubPr>
                           <m:ctrlPr>
                             <a:rPr lang="pl-PL" i="1" smtClean="0">
-                              <a:latin typeface="Cambria Math"/>
+                              <a:latin typeface="Cambria Math" panose="02040503050406030204" pitchFamily="18" charset="0"/>
                             </a:rPr>
                           </m:ctrlPr>
                         </m:sSubPr>
@@ -46806,7 +44579,7 @@
                         <m:sSubPr>
                           <m:ctrlPr>
                             <a:rPr lang="pl-PL" i="1" smtClean="0">
-                              <a:latin typeface="Cambria Math"/>
+                              <a:latin typeface="Cambria Math" panose="02040503050406030204" pitchFamily="18" charset="0"/>
                             </a:rPr>
                           </m:ctrlPr>
                         </m:sSubPr>
@@ -46909,7 +44682,7 @@
                         <m:sSubPr>
                           <m:ctrlPr>
                             <a:rPr lang="pl-PL" i="1" smtClean="0">
-                              <a:latin typeface="Cambria Math"/>
+                              <a:latin typeface="Cambria Math" panose="02040503050406030204" pitchFamily="18" charset="0"/>
                             </a:rPr>
                           </m:ctrlPr>
                         </m:sSubPr>
@@ -47094,7 +44867,7 @@
                         <m:sSubPr>
                           <m:ctrlPr>
                             <a:rPr lang="pl-PL" i="1" smtClean="0">
-                              <a:latin typeface="Cambria Math"/>
+                              <a:latin typeface="Cambria Math" panose="02040503050406030204" pitchFamily="18" charset="0"/>
                             </a:rPr>
                           </m:ctrlPr>
                         </m:sSubPr>
@@ -47197,7 +44970,7 @@
                         <m:sSubPr>
                           <m:ctrlPr>
                             <a:rPr lang="pl-PL" i="1" smtClean="0">
-                              <a:latin typeface="Cambria Math"/>
+                              <a:latin typeface="Cambria Math" panose="02040503050406030204" pitchFamily="18" charset="0"/>
                             </a:rPr>
                           </m:ctrlPr>
                         </m:sSubPr>
@@ -47403,13 +45176,6 @@
   <p:clrMapOvr>
     <a:masterClrMapping/>
   </p:clrMapOvr>
-  <p:timing>
-    <p:tnLst>
-      <p:par>
-        <p:cTn id="1" dur="indefinite" restart="never" nodeType="tmRoot"/>
-      </p:par>
-    </p:tnLst>
-  </p:timing>
 </p:sld>
 </file>
 

--- a/obrazy.pptx
+++ b/obrazy.pptx
@@ -40171,7 +40171,7 @@
         </p:nvSpPr>
         <p:spPr>
           <a:xfrm>
-            <a:off x="8141232" y="1447436"/>
+            <a:off x="8100392" y="1628800"/>
             <a:ext cx="432048" cy="576064"/>
           </a:xfrm>
           <a:prstGeom prst="bentArrow">
@@ -40214,7 +40214,7 @@
           <a:lstStyle/>
           <a:p>
             <a:pPr algn="ctr"/>
-            <a:endParaRPr lang="pl-PL">
+            <a:endParaRPr lang="pl-PL" dirty="0">
               <a:solidFill>
                 <a:schemeClr val="tx1"/>
               </a:solidFill>
@@ -40320,174 +40320,6 @@
           </a:fillRef>
           <a:effectRef idx="0">
             <a:schemeClr val="accent3"/>
-          </a:effectRef>
-          <a:fontRef idx="minor">
-            <a:schemeClr val="lt1"/>
-          </a:fontRef>
-        </p:style>
-        <p:txBody>
-          <a:bodyPr rtlCol="0" anchor="ctr"/>
-          <a:lstStyle/>
-          <a:p>
-            <a:pPr algn="ctr"/>
-            <a:endParaRPr lang="pl-PL">
-              <a:solidFill>
-                <a:schemeClr val="tx1"/>
-              </a:solidFill>
-            </a:endParaRPr>
-          </a:p>
-        </p:txBody>
-      </p:sp>
-      <p:sp>
-        <p:nvSpPr>
-          <p:cNvPr id="64" name="Strzałka: zawracanie 63">
-            <a:extLst>
-              <a:ext uri="{FF2B5EF4-FFF2-40B4-BE49-F238E27FC236}">
-                <a16:creationId xmlns:a16="http://schemas.microsoft.com/office/drawing/2014/main" id="{078B8FAC-7623-4E28-AF8F-2D063C7050A5}"/>
-              </a:ext>
-            </a:extLst>
-          </p:cNvPr>
-          <p:cNvSpPr/>
-          <p:nvPr/>
-        </p:nvSpPr>
-        <p:spPr>
-          <a:xfrm>
-            <a:off x="1660091" y="2420888"/>
-            <a:ext cx="432048" cy="288032"/>
-          </a:xfrm>
-          <a:prstGeom prst="uturnArrow">
-            <a:avLst>
-              <a:gd name="adj1" fmla="val 25000"/>
-              <a:gd name="adj2" fmla="val 25000"/>
-              <a:gd name="adj3" fmla="val 25000"/>
-              <a:gd name="adj4" fmla="val 75000"/>
-              <a:gd name="adj5" fmla="val 100000"/>
-            </a:avLst>
-          </a:prstGeom>
-        </p:spPr>
-        <p:style>
-          <a:lnRef idx="2">
-            <a:schemeClr val="accent4">
-              <a:shade val="50000"/>
-            </a:schemeClr>
-          </a:lnRef>
-          <a:fillRef idx="1">
-            <a:schemeClr val="accent4"/>
-          </a:fillRef>
-          <a:effectRef idx="0">
-            <a:schemeClr val="accent4"/>
-          </a:effectRef>
-          <a:fontRef idx="minor">
-            <a:schemeClr val="lt1"/>
-          </a:fontRef>
-        </p:style>
-        <p:txBody>
-          <a:bodyPr rtlCol="0" anchor="ctr"/>
-          <a:lstStyle/>
-          <a:p>
-            <a:pPr algn="ctr"/>
-            <a:endParaRPr lang="pl-PL">
-              <a:solidFill>
-                <a:schemeClr val="tx1"/>
-              </a:solidFill>
-            </a:endParaRPr>
-          </a:p>
-        </p:txBody>
-      </p:sp>
-      <p:sp>
-        <p:nvSpPr>
-          <p:cNvPr id="67" name="Strzałka: zawracanie 66">
-            <a:extLst>
-              <a:ext uri="{FF2B5EF4-FFF2-40B4-BE49-F238E27FC236}">
-                <a16:creationId xmlns:a16="http://schemas.microsoft.com/office/drawing/2014/main" id="{881BF46E-1BBA-4B10-BDAA-9042C2E350F4}"/>
-              </a:ext>
-            </a:extLst>
-          </p:cNvPr>
-          <p:cNvSpPr/>
-          <p:nvPr/>
-        </p:nvSpPr>
-        <p:spPr>
-          <a:xfrm>
-            <a:off x="3440408" y="2420888"/>
-            <a:ext cx="432048" cy="288032"/>
-          </a:xfrm>
-          <a:prstGeom prst="uturnArrow">
-            <a:avLst>
-              <a:gd name="adj1" fmla="val 25000"/>
-              <a:gd name="adj2" fmla="val 25000"/>
-              <a:gd name="adj3" fmla="val 25000"/>
-              <a:gd name="adj4" fmla="val 75000"/>
-              <a:gd name="adj5" fmla="val 100000"/>
-            </a:avLst>
-          </a:prstGeom>
-        </p:spPr>
-        <p:style>
-          <a:lnRef idx="2">
-            <a:schemeClr val="accent4">
-              <a:shade val="50000"/>
-            </a:schemeClr>
-          </a:lnRef>
-          <a:fillRef idx="1">
-            <a:schemeClr val="accent4"/>
-          </a:fillRef>
-          <a:effectRef idx="0">
-            <a:schemeClr val="accent4"/>
-          </a:effectRef>
-          <a:fontRef idx="minor">
-            <a:schemeClr val="lt1"/>
-          </a:fontRef>
-        </p:style>
-        <p:txBody>
-          <a:bodyPr rtlCol="0" anchor="ctr"/>
-          <a:lstStyle/>
-          <a:p>
-            <a:pPr algn="ctr"/>
-            <a:endParaRPr lang="pl-PL">
-              <a:solidFill>
-                <a:schemeClr val="tx1"/>
-              </a:solidFill>
-            </a:endParaRPr>
-          </a:p>
-        </p:txBody>
-      </p:sp>
-      <p:sp>
-        <p:nvSpPr>
-          <p:cNvPr id="68" name="Strzałka: zawracanie 67">
-            <a:extLst>
-              <a:ext uri="{FF2B5EF4-FFF2-40B4-BE49-F238E27FC236}">
-                <a16:creationId xmlns:a16="http://schemas.microsoft.com/office/drawing/2014/main" id="{3210B1C1-CF02-41D4-A63A-431DD16C5D18}"/>
-              </a:ext>
-            </a:extLst>
-          </p:cNvPr>
-          <p:cNvSpPr/>
-          <p:nvPr/>
-        </p:nvSpPr>
-        <p:spPr>
-          <a:xfrm>
-            <a:off x="5247241" y="2420888"/>
-            <a:ext cx="432048" cy="288032"/>
-          </a:xfrm>
-          <a:prstGeom prst="uturnArrow">
-            <a:avLst>
-              <a:gd name="adj1" fmla="val 25000"/>
-              <a:gd name="adj2" fmla="val 25000"/>
-              <a:gd name="adj3" fmla="val 25000"/>
-              <a:gd name="adj4" fmla="val 75000"/>
-              <a:gd name="adj5" fmla="val 100000"/>
-            </a:avLst>
-          </a:prstGeom>
-        </p:spPr>
-        <p:style>
-          <a:lnRef idx="2">
-            <a:schemeClr val="accent4">
-              <a:shade val="50000"/>
-            </a:schemeClr>
-          </a:lnRef>
-          <a:fillRef idx="1">
-            <a:schemeClr val="accent4"/>
-          </a:fillRef>
-          <a:effectRef idx="0">
-            <a:schemeClr val="accent4"/>
           </a:effectRef>
           <a:fontRef idx="minor">
             <a:schemeClr val="lt1"/>

--- a/obrazy.pptx
+++ b/obrazy.pptx
@@ -138,7 +138,7 @@
   </p:defaultTextStyle>
   <p:extLst>
     <p:ext uri="{EFAFB233-063F-42B5-8137-9DF3F51BA10A}">
-      <p15:sldGuideLst xmlns:p15="http://schemas.microsoft.com/office/powerpoint/2012/main">
+      <p15:sldGuideLst xmlns:p15="http://schemas.microsoft.com/office/powerpoint/2012/main" xmlns="">
         <p15:guide id="1" orient="horz" pos="2160">
           <p15:clr>
             <a:srgbClr val="A4A3A4"/>
@@ -4320,7 +4320,7 @@
                         <m:sSubPr>
                           <m:ctrlPr>
                             <a:rPr lang="pl-PL" i="1" smtClean="0">
-                              <a:latin typeface="Cambria Math" panose="02040503050406030204" pitchFamily="18" charset="0"/>
+                              <a:latin typeface="Cambria Math"/>
                             </a:rPr>
                           </m:ctrlPr>
                         </m:sSubPr>
@@ -4423,7 +4423,7 @@
                         <m:sSubPr>
                           <m:ctrlPr>
                             <a:rPr lang="pl-PL" i="1" smtClean="0">
-                              <a:latin typeface="Cambria Math" panose="02040503050406030204" pitchFamily="18" charset="0"/>
+                              <a:latin typeface="Cambria Math"/>
                             </a:rPr>
                           </m:ctrlPr>
                         </m:sSubPr>
@@ -4526,7 +4526,7 @@
                         <m:sSubPr>
                           <m:ctrlPr>
                             <a:rPr lang="pl-PL" i="1" smtClean="0">
-                              <a:latin typeface="Cambria Math" panose="02040503050406030204" pitchFamily="18" charset="0"/>
+                              <a:latin typeface="Cambria Math"/>
                             </a:rPr>
                           </m:ctrlPr>
                         </m:sSubPr>
@@ -4629,7 +4629,7 @@
                         <m:sSubPr>
                           <m:ctrlPr>
                             <a:rPr lang="pl-PL" i="1" smtClean="0">
-                              <a:latin typeface="Cambria Math" panose="02040503050406030204" pitchFamily="18" charset="0"/>
+                              <a:latin typeface="Cambria Math"/>
                             </a:rPr>
                           </m:ctrlPr>
                         </m:sSubPr>
@@ -6860,7 +6860,7 @@
                         <m:sSubPr>
                           <m:ctrlPr>
                             <a:rPr lang="pl-PL" i="1" smtClean="0">
-                              <a:latin typeface="Cambria Math" panose="02040503050406030204" pitchFamily="18" charset="0"/>
+                              <a:latin typeface="Cambria Math"/>
                             </a:rPr>
                           </m:ctrlPr>
                         </m:sSubPr>
@@ -6963,7 +6963,7 @@
                         <m:sSubPr>
                           <m:ctrlPr>
                             <a:rPr lang="pl-PL" i="1" smtClean="0">
-                              <a:latin typeface="Cambria Math" panose="02040503050406030204" pitchFamily="18" charset="0"/>
+                              <a:latin typeface="Cambria Math"/>
                             </a:rPr>
                           </m:ctrlPr>
                         </m:sSubPr>
@@ -7066,7 +7066,7 @@
                         <m:sSubPr>
                           <m:ctrlPr>
                             <a:rPr lang="pl-PL" i="1" smtClean="0">
-                              <a:latin typeface="Cambria Math" panose="02040503050406030204" pitchFamily="18" charset="0"/>
+                              <a:latin typeface="Cambria Math"/>
                             </a:rPr>
                           </m:ctrlPr>
                         </m:sSubPr>
@@ -7169,7 +7169,7 @@
                         <m:sSubPr>
                           <m:ctrlPr>
                             <a:rPr lang="pl-PL" i="1" smtClean="0">
-                              <a:latin typeface="Cambria Math" panose="02040503050406030204" pitchFamily="18" charset="0"/>
+                              <a:latin typeface="Cambria Math"/>
                             </a:rPr>
                           </m:ctrlPr>
                         </m:sSubPr>
@@ -7272,7 +7272,7 @@
                         <m:sSubPr>
                           <m:ctrlPr>
                             <a:rPr lang="pl-PL" i="1" smtClean="0">
-                              <a:latin typeface="Cambria Math" panose="02040503050406030204" pitchFamily="18" charset="0"/>
+                              <a:latin typeface="Cambria Math"/>
                             </a:rPr>
                           </m:ctrlPr>
                         </m:sSubPr>
@@ -7375,7 +7375,7 @@
                         <m:sSubPr>
                           <m:ctrlPr>
                             <a:rPr lang="pl-PL" i="1" smtClean="0">
-                              <a:latin typeface="Cambria Math" panose="02040503050406030204" pitchFamily="18" charset="0"/>
+                              <a:latin typeface="Cambria Math"/>
                             </a:rPr>
                           </m:ctrlPr>
                         </m:sSubPr>
@@ -8864,7 +8864,7 @@
                         <m:sSubPr>
                           <m:ctrlPr>
                             <a:rPr lang="pl-PL" i="1" smtClean="0">
-                              <a:latin typeface="Cambria Math" panose="02040503050406030204" pitchFamily="18" charset="0"/>
+                              <a:latin typeface="Cambria Math"/>
                             </a:rPr>
                           </m:ctrlPr>
                         </m:sSubPr>
@@ -8967,7 +8967,7 @@
                         <m:sSubPr>
                           <m:ctrlPr>
                             <a:rPr lang="pl-PL" i="1" smtClean="0">
-                              <a:latin typeface="Cambria Math" panose="02040503050406030204" pitchFamily="18" charset="0"/>
+                              <a:latin typeface="Cambria Math"/>
                             </a:rPr>
                           </m:ctrlPr>
                         </m:sSubPr>
@@ -9070,7 +9070,7 @@
                         <m:sSubPr>
                           <m:ctrlPr>
                             <a:rPr lang="pl-PL" i="1" smtClean="0">
-                              <a:latin typeface="Cambria Math" panose="02040503050406030204" pitchFamily="18" charset="0"/>
+                              <a:latin typeface="Cambria Math"/>
                             </a:rPr>
                           </m:ctrlPr>
                         </m:sSubPr>
@@ -9214,7 +9214,7 @@
                         <m:sSubPr>
                           <m:ctrlPr>
                             <a:rPr lang="pl-PL" i="1" smtClean="0">
-                              <a:latin typeface="Cambria Math" panose="02040503050406030204" pitchFamily="18" charset="0"/>
+                              <a:latin typeface="Cambria Math"/>
                             </a:rPr>
                           </m:ctrlPr>
                         </m:sSubPr>
@@ -9317,7 +9317,7 @@
                         <m:sSubPr>
                           <m:ctrlPr>
                             <a:rPr lang="pl-PL" i="1" smtClean="0">
-                              <a:latin typeface="Cambria Math" panose="02040503050406030204" pitchFamily="18" charset="0"/>
+                              <a:latin typeface="Cambria Math"/>
                             </a:rPr>
                           </m:ctrlPr>
                         </m:sSubPr>
@@ -9543,7 +9543,7 @@
                         <m:sSubPr>
                           <m:ctrlPr>
                             <a:rPr lang="pl-PL" i="1" smtClean="0">
-                              <a:latin typeface="Cambria Math" panose="02040503050406030204" pitchFamily="18" charset="0"/>
+                              <a:latin typeface="Cambria Math"/>
                             </a:rPr>
                           </m:ctrlPr>
                         </m:sSubPr>
@@ -9646,7 +9646,7 @@
                         <m:sSubPr>
                           <m:ctrlPr>
                             <a:rPr lang="pl-PL" i="1" smtClean="0">
-                              <a:latin typeface="Cambria Math" panose="02040503050406030204" pitchFamily="18" charset="0"/>
+                              <a:latin typeface="Cambria Math"/>
                             </a:rPr>
                           </m:ctrlPr>
                         </m:sSubPr>
@@ -9831,7 +9831,7 @@
                         <m:sSubPr>
                           <m:ctrlPr>
                             <a:rPr lang="pl-PL" i="1" smtClean="0">
-                              <a:latin typeface="Cambria Math" panose="02040503050406030204" pitchFamily="18" charset="0"/>
+                              <a:latin typeface="Cambria Math"/>
                             </a:rPr>
                           </m:ctrlPr>
                         </m:sSubPr>
@@ -9934,7 +9934,7 @@
                         <m:sSubPr>
                           <m:ctrlPr>
                             <a:rPr lang="pl-PL" i="1" smtClean="0">
-                              <a:latin typeface="Cambria Math" panose="02040503050406030204" pitchFamily="18" charset="0"/>
+                              <a:latin typeface="Cambria Math"/>
                             </a:rPr>
                           </m:ctrlPr>
                         </m:sSubPr>
@@ -10373,7 +10373,7 @@
                         <m:sSubPr>
                           <m:ctrlPr>
                             <a:rPr lang="pl-PL" i="1" smtClean="0">
-                              <a:latin typeface="Cambria Math" panose="02040503050406030204" pitchFamily="18" charset="0"/>
+                              <a:latin typeface="Cambria Math"/>
                             </a:rPr>
                           </m:ctrlPr>
                         </m:sSubPr>
@@ -10476,7 +10476,7 @@
                         <m:sSubPr>
                           <m:ctrlPr>
                             <a:rPr lang="pl-PL" i="1" smtClean="0">
-                              <a:latin typeface="Cambria Math" panose="02040503050406030204" pitchFamily="18" charset="0"/>
+                              <a:latin typeface="Cambria Math"/>
                             </a:rPr>
                           </m:ctrlPr>
                         </m:sSubPr>
@@ -10579,7 +10579,7 @@
                         <m:sSubPr>
                           <m:ctrlPr>
                             <a:rPr lang="pl-PL" i="1" smtClean="0">
-                              <a:latin typeface="Cambria Math" panose="02040503050406030204" pitchFamily="18" charset="0"/>
+                              <a:latin typeface="Cambria Math"/>
                             </a:rPr>
                           </m:ctrlPr>
                         </m:sSubPr>
@@ -10682,7 +10682,7 @@
                         <m:sSubPr>
                           <m:ctrlPr>
                             <a:rPr lang="pl-PL" i="1" smtClean="0">
-                              <a:latin typeface="Cambria Math" panose="02040503050406030204" pitchFamily="18" charset="0"/>
+                              <a:latin typeface="Cambria Math"/>
                             </a:rPr>
                           </m:ctrlPr>
                         </m:sSubPr>
@@ -10785,7 +10785,7 @@
                         <m:sSubPr>
                           <m:ctrlPr>
                             <a:rPr lang="pl-PL" i="1" smtClean="0">
-                              <a:latin typeface="Cambria Math" panose="02040503050406030204" pitchFamily="18" charset="0"/>
+                              <a:latin typeface="Cambria Math"/>
                             </a:rPr>
                           </m:ctrlPr>
                         </m:sSubPr>
@@ -10888,7 +10888,7 @@
                         <m:sSubPr>
                           <m:ctrlPr>
                             <a:rPr lang="pl-PL" i="1" smtClean="0">
-                              <a:latin typeface="Cambria Math" panose="02040503050406030204" pitchFamily="18" charset="0"/>
+                              <a:latin typeface="Cambria Math"/>
                             </a:rPr>
                           </m:ctrlPr>
                         </m:sSubPr>
@@ -12585,7 +12585,7 @@
                         <m:sSubPr>
                           <m:ctrlPr>
                             <a:rPr lang="pl-PL" i="1" smtClean="0">
-                              <a:latin typeface="Cambria Math" panose="02040503050406030204" pitchFamily="18" charset="0"/>
+                              <a:latin typeface="Cambria Math"/>
                             </a:rPr>
                           </m:ctrlPr>
                         </m:sSubPr>
@@ -12688,7 +12688,7 @@
                         <m:sSubPr>
                           <m:ctrlPr>
                             <a:rPr lang="pl-PL" i="1" smtClean="0">
-                              <a:latin typeface="Cambria Math" panose="02040503050406030204" pitchFamily="18" charset="0"/>
+                              <a:latin typeface="Cambria Math"/>
                             </a:rPr>
                           </m:ctrlPr>
                         </m:sSubPr>
@@ -12791,7 +12791,7 @@
                         <m:sSubPr>
                           <m:ctrlPr>
                             <a:rPr lang="pl-PL" i="1" smtClean="0">
-                              <a:latin typeface="Cambria Math" panose="02040503050406030204" pitchFamily="18" charset="0"/>
+                              <a:latin typeface="Cambria Math"/>
                             </a:rPr>
                           </m:ctrlPr>
                         </m:sSubPr>
@@ -12894,7 +12894,7 @@
                         <m:sSubPr>
                           <m:ctrlPr>
                             <a:rPr lang="pl-PL" i="1" smtClean="0">
-                              <a:latin typeface="Cambria Math" panose="02040503050406030204" pitchFamily="18" charset="0"/>
+                              <a:latin typeface="Cambria Math"/>
                             </a:rPr>
                           </m:ctrlPr>
                         </m:sSubPr>
@@ -12997,7 +12997,7 @@
                         <m:sSubPr>
                           <m:ctrlPr>
                             <a:rPr lang="pl-PL" i="1" smtClean="0">
-                              <a:latin typeface="Cambria Math" panose="02040503050406030204" pitchFamily="18" charset="0"/>
+                              <a:latin typeface="Cambria Math"/>
                             </a:rPr>
                           </m:ctrlPr>
                         </m:sSubPr>
@@ -13100,7 +13100,7 @@
                         <m:sSubPr>
                           <m:ctrlPr>
                             <a:rPr lang="pl-PL" i="1" smtClean="0">
-                              <a:latin typeface="Cambria Math" panose="02040503050406030204" pitchFamily="18" charset="0"/>
+                              <a:latin typeface="Cambria Math"/>
                             </a:rPr>
                           </m:ctrlPr>
                         </m:sSubPr>
@@ -14797,7 +14797,7 @@
                         <m:sSubPr>
                           <m:ctrlPr>
                             <a:rPr lang="pl-PL" i="1" smtClean="0">
-                              <a:latin typeface="Cambria Math" panose="02040503050406030204" pitchFamily="18" charset="0"/>
+                              <a:latin typeface="Cambria Math"/>
                             </a:rPr>
                           </m:ctrlPr>
                         </m:sSubPr>
@@ -14900,7 +14900,7 @@
                         <m:sSubPr>
                           <m:ctrlPr>
                             <a:rPr lang="pl-PL" i="1" smtClean="0">
-                              <a:latin typeface="Cambria Math" panose="02040503050406030204" pitchFamily="18" charset="0"/>
+                              <a:latin typeface="Cambria Math"/>
                             </a:rPr>
                           </m:ctrlPr>
                         </m:sSubPr>
@@ -15003,7 +15003,7 @@
                         <m:sSubPr>
                           <m:ctrlPr>
                             <a:rPr lang="pl-PL" i="1" smtClean="0">
-                              <a:latin typeface="Cambria Math" panose="02040503050406030204" pitchFamily="18" charset="0"/>
+                              <a:latin typeface="Cambria Math"/>
                             </a:rPr>
                           </m:ctrlPr>
                         </m:sSubPr>
@@ -15106,7 +15106,7 @@
                         <m:sSubPr>
                           <m:ctrlPr>
                             <a:rPr lang="pl-PL" i="1" smtClean="0">
-                              <a:latin typeface="Cambria Math" panose="02040503050406030204" pitchFamily="18" charset="0"/>
+                              <a:latin typeface="Cambria Math"/>
                             </a:rPr>
                           </m:ctrlPr>
                         </m:sSubPr>
@@ -15209,7 +15209,7 @@
                         <m:sSubPr>
                           <m:ctrlPr>
                             <a:rPr lang="pl-PL" i="1" smtClean="0">
-                              <a:latin typeface="Cambria Math" panose="02040503050406030204" pitchFamily="18" charset="0"/>
+                              <a:latin typeface="Cambria Math"/>
                             </a:rPr>
                           </m:ctrlPr>
                         </m:sSubPr>
@@ -15312,7 +15312,7 @@
                         <m:sSubPr>
                           <m:ctrlPr>
                             <a:rPr lang="pl-PL" i="1" smtClean="0">
-                              <a:latin typeface="Cambria Math" panose="02040503050406030204" pitchFamily="18" charset="0"/>
+                              <a:latin typeface="Cambria Math"/>
                             </a:rPr>
                           </m:ctrlPr>
                         </m:sSubPr>
@@ -17009,7 +17009,7 @@
                         <m:sSubPr>
                           <m:ctrlPr>
                             <a:rPr lang="pl-PL" i="1" smtClean="0">
-                              <a:latin typeface="Cambria Math" panose="02040503050406030204" pitchFamily="18" charset="0"/>
+                              <a:latin typeface="Cambria Math"/>
                             </a:rPr>
                           </m:ctrlPr>
                         </m:sSubPr>
@@ -17112,7 +17112,7 @@
                         <m:sSubPr>
                           <m:ctrlPr>
                             <a:rPr lang="pl-PL" i="1" smtClean="0">
-                              <a:latin typeface="Cambria Math" panose="02040503050406030204" pitchFamily="18" charset="0"/>
+                              <a:latin typeface="Cambria Math"/>
                             </a:rPr>
                           </m:ctrlPr>
                         </m:sSubPr>
@@ -17215,7 +17215,7 @@
                         <m:sSubPr>
                           <m:ctrlPr>
                             <a:rPr lang="pl-PL" i="1" smtClean="0">
-                              <a:latin typeface="Cambria Math" panose="02040503050406030204" pitchFamily="18" charset="0"/>
+                              <a:latin typeface="Cambria Math"/>
                             </a:rPr>
                           </m:ctrlPr>
                         </m:sSubPr>
@@ -17318,7 +17318,7 @@
                         <m:sSubPr>
                           <m:ctrlPr>
                             <a:rPr lang="pl-PL" i="1" smtClean="0">
-                              <a:latin typeface="Cambria Math" panose="02040503050406030204" pitchFamily="18" charset="0"/>
+                              <a:latin typeface="Cambria Math"/>
                             </a:rPr>
                           </m:ctrlPr>
                         </m:sSubPr>
@@ -17421,7 +17421,7 @@
                         <m:sSubPr>
                           <m:ctrlPr>
                             <a:rPr lang="pl-PL" i="1" smtClean="0">
-                              <a:latin typeface="Cambria Math" panose="02040503050406030204" pitchFamily="18" charset="0"/>
+                              <a:latin typeface="Cambria Math"/>
                             </a:rPr>
                           </m:ctrlPr>
                         </m:sSubPr>
@@ -17524,7 +17524,7 @@
                         <m:sSubPr>
                           <m:ctrlPr>
                             <a:rPr lang="pl-PL" i="1" smtClean="0">
-                              <a:latin typeface="Cambria Math" panose="02040503050406030204" pitchFamily="18" charset="0"/>
+                              <a:latin typeface="Cambria Math"/>
                             </a:rPr>
                           </m:ctrlPr>
                         </m:sSubPr>
@@ -20280,7 +20280,7 @@
                         <m:sSubPr>
                           <m:ctrlPr>
                             <a:rPr lang="pl-PL" i="1" smtClean="0">
-                              <a:latin typeface="Cambria Math" panose="02040503050406030204" pitchFamily="18" charset="0"/>
+                              <a:latin typeface="Cambria Math"/>
                             </a:rPr>
                           </m:ctrlPr>
                         </m:sSubPr>
@@ -20383,7 +20383,7 @@
                         <m:sSubPr>
                           <m:ctrlPr>
                             <a:rPr lang="pl-PL" i="1" smtClean="0">
-                              <a:latin typeface="Cambria Math" panose="02040503050406030204" pitchFamily="18" charset="0"/>
+                              <a:latin typeface="Cambria Math"/>
                             </a:rPr>
                           </m:ctrlPr>
                         </m:sSubPr>
@@ -20620,7 +20620,7 @@
                         <m:sSubPr>
                           <m:ctrlPr>
                             <a:rPr lang="pl-PL" i="1" smtClean="0">
-                              <a:latin typeface="Cambria Math" panose="02040503050406030204" pitchFamily="18" charset="0"/>
+                              <a:latin typeface="Cambria Math"/>
                             </a:rPr>
                           </m:ctrlPr>
                         </m:sSubPr>
@@ -20723,7 +20723,7 @@
                         <m:sSubPr>
                           <m:ctrlPr>
                             <a:rPr lang="pl-PL" i="1" smtClean="0">
-                              <a:latin typeface="Cambria Math" panose="02040503050406030204" pitchFamily="18" charset="0"/>
+                              <a:latin typeface="Cambria Math"/>
                             </a:rPr>
                           </m:ctrlPr>
                         </m:sSubPr>
@@ -20826,7 +20826,7 @@
                         <m:sSubPr>
                           <m:ctrlPr>
                             <a:rPr lang="pl-PL" i="1" smtClean="0">
-                              <a:latin typeface="Cambria Math" panose="02040503050406030204" pitchFamily="18" charset="0"/>
+                              <a:latin typeface="Cambria Math"/>
                             </a:rPr>
                           </m:ctrlPr>
                         </m:sSubPr>
@@ -20929,7 +20929,7 @@
                         <m:sSubPr>
                           <m:ctrlPr>
                             <a:rPr lang="pl-PL" i="1" smtClean="0">
-                              <a:latin typeface="Cambria Math" panose="02040503050406030204" pitchFamily="18" charset="0"/>
+                              <a:latin typeface="Cambria Math"/>
                             </a:rPr>
                           </m:ctrlPr>
                         </m:sSubPr>
@@ -21414,7 +21414,7 @@
                         <m:sSubPr>
                           <m:ctrlPr>
                             <a:rPr lang="pl-PL" i="1" smtClean="0">
-                              <a:latin typeface="Cambria Math" panose="02040503050406030204" pitchFamily="18" charset="0"/>
+                              <a:latin typeface="Cambria Math"/>
                             </a:rPr>
                           </m:ctrlPr>
                         </m:sSubPr>
@@ -21517,7 +21517,7 @@
                         <m:sSubPr>
                           <m:ctrlPr>
                             <a:rPr lang="pl-PL" i="1" smtClean="0">
-                              <a:latin typeface="Cambria Math" panose="02040503050406030204" pitchFamily="18" charset="0"/>
+                              <a:latin typeface="Cambria Math"/>
                             </a:rPr>
                           </m:ctrlPr>
                         </m:sSubPr>
@@ -21754,7 +21754,7 @@
                         <m:sSubPr>
                           <m:ctrlPr>
                             <a:rPr lang="pl-PL" i="1" smtClean="0">
-                              <a:latin typeface="Cambria Math" panose="02040503050406030204" pitchFamily="18" charset="0"/>
+                              <a:latin typeface="Cambria Math"/>
                             </a:rPr>
                           </m:ctrlPr>
                         </m:sSubPr>
@@ -21857,7 +21857,7 @@
                         <m:sSubPr>
                           <m:ctrlPr>
                             <a:rPr lang="pl-PL" i="1" smtClean="0">
-                              <a:latin typeface="Cambria Math" panose="02040503050406030204" pitchFamily="18" charset="0"/>
+                              <a:latin typeface="Cambria Math"/>
                             </a:rPr>
                           </m:ctrlPr>
                         </m:sSubPr>
@@ -21960,7 +21960,7 @@
                         <m:sSubPr>
                           <m:ctrlPr>
                             <a:rPr lang="pl-PL" i="1" smtClean="0">
-                              <a:latin typeface="Cambria Math" panose="02040503050406030204" pitchFamily="18" charset="0"/>
+                              <a:latin typeface="Cambria Math"/>
                             </a:rPr>
                           </m:ctrlPr>
                         </m:sSubPr>
@@ -22063,7 +22063,7 @@
                         <m:sSubPr>
                           <m:ctrlPr>
                             <a:rPr lang="pl-PL" i="1" smtClean="0">
-                              <a:latin typeface="Cambria Math" panose="02040503050406030204" pitchFamily="18" charset="0"/>
+                              <a:latin typeface="Cambria Math"/>
                             </a:rPr>
                           </m:ctrlPr>
                         </m:sSubPr>
@@ -22548,7 +22548,7 @@
                         <m:sSubPr>
                           <m:ctrlPr>
                             <a:rPr lang="pl-PL" i="1" smtClean="0">
-                              <a:latin typeface="Cambria Math" panose="02040503050406030204" pitchFamily="18" charset="0"/>
+                              <a:latin typeface="Cambria Math"/>
                             </a:rPr>
                           </m:ctrlPr>
                         </m:sSubPr>
@@ -22651,7 +22651,7 @@
                         <m:sSubPr>
                           <m:ctrlPr>
                             <a:rPr lang="pl-PL" i="1" smtClean="0">
-                              <a:latin typeface="Cambria Math" panose="02040503050406030204" pitchFamily="18" charset="0"/>
+                              <a:latin typeface="Cambria Math"/>
                             </a:rPr>
                           </m:ctrlPr>
                         </m:sSubPr>
@@ -22888,7 +22888,7 @@
                         <m:sSubPr>
                           <m:ctrlPr>
                             <a:rPr lang="pl-PL" i="1" smtClean="0">
-                              <a:latin typeface="Cambria Math" panose="02040503050406030204" pitchFamily="18" charset="0"/>
+                              <a:latin typeface="Cambria Math"/>
                             </a:rPr>
                           </m:ctrlPr>
                         </m:sSubPr>
@@ -22991,7 +22991,7 @@
                         <m:sSubPr>
                           <m:ctrlPr>
                             <a:rPr lang="pl-PL" i="1" smtClean="0">
-                              <a:latin typeface="Cambria Math" panose="02040503050406030204" pitchFamily="18" charset="0"/>
+                              <a:latin typeface="Cambria Math"/>
                             </a:rPr>
                           </m:ctrlPr>
                         </m:sSubPr>
@@ -23094,7 +23094,7 @@
                         <m:sSubPr>
                           <m:ctrlPr>
                             <a:rPr lang="pl-PL" i="1" smtClean="0">
-                              <a:latin typeface="Cambria Math" panose="02040503050406030204" pitchFamily="18" charset="0"/>
+                              <a:latin typeface="Cambria Math"/>
                             </a:rPr>
                           </m:ctrlPr>
                         </m:sSubPr>
@@ -23197,7 +23197,7 @@
                         <m:sSubPr>
                           <m:ctrlPr>
                             <a:rPr lang="pl-PL" i="1" smtClean="0">
-                              <a:latin typeface="Cambria Math" panose="02040503050406030204" pitchFamily="18" charset="0"/>
+                              <a:latin typeface="Cambria Math"/>
                             </a:rPr>
                           </m:ctrlPr>
                         </m:sSubPr>
@@ -23682,7 +23682,7 @@
                         <m:sSubPr>
                           <m:ctrlPr>
                             <a:rPr lang="pl-PL" i="1" smtClean="0">
-                              <a:latin typeface="Cambria Math" panose="02040503050406030204" pitchFamily="18" charset="0"/>
+                              <a:latin typeface="Cambria Math"/>
                             </a:rPr>
                           </m:ctrlPr>
                         </m:sSubPr>
@@ -23785,7 +23785,7 @@
                         <m:sSubPr>
                           <m:ctrlPr>
                             <a:rPr lang="pl-PL" i="1" smtClean="0">
-                              <a:latin typeface="Cambria Math" panose="02040503050406030204" pitchFamily="18" charset="0"/>
+                              <a:latin typeface="Cambria Math"/>
                             </a:rPr>
                           </m:ctrlPr>
                         </m:sSubPr>
@@ -24022,7 +24022,7 @@
                         <m:sSubPr>
                           <m:ctrlPr>
                             <a:rPr lang="pl-PL" i="1" smtClean="0">
-                              <a:latin typeface="Cambria Math" panose="02040503050406030204" pitchFamily="18" charset="0"/>
+                              <a:latin typeface="Cambria Math"/>
                             </a:rPr>
                           </m:ctrlPr>
                         </m:sSubPr>
@@ -24125,7 +24125,7 @@
                         <m:sSubPr>
                           <m:ctrlPr>
                             <a:rPr lang="pl-PL" i="1" smtClean="0">
-                              <a:latin typeface="Cambria Math" panose="02040503050406030204" pitchFamily="18" charset="0"/>
+                              <a:latin typeface="Cambria Math"/>
                             </a:rPr>
                           </m:ctrlPr>
                         </m:sSubPr>
@@ -24228,7 +24228,7 @@
                         <m:sSubPr>
                           <m:ctrlPr>
                             <a:rPr lang="pl-PL" i="1" smtClean="0">
-                              <a:latin typeface="Cambria Math" panose="02040503050406030204" pitchFamily="18" charset="0"/>
+                              <a:latin typeface="Cambria Math"/>
                             </a:rPr>
                           </m:ctrlPr>
                         </m:sSubPr>
@@ -24331,7 +24331,7 @@
                         <m:sSubPr>
                           <m:ctrlPr>
                             <a:rPr lang="pl-PL" i="1" smtClean="0">
-                              <a:latin typeface="Cambria Math" panose="02040503050406030204" pitchFamily="18" charset="0"/>
+                              <a:latin typeface="Cambria Math"/>
                             </a:rPr>
                           </m:ctrlPr>
                         </m:sSubPr>
@@ -24816,7 +24816,7 @@
                         <m:sSubPr>
                           <m:ctrlPr>
                             <a:rPr lang="pl-PL" i="1" smtClean="0">
-                              <a:latin typeface="Cambria Math" panose="02040503050406030204" pitchFamily="18" charset="0"/>
+                              <a:latin typeface="Cambria Math"/>
                             </a:rPr>
                           </m:ctrlPr>
                         </m:sSubPr>
@@ -24919,7 +24919,7 @@
                         <m:sSubPr>
                           <m:ctrlPr>
                             <a:rPr lang="pl-PL" i="1" smtClean="0">
-                              <a:latin typeface="Cambria Math" panose="02040503050406030204" pitchFamily="18" charset="0"/>
+                              <a:latin typeface="Cambria Math"/>
                             </a:rPr>
                           </m:ctrlPr>
                         </m:sSubPr>
@@ -25156,7 +25156,7 @@
                         <m:sSubPr>
                           <m:ctrlPr>
                             <a:rPr lang="pl-PL" i="1" smtClean="0">
-                              <a:latin typeface="Cambria Math" panose="02040503050406030204" pitchFamily="18" charset="0"/>
+                              <a:latin typeface="Cambria Math"/>
                             </a:rPr>
                           </m:ctrlPr>
                         </m:sSubPr>
@@ -25259,7 +25259,7 @@
                         <m:sSubPr>
                           <m:ctrlPr>
                             <a:rPr lang="pl-PL" i="1" smtClean="0">
-                              <a:latin typeface="Cambria Math" panose="02040503050406030204" pitchFamily="18" charset="0"/>
+                              <a:latin typeface="Cambria Math"/>
                             </a:rPr>
                           </m:ctrlPr>
                         </m:sSubPr>
@@ -25362,7 +25362,7 @@
                         <m:sSubPr>
                           <m:ctrlPr>
                             <a:rPr lang="pl-PL" i="1" smtClean="0">
-                              <a:latin typeface="Cambria Math" panose="02040503050406030204" pitchFamily="18" charset="0"/>
+                              <a:latin typeface="Cambria Math"/>
                             </a:rPr>
                           </m:ctrlPr>
                         </m:sSubPr>
@@ -25465,7 +25465,7 @@
                         <m:sSubPr>
                           <m:ctrlPr>
                             <a:rPr lang="pl-PL" i="1" smtClean="0">
-                              <a:latin typeface="Cambria Math" panose="02040503050406030204" pitchFamily="18" charset="0"/>
+                              <a:latin typeface="Cambria Math"/>
                             </a:rPr>
                           </m:ctrlPr>
                         </m:sSubPr>
@@ -25950,7 +25950,7 @@
                         <m:sSubPr>
                           <m:ctrlPr>
                             <a:rPr lang="pl-PL" i="1" smtClean="0">
-                              <a:latin typeface="Cambria Math" panose="02040503050406030204" pitchFamily="18" charset="0"/>
+                              <a:latin typeface="Cambria Math"/>
                             </a:rPr>
                           </m:ctrlPr>
                         </m:sSubPr>
@@ -26053,7 +26053,7 @@
                         <m:sSubPr>
                           <m:ctrlPr>
                             <a:rPr lang="pl-PL" i="1" smtClean="0">
-                              <a:latin typeface="Cambria Math" panose="02040503050406030204" pitchFamily="18" charset="0"/>
+                              <a:latin typeface="Cambria Math"/>
                             </a:rPr>
                           </m:ctrlPr>
                         </m:sSubPr>
@@ -26290,7 +26290,7 @@
                         <m:sSubPr>
                           <m:ctrlPr>
                             <a:rPr lang="pl-PL" i="1" smtClean="0">
-                              <a:latin typeface="Cambria Math" panose="02040503050406030204" pitchFamily="18" charset="0"/>
+                              <a:latin typeface="Cambria Math"/>
                             </a:rPr>
                           </m:ctrlPr>
                         </m:sSubPr>
@@ -26393,7 +26393,7 @@
                         <m:sSubPr>
                           <m:ctrlPr>
                             <a:rPr lang="pl-PL" i="1" smtClean="0">
-                              <a:latin typeface="Cambria Math" panose="02040503050406030204" pitchFamily="18" charset="0"/>
+                              <a:latin typeface="Cambria Math"/>
                             </a:rPr>
                           </m:ctrlPr>
                         </m:sSubPr>
@@ -26496,7 +26496,7 @@
                         <m:sSubPr>
                           <m:ctrlPr>
                             <a:rPr lang="pl-PL" i="1" smtClean="0">
-                              <a:latin typeface="Cambria Math" panose="02040503050406030204" pitchFamily="18" charset="0"/>
+                              <a:latin typeface="Cambria Math"/>
                             </a:rPr>
                           </m:ctrlPr>
                         </m:sSubPr>
@@ -26599,7 +26599,7 @@
                         <m:sSubPr>
                           <m:ctrlPr>
                             <a:rPr lang="pl-PL" i="1" smtClean="0">
-                              <a:latin typeface="Cambria Math" panose="02040503050406030204" pitchFamily="18" charset="0"/>
+                              <a:latin typeface="Cambria Math"/>
                             </a:rPr>
                           </m:ctrlPr>
                         </m:sSubPr>
@@ -27337,7 +27337,7 @@
                         <m:sSubPr>
                           <m:ctrlPr>
                             <a:rPr lang="pl-PL" i="1" smtClean="0">
-                              <a:latin typeface="Cambria Math" panose="02040503050406030204" pitchFamily="18" charset="0"/>
+                              <a:latin typeface="Cambria Math"/>
                             </a:rPr>
                           </m:ctrlPr>
                         </m:sSubPr>
@@ -27440,7 +27440,7 @@
                         <m:sSubPr>
                           <m:ctrlPr>
                             <a:rPr lang="pl-PL" i="1" smtClean="0">
-                              <a:latin typeface="Cambria Math" panose="02040503050406030204" pitchFamily="18" charset="0"/>
+                              <a:latin typeface="Cambria Math"/>
                             </a:rPr>
                           </m:ctrlPr>
                         </m:sSubPr>
@@ -27543,7 +27543,7 @@
                         <m:sSubPr>
                           <m:ctrlPr>
                             <a:rPr lang="pl-PL" i="1" smtClean="0">
-                              <a:latin typeface="Cambria Math" panose="02040503050406030204" pitchFamily="18" charset="0"/>
+                              <a:latin typeface="Cambria Math"/>
                             </a:rPr>
                           </m:ctrlPr>
                         </m:sSubPr>
@@ -27646,7 +27646,7 @@
                         <m:sSubPr>
                           <m:ctrlPr>
                             <a:rPr lang="pl-PL" i="1" smtClean="0">
-                              <a:latin typeface="Cambria Math" panose="02040503050406030204" pitchFamily="18" charset="0"/>
+                              <a:latin typeface="Cambria Math"/>
                             </a:rPr>
                           </m:ctrlPr>
                         </m:sSubPr>
@@ -28111,7 +28111,7 @@
                         <m:sSubPr>
                           <m:ctrlPr>
                             <a:rPr lang="pl-PL" i="1" smtClean="0">
-                              <a:latin typeface="Cambria Math" panose="02040503050406030204" pitchFamily="18" charset="0"/>
+                              <a:latin typeface="Cambria Math"/>
                             </a:rPr>
                           </m:ctrlPr>
                         </m:sSubPr>
@@ -28214,7 +28214,7 @@
                         <m:sSubPr>
                           <m:ctrlPr>
                             <a:rPr lang="pl-PL" i="1" smtClean="0">
-                              <a:latin typeface="Cambria Math" panose="02040503050406030204" pitchFamily="18" charset="0"/>
+                              <a:latin typeface="Cambria Math"/>
                             </a:rPr>
                           </m:ctrlPr>
                         </m:sSubPr>
@@ -28317,7 +28317,7 @@
                         <m:sSubPr>
                           <m:ctrlPr>
                             <a:rPr lang="pl-PL" i="1" smtClean="0">
-                              <a:latin typeface="Cambria Math" panose="02040503050406030204" pitchFamily="18" charset="0"/>
+                              <a:latin typeface="Cambria Math"/>
                             </a:rPr>
                           </m:ctrlPr>
                         </m:sSubPr>
@@ -28420,7 +28420,7 @@
                         <m:sSubPr>
                           <m:ctrlPr>
                             <a:rPr lang="pl-PL" i="1" smtClean="0">
-                              <a:latin typeface="Cambria Math" panose="02040503050406030204" pitchFamily="18" charset="0"/>
+                              <a:latin typeface="Cambria Math"/>
                             </a:rPr>
                           </m:ctrlPr>
                         </m:sSubPr>
@@ -28885,7 +28885,7 @@
                         <m:sSubPr>
                           <m:ctrlPr>
                             <a:rPr lang="pl-PL" i="1" smtClean="0">
-                              <a:latin typeface="Cambria Math" panose="02040503050406030204" pitchFamily="18" charset="0"/>
+                              <a:latin typeface="Cambria Math"/>
                             </a:rPr>
                           </m:ctrlPr>
                         </m:sSubPr>
@@ -28988,7 +28988,7 @@
                         <m:sSubPr>
                           <m:ctrlPr>
                             <a:rPr lang="pl-PL" i="1" smtClean="0">
-                              <a:latin typeface="Cambria Math" panose="02040503050406030204" pitchFamily="18" charset="0"/>
+                              <a:latin typeface="Cambria Math"/>
                             </a:rPr>
                           </m:ctrlPr>
                         </m:sSubPr>
@@ -29091,7 +29091,7 @@
                         <m:sSubPr>
                           <m:ctrlPr>
                             <a:rPr lang="pl-PL" i="1" smtClean="0">
-                              <a:latin typeface="Cambria Math" panose="02040503050406030204" pitchFamily="18" charset="0"/>
+                              <a:latin typeface="Cambria Math"/>
                             </a:rPr>
                           </m:ctrlPr>
                         </m:sSubPr>
@@ -29194,7 +29194,7 @@
                         <m:sSubPr>
                           <m:ctrlPr>
                             <a:rPr lang="pl-PL" i="1" smtClean="0">
-                              <a:latin typeface="Cambria Math" panose="02040503050406030204" pitchFamily="18" charset="0"/>
+                              <a:latin typeface="Cambria Math"/>
                             </a:rPr>
                           </m:ctrlPr>
                         </m:sSubPr>
@@ -31167,7 +31167,7 @@
                         <m:sSubPr>
                           <m:ctrlPr>
                             <a:rPr lang="pl-PL" sz="1600" i="1" smtClean="0">
-                              <a:latin typeface="Cambria Math" panose="02040503050406030204" pitchFamily="18" charset="0"/>
+                              <a:latin typeface="Cambria Math"/>
                             </a:rPr>
                           </m:ctrlPr>
                         </m:sSubPr>
@@ -31270,7 +31270,7 @@
                         <m:sSubPr>
                           <m:ctrlPr>
                             <a:rPr lang="pl-PL" i="1" smtClean="0">
-                              <a:latin typeface="Cambria Math" panose="02040503050406030204" pitchFamily="18" charset="0"/>
+                              <a:latin typeface="Cambria Math"/>
                             </a:rPr>
                           </m:ctrlPr>
                         </m:sSubPr>
@@ -31373,7 +31373,7 @@
                         <m:sSubPr>
                           <m:ctrlPr>
                             <a:rPr lang="pl-PL" i="1" smtClean="0">
-                              <a:latin typeface="Cambria Math" panose="02040503050406030204" pitchFamily="18" charset="0"/>
+                              <a:latin typeface="Cambria Math"/>
                             </a:rPr>
                           </m:ctrlPr>
                         </m:sSubPr>
@@ -31476,7 +31476,7 @@
                         <m:sSubPr>
                           <m:ctrlPr>
                             <a:rPr lang="pl-PL" i="1" smtClean="0">
-                              <a:latin typeface="Cambria Math" panose="02040503050406030204" pitchFamily="18" charset="0"/>
+                              <a:latin typeface="Cambria Math"/>
                             </a:rPr>
                           </m:ctrlPr>
                         </m:sSubPr>
@@ -31579,7 +31579,7 @@
                         <m:sSubPr>
                           <m:ctrlPr>
                             <a:rPr lang="pl-PL" i="1" smtClean="0">
-                              <a:latin typeface="Cambria Math" panose="02040503050406030204" pitchFamily="18" charset="0"/>
+                              <a:latin typeface="Cambria Math"/>
                             </a:rPr>
                           </m:ctrlPr>
                         </m:sSubPr>
@@ -31682,7 +31682,7 @@
                         <m:sSubPr>
                           <m:ctrlPr>
                             <a:rPr lang="pl-PL" i="1" smtClean="0">
-                              <a:latin typeface="Cambria Math" panose="02040503050406030204" pitchFamily="18" charset="0"/>
+                              <a:latin typeface="Cambria Math"/>
                             </a:rPr>
                           </m:ctrlPr>
                         </m:sSubPr>
@@ -31785,7 +31785,7 @@
                         <m:sSubPr>
                           <m:ctrlPr>
                             <a:rPr lang="pl-PL" i="1" smtClean="0">
-                              <a:latin typeface="Cambria Math" panose="02040503050406030204" pitchFamily="18" charset="0"/>
+                              <a:latin typeface="Cambria Math"/>
                             </a:rPr>
                           </m:ctrlPr>
                         </m:sSubPr>
@@ -31888,7 +31888,7 @@
                         <m:sSubPr>
                           <m:ctrlPr>
                             <a:rPr lang="pl-PL" i="1" smtClean="0">
-                              <a:latin typeface="Cambria Math" panose="02040503050406030204" pitchFamily="18" charset="0"/>
+                              <a:latin typeface="Cambria Math"/>
                             </a:rPr>
                           </m:ctrlPr>
                         </m:sSubPr>
@@ -31991,7 +31991,7 @@
                         <m:sSubPr>
                           <m:ctrlPr>
                             <a:rPr lang="pl-PL" i="1" smtClean="0">
-                              <a:latin typeface="Cambria Math" panose="02040503050406030204" pitchFamily="18" charset="0"/>
+                              <a:latin typeface="Cambria Math"/>
                             </a:rPr>
                           </m:ctrlPr>
                         </m:sSubPr>
@@ -32094,7 +32094,7 @@
                         <m:sSubPr>
                           <m:ctrlPr>
                             <a:rPr lang="pl-PL" i="1" smtClean="0">
-                              <a:latin typeface="Cambria Math" panose="02040503050406030204" pitchFamily="18" charset="0"/>
+                              <a:latin typeface="Cambria Math"/>
                             </a:rPr>
                           </m:ctrlPr>
                         </m:sSubPr>
@@ -40338,6 +40338,4238 @@
           </a:p>
         </p:txBody>
       </p:sp>
+      <p:sp>
+        <p:nvSpPr>
+          <p:cNvPr id="21" name="Bent Arrow 20"/>
+          <p:cNvSpPr>
+            <a:spLocks/>
+          </p:cNvSpPr>
+          <p:nvPr/>
+        </p:nvSpPr>
+        <p:spPr>
+          <a:xfrm>
+            <a:off x="8177038" y="2420888"/>
+            <a:ext cx="355402" cy="694583"/>
+          </a:xfrm>
+          <a:custGeom>
+            <a:avLst/>
+            <a:gdLst>
+              <a:gd name="connsiteX0" fmla="*/ 0 w 1782198"/>
+              <a:gd name="connsiteY0" fmla="*/ 2376264 h 2376264"/>
+              <a:gd name="connsiteX1" fmla="*/ 0 w 1782198"/>
+              <a:gd name="connsiteY1" fmla="*/ 1113856 h 2376264"/>
+              <a:gd name="connsiteX2" fmla="*/ 891099 w 1782198"/>
+              <a:gd name="connsiteY2" fmla="*/ 222757 h 2376264"/>
+              <a:gd name="connsiteX3" fmla="*/ 891099 w 1782198"/>
+              <a:gd name="connsiteY3" fmla="*/ 222757 h 2376264"/>
+              <a:gd name="connsiteX4" fmla="*/ 891099 w 1782198"/>
+              <a:gd name="connsiteY4" fmla="*/ 0 h 2376264"/>
+              <a:gd name="connsiteX5" fmla="*/ 1782198 w 1782198"/>
+              <a:gd name="connsiteY5" fmla="*/ 461251 h 2376264"/>
+              <a:gd name="connsiteX6" fmla="*/ 891099 w 1782198"/>
+              <a:gd name="connsiteY6" fmla="*/ 922501 h 2376264"/>
+              <a:gd name="connsiteX7" fmla="*/ 891099 w 1782198"/>
+              <a:gd name="connsiteY7" fmla="*/ 699744 h 2376264"/>
+              <a:gd name="connsiteX8" fmla="*/ 891099 w 1782198"/>
+              <a:gd name="connsiteY8" fmla="*/ 699744 h 2376264"/>
+              <a:gd name="connsiteX9" fmla="*/ 476987 w 1782198"/>
+              <a:gd name="connsiteY9" fmla="*/ 1113856 h 2376264"/>
+              <a:gd name="connsiteX10" fmla="*/ 476987 w 1782198"/>
+              <a:gd name="connsiteY10" fmla="*/ 2376264 h 2376264"/>
+              <a:gd name="connsiteX11" fmla="*/ 0 w 1782198"/>
+              <a:gd name="connsiteY11" fmla="*/ 2376264 h 2376264"/>
+              <a:gd name="connsiteX0" fmla="*/ 0 w 1782198"/>
+              <a:gd name="connsiteY0" fmla="*/ 2376264 h 2376264"/>
+              <a:gd name="connsiteX1" fmla="*/ 0 w 1782198"/>
+              <a:gd name="connsiteY1" fmla="*/ 1113856 h 2376264"/>
+              <a:gd name="connsiteX2" fmla="*/ 891099 w 1782198"/>
+              <a:gd name="connsiteY2" fmla="*/ 222757 h 2376264"/>
+              <a:gd name="connsiteX3" fmla="*/ 891099 w 1782198"/>
+              <a:gd name="connsiteY3" fmla="*/ 222757 h 2376264"/>
+              <a:gd name="connsiteX4" fmla="*/ 891099 w 1782198"/>
+              <a:gd name="connsiteY4" fmla="*/ 0 h 2376264"/>
+              <a:gd name="connsiteX5" fmla="*/ 1782198 w 1782198"/>
+              <a:gd name="connsiteY5" fmla="*/ 461251 h 2376264"/>
+              <a:gd name="connsiteX6" fmla="*/ 668849 w 1782198"/>
+              <a:gd name="connsiteY6" fmla="*/ 1017751 h 2376264"/>
+              <a:gd name="connsiteX7" fmla="*/ 891099 w 1782198"/>
+              <a:gd name="connsiteY7" fmla="*/ 699744 h 2376264"/>
+              <a:gd name="connsiteX8" fmla="*/ 891099 w 1782198"/>
+              <a:gd name="connsiteY8" fmla="*/ 699744 h 2376264"/>
+              <a:gd name="connsiteX9" fmla="*/ 476987 w 1782198"/>
+              <a:gd name="connsiteY9" fmla="*/ 1113856 h 2376264"/>
+              <a:gd name="connsiteX10" fmla="*/ 476987 w 1782198"/>
+              <a:gd name="connsiteY10" fmla="*/ 2376264 h 2376264"/>
+              <a:gd name="connsiteX11" fmla="*/ 0 w 1782198"/>
+              <a:gd name="connsiteY11" fmla="*/ 2376264 h 2376264"/>
+              <a:gd name="connsiteX0" fmla="*/ 0 w 1782198"/>
+              <a:gd name="connsiteY0" fmla="*/ 2376264 h 2376264"/>
+              <a:gd name="connsiteX1" fmla="*/ 0 w 1782198"/>
+              <a:gd name="connsiteY1" fmla="*/ 1113856 h 2376264"/>
+              <a:gd name="connsiteX2" fmla="*/ 891099 w 1782198"/>
+              <a:gd name="connsiteY2" fmla="*/ 222757 h 2376264"/>
+              <a:gd name="connsiteX3" fmla="*/ 891099 w 1782198"/>
+              <a:gd name="connsiteY3" fmla="*/ 222757 h 2376264"/>
+              <a:gd name="connsiteX4" fmla="*/ 891099 w 1782198"/>
+              <a:gd name="connsiteY4" fmla="*/ 0 h 2376264"/>
+              <a:gd name="connsiteX5" fmla="*/ 1782198 w 1782198"/>
+              <a:gd name="connsiteY5" fmla="*/ 461251 h 2376264"/>
+              <a:gd name="connsiteX6" fmla="*/ 668849 w 1782198"/>
+              <a:gd name="connsiteY6" fmla="*/ 1017751 h 2376264"/>
+              <a:gd name="connsiteX7" fmla="*/ 891099 w 1782198"/>
+              <a:gd name="connsiteY7" fmla="*/ 699744 h 2376264"/>
+              <a:gd name="connsiteX8" fmla="*/ 564074 w 1782198"/>
+              <a:gd name="connsiteY8" fmla="*/ 880719 h 2376264"/>
+              <a:gd name="connsiteX9" fmla="*/ 476987 w 1782198"/>
+              <a:gd name="connsiteY9" fmla="*/ 1113856 h 2376264"/>
+              <a:gd name="connsiteX10" fmla="*/ 476987 w 1782198"/>
+              <a:gd name="connsiteY10" fmla="*/ 2376264 h 2376264"/>
+              <a:gd name="connsiteX11" fmla="*/ 0 w 1782198"/>
+              <a:gd name="connsiteY11" fmla="*/ 2376264 h 2376264"/>
+              <a:gd name="connsiteX0" fmla="*/ 0 w 1782198"/>
+              <a:gd name="connsiteY0" fmla="*/ 2376264 h 2376264"/>
+              <a:gd name="connsiteX1" fmla="*/ 0 w 1782198"/>
+              <a:gd name="connsiteY1" fmla="*/ 1113856 h 2376264"/>
+              <a:gd name="connsiteX2" fmla="*/ 891099 w 1782198"/>
+              <a:gd name="connsiteY2" fmla="*/ 222757 h 2376264"/>
+              <a:gd name="connsiteX3" fmla="*/ 891099 w 1782198"/>
+              <a:gd name="connsiteY3" fmla="*/ 222757 h 2376264"/>
+              <a:gd name="connsiteX4" fmla="*/ 891099 w 1782198"/>
+              <a:gd name="connsiteY4" fmla="*/ 0 h 2376264"/>
+              <a:gd name="connsiteX5" fmla="*/ 1782198 w 1782198"/>
+              <a:gd name="connsiteY5" fmla="*/ 461251 h 2376264"/>
+              <a:gd name="connsiteX6" fmla="*/ 668849 w 1782198"/>
+              <a:gd name="connsiteY6" fmla="*/ 1017751 h 2376264"/>
+              <a:gd name="connsiteX7" fmla="*/ 891099 w 1782198"/>
+              <a:gd name="connsiteY7" fmla="*/ 699744 h 2376264"/>
+              <a:gd name="connsiteX8" fmla="*/ 564074 w 1782198"/>
+              <a:gd name="connsiteY8" fmla="*/ 880719 h 2376264"/>
+              <a:gd name="connsiteX9" fmla="*/ 476987 w 1782198"/>
+              <a:gd name="connsiteY9" fmla="*/ 1113856 h 2376264"/>
+              <a:gd name="connsiteX10" fmla="*/ 476987 w 1782198"/>
+              <a:gd name="connsiteY10" fmla="*/ 2376264 h 2376264"/>
+              <a:gd name="connsiteX11" fmla="*/ 0 w 1782198"/>
+              <a:gd name="connsiteY11" fmla="*/ 2376264 h 2376264"/>
+              <a:gd name="connsiteX0" fmla="*/ 0 w 1782198"/>
+              <a:gd name="connsiteY0" fmla="*/ 2376264 h 2376264"/>
+              <a:gd name="connsiteX1" fmla="*/ 0 w 1782198"/>
+              <a:gd name="connsiteY1" fmla="*/ 1113856 h 2376264"/>
+              <a:gd name="connsiteX2" fmla="*/ 891099 w 1782198"/>
+              <a:gd name="connsiteY2" fmla="*/ 222757 h 2376264"/>
+              <a:gd name="connsiteX3" fmla="*/ 891099 w 1782198"/>
+              <a:gd name="connsiteY3" fmla="*/ 222757 h 2376264"/>
+              <a:gd name="connsiteX4" fmla="*/ 891099 w 1782198"/>
+              <a:gd name="connsiteY4" fmla="*/ 0 h 2376264"/>
+              <a:gd name="connsiteX5" fmla="*/ 1782198 w 1782198"/>
+              <a:gd name="connsiteY5" fmla="*/ 461251 h 2376264"/>
+              <a:gd name="connsiteX6" fmla="*/ 668849 w 1782198"/>
+              <a:gd name="connsiteY6" fmla="*/ 1017751 h 2376264"/>
+              <a:gd name="connsiteX7" fmla="*/ 891099 w 1782198"/>
+              <a:gd name="connsiteY7" fmla="*/ 699744 h 2376264"/>
+              <a:gd name="connsiteX8" fmla="*/ 564074 w 1782198"/>
+              <a:gd name="connsiteY8" fmla="*/ 880719 h 2376264"/>
+              <a:gd name="connsiteX9" fmla="*/ 486891 w 1782198"/>
+              <a:gd name="connsiteY9" fmla="*/ 977503 h 2376264"/>
+              <a:gd name="connsiteX10" fmla="*/ 476987 w 1782198"/>
+              <a:gd name="connsiteY10" fmla="*/ 1113856 h 2376264"/>
+              <a:gd name="connsiteX11" fmla="*/ 476987 w 1782198"/>
+              <a:gd name="connsiteY11" fmla="*/ 2376264 h 2376264"/>
+              <a:gd name="connsiteX12" fmla="*/ 0 w 1782198"/>
+              <a:gd name="connsiteY12" fmla="*/ 2376264 h 2376264"/>
+              <a:gd name="connsiteX0" fmla="*/ 0 w 1782198"/>
+              <a:gd name="connsiteY0" fmla="*/ 2376264 h 2376264"/>
+              <a:gd name="connsiteX1" fmla="*/ 0 w 1782198"/>
+              <a:gd name="connsiteY1" fmla="*/ 1113856 h 2376264"/>
+              <a:gd name="connsiteX2" fmla="*/ 891099 w 1782198"/>
+              <a:gd name="connsiteY2" fmla="*/ 222757 h 2376264"/>
+              <a:gd name="connsiteX3" fmla="*/ 891099 w 1782198"/>
+              <a:gd name="connsiteY3" fmla="*/ 222757 h 2376264"/>
+              <a:gd name="connsiteX4" fmla="*/ 891099 w 1782198"/>
+              <a:gd name="connsiteY4" fmla="*/ 0 h 2376264"/>
+              <a:gd name="connsiteX5" fmla="*/ 1782198 w 1782198"/>
+              <a:gd name="connsiteY5" fmla="*/ 461251 h 2376264"/>
+              <a:gd name="connsiteX6" fmla="*/ 668849 w 1782198"/>
+              <a:gd name="connsiteY6" fmla="*/ 1017751 h 2376264"/>
+              <a:gd name="connsiteX7" fmla="*/ 579949 w 1782198"/>
+              <a:gd name="connsiteY7" fmla="*/ 874369 h 2376264"/>
+              <a:gd name="connsiteX8" fmla="*/ 564074 w 1782198"/>
+              <a:gd name="connsiteY8" fmla="*/ 880719 h 2376264"/>
+              <a:gd name="connsiteX9" fmla="*/ 486891 w 1782198"/>
+              <a:gd name="connsiteY9" fmla="*/ 977503 h 2376264"/>
+              <a:gd name="connsiteX10" fmla="*/ 476987 w 1782198"/>
+              <a:gd name="connsiteY10" fmla="*/ 1113856 h 2376264"/>
+              <a:gd name="connsiteX11" fmla="*/ 476987 w 1782198"/>
+              <a:gd name="connsiteY11" fmla="*/ 2376264 h 2376264"/>
+              <a:gd name="connsiteX12" fmla="*/ 0 w 1782198"/>
+              <a:gd name="connsiteY12" fmla="*/ 2376264 h 2376264"/>
+              <a:gd name="connsiteX0" fmla="*/ 0 w 1782198"/>
+              <a:gd name="connsiteY0" fmla="*/ 2376264 h 2376264"/>
+              <a:gd name="connsiteX1" fmla="*/ 0 w 1782198"/>
+              <a:gd name="connsiteY1" fmla="*/ 1113856 h 2376264"/>
+              <a:gd name="connsiteX2" fmla="*/ 891099 w 1782198"/>
+              <a:gd name="connsiteY2" fmla="*/ 222757 h 2376264"/>
+              <a:gd name="connsiteX3" fmla="*/ 271974 w 1782198"/>
+              <a:gd name="connsiteY3" fmla="*/ 457707 h 2376264"/>
+              <a:gd name="connsiteX4" fmla="*/ 891099 w 1782198"/>
+              <a:gd name="connsiteY4" fmla="*/ 0 h 2376264"/>
+              <a:gd name="connsiteX5" fmla="*/ 1782198 w 1782198"/>
+              <a:gd name="connsiteY5" fmla="*/ 461251 h 2376264"/>
+              <a:gd name="connsiteX6" fmla="*/ 668849 w 1782198"/>
+              <a:gd name="connsiteY6" fmla="*/ 1017751 h 2376264"/>
+              <a:gd name="connsiteX7" fmla="*/ 579949 w 1782198"/>
+              <a:gd name="connsiteY7" fmla="*/ 874369 h 2376264"/>
+              <a:gd name="connsiteX8" fmla="*/ 564074 w 1782198"/>
+              <a:gd name="connsiteY8" fmla="*/ 880719 h 2376264"/>
+              <a:gd name="connsiteX9" fmla="*/ 486891 w 1782198"/>
+              <a:gd name="connsiteY9" fmla="*/ 977503 h 2376264"/>
+              <a:gd name="connsiteX10" fmla="*/ 476987 w 1782198"/>
+              <a:gd name="connsiteY10" fmla="*/ 1113856 h 2376264"/>
+              <a:gd name="connsiteX11" fmla="*/ 476987 w 1782198"/>
+              <a:gd name="connsiteY11" fmla="*/ 2376264 h 2376264"/>
+              <a:gd name="connsiteX12" fmla="*/ 0 w 1782198"/>
+              <a:gd name="connsiteY12" fmla="*/ 2376264 h 2376264"/>
+              <a:gd name="connsiteX0" fmla="*/ 0 w 1782198"/>
+              <a:gd name="connsiteY0" fmla="*/ 2153507 h 2153507"/>
+              <a:gd name="connsiteX1" fmla="*/ 0 w 1782198"/>
+              <a:gd name="connsiteY1" fmla="*/ 891099 h 2153507"/>
+              <a:gd name="connsiteX2" fmla="*/ 891099 w 1782198"/>
+              <a:gd name="connsiteY2" fmla="*/ 0 h 2153507"/>
+              <a:gd name="connsiteX3" fmla="*/ 271974 w 1782198"/>
+              <a:gd name="connsiteY3" fmla="*/ 234950 h 2153507"/>
+              <a:gd name="connsiteX4" fmla="*/ 122749 w 1782198"/>
+              <a:gd name="connsiteY4" fmla="*/ 82043 h 2153507"/>
+              <a:gd name="connsiteX5" fmla="*/ 1782198 w 1782198"/>
+              <a:gd name="connsiteY5" fmla="*/ 238494 h 2153507"/>
+              <a:gd name="connsiteX6" fmla="*/ 668849 w 1782198"/>
+              <a:gd name="connsiteY6" fmla="*/ 794994 h 2153507"/>
+              <a:gd name="connsiteX7" fmla="*/ 579949 w 1782198"/>
+              <a:gd name="connsiteY7" fmla="*/ 651612 h 2153507"/>
+              <a:gd name="connsiteX8" fmla="*/ 564074 w 1782198"/>
+              <a:gd name="connsiteY8" fmla="*/ 657962 h 2153507"/>
+              <a:gd name="connsiteX9" fmla="*/ 486891 w 1782198"/>
+              <a:gd name="connsiteY9" fmla="*/ 754746 h 2153507"/>
+              <a:gd name="connsiteX10" fmla="*/ 476987 w 1782198"/>
+              <a:gd name="connsiteY10" fmla="*/ 891099 h 2153507"/>
+              <a:gd name="connsiteX11" fmla="*/ 476987 w 1782198"/>
+              <a:gd name="connsiteY11" fmla="*/ 2153507 h 2153507"/>
+              <a:gd name="connsiteX12" fmla="*/ 0 w 1782198"/>
+              <a:gd name="connsiteY12" fmla="*/ 2153507 h 2153507"/>
+              <a:gd name="connsiteX0" fmla="*/ 40678 w 1822876"/>
+              <a:gd name="connsiteY0" fmla="*/ 2071464 h 2071464"/>
+              <a:gd name="connsiteX1" fmla="*/ 40678 w 1822876"/>
+              <a:gd name="connsiteY1" fmla="*/ 809056 h 2071464"/>
+              <a:gd name="connsiteX2" fmla="*/ 331702 w 1822876"/>
+              <a:gd name="connsiteY2" fmla="*/ 140207 h 2071464"/>
+              <a:gd name="connsiteX3" fmla="*/ 312652 w 1822876"/>
+              <a:gd name="connsiteY3" fmla="*/ 152907 h 2071464"/>
+              <a:gd name="connsiteX4" fmla="*/ 163427 w 1822876"/>
+              <a:gd name="connsiteY4" fmla="*/ 0 h 2071464"/>
+              <a:gd name="connsiteX5" fmla="*/ 1822876 w 1822876"/>
+              <a:gd name="connsiteY5" fmla="*/ 156451 h 2071464"/>
+              <a:gd name="connsiteX6" fmla="*/ 709527 w 1822876"/>
+              <a:gd name="connsiteY6" fmla="*/ 712951 h 2071464"/>
+              <a:gd name="connsiteX7" fmla="*/ 620627 w 1822876"/>
+              <a:gd name="connsiteY7" fmla="*/ 569569 h 2071464"/>
+              <a:gd name="connsiteX8" fmla="*/ 604752 w 1822876"/>
+              <a:gd name="connsiteY8" fmla="*/ 575919 h 2071464"/>
+              <a:gd name="connsiteX9" fmla="*/ 527569 w 1822876"/>
+              <a:gd name="connsiteY9" fmla="*/ 672703 h 2071464"/>
+              <a:gd name="connsiteX10" fmla="*/ 517665 w 1822876"/>
+              <a:gd name="connsiteY10" fmla="*/ 809056 h 2071464"/>
+              <a:gd name="connsiteX11" fmla="*/ 517665 w 1822876"/>
+              <a:gd name="connsiteY11" fmla="*/ 2071464 h 2071464"/>
+              <a:gd name="connsiteX12" fmla="*/ 40678 w 1822876"/>
+              <a:gd name="connsiteY12" fmla="*/ 2071464 h 2071464"/>
+              <a:gd name="connsiteX0" fmla="*/ 0 w 1782198"/>
+              <a:gd name="connsiteY0" fmla="*/ 2071464 h 2071464"/>
+              <a:gd name="connsiteX1" fmla="*/ 0 w 1782198"/>
+              <a:gd name="connsiteY1" fmla="*/ 809056 h 2071464"/>
+              <a:gd name="connsiteX2" fmla="*/ 291024 w 1782198"/>
+              <a:gd name="connsiteY2" fmla="*/ 140207 h 2071464"/>
+              <a:gd name="connsiteX3" fmla="*/ 271974 w 1782198"/>
+              <a:gd name="connsiteY3" fmla="*/ 152907 h 2071464"/>
+              <a:gd name="connsiteX4" fmla="*/ 122749 w 1782198"/>
+              <a:gd name="connsiteY4" fmla="*/ 0 h 2071464"/>
+              <a:gd name="connsiteX5" fmla="*/ 1782198 w 1782198"/>
+              <a:gd name="connsiteY5" fmla="*/ 156451 h 2071464"/>
+              <a:gd name="connsiteX6" fmla="*/ 668849 w 1782198"/>
+              <a:gd name="connsiteY6" fmla="*/ 712951 h 2071464"/>
+              <a:gd name="connsiteX7" fmla="*/ 579949 w 1782198"/>
+              <a:gd name="connsiteY7" fmla="*/ 569569 h 2071464"/>
+              <a:gd name="connsiteX8" fmla="*/ 564074 w 1782198"/>
+              <a:gd name="connsiteY8" fmla="*/ 575919 h 2071464"/>
+              <a:gd name="connsiteX9" fmla="*/ 486891 w 1782198"/>
+              <a:gd name="connsiteY9" fmla="*/ 672703 h 2071464"/>
+              <a:gd name="connsiteX10" fmla="*/ 476987 w 1782198"/>
+              <a:gd name="connsiteY10" fmla="*/ 809056 h 2071464"/>
+              <a:gd name="connsiteX11" fmla="*/ 476987 w 1782198"/>
+              <a:gd name="connsiteY11" fmla="*/ 2071464 h 2071464"/>
+              <a:gd name="connsiteX12" fmla="*/ 0 w 1782198"/>
+              <a:gd name="connsiteY12" fmla="*/ 2071464 h 2071464"/>
+              <a:gd name="connsiteX0" fmla="*/ 0 w 1147198"/>
+              <a:gd name="connsiteY0" fmla="*/ 2242038 h 2242038"/>
+              <a:gd name="connsiteX1" fmla="*/ 0 w 1147198"/>
+              <a:gd name="connsiteY1" fmla="*/ 979630 h 2242038"/>
+              <a:gd name="connsiteX2" fmla="*/ 291024 w 1147198"/>
+              <a:gd name="connsiteY2" fmla="*/ 310781 h 2242038"/>
+              <a:gd name="connsiteX3" fmla="*/ 271974 w 1147198"/>
+              <a:gd name="connsiteY3" fmla="*/ 323481 h 2242038"/>
+              <a:gd name="connsiteX4" fmla="*/ 122749 w 1147198"/>
+              <a:gd name="connsiteY4" fmla="*/ 170574 h 2242038"/>
+              <a:gd name="connsiteX5" fmla="*/ 1147198 w 1147198"/>
+              <a:gd name="connsiteY5" fmla="*/ 0 h 2242038"/>
+              <a:gd name="connsiteX6" fmla="*/ 668849 w 1147198"/>
+              <a:gd name="connsiteY6" fmla="*/ 883525 h 2242038"/>
+              <a:gd name="connsiteX7" fmla="*/ 579949 w 1147198"/>
+              <a:gd name="connsiteY7" fmla="*/ 740143 h 2242038"/>
+              <a:gd name="connsiteX8" fmla="*/ 564074 w 1147198"/>
+              <a:gd name="connsiteY8" fmla="*/ 746493 h 2242038"/>
+              <a:gd name="connsiteX9" fmla="*/ 486891 w 1147198"/>
+              <a:gd name="connsiteY9" fmla="*/ 843277 h 2242038"/>
+              <a:gd name="connsiteX10" fmla="*/ 476987 w 1147198"/>
+              <a:gd name="connsiteY10" fmla="*/ 979630 h 2242038"/>
+              <a:gd name="connsiteX11" fmla="*/ 476987 w 1147198"/>
+              <a:gd name="connsiteY11" fmla="*/ 2242038 h 2242038"/>
+              <a:gd name="connsiteX12" fmla="*/ 0 w 1147198"/>
+              <a:gd name="connsiteY12" fmla="*/ 2242038 h 2242038"/>
+              <a:gd name="connsiteX0" fmla="*/ 0 w 1147198"/>
+              <a:gd name="connsiteY0" fmla="*/ 2242038 h 2242038"/>
+              <a:gd name="connsiteX1" fmla="*/ 0 w 1147198"/>
+              <a:gd name="connsiteY1" fmla="*/ 979630 h 2242038"/>
+              <a:gd name="connsiteX2" fmla="*/ 291024 w 1147198"/>
+              <a:gd name="connsiteY2" fmla="*/ 310781 h 2242038"/>
+              <a:gd name="connsiteX3" fmla="*/ 271974 w 1147198"/>
+              <a:gd name="connsiteY3" fmla="*/ 323481 h 2242038"/>
+              <a:gd name="connsiteX4" fmla="*/ 122749 w 1147198"/>
+              <a:gd name="connsiteY4" fmla="*/ 170574 h 2242038"/>
+              <a:gd name="connsiteX5" fmla="*/ 1147198 w 1147198"/>
+              <a:gd name="connsiteY5" fmla="*/ 0 h 2242038"/>
+              <a:gd name="connsiteX6" fmla="*/ 668849 w 1147198"/>
+              <a:gd name="connsiteY6" fmla="*/ 883525 h 2242038"/>
+              <a:gd name="connsiteX7" fmla="*/ 579949 w 1147198"/>
+              <a:gd name="connsiteY7" fmla="*/ 740143 h 2242038"/>
+              <a:gd name="connsiteX8" fmla="*/ 564074 w 1147198"/>
+              <a:gd name="connsiteY8" fmla="*/ 746493 h 2242038"/>
+              <a:gd name="connsiteX9" fmla="*/ 486891 w 1147198"/>
+              <a:gd name="connsiteY9" fmla="*/ 843277 h 2242038"/>
+              <a:gd name="connsiteX10" fmla="*/ 476987 w 1147198"/>
+              <a:gd name="connsiteY10" fmla="*/ 979630 h 2242038"/>
+              <a:gd name="connsiteX11" fmla="*/ 476987 w 1147198"/>
+              <a:gd name="connsiteY11" fmla="*/ 2242038 h 2242038"/>
+              <a:gd name="connsiteX12" fmla="*/ 0 w 1147198"/>
+              <a:gd name="connsiteY12" fmla="*/ 2242038 h 2242038"/>
+              <a:gd name="connsiteX0" fmla="*/ 0 w 1147198"/>
+              <a:gd name="connsiteY0" fmla="*/ 2242038 h 2242038"/>
+              <a:gd name="connsiteX1" fmla="*/ 0 w 1147198"/>
+              <a:gd name="connsiteY1" fmla="*/ 979630 h 2242038"/>
+              <a:gd name="connsiteX2" fmla="*/ 291024 w 1147198"/>
+              <a:gd name="connsiteY2" fmla="*/ 310781 h 2242038"/>
+              <a:gd name="connsiteX3" fmla="*/ 271974 w 1147198"/>
+              <a:gd name="connsiteY3" fmla="*/ 323481 h 2242038"/>
+              <a:gd name="connsiteX4" fmla="*/ 122749 w 1147198"/>
+              <a:gd name="connsiteY4" fmla="*/ 170574 h 2242038"/>
+              <a:gd name="connsiteX5" fmla="*/ 1147198 w 1147198"/>
+              <a:gd name="connsiteY5" fmla="*/ 0 h 2242038"/>
+              <a:gd name="connsiteX6" fmla="*/ 668849 w 1147198"/>
+              <a:gd name="connsiteY6" fmla="*/ 883525 h 2242038"/>
+              <a:gd name="connsiteX7" fmla="*/ 579949 w 1147198"/>
+              <a:gd name="connsiteY7" fmla="*/ 740143 h 2242038"/>
+              <a:gd name="connsiteX8" fmla="*/ 564074 w 1147198"/>
+              <a:gd name="connsiteY8" fmla="*/ 746493 h 2242038"/>
+              <a:gd name="connsiteX9" fmla="*/ 486891 w 1147198"/>
+              <a:gd name="connsiteY9" fmla="*/ 843277 h 2242038"/>
+              <a:gd name="connsiteX10" fmla="*/ 476987 w 1147198"/>
+              <a:gd name="connsiteY10" fmla="*/ 979630 h 2242038"/>
+              <a:gd name="connsiteX11" fmla="*/ 476987 w 1147198"/>
+              <a:gd name="connsiteY11" fmla="*/ 2242038 h 2242038"/>
+              <a:gd name="connsiteX12" fmla="*/ 0 w 1147198"/>
+              <a:gd name="connsiteY12" fmla="*/ 2242038 h 2242038"/>
+              <a:gd name="connsiteX0" fmla="*/ 0 w 1147198"/>
+              <a:gd name="connsiteY0" fmla="*/ 2242038 h 2242038"/>
+              <a:gd name="connsiteX1" fmla="*/ 0 w 1147198"/>
+              <a:gd name="connsiteY1" fmla="*/ 979630 h 2242038"/>
+              <a:gd name="connsiteX2" fmla="*/ 291024 w 1147198"/>
+              <a:gd name="connsiteY2" fmla="*/ 310781 h 2242038"/>
+              <a:gd name="connsiteX3" fmla="*/ 271974 w 1147198"/>
+              <a:gd name="connsiteY3" fmla="*/ 323481 h 2242038"/>
+              <a:gd name="connsiteX4" fmla="*/ 122749 w 1147198"/>
+              <a:gd name="connsiteY4" fmla="*/ 170574 h 2242038"/>
+              <a:gd name="connsiteX5" fmla="*/ 1147198 w 1147198"/>
+              <a:gd name="connsiteY5" fmla="*/ 0 h 2242038"/>
+              <a:gd name="connsiteX6" fmla="*/ 732771 w 1147198"/>
+              <a:gd name="connsiteY6" fmla="*/ 915487 h 2242038"/>
+              <a:gd name="connsiteX7" fmla="*/ 579949 w 1147198"/>
+              <a:gd name="connsiteY7" fmla="*/ 740143 h 2242038"/>
+              <a:gd name="connsiteX8" fmla="*/ 564074 w 1147198"/>
+              <a:gd name="connsiteY8" fmla="*/ 746493 h 2242038"/>
+              <a:gd name="connsiteX9" fmla="*/ 486891 w 1147198"/>
+              <a:gd name="connsiteY9" fmla="*/ 843277 h 2242038"/>
+              <a:gd name="connsiteX10" fmla="*/ 476987 w 1147198"/>
+              <a:gd name="connsiteY10" fmla="*/ 979630 h 2242038"/>
+              <a:gd name="connsiteX11" fmla="*/ 476987 w 1147198"/>
+              <a:gd name="connsiteY11" fmla="*/ 2242038 h 2242038"/>
+              <a:gd name="connsiteX12" fmla="*/ 0 w 1147198"/>
+              <a:gd name="connsiteY12" fmla="*/ 2242038 h 2242038"/>
+              <a:gd name="connsiteX0" fmla="*/ 0 w 1147198"/>
+              <a:gd name="connsiteY0" fmla="*/ 2242038 h 2242038"/>
+              <a:gd name="connsiteX1" fmla="*/ 0 w 1147198"/>
+              <a:gd name="connsiteY1" fmla="*/ 979630 h 2242038"/>
+              <a:gd name="connsiteX2" fmla="*/ 291024 w 1147198"/>
+              <a:gd name="connsiteY2" fmla="*/ 310781 h 2242038"/>
+              <a:gd name="connsiteX3" fmla="*/ 271974 w 1147198"/>
+              <a:gd name="connsiteY3" fmla="*/ 323481 h 2242038"/>
+              <a:gd name="connsiteX4" fmla="*/ 58826 w 1147198"/>
+              <a:gd name="connsiteY4" fmla="*/ 130622 h 2242038"/>
+              <a:gd name="connsiteX5" fmla="*/ 1147198 w 1147198"/>
+              <a:gd name="connsiteY5" fmla="*/ 0 h 2242038"/>
+              <a:gd name="connsiteX6" fmla="*/ 732771 w 1147198"/>
+              <a:gd name="connsiteY6" fmla="*/ 915487 h 2242038"/>
+              <a:gd name="connsiteX7" fmla="*/ 579949 w 1147198"/>
+              <a:gd name="connsiteY7" fmla="*/ 740143 h 2242038"/>
+              <a:gd name="connsiteX8" fmla="*/ 564074 w 1147198"/>
+              <a:gd name="connsiteY8" fmla="*/ 746493 h 2242038"/>
+              <a:gd name="connsiteX9" fmla="*/ 486891 w 1147198"/>
+              <a:gd name="connsiteY9" fmla="*/ 843277 h 2242038"/>
+              <a:gd name="connsiteX10" fmla="*/ 476987 w 1147198"/>
+              <a:gd name="connsiteY10" fmla="*/ 979630 h 2242038"/>
+              <a:gd name="connsiteX11" fmla="*/ 476987 w 1147198"/>
+              <a:gd name="connsiteY11" fmla="*/ 2242038 h 2242038"/>
+              <a:gd name="connsiteX12" fmla="*/ 0 w 1147198"/>
+              <a:gd name="connsiteY12" fmla="*/ 2242038 h 2242038"/>
+            </a:gdLst>
+            <a:ahLst/>
+            <a:cxnLst>
+              <a:cxn ang="0">
+                <a:pos x="connsiteX0" y="connsiteY0"/>
+              </a:cxn>
+              <a:cxn ang="0">
+                <a:pos x="connsiteX1" y="connsiteY1"/>
+              </a:cxn>
+              <a:cxn ang="0">
+                <a:pos x="connsiteX2" y="connsiteY2"/>
+              </a:cxn>
+              <a:cxn ang="0">
+                <a:pos x="connsiteX3" y="connsiteY3"/>
+              </a:cxn>
+              <a:cxn ang="0">
+                <a:pos x="connsiteX4" y="connsiteY4"/>
+              </a:cxn>
+              <a:cxn ang="0">
+                <a:pos x="connsiteX5" y="connsiteY5"/>
+              </a:cxn>
+              <a:cxn ang="0">
+                <a:pos x="connsiteX6" y="connsiteY6"/>
+              </a:cxn>
+              <a:cxn ang="0">
+                <a:pos x="connsiteX7" y="connsiteY7"/>
+              </a:cxn>
+              <a:cxn ang="0">
+                <a:pos x="connsiteX8" y="connsiteY8"/>
+              </a:cxn>
+              <a:cxn ang="0">
+                <a:pos x="connsiteX9" y="connsiteY9"/>
+              </a:cxn>
+              <a:cxn ang="0">
+                <a:pos x="connsiteX10" y="connsiteY10"/>
+              </a:cxn>
+              <a:cxn ang="0">
+                <a:pos x="connsiteX11" y="connsiteY11"/>
+              </a:cxn>
+              <a:cxn ang="0">
+                <a:pos x="connsiteX12" y="connsiteY12"/>
+              </a:cxn>
+            </a:cxnLst>
+            <a:rect l="l" t="t" r="r" b="b"/>
+            <a:pathLst>
+              <a:path w="1147198" h="2242038">
+                <a:moveTo>
+                  <a:pt x="0" y="2242038"/>
+                </a:moveTo>
+                <a:lnTo>
+                  <a:pt x="0" y="979630"/>
+                </a:lnTo>
+                <a:cubicBezTo>
+                  <a:pt x="0" y="487490"/>
+                  <a:pt x="110034" y="358406"/>
+                  <a:pt x="291024" y="310781"/>
+                </a:cubicBezTo>
+                <a:lnTo>
+                  <a:pt x="271974" y="323481"/>
+                </a:lnTo>
+                <a:lnTo>
+                  <a:pt x="58826" y="130622"/>
+                </a:lnTo>
+                <a:lnTo>
+                  <a:pt x="1147198" y="0"/>
+                </a:lnTo>
+                <a:lnTo>
+                  <a:pt x="732771" y="915487"/>
+                </a:lnTo>
+                <a:lnTo>
+                  <a:pt x="579949" y="740143"/>
+                </a:lnTo>
+                <a:lnTo>
+                  <a:pt x="564074" y="746493"/>
+                </a:lnTo>
+                <a:cubicBezTo>
+                  <a:pt x="472894" y="774266"/>
+                  <a:pt x="482355" y="966346"/>
+                  <a:pt x="486891" y="843277"/>
+                </a:cubicBezTo>
+                <a:cubicBezTo>
+                  <a:pt x="472377" y="882133"/>
+                  <a:pt x="478638" y="742270"/>
+                  <a:pt x="476987" y="979630"/>
+                </a:cubicBezTo>
+                <a:lnTo>
+                  <a:pt x="476987" y="2242038"/>
+                </a:lnTo>
+                <a:lnTo>
+                  <a:pt x="0" y="2242038"/>
+                </a:lnTo>
+                <a:close/>
+              </a:path>
+            </a:pathLst>
+          </a:custGeom>
+          <a:solidFill>
+            <a:srgbClr val="7030A0"/>
+          </a:solidFill>
+          <a:ln>
+            <a:solidFill>
+              <a:schemeClr val="accent3">
+                <a:lumMod val="50000"/>
+              </a:schemeClr>
+            </a:solidFill>
+          </a:ln>
+        </p:spPr>
+        <p:style>
+          <a:lnRef idx="2">
+            <a:schemeClr val="accent3">
+              <a:shade val="50000"/>
+            </a:schemeClr>
+          </a:lnRef>
+          <a:fillRef idx="1">
+            <a:schemeClr val="accent3"/>
+          </a:fillRef>
+          <a:effectRef idx="0">
+            <a:schemeClr val="accent3"/>
+          </a:effectRef>
+          <a:fontRef idx="minor">
+            <a:schemeClr val="lt1"/>
+          </a:fontRef>
+        </p:style>
+        <p:txBody>
+          <a:bodyPr rtlCol="0" anchor="ctr"/>
+          <a:lstStyle/>
+          <a:p>
+            <a:pPr algn="ctr"/>
+            <a:endParaRPr lang="pl-PL" dirty="0"/>
+          </a:p>
+        </p:txBody>
+      </p:sp>
+      <p:sp>
+        <p:nvSpPr>
+          <p:cNvPr id="22" name="Bent Arrow 20"/>
+          <p:cNvSpPr>
+            <a:spLocks/>
+          </p:cNvSpPr>
+          <p:nvPr/>
+        </p:nvSpPr>
+        <p:spPr>
+          <a:xfrm>
+            <a:off x="1767978" y="2573288"/>
+            <a:ext cx="355402" cy="694583"/>
+          </a:xfrm>
+          <a:custGeom>
+            <a:avLst/>
+            <a:gdLst>
+              <a:gd name="connsiteX0" fmla="*/ 0 w 1782198"/>
+              <a:gd name="connsiteY0" fmla="*/ 2376264 h 2376264"/>
+              <a:gd name="connsiteX1" fmla="*/ 0 w 1782198"/>
+              <a:gd name="connsiteY1" fmla="*/ 1113856 h 2376264"/>
+              <a:gd name="connsiteX2" fmla="*/ 891099 w 1782198"/>
+              <a:gd name="connsiteY2" fmla="*/ 222757 h 2376264"/>
+              <a:gd name="connsiteX3" fmla="*/ 891099 w 1782198"/>
+              <a:gd name="connsiteY3" fmla="*/ 222757 h 2376264"/>
+              <a:gd name="connsiteX4" fmla="*/ 891099 w 1782198"/>
+              <a:gd name="connsiteY4" fmla="*/ 0 h 2376264"/>
+              <a:gd name="connsiteX5" fmla="*/ 1782198 w 1782198"/>
+              <a:gd name="connsiteY5" fmla="*/ 461251 h 2376264"/>
+              <a:gd name="connsiteX6" fmla="*/ 891099 w 1782198"/>
+              <a:gd name="connsiteY6" fmla="*/ 922501 h 2376264"/>
+              <a:gd name="connsiteX7" fmla="*/ 891099 w 1782198"/>
+              <a:gd name="connsiteY7" fmla="*/ 699744 h 2376264"/>
+              <a:gd name="connsiteX8" fmla="*/ 891099 w 1782198"/>
+              <a:gd name="connsiteY8" fmla="*/ 699744 h 2376264"/>
+              <a:gd name="connsiteX9" fmla="*/ 476987 w 1782198"/>
+              <a:gd name="connsiteY9" fmla="*/ 1113856 h 2376264"/>
+              <a:gd name="connsiteX10" fmla="*/ 476987 w 1782198"/>
+              <a:gd name="connsiteY10" fmla="*/ 2376264 h 2376264"/>
+              <a:gd name="connsiteX11" fmla="*/ 0 w 1782198"/>
+              <a:gd name="connsiteY11" fmla="*/ 2376264 h 2376264"/>
+              <a:gd name="connsiteX0" fmla="*/ 0 w 1782198"/>
+              <a:gd name="connsiteY0" fmla="*/ 2376264 h 2376264"/>
+              <a:gd name="connsiteX1" fmla="*/ 0 w 1782198"/>
+              <a:gd name="connsiteY1" fmla="*/ 1113856 h 2376264"/>
+              <a:gd name="connsiteX2" fmla="*/ 891099 w 1782198"/>
+              <a:gd name="connsiteY2" fmla="*/ 222757 h 2376264"/>
+              <a:gd name="connsiteX3" fmla="*/ 891099 w 1782198"/>
+              <a:gd name="connsiteY3" fmla="*/ 222757 h 2376264"/>
+              <a:gd name="connsiteX4" fmla="*/ 891099 w 1782198"/>
+              <a:gd name="connsiteY4" fmla="*/ 0 h 2376264"/>
+              <a:gd name="connsiteX5" fmla="*/ 1782198 w 1782198"/>
+              <a:gd name="connsiteY5" fmla="*/ 461251 h 2376264"/>
+              <a:gd name="connsiteX6" fmla="*/ 668849 w 1782198"/>
+              <a:gd name="connsiteY6" fmla="*/ 1017751 h 2376264"/>
+              <a:gd name="connsiteX7" fmla="*/ 891099 w 1782198"/>
+              <a:gd name="connsiteY7" fmla="*/ 699744 h 2376264"/>
+              <a:gd name="connsiteX8" fmla="*/ 891099 w 1782198"/>
+              <a:gd name="connsiteY8" fmla="*/ 699744 h 2376264"/>
+              <a:gd name="connsiteX9" fmla="*/ 476987 w 1782198"/>
+              <a:gd name="connsiteY9" fmla="*/ 1113856 h 2376264"/>
+              <a:gd name="connsiteX10" fmla="*/ 476987 w 1782198"/>
+              <a:gd name="connsiteY10" fmla="*/ 2376264 h 2376264"/>
+              <a:gd name="connsiteX11" fmla="*/ 0 w 1782198"/>
+              <a:gd name="connsiteY11" fmla="*/ 2376264 h 2376264"/>
+              <a:gd name="connsiteX0" fmla="*/ 0 w 1782198"/>
+              <a:gd name="connsiteY0" fmla="*/ 2376264 h 2376264"/>
+              <a:gd name="connsiteX1" fmla="*/ 0 w 1782198"/>
+              <a:gd name="connsiteY1" fmla="*/ 1113856 h 2376264"/>
+              <a:gd name="connsiteX2" fmla="*/ 891099 w 1782198"/>
+              <a:gd name="connsiteY2" fmla="*/ 222757 h 2376264"/>
+              <a:gd name="connsiteX3" fmla="*/ 891099 w 1782198"/>
+              <a:gd name="connsiteY3" fmla="*/ 222757 h 2376264"/>
+              <a:gd name="connsiteX4" fmla="*/ 891099 w 1782198"/>
+              <a:gd name="connsiteY4" fmla="*/ 0 h 2376264"/>
+              <a:gd name="connsiteX5" fmla="*/ 1782198 w 1782198"/>
+              <a:gd name="connsiteY5" fmla="*/ 461251 h 2376264"/>
+              <a:gd name="connsiteX6" fmla="*/ 668849 w 1782198"/>
+              <a:gd name="connsiteY6" fmla="*/ 1017751 h 2376264"/>
+              <a:gd name="connsiteX7" fmla="*/ 891099 w 1782198"/>
+              <a:gd name="connsiteY7" fmla="*/ 699744 h 2376264"/>
+              <a:gd name="connsiteX8" fmla="*/ 564074 w 1782198"/>
+              <a:gd name="connsiteY8" fmla="*/ 880719 h 2376264"/>
+              <a:gd name="connsiteX9" fmla="*/ 476987 w 1782198"/>
+              <a:gd name="connsiteY9" fmla="*/ 1113856 h 2376264"/>
+              <a:gd name="connsiteX10" fmla="*/ 476987 w 1782198"/>
+              <a:gd name="connsiteY10" fmla="*/ 2376264 h 2376264"/>
+              <a:gd name="connsiteX11" fmla="*/ 0 w 1782198"/>
+              <a:gd name="connsiteY11" fmla="*/ 2376264 h 2376264"/>
+              <a:gd name="connsiteX0" fmla="*/ 0 w 1782198"/>
+              <a:gd name="connsiteY0" fmla="*/ 2376264 h 2376264"/>
+              <a:gd name="connsiteX1" fmla="*/ 0 w 1782198"/>
+              <a:gd name="connsiteY1" fmla="*/ 1113856 h 2376264"/>
+              <a:gd name="connsiteX2" fmla="*/ 891099 w 1782198"/>
+              <a:gd name="connsiteY2" fmla="*/ 222757 h 2376264"/>
+              <a:gd name="connsiteX3" fmla="*/ 891099 w 1782198"/>
+              <a:gd name="connsiteY3" fmla="*/ 222757 h 2376264"/>
+              <a:gd name="connsiteX4" fmla="*/ 891099 w 1782198"/>
+              <a:gd name="connsiteY4" fmla="*/ 0 h 2376264"/>
+              <a:gd name="connsiteX5" fmla="*/ 1782198 w 1782198"/>
+              <a:gd name="connsiteY5" fmla="*/ 461251 h 2376264"/>
+              <a:gd name="connsiteX6" fmla="*/ 668849 w 1782198"/>
+              <a:gd name="connsiteY6" fmla="*/ 1017751 h 2376264"/>
+              <a:gd name="connsiteX7" fmla="*/ 891099 w 1782198"/>
+              <a:gd name="connsiteY7" fmla="*/ 699744 h 2376264"/>
+              <a:gd name="connsiteX8" fmla="*/ 564074 w 1782198"/>
+              <a:gd name="connsiteY8" fmla="*/ 880719 h 2376264"/>
+              <a:gd name="connsiteX9" fmla="*/ 476987 w 1782198"/>
+              <a:gd name="connsiteY9" fmla="*/ 1113856 h 2376264"/>
+              <a:gd name="connsiteX10" fmla="*/ 476987 w 1782198"/>
+              <a:gd name="connsiteY10" fmla="*/ 2376264 h 2376264"/>
+              <a:gd name="connsiteX11" fmla="*/ 0 w 1782198"/>
+              <a:gd name="connsiteY11" fmla="*/ 2376264 h 2376264"/>
+              <a:gd name="connsiteX0" fmla="*/ 0 w 1782198"/>
+              <a:gd name="connsiteY0" fmla="*/ 2376264 h 2376264"/>
+              <a:gd name="connsiteX1" fmla="*/ 0 w 1782198"/>
+              <a:gd name="connsiteY1" fmla="*/ 1113856 h 2376264"/>
+              <a:gd name="connsiteX2" fmla="*/ 891099 w 1782198"/>
+              <a:gd name="connsiteY2" fmla="*/ 222757 h 2376264"/>
+              <a:gd name="connsiteX3" fmla="*/ 891099 w 1782198"/>
+              <a:gd name="connsiteY3" fmla="*/ 222757 h 2376264"/>
+              <a:gd name="connsiteX4" fmla="*/ 891099 w 1782198"/>
+              <a:gd name="connsiteY4" fmla="*/ 0 h 2376264"/>
+              <a:gd name="connsiteX5" fmla="*/ 1782198 w 1782198"/>
+              <a:gd name="connsiteY5" fmla="*/ 461251 h 2376264"/>
+              <a:gd name="connsiteX6" fmla="*/ 668849 w 1782198"/>
+              <a:gd name="connsiteY6" fmla="*/ 1017751 h 2376264"/>
+              <a:gd name="connsiteX7" fmla="*/ 891099 w 1782198"/>
+              <a:gd name="connsiteY7" fmla="*/ 699744 h 2376264"/>
+              <a:gd name="connsiteX8" fmla="*/ 564074 w 1782198"/>
+              <a:gd name="connsiteY8" fmla="*/ 880719 h 2376264"/>
+              <a:gd name="connsiteX9" fmla="*/ 486891 w 1782198"/>
+              <a:gd name="connsiteY9" fmla="*/ 977503 h 2376264"/>
+              <a:gd name="connsiteX10" fmla="*/ 476987 w 1782198"/>
+              <a:gd name="connsiteY10" fmla="*/ 1113856 h 2376264"/>
+              <a:gd name="connsiteX11" fmla="*/ 476987 w 1782198"/>
+              <a:gd name="connsiteY11" fmla="*/ 2376264 h 2376264"/>
+              <a:gd name="connsiteX12" fmla="*/ 0 w 1782198"/>
+              <a:gd name="connsiteY12" fmla="*/ 2376264 h 2376264"/>
+              <a:gd name="connsiteX0" fmla="*/ 0 w 1782198"/>
+              <a:gd name="connsiteY0" fmla="*/ 2376264 h 2376264"/>
+              <a:gd name="connsiteX1" fmla="*/ 0 w 1782198"/>
+              <a:gd name="connsiteY1" fmla="*/ 1113856 h 2376264"/>
+              <a:gd name="connsiteX2" fmla="*/ 891099 w 1782198"/>
+              <a:gd name="connsiteY2" fmla="*/ 222757 h 2376264"/>
+              <a:gd name="connsiteX3" fmla="*/ 891099 w 1782198"/>
+              <a:gd name="connsiteY3" fmla="*/ 222757 h 2376264"/>
+              <a:gd name="connsiteX4" fmla="*/ 891099 w 1782198"/>
+              <a:gd name="connsiteY4" fmla="*/ 0 h 2376264"/>
+              <a:gd name="connsiteX5" fmla="*/ 1782198 w 1782198"/>
+              <a:gd name="connsiteY5" fmla="*/ 461251 h 2376264"/>
+              <a:gd name="connsiteX6" fmla="*/ 668849 w 1782198"/>
+              <a:gd name="connsiteY6" fmla="*/ 1017751 h 2376264"/>
+              <a:gd name="connsiteX7" fmla="*/ 579949 w 1782198"/>
+              <a:gd name="connsiteY7" fmla="*/ 874369 h 2376264"/>
+              <a:gd name="connsiteX8" fmla="*/ 564074 w 1782198"/>
+              <a:gd name="connsiteY8" fmla="*/ 880719 h 2376264"/>
+              <a:gd name="connsiteX9" fmla="*/ 486891 w 1782198"/>
+              <a:gd name="connsiteY9" fmla="*/ 977503 h 2376264"/>
+              <a:gd name="connsiteX10" fmla="*/ 476987 w 1782198"/>
+              <a:gd name="connsiteY10" fmla="*/ 1113856 h 2376264"/>
+              <a:gd name="connsiteX11" fmla="*/ 476987 w 1782198"/>
+              <a:gd name="connsiteY11" fmla="*/ 2376264 h 2376264"/>
+              <a:gd name="connsiteX12" fmla="*/ 0 w 1782198"/>
+              <a:gd name="connsiteY12" fmla="*/ 2376264 h 2376264"/>
+              <a:gd name="connsiteX0" fmla="*/ 0 w 1782198"/>
+              <a:gd name="connsiteY0" fmla="*/ 2376264 h 2376264"/>
+              <a:gd name="connsiteX1" fmla="*/ 0 w 1782198"/>
+              <a:gd name="connsiteY1" fmla="*/ 1113856 h 2376264"/>
+              <a:gd name="connsiteX2" fmla="*/ 891099 w 1782198"/>
+              <a:gd name="connsiteY2" fmla="*/ 222757 h 2376264"/>
+              <a:gd name="connsiteX3" fmla="*/ 271974 w 1782198"/>
+              <a:gd name="connsiteY3" fmla="*/ 457707 h 2376264"/>
+              <a:gd name="connsiteX4" fmla="*/ 891099 w 1782198"/>
+              <a:gd name="connsiteY4" fmla="*/ 0 h 2376264"/>
+              <a:gd name="connsiteX5" fmla="*/ 1782198 w 1782198"/>
+              <a:gd name="connsiteY5" fmla="*/ 461251 h 2376264"/>
+              <a:gd name="connsiteX6" fmla="*/ 668849 w 1782198"/>
+              <a:gd name="connsiteY6" fmla="*/ 1017751 h 2376264"/>
+              <a:gd name="connsiteX7" fmla="*/ 579949 w 1782198"/>
+              <a:gd name="connsiteY7" fmla="*/ 874369 h 2376264"/>
+              <a:gd name="connsiteX8" fmla="*/ 564074 w 1782198"/>
+              <a:gd name="connsiteY8" fmla="*/ 880719 h 2376264"/>
+              <a:gd name="connsiteX9" fmla="*/ 486891 w 1782198"/>
+              <a:gd name="connsiteY9" fmla="*/ 977503 h 2376264"/>
+              <a:gd name="connsiteX10" fmla="*/ 476987 w 1782198"/>
+              <a:gd name="connsiteY10" fmla="*/ 1113856 h 2376264"/>
+              <a:gd name="connsiteX11" fmla="*/ 476987 w 1782198"/>
+              <a:gd name="connsiteY11" fmla="*/ 2376264 h 2376264"/>
+              <a:gd name="connsiteX12" fmla="*/ 0 w 1782198"/>
+              <a:gd name="connsiteY12" fmla="*/ 2376264 h 2376264"/>
+              <a:gd name="connsiteX0" fmla="*/ 0 w 1782198"/>
+              <a:gd name="connsiteY0" fmla="*/ 2153507 h 2153507"/>
+              <a:gd name="connsiteX1" fmla="*/ 0 w 1782198"/>
+              <a:gd name="connsiteY1" fmla="*/ 891099 h 2153507"/>
+              <a:gd name="connsiteX2" fmla="*/ 891099 w 1782198"/>
+              <a:gd name="connsiteY2" fmla="*/ 0 h 2153507"/>
+              <a:gd name="connsiteX3" fmla="*/ 271974 w 1782198"/>
+              <a:gd name="connsiteY3" fmla="*/ 234950 h 2153507"/>
+              <a:gd name="connsiteX4" fmla="*/ 122749 w 1782198"/>
+              <a:gd name="connsiteY4" fmla="*/ 82043 h 2153507"/>
+              <a:gd name="connsiteX5" fmla="*/ 1782198 w 1782198"/>
+              <a:gd name="connsiteY5" fmla="*/ 238494 h 2153507"/>
+              <a:gd name="connsiteX6" fmla="*/ 668849 w 1782198"/>
+              <a:gd name="connsiteY6" fmla="*/ 794994 h 2153507"/>
+              <a:gd name="connsiteX7" fmla="*/ 579949 w 1782198"/>
+              <a:gd name="connsiteY7" fmla="*/ 651612 h 2153507"/>
+              <a:gd name="connsiteX8" fmla="*/ 564074 w 1782198"/>
+              <a:gd name="connsiteY8" fmla="*/ 657962 h 2153507"/>
+              <a:gd name="connsiteX9" fmla="*/ 486891 w 1782198"/>
+              <a:gd name="connsiteY9" fmla="*/ 754746 h 2153507"/>
+              <a:gd name="connsiteX10" fmla="*/ 476987 w 1782198"/>
+              <a:gd name="connsiteY10" fmla="*/ 891099 h 2153507"/>
+              <a:gd name="connsiteX11" fmla="*/ 476987 w 1782198"/>
+              <a:gd name="connsiteY11" fmla="*/ 2153507 h 2153507"/>
+              <a:gd name="connsiteX12" fmla="*/ 0 w 1782198"/>
+              <a:gd name="connsiteY12" fmla="*/ 2153507 h 2153507"/>
+              <a:gd name="connsiteX0" fmla="*/ 40678 w 1822876"/>
+              <a:gd name="connsiteY0" fmla="*/ 2071464 h 2071464"/>
+              <a:gd name="connsiteX1" fmla="*/ 40678 w 1822876"/>
+              <a:gd name="connsiteY1" fmla="*/ 809056 h 2071464"/>
+              <a:gd name="connsiteX2" fmla="*/ 331702 w 1822876"/>
+              <a:gd name="connsiteY2" fmla="*/ 140207 h 2071464"/>
+              <a:gd name="connsiteX3" fmla="*/ 312652 w 1822876"/>
+              <a:gd name="connsiteY3" fmla="*/ 152907 h 2071464"/>
+              <a:gd name="connsiteX4" fmla="*/ 163427 w 1822876"/>
+              <a:gd name="connsiteY4" fmla="*/ 0 h 2071464"/>
+              <a:gd name="connsiteX5" fmla="*/ 1822876 w 1822876"/>
+              <a:gd name="connsiteY5" fmla="*/ 156451 h 2071464"/>
+              <a:gd name="connsiteX6" fmla="*/ 709527 w 1822876"/>
+              <a:gd name="connsiteY6" fmla="*/ 712951 h 2071464"/>
+              <a:gd name="connsiteX7" fmla="*/ 620627 w 1822876"/>
+              <a:gd name="connsiteY7" fmla="*/ 569569 h 2071464"/>
+              <a:gd name="connsiteX8" fmla="*/ 604752 w 1822876"/>
+              <a:gd name="connsiteY8" fmla="*/ 575919 h 2071464"/>
+              <a:gd name="connsiteX9" fmla="*/ 527569 w 1822876"/>
+              <a:gd name="connsiteY9" fmla="*/ 672703 h 2071464"/>
+              <a:gd name="connsiteX10" fmla="*/ 517665 w 1822876"/>
+              <a:gd name="connsiteY10" fmla="*/ 809056 h 2071464"/>
+              <a:gd name="connsiteX11" fmla="*/ 517665 w 1822876"/>
+              <a:gd name="connsiteY11" fmla="*/ 2071464 h 2071464"/>
+              <a:gd name="connsiteX12" fmla="*/ 40678 w 1822876"/>
+              <a:gd name="connsiteY12" fmla="*/ 2071464 h 2071464"/>
+              <a:gd name="connsiteX0" fmla="*/ 0 w 1782198"/>
+              <a:gd name="connsiteY0" fmla="*/ 2071464 h 2071464"/>
+              <a:gd name="connsiteX1" fmla="*/ 0 w 1782198"/>
+              <a:gd name="connsiteY1" fmla="*/ 809056 h 2071464"/>
+              <a:gd name="connsiteX2" fmla="*/ 291024 w 1782198"/>
+              <a:gd name="connsiteY2" fmla="*/ 140207 h 2071464"/>
+              <a:gd name="connsiteX3" fmla="*/ 271974 w 1782198"/>
+              <a:gd name="connsiteY3" fmla="*/ 152907 h 2071464"/>
+              <a:gd name="connsiteX4" fmla="*/ 122749 w 1782198"/>
+              <a:gd name="connsiteY4" fmla="*/ 0 h 2071464"/>
+              <a:gd name="connsiteX5" fmla="*/ 1782198 w 1782198"/>
+              <a:gd name="connsiteY5" fmla="*/ 156451 h 2071464"/>
+              <a:gd name="connsiteX6" fmla="*/ 668849 w 1782198"/>
+              <a:gd name="connsiteY6" fmla="*/ 712951 h 2071464"/>
+              <a:gd name="connsiteX7" fmla="*/ 579949 w 1782198"/>
+              <a:gd name="connsiteY7" fmla="*/ 569569 h 2071464"/>
+              <a:gd name="connsiteX8" fmla="*/ 564074 w 1782198"/>
+              <a:gd name="connsiteY8" fmla="*/ 575919 h 2071464"/>
+              <a:gd name="connsiteX9" fmla="*/ 486891 w 1782198"/>
+              <a:gd name="connsiteY9" fmla="*/ 672703 h 2071464"/>
+              <a:gd name="connsiteX10" fmla="*/ 476987 w 1782198"/>
+              <a:gd name="connsiteY10" fmla="*/ 809056 h 2071464"/>
+              <a:gd name="connsiteX11" fmla="*/ 476987 w 1782198"/>
+              <a:gd name="connsiteY11" fmla="*/ 2071464 h 2071464"/>
+              <a:gd name="connsiteX12" fmla="*/ 0 w 1782198"/>
+              <a:gd name="connsiteY12" fmla="*/ 2071464 h 2071464"/>
+              <a:gd name="connsiteX0" fmla="*/ 0 w 1147198"/>
+              <a:gd name="connsiteY0" fmla="*/ 2242038 h 2242038"/>
+              <a:gd name="connsiteX1" fmla="*/ 0 w 1147198"/>
+              <a:gd name="connsiteY1" fmla="*/ 979630 h 2242038"/>
+              <a:gd name="connsiteX2" fmla="*/ 291024 w 1147198"/>
+              <a:gd name="connsiteY2" fmla="*/ 310781 h 2242038"/>
+              <a:gd name="connsiteX3" fmla="*/ 271974 w 1147198"/>
+              <a:gd name="connsiteY3" fmla="*/ 323481 h 2242038"/>
+              <a:gd name="connsiteX4" fmla="*/ 122749 w 1147198"/>
+              <a:gd name="connsiteY4" fmla="*/ 170574 h 2242038"/>
+              <a:gd name="connsiteX5" fmla="*/ 1147198 w 1147198"/>
+              <a:gd name="connsiteY5" fmla="*/ 0 h 2242038"/>
+              <a:gd name="connsiteX6" fmla="*/ 668849 w 1147198"/>
+              <a:gd name="connsiteY6" fmla="*/ 883525 h 2242038"/>
+              <a:gd name="connsiteX7" fmla="*/ 579949 w 1147198"/>
+              <a:gd name="connsiteY7" fmla="*/ 740143 h 2242038"/>
+              <a:gd name="connsiteX8" fmla="*/ 564074 w 1147198"/>
+              <a:gd name="connsiteY8" fmla="*/ 746493 h 2242038"/>
+              <a:gd name="connsiteX9" fmla="*/ 486891 w 1147198"/>
+              <a:gd name="connsiteY9" fmla="*/ 843277 h 2242038"/>
+              <a:gd name="connsiteX10" fmla="*/ 476987 w 1147198"/>
+              <a:gd name="connsiteY10" fmla="*/ 979630 h 2242038"/>
+              <a:gd name="connsiteX11" fmla="*/ 476987 w 1147198"/>
+              <a:gd name="connsiteY11" fmla="*/ 2242038 h 2242038"/>
+              <a:gd name="connsiteX12" fmla="*/ 0 w 1147198"/>
+              <a:gd name="connsiteY12" fmla="*/ 2242038 h 2242038"/>
+              <a:gd name="connsiteX0" fmla="*/ 0 w 1147198"/>
+              <a:gd name="connsiteY0" fmla="*/ 2242038 h 2242038"/>
+              <a:gd name="connsiteX1" fmla="*/ 0 w 1147198"/>
+              <a:gd name="connsiteY1" fmla="*/ 979630 h 2242038"/>
+              <a:gd name="connsiteX2" fmla="*/ 291024 w 1147198"/>
+              <a:gd name="connsiteY2" fmla="*/ 310781 h 2242038"/>
+              <a:gd name="connsiteX3" fmla="*/ 271974 w 1147198"/>
+              <a:gd name="connsiteY3" fmla="*/ 323481 h 2242038"/>
+              <a:gd name="connsiteX4" fmla="*/ 122749 w 1147198"/>
+              <a:gd name="connsiteY4" fmla="*/ 170574 h 2242038"/>
+              <a:gd name="connsiteX5" fmla="*/ 1147198 w 1147198"/>
+              <a:gd name="connsiteY5" fmla="*/ 0 h 2242038"/>
+              <a:gd name="connsiteX6" fmla="*/ 668849 w 1147198"/>
+              <a:gd name="connsiteY6" fmla="*/ 883525 h 2242038"/>
+              <a:gd name="connsiteX7" fmla="*/ 579949 w 1147198"/>
+              <a:gd name="connsiteY7" fmla="*/ 740143 h 2242038"/>
+              <a:gd name="connsiteX8" fmla="*/ 564074 w 1147198"/>
+              <a:gd name="connsiteY8" fmla="*/ 746493 h 2242038"/>
+              <a:gd name="connsiteX9" fmla="*/ 486891 w 1147198"/>
+              <a:gd name="connsiteY9" fmla="*/ 843277 h 2242038"/>
+              <a:gd name="connsiteX10" fmla="*/ 476987 w 1147198"/>
+              <a:gd name="connsiteY10" fmla="*/ 979630 h 2242038"/>
+              <a:gd name="connsiteX11" fmla="*/ 476987 w 1147198"/>
+              <a:gd name="connsiteY11" fmla="*/ 2242038 h 2242038"/>
+              <a:gd name="connsiteX12" fmla="*/ 0 w 1147198"/>
+              <a:gd name="connsiteY12" fmla="*/ 2242038 h 2242038"/>
+              <a:gd name="connsiteX0" fmla="*/ 0 w 1147198"/>
+              <a:gd name="connsiteY0" fmla="*/ 2242038 h 2242038"/>
+              <a:gd name="connsiteX1" fmla="*/ 0 w 1147198"/>
+              <a:gd name="connsiteY1" fmla="*/ 979630 h 2242038"/>
+              <a:gd name="connsiteX2" fmla="*/ 291024 w 1147198"/>
+              <a:gd name="connsiteY2" fmla="*/ 310781 h 2242038"/>
+              <a:gd name="connsiteX3" fmla="*/ 271974 w 1147198"/>
+              <a:gd name="connsiteY3" fmla="*/ 323481 h 2242038"/>
+              <a:gd name="connsiteX4" fmla="*/ 122749 w 1147198"/>
+              <a:gd name="connsiteY4" fmla="*/ 170574 h 2242038"/>
+              <a:gd name="connsiteX5" fmla="*/ 1147198 w 1147198"/>
+              <a:gd name="connsiteY5" fmla="*/ 0 h 2242038"/>
+              <a:gd name="connsiteX6" fmla="*/ 668849 w 1147198"/>
+              <a:gd name="connsiteY6" fmla="*/ 883525 h 2242038"/>
+              <a:gd name="connsiteX7" fmla="*/ 579949 w 1147198"/>
+              <a:gd name="connsiteY7" fmla="*/ 740143 h 2242038"/>
+              <a:gd name="connsiteX8" fmla="*/ 564074 w 1147198"/>
+              <a:gd name="connsiteY8" fmla="*/ 746493 h 2242038"/>
+              <a:gd name="connsiteX9" fmla="*/ 486891 w 1147198"/>
+              <a:gd name="connsiteY9" fmla="*/ 843277 h 2242038"/>
+              <a:gd name="connsiteX10" fmla="*/ 476987 w 1147198"/>
+              <a:gd name="connsiteY10" fmla="*/ 979630 h 2242038"/>
+              <a:gd name="connsiteX11" fmla="*/ 476987 w 1147198"/>
+              <a:gd name="connsiteY11" fmla="*/ 2242038 h 2242038"/>
+              <a:gd name="connsiteX12" fmla="*/ 0 w 1147198"/>
+              <a:gd name="connsiteY12" fmla="*/ 2242038 h 2242038"/>
+              <a:gd name="connsiteX0" fmla="*/ 0 w 1147198"/>
+              <a:gd name="connsiteY0" fmla="*/ 2242038 h 2242038"/>
+              <a:gd name="connsiteX1" fmla="*/ 0 w 1147198"/>
+              <a:gd name="connsiteY1" fmla="*/ 979630 h 2242038"/>
+              <a:gd name="connsiteX2" fmla="*/ 291024 w 1147198"/>
+              <a:gd name="connsiteY2" fmla="*/ 310781 h 2242038"/>
+              <a:gd name="connsiteX3" fmla="*/ 271974 w 1147198"/>
+              <a:gd name="connsiteY3" fmla="*/ 323481 h 2242038"/>
+              <a:gd name="connsiteX4" fmla="*/ 122749 w 1147198"/>
+              <a:gd name="connsiteY4" fmla="*/ 170574 h 2242038"/>
+              <a:gd name="connsiteX5" fmla="*/ 1147198 w 1147198"/>
+              <a:gd name="connsiteY5" fmla="*/ 0 h 2242038"/>
+              <a:gd name="connsiteX6" fmla="*/ 732771 w 1147198"/>
+              <a:gd name="connsiteY6" fmla="*/ 915487 h 2242038"/>
+              <a:gd name="connsiteX7" fmla="*/ 579949 w 1147198"/>
+              <a:gd name="connsiteY7" fmla="*/ 740143 h 2242038"/>
+              <a:gd name="connsiteX8" fmla="*/ 564074 w 1147198"/>
+              <a:gd name="connsiteY8" fmla="*/ 746493 h 2242038"/>
+              <a:gd name="connsiteX9" fmla="*/ 486891 w 1147198"/>
+              <a:gd name="connsiteY9" fmla="*/ 843277 h 2242038"/>
+              <a:gd name="connsiteX10" fmla="*/ 476987 w 1147198"/>
+              <a:gd name="connsiteY10" fmla="*/ 979630 h 2242038"/>
+              <a:gd name="connsiteX11" fmla="*/ 476987 w 1147198"/>
+              <a:gd name="connsiteY11" fmla="*/ 2242038 h 2242038"/>
+              <a:gd name="connsiteX12" fmla="*/ 0 w 1147198"/>
+              <a:gd name="connsiteY12" fmla="*/ 2242038 h 2242038"/>
+              <a:gd name="connsiteX0" fmla="*/ 0 w 1147198"/>
+              <a:gd name="connsiteY0" fmla="*/ 2242038 h 2242038"/>
+              <a:gd name="connsiteX1" fmla="*/ 0 w 1147198"/>
+              <a:gd name="connsiteY1" fmla="*/ 979630 h 2242038"/>
+              <a:gd name="connsiteX2" fmla="*/ 291024 w 1147198"/>
+              <a:gd name="connsiteY2" fmla="*/ 310781 h 2242038"/>
+              <a:gd name="connsiteX3" fmla="*/ 271974 w 1147198"/>
+              <a:gd name="connsiteY3" fmla="*/ 323481 h 2242038"/>
+              <a:gd name="connsiteX4" fmla="*/ 58826 w 1147198"/>
+              <a:gd name="connsiteY4" fmla="*/ 130622 h 2242038"/>
+              <a:gd name="connsiteX5" fmla="*/ 1147198 w 1147198"/>
+              <a:gd name="connsiteY5" fmla="*/ 0 h 2242038"/>
+              <a:gd name="connsiteX6" fmla="*/ 732771 w 1147198"/>
+              <a:gd name="connsiteY6" fmla="*/ 915487 h 2242038"/>
+              <a:gd name="connsiteX7" fmla="*/ 579949 w 1147198"/>
+              <a:gd name="connsiteY7" fmla="*/ 740143 h 2242038"/>
+              <a:gd name="connsiteX8" fmla="*/ 564074 w 1147198"/>
+              <a:gd name="connsiteY8" fmla="*/ 746493 h 2242038"/>
+              <a:gd name="connsiteX9" fmla="*/ 486891 w 1147198"/>
+              <a:gd name="connsiteY9" fmla="*/ 843277 h 2242038"/>
+              <a:gd name="connsiteX10" fmla="*/ 476987 w 1147198"/>
+              <a:gd name="connsiteY10" fmla="*/ 979630 h 2242038"/>
+              <a:gd name="connsiteX11" fmla="*/ 476987 w 1147198"/>
+              <a:gd name="connsiteY11" fmla="*/ 2242038 h 2242038"/>
+              <a:gd name="connsiteX12" fmla="*/ 0 w 1147198"/>
+              <a:gd name="connsiteY12" fmla="*/ 2242038 h 2242038"/>
+            </a:gdLst>
+            <a:ahLst/>
+            <a:cxnLst>
+              <a:cxn ang="0">
+                <a:pos x="connsiteX0" y="connsiteY0"/>
+              </a:cxn>
+              <a:cxn ang="0">
+                <a:pos x="connsiteX1" y="connsiteY1"/>
+              </a:cxn>
+              <a:cxn ang="0">
+                <a:pos x="connsiteX2" y="connsiteY2"/>
+              </a:cxn>
+              <a:cxn ang="0">
+                <a:pos x="connsiteX3" y="connsiteY3"/>
+              </a:cxn>
+              <a:cxn ang="0">
+                <a:pos x="connsiteX4" y="connsiteY4"/>
+              </a:cxn>
+              <a:cxn ang="0">
+                <a:pos x="connsiteX5" y="connsiteY5"/>
+              </a:cxn>
+              <a:cxn ang="0">
+                <a:pos x="connsiteX6" y="connsiteY6"/>
+              </a:cxn>
+              <a:cxn ang="0">
+                <a:pos x="connsiteX7" y="connsiteY7"/>
+              </a:cxn>
+              <a:cxn ang="0">
+                <a:pos x="connsiteX8" y="connsiteY8"/>
+              </a:cxn>
+              <a:cxn ang="0">
+                <a:pos x="connsiteX9" y="connsiteY9"/>
+              </a:cxn>
+              <a:cxn ang="0">
+                <a:pos x="connsiteX10" y="connsiteY10"/>
+              </a:cxn>
+              <a:cxn ang="0">
+                <a:pos x="connsiteX11" y="connsiteY11"/>
+              </a:cxn>
+              <a:cxn ang="0">
+                <a:pos x="connsiteX12" y="connsiteY12"/>
+              </a:cxn>
+            </a:cxnLst>
+            <a:rect l="l" t="t" r="r" b="b"/>
+            <a:pathLst>
+              <a:path w="1147198" h="2242038">
+                <a:moveTo>
+                  <a:pt x="0" y="2242038"/>
+                </a:moveTo>
+                <a:lnTo>
+                  <a:pt x="0" y="979630"/>
+                </a:lnTo>
+                <a:cubicBezTo>
+                  <a:pt x="0" y="487490"/>
+                  <a:pt x="110034" y="358406"/>
+                  <a:pt x="291024" y="310781"/>
+                </a:cubicBezTo>
+                <a:lnTo>
+                  <a:pt x="271974" y="323481"/>
+                </a:lnTo>
+                <a:lnTo>
+                  <a:pt x="58826" y="130622"/>
+                </a:lnTo>
+                <a:lnTo>
+                  <a:pt x="1147198" y="0"/>
+                </a:lnTo>
+                <a:lnTo>
+                  <a:pt x="732771" y="915487"/>
+                </a:lnTo>
+                <a:lnTo>
+                  <a:pt x="579949" y="740143"/>
+                </a:lnTo>
+                <a:lnTo>
+                  <a:pt x="564074" y="746493"/>
+                </a:lnTo>
+                <a:cubicBezTo>
+                  <a:pt x="472894" y="774266"/>
+                  <a:pt x="482355" y="966346"/>
+                  <a:pt x="486891" y="843277"/>
+                </a:cubicBezTo>
+                <a:cubicBezTo>
+                  <a:pt x="472377" y="882133"/>
+                  <a:pt x="478638" y="742270"/>
+                  <a:pt x="476987" y="979630"/>
+                </a:cubicBezTo>
+                <a:lnTo>
+                  <a:pt x="476987" y="2242038"/>
+                </a:lnTo>
+                <a:lnTo>
+                  <a:pt x="0" y="2242038"/>
+                </a:lnTo>
+                <a:close/>
+              </a:path>
+            </a:pathLst>
+          </a:custGeom>
+          <a:solidFill>
+            <a:srgbClr val="00CC00"/>
+          </a:solidFill>
+          <a:ln>
+            <a:solidFill>
+              <a:schemeClr val="accent3">
+                <a:lumMod val="50000"/>
+              </a:schemeClr>
+            </a:solidFill>
+          </a:ln>
+        </p:spPr>
+        <p:style>
+          <a:lnRef idx="2">
+            <a:schemeClr val="accent3">
+              <a:shade val="50000"/>
+            </a:schemeClr>
+          </a:lnRef>
+          <a:fillRef idx="1">
+            <a:schemeClr val="accent3"/>
+          </a:fillRef>
+          <a:effectRef idx="0">
+            <a:schemeClr val="accent3"/>
+          </a:effectRef>
+          <a:fontRef idx="minor">
+            <a:schemeClr val="lt1"/>
+          </a:fontRef>
+        </p:style>
+        <p:txBody>
+          <a:bodyPr rtlCol="0" anchor="ctr"/>
+          <a:lstStyle/>
+          <a:p>
+            <a:pPr algn="ctr"/>
+            <a:endParaRPr lang="pl-PL" dirty="0"/>
+          </a:p>
+        </p:txBody>
+      </p:sp>
+      <p:sp>
+        <p:nvSpPr>
+          <p:cNvPr id="24" name="Bent Arrow 20"/>
+          <p:cNvSpPr>
+            <a:spLocks/>
+          </p:cNvSpPr>
+          <p:nvPr/>
+        </p:nvSpPr>
+        <p:spPr>
+          <a:xfrm>
+            <a:off x="3460712" y="2573287"/>
+            <a:ext cx="355402" cy="694583"/>
+          </a:xfrm>
+          <a:custGeom>
+            <a:avLst/>
+            <a:gdLst>
+              <a:gd name="connsiteX0" fmla="*/ 0 w 1782198"/>
+              <a:gd name="connsiteY0" fmla="*/ 2376264 h 2376264"/>
+              <a:gd name="connsiteX1" fmla="*/ 0 w 1782198"/>
+              <a:gd name="connsiteY1" fmla="*/ 1113856 h 2376264"/>
+              <a:gd name="connsiteX2" fmla="*/ 891099 w 1782198"/>
+              <a:gd name="connsiteY2" fmla="*/ 222757 h 2376264"/>
+              <a:gd name="connsiteX3" fmla="*/ 891099 w 1782198"/>
+              <a:gd name="connsiteY3" fmla="*/ 222757 h 2376264"/>
+              <a:gd name="connsiteX4" fmla="*/ 891099 w 1782198"/>
+              <a:gd name="connsiteY4" fmla="*/ 0 h 2376264"/>
+              <a:gd name="connsiteX5" fmla="*/ 1782198 w 1782198"/>
+              <a:gd name="connsiteY5" fmla="*/ 461251 h 2376264"/>
+              <a:gd name="connsiteX6" fmla="*/ 891099 w 1782198"/>
+              <a:gd name="connsiteY6" fmla="*/ 922501 h 2376264"/>
+              <a:gd name="connsiteX7" fmla="*/ 891099 w 1782198"/>
+              <a:gd name="connsiteY7" fmla="*/ 699744 h 2376264"/>
+              <a:gd name="connsiteX8" fmla="*/ 891099 w 1782198"/>
+              <a:gd name="connsiteY8" fmla="*/ 699744 h 2376264"/>
+              <a:gd name="connsiteX9" fmla="*/ 476987 w 1782198"/>
+              <a:gd name="connsiteY9" fmla="*/ 1113856 h 2376264"/>
+              <a:gd name="connsiteX10" fmla="*/ 476987 w 1782198"/>
+              <a:gd name="connsiteY10" fmla="*/ 2376264 h 2376264"/>
+              <a:gd name="connsiteX11" fmla="*/ 0 w 1782198"/>
+              <a:gd name="connsiteY11" fmla="*/ 2376264 h 2376264"/>
+              <a:gd name="connsiteX0" fmla="*/ 0 w 1782198"/>
+              <a:gd name="connsiteY0" fmla="*/ 2376264 h 2376264"/>
+              <a:gd name="connsiteX1" fmla="*/ 0 w 1782198"/>
+              <a:gd name="connsiteY1" fmla="*/ 1113856 h 2376264"/>
+              <a:gd name="connsiteX2" fmla="*/ 891099 w 1782198"/>
+              <a:gd name="connsiteY2" fmla="*/ 222757 h 2376264"/>
+              <a:gd name="connsiteX3" fmla="*/ 891099 w 1782198"/>
+              <a:gd name="connsiteY3" fmla="*/ 222757 h 2376264"/>
+              <a:gd name="connsiteX4" fmla="*/ 891099 w 1782198"/>
+              <a:gd name="connsiteY4" fmla="*/ 0 h 2376264"/>
+              <a:gd name="connsiteX5" fmla="*/ 1782198 w 1782198"/>
+              <a:gd name="connsiteY5" fmla="*/ 461251 h 2376264"/>
+              <a:gd name="connsiteX6" fmla="*/ 668849 w 1782198"/>
+              <a:gd name="connsiteY6" fmla="*/ 1017751 h 2376264"/>
+              <a:gd name="connsiteX7" fmla="*/ 891099 w 1782198"/>
+              <a:gd name="connsiteY7" fmla="*/ 699744 h 2376264"/>
+              <a:gd name="connsiteX8" fmla="*/ 891099 w 1782198"/>
+              <a:gd name="connsiteY8" fmla="*/ 699744 h 2376264"/>
+              <a:gd name="connsiteX9" fmla="*/ 476987 w 1782198"/>
+              <a:gd name="connsiteY9" fmla="*/ 1113856 h 2376264"/>
+              <a:gd name="connsiteX10" fmla="*/ 476987 w 1782198"/>
+              <a:gd name="connsiteY10" fmla="*/ 2376264 h 2376264"/>
+              <a:gd name="connsiteX11" fmla="*/ 0 w 1782198"/>
+              <a:gd name="connsiteY11" fmla="*/ 2376264 h 2376264"/>
+              <a:gd name="connsiteX0" fmla="*/ 0 w 1782198"/>
+              <a:gd name="connsiteY0" fmla="*/ 2376264 h 2376264"/>
+              <a:gd name="connsiteX1" fmla="*/ 0 w 1782198"/>
+              <a:gd name="connsiteY1" fmla="*/ 1113856 h 2376264"/>
+              <a:gd name="connsiteX2" fmla="*/ 891099 w 1782198"/>
+              <a:gd name="connsiteY2" fmla="*/ 222757 h 2376264"/>
+              <a:gd name="connsiteX3" fmla="*/ 891099 w 1782198"/>
+              <a:gd name="connsiteY3" fmla="*/ 222757 h 2376264"/>
+              <a:gd name="connsiteX4" fmla="*/ 891099 w 1782198"/>
+              <a:gd name="connsiteY4" fmla="*/ 0 h 2376264"/>
+              <a:gd name="connsiteX5" fmla="*/ 1782198 w 1782198"/>
+              <a:gd name="connsiteY5" fmla="*/ 461251 h 2376264"/>
+              <a:gd name="connsiteX6" fmla="*/ 668849 w 1782198"/>
+              <a:gd name="connsiteY6" fmla="*/ 1017751 h 2376264"/>
+              <a:gd name="connsiteX7" fmla="*/ 891099 w 1782198"/>
+              <a:gd name="connsiteY7" fmla="*/ 699744 h 2376264"/>
+              <a:gd name="connsiteX8" fmla="*/ 564074 w 1782198"/>
+              <a:gd name="connsiteY8" fmla="*/ 880719 h 2376264"/>
+              <a:gd name="connsiteX9" fmla="*/ 476987 w 1782198"/>
+              <a:gd name="connsiteY9" fmla="*/ 1113856 h 2376264"/>
+              <a:gd name="connsiteX10" fmla="*/ 476987 w 1782198"/>
+              <a:gd name="connsiteY10" fmla="*/ 2376264 h 2376264"/>
+              <a:gd name="connsiteX11" fmla="*/ 0 w 1782198"/>
+              <a:gd name="connsiteY11" fmla="*/ 2376264 h 2376264"/>
+              <a:gd name="connsiteX0" fmla="*/ 0 w 1782198"/>
+              <a:gd name="connsiteY0" fmla="*/ 2376264 h 2376264"/>
+              <a:gd name="connsiteX1" fmla="*/ 0 w 1782198"/>
+              <a:gd name="connsiteY1" fmla="*/ 1113856 h 2376264"/>
+              <a:gd name="connsiteX2" fmla="*/ 891099 w 1782198"/>
+              <a:gd name="connsiteY2" fmla="*/ 222757 h 2376264"/>
+              <a:gd name="connsiteX3" fmla="*/ 891099 w 1782198"/>
+              <a:gd name="connsiteY3" fmla="*/ 222757 h 2376264"/>
+              <a:gd name="connsiteX4" fmla="*/ 891099 w 1782198"/>
+              <a:gd name="connsiteY4" fmla="*/ 0 h 2376264"/>
+              <a:gd name="connsiteX5" fmla="*/ 1782198 w 1782198"/>
+              <a:gd name="connsiteY5" fmla="*/ 461251 h 2376264"/>
+              <a:gd name="connsiteX6" fmla="*/ 668849 w 1782198"/>
+              <a:gd name="connsiteY6" fmla="*/ 1017751 h 2376264"/>
+              <a:gd name="connsiteX7" fmla="*/ 891099 w 1782198"/>
+              <a:gd name="connsiteY7" fmla="*/ 699744 h 2376264"/>
+              <a:gd name="connsiteX8" fmla="*/ 564074 w 1782198"/>
+              <a:gd name="connsiteY8" fmla="*/ 880719 h 2376264"/>
+              <a:gd name="connsiteX9" fmla="*/ 476987 w 1782198"/>
+              <a:gd name="connsiteY9" fmla="*/ 1113856 h 2376264"/>
+              <a:gd name="connsiteX10" fmla="*/ 476987 w 1782198"/>
+              <a:gd name="connsiteY10" fmla="*/ 2376264 h 2376264"/>
+              <a:gd name="connsiteX11" fmla="*/ 0 w 1782198"/>
+              <a:gd name="connsiteY11" fmla="*/ 2376264 h 2376264"/>
+              <a:gd name="connsiteX0" fmla="*/ 0 w 1782198"/>
+              <a:gd name="connsiteY0" fmla="*/ 2376264 h 2376264"/>
+              <a:gd name="connsiteX1" fmla="*/ 0 w 1782198"/>
+              <a:gd name="connsiteY1" fmla="*/ 1113856 h 2376264"/>
+              <a:gd name="connsiteX2" fmla="*/ 891099 w 1782198"/>
+              <a:gd name="connsiteY2" fmla="*/ 222757 h 2376264"/>
+              <a:gd name="connsiteX3" fmla="*/ 891099 w 1782198"/>
+              <a:gd name="connsiteY3" fmla="*/ 222757 h 2376264"/>
+              <a:gd name="connsiteX4" fmla="*/ 891099 w 1782198"/>
+              <a:gd name="connsiteY4" fmla="*/ 0 h 2376264"/>
+              <a:gd name="connsiteX5" fmla="*/ 1782198 w 1782198"/>
+              <a:gd name="connsiteY5" fmla="*/ 461251 h 2376264"/>
+              <a:gd name="connsiteX6" fmla="*/ 668849 w 1782198"/>
+              <a:gd name="connsiteY6" fmla="*/ 1017751 h 2376264"/>
+              <a:gd name="connsiteX7" fmla="*/ 891099 w 1782198"/>
+              <a:gd name="connsiteY7" fmla="*/ 699744 h 2376264"/>
+              <a:gd name="connsiteX8" fmla="*/ 564074 w 1782198"/>
+              <a:gd name="connsiteY8" fmla="*/ 880719 h 2376264"/>
+              <a:gd name="connsiteX9" fmla="*/ 486891 w 1782198"/>
+              <a:gd name="connsiteY9" fmla="*/ 977503 h 2376264"/>
+              <a:gd name="connsiteX10" fmla="*/ 476987 w 1782198"/>
+              <a:gd name="connsiteY10" fmla="*/ 1113856 h 2376264"/>
+              <a:gd name="connsiteX11" fmla="*/ 476987 w 1782198"/>
+              <a:gd name="connsiteY11" fmla="*/ 2376264 h 2376264"/>
+              <a:gd name="connsiteX12" fmla="*/ 0 w 1782198"/>
+              <a:gd name="connsiteY12" fmla="*/ 2376264 h 2376264"/>
+              <a:gd name="connsiteX0" fmla="*/ 0 w 1782198"/>
+              <a:gd name="connsiteY0" fmla="*/ 2376264 h 2376264"/>
+              <a:gd name="connsiteX1" fmla="*/ 0 w 1782198"/>
+              <a:gd name="connsiteY1" fmla="*/ 1113856 h 2376264"/>
+              <a:gd name="connsiteX2" fmla="*/ 891099 w 1782198"/>
+              <a:gd name="connsiteY2" fmla="*/ 222757 h 2376264"/>
+              <a:gd name="connsiteX3" fmla="*/ 891099 w 1782198"/>
+              <a:gd name="connsiteY3" fmla="*/ 222757 h 2376264"/>
+              <a:gd name="connsiteX4" fmla="*/ 891099 w 1782198"/>
+              <a:gd name="connsiteY4" fmla="*/ 0 h 2376264"/>
+              <a:gd name="connsiteX5" fmla="*/ 1782198 w 1782198"/>
+              <a:gd name="connsiteY5" fmla="*/ 461251 h 2376264"/>
+              <a:gd name="connsiteX6" fmla="*/ 668849 w 1782198"/>
+              <a:gd name="connsiteY6" fmla="*/ 1017751 h 2376264"/>
+              <a:gd name="connsiteX7" fmla="*/ 579949 w 1782198"/>
+              <a:gd name="connsiteY7" fmla="*/ 874369 h 2376264"/>
+              <a:gd name="connsiteX8" fmla="*/ 564074 w 1782198"/>
+              <a:gd name="connsiteY8" fmla="*/ 880719 h 2376264"/>
+              <a:gd name="connsiteX9" fmla="*/ 486891 w 1782198"/>
+              <a:gd name="connsiteY9" fmla="*/ 977503 h 2376264"/>
+              <a:gd name="connsiteX10" fmla="*/ 476987 w 1782198"/>
+              <a:gd name="connsiteY10" fmla="*/ 1113856 h 2376264"/>
+              <a:gd name="connsiteX11" fmla="*/ 476987 w 1782198"/>
+              <a:gd name="connsiteY11" fmla="*/ 2376264 h 2376264"/>
+              <a:gd name="connsiteX12" fmla="*/ 0 w 1782198"/>
+              <a:gd name="connsiteY12" fmla="*/ 2376264 h 2376264"/>
+              <a:gd name="connsiteX0" fmla="*/ 0 w 1782198"/>
+              <a:gd name="connsiteY0" fmla="*/ 2376264 h 2376264"/>
+              <a:gd name="connsiteX1" fmla="*/ 0 w 1782198"/>
+              <a:gd name="connsiteY1" fmla="*/ 1113856 h 2376264"/>
+              <a:gd name="connsiteX2" fmla="*/ 891099 w 1782198"/>
+              <a:gd name="connsiteY2" fmla="*/ 222757 h 2376264"/>
+              <a:gd name="connsiteX3" fmla="*/ 271974 w 1782198"/>
+              <a:gd name="connsiteY3" fmla="*/ 457707 h 2376264"/>
+              <a:gd name="connsiteX4" fmla="*/ 891099 w 1782198"/>
+              <a:gd name="connsiteY4" fmla="*/ 0 h 2376264"/>
+              <a:gd name="connsiteX5" fmla="*/ 1782198 w 1782198"/>
+              <a:gd name="connsiteY5" fmla="*/ 461251 h 2376264"/>
+              <a:gd name="connsiteX6" fmla="*/ 668849 w 1782198"/>
+              <a:gd name="connsiteY6" fmla="*/ 1017751 h 2376264"/>
+              <a:gd name="connsiteX7" fmla="*/ 579949 w 1782198"/>
+              <a:gd name="connsiteY7" fmla="*/ 874369 h 2376264"/>
+              <a:gd name="connsiteX8" fmla="*/ 564074 w 1782198"/>
+              <a:gd name="connsiteY8" fmla="*/ 880719 h 2376264"/>
+              <a:gd name="connsiteX9" fmla="*/ 486891 w 1782198"/>
+              <a:gd name="connsiteY9" fmla="*/ 977503 h 2376264"/>
+              <a:gd name="connsiteX10" fmla="*/ 476987 w 1782198"/>
+              <a:gd name="connsiteY10" fmla="*/ 1113856 h 2376264"/>
+              <a:gd name="connsiteX11" fmla="*/ 476987 w 1782198"/>
+              <a:gd name="connsiteY11" fmla="*/ 2376264 h 2376264"/>
+              <a:gd name="connsiteX12" fmla="*/ 0 w 1782198"/>
+              <a:gd name="connsiteY12" fmla="*/ 2376264 h 2376264"/>
+              <a:gd name="connsiteX0" fmla="*/ 0 w 1782198"/>
+              <a:gd name="connsiteY0" fmla="*/ 2153507 h 2153507"/>
+              <a:gd name="connsiteX1" fmla="*/ 0 w 1782198"/>
+              <a:gd name="connsiteY1" fmla="*/ 891099 h 2153507"/>
+              <a:gd name="connsiteX2" fmla="*/ 891099 w 1782198"/>
+              <a:gd name="connsiteY2" fmla="*/ 0 h 2153507"/>
+              <a:gd name="connsiteX3" fmla="*/ 271974 w 1782198"/>
+              <a:gd name="connsiteY3" fmla="*/ 234950 h 2153507"/>
+              <a:gd name="connsiteX4" fmla="*/ 122749 w 1782198"/>
+              <a:gd name="connsiteY4" fmla="*/ 82043 h 2153507"/>
+              <a:gd name="connsiteX5" fmla="*/ 1782198 w 1782198"/>
+              <a:gd name="connsiteY5" fmla="*/ 238494 h 2153507"/>
+              <a:gd name="connsiteX6" fmla="*/ 668849 w 1782198"/>
+              <a:gd name="connsiteY6" fmla="*/ 794994 h 2153507"/>
+              <a:gd name="connsiteX7" fmla="*/ 579949 w 1782198"/>
+              <a:gd name="connsiteY7" fmla="*/ 651612 h 2153507"/>
+              <a:gd name="connsiteX8" fmla="*/ 564074 w 1782198"/>
+              <a:gd name="connsiteY8" fmla="*/ 657962 h 2153507"/>
+              <a:gd name="connsiteX9" fmla="*/ 486891 w 1782198"/>
+              <a:gd name="connsiteY9" fmla="*/ 754746 h 2153507"/>
+              <a:gd name="connsiteX10" fmla="*/ 476987 w 1782198"/>
+              <a:gd name="connsiteY10" fmla="*/ 891099 h 2153507"/>
+              <a:gd name="connsiteX11" fmla="*/ 476987 w 1782198"/>
+              <a:gd name="connsiteY11" fmla="*/ 2153507 h 2153507"/>
+              <a:gd name="connsiteX12" fmla="*/ 0 w 1782198"/>
+              <a:gd name="connsiteY12" fmla="*/ 2153507 h 2153507"/>
+              <a:gd name="connsiteX0" fmla="*/ 40678 w 1822876"/>
+              <a:gd name="connsiteY0" fmla="*/ 2071464 h 2071464"/>
+              <a:gd name="connsiteX1" fmla="*/ 40678 w 1822876"/>
+              <a:gd name="connsiteY1" fmla="*/ 809056 h 2071464"/>
+              <a:gd name="connsiteX2" fmla="*/ 331702 w 1822876"/>
+              <a:gd name="connsiteY2" fmla="*/ 140207 h 2071464"/>
+              <a:gd name="connsiteX3" fmla="*/ 312652 w 1822876"/>
+              <a:gd name="connsiteY3" fmla="*/ 152907 h 2071464"/>
+              <a:gd name="connsiteX4" fmla="*/ 163427 w 1822876"/>
+              <a:gd name="connsiteY4" fmla="*/ 0 h 2071464"/>
+              <a:gd name="connsiteX5" fmla="*/ 1822876 w 1822876"/>
+              <a:gd name="connsiteY5" fmla="*/ 156451 h 2071464"/>
+              <a:gd name="connsiteX6" fmla="*/ 709527 w 1822876"/>
+              <a:gd name="connsiteY6" fmla="*/ 712951 h 2071464"/>
+              <a:gd name="connsiteX7" fmla="*/ 620627 w 1822876"/>
+              <a:gd name="connsiteY7" fmla="*/ 569569 h 2071464"/>
+              <a:gd name="connsiteX8" fmla="*/ 604752 w 1822876"/>
+              <a:gd name="connsiteY8" fmla="*/ 575919 h 2071464"/>
+              <a:gd name="connsiteX9" fmla="*/ 527569 w 1822876"/>
+              <a:gd name="connsiteY9" fmla="*/ 672703 h 2071464"/>
+              <a:gd name="connsiteX10" fmla="*/ 517665 w 1822876"/>
+              <a:gd name="connsiteY10" fmla="*/ 809056 h 2071464"/>
+              <a:gd name="connsiteX11" fmla="*/ 517665 w 1822876"/>
+              <a:gd name="connsiteY11" fmla="*/ 2071464 h 2071464"/>
+              <a:gd name="connsiteX12" fmla="*/ 40678 w 1822876"/>
+              <a:gd name="connsiteY12" fmla="*/ 2071464 h 2071464"/>
+              <a:gd name="connsiteX0" fmla="*/ 0 w 1782198"/>
+              <a:gd name="connsiteY0" fmla="*/ 2071464 h 2071464"/>
+              <a:gd name="connsiteX1" fmla="*/ 0 w 1782198"/>
+              <a:gd name="connsiteY1" fmla="*/ 809056 h 2071464"/>
+              <a:gd name="connsiteX2" fmla="*/ 291024 w 1782198"/>
+              <a:gd name="connsiteY2" fmla="*/ 140207 h 2071464"/>
+              <a:gd name="connsiteX3" fmla="*/ 271974 w 1782198"/>
+              <a:gd name="connsiteY3" fmla="*/ 152907 h 2071464"/>
+              <a:gd name="connsiteX4" fmla="*/ 122749 w 1782198"/>
+              <a:gd name="connsiteY4" fmla="*/ 0 h 2071464"/>
+              <a:gd name="connsiteX5" fmla="*/ 1782198 w 1782198"/>
+              <a:gd name="connsiteY5" fmla="*/ 156451 h 2071464"/>
+              <a:gd name="connsiteX6" fmla="*/ 668849 w 1782198"/>
+              <a:gd name="connsiteY6" fmla="*/ 712951 h 2071464"/>
+              <a:gd name="connsiteX7" fmla="*/ 579949 w 1782198"/>
+              <a:gd name="connsiteY7" fmla="*/ 569569 h 2071464"/>
+              <a:gd name="connsiteX8" fmla="*/ 564074 w 1782198"/>
+              <a:gd name="connsiteY8" fmla="*/ 575919 h 2071464"/>
+              <a:gd name="connsiteX9" fmla="*/ 486891 w 1782198"/>
+              <a:gd name="connsiteY9" fmla="*/ 672703 h 2071464"/>
+              <a:gd name="connsiteX10" fmla="*/ 476987 w 1782198"/>
+              <a:gd name="connsiteY10" fmla="*/ 809056 h 2071464"/>
+              <a:gd name="connsiteX11" fmla="*/ 476987 w 1782198"/>
+              <a:gd name="connsiteY11" fmla="*/ 2071464 h 2071464"/>
+              <a:gd name="connsiteX12" fmla="*/ 0 w 1782198"/>
+              <a:gd name="connsiteY12" fmla="*/ 2071464 h 2071464"/>
+              <a:gd name="connsiteX0" fmla="*/ 0 w 1147198"/>
+              <a:gd name="connsiteY0" fmla="*/ 2242038 h 2242038"/>
+              <a:gd name="connsiteX1" fmla="*/ 0 w 1147198"/>
+              <a:gd name="connsiteY1" fmla="*/ 979630 h 2242038"/>
+              <a:gd name="connsiteX2" fmla="*/ 291024 w 1147198"/>
+              <a:gd name="connsiteY2" fmla="*/ 310781 h 2242038"/>
+              <a:gd name="connsiteX3" fmla="*/ 271974 w 1147198"/>
+              <a:gd name="connsiteY3" fmla="*/ 323481 h 2242038"/>
+              <a:gd name="connsiteX4" fmla="*/ 122749 w 1147198"/>
+              <a:gd name="connsiteY4" fmla="*/ 170574 h 2242038"/>
+              <a:gd name="connsiteX5" fmla="*/ 1147198 w 1147198"/>
+              <a:gd name="connsiteY5" fmla="*/ 0 h 2242038"/>
+              <a:gd name="connsiteX6" fmla="*/ 668849 w 1147198"/>
+              <a:gd name="connsiteY6" fmla="*/ 883525 h 2242038"/>
+              <a:gd name="connsiteX7" fmla="*/ 579949 w 1147198"/>
+              <a:gd name="connsiteY7" fmla="*/ 740143 h 2242038"/>
+              <a:gd name="connsiteX8" fmla="*/ 564074 w 1147198"/>
+              <a:gd name="connsiteY8" fmla="*/ 746493 h 2242038"/>
+              <a:gd name="connsiteX9" fmla="*/ 486891 w 1147198"/>
+              <a:gd name="connsiteY9" fmla="*/ 843277 h 2242038"/>
+              <a:gd name="connsiteX10" fmla="*/ 476987 w 1147198"/>
+              <a:gd name="connsiteY10" fmla="*/ 979630 h 2242038"/>
+              <a:gd name="connsiteX11" fmla="*/ 476987 w 1147198"/>
+              <a:gd name="connsiteY11" fmla="*/ 2242038 h 2242038"/>
+              <a:gd name="connsiteX12" fmla="*/ 0 w 1147198"/>
+              <a:gd name="connsiteY12" fmla="*/ 2242038 h 2242038"/>
+              <a:gd name="connsiteX0" fmla="*/ 0 w 1147198"/>
+              <a:gd name="connsiteY0" fmla="*/ 2242038 h 2242038"/>
+              <a:gd name="connsiteX1" fmla="*/ 0 w 1147198"/>
+              <a:gd name="connsiteY1" fmla="*/ 979630 h 2242038"/>
+              <a:gd name="connsiteX2" fmla="*/ 291024 w 1147198"/>
+              <a:gd name="connsiteY2" fmla="*/ 310781 h 2242038"/>
+              <a:gd name="connsiteX3" fmla="*/ 271974 w 1147198"/>
+              <a:gd name="connsiteY3" fmla="*/ 323481 h 2242038"/>
+              <a:gd name="connsiteX4" fmla="*/ 122749 w 1147198"/>
+              <a:gd name="connsiteY4" fmla="*/ 170574 h 2242038"/>
+              <a:gd name="connsiteX5" fmla="*/ 1147198 w 1147198"/>
+              <a:gd name="connsiteY5" fmla="*/ 0 h 2242038"/>
+              <a:gd name="connsiteX6" fmla="*/ 668849 w 1147198"/>
+              <a:gd name="connsiteY6" fmla="*/ 883525 h 2242038"/>
+              <a:gd name="connsiteX7" fmla="*/ 579949 w 1147198"/>
+              <a:gd name="connsiteY7" fmla="*/ 740143 h 2242038"/>
+              <a:gd name="connsiteX8" fmla="*/ 564074 w 1147198"/>
+              <a:gd name="connsiteY8" fmla="*/ 746493 h 2242038"/>
+              <a:gd name="connsiteX9" fmla="*/ 486891 w 1147198"/>
+              <a:gd name="connsiteY9" fmla="*/ 843277 h 2242038"/>
+              <a:gd name="connsiteX10" fmla="*/ 476987 w 1147198"/>
+              <a:gd name="connsiteY10" fmla="*/ 979630 h 2242038"/>
+              <a:gd name="connsiteX11" fmla="*/ 476987 w 1147198"/>
+              <a:gd name="connsiteY11" fmla="*/ 2242038 h 2242038"/>
+              <a:gd name="connsiteX12" fmla="*/ 0 w 1147198"/>
+              <a:gd name="connsiteY12" fmla="*/ 2242038 h 2242038"/>
+              <a:gd name="connsiteX0" fmla="*/ 0 w 1147198"/>
+              <a:gd name="connsiteY0" fmla="*/ 2242038 h 2242038"/>
+              <a:gd name="connsiteX1" fmla="*/ 0 w 1147198"/>
+              <a:gd name="connsiteY1" fmla="*/ 979630 h 2242038"/>
+              <a:gd name="connsiteX2" fmla="*/ 291024 w 1147198"/>
+              <a:gd name="connsiteY2" fmla="*/ 310781 h 2242038"/>
+              <a:gd name="connsiteX3" fmla="*/ 271974 w 1147198"/>
+              <a:gd name="connsiteY3" fmla="*/ 323481 h 2242038"/>
+              <a:gd name="connsiteX4" fmla="*/ 122749 w 1147198"/>
+              <a:gd name="connsiteY4" fmla="*/ 170574 h 2242038"/>
+              <a:gd name="connsiteX5" fmla="*/ 1147198 w 1147198"/>
+              <a:gd name="connsiteY5" fmla="*/ 0 h 2242038"/>
+              <a:gd name="connsiteX6" fmla="*/ 668849 w 1147198"/>
+              <a:gd name="connsiteY6" fmla="*/ 883525 h 2242038"/>
+              <a:gd name="connsiteX7" fmla="*/ 579949 w 1147198"/>
+              <a:gd name="connsiteY7" fmla="*/ 740143 h 2242038"/>
+              <a:gd name="connsiteX8" fmla="*/ 564074 w 1147198"/>
+              <a:gd name="connsiteY8" fmla="*/ 746493 h 2242038"/>
+              <a:gd name="connsiteX9" fmla="*/ 486891 w 1147198"/>
+              <a:gd name="connsiteY9" fmla="*/ 843277 h 2242038"/>
+              <a:gd name="connsiteX10" fmla="*/ 476987 w 1147198"/>
+              <a:gd name="connsiteY10" fmla="*/ 979630 h 2242038"/>
+              <a:gd name="connsiteX11" fmla="*/ 476987 w 1147198"/>
+              <a:gd name="connsiteY11" fmla="*/ 2242038 h 2242038"/>
+              <a:gd name="connsiteX12" fmla="*/ 0 w 1147198"/>
+              <a:gd name="connsiteY12" fmla="*/ 2242038 h 2242038"/>
+              <a:gd name="connsiteX0" fmla="*/ 0 w 1147198"/>
+              <a:gd name="connsiteY0" fmla="*/ 2242038 h 2242038"/>
+              <a:gd name="connsiteX1" fmla="*/ 0 w 1147198"/>
+              <a:gd name="connsiteY1" fmla="*/ 979630 h 2242038"/>
+              <a:gd name="connsiteX2" fmla="*/ 291024 w 1147198"/>
+              <a:gd name="connsiteY2" fmla="*/ 310781 h 2242038"/>
+              <a:gd name="connsiteX3" fmla="*/ 271974 w 1147198"/>
+              <a:gd name="connsiteY3" fmla="*/ 323481 h 2242038"/>
+              <a:gd name="connsiteX4" fmla="*/ 122749 w 1147198"/>
+              <a:gd name="connsiteY4" fmla="*/ 170574 h 2242038"/>
+              <a:gd name="connsiteX5" fmla="*/ 1147198 w 1147198"/>
+              <a:gd name="connsiteY5" fmla="*/ 0 h 2242038"/>
+              <a:gd name="connsiteX6" fmla="*/ 732771 w 1147198"/>
+              <a:gd name="connsiteY6" fmla="*/ 915487 h 2242038"/>
+              <a:gd name="connsiteX7" fmla="*/ 579949 w 1147198"/>
+              <a:gd name="connsiteY7" fmla="*/ 740143 h 2242038"/>
+              <a:gd name="connsiteX8" fmla="*/ 564074 w 1147198"/>
+              <a:gd name="connsiteY8" fmla="*/ 746493 h 2242038"/>
+              <a:gd name="connsiteX9" fmla="*/ 486891 w 1147198"/>
+              <a:gd name="connsiteY9" fmla="*/ 843277 h 2242038"/>
+              <a:gd name="connsiteX10" fmla="*/ 476987 w 1147198"/>
+              <a:gd name="connsiteY10" fmla="*/ 979630 h 2242038"/>
+              <a:gd name="connsiteX11" fmla="*/ 476987 w 1147198"/>
+              <a:gd name="connsiteY11" fmla="*/ 2242038 h 2242038"/>
+              <a:gd name="connsiteX12" fmla="*/ 0 w 1147198"/>
+              <a:gd name="connsiteY12" fmla="*/ 2242038 h 2242038"/>
+              <a:gd name="connsiteX0" fmla="*/ 0 w 1147198"/>
+              <a:gd name="connsiteY0" fmla="*/ 2242038 h 2242038"/>
+              <a:gd name="connsiteX1" fmla="*/ 0 w 1147198"/>
+              <a:gd name="connsiteY1" fmla="*/ 979630 h 2242038"/>
+              <a:gd name="connsiteX2" fmla="*/ 291024 w 1147198"/>
+              <a:gd name="connsiteY2" fmla="*/ 310781 h 2242038"/>
+              <a:gd name="connsiteX3" fmla="*/ 271974 w 1147198"/>
+              <a:gd name="connsiteY3" fmla="*/ 323481 h 2242038"/>
+              <a:gd name="connsiteX4" fmla="*/ 58826 w 1147198"/>
+              <a:gd name="connsiteY4" fmla="*/ 130622 h 2242038"/>
+              <a:gd name="connsiteX5" fmla="*/ 1147198 w 1147198"/>
+              <a:gd name="connsiteY5" fmla="*/ 0 h 2242038"/>
+              <a:gd name="connsiteX6" fmla="*/ 732771 w 1147198"/>
+              <a:gd name="connsiteY6" fmla="*/ 915487 h 2242038"/>
+              <a:gd name="connsiteX7" fmla="*/ 579949 w 1147198"/>
+              <a:gd name="connsiteY7" fmla="*/ 740143 h 2242038"/>
+              <a:gd name="connsiteX8" fmla="*/ 564074 w 1147198"/>
+              <a:gd name="connsiteY8" fmla="*/ 746493 h 2242038"/>
+              <a:gd name="connsiteX9" fmla="*/ 486891 w 1147198"/>
+              <a:gd name="connsiteY9" fmla="*/ 843277 h 2242038"/>
+              <a:gd name="connsiteX10" fmla="*/ 476987 w 1147198"/>
+              <a:gd name="connsiteY10" fmla="*/ 979630 h 2242038"/>
+              <a:gd name="connsiteX11" fmla="*/ 476987 w 1147198"/>
+              <a:gd name="connsiteY11" fmla="*/ 2242038 h 2242038"/>
+              <a:gd name="connsiteX12" fmla="*/ 0 w 1147198"/>
+              <a:gd name="connsiteY12" fmla="*/ 2242038 h 2242038"/>
+            </a:gdLst>
+            <a:ahLst/>
+            <a:cxnLst>
+              <a:cxn ang="0">
+                <a:pos x="connsiteX0" y="connsiteY0"/>
+              </a:cxn>
+              <a:cxn ang="0">
+                <a:pos x="connsiteX1" y="connsiteY1"/>
+              </a:cxn>
+              <a:cxn ang="0">
+                <a:pos x="connsiteX2" y="connsiteY2"/>
+              </a:cxn>
+              <a:cxn ang="0">
+                <a:pos x="connsiteX3" y="connsiteY3"/>
+              </a:cxn>
+              <a:cxn ang="0">
+                <a:pos x="connsiteX4" y="connsiteY4"/>
+              </a:cxn>
+              <a:cxn ang="0">
+                <a:pos x="connsiteX5" y="connsiteY5"/>
+              </a:cxn>
+              <a:cxn ang="0">
+                <a:pos x="connsiteX6" y="connsiteY6"/>
+              </a:cxn>
+              <a:cxn ang="0">
+                <a:pos x="connsiteX7" y="connsiteY7"/>
+              </a:cxn>
+              <a:cxn ang="0">
+                <a:pos x="connsiteX8" y="connsiteY8"/>
+              </a:cxn>
+              <a:cxn ang="0">
+                <a:pos x="connsiteX9" y="connsiteY9"/>
+              </a:cxn>
+              <a:cxn ang="0">
+                <a:pos x="connsiteX10" y="connsiteY10"/>
+              </a:cxn>
+              <a:cxn ang="0">
+                <a:pos x="connsiteX11" y="connsiteY11"/>
+              </a:cxn>
+              <a:cxn ang="0">
+                <a:pos x="connsiteX12" y="connsiteY12"/>
+              </a:cxn>
+            </a:cxnLst>
+            <a:rect l="l" t="t" r="r" b="b"/>
+            <a:pathLst>
+              <a:path w="1147198" h="2242038">
+                <a:moveTo>
+                  <a:pt x="0" y="2242038"/>
+                </a:moveTo>
+                <a:lnTo>
+                  <a:pt x="0" y="979630"/>
+                </a:lnTo>
+                <a:cubicBezTo>
+                  <a:pt x="0" y="487490"/>
+                  <a:pt x="110034" y="358406"/>
+                  <a:pt x="291024" y="310781"/>
+                </a:cubicBezTo>
+                <a:lnTo>
+                  <a:pt x="271974" y="323481"/>
+                </a:lnTo>
+                <a:lnTo>
+                  <a:pt x="58826" y="130622"/>
+                </a:lnTo>
+                <a:lnTo>
+                  <a:pt x="1147198" y="0"/>
+                </a:lnTo>
+                <a:lnTo>
+                  <a:pt x="732771" y="915487"/>
+                </a:lnTo>
+                <a:lnTo>
+                  <a:pt x="579949" y="740143"/>
+                </a:lnTo>
+                <a:lnTo>
+                  <a:pt x="564074" y="746493"/>
+                </a:lnTo>
+                <a:cubicBezTo>
+                  <a:pt x="472894" y="774266"/>
+                  <a:pt x="482355" y="966346"/>
+                  <a:pt x="486891" y="843277"/>
+                </a:cubicBezTo>
+                <a:cubicBezTo>
+                  <a:pt x="472377" y="882133"/>
+                  <a:pt x="478638" y="742270"/>
+                  <a:pt x="476987" y="979630"/>
+                </a:cubicBezTo>
+                <a:lnTo>
+                  <a:pt x="476987" y="2242038"/>
+                </a:lnTo>
+                <a:lnTo>
+                  <a:pt x="0" y="2242038"/>
+                </a:lnTo>
+                <a:close/>
+              </a:path>
+            </a:pathLst>
+          </a:custGeom>
+          <a:solidFill>
+            <a:srgbClr val="FFC000"/>
+          </a:solidFill>
+          <a:ln>
+            <a:solidFill>
+              <a:schemeClr val="accent3">
+                <a:lumMod val="50000"/>
+              </a:schemeClr>
+            </a:solidFill>
+          </a:ln>
+        </p:spPr>
+        <p:style>
+          <a:lnRef idx="2">
+            <a:schemeClr val="accent3">
+              <a:shade val="50000"/>
+            </a:schemeClr>
+          </a:lnRef>
+          <a:fillRef idx="1">
+            <a:schemeClr val="accent3"/>
+          </a:fillRef>
+          <a:effectRef idx="0">
+            <a:schemeClr val="accent3"/>
+          </a:effectRef>
+          <a:fontRef idx="minor">
+            <a:schemeClr val="lt1"/>
+          </a:fontRef>
+        </p:style>
+        <p:txBody>
+          <a:bodyPr rtlCol="0" anchor="ctr"/>
+          <a:lstStyle/>
+          <a:p>
+            <a:pPr algn="ctr"/>
+            <a:endParaRPr lang="pl-PL" dirty="0"/>
+          </a:p>
+        </p:txBody>
+      </p:sp>
+      <p:sp>
+        <p:nvSpPr>
+          <p:cNvPr id="25" name="Bent Arrow 20"/>
+          <p:cNvSpPr>
+            <a:spLocks/>
+          </p:cNvSpPr>
+          <p:nvPr/>
+        </p:nvSpPr>
+        <p:spPr>
+          <a:xfrm>
+            <a:off x="5353069" y="2603772"/>
+            <a:ext cx="355402" cy="694583"/>
+          </a:xfrm>
+          <a:custGeom>
+            <a:avLst/>
+            <a:gdLst>
+              <a:gd name="connsiteX0" fmla="*/ 0 w 1782198"/>
+              <a:gd name="connsiteY0" fmla="*/ 2376264 h 2376264"/>
+              <a:gd name="connsiteX1" fmla="*/ 0 w 1782198"/>
+              <a:gd name="connsiteY1" fmla="*/ 1113856 h 2376264"/>
+              <a:gd name="connsiteX2" fmla="*/ 891099 w 1782198"/>
+              <a:gd name="connsiteY2" fmla="*/ 222757 h 2376264"/>
+              <a:gd name="connsiteX3" fmla="*/ 891099 w 1782198"/>
+              <a:gd name="connsiteY3" fmla="*/ 222757 h 2376264"/>
+              <a:gd name="connsiteX4" fmla="*/ 891099 w 1782198"/>
+              <a:gd name="connsiteY4" fmla="*/ 0 h 2376264"/>
+              <a:gd name="connsiteX5" fmla="*/ 1782198 w 1782198"/>
+              <a:gd name="connsiteY5" fmla="*/ 461251 h 2376264"/>
+              <a:gd name="connsiteX6" fmla="*/ 891099 w 1782198"/>
+              <a:gd name="connsiteY6" fmla="*/ 922501 h 2376264"/>
+              <a:gd name="connsiteX7" fmla="*/ 891099 w 1782198"/>
+              <a:gd name="connsiteY7" fmla="*/ 699744 h 2376264"/>
+              <a:gd name="connsiteX8" fmla="*/ 891099 w 1782198"/>
+              <a:gd name="connsiteY8" fmla="*/ 699744 h 2376264"/>
+              <a:gd name="connsiteX9" fmla="*/ 476987 w 1782198"/>
+              <a:gd name="connsiteY9" fmla="*/ 1113856 h 2376264"/>
+              <a:gd name="connsiteX10" fmla="*/ 476987 w 1782198"/>
+              <a:gd name="connsiteY10" fmla="*/ 2376264 h 2376264"/>
+              <a:gd name="connsiteX11" fmla="*/ 0 w 1782198"/>
+              <a:gd name="connsiteY11" fmla="*/ 2376264 h 2376264"/>
+              <a:gd name="connsiteX0" fmla="*/ 0 w 1782198"/>
+              <a:gd name="connsiteY0" fmla="*/ 2376264 h 2376264"/>
+              <a:gd name="connsiteX1" fmla="*/ 0 w 1782198"/>
+              <a:gd name="connsiteY1" fmla="*/ 1113856 h 2376264"/>
+              <a:gd name="connsiteX2" fmla="*/ 891099 w 1782198"/>
+              <a:gd name="connsiteY2" fmla="*/ 222757 h 2376264"/>
+              <a:gd name="connsiteX3" fmla="*/ 891099 w 1782198"/>
+              <a:gd name="connsiteY3" fmla="*/ 222757 h 2376264"/>
+              <a:gd name="connsiteX4" fmla="*/ 891099 w 1782198"/>
+              <a:gd name="connsiteY4" fmla="*/ 0 h 2376264"/>
+              <a:gd name="connsiteX5" fmla="*/ 1782198 w 1782198"/>
+              <a:gd name="connsiteY5" fmla="*/ 461251 h 2376264"/>
+              <a:gd name="connsiteX6" fmla="*/ 668849 w 1782198"/>
+              <a:gd name="connsiteY6" fmla="*/ 1017751 h 2376264"/>
+              <a:gd name="connsiteX7" fmla="*/ 891099 w 1782198"/>
+              <a:gd name="connsiteY7" fmla="*/ 699744 h 2376264"/>
+              <a:gd name="connsiteX8" fmla="*/ 891099 w 1782198"/>
+              <a:gd name="connsiteY8" fmla="*/ 699744 h 2376264"/>
+              <a:gd name="connsiteX9" fmla="*/ 476987 w 1782198"/>
+              <a:gd name="connsiteY9" fmla="*/ 1113856 h 2376264"/>
+              <a:gd name="connsiteX10" fmla="*/ 476987 w 1782198"/>
+              <a:gd name="connsiteY10" fmla="*/ 2376264 h 2376264"/>
+              <a:gd name="connsiteX11" fmla="*/ 0 w 1782198"/>
+              <a:gd name="connsiteY11" fmla="*/ 2376264 h 2376264"/>
+              <a:gd name="connsiteX0" fmla="*/ 0 w 1782198"/>
+              <a:gd name="connsiteY0" fmla="*/ 2376264 h 2376264"/>
+              <a:gd name="connsiteX1" fmla="*/ 0 w 1782198"/>
+              <a:gd name="connsiteY1" fmla="*/ 1113856 h 2376264"/>
+              <a:gd name="connsiteX2" fmla="*/ 891099 w 1782198"/>
+              <a:gd name="connsiteY2" fmla="*/ 222757 h 2376264"/>
+              <a:gd name="connsiteX3" fmla="*/ 891099 w 1782198"/>
+              <a:gd name="connsiteY3" fmla="*/ 222757 h 2376264"/>
+              <a:gd name="connsiteX4" fmla="*/ 891099 w 1782198"/>
+              <a:gd name="connsiteY4" fmla="*/ 0 h 2376264"/>
+              <a:gd name="connsiteX5" fmla="*/ 1782198 w 1782198"/>
+              <a:gd name="connsiteY5" fmla="*/ 461251 h 2376264"/>
+              <a:gd name="connsiteX6" fmla="*/ 668849 w 1782198"/>
+              <a:gd name="connsiteY6" fmla="*/ 1017751 h 2376264"/>
+              <a:gd name="connsiteX7" fmla="*/ 891099 w 1782198"/>
+              <a:gd name="connsiteY7" fmla="*/ 699744 h 2376264"/>
+              <a:gd name="connsiteX8" fmla="*/ 564074 w 1782198"/>
+              <a:gd name="connsiteY8" fmla="*/ 880719 h 2376264"/>
+              <a:gd name="connsiteX9" fmla="*/ 476987 w 1782198"/>
+              <a:gd name="connsiteY9" fmla="*/ 1113856 h 2376264"/>
+              <a:gd name="connsiteX10" fmla="*/ 476987 w 1782198"/>
+              <a:gd name="connsiteY10" fmla="*/ 2376264 h 2376264"/>
+              <a:gd name="connsiteX11" fmla="*/ 0 w 1782198"/>
+              <a:gd name="connsiteY11" fmla="*/ 2376264 h 2376264"/>
+              <a:gd name="connsiteX0" fmla="*/ 0 w 1782198"/>
+              <a:gd name="connsiteY0" fmla="*/ 2376264 h 2376264"/>
+              <a:gd name="connsiteX1" fmla="*/ 0 w 1782198"/>
+              <a:gd name="connsiteY1" fmla="*/ 1113856 h 2376264"/>
+              <a:gd name="connsiteX2" fmla="*/ 891099 w 1782198"/>
+              <a:gd name="connsiteY2" fmla="*/ 222757 h 2376264"/>
+              <a:gd name="connsiteX3" fmla="*/ 891099 w 1782198"/>
+              <a:gd name="connsiteY3" fmla="*/ 222757 h 2376264"/>
+              <a:gd name="connsiteX4" fmla="*/ 891099 w 1782198"/>
+              <a:gd name="connsiteY4" fmla="*/ 0 h 2376264"/>
+              <a:gd name="connsiteX5" fmla="*/ 1782198 w 1782198"/>
+              <a:gd name="connsiteY5" fmla="*/ 461251 h 2376264"/>
+              <a:gd name="connsiteX6" fmla="*/ 668849 w 1782198"/>
+              <a:gd name="connsiteY6" fmla="*/ 1017751 h 2376264"/>
+              <a:gd name="connsiteX7" fmla="*/ 891099 w 1782198"/>
+              <a:gd name="connsiteY7" fmla="*/ 699744 h 2376264"/>
+              <a:gd name="connsiteX8" fmla="*/ 564074 w 1782198"/>
+              <a:gd name="connsiteY8" fmla="*/ 880719 h 2376264"/>
+              <a:gd name="connsiteX9" fmla="*/ 476987 w 1782198"/>
+              <a:gd name="connsiteY9" fmla="*/ 1113856 h 2376264"/>
+              <a:gd name="connsiteX10" fmla="*/ 476987 w 1782198"/>
+              <a:gd name="connsiteY10" fmla="*/ 2376264 h 2376264"/>
+              <a:gd name="connsiteX11" fmla="*/ 0 w 1782198"/>
+              <a:gd name="connsiteY11" fmla="*/ 2376264 h 2376264"/>
+              <a:gd name="connsiteX0" fmla="*/ 0 w 1782198"/>
+              <a:gd name="connsiteY0" fmla="*/ 2376264 h 2376264"/>
+              <a:gd name="connsiteX1" fmla="*/ 0 w 1782198"/>
+              <a:gd name="connsiteY1" fmla="*/ 1113856 h 2376264"/>
+              <a:gd name="connsiteX2" fmla="*/ 891099 w 1782198"/>
+              <a:gd name="connsiteY2" fmla="*/ 222757 h 2376264"/>
+              <a:gd name="connsiteX3" fmla="*/ 891099 w 1782198"/>
+              <a:gd name="connsiteY3" fmla="*/ 222757 h 2376264"/>
+              <a:gd name="connsiteX4" fmla="*/ 891099 w 1782198"/>
+              <a:gd name="connsiteY4" fmla="*/ 0 h 2376264"/>
+              <a:gd name="connsiteX5" fmla="*/ 1782198 w 1782198"/>
+              <a:gd name="connsiteY5" fmla="*/ 461251 h 2376264"/>
+              <a:gd name="connsiteX6" fmla="*/ 668849 w 1782198"/>
+              <a:gd name="connsiteY6" fmla="*/ 1017751 h 2376264"/>
+              <a:gd name="connsiteX7" fmla="*/ 891099 w 1782198"/>
+              <a:gd name="connsiteY7" fmla="*/ 699744 h 2376264"/>
+              <a:gd name="connsiteX8" fmla="*/ 564074 w 1782198"/>
+              <a:gd name="connsiteY8" fmla="*/ 880719 h 2376264"/>
+              <a:gd name="connsiteX9" fmla="*/ 486891 w 1782198"/>
+              <a:gd name="connsiteY9" fmla="*/ 977503 h 2376264"/>
+              <a:gd name="connsiteX10" fmla="*/ 476987 w 1782198"/>
+              <a:gd name="connsiteY10" fmla="*/ 1113856 h 2376264"/>
+              <a:gd name="connsiteX11" fmla="*/ 476987 w 1782198"/>
+              <a:gd name="connsiteY11" fmla="*/ 2376264 h 2376264"/>
+              <a:gd name="connsiteX12" fmla="*/ 0 w 1782198"/>
+              <a:gd name="connsiteY12" fmla="*/ 2376264 h 2376264"/>
+              <a:gd name="connsiteX0" fmla="*/ 0 w 1782198"/>
+              <a:gd name="connsiteY0" fmla="*/ 2376264 h 2376264"/>
+              <a:gd name="connsiteX1" fmla="*/ 0 w 1782198"/>
+              <a:gd name="connsiteY1" fmla="*/ 1113856 h 2376264"/>
+              <a:gd name="connsiteX2" fmla="*/ 891099 w 1782198"/>
+              <a:gd name="connsiteY2" fmla="*/ 222757 h 2376264"/>
+              <a:gd name="connsiteX3" fmla="*/ 891099 w 1782198"/>
+              <a:gd name="connsiteY3" fmla="*/ 222757 h 2376264"/>
+              <a:gd name="connsiteX4" fmla="*/ 891099 w 1782198"/>
+              <a:gd name="connsiteY4" fmla="*/ 0 h 2376264"/>
+              <a:gd name="connsiteX5" fmla="*/ 1782198 w 1782198"/>
+              <a:gd name="connsiteY5" fmla="*/ 461251 h 2376264"/>
+              <a:gd name="connsiteX6" fmla="*/ 668849 w 1782198"/>
+              <a:gd name="connsiteY6" fmla="*/ 1017751 h 2376264"/>
+              <a:gd name="connsiteX7" fmla="*/ 579949 w 1782198"/>
+              <a:gd name="connsiteY7" fmla="*/ 874369 h 2376264"/>
+              <a:gd name="connsiteX8" fmla="*/ 564074 w 1782198"/>
+              <a:gd name="connsiteY8" fmla="*/ 880719 h 2376264"/>
+              <a:gd name="connsiteX9" fmla="*/ 486891 w 1782198"/>
+              <a:gd name="connsiteY9" fmla="*/ 977503 h 2376264"/>
+              <a:gd name="connsiteX10" fmla="*/ 476987 w 1782198"/>
+              <a:gd name="connsiteY10" fmla="*/ 1113856 h 2376264"/>
+              <a:gd name="connsiteX11" fmla="*/ 476987 w 1782198"/>
+              <a:gd name="connsiteY11" fmla="*/ 2376264 h 2376264"/>
+              <a:gd name="connsiteX12" fmla="*/ 0 w 1782198"/>
+              <a:gd name="connsiteY12" fmla="*/ 2376264 h 2376264"/>
+              <a:gd name="connsiteX0" fmla="*/ 0 w 1782198"/>
+              <a:gd name="connsiteY0" fmla="*/ 2376264 h 2376264"/>
+              <a:gd name="connsiteX1" fmla="*/ 0 w 1782198"/>
+              <a:gd name="connsiteY1" fmla="*/ 1113856 h 2376264"/>
+              <a:gd name="connsiteX2" fmla="*/ 891099 w 1782198"/>
+              <a:gd name="connsiteY2" fmla="*/ 222757 h 2376264"/>
+              <a:gd name="connsiteX3" fmla="*/ 271974 w 1782198"/>
+              <a:gd name="connsiteY3" fmla="*/ 457707 h 2376264"/>
+              <a:gd name="connsiteX4" fmla="*/ 891099 w 1782198"/>
+              <a:gd name="connsiteY4" fmla="*/ 0 h 2376264"/>
+              <a:gd name="connsiteX5" fmla="*/ 1782198 w 1782198"/>
+              <a:gd name="connsiteY5" fmla="*/ 461251 h 2376264"/>
+              <a:gd name="connsiteX6" fmla="*/ 668849 w 1782198"/>
+              <a:gd name="connsiteY6" fmla="*/ 1017751 h 2376264"/>
+              <a:gd name="connsiteX7" fmla="*/ 579949 w 1782198"/>
+              <a:gd name="connsiteY7" fmla="*/ 874369 h 2376264"/>
+              <a:gd name="connsiteX8" fmla="*/ 564074 w 1782198"/>
+              <a:gd name="connsiteY8" fmla="*/ 880719 h 2376264"/>
+              <a:gd name="connsiteX9" fmla="*/ 486891 w 1782198"/>
+              <a:gd name="connsiteY9" fmla="*/ 977503 h 2376264"/>
+              <a:gd name="connsiteX10" fmla="*/ 476987 w 1782198"/>
+              <a:gd name="connsiteY10" fmla="*/ 1113856 h 2376264"/>
+              <a:gd name="connsiteX11" fmla="*/ 476987 w 1782198"/>
+              <a:gd name="connsiteY11" fmla="*/ 2376264 h 2376264"/>
+              <a:gd name="connsiteX12" fmla="*/ 0 w 1782198"/>
+              <a:gd name="connsiteY12" fmla="*/ 2376264 h 2376264"/>
+              <a:gd name="connsiteX0" fmla="*/ 0 w 1782198"/>
+              <a:gd name="connsiteY0" fmla="*/ 2153507 h 2153507"/>
+              <a:gd name="connsiteX1" fmla="*/ 0 w 1782198"/>
+              <a:gd name="connsiteY1" fmla="*/ 891099 h 2153507"/>
+              <a:gd name="connsiteX2" fmla="*/ 891099 w 1782198"/>
+              <a:gd name="connsiteY2" fmla="*/ 0 h 2153507"/>
+              <a:gd name="connsiteX3" fmla="*/ 271974 w 1782198"/>
+              <a:gd name="connsiteY3" fmla="*/ 234950 h 2153507"/>
+              <a:gd name="connsiteX4" fmla="*/ 122749 w 1782198"/>
+              <a:gd name="connsiteY4" fmla="*/ 82043 h 2153507"/>
+              <a:gd name="connsiteX5" fmla="*/ 1782198 w 1782198"/>
+              <a:gd name="connsiteY5" fmla="*/ 238494 h 2153507"/>
+              <a:gd name="connsiteX6" fmla="*/ 668849 w 1782198"/>
+              <a:gd name="connsiteY6" fmla="*/ 794994 h 2153507"/>
+              <a:gd name="connsiteX7" fmla="*/ 579949 w 1782198"/>
+              <a:gd name="connsiteY7" fmla="*/ 651612 h 2153507"/>
+              <a:gd name="connsiteX8" fmla="*/ 564074 w 1782198"/>
+              <a:gd name="connsiteY8" fmla="*/ 657962 h 2153507"/>
+              <a:gd name="connsiteX9" fmla="*/ 486891 w 1782198"/>
+              <a:gd name="connsiteY9" fmla="*/ 754746 h 2153507"/>
+              <a:gd name="connsiteX10" fmla="*/ 476987 w 1782198"/>
+              <a:gd name="connsiteY10" fmla="*/ 891099 h 2153507"/>
+              <a:gd name="connsiteX11" fmla="*/ 476987 w 1782198"/>
+              <a:gd name="connsiteY11" fmla="*/ 2153507 h 2153507"/>
+              <a:gd name="connsiteX12" fmla="*/ 0 w 1782198"/>
+              <a:gd name="connsiteY12" fmla="*/ 2153507 h 2153507"/>
+              <a:gd name="connsiteX0" fmla="*/ 40678 w 1822876"/>
+              <a:gd name="connsiteY0" fmla="*/ 2071464 h 2071464"/>
+              <a:gd name="connsiteX1" fmla="*/ 40678 w 1822876"/>
+              <a:gd name="connsiteY1" fmla="*/ 809056 h 2071464"/>
+              <a:gd name="connsiteX2" fmla="*/ 331702 w 1822876"/>
+              <a:gd name="connsiteY2" fmla="*/ 140207 h 2071464"/>
+              <a:gd name="connsiteX3" fmla="*/ 312652 w 1822876"/>
+              <a:gd name="connsiteY3" fmla="*/ 152907 h 2071464"/>
+              <a:gd name="connsiteX4" fmla="*/ 163427 w 1822876"/>
+              <a:gd name="connsiteY4" fmla="*/ 0 h 2071464"/>
+              <a:gd name="connsiteX5" fmla="*/ 1822876 w 1822876"/>
+              <a:gd name="connsiteY5" fmla="*/ 156451 h 2071464"/>
+              <a:gd name="connsiteX6" fmla="*/ 709527 w 1822876"/>
+              <a:gd name="connsiteY6" fmla="*/ 712951 h 2071464"/>
+              <a:gd name="connsiteX7" fmla="*/ 620627 w 1822876"/>
+              <a:gd name="connsiteY7" fmla="*/ 569569 h 2071464"/>
+              <a:gd name="connsiteX8" fmla="*/ 604752 w 1822876"/>
+              <a:gd name="connsiteY8" fmla="*/ 575919 h 2071464"/>
+              <a:gd name="connsiteX9" fmla="*/ 527569 w 1822876"/>
+              <a:gd name="connsiteY9" fmla="*/ 672703 h 2071464"/>
+              <a:gd name="connsiteX10" fmla="*/ 517665 w 1822876"/>
+              <a:gd name="connsiteY10" fmla="*/ 809056 h 2071464"/>
+              <a:gd name="connsiteX11" fmla="*/ 517665 w 1822876"/>
+              <a:gd name="connsiteY11" fmla="*/ 2071464 h 2071464"/>
+              <a:gd name="connsiteX12" fmla="*/ 40678 w 1822876"/>
+              <a:gd name="connsiteY12" fmla="*/ 2071464 h 2071464"/>
+              <a:gd name="connsiteX0" fmla="*/ 0 w 1782198"/>
+              <a:gd name="connsiteY0" fmla="*/ 2071464 h 2071464"/>
+              <a:gd name="connsiteX1" fmla="*/ 0 w 1782198"/>
+              <a:gd name="connsiteY1" fmla="*/ 809056 h 2071464"/>
+              <a:gd name="connsiteX2" fmla="*/ 291024 w 1782198"/>
+              <a:gd name="connsiteY2" fmla="*/ 140207 h 2071464"/>
+              <a:gd name="connsiteX3" fmla="*/ 271974 w 1782198"/>
+              <a:gd name="connsiteY3" fmla="*/ 152907 h 2071464"/>
+              <a:gd name="connsiteX4" fmla="*/ 122749 w 1782198"/>
+              <a:gd name="connsiteY4" fmla="*/ 0 h 2071464"/>
+              <a:gd name="connsiteX5" fmla="*/ 1782198 w 1782198"/>
+              <a:gd name="connsiteY5" fmla="*/ 156451 h 2071464"/>
+              <a:gd name="connsiteX6" fmla="*/ 668849 w 1782198"/>
+              <a:gd name="connsiteY6" fmla="*/ 712951 h 2071464"/>
+              <a:gd name="connsiteX7" fmla="*/ 579949 w 1782198"/>
+              <a:gd name="connsiteY7" fmla="*/ 569569 h 2071464"/>
+              <a:gd name="connsiteX8" fmla="*/ 564074 w 1782198"/>
+              <a:gd name="connsiteY8" fmla="*/ 575919 h 2071464"/>
+              <a:gd name="connsiteX9" fmla="*/ 486891 w 1782198"/>
+              <a:gd name="connsiteY9" fmla="*/ 672703 h 2071464"/>
+              <a:gd name="connsiteX10" fmla="*/ 476987 w 1782198"/>
+              <a:gd name="connsiteY10" fmla="*/ 809056 h 2071464"/>
+              <a:gd name="connsiteX11" fmla="*/ 476987 w 1782198"/>
+              <a:gd name="connsiteY11" fmla="*/ 2071464 h 2071464"/>
+              <a:gd name="connsiteX12" fmla="*/ 0 w 1782198"/>
+              <a:gd name="connsiteY12" fmla="*/ 2071464 h 2071464"/>
+              <a:gd name="connsiteX0" fmla="*/ 0 w 1147198"/>
+              <a:gd name="connsiteY0" fmla="*/ 2242038 h 2242038"/>
+              <a:gd name="connsiteX1" fmla="*/ 0 w 1147198"/>
+              <a:gd name="connsiteY1" fmla="*/ 979630 h 2242038"/>
+              <a:gd name="connsiteX2" fmla="*/ 291024 w 1147198"/>
+              <a:gd name="connsiteY2" fmla="*/ 310781 h 2242038"/>
+              <a:gd name="connsiteX3" fmla="*/ 271974 w 1147198"/>
+              <a:gd name="connsiteY3" fmla="*/ 323481 h 2242038"/>
+              <a:gd name="connsiteX4" fmla="*/ 122749 w 1147198"/>
+              <a:gd name="connsiteY4" fmla="*/ 170574 h 2242038"/>
+              <a:gd name="connsiteX5" fmla="*/ 1147198 w 1147198"/>
+              <a:gd name="connsiteY5" fmla="*/ 0 h 2242038"/>
+              <a:gd name="connsiteX6" fmla="*/ 668849 w 1147198"/>
+              <a:gd name="connsiteY6" fmla="*/ 883525 h 2242038"/>
+              <a:gd name="connsiteX7" fmla="*/ 579949 w 1147198"/>
+              <a:gd name="connsiteY7" fmla="*/ 740143 h 2242038"/>
+              <a:gd name="connsiteX8" fmla="*/ 564074 w 1147198"/>
+              <a:gd name="connsiteY8" fmla="*/ 746493 h 2242038"/>
+              <a:gd name="connsiteX9" fmla="*/ 486891 w 1147198"/>
+              <a:gd name="connsiteY9" fmla="*/ 843277 h 2242038"/>
+              <a:gd name="connsiteX10" fmla="*/ 476987 w 1147198"/>
+              <a:gd name="connsiteY10" fmla="*/ 979630 h 2242038"/>
+              <a:gd name="connsiteX11" fmla="*/ 476987 w 1147198"/>
+              <a:gd name="connsiteY11" fmla="*/ 2242038 h 2242038"/>
+              <a:gd name="connsiteX12" fmla="*/ 0 w 1147198"/>
+              <a:gd name="connsiteY12" fmla="*/ 2242038 h 2242038"/>
+              <a:gd name="connsiteX0" fmla="*/ 0 w 1147198"/>
+              <a:gd name="connsiteY0" fmla="*/ 2242038 h 2242038"/>
+              <a:gd name="connsiteX1" fmla="*/ 0 w 1147198"/>
+              <a:gd name="connsiteY1" fmla="*/ 979630 h 2242038"/>
+              <a:gd name="connsiteX2" fmla="*/ 291024 w 1147198"/>
+              <a:gd name="connsiteY2" fmla="*/ 310781 h 2242038"/>
+              <a:gd name="connsiteX3" fmla="*/ 271974 w 1147198"/>
+              <a:gd name="connsiteY3" fmla="*/ 323481 h 2242038"/>
+              <a:gd name="connsiteX4" fmla="*/ 122749 w 1147198"/>
+              <a:gd name="connsiteY4" fmla="*/ 170574 h 2242038"/>
+              <a:gd name="connsiteX5" fmla="*/ 1147198 w 1147198"/>
+              <a:gd name="connsiteY5" fmla="*/ 0 h 2242038"/>
+              <a:gd name="connsiteX6" fmla="*/ 668849 w 1147198"/>
+              <a:gd name="connsiteY6" fmla="*/ 883525 h 2242038"/>
+              <a:gd name="connsiteX7" fmla="*/ 579949 w 1147198"/>
+              <a:gd name="connsiteY7" fmla="*/ 740143 h 2242038"/>
+              <a:gd name="connsiteX8" fmla="*/ 564074 w 1147198"/>
+              <a:gd name="connsiteY8" fmla="*/ 746493 h 2242038"/>
+              <a:gd name="connsiteX9" fmla="*/ 486891 w 1147198"/>
+              <a:gd name="connsiteY9" fmla="*/ 843277 h 2242038"/>
+              <a:gd name="connsiteX10" fmla="*/ 476987 w 1147198"/>
+              <a:gd name="connsiteY10" fmla="*/ 979630 h 2242038"/>
+              <a:gd name="connsiteX11" fmla="*/ 476987 w 1147198"/>
+              <a:gd name="connsiteY11" fmla="*/ 2242038 h 2242038"/>
+              <a:gd name="connsiteX12" fmla="*/ 0 w 1147198"/>
+              <a:gd name="connsiteY12" fmla="*/ 2242038 h 2242038"/>
+              <a:gd name="connsiteX0" fmla="*/ 0 w 1147198"/>
+              <a:gd name="connsiteY0" fmla="*/ 2242038 h 2242038"/>
+              <a:gd name="connsiteX1" fmla="*/ 0 w 1147198"/>
+              <a:gd name="connsiteY1" fmla="*/ 979630 h 2242038"/>
+              <a:gd name="connsiteX2" fmla="*/ 291024 w 1147198"/>
+              <a:gd name="connsiteY2" fmla="*/ 310781 h 2242038"/>
+              <a:gd name="connsiteX3" fmla="*/ 271974 w 1147198"/>
+              <a:gd name="connsiteY3" fmla="*/ 323481 h 2242038"/>
+              <a:gd name="connsiteX4" fmla="*/ 122749 w 1147198"/>
+              <a:gd name="connsiteY4" fmla="*/ 170574 h 2242038"/>
+              <a:gd name="connsiteX5" fmla="*/ 1147198 w 1147198"/>
+              <a:gd name="connsiteY5" fmla="*/ 0 h 2242038"/>
+              <a:gd name="connsiteX6" fmla="*/ 668849 w 1147198"/>
+              <a:gd name="connsiteY6" fmla="*/ 883525 h 2242038"/>
+              <a:gd name="connsiteX7" fmla="*/ 579949 w 1147198"/>
+              <a:gd name="connsiteY7" fmla="*/ 740143 h 2242038"/>
+              <a:gd name="connsiteX8" fmla="*/ 564074 w 1147198"/>
+              <a:gd name="connsiteY8" fmla="*/ 746493 h 2242038"/>
+              <a:gd name="connsiteX9" fmla="*/ 486891 w 1147198"/>
+              <a:gd name="connsiteY9" fmla="*/ 843277 h 2242038"/>
+              <a:gd name="connsiteX10" fmla="*/ 476987 w 1147198"/>
+              <a:gd name="connsiteY10" fmla="*/ 979630 h 2242038"/>
+              <a:gd name="connsiteX11" fmla="*/ 476987 w 1147198"/>
+              <a:gd name="connsiteY11" fmla="*/ 2242038 h 2242038"/>
+              <a:gd name="connsiteX12" fmla="*/ 0 w 1147198"/>
+              <a:gd name="connsiteY12" fmla="*/ 2242038 h 2242038"/>
+              <a:gd name="connsiteX0" fmla="*/ 0 w 1147198"/>
+              <a:gd name="connsiteY0" fmla="*/ 2242038 h 2242038"/>
+              <a:gd name="connsiteX1" fmla="*/ 0 w 1147198"/>
+              <a:gd name="connsiteY1" fmla="*/ 979630 h 2242038"/>
+              <a:gd name="connsiteX2" fmla="*/ 291024 w 1147198"/>
+              <a:gd name="connsiteY2" fmla="*/ 310781 h 2242038"/>
+              <a:gd name="connsiteX3" fmla="*/ 271974 w 1147198"/>
+              <a:gd name="connsiteY3" fmla="*/ 323481 h 2242038"/>
+              <a:gd name="connsiteX4" fmla="*/ 122749 w 1147198"/>
+              <a:gd name="connsiteY4" fmla="*/ 170574 h 2242038"/>
+              <a:gd name="connsiteX5" fmla="*/ 1147198 w 1147198"/>
+              <a:gd name="connsiteY5" fmla="*/ 0 h 2242038"/>
+              <a:gd name="connsiteX6" fmla="*/ 732771 w 1147198"/>
+              <a:gd name="connsiteY6" fmla="*/ 915487 h 2242038"/>
+              <a:gd name="connsiteX7" fmla="*/ 579949 w 1147198"/>
+              <a:gd name="connsiteY7" fmla="*/ 740143 h 2242038"/>
+              <a:gd name="connsiteX8" fmla="*/ 564074 w 1147198"/>
+              <a:gd name="connsiteY8" fmla="*/ 746493 h 2242038"/>
+              <a:gd name="connsiteX9" fmla="*/ 486891 w 1147198"/>
+              <a:gd name="connsiteY9" fmla="*/ 843277 h 2242038"/>
+              <a:gd name="connsiteX10" fmla="*/ 476987 w 1147198"/>
+              <a:gd name="connsiteY10" fmla="*/ 979630 h 2242038"/>
+              <a:gd name="connsiteX11" fmla="*/ 476987 w 1147198"/>
+              <a:gd name="connsiteY11" fmla="*/ 2242038 h 2242038"/>
+              <a:gd name="connsiteX12" fmla="*/ 0 w 1147198"/>
+              <a:gd name="connsiteY12" fmla="*/ 2242038 h 2242038"/>
+              <a:gd name="connsiteX0" fmla="*/ 0 w 1147198"/>
+              <a:gd name="connsiteY0" fmla="*/ 2242038 h 2242038"/>
+              <a:gd name="connsiteX1" fmla="*/ 0 w 1147198"/>
+              <a:gd name="connsiteY1" fmla="*/ 979630 h 2242038"/>
+              <a:gd name="connsiteX2" fmla="*/ 291024 w 1147198"/>
+              <a:gd name="connsiteY2" fmla="*/ 310781 h 2242038"/>
+              <a:gd name="connsiteX3" fmla="*/ 271974 w 1147198"/>
+              <a:gd name="connsiteY3" fmla="*/ 323481 h 2242038"/>
+              <a:gd name="connsiteX4" fmla="*/ 58826 w 1147198"/>
+              <a:gd name="connsiteY4" fmla="*/ 130622 h 2242038"/>
+              <a:gd name="connsiteX5" fmla="*/ 1147198 w 1147198"/>
+              <a:gd name="connsiteY5" fmla="*/ 0 h 2242038"/>
+              <a:gd name="connsiteX6" fmla="*/ 732771 w 1147198"/>
+              <a:gd name="connsiteY6" fmla="*/ 915487 h 2242038"/>
+              <a:gd name="connsiteX7" fmla="*/ 579949 w 1147198"/>
+              <a:gd name="connsiteY7" fmla="*/ 740143 h 2242038"/>
+              <a:gd name="connsiteX8" fmla="*/ 564074 w 1147198"/>
+              <a:gd name="connsiteY8" fmla="*/ 746493 h 2242038"/>
+              <a:gd name="connsiteX9" fmla="*/ 486891 w 1147198"/>
+              <a:gd name="connsiteY9" fmla="*/ 843277 h 2242038"/>
+              <a:gd name="connsiteX10" fmla="*/ 476987 w 1147198"/>
+              <a:gd name="connsiteY10" fmla="*/ 979630 h 2242038"/>
+              <a:gd name="connsiteX11" fmla="*/ 476987 w 1147198"/>
+              <a:gd name="connsiteY11" fmla="*/ 2242038 h 2242038"/>
+              <a:gd name="connsiteX12" fmla="*/ 0 w 1147198"/>
+              <a:gd name="connsiteY12" fmla="*/ 2242038 h 2242038"/>
+            </a:gdLst>
+            <a:ahLst/>
+            <a:cxnLst>
+              <a:cxn ang="0">
+                <a:pos x="connsiteX0" y="connsiteY0"/>
+              </a:cxn>
+              <a:cxn ang="0">
+                <a:pos x="connsiteX1" y="connsiteY1"/>
+              </a:cxn>
+              <a:cxn ang="0">
+                <a:pos x="connsiteX2" y="connsiteY2"/>
+              </a:cxn>
+              <a:cxn ang="0">
+                <a:pos x="connsiteX3" y="connsiteY3"/>
+              </a:cxn>
+              <a:cxn ang="0">
+                <a:pos x="connsiteX4" y="connsiteY4"/>
+              </a:cxn>
+              <a:cxn ang="0">
+                <a:pos x="connsiteX5" y="connsiteY5"/>
+              </a:cxn>
+              <a:cxn ang="0">
+                <a:pos x="connsiteX6" y="connsiteY6"/>
+              </a:cxn>
+              <a:cxn ang="0">
+                <a:pos x="connsiteX7" y="connsiteY7"/>
+              </a:cxn>
+              <a:cxn ang="0">
+                <a:pos x="connsiteX8" y="connsiteY8"/>
+              </a:cxn>
+              <a:cxn ang="0">
+                <a:pos x="connsiteX9" y="connsiteY9"/>
+              </a:cxn>
+              <a:cxn ang="0">
+                <a:pos x="connsiteX10" y="connsiteY10"/>
+              </a:cxn>
+              <a:cxn ang="0">
+                <a:pos x="connsiteX11" y="connsiteY11"/>
+              </a:cxn>
+              <a:cxn ang="0">
+                <a:pos x="connsiteX12" y="connsiteY12"/>
+              </a:cxn>
+            </a:cxnLst>
+            <a:rect l="l" t="t" r="r" b="b"/>
+            <a:pathLst>
+              <a:path w="1147198" h="2242038">
+                <a:moveTo>
+                  <a:pt x="0" y="2242038"/>
+                </a:moveTo>
+                <a:lnTo>
+                  <a:pt x="0" y="979630"/>
+                </a:lnTo>
+                <a:cubicBezTo>
+                  <a:pt x="0" y="487490"/>
+                  <a:pt x="110034" y="358406"/>
+                  <a:pt x="291024" y="310781"/>
+                </a:cubicBezTo>
+                <a:lnTo>
+                  <a:pt x="271974" y="323481"/>
+                </a:lnTo>
+                <a:lnTo>
+                  <a:pt x="58826" y="130622"/>
+                </a:lnTo>
+                <a:lnTo>
+                  <a:pt x="1147198" y="0"/>
+                </a:lnTo>
+                <a:lnTo>
+                  <a:pt x="732771" y="915487"/>
+                </a:lnTo>
+                <a:lnTo>
+                  <a:pt x="579949" y="740143"/>
+                </a:lnTo>
+                <a:lnTo>
+                  <a:pt x="564074" y="746493"/>
+                </a:lnTo>
+                <a:cubicBezTo>
+                  <a:pt x="472894" y="774266"/>
+                  <a:pt x="482355" y="966346"/>
+                  <a:pt x="486891" y="843277"/>
+                </a:cubicBezTo>
+                <a:cubicBezTo>
+                  <a:pt x="472377" y="882133"/>
+                  <a:pt x="478638" y="742270"/>
+                  <a:pt x="476987" y="979630"/>
+                </a:cubicBezTo>
+                <a:lnTo>
+                  <a:pt x="476987" y="2242038"/>
+                </a:lnTo>
+                <a:lnTo>
+                  <a:pt x="0" y="2242038"/>
+                </a:lnTo>
+                <a:close/>
+              </a:path>
+            </a:pathLst>
+          </a:custGeom>
+          <a:solidFill>
+            <a:srgbClr val="FF0000"/>
+          </a:solidFill>
+          <a:ln>
+            <a:solidFill>
+              <a:schemeClr val="accent3">
+                <a:lumMod val="50000"/>
+              </a:schemeClr>
+            </a:solidFill>
+          </a:ln>
+        </p:spPr>
+        <p:style>
+          <a:lnRef idx="2">
+            <a:schemeClr val="accent3">
+              <a:shade val="50000"/>
+            </a:schemeClr>
+          </a:lnRef>
+          <a:fillRef idx="1">
+            <a:schemeClr val="accent3"/>
+          </a:fillRef>
+          <a:effectRef idx="0">
+            <a:schemeClr val="accent3"/>
+          </a:effectRef>
+          <a:fontRef idx="minor">
+            <a:schemeClr val="lt1"/>
+          </a:fontRef>
+        </p:style>
+        <p:txBody>
+          <a:bodyPr rtlCol="0" anchor="ctr"/>
+          <a:lstStyle/>
+          <a:p>
+            <a:pPr algn="ctr"/>
+            <a:endParaRPr lang="pl-PL" dirty="0"/>
+          </a:p>
+        </p:txBody>
+      </p:sp>
+      <p:sp>
+        <p:nvSpPr>
+          <p:cNvPr id="26" name="Bent Arrow 20"/>
+          <p:cNvSpPr>
+            <a:spLocks/>
+          </p:cNvSpPr>
+          <p:nvPr/>
+        </p:nvSpPr>
+        <p:spPr>
+          <a:xfrm flipH="1">
+            <a:off x="8151737" y="3645024"/>
+            <a:ext cx="355402" cy="694583"/>
+          </a:xfrm>
+          <a:custGeom>
+            <a:avLst/>
+            <a:gdLst>
+              <a:gd name="connsiteX0" fmla="*/ 0 w 1782198"/>
+              <a:gd name="connsiteY0" fmla="*/ 2376264 h 2376264"/>
+              <a:gd name="connsiteX1" fmla="*/ 0 w 1782198"/>
+              <a:gd name="connsiteY1" fmla="*/ 1113856 h 2376264"/>
+              <a:gd name="connsiteX2" fmla="*/ 891099 w 1782198"/>
+              <a:gd name="connsiteY2" fmla="*/ 222757 h 2376264"/>
+              <a:gd name="connsiteX3" fmla="*/ 891099 w 1782198"/>
+              <a:gd name="connsiteY3" fmla="*/ 222757 h 2376264"/>
+              <a:gd name="connsiteX4" fmla="*/ 891099 w 1782198"/>
+              <a:gd name="connsiteY4" fmla="*/ 0 h 2376264"/>
+              <a:gd name="connsiteX5" fmla="*/ 1782198 w 1782198"/>
+              <a:gd name="connsiteY5" fmla="*/ 461251 h 2376264"/>
+              <a:gd name="connsiteX6" fmla="*/ 891099 w 1782198"/>
+              <a:gd name="connsiteY6" fmla="*/ 922501 h 2376264"/>
+              <a:gd name="connsiteX7" fmla="*/ 891099 w 1782198"/>
+              <a:gd name="connsiteY7" fmla="*/ 699744 h 2376264"/>
+              <a:gd name="connsiteX8" fmla="*/ 891099 w 1782198"/>
+              <a:gd name="connsiteY8" fmla="*/ 699744 h 2376264"/>
+              <a:gd name="connsiteX9" fmla="*/ 476987 w 1782198"/>
+              <a:gd name="connsiteY9" fmla="*/ 1113856 h 2376264"/>
+              <a:gd name="connsiteX10" fmla="*/ 476987 w 1782198"/>
+              <a:gd name="connsiteY10" fmla="*/ 2376264 h 2376264"/>
+              <a:gd name="connsiteX11" fmla="*/ 0 w 1782198"/>
+              <a:gd name="connsiteY11" fmla="*/ 2376264 h 2376264"/>
+              <a:gd name="connsiteX0" fmla="*/ 0 w 1782198"/>
+              <a:gd name="connsiteY0" fmla="*/ 2376264 h 2376264"/>
+              <a:gd name="connsiteX1" fmla="*/ 0 w 1782198"/>
+              <a:gd name="connsiteY1" fmla="*/ 1113856 h 2376264"/>
+              <a:gd name="connsiteX2" fmla="*/ 891099 w 1782198"/>
+              <a:gd name="connsiteY2" fmla="*/ 222757 h 2376264"/>
+              <a:gd name="connsiteX3" fmla="*/ 891099 w 1782198"/>
+              <a:gd name="connsiteY3" fmla="*/ 222757 h 2376264"/>
+              <a:gd name="connsiteX4" fmla="*/ 891099 w 1782198"/>
+              <a:gd name="connsiteY4" fmla="*/ 0 h 2376264"/>
+              <a:gd name="connsiteX5" fmla="*/ 1782198 w 1782198"/>
+              <a:gd name="connsiteY5" fmla="*/ 461251 h 2376264"/>
+              <a:gd name="connsiteX6" fmla="*/ 668849 w 1782198"/>
+              <a:gd name="connsiteY6" fmla="*/ 1017751 h 2376264"/>
+              <a:gd name="connsiteX7" fmla="*/ 891099 w 1782198"/>
+              <a:gd name="connsiteY7" fmla="*/ 699744 h 2376264"/>
+              <a:gd name="connsiteX8" fmla="*/ 891099 w 1782198"/>
+              <a:gd name="connsiteY8" fmla="*/ 699744 h 2376264"/>
+              <a:gd name="connsiteX9" fmla="*/ 476987 w 1782198"/>
+              <a:gd name="connsiteY9" fmla="*/ 1113856 h 2376264"/>
+              <a:gd name="connsiteX10" fmla="*/ 476987 w 1782198"/>
+              <a:gd name="connsiteY10" fmla="*/ 2376264 h 2376264"/>
+              <a:gd name="connsiteX11" fmla="*/ 0 w 1782198"/>
+              <a:gd name="connsiteY11" fmla="*/ 2376264 h 2376264"/>
+              <a:gd name="connsiteX0" fmla="*/ 0 w 1782198"/>
+              <a:gd name="connsiteY0" fmla="*/ 2376264 h 2376264"/>
+              <a:gd name="connsiteX1" fmla="*/ 0 w 1782198"/>
+              <a:gd name="connsiteY1" fmla="*/ 1113856 h 2376264"/>
+              <a:gd name="connsiteX2" fmla="*/ 891099 w 1782198"/>
+              <a:gd name="connsiteY2" fmla="*/ 222757 h 2376264"/>
+              <a:gd name="connsiteX3" fmla="*/ 891099 w 1782198"/>
+              <a:gd name="connsiteY3" fmla="*/ 222757 h 2376264"/>
+              <a:gd name="connsiteX4" fmla="*/ 891099 w 1782198"/>
+              <a:gd name="connsiteY4" fmla="*/ 0 h 2376264"/>
+              <a:gd name="connsiteX5" fmla="*/ 1782198 w 1782198"/>
+              <a:gd name="connsiteY5" fmla="*/ 461251 h 2376264"/>
+              <a:gd name="connsiteX6" fmla="*/ 668849 w 1782198"/>
+              <a:gd name="connsiteY6" fmla="*/ 1017751 h 2376264"/>
+              <a:gd name="connsiteX7" fmla="*/ 891099 w 1782198"/>
+              <a:gd name="connsiteY7" fmla="*/ 699744 h 2376264"/>
+              <a:gd name="connsiteX8" fmla="*/ 564074 w 1782198"/>
+              <a:gd name="connsiteY8" fmla="*/ 880719 h 2376264"/>
+              <a:gd name="connsiteX9" fmla="*/ 476987 w 1782198"/>
+              <a:gd name="connsiteY9" fmla="*/ 1113856 h 2376264"/>
+              <a:gd name="connsiteX10" fmla="*/ 476987 w 1782198"/>
+              <a:gd name="connsiteY10" fmla="*/ 2376264 h 2376264"/>
+              <a:gd name="connsiteX11" fmla="*/ 0 w 1782198"/>
+              <a:gd name="connsiteY11" fmla="*/ 2376264 h 2376264"/>
+              <a:gd name="connsiteX0" fmla="*/ 0 w 1782198"/>
+              <a:gd name="connsiteY0" fmla="*/ 2376264 h 2376264"/>
+              <a:gd name="connsiteX1" fmla="*/ 0 w 1782198"/>
+              <a:gd name="connsiteY1" fmla="*/ 1113856 h 2376264"/>
+              <a:gd name="connsiteX2" fmla="*/ 891099 w 1782198"/>
+              <a:gd name="connsiteY2" fmla="*/ 222757 h 2376264"/>
+              <a:gd name="connsiteX3" fmla="*/ 891099 w 1782198"/>
+              <a:gd name="connsiteY3" fmla="*/ 222757 h 2376264"/>
+              <a:gd name="connsiteX4" fmla="*/ 891099 w 1782198"/>
+              <a:gd name="connsiteY4" fmla="*/ 0 h 2376264"/>
+              <a:gd name="connsiteX5" fmla="*/ 1782198 w 1782198"/>
+              <a:gd name="connsiteY5" fmla="*/ 461251 h 2376264"/>
+              <a:gd name="connsiteX6" fmla="*/ 668849 w 1782198"/>
+              <a:gd name="connsiteY6" fmla="*/ 1017751 h 2376264"/>
+              <a:gd name="connsiteX7" fmla="*/ 891099 w 1782198"/>
+              <a:gd name="connsiteY7" fmla="*/ 699744 h 2376264"/>
+              <a:gd name="connsiteX8" fmla="*/ 564074 w 1782198"/>
+              <a:gd name="connsiteY8" fmla="*/ 880719 h 2376264"/>
+              <a:gd name="connsiteX9" fmla="*/ 476987 w 1782198"/>
+              <a:gd name="connsiteY9" fmla="*/ 1113856 h 2376264"/>
+              <a:gd name="connsiteX10" fmla="*/ 476987 w 1782198"/>
+              <a:gd name="connsiteY10" fmla="*/ 2376264 h 2376264"/>
+              <a:gd name="connsiteX11" fmla="*/ 0 w 1782198"/>
+              <a:gd name="connsiteY11" fmla="*/ 2376264 h 2376264"/>
+              <a:gd name="connsiteX0" fmla="*/ 0 w 1782198"/>
+              <a:gd name="connsiteY0" fmla="*/ 2376264 h 2376264"/>
+              <a:gd name="connsiteX1" fmla="*/ 0 w 1782198"/>
+              <a:gd name="connsiteY1" fmla="*/ 1113856 h 2376264"/>
+              <a:gd name="connsiteX2" fmla="*/ 891099 w 1782198"/>
+              <a:gd name="connsiteY2" fmla="*/ 222757 h 2376264"/>
+              <a:gd name="connsiteX3" fmla="*/ 891099 w 1782198"/>
+              <a:gd name="connsiteY3" fmla="*/ 222757 h 2376264"/>
+              <a:gd name="connsiteX4" fmla="*/ 891099 w 1782198"/>
+              <a:gd name="connsiteY4" fmla="*/ 0 h 2376264"/>
+              <a:gd name="connsiteX5" fmla="*/ 1782198 w 1782198"/>
+              <a:gd name="connsiteY5" fmla="*/ 461251 h 2376264"/>
+              <a:gd name="connsiteX6" fmla="*/ 668849 w 1782198"/>
+              <a:gd name="connsiteY6" fmla="*/ 1017751 h 2376264"/>
+              <a:gd name="connsiteX7" fmla="*/ 891099 w 1782198"/>
+              <a:gd name="connsiteY7" fmla="*/ 699744 h 2376264"/>
+              <a:gd name="connsiteX8" fmla="*/ 564074 w 1782198"/>
+              <a:gd name="connsiteY8" fmla="*/ 880719 h 2376264"/>
+              <a:gd name="connsiteX9" fmla="*/ 486891 w 1782198"/>
+              <a:gd name="connsiteY9" fmla="*/ 977503 h 2376264"/>
+              <a:gd name="connsiteX10" fmla="*/ 476987 w 1782198"/>
+              <a:gd name="connsiteY10" fmla="*/ 1113856 h 2376264"/>
+              <a:gd name="connsiteX11" fmla="*/ 476987 w 1782198"/>
+              <a:gd name="connsiteY11" fmla="*/ 2376264 h 2376264"/>
+              <a:gd name="connsiteX12" fmla="*/ 0 w 1782198"/>
+              <a:gd name="connsiteY12" fmla="*/ 2376264 h 2376264"/>
+              <a:gd name="connsiteX0" fmla="*/ 0 w 1782198"/>
+              <a:gd name="connsiteY0" fmla="*/ 2376264 h 2376264"/>
+              <a:gd name="connsiteX1" fmla="*/ 0 w 1782198"/>
+              <a:gd name="connsiteY1" fmla="*/ 1113856 h 2376264"/>
+              <a:gd name="connsiteX2" fmla="*/ 891099 w 1782198"/>
+              <a:gd name="connsiteY2" fmla="*/ 222757 h 2376264"/>
+              <a:gd name="connsiteX3" fmla="*/ 891099 w 1782198"/>
+              <a:gd name="connsiteY3" fmla="*/ 222757 h 2376264"/>
+              <a:gd name="connsiteX4" fmla="*/ 891099 w 1782198"/>
+              <a:gd name="connsiteY4" fmla="*/ 0 h 2376264"/>
+              <a:gd name="connsiteX5" fmla="*/ 1782198 w 1782198"/>
+              <a:gd name="connsiteY5" fmla="*/ 461251 h 2376264"/>
+              <a:gd name="connsiteX6" fmla="*/ 668849 w 1782198"/>
+              <a:gd name="connsiteY6" fmla="*/ 1017751 h 2376264"/>
+              <a:gd name="connsiteX7" fmla="*/ 579949 w 1782198"/>
+              <a:gd name="connsiteY7" fmla="*/ 874369 h 2376264"/>
+              <a:gd name="connsiteX8" fmla="*/ 564074 w 1782198"/>
+              <a:gd name="connsiteY8" fmla="*/ 880719 h 2376264"/>
+              <a:gd name="connsiteX9" fmla="*/ 486891 w 1782198"/>
+              <a:gd name="connsiteY9" fmla="*/ 977503 h 2376264"/>
+              <a:gd name="connsiteX10" fmla="*/ 476987 w 1782198"/>
+              <a:gd name="connsiteY10" fmla="*/ 1113856 h 2376264"/>
+              <a:gd name="connsiteX11" fmla="*/ 476987 w 1782198"/>
+              <a:gd name="connsiteY11" fmla="*/ 2376264 h 2376264"/>
+              <a:gd name="connsiteX12" fmla="*/ 0 w 1782198"/>
+              <a:gd name="connsiteY12" fmla="*/ 2376264 h 2376264"/>
+              <a:gd name="connsiteX0" fmla="*/ 0 w 1782198"/>
+              <a:gd name="connsiteY0" fmla="*/ 2376264 h 2376264"/>
+              <a:gd name="connsiteX1" fmla="*/ 0 w 1782198"/>
+              <a:gd name="connsiteY1" fmla="*/ 1113856 h 2376264"/>
+              <a:gd name="connsiteX2" fmla="*/ 891099 w 1782198"/>
+              <a:gd name="connsiteY2" fmla="*/ 222757 h 2376264"/>
+              <a:gd name="connsiteX3" fmla="*/ 271974 w 1782198"/>
+              <a:gd name="connsiteY3" fmla="*/ 457707 h 2376264"/>
+              <a:gd name="connsiteX4" fmla="*/ 891099 w 1782198"/>
+              <a:gd name="connsiteY4" fmla="*/ 0 h 2376264"/>
+              <a:gd name="connsiteX5" fmla="*/ 1782198 w 1782198"/>
+              <a:gd name="connsiteY5" fmla="*/ 461251 h 2376264"/>
+              <a:gd name="connsiteX6" fmla="*/ 668849 w 1782198"/>
+              <a:gd name="connsiteY6" fmla="*/ 1017751 h 2376264"/>
+              <a:gd name="connsiteX7" fmla="*/ 579949 w 1782198"/>
+              <a:gd name="connsiteY7" fmla="*/ 874369 h 2376264"/>
+              <a:gd name="connsiteX8" fmla="*/ 564074 w 1782198"/>
+              <a:gd name="connsiteY8" fmla="*/ 880719 h 2376264"/>
+              <a:gd name="connsiteX9" fmla="*/ 486891 w 1782198"/>
+              <a:gd name="connsiteY9" fmla="*/ 977503 h 2376264"/>
+              <a:gd name="connsiteX10" fmla="*/ 476987 w 1782198"/>
+              <a:gd name="connsiteY10" fmla="*/ 1113856 h 2376264"/>
+              <a:gd name="connsiteX11" fmla="*/ 476987 w 1782198"/>
+              <a:gd name="connsiteY11" fmla="*/ 2376264 h 2376264"/>
+              <a:gd name="connsiteX12" fmla="*/ 0 w 1782198"/>
+              <a:gd name="connsiteY12" fmla="*/ 2376264 h 2376264"/>
+              <a:gd name="connsiteX0" fmla="*/ 0 w 1782198"/>
+              <a:gd name="connsiteY0" fmla="*/ 2153507 h 2153507"/>
+              <a:gd name="connsiteX1" fmla="*/ 0 w 1782198"/>
+              <a:gd name="connsiteY1" fmla="*/ 891099 h 2153507"/>
+              <a:gd name="connsiteX2" fmla="*/ 891099 w 1782198"/>
+              <a:gd name="connsiteY2" fmla="*/ 0 h 2153507"/>
+              <a:gd name="connsiteX3" fmla="*/ 271974 w 1782198"/>
+              <a:gd name="connsiteY3" fmla="*/ 234950 h 2153507"/>
+              <a:gd name="connsiteX4" fmla="*/ 122749 w 1782198"/>
+              <a:gd name="connsiteY4" fmla="*/ 82043 h 2153507"/>
+              <a:gd name="connsiteX5" fmla="*/ 1782198 w 1782198"/>
+              <a:gd name="connsiteY5" fmla="*/ 238494 h 2153507"/>
+              <a:gd name="connsiteX6" fmla="*/ 668849 w 1782198"/>
+              <a:gd name="connsiteY6" fmla="*/ 794994 h 2153507"/>
+              <a:gd name="connsiteX7" fmla="*/ 579949 w 1782198"/>
+              <a:gd name="connsiteY7" fmla="*/ 651612 h 2153507"/>
+              <a:gd name="connsiteX8" fmla="*/ 564074 w 1782198"/>
+              <a:gd name="connsiteY8" fmla="*/ 657962 h 2153507"/>
+              <a:gd name="connsiteX9" fmla="*/ 486891 w 1782198"/>
+              <a:gd name="connsiteY9" fmla="*/ 754746 h 2153507"/>
+              <a:gd name="connsiteX10" fmla="*/ 476987 w 1782198"/>
+              <a:gd name="connsiteY10" fmla="*/ 891099 h 2153507"/>
+              <a:gd name="connsiteX11" fmla="*/ 476987 w 1782198"/>
+              <a:gd name="connsiteY11" fmla="*/ 2153507 h 2153507"/>
+              <a:gd name="connsiteX12" fmla="*/ 0 w 1782198"/>
+              <a:gd name="connsiteY12" fmla="*/ 2153507 h 2153507"/>
+              <a:gd name="connsiteX0" fmla="*/ 40678 w 1822876"/>
+              <a:gd name="connsiteY0" fmla="*/ 2071464 h 2071464"/>
+              <a:gd name="connsiteX1" fmla="*/ 40678 w 1822876"/>
+              <a:gd name="connsiteY1" fmla="*/ 809056 h 2071464"/>
+              <a:gd name="connsiteX2" fmla="*/ 331702 w 1822876"/>
+              <a:gd name="connsiteY2" fmla="*/ 140207 h 2071464"/>
+              <a:gd name="connsiteX3" fmla="*/ 312652 w 1822876"/>
+              <a:gd name="connsiteY3" fmla="*/ 152907 h 2071464"/>
+              <a:gd name="connsiteX4" fmla="*/ 163427 w 1822876"/>
+              <a:gd name="connsiteY4" fmla="*/ 0 h 2071464"/>
+              <a:gd name="connsiteX5" fmla="*/ 1822876 w 1822876"/>
+              <a:gd name="connsiteY5" fmla="*/ 156451 h 2071464"/>
+              <a:gd name="connsiteX6" fmla="*/ 709527 w 1822876"/>
+              <a:gd name="connsiteY6" fmla="*/ 712951 h 2071464"/>
+              <a:gd name="connsiteX7" fmla="*/ 620627 w 1822876"/>
+              <a:gd name="connsiteY7" fmla="*/ 569569 h 2071464"/>
+              <a:gd name="connsiteX8" fmla="*/ 604752 w 1822876"/>
+              <a:gd name="connsiteY8" fmla="*/ 575919 h 2071464"/>
+              <a:gd name="connsiteX9" fmla="*/ 527569 w 1822876"/>
+              <a:gd name="connsiteY9" fmla="*/ 672703 h 2071464"/>
+              <a:gd name="connsiteX10" fmla="*/ 517665 w 1822876"/>
+              <a:gd name="connsiteY10" fmla="*/ 809056 h 2071464"/>
+              <a:gd name="connsiteX11" fmla="*/ 517665 w 1822876"/>
+              <a:gd name="connsiteY11" fmla="*/ 2071464 h 2071464"/>
+              <a:gd name="connsiteX12" fmla="*/ 40678 w 1822876"/>
+              <a:gd name="connsiteY12" fmla="*/ 2071464 h 2071464"/>
+              <a:gd name="connsiteX0" fmla="*/ 0 w 1782198"/>
+              <a:gd name="connsiteY0" fmla="*/ 2071464 h 2071464"/>
+              <a:gd name="connsiteX1" fmla="*/ 0 w 1782198"/>
+              <a:gd name="connsiteY1" fmla="*/ 809056 h 2071464"/>
+              <a:gd name="connsiteX2" fmla="*/ 291024 w 1782198"/>
+              <a:gd name="connsiteY2" fmla="*/ 140207 h 2071464"/>
+              <a:gd name="connsiteX3" fmla="*/ 271974 w 1782198"/>
+              <a:gd name="connsiteY3" fmla="*/ 152907 h 2071464"/>
+              <a:gd name="connsiteX4" fmla="*/ 122749 w 1782198"/>
+              <a:gd name="connsiteY4" fmla="*/ 0 h 2071464"/>
+              <a:gd name="connsiteX5" fmla="*/ 1782198 w 1782198"/>
+              <a:gd name="connsiteY5" fmla="*/ 156451 h 2071464"/>
+              <a:gd name="connsiteX6" fmla="*/ 668849 w 1782198"/>
+              <a:gd name="connsiteY6" fmla="*/ 712951 h 2071464"/>
+              <a:gd name="connsiteX7" fmla="*/ 579949 w 1782198"/>
+              <a:gd name="connsiteY7" fmla="*/ 569569 h 2071464"/>
+              <a:gd name="connsiteX8" fmla="*/ 564074 w 1782198"/>
+              <a:gd name="connsiteY8" fmla="*/ 575919 h 2071464"/>
+              <a:gd name="connsiteX9" fmla="*/ 486891 w 1782198"/>
+              <a:gd name="connsiteY9" fmla="*/ 672703 h 2071464"/>
+              <a:gd name="connsiteX10" fmla="*/ 476987 w 1782198"/>
+              <a:gd name="connsiteY10" fmla="*/ 809056 h 2071464"/>
+              <a:gd name="connsiteX11" fmla="*/ 476987 w 1782198"/>
+              <a:gd name="connsiteY11" fmla="*/ 2071464 h 2071464"/>
+              <a:gd name="connsiteX12" fmla="*/ 0 w 1782198"/>
+              <a:gd name="connsiteY12" fmla="*/ 2071464 h 2071464"/>
+              <a:gd name="connsiteX0" fmla="*/ 0 w 1147198"/>
+              <a:gd name="connsiteY0" fmla="*/ 2242038 h 2242038"/>
+              <a:gd name="connsiteX1" fmla="*/ 0 w 1147198"/>
+              <a:gd name="connsiteY1" fmla="*/ 979630 h 2242038"/>
+              <a:gd name="connsiteX2" fmla="*/ 291024 w 1147198"/>
+              <a:gd name="connsiteY2" fmla="*/ 310781 h 2242038"/>
+              <a:gd name="connsiteX3" fmla="*/ 271974 w 1147198"/>
+              <a:gd name="connsiteY3" fmla="*/ 323481 h 2242038"/>
+              <a:gd name="connsiteX4" fmla="*/ 122749 w 1147198"/>
+              <a:gd name="connsiteY4" fmla="*/ 170574 h 2242038"/>
+              <a:gd name="connsiteX5" fmla="*/ 1147198 w 1147198"/>
+              <a:gd name="connsiteY5" fmla="*/ 0 h 2242038"/>
+              <a:gd name="connsiteX6" fmla="*/ 668849 w 1147198"/>
+              <a:gd name="connsiteY6" fmla="*/ 883525 h 2242038"/>
+              <a:gd name="connsiteX7" fmla="*/ 579949 w 1147198"/>
+              <a:gd name="connsiteY7" fmla="*/ 740143 h 2242038"/>
+              <a:gd name="connsiteX8" fmla="*/ 564074 w 1147198"/>
+              <a:gd name="connsiteY8" fmla="*/ 746493 h 2242038"/>
+              <a:gd name="connsiteX9" fmla="*/ 486891 w 1147198"/>
+              <a:gd name="connsiteY9" fmla="*/ 843277 h 2242038"/>
+              <a:gd name="connsiteX10" fmla="*/ 476987 w 1147198"/>
+              <a:gd name="connsiteY10" fmla="*/ 979630 h 2242038"/>
+              <a:gd name="connsiteX11" fmla="*/ 476987 w 1147198"/>
+              <a:gd name="connsiteY11" fmla="*/ 2242038 h 2242038"/>
+              <a:gd name="connsiteX12" fmla="*/ 0 w 1147198"/>
+              <a:gd name="connsiteY12" fmla="*/ 2242038 h 2242038"/>
+              <a:gd name="connsiteX0" fmla="*/ 0 w 1147198"/>
+              <a:gd name="connsiteY0" fmla="*/ 2242038 h 2242038"/>
+              <a:gd name="connsiteX1" fmla="*/ 0 w 1147198"/>
+              <a:gd name="connsiteY1" fmla="*/ 979630 h 2242038"/>
+              <a:gd name="connsiteX2" fmla="*/ 291024 w 1147198"/>
+              <a:gd name="connsiteY2" fmla="*/ 310781 h 2242038"/>
+              <a:gd name="connsiteX3" fmla="*/ 271974 w 1147198"/>
+              <a:gd name="connsiteY3" fmla="*/ 323481 h 2242038"/>
+              <a:gd name="connsiteX4" fmla="*/ 122749 w 1147198"/>
+              <a:gd name="connsiteY4" fmla="*/ 170574 h 2242038"/>
+              <a:gd name="connsiteX5" fmla="*/ 1147198 w 1147198"/>
+              <a:gd name="connsiteY5" fmla="*/ 0 h 2242038"/>
+              <a:gd name="connsiteX6" fmla="*/ 668849 w 1147198"/>
+              <a:gd name="connsiteY6" fmla="*/ 883525 h 2242038"/>
+              <a:gd name="connsiteX7" fmla="*/ 579949 w 1147198"/>
+              <a:gd name="connsiteY7" fmla="*/ 740143 h 2242038"/>
+              <a:gd name="connsiteX8" fmla="*/ 564074 w 1147198"/>
+              <a:gd name="connsiteY8" fmla="*/ 746493 h 2242038"/>
+              <a:gd name="connsiteX9" fmla="*/ 486891 w 1147198"/>
+              <a:gd name="connsiteY9" fmla="*/ 843277 h 2242038"/>
+              <a:gd name="connsiteX10" fmla="*/ 476987 w 1147198"/>
+              <a:gd name="connsiteY10" fmla="*/ 979630 h 2242038"/>
+              <a:gd name="connsiteX11" fmla="*/ 476987 w 1147198"/>
+              <a:gd name="connsiteY11" fmla="*/ 2242038 h 2242038"/>
+              <a:gd name="connsiteX12" fmla="*/ 0 w 1147198"/>
+              <a:gd name="connsiteY12" fmla="*/ 2242038 h 2242038"/>
+              <a:gd name="connsiteX0" fmla="*/ 0 w 1147198"/>
+              <a:gd name="connsiteY0" fmla="*/ 2242038 h 2242038"/>
+              <a:gd name="connsiteX1" fmla="*/ 0 w 1147198"/>
+              <a:gd name="connsiteY1" fmla="*/ 979630 h 2242038"/>
+              <a:gd name="connsiteX2" fmla="*/ 291024 w 1147198"/>
+              <a:gd name="connsiteY2" fmla="*/ 310781 h 2242038"/>
+              <a:gd name="connsiteX3" fmla="*/ 271974 w 1147198"/>
+              <a:gd name="connsiteY3" fmla="*/ 323481 h 2242038"/>
+              <a:gd name="connsiteX4" fmla="*/ 122749 w 1147198"/>
+              <a:gd name="connsiteY4" fmla="*/ 170574 h 2242038"/>
+              <a:gd name="connsiteX5" fmla="*/ 1147198 w 1147198"/>
+              <a:gd name="connsiteY5" fmla="*/ 0 h 2242038"/>
+              <a:gd name="connsiteX6" fmla="*/ 668849 w 1147198"/>
+              <a:gd name="connsiteY6" fmla="*/ 883525 h 2242038"/>
+              <a:gd name="connsiteX7" fmla="*/ 579949 w 1147198"/>
+              <a:gd name="connsiteY7" fmla="*/ 740143 h 2242038"/>
+              <a:gd name="connsiteX8" fmla="*/ 564074 w 1147198"/>
+              <a:gd name="connsiteY8" fmla="*/ 746493 h 2242038"/>
+              <a:gd name="connsiteX9" fmla="*/ 486891 w 1147198"/>
+              <a:gd name="connsiteY9" fmla="*/ 843277 h 2242038"/>
+              <a:gd name="connsiteX10" fmla="*/ 476987 w 1147198"/>
+              <a:gd name="connsiteY10" fmla="*/ 979630 h 2242038"/>
+              <a:gd name="connsiteX11" fmla="*/ 476987 w 1147198"/>
+              <a:gd name="connsiteY11" fmla="*/ 2242038 h 2242038"/>
+              <a:gd name="connsiteX12" fmla="*/ 0 w 1147198"/>
+              <a:gd name="connsiteY12" fmla="*/ 2242038 h 2242038"/>
+              <a:gd name="connsiteX0" fmla="*/ 0 w 1147198"/>
+              <a:gd name="connsiteY0" fmla="*/ 2242038 h 2242038"/>
+              <a:gd name="connsiteX1" fmla="*/ 0 w 1147198"/>
+              <a:gd name="connsiteY1" fmla="*/ 979630 h 2242038"/>
+              <a:gd name="connsiteX2" fmla="*/ 291024 w 1147198"/>
+              <a:gd name="connsiteY2" fmla="*/ 310781 h 2242038"/>
+              <a:gd name="connsiteX3" fmla="*/ 271974 w 1147198"/>
+              <a:gd name="connsiteY3" fmla="*/ 323481 h 2242038"/>
+              <a:gd name="connsiteX4" fmla="*/ 122749 w 1147198"/>
+              <a:gd name="connsiteY4" fmla="*/ 170574 h 2242038"/>
+              <a:gd name="connsiteX5" fmla="*/ 1147198 w 1147198"/>
+              <a:gd name="connsiteY5" fmla="*/ 0 h 2242038"/>
+              <a:gd name="connsiteX6" fmla="*/ 732771 w 1147198"/>
+              <a:gd name="connsiteY6" fmla="*/ 915487 h 2242038"/>
+              <a:gd name="connsiteX7" fmla="*/ 579949 w 1147198"/>
+              <a:gd name="connsiteY7" fmla="*/ 740143 h 2242038"/>
+              <a:gd name="connsiteX8" fmla="*/ 564074 w 1147198"/>
+              <a:gd name="connsiteY8" fmla="*/ 746493 h 2242038"/>
+              <a:gd name="connsiteX9" fmla="*/ 486891 w 1147198"/>
+              <a:gd name="connsiteY9" fmla="*/ 843277 h 2242038"/>
+              <a:gd name="connsiteX10" fmla="*/ 476987 w 1147198"/>
+              <a:gd name="connsiteY10" fmla="*/ 979630 h 2242038"/>
+              <a:gd name="connsiteX11" fmla="*/ 476987 w 1147198"/>
+              <a:gd name="connsiteY11" fmla="*/ 2242038 h 2242038"/>
+              <a:gd name="connsiteX12" fmla="*/ 0 w 1147198"/>
+              <a:gd name="connsiteY12" fmla="*/ 2242038 h 2242038"/>
+              <a:gd name="connsiteX0" fmla="*/ 0 w 1147198"/>
+              <a:gd name="connsiteY0" fmla="*/ 2242038 h 2242038"/>
+              <a:gd name="connsiteX1" fmla="*/ 0 w 1147198"/>
+              <a:gd name="connsiteY1" fmla="*/ 979630 h 2242038"/>
+              <a:gd name="connsiteX2" fmla="*/ 291024 w 1147198"/>
+              <a:gd name="connsiteY2" fmla="*/ 310781 h 2242038"/>
+              <a:gd name="connsiteX3" fmla="*/ 271974 w 1147198"/>
+              <a:gd name="connsiteY3" fmla="*/ 323481 h 2242038"/>
+              <a:gd name="connsiteX4" fmla="*/ 58826 w 1147198"/>
+              <a:gd name="connsiteY4" fmla="*/ 130622 h 2242038"/>
+              <a:gd name="connsiteX5" fmla="*/ 1147198 w 1147198"/>
+              <a:gd name="connsiteY5" fmla="*/ 0 h 2242038"/>
+              <a:gd name="connsiteX6" fmla="*/ 732771 w 1147198"/>
+              <a:gd name="connsiteY6" fmla="*/ 915487 h 2242038"/>
+              <a:gd name="connsiteX7" fmla="*/ 579949 w 1147198"/>
+              <a:gd name="connsiteY7" fmla="*/ 740143 h 2242038"/>
+              <a:gd name="connsiteX8" fmla="*/ 564074 w 1147198"/>
+              <a:gd name="connsiteY8" fmla="*/ 746493 h 2242038"/>
+              <a:gd name="connsiteX9" fmla="*/ 486891 w 1147198"/>
+              <a:gd name="connsiteY9" fmla="*/ 843277 h 2242038"/>
+              <a:gd name="connsiteX10" fmla="*/ 476987 w 1147198"/>
+              <a:gd name="connsiteY10" fmla="*/ 979630 h 2242038"/>
+              <a:gd name="connsiteX11" fmla="*/ 476987 w 1147198"/>
+              <a:gd name="connsiteY11" fmla="*/ 2242038 h 2242038"/>
+              <a:gd name="connsiteX12" fmla="*/ 0 w 1147198"/>
+              <a:gd name="connsiteY12" fmla="*/ 2242038 h 2242038"/>
+            </a:gdLst>
+            <a:ahLst/>
+            <a:cxnLst>
+              <a:cxn ang="0">
+                <a:pos x="connsiteX0" y="connsiteY0"/>
+              </a:cxn>
+              <a:cxn ang="0">
+                <a:pos x="connsiteX1" y="connsiteY1"/>
+              </a:cxn>
+              <a:cxn ang="0">
+                <a:pos x="connsiteX2" y="connsiteY2"/>
+              </a:cxn>
+              <a:cxn ang="0">
+                <a:pos x="connsiteX3" y="connsiteY3"/>
+              </a:cxn>
+              <a:cxn ang="0">
+                <a:pos x="connsiteX4" y="connsiteY4"/>
+              </a:cxn>
+              <a:cxn ang="0">
+                <a:pos x="connsiteX5" y="connsiteY5"/>
+              </a:cxn>
+              <a:cxn ang="0">
+                <a:pos x="connsiteX6" y="connsiteY6"/>
+              </a:cxn>
+              <a:cxn ang="0">
+                <a:pos x="connsiteX7" y="connsiteY7"/>
+              </a:cxn>
+              <a:cxn ang="0">
+                <a:pos x="connsiteX8" y="connsiteY8"/>
+              </a:cxn>
+              <a:cxn ang="0">
+                <a:pos x="connsiteX9" y="connsiteY9"/>
+              </a:cxn>
+              <a:cxn ang="0">
+                <a:pos x="connsiteX10" y="connsiteY10"/>
+              </a:cxn>
+              <a:cxn ang="0">
+                <a:pos x="connsiteX11" y="connsiteY11"/>
+              </a:cxn>
+              <a:cxn ang="0">
+                <a:pos x="connsiteX12" y="connsiteY12"/>
+              </a:cxn>
+            </a:cxnLst>
+            <a:rect l="l" t="t" r="r" b="b"/>
+            <a:pathLst>
+              <a:path w="1147198" h="2242038">
+                <a:moveTo>
+                  <a:pt x="0" y="2242038"/>
+                </a:moveTo>
+                <a:lnTo>
+                  <a:pt x="0" y="979630"/>
+                </a:lnTo>
+                <a:cubicBezTo>
+                  <a:pt x="0" y="487490"/>
+                  <a:pt x="110034" y="358406"/>
+                  <a:pt x="291024" y="310781"/>
+                </a:cubicBezTo>
+                <a:lnTo>
+                  <a:pt x="271974" y="323481"/>
+                </a:lnTo>
+                <a:lnTo>
+                  <a:pt x="58826" y="130622"/>
+                </a:lnTo>
+                <a:lnTo>
+                  <a:pt x="1147198" y="0"/>
+                </a:lnTo>
+                <a:lnTo>
+                  <a:pt x="732771" y="915487"/>
+                </a:lnTo>
+                <a:lnTo>
+                  <a:pt x="579949" y="740143"/>
+                </a:lnTo>
+                <a:lnTo>
+                  <a:pt x="564074" y="746493"/>
+                </a:lnTo>
+                <a:cubicBezTo>
+                  <a:pt x="472894" y="774266"/>
+                  <a:pt x="482355" y="966346"/>
+                  <a:pt x="486891" y="843277"/>
+                </a:cubicBezTo>
+                <a:cubicBezTo>
+                  <a:pt x="472377" y="882133"/>
+                  <a:pt x="478638" y="742270"/>
+                  <a:pt x="476987" y="979630"/>
+                </a:cubicBezTo>
+                <a:lnTo>
+                  <a:pt x="476987" y="2242038"/>
+                </a:lnTo>
+                <a:lnTo>
+                  <a:pt x="0" y="2242038"/>
+                </a:lnTo>
+                <a:close/>
+              </a:path>
+            </a:pathLst>
+          </a:custGeom>
+          <a:solidFill>
+            <a:srgbClr val="7030A0"/>
+          </a:solidFill>
+          <a:ln>
+            <a:solidFill>
+              <a:schemeClr val="accent3">
+                <a:lumMod val="50000"/>
+              </a:schemeClr>
+            </a:solidFill>
+          </a:ln>
+        </p:spPr>
+        <p:style>
+          <a:lnRef idx="2">
+            <a:schemeClr val="accent3">
+              <a:shade val="50000"/>
+            </a:schemeClr>
+          </a:lnRef>
+          <a:fillRef idx="1">
+            <a:schemeClr val="accent3"/>
+          </a:fillRef>
+          <a:effectRef idx="0">
+            <a:schemeClr val="accent3"/>
+          </a:effectRef>
+          <a:fontRef idx="minor">
+            <a:schemeClr val="lt1"/>
+          </a:fontRef>
+        </p:style>
+        <p:txBody>
+          <a:bodyPr rtlCol="0" anchor="ctr"/>
+          <a:lstStyle/>
+          <a:p>
+            <a:pPr algn="ctr"/>
+            <a:endParaRPr lang="pl-PL" dirty="0"/>
+          </a:p>
+        </p:txBody>
+      </p:sp>
+      <p:sp>
+        <p:nvSpPr>
+          <p:cNvPr id="27" name="Bent Arrow 20"/>
+          <p:cNvSpPr>
+            <a:spLocks/>
+          </p:cNvSpPr>
+          <p:nvPr/>
+        </p:nvSpPr>
+        <p:spPr>
+          <a:xfrm flipH="1">
+            <a:off x="5317263" y="3660281"/>
+            <a:ext cx="355402" cy="694583"/>
+          </a:xfrm>
+          <a:custGeom>
+            <a:avLst/>
+            <a:gdLst>
+              <a:gd name="connsiteX0" fmla="*/ 0 w 1782198"/>
+              <a:gd name="connsiteY0" fmla="*/ 2376264 h 2376264"/>
+              <a:gd name="connsiteX1" fmla="*/ 0 w 1782198"/>
+              <a:gd name="connsiteY1" fmla="*/ 1113856 h 2376264"/>
+              <a:gd name="connsiteX2" fmla="*/ 891099 w 1782198"/>
+              <a:gd name="connsiteY2" fmla="*/ 222757 h 2376264"/>
+              <a:gd name="connsiteX3" fmla="*/ 891099 w 1782198"/>
+              <a:gd name="connsiteY3" fmla="*/ 222757 h 2376264"/>
+              <a:gd name="connsiteX4" fmla="*/ 891099 w 1782198"/>
+              <a:gd name="connsiteY4" fmla="*/ 0 h 2376264"/>
+              <a:gd name="connsiteX5" fmla="*/ 1782198 w 1782198"/>
+              <a:gd name="connsiteY5" fmla="*/ 461251 h 2376264"/>
+              <a:gd name="connsiteX6" fmla="*/ 891099 w 1782198"/>
+              <a:gd name="connsiteY6" fmla="*/ 922501 h 2376264"/>
+              <a:gd name="connsiteX7" fmla="*/ 891099 w 1782198"/>
+              <a:gd name="connsiteY7" fmla="*/ 699744 h 2376264"/>
+              <a:gd name="connsiteX8" fmla="*/ 891099 w 1782198"/>
+              <a:gd name="connsiteY8" fmla="*/ 699744 h 2376264"/>
+              <a:gd name="connsiteX9" fmla="*/ 476987 w 1782198"/>
+              <a:gd name="connsiteY9" fmla="*/ 1113856 h 2376264"/>
+              <a:gd name="connsiteX10" fmla="*/ 476987 w 1782198"/>
+              <a:gd name="connsiteY10" fmla="*/ 2376264 h 2376264"/>
+              <a:gd name="connsiteX11" fmla="*/ 0 w 1782198"/>
+              <a:gd name="connsiteY11" fmla="*/ 2376264 h 2376264"/>
+              <a:gd name="connsiteX0" fmla="*/ 0 w 1782198"/>
+              <a:gd name="connsiteY0" fmla="*/ 2376264 h 2376264"/>
+              <a:gd name="connsiteX1" fmla="*/ 0 w 1782198"/>
+              <a:gd name="connsiteY1" fmla="*/ 1113856 h 2376264"/>
+              <a:gd name="connsiteX2" fmla="*/ 891099 w 1782198"/>
+              <a:gd name="connsiteY2" fmla="*/ 222757 h 2376264"/>
+              <a:gd name="connsiteX3" fmla="*/ 891099 w 1782198"/>
+              <a:gd name="connsiteY3" fmla="*/ 222757 h 2376264"/>
+              <a:gd name="connsiteX4" fmla="*/ 891099 w 1782198"/>
+              <a:gd name="connsiteY4" fmla="*/ 0 h 2376264"/>
+              <a:gd name="connsiteX5" fmla="*/ 1782198 w 1782198"/>
+              <a:gd name="connsiteY5" fmla="*/ 461251 h 2376264"/>
+              <a:gd name="connsiteX6" fmla="*/ 668849 w 1782198"/>
+              <a:gd name="connsiteY6" fmla="*/ 1017751 h 2376264"/>
+              <a:gd name="connsiteX7" fmla="*/ 891099 w 1782198"/>
+              <a:gd name="connsiteY7" fmla="*/ 699744 h 2376264"/>
+              <a:gd name="connsiteX8" fmla="*/ 891099 w 1782198"/>
+              <a:gd name="connsiteY8" fmla="*/ 699744 h 2376264"/>
+              <a:gd name="connsiteX9" fmla="*/ 476987 w 1782198"/>
+              <a:gd name="connsiteY9" fmla="*/ 1113856 h 2376264"/>
+              <a:gd name="connsiteX10" fmla="*/ 476987 w 1782198"/>
+              <a:gd name="connsiteY10" fmla="*/ 2376264 h 2376264"/>
+              <a:gd name="connsiteX11" fmla="*/ 0 w 1782198"/>
+              <a:gd name="connsiteY11" fmla="*/ 2376264 h 2376264"/>
+              <a:gd name="connsiteX0" fmla="*/ 0 w 1782198"/>
+              <a:gd name="connsiteY0" fmla="*/ 2376264 h 2376264"/>
+              <a:gd name="connsiteX1" fmla="*/ 0 w 1782198"/>
+              <a:gd name="connsiteY1" fmla="*/ 1113856 h 2376264"/>
+              <a:gd name="connsiteX2" fmla="*/ 891099 w 1782198"/>
+              <a:gd name="connsiteY2" fmla="*/ 222757 h 2376264"/>
+              <a:gd name="connsiteX3" fmla="*/ 891099 w 1782198"/>
+              <a:gd name="connsiteY3" fmla="*/ 222757 h 2376264"/>
+              <a:gd name="connsiteX4" fmla="*/ 891099 w 1782198"/>
+              <a:gd name="connsiteY4" fmla="*/ 0 h 2376264"/>
+              <a:gd name="connsiteX5" fmla="*/ 1782198 w 1782198"/>
+              <a:gd name="connsiteY5" fmla="*/ 461251 h 2376264"/>
+              <a:gd name="connsiteX6" fmla="*/ 668849 w 1782198"/>
+              <a:gd name="connsiteY6" fmla="*/ 1017751 h 2376264"/>
+              <a:gd name="connsiteX7" fmla="*/ 891099 w 1782198"/>
+              <a:gd name="connsiteY7" fmla="*/ 699744 h 2376264"/>
+              <a:gd name="connsiteX8" fmla="*/ 564074 w 1782198"/>
+              <a:gd name="connsiteY8" fmla="*/ 880719 h 2376264"/>
+              <a:gd name="connsiteX9" fmla="*/ 476987 w 1782198"/>
+              <a:gd name="connsiteY9" fmla="*/ 1113856 h 2376264"/>
+              <a:gd name="connsiteX10" fmla="*/ 476987 w 1782198"/>
+              <a:gd name="connsiteY10" fmla="*/ 2376264 h 2376264"/>
+              <a:gd name="connsiteX11" fmla="*/ 0 w 1782198"/>
+              <a:gd name="connsiteY11" fmla="*/ 2376264 h 2376264"/>
+              <a:gd name="connsiteX0" fmla="*/ 0 w 1782198"/>
+              <a:gd name="connsiteY0" fmla="*/ 2376264 h 2376264"/>
+              <a:gd name="connsiteX1" fmla="*/ 0 w 1782198"/>
+              <a:gd name="connsiteY1" fmla="*/ 1113856 h 2376264"/>
+              <a:gd name="connsiteX2" fmla="*/ 891099 w 1782198"/>
+              <a:gd name="connsiteY2" fmla="*/ 222757 h 2376264"/>
+              <a:gd name="connsiteX3" fmla="*/ 891099 w 1782198"/>
+              <a:gd name="connsiteY3" fmla="*/ 222757 h 2376264"/>
+              <a:gd name="connsiteX4" fmla="*/ 891099 w 1782198"/>
+              <a:gd name="connsiteY4" fmla="*/ 0 h 2376264"/>
+              <a:gd name="connsiteX5" fmla="*/ 1782198 w 1782198"/>
+              <a:gd name="connsiteY5" fmla="*/ 461251 h 2376264"/>
+              <a:gd name="connsiteX6" fmla="*/ 668849 w 1782198"/>
+              <a:gd name="connsiteY6" fmla="*/ 1017751 h 2376264"/>
+              <a:gd name="connsiteX7" fmla="*/ 891099 w 1782198"/>
+              <a:gd name="connsiteY7" fmla="*/ 699744 h 2376264"/>
+              <a:gd name="connsiteX8" fmla="*/ 564074 w 1782198"/>
+              <a:gd name="connsiteY8" fmla="*/ 880719 h 2376264"/>
+              <a:gd name="connsiteX9" fmla="*/ 476987 w 1782198"/>
+              <a:gd name="connsiteY9" fmla="*/ 1113856 h 2376264"/>
+              <a:gd name="connsiteX10" fmla="*/ 476987 w 1782198"/>
+              <a:gd name="connsiteY10" fmla="*/ 2376264 h 2376264"/>
+              <a:gd name="connsiteX11" fmla="*/ 0 w 1782198"/>
+              <a:gd name="connsiteY11" fmla="*/ 2376264 h 2376264"/>
+              <a:gd name="connsiteX0" fmla="*/ 0 w 1782198"/>
+              <a:gd name="connsiteY0" fmla="*/ 2376264 h 2376264"/>
+              <a:gd name="connsiteX1" fmla="*/ 0 w 1782198"/>
+              <a:gd name="connsiteY1" fmla="*/ 1113856 h 2376264"/>
+              <a:gd name="connsiteX2" fmla="*/ 891099 w 1782198"/>
+              <a:gd name="connsiteY2" fmla="*/ 222757 h 2376264"/>
+              <a:gd name="connsiteX3" fmla="*/ 891099 w 1782198"/>
+              <a:gd name="connsiteY3" fmla="*/ 222757 h 2376264"/>
+              <a:gd name="connsiteX4" fmla="*/ 891099 w 1782198"/>
+              <a:gd name="connsiteY4" fmla="*/ 0 h 2376264"/>
+              <a:gd name="connsiteX5" fmla="*/ 1782198 w 1782198"/>
+              <a:gd name="connsiteY5" fmla="*/ 461251 h 2376264"/>
+              <a:gd name="connsiteX6" fmla="*/ 668849 w 1782198"/>
+              <a:gd name="connsiteY6" fmla="*/ 1017751 h 2376264"/>
+              <a:gd name="connsiteX7" fmla="*/ 891099 w 1782198"/>
+              <a:gd name="connsiteY7" fmla="*/ 699744 h 2376264"/>
+              <a:gd name="connsiteX8" fmla="*/ 564074 w 1782198"/>
+              <a:gd name="connsiteY8" fmla="*/ 880719 h 2376264"/>
+              <a:gd name="connsiteX9" fmla="*/ 486891 w 1782198"/>
+              <a:gd name="connsiteY9" fmla="*/ 977503 h 2376264"/>
+              <a:gd name="connsiteX10" fmla="*/ 476987 w 1782198"/>
+              <a:gd name="connsiteY10" fmla="*/ 1113856 h 2376264"/>
+              <a:gd name="connsiteX11" fmla="*/ 476987 w 1782198"/>
+              <a:gd name="connsiteY11" fmla="*/ 2376264 h 2376264"/>
+              <a:gd name="connsiteX12" fmla="*/ 0 w 1782198"/>
+              <a:gd name="connsiteY12" fmla="*/ 2376264 h 2376264"/>
+              <a:gd name="connsiteX0" fmla="*/ 0 w 1782198"/>
+              <a:gd name="connsiteY0" fmla="*/ 2376264 h 2376264"/>
+              <a:gd name="connsiteX1" fmla="*/ 0 w 1782198"/>
+              <a:gd name="connsiteY1" fmla="*/ 1113856 h 2376264"/>
+              <a:gd name="connsiteX2" fmla="*/ 891099 w 1782198"/>
+              <a:gd name="connsiteY2" fmla="*/ 222757 h 2376264"/>
+              <a:gd name="connsiteX3" fmla="*/ 891099 w 1782198"/>
+              <a:gd name="connsiteY3" fmla="*/ 222757 h 2376264"/>
+              <a:gd name="connsiteX4" fmla="*/ 891099 w 1782198"/>
+              <a:gd name="connsiteY4" fmla="*/ 0 h 2376264"/>
+              <a:gd name="connsiteX5" fmla="*/ 1782198 w 1782198"/>
+              <a:gd name="connsiteY5" fmla="*/ 461251 h 2376264"/>
+              <a:gd name="connsiteX6" fmla="*/ 668849 w 1782198"/>
+              <a:gd name="connsiteY6" fmla="*/ 1017751 h 2376264"/>
+              <a:gd name="connsiteX7" fmla="*/ 579949 w 1782198"/>
+              <a:gd name="connsiteY7" fmla="*/ 874369 h 2376264"/>
+              <a:gd name="connsiteX8" fmla="*/ 564074 w 1782198"/>
+              <a:gd name="connsiteY8" fmla="*/ 880719 h 2376264"/>
+              <a:gd name="connsiteX9" fmla="*/ 486891 w 1782198"/>
+              <a:gd name="connsiteY9" fmla="*/ 977503 h 2376264"/>
+              <a:gd name="connsiteX10" fmla="*/ 476987 w 1782198"/>
+              <a:gd name="connsiteY10" fmla="*/ 1113856 h 2376264"/>
+              <a:gd name="connsiteX11" fmla="*/ 476987 w 1782198"/>
+              <a:gd name="connsiteY11" fmla="*/ 2376264 h 2376264"/>
+              <a:gd name="connsiteX12" fmla="*/ 0 w 1782198"/>
+              <a:gd name="connsiteY12" fmla="*/ 2376264 h 2376264"/>
+              <a:gd name="connsiteX0" fmla="*/ 0 w 1782198"/>
+              <a:gd name="connsiteY0" fmla="*/ 2376264 h 2376264"/>
+              <a:gd name="connsiteX1" fmla="*/ 0 w 1782198"/>
+              <a:gd name="connsiteY1" fmla="*/ 1113856 h 2376264"/>
+              <a:gd name="connsiteX2" fmla="*/ 891099 w 1782198"/>
+              <a:gd name="connsiteY2" fmla="*/ 222757 h 2376264"/>
+              <a:gd name="connsiteX3" fmla="*/ 271974 w 1782198"/>
+              <a:gd name="connsiteY3" fmla="*/ 457707 h 2376264"/>
+              <a:gd name="connsiteX4" fmla="*/ 891099 w 1782198"/>
+              <a:gd name="connsiteY4" fmla="*/ 0 h 2376264"/>
+              <a:gd name="connsiteX5" fmla="*/ 1782198 w 1782198"/>
+              <a:gd name="connsiteY5" fmla="*/ 461251 h 2376264"/>
+              <a:gd name="connsiteX6" fmla="*/ 668849 w 1782198"/>
+              <a:gd name="connsiteY6" fmla="*/ 1017751 h 2376264"/>
+              <a:gd name="connsiteX7" fmla="*/ 579949 w 1782198"/>
+              <a:gd name="connsiteY7" fmla="*/ 874369 h 2376264"/>
+              <a:gd name="connsiteX8" fmla="*/ 564074 w 1782198"/>
+              <a:gd name="connsiteY8" fmla="*/ 880719 h 2376264"/>
+              <a:gd name="connsiteX9" fmla="*/ 486891 w 1782198"/>
+              <a:gd name="connsiteY9" fmla="*/ 977503 h 2376264"/>
+              <a:gd name="connsiteX10" fmla="*/ 476987 w 1782198"/>
+              <a:gd name="connsiteY10" fmla="*/ 1113856 h 2376264"/>
+              <a:gd name="connsiteX11" fmla="*/ 476987 w 1782198"/>
+              <a:gd name="connsiteY11" fmla="*/ 2376264 h 2376264"/>
+              <a:gd name="connsiteX12" fmla="*/ 0 w 1782198"/>
+              <a:gd name="connsiteY12" fmla="*/ 2376264 h 2376264"/>
+              <a:gd name="connsiteX0" fmla="*/ 0 w 1782198"/>
+              <a:gd name="connsiteY0" fmla="*/ 2153507 h 2153507"/>
+              <a:gd name="connsiteX1" fmla="*/ 0 w 1782198"/>
+              <a:gd name="connsiteY1" fmla="*/ 891099 h 2153507"/>
+              <a:gd name="connsiteX2" fmla="*/ 891099 w 1782198"/>
+              <a:gd name="connsiteY2" fmla="*/ 0 h 2153507"/>
+              <a:gd name="connsiteX3" fmla="*/ 271974 w 1782198"/>
+              <a:gd name="connsiteY3" fmla="*/ 234950 h 2153507"/>
+              <a:gd name="connsiteX4" fmla="*/ 122749 w 1782198"/>
+              <a:gd name="connsiteY4" fmla="*/ 82043 h 2153507"/>
+              <a:gd name="connsiteX5" fmla="*/ 1782198 w 1782198"/>
+              <a:gd name="connsiteY5" fmla="*/ 238494 h 2153507"/>
+              <a:gd name="connsiteX6" fmla="*/ 668849 w 1782198"/>
+              <a:gd name="connsiteY6" fmla="*/ 794994 h 2153507"/>
+              <a:gd name="connsiteX7" fmla="*/ 579949 w 1782198"/>
+              <a:gd name="connsiteY7" fmla="*/ 651612 h 2153507"/>
+              <a:gd name="connsiteX8" fmla="*/ 564074 w 1782198"/>
+              <a:gd name="connsiteY8" fmla="*/ 657962 h 2153507"/>
+              <a:gd name="connsiteX9" fmla="*/ 486891 w 1782198"/>
+              <a:gd name="connsiteY9" fmla="*/ 754746 h 2153507"/>
+              <a:gd name="connsiteX10" fmla="*/ 476987 w 1782198"/>
+              <a:gd name="connsiteY10" fmla="*/ 891099 h 2153507"/>
+              <a:gd name="connsiteX11" fmla="*/ 476987 w 1782198"/>
+              <a:gd name="connsiteY11" fmla="*/ 2153507 h 2153507"/>
+              <a:gd name="connsiteX12" fmla="*/ 0 w 1782198"/>
+              <a:gd name="connsiteY12" fmla="*/ 2153507 h 2153507"/>
+              <a:gd name="connsiteX0" fmla="*/ 40678 w 1822876"/>
+              <a:gd name="connsiteY0" fmla="*/ 2071464 h 2071464"/>
+              <a:gd name="connsiteX1" fmla="*/ 40678 w 1822876"/>
+              <a:gd name="connsiteY1" fmla="*/ 809056 h 2071464"/>
+              <a:gd name="connsiteX2" fmla="*/ 331702 w 1822876"/>
+              <a:gd name="connsiteY2" fmla="*/ 140207 h 2071464"/>
+              <a:gd name="connsiteX3" fmla="*/ 312652 w 1822876"/>
+              <a:gd name="connsiteY3" fmla="*/ 152907 h 2071464"/>
+              <a:gd name="connsiteX4" fmla="*/ 163427 w 1822876"/>
+              <a:gd name="connsiteY4" fmla="*/ 0 h 2071464"/>
+              <a:gd name="connsiteX5" fmla="*/ 1822876 w 1822876"/>
+              <a:gd name="connsiteY5" fmla="*/ 156451 h 2071464"/>
+              <a:gd name="connsiteX6" fmla="*/ 709527 w 1822876"/>
+              <a:gd name="connsiteY6" fmla="*/ 712951 h 2071464"/>
+              <a:gd name="connsiteX7" fmla="*/ 620627 w 1822876"/>
+              <a:gd name="connsiteY7" fmla="*/ 569569 h 2071464"/>
+              <a:gd name="connsiteX8" fmla="*/ 604752 w 1822876"/>
+              <a:gd name="connsiteY8" fmla="*/ 575919 h 2071464"/>
+              <a:gd name="connsiteX9" fmla="*/ 527569 w 1822876"/>
+              <a:gd name="connsiteY9" fmla="*/ 672703 h 2071464"/>
+              <a:gd name="connsiteX10" fmla="*/ 517665 w 1822876"/>
+              <a:gd name="connsiteY10" fmla="*/ 809056 h 2071464"/>
+              <a:gd name="connsiteX11" fmla="*/ 517665 w 1822876"/>
+              <a:gd name="connsiteY11" fmla="*/ 2071464 h 2071464"/>
+              <a:gd name="connsiteX12" fmla="*/ 40678 w 1822876"/>
+              <a:gd name="connsiteY12" fmla="*/ 2071464 h 2071464"/>
+              <a:gd name="connsiteX0" fmla="*/ 0 w 1782198"/>
+              <a:gd name="connsiteY0" fmla="*/ 2071464 h 2071464"/>
+              <a:gd name="connsiteX1" fmla="*/ 0 w 1782198"/>
+              <a:gd name="connsiteY1" fmla="*/ 809056 h 2071464"/>
+              <a:gd name="connsiteX2" fmla="*/ 291024 w 1782198"/>
+              <a:gd name="connsiteY2" fmla="*/ 140207 h 2071464"/>
+              <a:gd name="connsiteX3" fmla="*/ 271974 w 1782198"/>
+              <a:gd name="connsiteY3" fmla="*/ 152907 h 2071464"/>
+              <a:gd name="connsiteX4" fmla="*/ 122749 w 1782198"/>
+              <a:gd name="connsiteY4" fmla="*/ 0 h 2071464"/>
+              <a:gd name="connsiteX5" fmla="*/ 1782198 w 1782198"/>
+              <a:gd name="connsiteY5" fmla="*/ 156451 h 2071464"/>
+              <a:gd name="connsiteX6" fmla="*/ 668849 w 1782198"/>
+              <a:gd name="connsiteY6" fmla="*/ 712951 h 2071464"/>
+              <a:gd name="connsiteX7" fmla="*/ 579949 w 1782198"/>
+              <a:gd name="connsiteY7" fmla="*/ 569569 h 2071464"/>
+              <a:gd name="connsiteX8" fmla="*/ 564074 w 1782198"/>
+              <a:gd name="connsiteY8" fmla="*/ 575919 h 2071464"/>
+              <a:gd name="connsiteX9" fmla="*/ 486891 w 1782198"/>
+              <a:gd name="connsiteY9" fmla="*/ 672703 h 2071464"/>
+              <a:gd name="connsiteX10" fmla="*/ 476987 w 1782198"/>
+              <a:gd name="connsiteY10" fmla="*/ 809056 h 2071464"/>
+              <a:gd name="connsiteX11" fmla="*/ 476987 w 1782198"/>
+              <a:gd name="connsiteY11" fmla="*/ 2071464 h 2071464"/>
+              <a:gd name="connsiteX12" fmla="*/ 0 w 1782198"/>
+              <a:gd name="connsiteY12" fmla="*/ 2071464 h 2071464"/>
+              <a:gd name="connsiteX0" fmla="*/ 0 w 1147198"/>
+              <a:gd name="connsiteY0" fmla="*/ 2242038 h 2242038"/>
+              <a:gd name="connsiteX1" fmla="*/ 0 w 1147198"/>
+              <a:gd name="connsiteY1" fmla="*/ 979630 h 2242038"/>
+              <a:gd name="connsiteX2" fmla="*/ 291024 w 1147198"/>
+              <a:gd name="connsiteY2" fmla="*/ 310781 h 2242038"/>
+              <a:gd name="connsiteX3" fmla="*/ 271974 w 1147198"/>
+              <a:gd name="connsiteY3" fmla="*/ 323481 h 2242038"/>
+              <a:gd name="connsiteX4" fmla="*/ 122749 w 1147198"/>
+              <a:gd name="connsiteY4" fmla="*/ 170574 h 2242038"/>
+              <a:gd name="connsiteX5" fmla="*/ 1147198 w 1147198"/>
+              <a:gd name="connsiteY5" fmla="*/ 0 h 2242038"/>
+              <a:gd name="connsiteX6" fmla="*/ 668849 w 1147198"/>
+              <a:gd name="connsiteY6" fmla="*/ 883525 h 2242038"/>
+              <a:gd name="connsiteX7" fmla="*/ 579949 w 1147198"/>
+              <a:gd name="connsiteY7" fmla="*/ 740143 h 2242038"/>
+              <a:gd name="connsiteX8" fmla="*/ 564074 w 1147198"/>
+              <a:gd name="connsiteY8" fmla="*/ 746493 h 2242038"/>
+              <a:gd name="connsiteX9" fmla="*/ 486891 w 1147198"/>
+              <a:gd name="connsiteY9" fmla="*/ 843277 h 2242038"/>
+              <a:gd name="connsiteX10" fmla="*/ 476987 w 1147198"/>
+              <a:gd name="connsiteY10" fmla="*/ 979630 h 2242038"/>
+              <a:gd name="connsiteX11" fmla="*/ 476987 w 1147198"/>
+              <a:gd name="connsiteY11" fmla="*/ 2242038 h 2242038"/>
+              <a:gd name="connsiteX12" fmla="*/ 0 w 1147198"/>
+              <a:gd name="connsiteY12" fmla="*/ 2242038 h 2242038"/>
+              <a:gd name="connsiteX0" fmla="*/ 0 w 1147198"/>
+              <a:gd name="connsiteY0" fmla="*/ 2242038 h 2242038"/>
+              <a:gd name="connsiteX1" fmla="*/ 0 w 1147198"/>
+              <a:gd name="connsiteY1" fmla="*/ 979630 h 2242038"/>
+              <a:gd name="connsiteX2" fmla="*/ 291024 w 1147198"/>
+              <a:gd name="connsiteY2" fmla="*/ 310781 h 2242038"/>
+              <a:gd name="connsiteX3" fmla="*/ 271974 w 1147198"/>
+              <a:gd name="connsiteY3" fmla="*/ 323481 h 2242038"/>
+              <a:gd name="connsiteX4" fmla="*/ 122749 w 1147198"/>
+              <a:gd name="connsiteY4" fmla="*/ 170574 h 2242038"/>
+              <a:gd name="connsiteX5" fmla="*/ 1147198 w 1147198"/>
+              <a:gd name="connsiteY5" fmla="*/ 0 h 2242038"/>
+              <a:gd name="connsiteX6" fmla="*/ 668849 w 1147198"/>
+              <a:gd name="connsiteY6" fmla="*/ 883525 h 2242038"/>
+              <a:gd name="connsiteX7" fmla="*/ 579949 w 1147198"/>
+              <a:gd name="connsiteY7" fmla="*/ 740143 h 2242038"/>
+              <a:gd name="connsiteX8" fmla="*/ 564074 w 1147198"/>
+              <a:gd name="connsiteY8" fmla="*/ 746493 h 2242038"/>
+              <a:gd name="connsiteX9" fmla="*/ 486891 w 1147198"/>
+              <a:gd name="connsiteY9" fmla="*/ 843277 h 2242038"/>
+              <a:gd name="connsiteX10" fmla="*/ 476987 w 1147198"/>
+              <a:gd name="connsiteY10" fmla="*/ 979630 h 2242038"/>
+              <a:gd name="connsiteX11" fmla="*/ 476987 w 1147198"/>
+              <a:gd name="connsiteY11" fmla="*/ 2242038 h 2242038"/>
+              <a:gd name="connsiteX12" fmla="*/ 0 w 1147198"/>
+              <a:gd name="connsiteY12" fmla="*/ 2242038 h 2242038"/>
+              <a:gd name="connsiteX0" fmla="*/ 0 w 1147198"/>
+              <a:gd name="connsiteY0" fmla="*/ 2242038 h 2242038"/>
+              <a:gd name="connsiteX1" fmla="*/ 0 w 1147198"/>
+              <a:gd name="connsiteY1" fmla="*/ 979630 h 2242038"/>
+              <a:gd name="connsiteX2" fmla="*/ 291024 w 1147198"/>
+              <a:gd name="connsiteY2" fmla="*/ 310781 h 2242038"/>
+              <a:gd name="connsiteX3" fmla="*/ 271974 w 1147198"/>
+              <a:gd name="connsiteY3" fmla="*/ 323481 h 2242038"/>
+              <a:gd name="connsiteX4" fmla="*/ 122749 w 1147198"/>
+              <a:gd name="connsiteY4" fmla="*/ 170574 h 2242038"/>
+              <a:gd name="connsiteX5" fmla="*/ 1147198 w 1147198"/>
+              <a:gd name="connsiteY5" fmla="*/ 0 h 2242038"/>
+              <a:gd name="connsiteX6" fmla="*/ 668849 w 1147198"/>
+              <a:gd name="connsiteY6" fmla="*/ 883525 h 2242038"/>
+              <a:gd name="connsiteX7" fmla="*/ 579949 w 1147198"/>
+              <a:gd name="connsiteY7" fmla="*/ 740143 h 2242038"/>
+              <a:gd name="connsiteX8" fmla="*/ 564074 w 1147198"/>
+              <a:gd name="connsiteY8" fmla="*/ 746493 h 2242038"/>
+              <a:gd name="connsiteX9" fmla="*/ 486891 w 1147198"/>
+              <a:gd name="connsiteY9" fmla="*/ 843277 h 2242038"/>
+              <a:gd name="connsiteX10" fmla="*/ 476987 w 1147198"/>
+              <a:gd name="connsiteY10" fmla="*/ 979630 h 2242038"/>
+              <a:gd name="connsiteX11" fmla="*/ 476987 w 1147198"/>
+              <a:gd name="connsiteY11" fmla="*/ 2242038 h 2242038"/>
+              <a:gd name="connsiteX12" fmla="*/ 0 w 1147198"/>
+              <a:gd name="connsiteY12" fmla="*/ 2242038 h 2242038"/>
+              <a:gd name="connsiteX0" fmla="*/ 0 w 1147198"/>
+              <a:gd name="connsiteY0" fmla="*/ 2242038 h 2242038"/>
+              <a:gd name="connsiteX1" fmla="*/ 0 w 1147198"/>
+              <a:gd name="connsiteY1" fmla="*/ 979630 h 2242038"/>
+              <a:gd name="connsiteX2" fmla="*/ 291024 w 1147198"/>
+              <a:gd name="connsiteY2" fmla="*/ 310781 h 2242038"/>
+              <a:gd name="connsiteX3" fmla="*/ 271974 w 1147198"/>
+              <a:gd name="connsiteY3" fmla="*/ 323481 h 2242038"/>
+              <a:gd name="connsiteX4" fmla="*/ 122749 w 1147198"/>
+              <a:gd name="connsiteY4" fmla="*/ 170574 h 2242038"/>
+              <a:gd name="connsiteX5" fmla="*/ 1147198 w 1147198"/>
+              <a:gd name="connsiteY5" fmla="*/ 0 h 2242038"/>
+              <a:gd name="connsiteX6" fmla="*/ 732771 w 1147198"/>
+              <a:gd name="connsiteY6" fmla="*/ 915487 h 2242038"/>
+              <a:gd name="connsiteX7" fmla="*/ 579949 w 1147198"/>
+              <a:gd name="connsiteY7" fmla="*/ 740143 h 2242038"/>
+              <a:gd name="connsiteX8" fmla="*/ 564074 w 1147198"/>
+              <a:gd name="connsiteY8" fmla="*/ 746493 h 2242038"/>
+              <a:gd name="connsiteX9" fmla="*/ 486891 w 1147198"/>
+              <a:gd name="connsiteY9" fmla="*/ 843277 h 2242038"/>
+              <a:gd name="connsiteX10" fmla="*/ 476987 w 1147198"/>
+              <a:gd name="connsiteY10" fmla="*/ 979630 h 2242038"/>
+              <a:gd name="connsiteX11" fmla="*/ 476987 w 1147198"/>
+              <a:gd name="connsiteY11" fmla="*/ 2242038 h 2242038"/>
+              <a:gd name="connsiteX12" fmla="*/ 0 w 1147198"/>
+              <a:gd name="connsiteY12" fmla="*/ 2242038 h 2242038"/>
+              <a:gd name="connsiteX0" fmla="*/ 0 w 1147198"/>
+              <a:gd name="connsiteY0" fmla="*/ 2242038 h 2242038"/>
+              <a:gd name="connsiteX1" fmla="*/ 0 w 1147198"/>
+              <a:gd name="connsiteY1" fmla="*/ 979630 h 2242038"/>
+              <a:gd name="connsiteX2" fmla="*/ 291024 w 1147198"/>
+              <a:gd name="connsiteY2" fmla="*/ 310781 h 2242038"/>
+              <a:gd name="connsiteX3" fmla="*/ 271974 w 1147198"/>
+              <a:gd name="connsiteY3" fmla="*/ 323481 h 2242038"/>
+              <a:gd name="connsiteX4" fmla="*/ 58826 w 1147198"/>
+              <a:gd name="connsiteY4" fmla="*/ 130622 h 2242038"/>
+              <a:gd name="connsiteX5" fmla="*/ 1147198 w 1147198"/>
+              <a:gd name="connsiteY5" fmla="*/ 0 h 2242038"/>
+              <a:gd name="connsiteX6" fmla="*/ 732771 w 1147198"/>
+              <a:gd name="connsiteY6" fmla="*/ 915487 h 2242038"/>
+              <a:gd name="connsiteX7" fmla="*/ 579949 w 1147198"/>
+              <a:gd name="connsiteY7" fmla="*/ 740143 h 2242038"/>
+              <a:gd name="connsiteX8" fmla="*/ 564074 w 1147198"/>
+              <a:gd name="connsiteY8" fmla="*/ 746493 h 2242038"/>
+              <a:gd name="connsiteX9" fmla="*/ 486891 w 1147198"/>
+              <a:gd name="connsiteY9" fmla="*/ 843277 h 2242038"/>
+              <a:gd name="connsiteX10" fmla="*/ 476987 w 1147198"/>
+              <a:gd name="connsiteY10" fmla="*/ 979630 h 2242038"/>
+              <a:gd name="connsiteX11" fmla="*/ 476987 w 1147198"/>
+              <a:gd name="connsiteY11" fmla="*/ 2242038 h 2242038"/>
+              <a:gd name="connsiteX12" fmla="*/ 0 w 1147198"/>
+              <a:gd name="connsiteY12" fmla="*/ 2242038 h 2242038"/>
+            </a:gdLst>
+            <a:ahLst/>
+            <a:cxnLst>
+              <a:cxn ang="0">
+                <a:pos x="connsiteX0" y="connsiteY0"/>
+              </a:cxn>
+              <a:cxn ang="0">
+                <a:pos x="connsiteX1" y="connsiteY1"/>
+              </a:cxn>
+              <a:cxn ang="0">
+                <a:pos x="connsiteX2" y="connsiteY2"/>
+              </a:cxn>
+              <a:cxn ang="0">
+                <a:pos x="connsiteX3" y="connsiteY3"/>
+              </a:cxn>
+              <a:cxn ang="0">
+                <a:pos x="connsiteX4" y="connsiteY4"/>
+              </a:cxn>
+              <a:cxn ang="0">
+                <a:pos x="connsiteX5" y="connsiteY5"/>
+              </a:cxn>
+              <a:cxn ang="0">
+                <a:pos x="connsiteX6" y="connsiteY6"/>
+              </a:cxn>
+              <a:cxn ang="0">
+                <a:pos x="connsiteX7" y="connsiteY7"/>
+              </a:cxn>
+              <a:cxn ang="0">
+                <a:pos x="connsiteX8" y="connsiteY8"/>
+              </a:cxn>
+              <a:cxn ang="0">
+                <a:pos x="connsiteX9" y="connsiteY9"/>
+              </a:cxn>
+              <a:cxn ang="0">
+                <a:pos x="connsiteX10" y="connsiteY10"/>
+              </a:cxn>
+              <a:cxn ang="0">
+                <a:pos x="connsiteX11" y="connsiteY11"/>
+              </a:cxn>
+              <a:cxn ang="0">
+                <a:pos x="connsiteX12" y="connsiteY12"/>
+              </a:cxn>
+            </a:cxnLst>
+            <a:rect l="l" t="t" r="r" b="b"/>
+            <a:pathLst>
+              <a:path w="1147198" h="2242038">
+                <a:moveTo>
+                  <a:pt x="0" y="2242038"/>
+                </a:moveTo>
+                <a:lnTo>
+                  <a:pt x="0" y="979630"/>
+                </a:lnTo>
+                <a:cubicBezTo>
+                  <a:pt x="0" y="487490"/>
+                  <a:pt x="110034" y="358406"/>
+                  <a:pt x="291024" y="310781"/>
+                </a:cubicBezTo>
+                <a:lnTo>
+                  <a:pt x="271974" y="323481"/>
+                </a:lnTo>
+                <a:lnTo>
+                  <a:pt x="58826" y="130622"/>
+                </a:lnTo>
+                <a:lnTo>
+                  <a:pt x="1147198" y="0"/>
+                </a:lnTo>
+                <a:lnTo>
+                  <a:pt x="732771" y="915487"/>
+                </a:lnTo>
+                <a:lnTo>
+                  <a:pt x="579949" y="740143"/>
+                </a:lnTo>
+                <a:lnTo>
+                  <a:pt x="564074" y="746493"/>
+                </a:lnTo>
+                <a:cubicBezTo>
+                  <a:pt x="472894" y="774266"/>
+                  <a:pt x="482355" y="966346"/>
+                  <a:pt x="486891" y="843277"/>
+                </a:cubicBezTo>
+                <a:cubicBezTo>
+                  <a:pt x="472377" y="882133"/>
+                  <a:pt x="478638" y="742270"/>
+                  <a:pt x="476987" y="979630"/>
+                </a:cubicBezTo>
+                <a:lnTo>
+                  <a:pt x="476987" y="2242038"/>
+                </a:lnTo>
+                <a:lnTo>
+                  <a:pt x="0" y="2242038"/>
+                </a:lnTo>
+                <a:close/>
+              </a:path>
+            </a:pathLst>
+          </a:custGeom>
+          <a:solidFill>
+            <a:srgbClr val="FF0000"/>
+          </a:solidFill>
+          <a:ln>
+            <a:solidFill>
+              <a:schemeClr val="accent3">
+                <a:lumMod val="50000"/>
+              </a:schemeClr>
+            </a:solidFill>
+          </a:ln>
+        </p:spPr>
+        <p:style>
+          <a:lnRef idx="2">
+            <a:schemeClr val="accent3">
+              <a:shade val="50000"/>
+            </a:schemeClr>
+          </a:lnRef>
+          <a:fillRef idx="1">
+            <a:schemeClr val="accent3"/>
+          </a:fillRef>
+          <a:effectRef idx="0">
+            <a:schemeClr val="accent3"/>
+          </a:effectRef>
+          <a:fontRef idx="minor">
+            <a:schemeClr val="lt1"/>
+          </a:fontRef>
+        </p:style>
+        <p:txBody>
+          <a:bodyPr rtlCol="0" anchor="ctr"/>
+          <a:lstStyle/>
+          <a:p>
+            <a:pPr algn="ctr"/>
+            <a:endParaRPr lang="pl-PL" dirty="0"/>
+          </a:p>
+        </p:txBody>
+      </p:sp>
+      <p:sp>
+        <p:nvSpPr>
+          <p:cNvPr id="29" name="Bent Arrow 20"/>
+          <p:cNvSpPr>
+            <a:spLocks/>
+          </p:cNvSpPr>
+          <p:nvPr/>
+        </p:nvSpPr>
+        <p:spPr>
+          <a:xfrm flipH="1">
+            <a:off x="3426954" y="3685063"/>
+            <a:ext cx="355402" cy="694583"/>
+          </a:xfrm>
+          <a:custGeom>
+            <a:avLst/>
+            <a:gdLst>
+              <a:gd name="connsiteX0" fmla="*/ 0 w 1782198"/>
+              <a:gd name="connsiteY0" fmla="*/ 2376264 h 2376264"/>
+              <a:gd name="connsiteX1" fmla="*/ 0 w 1782198"/>
+              <a:gd name="connsiteY1" fmla="*/ 1113856 h 2376264"/>
+              <a:gd name="connsiteX2" fmla="*/ 891099 w 1782198"/>
+              <a:gd name="connsiteY2" fmla="*/ 222757 h 2376264"/>
+              <a:gd name="connsiteX3" fmla="*/ 891099 w 1782198"/>
+              <a:gd name="connsiteY3" fmla="*/ 222757 h 2376264"/>
+              <a:gd name="connsiteX4" fmla="*/ 891099 w 1782198"/>
+              <a:gd name="connsiteY4" fmla="*/ 0 h 2376264"/>
+              <a:gd name="connsiteX5" fmla="*/ 1782198 w 1782198"/>
+              <a:gd name="connsiteY5" fmla="*/ 461251 h 2376264"/>
+              <a:gd name="connsiteX6" fmla="*/ 891099 w 1782198"/>
+              <a:gd name="connsiteY6" fmla="*/ 922501 h 2376264"/>
+              <a:gd name="connsiteX7" fmla="*/ 891099 w 1782198"/>
+              <a:gd name="connsiteY7" fmla="*/ 699744 h 2376264"/>
+              <a:gd name="connsiteX8" fmla="*/ 891099 w 1782198"/>
+              <a:gd name="connsiteY8" fmla="*/ 699744 h 2376264"/>
+              <a:gd name="connsiteX9" fmla="*/ 476987 w 1782198"/>
+              <a:gd name="connsiteY9" fmla="*/ 1113856 h 2376264"/>
+              <a:gd name="connsiteX10" fmla="*/ 476987 w 1782198"/>
+              <a:gd name="connsiteY10" fmla="*/ 2376264 h 2376264"/>
+              <a:gd name="connsiteX11" fmla="*/ 0 w 1782198"/>
+              <a:gd name="connsiteY11" fmla="*/ 2376264 h 2376264"/>
+              <a:gd name="connsiteX0" fmla="*/ 0 w 1782198"/>
+              <a:gd name="connsiteY0" fmla="*/ 2376264 h 2376264"/>
+              <a:gd name="connsiteX1" fmla="*/ 0 w 1782198"/>
+              <a:gd name="connsiteY1" fmla="*/ 1113856 h 2376264"/>
+              <a:gd name="connsiteX2" fmla="*/ 891099 w 1782198"/>
+              <a:gd name="connsiteY2" fmla="*/ 222757 h 2376264"/>
+              <a:gd name="connsiteX3" fmla="*/ 891099 w 1782198"/>
+              <a:gd name="connsiteY3" fmla="*/ 222757 h 2376264"/>
+              <a:gd name="connsiteX4" fmla="*/ 891099 w 1782198"/>
+              <a:gd name="connsiteY4" fmla="*/ 0 h 2376264"/>
+              <a:gd name="connsiteX5" fmla="*/ 1782198 w 1782198"/>
+              <a:gd name="connsiteY5" fmla="*/ 461251 h 2376264"/>
+              <a:gd name="connsiteX6" fmla="*/ 668849 w 1782198"/>
+              <a:gd name="connsiteY6" fmla="*/ 1017751 h 2376264"/>
+              <a:gd name="connsiteX7" fmla="*/ 891099 w 1782198"/>
+              <a:gd name="connsiteY7" fmla="*/ 699744 h 2376264"/>
+              <a:gd name="connsiteX8" fmla="*/ 891099 w 1782198"/>
+              <a:gd name="connsiteY8" fmla="*/ 699744 h 2376264"/>
+              <a:gd name="connsiteX9" fmla="*/ 476987 w 1782198"/>
+              <a:gd name="connsiteY9" fmla="*/ 1113856 h 2376264"/>
+              <a:gd name="connsiteX10" fmla="*/ 476987 w 1782198"/>
+              <a:gd name="connsiteY10" fmla="*/ 2376264 h 2376264"/>
+              <a:gd name="connsiteX11" fmla="*/ 0 w 1782198"/>
+              <a:gd name="connsiteY11" fmla="*/ 2376264 h 2376264"/>
+              <a:gd name="connsiteX0" fmla="*/ 0 w 1782198"/>
+              <a:gd name="connsiteY0" fmla="*/ 2376264 h 2376264"/>
+              <a:gd name="connsiteX1" fmla="*/ 0 w 1782198"/>
+              <a:gd name="connsiteY1" fmla="*/ 1113856 h 2376264"/>
+              <a:gd name="connsiteX2" fmla="*/ 891099 w 1782198"/>
+              <a:gd name="connsiteY2" fmla="*/ 222757 h 2376264"/>
+              <a:gd name="connsiteX3" fmla="*/ 891099 w 1782198"/>
+              <a:gd name="connsiteY3" fmla="*/ 222757 h 2376264"/>
+              <a:gd name="connsiteX4" fmla="*/ 891099 w 1782198"/>
+              <a:gd name="connsiteY4" fmla="*/ 0 h 2376264"/>
+              <a:gd name="connsiteX5" fmla="*/ 1782198 w 1782198"/>
+              <a:gd name="connsiteY5" fmla="*/ 461251 h 2376264"/>
+              <a:gd name="connsiteX6" fmla="*/ 668849 w 1782198"/>
+              <a:gd name="connsiteY6" fmla="*/ 1017751 h 2376264"/>
+              <a:gd name="connsiteX7" fmla="*/ 891099 w 1782198"/>
+              <a:gd name="connsiteY7" fmla="*/ 699744 h 2376264"/>
+              <a:gd name="connsiteX8" fmla="*/ 564074 w 1782198"/>
+              <a:gd name="connsiteY8" fmla="*/ 880719 h 2376264"/>
+              <a:gd name="connsiteX9" fmla="*/ 476987 w 1782198"/>
+              <a:gd name="connsiteY9" fmla="*/ 1113856 h 2376264"/>
+              <a:gd name="connsiteX10" fmla="*/ 476987 w 1782198"/>
+              <a:gd name="connsiteY10" fmla="*/ 2376264 h 2376264"/>
+              <a:gd name="connsiteX11" fmla="*/ 0 w 1782198"/>
+              <a:gd name="connsiteY11" fmla="*/ 2376264 h 2376264"/>
+              <a:gd name="connsiteX0" fmla="*/ 0 w 1782198"/>
+              <a:gd name="connsiteY0" fmla="*/ 2376264 h 2376264"/>
+              <a:gd name="connsiteX1" fmla="*/ 0 w 1782198"/>
+              <a:gd name="connsiteY1" fmla="*/ 1113856 h 2376264"/>
+              <a:gd name="connsiteX2" fmla="*/ 891099 w 1782198"/>
+              <a:gd name="connsiteY2" fmla="*/ 222757 h 2376264"/>
+              <a:gd name="connsiteX3" fmla="*/ 891099 w 1782198"/>
+              <a:gd name="connsiteY3" fmla="*/ 222757 h 2376264"/>
+              <a:gd name="connsiteX4" fmla="*/ 891099 w 1782198"/>
+              <a:gd name="connsiteY4" fmla="*/ 0 h 2376264"/>
+              <a:gd name="connsiteX5" fmla="*/ 1782198 w 1782198"/>
+              <a:gd name="connsiteY5" fmla="*/ 461251 h 2376264"/>
+              <a:gd name="connsiteX6" fmla="*/ 668849 w 1782198"/>
+              <a:gd name="connsiteY6" fmla="*/ 1017751 h 2376264"/>
+              <a:gd name="connsiteX7" fmla="*/ 891099 w 1782198"/>
+              <a:gd name="connsiteY7" fmla="*/ 699744 h 2376264"/>
+              <a:gd name="connsiteX8" fmla="*/ 564074 w 1782198"/>
+              <a:gd name="connsiteY8" fmla="*/ 880719 h 2376264"/>
+              <a:gd name="connsiteX9" fmla="*/ 476987 w 1782198"/>
+              <a:gd name="connsiteY9" fmla="*/ 1113856 h 2376264"/>
+              <a:gd name="connsiteX10" fmla="*/ 476987 w 1782198"/>
+              <a:gd name="connsiteY10" fmla="*/ 2376264 h 2376264"/>
+              <a:gd name="connsiteX11" fmla="*/ 0 w 1782198"/>
+              <a:gd name="connsiteY11" fmla="*/ 2376264 h 2376264"/>
+              <a:gd name="connsiteX0" fmla="*/ 0 w 1782198"/>
+              <a:gd name="connsiteY0" fmla="*/ 2376264 h 2376264"/>
+              <a:gd name="connsiteX1" fmla="*/ 0 w 1782198"/>
+              <a:gd name="connsiteY1" fmla="*/ 1113856 h 2376264"/>
+              <a:gd name="connsiteX2" fmla="*/ 891099 w 1782198"/>
+              <a:gd name="connsiteY2" fmla="*/ 222757 h 2376264"/>
+              <a:gd name="connsiteX3" fmla="*/ 891099 w 1782198"/>
+              <a:gd name="connsiteY3" fmla="*/ 222757 h 2376264"/>
+              <a:gd name="connsiteX4" fmla="*/ 891099 w 1782198"/>
+              <a:gd name="connsiteY4" fmla="*/ 0 h 2376264"/>
+              <a:gd name="connsiteX5" fmla="*/ 1782198 w 1782198"/>
+              <a:gd name="connsiteY5" fmla="*/ 461251 h 2376264"/>
+              <a:gd name="connsiteX6" fmla="*/ 668849 w 1782198"/>
+              <a:gd name="connsiteY6" fmla="*/ 1017751 h 2376264"/>
+              <a:gd name="connsiteX7" fmla="*/ 891099 w 1782198"/>
+              <a:gd name="connsiteY7" fmla="*/ 699744 h 2376264"/>
+              <a:gd name="connsiteX8" fmla="*/ 564074 w 1782198"/>
+              <a:gd name="connsiteY8" fmla="*/ 880719 h 2376264"/>
+              <a:gd name="connsiteX9" fmla="*/ 486891 w 1782198"/>
+              <a:gd name="connsiteY9" fmla="*/ 977503 h 2376264"/>
+              <a:gd name="connsiteX10" fmla="*/ 476987 w 1782198"/>
+              <a:gd name="connsiteY10" fmla="*/ 1113856 h 2376264"/>
+              <a:gd name="connsiteX11" fmla="*/ 476987 w 1782198"/>
+              <a:gd name="connsiteY11" fmla="*/ 2376264 h 2376264"/>
+              <a:gd name="connsiteX12" fmla="*/ 0 w 1782198"/>
+              <a:gd name="connsiteY12" fmla="*/ 2376264 h 2376264"/>
+              <a:gd name="connsiteX0" fmla="*/ 0 w 1782198"/>
+              <a:gd name="connsiteY0" fmla="*/ 2376264 h 2376264"/>
+              <a:gd name="connsiteX1" fmla="*/ 0 w 1782198"/>
+              <a:gd name="connsiteY1" fmla="*/ 1113856 h 2376264"/>
+              <a:gd name="connsiteX2" fmla="*/ 891099 w 1782198"/>
+              <a:gd name="connsiteY2" fmla="*/ 222757 h 2376264"/>
+              <a:gd name="connsiteX3" fmla="*/ 891099 w 1782198"/>
+              <a:gd name="connsiteY3" fmla="*/ 222757 h 2376264"/>
+              <a:gd name="connsiteX4" fmla="*/ 891099 w 1782198"/>
+              <a:gd name="connsiteY4" fmla="*/ 0 h 2376264"/>
+              <a:gd name="connsiteX5" fmla="*/ 1782198 w 1782198"/>
+              <a:gd name="connsiteY5" fmla="*/ 461251 h 2376264"/>
+              <a:gd name="connsiteX6" fmla="*/ 668849 w 1782198"/>
+              <a:gd name="connsiteY6" fmla="*/ 1017751 h 2376264"/>
+              <a:gd name="connsiteX7" fmla="*/ 579949 w 1782198"/>
+              <a:gd name="connsiteY7" fmla="*/ 874369 h 2376264"/>
+              <a:gd name="connsiteX8" fmla="*/ 564074 w 1782198"/>
+              <a:gd name="connsiteY8" fmla="*/ 880719 h 2376264"/>
+              <a:gd name="connsiteX9" fmla="*/ 486891 w 1782198"/>
+              <a:gd name="connsiteY9" fmla="*/ 977503 h 2376264"/>
+              <a:gd name="connsiteX10" fmla="*/ 476987 w 1782198"/>
+              <a:gd name="connsiteY10" fmla="*/ 1113856 h 2376264"/>
+              <a:gd name="connsiteX11" fmla="*/ 476987 w 1782198"/>
+              <a:gd name="connsiteY11" fmla="*/ 2376264 h 2376264"/>
+              <a:gd name="connsiteX12" fmla="*/ 0 w 1782198"/>
+              <a:gd name="connsiteY12" fmla="*/ 2376264 h 2376264"/>
+              <a:gd name="connsiteX0" fmla="*/ 0 w 1782198"/>
+              <a:gd name="connsiteY0" fmla="*/ 2376264 h 2376264"/>
+              <a:gd name="connsiteX1" fmla="*/ 0 w 1782198"/>
+              <a:gd name="connsiteY1" fmla="*/ 1113856 h 2376264"/>
+              <a:gd name="connsiteX2" fmla="*/ 891099 w 1782198"/>
+              <a:gd name="connsiteY2" fmla="*/ 222757 h 2376264"/>
+              <a:gd name="connsiteX3" fmla="*/ 271974 w 1782198"/>
+              <a:gd name="connsiteY3" fmla="*/ 457707 h 2376264"/>
+              <a:gd name="connsiteX4" fmla="*/ 891099 w 1782198"/>
+              <a:gd name="connsiteY4" fmla="*/ 0 h 2376264"/>
+              <a:gd name="connsiteX5" fmla="*/ 1782198 w 1782198"/>
+              <a:gd name="connsiteY5" fmla="*/ 461251 h 2376264"/>
+              <a:gd name="connsiteX6" fmla="*/ 668849 w 1782198"/>
+              <a:gd name="connsiteY6" fmla="*/ 1017751 h 2376264"/>
+              <a:gd name="connsiteX7" fmla="*/ 579949 w 1782198"/>
+              <a:gd name="connsiteY7" fmla="*/ 874369 h 2376264"/>
+              <a:gd name="connsiteX8" fmla="*/ 564074 w 1782198"/>
+              <a:gd name="connsiteY8" fmla="*/ 880719 h 2376264"/>
+              <a:gd name="connsiteX9" fmla="*/ 486891 w 1782198"/>
+              <a:gd name="connsiteY9" fmla="*/ 977503 h 2376264"/>
+              <a:gd name="connsiteX10" fmla="*/ 476987 w 1782198"/>
+              <a:gd name="connsiteY10" fmla="*/ 1113856 h 2376264"/>
+              <a:gd name="connsiteX11" fmla="*/ 476987 w 1782198"/>
+              <a:gd name="connsiteY11" fmla="*/ 2376264 h 2376264"/>
+              <a:gd name="connsiteX12" fmla="*/ 0 w 1782198"/>
+              <a:gd name="connsiteY12" fmla="*/ 2376264 h 2376264"/>
+              <a:gd name="connsiteX0" fmla="*/ 0 w 1782198"/>
+              <a:gd name="connsiteY0" fmla="*/ 2153507 h 2153507"/>
+              <a:gd name="connsiteX1" fmla="*/ 0 w 1782198"/>
+              <a:gd name="connsiteY1" fmla="*/ 891099 h 2153507"/>
+              <a:gd name="connsiteX2" fmla="*/ 891099 w 1782198"/>
+              <a:gd name="connsiteY2" fmla="*/ 0 h 2153507"/>
+              <a:gd name="connsiteX3" fmla="*/ 271974 w 1782198"/>
+              <a:gd name="connsiteY3" fmla="*/ 234950 h 2153507"/>
+              <a:gd name="connsiteX4" fmla="*/ 122749 w 1782198"/>
+              <a:gd name="connsiteY4" fmla="*/ 82043 h 2153507"/>
+              <a:gd name="connsiteX5" fmla="*/ 1782198 w 1782198"/>
+              <a:gd name="connsiteY5" fmla="*/ 238494 h 2153507"/>
+              <a:gd name="connsiteX6" fmla="*/ 668849 w 1782198"/>
+              <a:gd name="connsiteY6" fmla="*/ 794994 h 2153507"/>
+              <a:gd name="connsiteX7" fmla="*/ 579949 w 1782198"/>
+              <a:gd name="connsiteY7" fmla="*/ 651612 h 2153507"/>
+              <a:gd name="connsiteX8" fmla="*/ 564074 w 1782198"/>
+              <a:gd name="connsiteY8" fmla="*/ 657962 h 2153507"/>
+              <a:gd name="connsiteX9" fmla="*/ 486891 w 1782198"/>
+              <a:gd name="connsiteY9" fmla="*/ 754746 h 2153507"/>
+              <a:gd name="connsiteX10" fmla="*/ 476987 w 1782198"/>
+              <a:gd name="connsiteY10" fmla="*/ 891099 h 2153507"/>
+              <a:gd name="connsiteX11" fmla="*/ 476987 w 1782198"/>
+              <a:gd name="connsiteY11" fmla="*/ 2153507 h 2153507"/>
+              <a:gd name="connsiteX12" fmla="*/ 0 w 1782198"/>
+              <a:gd name="connsiteY12" fmla="*/ 2153507 h 2153507"/>
+              <a:gd name="connsiteX0" fmla="*/ 40678 w 1822876"/>
+              <a:gd name="connsiteY0" fmla="*/ 2071464 h 2071464"/>
+              <a:gd name="connsiteX1" fmla="*/ 40678 w 1822876"/>
+              <a:gd name="connsiteY1" fmla="*/ 809056 h 2071464"/>
+              <a:gd name="connsiteX2" fmla="*/ 331702 w 1822876"/>
+              <a:gd name="connsiteY2" fmla="*/ 140207 h 2071464"/>
+              <a:gd name="connsiteX3" fmla="*/ 312652 w 1822876"/>
+              <a:gd name="connsiteY3" fmla="*/ 152907 h 2071464"/>
+              <a:gd name="connsiteX4" fmla="*/ 163427 w 1822876"/>
+              <a:gd name="connsiteY4" fmla="*/ 0 h 2071464"/>
+              <a:gd name="connsiteX5" fmla="*/ 1822876 w 1822876"/>
+              <a:gd name="connsiteY5" fmla="*/ 156451 h 2071464"/>
+              <a:gd name="connsiteX6" fmla="*/ 709527 w 1822876"/>
+              <a:gd name="connsiteY6" fmla="*/ 712951 h 2071464"/>
+              <a:gd name="connsiteX7" fmla="*/ 620627 w 1822876"/>
+              <a:gd name="connsiteY7" fmla="*/ 569569 h 2071464"/>
+              <a:gd name="connsiteX8" fmla="*/ 604752 w 1822876"/>
+              <a:gd name="connsiteY8" fmla="*/ 575919 h 2071464"/>
+              <a:gd name="connsiteX9" fmla="*/ 527569 w 1822876"/>
+              <a:gd name="connsiteY9" fmla="*/ 672703 h 2071464"/>
+              <a:gd name="connsiteX10" fmla="*/ 517665 w 1822876"/>
+              <a:gd name="connsiteY10" fmla="*/ 809056 h 2071464"/>
+              <a:gd name="connsiteX11" fmla="*/ 517665 w 1822876"/>
+              <a:gd name="connsiteY11" fmla="*/ 2071464 h 2071464"/>
+              <a:gd name="connsiteX12" fmla="*/ 40678 w 1822876"/>
+              <a:gd name="connsiteY12" fmla="*/ 2071464 h 2071464"/>
+              <a:gd name="connsiteX0" fmla="*/ 0 w 1782198"/>
+              <a:gd name="connsiteY0" fmla="*/ 2071464 h 2071464"/>
+              <a:gd name="connsiteX1" fmla="*/ 0 w 1782198"/>
+              <a:gd name="connsiteY1" fmla="*/ 809056 h 2071464"/>
+              <a:gd name="connsiteX2" fmla="*/ 291024 w 1782198"/>
+              <a:gd name="connsiteY2" fmla="*/ 140207 h 2071464"/>
+              <a:gd name="connsiteX3" fmla="*/ 271974 w 1782198"/>
+              <a:gd name="connsiteY3" fmla="*/ 152907 h 2071464"/>
+              <a:gd name="connsiteX4" fmla="*/ 122749 w 1782198"/>
+              <a:gd name="connsiteY4" fmla="*/ 0 h 2071464"/>
+              <a:gd name="connsiteX5" fmla="*/ 1782198 w 1782198"/>
+              <a:gd name="connsiteY5" fmla="*/ 156451 h 2071464"/>
+              <a:gd name="connsiteX6" fmla="*/ 668849 w 1782198"/>
+              <a:gd name="connsiteY6" fmla="*/ 712951 h 2071464"/>
+              <a:gd name="connsiteX7" fmla="*/ 579949 w 1782198"/>
+              <a:gd name="connsiteY7" fmla="*/ 569569 h 2071464"/>
+              <a:gd name="connsiteX8" fmla="*/ 564074 w 1782198"/>
+              <a:gd name="connsiteY8" fmla="*/ 575919 h 2071464"/>
+              <a:gd name="connsiteX9" fmla="*/ 486891 w 1782198"/>
+              <a:gd name="connsiteY9" fmla="*/ 672703 h 2071464"/>
+              <a:gd name="connsiteX10" fmla="*/ 476987 w 1782198"/>
+              <a:gd name="connsiteY10" fmla="*/ 809056 h 2071464"/>
+              <a:gd name="connsiteX11" fmla="*/ 476987 w 1782198"/>
+              <a:gd name="connsiteY11" fmla="*/ 2071464 h 2071464"/>
+              <a:gd name="connsiteX12" fmla="*/ 0 w 1782198"/>
+              <a:gd name="connsiteY12" fmla="*/ 2071464 h 2071464"/>
+              <a:gd name="connsiteX0" fmla="*/ 0 w 1147198"/>
+              <a:gd name="connsiteY0" fmla="*/ 2242038 h 2242038"/>
+              <a:gd name="connsiteX1" fmla="*/ 0 w 1147198"/>
+              <a:gd name="connsiteY1" fmla="*/ 979630 h 2242038"/>
+              <a:gd name="connsiteX2" fmla="*/ 291024 w 1147198"/>
+              <a:gd name="connsiteY2" fmla="*/ 310781 h 2242038"/>
+              <a:gd name="connsiteX3" fmla="*/ 271974 w 1147198"/>
+              <a:gd name="connsiteY3" fmla="*/ 323481 h 2242038"/>
+              <a:gd name="connsiteX4" fmla="*/ 122749 w 1147198"/>
+              <a:gd name="connsiteY4" fmla="*/ 170574 h 2242038"/>
+              <a:gd name="connsiteX5" fmla="*/ 1147198 w 1147198"/>
+              <a:gd name="connsiteY5" fmla="*/ 0 h 2242038"/>
+              <a:gd name="connsiteX6" fmla="*/ 668849 w 1147198"/>
+              <a:gd name="connsiteY6" fmla="*/ 883525 h 2242038"/>
+              <a:gd name="connsiteX7" fmla="*/ 579949 w 1147198"/>
+              <a:gd name="connsiteY7" fmla="*/ 740143 h 2242038"/>
+              <a:gd name="connsiteX8" fmla="*/ 564074 w 1147198"/>
+              <a:gd name="connsiteY8" fmla="*/ 746493 h 2242038"/>
+              <a:gd name="connsiteX9" fmla="*/ 486891 w 1147198"/>
+              <a:gd name="connsiteY9" fmla="*/ 843277 h 2242038"/>
+              <a:gd name="connsiteX10" fmla="*/ 476987 w 1147198"/>
+              <a:gd name="connsiteY10" fmla="*/ 979630 h 2242038"/>
+              <a:gd name="connsiteX11" fmla="*/ 476987 w 1147198"/>
+              <a:gd name="connsiteY11" fmla="*/ 2242038 h 2242038"/>
+              <a:gd name="connsiteX12" fmla="*/ 0 w 1147198"/>
+              <a:gd name="connsiteY12" fmla="*/ 2242038 h 2242038"/>
+              <a:gd name="connsiteX0" fmla="*/ 0 w 1147198"/>
+              <a:gd name="connsiteY0" fmla="*/ 2242038 h 2242038"/>
+              <a:gd name="connsiteX1" fmla="*/ 0 w 1147198"/>
+              <a:gd name="connsiteY1" fmla="*/ 979630 h 2242038"/>
+              <a:gd name="connsiteX2" fmla="*/ 291024 w 1147198"/>
+              <a:gd name="connsiteY2" fmla="*/ 310781 h 2242038"/>
+              <a:gd name="connsiteX3" fmla="*/ 271974 w 1147198"/>
+              <a:gd name="connsiteY3" fmla="*/ 323481 h 2242038"/>
+              <a:gd name="connsiteX4" fmla="*/ 122749 w 1147198"/>
+              <a:gd name="connsiteY4" fmla="*/ 170574 h 2242038"/>
+              <a:gd name="connsiteX5" fmla="*/ 1147198 w 1147198"/>
+              <a:gd name="connsiteY5" fmla="*/ 0 h 2242038"/>
+              <a:gd name="connsiteX6" fmla="*/ 668849 w 1147198"/>
+              <a:gd name="connsiteY6" fmla="*/ 883525 h 2242038"/>
+              <a:gd name="connsiteX7" fmla="*/ 579949 w 1147198"/>
+              <a:gd name="connsiteY7" fmla="*/ 740143 h 2242038"/>
+              <a:gd name="connsiteX8" fmla="*/ 564074 w 1147198"/>
+              <a:gd name="connsiteY8" fmla="*/ 746493 h 2242038"/>
+              <a:gd name="connsiteX9" fmla="*/ 486891 w 1147198"/>
+              <a:gd name="connsiteY9" fmla="*/ 843277 h 2242038"/>
+              <a:gd name="connsiteX10" fmla="*/ 476987 w 1147198"/>
+              <a:gd name="connsiteY10" fmla="*/ 979630 h 2242038"/>
+              <a:gd name="connsiteX11" fmla="*/ 476987 w 1147198"/>
+              <a:gd name="connsiteY11" fmla="*/ 2242038 h 2242038"/>
+              <a:gd name="connsiteX12" fmla="*/ 0 w 1147198"/>
+              <a:gd name="connsiteY12" fmla="*/ 2242038 h 2242038"/>
+              <a:gd name="connsiteX0" fmla="*/ 0 w 1147198"/>
+              <a:gd name="connsiteY0" fmla="*/ 2242038 h 2242038"/>
+              <a:gd name="connsiteX1" fmla="*/ 0 w 1147198"/>
+              <a:gd name="connsiteY1" fmla="*/ 979630 h 2242038"/>
+              <a:gd name="connsiteX2" fmla="*/ 291024 w 1147198"/>
+              <a:gd name="connsiteY2" fmla="*/ 310781 h 2242038"/>
+              <a:gd name="connsiteX3" fmla="*/ 271974 w 1147198"/>
+              <a:gd name="connsiteY3" fmla="*/ 323481 h 2242038"/>
+              <a:gd name="connsiteX4" fmla="*/ 122749 w 1147198"/>
+              <a:gd name="connsiteY4" fmla="*/ 170574 h 2242038"/>
+              <a:gd name="connsiteX5" fmla="*/ 1147198 w 1147198"/>
+              <a:gd name="connsiteY5" fmla="*/ 0 h 2242038"/>
+              <a:gd name="connsiteX6" fmla="*/ 668849 w 1147198"/>
+              <a:gd name="connsiteY6" fmla="*/ 883525 h 2242038"/>
+              <a:gd name="connsiteX7" fmla="*/ 579949 w 1147198"/>
+              <a:gd name="connsiteY7" fmla="*/ 740143 h 2242038"/>
+              <a:gd name="connsiteX8" fmla="*/ 564074 w 1147198"/>
+              <a:gd name="connsiteY8" fmla="*/ 746493 h 2242038"/>
+              <a:gd name="connsiteX9" fmla="*/ 486891 w 1147198"/>
+              <a:gd name="connsiteY9" fmla="*/ 843277 h 2242038"/>
+              <a:gd name="connsiteX10" fmla="*/ 476987 w 1147198"/>
+              <a:gd name="connsiteY10" fmla="*/ 979630 h 2242038"/>
+              <a:gd name="connsiteX11" fmla="*/ 476987 w 1147198"/>
+              <a:gd name="connsiteY11" fmla="*/ 2242038 h 2242038"/>
+              <a:gd name="connsiteX12" fmla="*/ 0 w 1147198"/>
+              <a:gd name="connsiteY12" fmla="*/ 2242038 h 2242038"/>
+              <a:gd name="connsiteX0" fmla="*/ 0 w 1147198"/>
+              <a:gd name="connsiteY0" fmla="*/ 2242038 h 2242038"/>
+              <a:gd name="connsiteX1" fmla="*/ 0 w 1147198"/>
+              <a:gd name="connsiteY1" fmla="*/ 979630 h 2242038"/>
+              <a:gd name="connsiteX2" fmla="*/ 291024 w 1147198"/>
+              <a:gd name="connsiteY2" fmla="*/ 310781 h 2242038"/>
+              <a:gd name="connsiteX3" fmla="*/ 271974 w 1147198"/>
+              <a:gd name="connsiteY3" fmla="*/ 323481 h 2242038"/>
+              <a:gd name="connsiteX4" fmla="*/ 122749 w 1147198"/>
+              <a:gd name="connsiteY4" fmla="*/ 170574 h 2242038"/>
+              <a:gd name="connsiteX5" fmla="*/ 1147198 w 1147198"/>
+              <a:gd name="connsiteY5" fmla="*/ 0 h 2242038"/>
+              <a:gd name="connsiteX6" fmla="*/ 732771 w 1147198"/>
+              <a:gd name="connsiteY6" fmla="*/ 915487 h 2242038"/>
+              <a:gd name="connsiteX7" fmla="*/ 579949 w 1147198"/>
+              <a:gd name="connsiteY7" fmla="*/ 740143 h 2242038"/>
+              <a:gd name="connsiteX8" fmla="*/ 564074 w 1147198"/>
+              <a:gd name="connsiteY8" fmla="*/ 746493 h 2242038"/>
+              <a:gd name="connsiteX9" fmla="*/ 486891 w 1147198"/>
+              <a:gd name="connsiteY9" fmla="*/ 843277 h 2242038"/>
+              <a:gd name="connsiteX10" fmla="*/ 476987 w 1147198"/>
+              <a:gd name="connsiteY10" fmla="*/ 979630 h 2242038"/>
+              <a:gd name="connsiteX11" fmla="*/ 476987 w 1147198"/>
+              <a:gd name="connsiteY11" fmla="*/ 2242038 h 2242038"/>
+              <a:gd name="connsiteX12" fmla="*/ 0 w 1147198"/>
+              <a:gd name="connsiteY12" fmla="*/ 2242038 h 2242038"/>
+              <a:gd name="connsiteX0" fmla="*/ 0 w 1147198"/>
+              <a:gd name="connsiteY0" fmla="*/ 2242038 h 2242038"/>
+              <a:gd name="connsiteX1" fmla="*/ 0 w 1147198"/>
+              <a:gd name="connsiteY1" fmla="*/ 979630 h 2242038"/>
+              <a:gd name="connsiteX2" fmla="*/ 291024 w 1147198"/>
+              <a:gd name="connsiteY2" fmla="*/ 310781 h 2242038"/>
+              <a:gd name="connsiteX3" fmla="*/ 271974 w 1147198"/>
+              <a:gd name="connsiteY3" fmla="*/ 323481 h 2242038"/>
+              <a:gd name="connsiteX4" fmla="*/ 58826 w 1147198"/>
+              <a:gd name="connsiteY4" fmla="*/ 130622 h 2242038"/>
+              <a:gd name="connsiteX5" fmla="*/ 1147198 w 1147198"/>
+              <a:gd name="connsiteY5" fmla="*/ 0 h 2242038"/>
+              <a:gd name="connsiteX6" fmla="*/ 732771 w 1147198"/>
+              <a:gd name="connsiteY6" fmla="*/ 915487 h 2242038"/>
+              <a:gd name="connsiteX7" fmla="*/ 579949 w 1147198"/>
+              <a:gd name="connsiteY7" fmla="*/ 740143 h 2242038"/>
+              <a:gd name="connsiteX8" fmla="*/ 564074 w 1147198"/>
+              <a:gd name="connsiteY8" fmla="*/ 746493 h 2242038"/>
+              <a:gd name="connsiteX9" fmla="*/ 486891 w 1147198"/>
+              <a:gd name="connsiteY9" fmla="*/ 843277 h 2242038"/>
+              <a:gd name="connsiteX10" fmla="*/ 476987 w 1147198"/>
+              <a:gd name="connsiteY10" fmla="*/ 979630 h 2242038"/>
+              <a:gd name="connsiteX11" fmla="*/ 476987 w 1147198"/>
+              <a:gd name="connsiteY11" fmla="*/ 2242038 h 2242038"/>
+              <a:gd name="connsiteX12" fmla="*/ 0 w 1147198"/>
+              <a:gd name="connsiteY12" fmla="*/ 2242038 h 2242038"/>
+            </a:gdLst>
+            <a:ahLst/>
+            <a:cxnLst>
+              <a:cxn ang="0">
+                <a:pos x="connsiteX0" y="connsiteY0"/>
+              </a:cxn>
+              <a:cxn ang="0">
+                <a:pos x="connsiteX1" y="connsiteY1"/>
+              </a:cxn>
+              <a:cxn ang="0">
+                <a:pos x="connsiteX2" y="connsiteY2"/>
+              </a:cxn>
+              <a:cxn ang="0">
+                <a:pos x="connsiteX3" y="connsiteY3"/>
+              </a:cxn>
+              <a:cxn ang="0">
+                <a:pos x="connsiteX4" y="connsiteY4"/>
+              </a:cxn>
+              <a:cxn ang="0">
+                <a:pos x="connsiteX5" y="connsiteY5"/>
+              </a:cxn>
+              <a:cxn ang="0">
+                <a:pos x="connsiteX6" y="connsiteY6"/>
+              </a:cxn>
+              <a:cxn ang="0">
+                <a:pos x="connsiteX7" y="connsiteY7"/>
+              </a:cxn>
+              <a:cxn ang="0">
+                <a:pos x="connsiteX8" y="connsiteY8"/>
+              </a:cxn>
+              <a:cxn ang="0">
+                <a:pos x="connsiteX9" y="connsiteY9"/>
+              </a:cxn>
+              <a:cxn ang="0">
+                <a:pos x="connsiteX10" y="connsiteY10"/>
+              </a:cxn>
+              <a:cxn ang="0">
+                <a:pos x="connsiteX11" y="connsiteY11"/>
+              </a:cxn>
+              <a:cxn ang="0">
+                <a:pos x="connsiteX12" y="connsiteY12"/>
+              </a:cxn>
+            </a:cxnLst>
+            <a:rect l="l" t="t" r="r" b="b"/>
+            <a:pathLst>
+              <a:path w="1147198" h="2242038">
+                <a:moveTo>
+                  <a:pt x="0" y="2242038"/>
+                </a:moveTo>
+                <a:lnTo>
+                  <a:pt x="0" y="979630"/>
+                </a:lnTo>
+                <a:cubicBezTo>
+                  <a:pt x="0" y="487490"/>
+                  <a:pt x="110034" y="358406"/>
+                  <a:pt x="291024" y="310781"/>
+                </a:cubicBezTo>
+                <a:lnTo>
+                  <a:pt x="271974" y="323481"/>
+                </a:lnTo>
+                <a:lnTo>
+                  <a:pt x="58826" y="130622"/>
+                </a:lnTo>
+                <a:lnTo>
+                  <a:pt x="1147198" y="0"/>
+                </a:lnTo>
+                <a:lnTo>
+                  <a:pt x="732771" y="915487"/>
+                </a:lnTo>
+                <a:lnTo>
+                  <a:pt x="579949" y="740143"/>
+                </a:lnTo>
+                <a:lnTo>
+                  <a:pt x="564074" y="746493"/>
+                </a:lnTo>
+                <a:cubicBezTo>
+                  <a:pt x="472894" y="774266"/>
+                  <a:pt x="482355" y="966346"/>
+                  <a:pt x="486891" y="843277"/>
+                </a:cubicBezTo>
+                <a:cubicBezTo>
+                  <a:pt x="472377" y="882133"/>
+                  <a:pt x="478638" y="742270"/>
+                  <a:pt x="476987" y="979630"/>
+                </a:cubicBezTo>
+                <a:lnTo>
+                  <a:pt x="476987" y="2242038"/>
+                </a:lnTo>
+                <a:lnTo>
+                  <a:pt x="0" y="2242038"/>
+                </a:lnTo>
+                <a:close/>
+              </a:path>
+            </a:pathLst>
+          </a:custGeom>
+          <a:solidFill>
+            <a:srgbClr val="FFC000"/>
+          </a:solidFill>
+          <a:ln>
+            <a:solidFill>
+              <a:schemeClr val="accent3">
+                <a:lumMod val="50000"/>
+              </a:schemeClr>
+            </a:solidFill>
+          </a:ln>
+        </p:spPr>
+        <p:style>
+          <a:lnRef idx="2">
+            <a:schemeClr val="accent3">
+              <a:shade val="50000"/>
+            </a:schemeClr>
+          </a:lnRef>
+          <a:fillRef idx="1">
+            <a:schemeClr val="accent3"/>
+          </a:fillRef>
+          <a:effectRef idx="0">
+            <a:schemeClr val="accent3"/>
+          </a:effectRef>
+          <a:fontRef idx="minor">
+            <a:schemeClr val="lt1"/>
+          </a:fontRef>
+        </p:style>
+        <p:txBody>
+          <a:bodyPr rtlCol="0" anchor="ctr"/>
+          <a:lstStyle/>
+          <a:p>
+            <a:pPr algn="ctr"/>
+            <a:endParaRPr lang="pl-PL" dirty="0"/>
+          </a:p>
+        </p:txBody>
+      </p:sp>
+      <p:sp>
+        <p:nvSpPr>
+          <p:cNvPr id="30" name="Bent Arrow 20"/>
+          <p:cNvSpPr>
+            <a:spLocks/>
+          </p:cNvSpPr>
+          <p:nvPr/>
+        </p:nvSpPr>
+        <p:spPr>
+          <a:xfrm flipH="1">
+            <a:off x="1729655" y="3573016"/>
+            <a:ext cx="355402" cy="694583"/>
+          </a:xfrm>
+          <a:custGeom>
+            <a:avLst/>
+            <a:gdLst>
+              <a:gd name="connsiteX0" fmla="*/ 0 w 1782198"/>
+              <a:gd name="connsiteY0" fmla="*/ 2376264 h 2376264"/>
+              <a:gd name="connsiteX1" fmla="*/ 0 w 1782198"/>
+              <a:gd name="connsiteY1" fmla="*/ 1113856 h 2376264"/>
+              <a:gd name="connsiteX2" fmla="*/ 891099 w 1782198"/>
+              <a:gd name="connsiteY2" fmla="*/ 222757 h 2376264"/>
+              <a:gd name="connsiteX3" fmla="*/ 891099 w 1782198"/>
+              <a:gd name="connsiteY3" fmla="*/ 222757 h 2376264"/>
+              <a:gd name="connsiteX4" fmla="*/ 891099 w 1782198"/>
+              <a:gd name="connsiteY4" fmla="*/ 0 h 2376264"/>
+              <a:gd name="connsiteX5" fmla="*/ 1782198 w 1782198"/>
+              <a:gd name="connsiteY5" fmla="*/ 461251 h 2376264"/>
+              <a:gd name="connsiteX6" fmla="*/ 891099 w 1782198"/>
+              <a:gd name="connsiteY6" fmla="*/ 922501 h 2376264"/>
+              <a:gd name="connsiteX7" fmla="*/ 891099 w 1782198"/>
+              <a:gd name="connsiteY7" fmla="*/ 699744 h 2376264"/>
+              <a:gd name="connsiteX8" fmla="*/ 891099 w 1782198"/>
+              <a:gd name="connsiteY8" fmla="*/ 699744 h 2376264"/>
+              <a:gd name="connsiteX9" fmla="*/ 476987 w 1782198"/>
+              <a:gd name="connsiteY9" fmla="*/ 1113856 h 2376264"/>
+              <a:gd name="connsiteX10" fmla="*/ 476987 w 1782198"/>
+              <a:gd name="connsiteY10" fmla="*/ 2376264 h 2376264"/>
+              <a:gd name="connsiteX11" fmla="*/ 0 w 1782198"/>
+              <a:gd name="connsiteY11" fmla="*/ 2376264 h 2376264"/>
+              <a:gd name="connsiteX0" fmla="*/ 0 w 1782198"/>
+              <a:gd name="connsiteY0" fmla="*/ 2376264 h 2376264"/>
+              <a:gd name="connsiteX1" fmla="*/ 0 w 1782198"/>
+              <a:gd name="connsiteY1" fmla="*/ 1113856 h 2376264"/>
+              <a:gd name="connsiteX2" fmla="*/ 891099 w 1782198"/>
+              <a:gd name="connsiteY2" fmla="*/ 222757 h 2376264"/>
+              <a:gd name="connsiteX3" fmla="*/ 891099 w 1782198"/>
+              <a:gd name="connsiteY3" fmla="*/ 222757 h 2376264"/>
+              <a:gd name="connsiteX4" fmla="*/ 891099 w 1782198"/>
+              <a:gd name="connsiteY4" fmla="*/ 0 h 2376264"/>
+              <a:gd name="connsiteX5" fmla="*/ 1782198 w 1782198"/>
+              <a:gd name="connsiteY5" fmla="*/ 461251 h 2376264"/>
+              <a:gd name="connsiteX6" fmla="*/ 668849 w 1782198"/>
+              <a:gd name="connsiteY6" fmla="*/ 1017751 h 2376264"/>
+              <a:gd name="connsiteX7" fmla="*/ 891099 w 1782198"/>
+              <a:gd name="connsiteY7" fmla="*/ 699744 h 2376264"/>
+              <a:gd name="connsiteX8" fmla="*/ 891099 w 1782198"/>
+              <a:gd name="connsiteY8" fmla="*/ 699744 h 2376264"/>
+              <a:gd name="connsiteX9" fmla="*/ 476987 w 1782198"/>
+              <a:gd name="connsiteY9" fmla="*/ 1113856 h 2376264"/>
+              <a:gd name="connsiteX10" fmla="*/ 476987 w 1782198"/>
+              <a:gd name="connsiteY10" fmla="*/ 2376264 h 2376264"/>
+              <a:gd name="connsiteX11" fmla="*/ 0 w 1782198"/>
+              <a:gd name="connsiteY11" fmla="*/ 2376264 h 2376264"/>
+              <a:gd name="connsiteX0" fmla="*/ 0 w 1782198"/>
+              <a:gd name="connsiteY0" fmla="*/ 2376264 h 2376264"/>
+              <a:gd name="connsiteX1" fmla="*/ 0 w 1782198"/>
+              <a:gd name="connsiteY1" fmla="*/ 1113856 h 2376264"/>
+              <a:gd name="connsiteX2" fmla="*/ 891099 w 1782198"/>
+              <a:gd name="connsiteY2" fmla="*/ 222757 h 2376264"/>
+              <a:gd name="connsiteX3" fmla="*/ 891099 w 1782198"/>
+              <a:gd name="connsiteY3" fmla="*/ 222757 h 2376264"/>
+              <a:gd name="connsiteX4" fmla="*/ 891099 w 1782198"/>
+              <a:gd name="connsiteY4" fmla="*/ 0 h 2376264"/>
+              <a:gd name="connsiteX5" fmla="*/ 1782198 w 1782198"/>
+              <a:gd name="connsiteY5" fmla="*/ 461251 h 2376264"/>
+              <a:gd name="connsiteX6" fmla="*/ 668849 w 1782198"/>
+              <a:gd name="connsiteY6" fmla="*/ 1017751 h 2376264"/>
+              <a:gd name="connsiteX7" fmla="*/ 891099 w 1782198"/>
+              <a:gd name="connsiteY7" fmla="*/ 699744 h 2376264"/>
+              <a:gd name="connsiteX8" fmla="*/ 564074 w 1782198"/>
+              <a:gd name="connsiteY8" fmla="*/ 880719 h 2376264"/>
+              <a:gd name="connsiteX9" fmla="*/ 476987 w 1782198"/>
+              <a:gd name="connsiteY9" fmla="*/ 1113856 h 2376264"/>
+              <a:gd name="connsiteX10" fmla="*/ 476987 w 1782198"/>
+              <a:gd name="connsiteY10" fmla="*/ 2376264 h 2376264"/>
+              <a:gd name="connsiteX11" fmla="*/ 0 w 1782198"/>
+              <a:gd name="connsiteY11" fmla="*/ 2376264 h 2376264"/>
+              <a:gd name="connsiteX0" fmla="*/ 0 w 1782198"/>
+              <a:gd name="connsiteY0" fmla="*/ 2376264 h 2376264"/>
+              <a:gd name="connsiteX1" fmla="*/ 0 w 1782198"/>
+              <a:gd name="connsiteY1" fmla="*/ 1113856 h 2376264"/>
+              <a:gd name="connsiteX2" fmla="*/ 891099 w 1782198"/>
+              <a:gd name="connsiteY2" fmla="*/ 222757 h 2376264"/>
+              <a:gd name="connsiteX3" fmla="*/ 891099 w 1782198"/>
+              <a:gd name="connsiteY3" fmla="*/ 222757 h 2376264"/>
+              <a:gd name="connsiteX4" fmla="*/ 891099 w 1782198"/>
+              <a:gd name="connsiteY4" fmla="*/ 0 h 2376264"/>
+              <a:gd name="connsiteX5" fmla="*/ 1782198 w 1782198"/>
+              <a:gd name="connsiteY5" fmla="*/ 461251 h 2376264"/>
+              <a:gd name="connsiteX6" fmla="*/ 668849 w 1782198"/>
+              <a:gd name="connsiteY6" fmla="*/ 1017751 h 2376264"/>
+              <a:gd name="connsiteX7" fmla="*/ 891099 w 1782198"/>
+              <a:gd name="connsiteY7" fmla="*/ 699744 h 2376264"/>
+              <a:gd name="connsiteX8" fmla="*/ 564074 w 1782198"/>
+              <a:gd name="connsiteY8" fmla="*/ 880719 h 2376264"/>
+              <a:gd name="connsiteX9" fmla="*/ 476987 w 1782198"/>
+              <a:gd name="connsiteY9" fmla="*/ 1113856 h 2376264"/>
+              <a:gd name="connsiteX10" fmla="*/ 476987 w 1782198"/>
+              <a:gd name="connsiteY10" fmla="*/ 2376264 h 2376264"/>
+              <a:gd name="connsiteX11" fmla="*/ 0 w 1782198"/>
+              <a:gd name="connsiteY11" fmla="*/ 2376264 h 2376264"/>
+              <a:gd name="connsiteX0" fmla="*/ 0 w 1782198"/>
+              <a:gd name="connsiteY0" fmla="*/ 2376264 h 2376264"/>
+              <a:gd name="connsiteX1" fmla="*/ 0 w 1782198"/>
+              <a:gd name="connsiteY1" fmla="*/ 1113856 h 2376264"/>
+              <a:gd name="connsiteX2" fmla="*/ 891099 w 1782198"/>
+              <a:gd name="connsiteY2" fmla="*/ 222757 h 2376264"/>
+              <a:gd name="connsiteX3" fmla="*/ 891099 w 1782198"/>
+              <a:gd name="connsiteY3" fmla="*/ 222757 h 2376264"/>
+              <a:gd name="connsiteX4" fmla="*/ 891099 w 1782198"/>
+              <a:gd name="connsiteY4" fmla="*/ 0 h 2376264"/>
+              <a:gd name="connsiteX5" fmla="*/ 1782198 w 1782198"/>
+              <a:gd name="connsiteY5" fmla="*/ 461251 h 2376264"/>
+              <a:gd name="connsiteX6" fmla="*/ 668849 w 1782198"/>
+              <a:gd name="connsiteY6" fmla="*/ 1017751 h 2376264"/>
+              <a:gd name="connsiteX7" fmla="*/ 891099 w 1782198"/>
+              <a:gd name="connsiteY7" fmla="*/ 699744 h 2376264"/>
+              <a:gd name="connsiteX8" fmla="*/ 564074 w 1782198"/>
+              <a:gd name="connsiteY8" fmla="*/ 880719 h 2376264"/>
+              <a:gd name="connsiteX9" fmla="*/ 486891 w 1782198"/>
+              <a:gd name="connsiteY9" fmla="*/ 977503 h 2376264"/>
+              <a:gd name="connsiteX10" fmla="*/ 476987 w 1782198"/>
+              <a:gd name="connsiteY10" fmla="*/ 1113856 h 2376264"/>
+              <a:gd name="connsiteX11" fmla="*/ 476987 w 1782198"/>
+              <a:gd name="connsiteY11" fmla="*/ 2376264 h 2376264"/>
+              <a:gd name="connsiteX12" fmla="*/ 0 w 1782198"/>
+              <a:gd name="connsiteY12" fmla="*/ 2376264 h 2376264"/>
+              <a:gd name="connsiteX0" fmla="*/ 0 w 1782198"/>
+              <a:gd name="connsiteY0" fmla="*/ 2376264 h 2376264"/>
+              <a:gd name="connsiteX1" fmla="*/ 0 w 1782198"/>
+              <a:gd name="connsiteY1" fmla="*/ 1113856 h 2376264"/>
+              <a:gd name="connsiteX2" fmla="*/ 891099 w 1782198"/>
+              <a:gd name="connsiteY2" fmla="*/ 222757 h 2376264"/>
+              <a:gd name="connsiteX3" fmla="*/ 891099 w 1782198"/>
+              <a:gd name="connsiteY3" fmla="*/ 222757 h 2376264"/>
+              <a:gd name="connsiteX4" fmla="*/ 891099 w 1782198"/>
+              <a:gd name="connsiteY4" fmla="*/ 0 h 2376264"/>
+              <a:gd name="connsiteX5" fmla="*/ 1782198 w 1782198"/>
+              <a:gd name="connsiteY5" fmla="*/ 461251 h 2376264"/>
+              <a:gd name="connsiteX6" fmla="*/ 668849 w 1782198"/>
+              <a:gd name="connsiteY6" fmla="*/ 1017751 h 2376264"/>
+              <a:gd name="connsiteX7" fmla="*/ 579949 w 1782198"/>
+              <a:gd name="connsiteY7" fmla="*/ 874369 h 2376264"/>
+              <a:gd name="connsiteX8" fmla="*/ 564074 w 1782198"/>
+              <a:gd name="connsiteY8" fmla="*/ 880719 h 2376264"/>
+              <a:gd name="connsiteX9" fmla="*/ 486891 w 1782198"/>
+              <a:gd name="connsiteY9" fmla="*/ 977503 h 2376264"/>
+              <a:gd name="connsiteX10" fmla="*/ 476987 w 1782198"/>
+              <a:gd name="connsiteY10" fmla="*/ 1113856 h 2376264"/>
+              <a:gd name="connsiteX11" fmla="*/ 476987 w 1782198"/>
+              <a:gd name="connsiteY11" fmla="*/ 2376264 h 2376264"/>
+              <a:gd name="connsiteX12" fmla="*/ 0 w 1782198"/>
+              <a:gd name="connsiteY12" fmla="*/ 2376264 h 2376264"/>
+              <a:gd name="connsiteX0" fmla="*/ 0 w 1782198"/>
+              <a:gd name="connsiteY0" fmla="*/ 2376264 h 2376264"/>
+              <a:gd name="connsiteX1" fmla="*/ 0 w 1782198"/>
+              <a:gd name="connsiteY1" fmla="*/ 1113856 h 2376264"/>
+              <a:gd name="connsiteX2" fmla="*/ 891099 w 1782198"/>
+              <a:gd name="connsiteY2" fmla="*/ 222757 h 2376264"/>
+              <a:gd name="connsiteX3" fmla="*/ 271974 w 1782198"/>
+              <a:gd name="connsiteY3" fmla="*/ 457707 h 2376264"/>
+              <a:gd name="connsiteX4" fmla="*/ 891099 w 1782198"/>
+              <a:gd name="connsiteY4" fmla="*/ 0 h 2376264"/>
+              <a:gd name="connsiteX5" fmla="*/ 1782198 w 1782198"/>
+              <a:gd name="connsiteY5" fmla="*/ 461251 h 2376264"/>
+              <a:gd name="connsiteX6" fmla="*/ 668849 w 1782198"/>
+              <a:gd name="connsiteY6" fmla="*/ 1017751 h 2376264"/>
+              <a:gd name="connsiteX7" fmla="*/ 579949 w 1782198"/>
+              <a:gd name="connsiteY7" fmla="*/ 874369 h 2376264"/>
+              <a:gd name="connsiteX8" fmla="*/ 564074 w 1782198"/>
+              <a:gd name="connsiteY8" fmla="*/ 880719 h 2376264"/>
+              <a:gd name="connsiteX9" fmla="*/ 486891 w 1782198"/>
+              <a:gd name="connsiteY9" fmla="*/ 977503 h 2376264"/>
+              <a:gd name="connsiteX10" fmla="*/ 476987 w 1782198"/>
+              <a:gd name="connsiteY10" fmla="*/ 1113856 h 2376264"/>
+              <a:gd name="connsiteX11" fmla="*/ 476987 w 1782198"/>
+              <a:gd name="connsiteY11" fmla="*/ 2376264 h 2376264"/>
+              <a:gd name="connsiteX12" fmla="*/ 0 w 1782198"/>
+              <a:gd name="connsiteY12" fmla="*/ 2376264 h 2376264"/>
+              <a:gd name="connsiteX0" fmla="*/ 0 w 1782198"/>
+              <a:gd name="connsiteY0" fmla="*/ 2153507 h 2153507"/>
+              <a:gd name="connsiteX1" fmla="*/ 0 w 1782198"/>
+              <a:gd name="connsiteY1" fmla="*/ 891099 h 2153507"/>
+              <a:gd name="connsiteX2" fmla="*/ 891099 w 1782198"/>
+              <a:gd name="connsiteY2" fmla="*/ 0 h 2153507"/>
+              <a:gd name="connsiteX3" fmla="*/ 271974 w 1782198"/>
+              <a:gd name="connsiteY3" fmla="*/ 234950 h 2153507"/>
+              <a:gd name="connsiteX4" fmla="*/ 122749 w 1782198"/>
+              <a:gd name="connsiteY4" fmla="*/ 82043 h 2153507"/>
+              <a:gd name="connsiteX5" fmla="*/ 1782198 w 1782198"/>
+              <a:gd name="connsiteY5" fmla="*/ 238494 h 2153507"/>
+              <a:gd name="connsiteX6" fmla="*/ 668849 w 1782198"/>
+              <a:gd name="connsiteY6" fmla="*/ 794994 h 2153507"/>
+              <a:gd name="connsiteX7" fmla="*/ 579949 w 1782198"/>
+              <a:gd name="connsiteY7" fmla="*/ 651612 h 2153507"/>
+              <a:gd name="connsiteX8" fmla="*/ 564074 w 1782198"/>
+              <a:gd name="connsiteY8" fmla="*/ 657962 h 2153507"/>
+              <a:gd name="connsiteX9" fmla="*/ 486891 w 1782198"/>
+              <a:gd name="connsiteY9" fmla="*/ 754746 h 2153507"/>
+              <a:gd name="connsiteX10" fmla="*/ 476987 w 1782198"/>
+              <a:gd name="connsiteY10" fmla="*/ 891099 h 2153507"/>
+              <a:gd name="connsiteX11" fmla="*/ 476987 w 1782198"/>
+              <a:gd name="connsiteY11" fmla="*/ 2153507 h 2153507"/>
+              <a:gd name="connsiteX12" fmla="*/ 0 w 1782198"/>
+              <a:gd name="connsiteY12" fmla="*/ 2153507 h 2153507"/>
+              <a:gd name="connsiteX0" fmla="*/ 40678 w 1822876"/>
+              <a:gd name="connsiteY0" fmla="*/ 2071464 h 2071464"/>
+              <a:gd name="connsiteX1" fmla="*/ 40678 w 1822876"/>
+              <a:gd name="connsiteY1" fmla="*/ 809056 h 2071464"/>
+              <a:gd name="connsiteX2" fmla="*/ 331702 w 1822876"/>
+              <a:gd name="connsiteY2" fmla="*/ 140207 h 2071464"/>
+              <a:gd name="connsiteX3" fmla="*/ 312652 w 1822876"/>
+              <a:gd name="connsiteY3" fmla="*/ 152907 h 2071464"/>
+              <a:gd name="connsiteX4" fmla="*/ 163427 w 1822876"/>
+              <a:gd name="connsiteY4" fmla="*/ 0 h 2071464"/>
+              <a:gd name="connsiteX5" fmla="*/ 1822876 w 1822876"/>
+              <a:gd name="connsiteY5" fmla="*/ 156451 h 2071464"/>
+              <a:gd name="connsiteX6" fmla="*/ 709527 w 1822876"/>
+              <a:gd name="connsiteY6" fmla="*/ 712951 h 2071464"/>
+              <a:gd name="connsiteX7" fmla="*/ 620627 w 1822876"/>
+              <a:gd name="connsiteY7" fmla="*/ 569569 h 2071464"/>
+              <a:gd name="connsiteX8" fmla="*/ 604752 w 1822876"/>
+              <a:gd name="connsiteY8" fmla="*/ 575919 h 2071464"/>
+              <a:gd name="connsiteX9" fmla="*/ 527569 w 1822876"/>
+              <a:gd name="connsiteY9" fmla="*/ 672703 h 2071464"/>
+              <a:gd name="connsiteX10" fmla="*/ 517665 w 1822876"/>
+              <a:gd name="connsiteY10" fmla="*/ 809056 h 2071464"/>
+              <a:gd name="connsiteX11" fmla="*/ 517665 w 1822876"/>
+              <a:gd name="connsiteY11" fmla="*/ 2071464 h 2071464"/>
+              <a:gd name="connsiteX12" fmla="*/ 40678 w 1822876"/>
+              <a:gd name="connsiteY12" fmla="*/ 2071464 h 2071464"/>
+              <a:gd name="connsiteX0" fmla="*/ 0 w 1782198"/>
+              <a:gd name="connsiteY0" fmla="*/ 2071464 h 2071464"/>
+              <a:gd name="connsiteX1" fmla="*/ 0 w 1782198"/>
+              <a:gd name="connsiteY1" fmla="*/ 809056 h 2071464"/>
+              <a:gd name="connsiteX2" fmla="*/ 291024 w 1782198"/>
+              <a:gd name="connsiteY2" fmla="*/ 140207 h 2071464"/>
+              <a:gd name="connsiteX3" fmla="*/ 271974 w 1782198"/>
+              <a:gd name="connsiteY3" fmla="*/ 152907 h 2071464"/>
+              <a:gd name="connsiteX4" fmla="*/ 122749 w 1782198"/>
+              <a:gd name="connsiteY4" fmla="*/ 0 h 2071464"/>
+              <a:gd name="connsiteX5" fmla="*/ 1782198 w 1782198"/>
+              <a:gd name="connsiteY5" fmla="*/ 156451 h 2071464"/>
+              <a:gd name="connsiteX6" fmla="*/ 668849 w 1782198"/>
+              <a:gd name="connsiteY6" fmla="*/ 712951 h 2071464"/>
+              <a:gd name="connsiteX7" fmla="*/ 579949 w 1782198"/>
+              <a:gd name="connsiteY7" fmla="*/ 569569 h 2071464"/>
+              <a:gd name="connsiteX8" fmla="*/ 564074 w 1782198"/>
+              <a:gd name="connsiteY8" fmla="*/ 575919 h 2071464"/>
+              <a:gd name="connsiteX9" fmla="*/ 486891 w 1782198"/>
+              <a:gd name="connsiteY9" fmla="*/ 672703 h 2071464"/>
+              <a:gd name="connsiteX10" fmla="*/ 476987 w 1782198"/>
+              <a:gd name="connsiteY10" fmla="*/ 809056 h 2071464"/>
+              <a:gd name="connsiteX11" fmla="*/ 476987 w 1782198"/>
+              <a:gd name="connsiteY11" fmla="*/ 2071464 h 2071464"/>
+              <a:gd name="connsiteX12" fmla="*/ 0 w 1782198"/>
+              <a:gd name="connsiteY12" fmla="*/ 2071464 h 2071464"/>
+              <a:gd name="connsiteX0" fmla="*/ 0 w 1147198"/>
+              <a:gd name="connsiteY0" fmla="*/ 2242038 h 2242038"/>
+              <a:gd name="connsiteX1" fmla="*/ 0 w 1147198"/>
+              <a:gd name="connsiteY1" fmla="*/ 979630 h 2242038"/>
+              <a:gd name="connsiteX2" fmla="*/ 291024 w 1147198"/>
+              <a:gd name="connsiteY2" fmla="*/ 310781 h 2242038"/>
+              <a:gd name="connsiteX3" fmla="*/ 271974 w 1147198"/>
+              <a:gd name="connsiteY3" fmla="*/ 323481 h 2242038"/>
+              <a:gd name="connsiteX4" fmla="*/ 122749 w 1147198"/>
+              <a:gd name="connsiteY4" fmla="*/ 170574 h 2242038"/>
+              <a:gd name="connsiteX5" fmla="*/ 1147198 w 1147198"/>
+              <a:gd name="connsiteY5" fmla="*/ 0 h 2242038"/>
+              <a:gd name="connsiteX6" fmla="*/ 668849 w 1147198"/>
+              <a:gd name="connsiteY6" fmla="*/ 883525 h 2242038"/>
+              <a:gd name="connsiteX7" fmla="*/ 579949 w 1147198"/>
+              <a:gd name="connsiteY7" fmla="*/ 740143 h 2242038"/>
+              <a:gd name="connsiteX8" fmla="*/ 564074 w 1147198"/>
+              <a:gd name="connsiteY8" fmla="*/ 746493 h 2242038"/>
+              <a:gd name="connsiteX9" fmla="*/ 486891 w 1147198"/>
+              <a:gd name="connsiteY9" fmla="*/ 843277 h 2242038"/>
+              <a:gd name="connsiteX10" fmla="*/ 476987 w 1147198"/>
+              <a:gd name="connsiteY10" fmla="*/ 979630 h 2242038"/>
+              <a:gd name="connsiteX11" fmla="*/ 476987 w 1147198"/>
+              <a:gd name="connsiteY11" fmla="*/ 2242038 h 2242038"/>
+              <a:gd name="connsiteX12" fmla="*/ 0 w 1147198"/>
+              <a:gd name="connsiteY12" fmla="*/ 2242038 h 2242038"/>
+              <a:gd name="connsiteX0" fmla="*/ 0 w 1147198"/>
+              <a:gd name="connsiteY0" fmla="*/ 2242038 h 2242038"/>
+              <a:gd name="connsiteX1" fmla="*/ 0 w 1147198"/>
+              <a:gd name="connsiteY1" fmla="*/ 979630 h 2242038"/>
+              <a:gd name="connsiteX2" fmla="*/ 291024 w 1147198"/>
+              <a:gd name="connsiteY2" fmla="*/ 310781 h 2242038"/>
+              <a:gd name="connsiteX3" fmla="*/ 271974 w 1147198"/>
+              <a:gd name="connsiteY3" fmla="*/ 323481 h 2242038"/>
+              <a:gd name="connsiteX4" fmla="*/ 122749 w 1147198"/>
+              <a:gd name="connsiteY4" fmla="*/ 170574 h 2242038"/>
+              <a:gd name="connsiteX5" fmla="*/ 1147198 w 1147198"/>
+              <a:gd name="connsiteY5" fmla="*/ 0 h 2242038"/>
+              <a:gd name="connsiteX6" fmla="*/ 668849 w 1147198"/>
+              <a:gd name="connsiteY6" fmla="*/ 883525 h 2242038"/>
+              <a:gd name="connsiteX7" fmla="*/ 579949 w 1147198"/>
+              <a:gd name="connsiteY7" fmla="*/ 740143 h 2242038"/>
+              <a:gd name="connsiteX8" fmla="*/ 564074 w 1147198"/>
+              <a:gd name="connsiteY8" fmla="*/ 746493 h 2242038"/>
+              <a:gd name="connsiteX9" fmla="*/ 486891 w 1147198"/>
+              <a:gd name="connsiteY9" fmla="*/ 843277 h 2242038"/>
+              <a:gd name="connsiteX10" fmla="*/ 476987 w 1147198"/>
+              <a:gd name="connsiteY10" fmla="*/ 979630 h 2242038"/>
+              <a:gd name="connsiteX11" fmla="*/ 476987 w 1147198"/>
+              <a:gd name="connsiteY11" fmla="*/ 2242038 h 2242038"/>
+              <a:gd name="connsiteX12" fmla="*/ 0 w 1147198"/>
+              <a:gd name="connsiteY12" fmla="*/ 2242038 h 2242038"/>
+              <a:gd name="connsiteX0" fmla="*/ 0 w 1147198"/>
+              <a:gd name="connsiteY0" fmla="*/ 2242038 h 2242038"/>
+              <a:gd name="connsiteX1" fmla="*/ 0 w 1147198"/>
+              <a:gd name="connsiteY1" fmla="*/ 979630 h 2242038"/>
+              <a:gd name="connsiteX2" fmla="*/ 291024 w 1147198"/>
+              <a:gd name="connsiteY2" fmla="*/ 310781 h 2242038"/>
+              <a:gd name="connsiteX3" fmla="*/ 271974 w 1147198"/>
+              <a:gd name="connsiteY3" fmla="*/ 323481 h 2242038"/>
+              <a:gd name="connsiteX4" fmla="*/ 122749 w 1147198"/>
+              <a:gd name="connsiteY4" fmla="*/ 170574 h 2242038"/>
+              <a:gd name="connsiteX5" fmla="*/ 1147198 w 1147198"/>
+              <a:gd name="connsiteY5" fmla="*/ 0 h 2242038"/>
+              <a:gd name="connsiteX6" fmla="*/ 668849 w 1147198"/>
+              <a:gd name="connsiteY6" fmla="*/ 883525 h 2242038"/>
+              <a:gd name="connsiteX7" fmla="*/ 579949 w 1147198"/>
+              <a:gd name="connsiteY7" fmla="*/ 740143 h 2242038"/>
+              <a:gd name="connsiteX8" fmla="*/ 564074 w 1147198"/>
+              <a:gd name="connsiteY8" fmla="*/ 746493 h 2242038"/>
+              <a:gd name="connsiteX9" fmla="*/ 486891 w 1147198"/>
+              <a:gd name="connsiteY9" fmla="*/ 843277 h 2242038"/>
+              <a:gd name="connsiteX10" fmla="*/ 476987 w 1147198"/>
+              <a:gd name="connsiteY10" fmla="*/ 979630 h 2242038"/>
+              <a:gd name="connsiteX11" fmla="*/ 476987 w 1147198"/>
+              <a:gd name="connsiteY11" fmla="*/ 2242038 h 2242038"/>
+              <a:gd name="connsiteX12" fmla="*/ 0 w 1147198"/>
+              <a:gd name="connsiteY12" fmla="*/ 2242038 h 2242038"/>
+              <a:gd name="connsiteX0" fmla="*/ 0 w 1147198"/>
+              <a:gd name="connsiteY0" fmla="*/ 2242038 h 2242038"/>
+              <a:gd name="connsiteX1" fmla="*/ 0 w 1147198"/>
+              <a:gd name="connsiteY1" fmla="*/ 979630 h 2242038"/>
+              <a:gd name="connsiteX2" fmla="*/ 291024 w 1147198"/>
+              <a:gd name="connsiteY2" fmla="*/ 310781 h 2242038"/>
+              <a:gd name="connsiteX3" fmla="*/ 271974 w 1147198"/>
+              <a:gd name="connsiteY3" fmla="*/ 323481 h 2242038"/>
+              <a:gd name="connsiteX4" fmla="*/ 122749 w 1147198"/>
+              <a:gd name="connsiteY4" fmla="*/ 170574 h 2242038"/>
+              <a:gd name="connsiteX5" fmla="*/ 1147198 w 1147198"/>
+              <a:gd name="connsiteY5" fmla="*/ 0 h 2242038"/>
+              <a:gd name="connsiteX6" fmla="*/ 732771 w 1147198"/>
+              <a:gd name="connsiteY6" fmla="*/ 915487 h 2242038"/>
+              <a:gd name="connsiteX7" fmla="*/ 579949 w 1147198"/>
+              <a:gd name="connsiteY7" fmla="*/ 740143 h 2242038"/>
+              <a:gd name="connsiteX8" fmla="*/ 564074 w 1147198"/>
+              <a:gd name="connsiteY8" fmla="*/ 746493 h 2242038"/>
+              <a:gd name="connsiteX9" fmla="*/ 486891 w 1147198"/>
+              <a:gd name="connsiteY9" fmla="*/ 843277 h 2242038"/>
+              <a:gd name="connsiteX10" fmla="*/ 476987 w 1147198"/>
+              <a:gd name="connsiteY10" fmla="*/ 979630 h 2242038"/>
+              <a:gd name="connsiteX11" fmla="*/ 476987 w 1147198"/>
+              <a:gd name="connsiteY11" fmla="*/ 2242038 h 2242038"/>
+              <a:gd name="connsiteX12" fmla="*/ 0 w 1147198"/>
+              <a:gd name="connsiteY12" fmla="*/ 2242038 h 2242038"/>
+              <a:gd name="connsiteX0" fmla="*/ 0 w 1147198"/>
+              <a:gd name="connsiteY0" fmla="*/ 2242038 h 2242038"/>
+              <a:gd name="connsiteX1" fmla="*/ 0 w 1147198"/>
+              <a:gd name="connsiteY1" fmla="*/ 979630 h 2242038"/>
+              <a:gd name="connsiteX2" fmla="*/ 291024 w 1147198"/>
+              <a:gd name="connsiteY2" fmla="*/ 310781 h 2242038"/>
+              <a:gd name="connsiteX3" fmla="*/ 271974 w 1147198"/>
+              <a:gd name="connsiteY3" fmla="*/ 323481 h 2242038"/>
+              <a:gd name="connsiteX4" fmla="*/ 58826 w 1147198"/>
+              <a:gd name="connsiteY4" fmla="*/ 130622 h 2242038"/>
+              <a:gd name="connsiteX5" fmla="*/ 1147198 w 1147198"/>
+              <a:gd name="connsiteY5" fmla="*/ 0 h 2242038"/>
+              <a:gd name="connsiteX6" fmla="*/ 732771 w 1147198"/>
+              <a:gd name="connsiteY6" fmla="*/ 915487 h 2242038"/>
+              <a:gd name="connsiteX7" fmla="*/ 579949 w 1147198"/>
+              <a:gd name="connsiteY7" fmla="*/ 740143 h 2242038"/>
+              <a:gd name="connsiteX8" fmla="*/ 564074 w 1147198"/>
+              <a:gd name="connsiteY8" fmla="*/ 746493 h 2242038"/>
+              <a:gd name="connsiteX9" fmla="*/ 486891 w 1147198"/>
+              <a:gd name="connsiteY9" fmla="*/ 843277 h 2242038"/>
+              <a:gd name="connsiteX10" fmla="*/ 476987 w 1147198"/>
+              <a:gd name="connsiteY10" fmla="*/ 979630 h 2242038"/>
+              <a:gd name="connsiteX11" fmla="*/ 476987 w 1147198"/>
+              <a:gd name="connsiteY11" fmla="*/ 2242038 h 2242038"/>
+              <a:gd name="connsiteX12" fmla="*/ 0 w 1147198"/>
+              <a:gd name="connsiteY12" fmla="*/ 2242038 h 2242038"/>
+            </a:gdLst>
+            <a:ahLst/>
+            <a:cxnLst>
+              <a:cxn ang="0">
+                <a:pos x="connsiteX0" y="connsiteY0"/>
+              </a:cxn>
+              <a:cxn ang="0">
+                <a:pos x="connsiteX1" y="connsiteY1"/>
+              </a:cxn>
+              <a:cxn ang="0">
+                <a:pos x="connsiteX2" y="connsiteY2"/>
+              </a:cxn>
+              <a:cxn ang="0">
+                <a:pos x="connsiteX3" y="connsiteY3"/>
+              </a:cxn>
+              <a:cxn ang="0">
+                <a:pos x="connsiteX4" y="connsiteY4"/>
+              </a:cxn>
+              <a:cxn ang="0">
+                <a:pos x="connsiteX5" y="connsiteY5"/>
+              </a:cxn>
+              <a:cxn ang="0">
+                <a:pos x="connsiteX6" y="connsiteY6"/>
+              </a:cxn>
+              <a:cxn ang="0">
+                <a:pos x="connsiteX7" y="connsiteY7"/>
+              </a:cxn>
+              <a:cxn ang="0">
+                <a:pos x="connsiteX8" y="connsiteY8"/>
+              </a:cxn>
+              <a:cxn ang="0">
+                <a:pos x="connsiteX9" y="connsiteY9"/>
+              </a:cxn>
+              <a:cxn ang="0">
+                <a:pos x="connsiteX10" y="connsiteY10"/>
+              </a:cxn>
+              <a:cxn ang="0">
+                <a:pos x="connsiteX11" y="connsiteY11"/>
+              </a:cxn>
+              <a:cxn ang="0">
+                <a:pos x="connsiteX12" y="connsiteY12"/>
+              </a:cxn>
+            </a:cxnLst>
+            <a:rect l="l" t="t" r="r" b="b"/>
+            <a:pathLst>
+              <a:path w="1147198" h="2242038">
+                <a:moveTo>
+                  <a:pt x="0" y="2242038"/>
+                </a:moveTo>
+                <a:lnTo>
+                  <a:pt x="0" y="979630"/>
+                </a:lnTo>
+                <a:cubicBezTo>
+                  <a:pt x="0" y="487490"/>
+                  <a:pt x="110034" y="358406"/>
+                  <a:pt x="291024" y="310781"/>
+                </a:cubicBezTo>
+                <a:lnTo>
+                  <a:pt x="271974" y="323481"/>
+                </a:lnTo>
+                <a:lnTo>
+                  <a:pt x="58826" y="130622"/>
+                </a:lnTo>
+                <a:lnTo>
+                  <a:pt x="1147198" y="0"/>
+                </a:lnTo>
+                <a:lnTo>
+                  <a:pt x="732771" y="915487"/>
+                </a:lnTo>
+                <a:lnTo>
+                  <a:pt x="579949" y="740143"/>
+                </a:lnTo>
+                <a:lnTo>
+                  <a:pt x="564074" y="746493"/>
+                </a:lnTo>
+                <a:cubicBezTo>
+                  <a:pt x="472894" y="774266"/>
+                  <a:pt x="482355" y="966346"/>
+                  <a:pt x="486891" y="843277"/>
+                </a:cubicBezTo>
+                <a:cubicBezTo>
+                  <a:pt x="472377" y="882133"/>
+                  <a:pt x="478638" y="742270"/>
+                  <a:pt x="476987" y="979630"/>
+                </a:cubicBezTo>
+                <a:lnTo>
+                  <a:pt x="476987" y="2242038"/>
+                </a:lnTo>
+                <a:lnTo>
+                  <a:pt x="0" y="2242038"/>
+                </a:lnTo>
+                <a:close/>
+              </a:path>
+            </a:pathLst>
+          </a:custGeom>
+          <a:solidFill>
+            <a:srgbClr val="00CC00"/>
+          </a:solidFill>
+          <a:ln>
+            <a:solidFill>
+              <a:schemeClr val="accent3">
+                <a:lumMod val="50000"/>
+              </a:schemeClr>
+            </a:solidFill>
+          </a:ln>
+        </p:spPr>
+        <p:style>
+          <a:lnRef idx="2">
+            <a:schemeClr val="accent3">
+              <a:shade val="50000"/>
+            </a:schemeClr>
+          </a:lnRef>
+          <a:fillRef idx="1">
+            <a:schemeClr val="accent3"/>
+          </a:fillRef>
+          <a:effectRef idx="0">
+            <a:schemeClr val="accent3"/>
+          </a:effectRef>
+          <a:fontRef idx="minor">
+            <a:schemeClr val="lt1"/>
+          </a:fontRef>
+        </p:style>
+        <p:txBody>
+          <a:bodyPr rtlCol="0" anchor="ctr"/>
+          <a:lstStyle/>
+          <a:p>
+            <a:pPr algn="ctr"/>
+            <a:endParaRPr lang="pl-PL" dirty="0"/>
+          </a:p>
+        </p:txBody>
+      </p:sp>
     </p:spTree>
     <p:extLst>
       <p:ext uri="{BB962C8B-B14F-4D97-AF65-F5344CB8AC3E}">
@@ -42465,7 +46697,7 @@
                         <m:sSubPr>
                           <m:ctrlPr>
                             <a:rPr lang="pl-PL" i="1" smtClean="0">
-                              <a:latin typeface="Cambria Math" panose="02040503050406030204" pitchFamily="18" charset="0"/>
+                              <a:latin typeface="Cambria Math"/>
                             </a:rPr>
                           </m:ctrlPr>
                         </m:sSubPr>
@@ -42568,7 +46800,7 @@
                         <m:sSubPr>
                           <m:ctrlPr>
                             <a:rPr lang="pl-PL" i="1" smtClean="0">
-                              <a:latin typeface="Cambria Math" panose="02040503050406030204" pitchFamily="18" charset="0"/>
+                              <a:latin typeface="Cambria Math"/>
                             </a:rPr>
                           </m:ctrlPr>
                         </m:sSubPr>
@@ -42671,7 +46903,7 @@
                         <m:sSubPr>
                           <m:ctrlPr>
                             <a:rPr lang="pl-PL" i="1" smtClean="0">
-                              <a:latin typeface="Cambria Math" panose="02040503050406030204" pitchFamily="18" charset="0"/>
+                              <a:latin typeface="Cambria Math"/>
                             </a:rPr>
                           </m:ctrlPr>
                         </m:sSubPr>
@@ -42815,7 +47047,7 @@
                         <m:sSubPr>
                           <m:ctrlPr>
                             <a:rPr lang="pl-PL" i="1" smtClean="0">
-                              <a:latin typeface="Cambria Math" panose="02040503050406030204" pitchFamily="18" charset="0"/>
+                              <a:latin typeface="Cambria Math"/>
                             </a:rPr>
                           </m:ctrlPr>
                         </m:sSubPr>
@@ -42918,7 +47150,7 @@
                         <m:sSubPr>
                           <m:ctrlPr>
                             <a:rPr lang="pl-PL" i="1" smtClean="0">
-                              <a:latin typeface="Cambria Math" panose="02040503050406030204" pitchFamily="18" charset="0"/>
+                              <a:latin typeface="Cambria Math"/>
                             </a:rPr>
                           </m:ctrlPr>
                         </m:sSubPr>
@@ -43144,7 +47376,7 @@
                         <m:sSubPr>
                           <m:ctrlPr>
                             <a:rPr lang="pl-PL" i="1" smtClean="0">
-                              <a:latin typeface="Cambria Math" panose="02040503050406030204" pitchFamily="18" charset="0"/>
+                              <a:latin typeface="Cambria Math"/>
                             </a:rPr>
                           </m:ctrlPr>
                         </m:sSubPr>
@@ -43247,7 +47479,7 @@
                         <m:sSubPr>
                           <m:ctrlPr>
                             <a:rPr lang="pl-PL" i="1" smtClean="0">
-                              <a:latin typeface="Cambria Math" panose="02040503050406030204" pitchFamily="18" charset="0"/>
+                              <a:latin typeface="Cambria Math"/>
                             </a:rPr>
                           </m:ctrlPr>
                         </m:sSubPr>
@@ -43432,7 +47664,7 @@
                         <m:sSubPr>
                           <m:ctrlPr>
                             <a:rPr lang="pl-PL" i="1" smtClean="0">
-                              <a:latin typeface="Cambria Math" panose="02040503050406030204" pitchFamily="18" charset="0"/>
+                              <a:latin typeface="Cambria Math"/>
                             </a:rPr>
                           </m:ctrlPr>
                         </m:sSubPr>
@@ -43535,7 +47767,7 @@
                         <m:sSubPr>
                           <m:ctrlPr>
                             <a:rPr lang="pl-PL" i="1" smtClean="0">
-                              <a:latin typeface="Cambria Math" panose="02040503050406030204" pitchFamily="18" charset="0"/>
+                              <a:latin typeface="Cambria Math"/>
                             </a:rPr>
                           </m:ctrlPr>
                         </m:sSubPr>
@@ -43732,7 +47964,7 @@
                         <m:sSubPr>
                           <m:ctrlPr>
                             <a:rPr lang="pl-PL" i="1" smtClean="0">
-                              <a:latin typeface="Cambria Math" panose="02040503050406030204" pitchFamily="18" charset="0"/>
+                              <a:latin typeface="Cambria Math"/>
                             </a:rPr>
                           </m:ctrlPr>
                         </m:sSubPr>
@@ -43835,7 +48067,7 @@
                         <m:sSubPr>
                           <m:ctrlPr>
                             <a:rPr lang="pl-PL" i="1" smtClean="0">
-                              <a:latin typeface="Cambria Math" panose="02040503050406030204" pitchFamily="18" charset="0"/>
+                              <a:latin typeface="Cambria Math"/>
                             </a:rPr>
                           </m:ctrlPr>
                         </m:sSubPr>
@@ -43938,7 +48170,7 @@
                         <m:sSubPr>
                           <m:ctrlPr>
                             <a:rPr lang="pl-PL" i="1" smtClean="0">
-                              <a:latin typeface="Cambria Math" panose="02040503050406030204" pitchFamily="18" charset="0"/>
+                              <a:latin typeface="Cambria Math"/>
                             </a:rPr>
                           </m:ctrlPr>
                         </m:sSubPr>
@@ -44082,7 +48314,7 @@
                         <m:sSubPr>
                           <m:ctrlPr>
                             <a:rPr lang="pl-PL" i="1" smtClean="0">
-                              <a:latin typeface="Cambria Math" panose="02040503050406030204" pitchFamily="18" charset="0"/>
+                              <a:latin typeface="Cambria Math"/>
                             </a:rPr>
                           </m:ctrlPr>
                         </m:sSubPr>
@@ -44185,7 +48417,7 @@
                         <m:sSubPr>
                           <m:ctrlPr>
                             <a:rPr lang="pl-PL" i="1" smtClean="0">
-                              <a:latin typeface="Cambria Math" panose="02040503050406030204" pitchFamily="18" charset="0"/>
+                              <a:latin typeface="Cambria Math"/>
                             </a:rPr>
                           </m:ctrlPr>
                         </m:sSubPr>
@@ -44411,7 +48643,7 @@
                         <m:sSubPr>
                           <m:ctrlPr>
                             <a:rPr lang="pl-PL" i="1" smtClean="0">
-                              <a:latin typeface="Cambria Math" panose="02040503050406030204" pitchFamily="18" charset="0"/>
+                              <a:latin typeface="Cambria Math"/>
                             </a:rPr>
                           </m:ctrlPr>
                         </m:sSubPr>
@@ -44514,7 +48746,7 @@
                         <m:sSubPr>
                           <m:ctrlPr>
                             <a:rPr lang="pl-PL" i="1" smtClean="0">
-                              <a:latin typeface="Cambria Math" panose="02040503050406030204" pitchFamily="18" charset="0"/>
+                              <a:latin typeface="Cambria Math"/>
                             </a:rPr>
                           </m:ctrlPr>
                         </m:sSubPr>
@@ -44699,7 +48931,7 @@
                         <m:sSubPr>
                           <m:ctrlPr>
                             <a:rPr lang="pl-PL" i="1" smtClean="0">
-                              <a:latin typeface="Cambria Math" panose="02040503050406030204" pitchFamily="18" charset="0"/>
+                              <a:latin typeface="Cambria Math"/>
                             </a:rPr>
                           </m:ctrlPr>
                         </m:sSubPr>
@@ -44802,7 +49034,7 @@
                         <m:sSubPr>
                           <m:ctrlPr>
                             <a:rPr lang="pl-PL" i="1" smtClean="0">
-                              <a:latin typeface="Cambria Math" panose="02040503050406030204" pitchFamily="18" charset="0"/>
+                              <a:latin typeface="Cambria Math"/>
                             </a:rPr>
                           </m:ctrlPr>
                         </m:sSubPr>

--- a/obrazy.pptx
+++ b/obrazy.pptx
@@ -138,7 +138,7 @@
   </p:defaultTextStyle>
   <p:extLst>
     <p:ext uri="{EFAFB233-063F-42B5-8137-9DF3F51BA10A}">
-      <p15:sldGuideLst xmlns:p15="http://schemas.microsoft.com/office/powerpoint/2012/main" xmlns="">
+      <p15:sldGuideLst xmlns="" xmlns:p15="http://schemas.microsoft.com/office/powerpoint/2012/main">
         <p15:guide id="1" orient="horz" pos="2160">
           <p15:clr>
             <a:srgbClr val="A4A3A4"/>
@@ -336,7 +336,7 @@
           <a:p>
             <a:fld id="{B52AA6F2-AEE1-4FE6-B3E2-3509488F5D07}" type="datetimeFigureOut">
               <a:rPr lang="pl-PL" smtClean="0"/>
-              <a:t>2019-04-26</a:t>
+              <a:t>01.05.2019</a:t>
             </a:fld>
             <a:endParaRPr lang="pl-PL"/>
           </a:p>
@@ -506,7 +506,7 @@
           <a:p>
             <a:fld id="{B52AA6F2-AEE1-4FE6-B3E2-3509488F5D07}" type="datetimeFigureOut">
               <a:rPr lang="pl-PL" smtClean="0"/>
-              <a:t>2019-04-26</a:t>
+              <a:t>01.05.2019</a:t>
             </a:fld>
             <a:endParaRPr lang="pl-PL"/>
           </a:p>
@@ -686,7 +686,7 @@
           <a:p>
             <a:fld id="{B52AA6F2-AEE1-4FE6-B3E2-3509488F5D07}" type="datetimeFigureOut">
               <a:rPr lang="pl-PL" smtClean="0"/>
-              <a:t>2019-04-26</a:t>
+              <a:t>01.05.2019</a:t>
             </a:fld>
             <a:endParaRPr lang="pl-PL"/>
           </a:p>
@@ -856,7 +856,7 @@
           <a:p>
             <a:fld id="{B52AA6F2-AEE1-4FE6-B3E2-3509488F5D07}" type="datetimeFigureOut">
               <a:rPr lang="pl-PL" smtClean="0"/>
-              <a:t>2019-04-26</a:t>
+              <a:t>01.05.2019</a:t>
             </a:fld>
             <a:endParaRPr lang="pl-PL"/>
           </a:p>
@@ -1102,7 +1102,7 @@
           <a:p>
             <a:fld id="{B52AA6F2-AEE1-4FE6-B3E2-3509488F5D07}" type="datetimeFigureOut">
               <a:rPr lang="pl-PL" smtClean="0"/>
-              <a:t>2019-04-26</a:t>
+              <a:t>01.05.2019</a:t>
             </a:fld>
             <a:endParaRPr lang="pl-PL"/>
           </a:p>
@@ -1390,7 +1390,7 @@
           <a:p>
             <a:fld id="{B52AA6F2-AEE1-4FE6-B3E2-3509488F5D07}" type="datetimeFigureOut">
               <a:rPr lang="pl-PL" smtClean="0"/>
-              <a:t>2019-04-26</a:t>
+              <a:t>01.05.2019</a:t>
             </a:fld>
             <a:endParaRPr lang="pl-PL"/>
           </a:p>
@@ -1812,7 +1812,7 @@
           <a:p>
             <a:fld id="{B52AA6F2-AEE1-4FE6-B3E2-3509488F5D07}" type="datetimeFigureOut">
               <a:rPr lang="pl-PL" smtClean="0"/>
-              <a:t>2019-04-26</a:t>
+              <a:t>01.05.2019</a:t>
             </a:fld>
             <a:endParaRPr lang="pl-PL"/>
           </a:p>
@@ -1930,7 +1930,7 @@
           <a:p>
             <a:fld id="{B52AA6F2-AEE1-4FE6-B3E2-3509488F5D07}" type="datetimeFigureOut">
               <a:rPr lang="pl-PL" smtClean="0"/>
-              <a:t>2019-04-26</a:t>
+              <a:t>01.05.2019</a:t>
             </a:fld>
             <a:endParaRPr lang="pl-PL"/>
           </a:p>
@@ -2025,7 +2025,7 @@
           <a:p>
             <a:fld id="{B52AA6F2-AEE1-4FE6-B3E2-3509488F5D07}" type="datetimeFigureOut">
               <a:rPr lang="pl-PL" smtClean="0"/>
-              <a:t>2019-04-26</a:t>
+              <a:t>01.05.2019</a:t>
             </a:fld>
             <a:endParaRPr lang="pl-PL"/>
           </a:p>
@@ -2302,7 +2302,7 @@
           <a:p>
             <a:fld id="{B52AA6F2-AEE1-4FE6-B3E2-3509488F5D07}" type="datetimeFigureOut">
               <a:rPr lang="pl-PL" smtClean="0"/>
-              <a:t>2019-04-26</a:t>
+              <a:t>01.05.2019</a:t>
             </a:fld>
             <a:endParaRPr lang="pl-PL"/>
           </a:p>
@@ -2555,7 +2555,7 @@
           <a:p>
             <a:fld id="{B52AA6F2-AEE1-4FE6-B3E2-3509488F5D07}" type="datetimeFigureOut">
               <a:rPr lang="pl-PL" smtClean="0"/>
-              <a:t>2019-04-26</a:t>
+              <a:t>01.05.2019</a:t>
             </a:fld>
             <a:endParaRPr lang="pl-PL"/>
           </a:p>
@@ -2768,7 +2768,7 @@
           <a:p>
             <a:fld id="{B52AA6F2-AEE1-4FE6-B3E2-3509488F5D07}" type="datetimeFigureOut">
               <a:rPr lang="pl-PL" smtClean="0"/>
-              <a:t>2019-04-26</a:t>
+              <a:t>01.05.2019</a:t>
             </a:fld>
             <a:endParaRPr lang="pl-PL"/>
           </a:p>

--- a/obrazy.pptx
+++ b/obrazy.pptx
@@ -6,38 +6,40 @@
   </p:sldMasterIdLst>
   <p:sldIdLst>
     <p:sldId id="286" r:id="rId2"/>
-    <p:sldId id="288" r:id="rId3"/>
-    <p:sldId id="287" r:id="rId4"/>
-    <p:sldId id="289" r:id="rId5"/>
-    <p:sldId id="290" r:id="rId6"/>
-    <p:sldId id="292" r:id="rId7"/>
-    <p:sldId id="291" r:id="rId8"/>
-    <p:sldId id="256" r:id="rId9"/>
-    <p:sldId id="257" r:id="rId10"/>
-    <p:sldId id="260" r:id="rId11"/>
-    <p:sldId id="261" r:id="rId12"/>
-    <p:sldId id="258" r:id="rId13"/>
-    <p:sldId id="262" r:id="rId14"/>
-    <p:sldId id="263" r:id="rId15"/>
-    <p:sldId id="259" r:id="rId16"/>
-    <p:sldId id="264" r:id="rId17"/>
-    <p:sldId id="265" r:id="rId18"/>
-    <p:sldId id="266" r:id="rId19"/>
-    <p:sldId id="267" r:id="rId20"/>
-    <p:sldId id="270" r:id="rId21"/>
-    <p:sldId id="268" r:id="rId22"/>
-    <p:sldId id="272" r:id="rId23"/>
-    <p:sldId id="273" r:id="rId24"/>
-    <p:sldId id="274" r:id="rId25"/>
-    <p:sldId id="275" r:id="rId26"/>
-    <p:sldId id="276" r:id="rId27"/>
-    <p:sldId id="278" r:id="rId28"/>
-    <p:sldId id="280" r:id="rId29"/>
-    <p:sldId id="281" r:id="rId30"/>
-    <p:sldId id="282" r:id="rId31"/>
-    <p:sldId id="283" r:id="rId32"/>
-    <p:sldId id="284" r:id="rId33"/>
-    <p:sldId id="285" r:id="rId34"/>
+    <p:sldId id="293" r:id="rId3"/>
+    <p:sldId id="294" r:id="rId4"/>
+    <p:sldId id="288" r:id="rId5"/>
+    <p:sldId id="287" r:id="rId6"/>
+    <p:sldId id="289" r:id="rId7"/>
+    <p:sldId id="290" r:id="rId8"/>
+    <p:sldId id="292" r:id="rId9"/>
+    <p:sldId id="291" r:id="rId10"/>
+    <p:sldId id="256" r:id="rId11"/>
+    <p:sldId id="257" r:id="rId12"/>
+    <p:sldId id="260" r:id="rId13"/>
+    <p:sldId id="261" r:id="rId14"/>
+    <p:sldId id="258" r:id="rId15"/>
+    <p:sldId id="262" r:id="rId16"/>
+    <p:sldId id="263" r:id="rId17"/>
+    <p:sldId id="259" r:id="rId18"/>
+    <p:sldId id="264" r:id="rId19"/>
+    <p:sldId id="265" r:id="rId20"/>
+    <p:sldId id="266" r:id="rId21"/>
+    <p:sldId id="267" r:id="rId22"/>
+    <p:sldId id="270" r:id="rId23"/>
+    <p:sldId id="268" r:id="rId24"/>
+    <p:sldId id="272" r:id="rId25"/>
+    <p:sldId id="273" r:id="rId26"/>
+    <p:sldId id="274" r:id="rId27"/>
+    <p:sldId id="275" r:id="rId28"/>
+    <p:sldId id="276" r:id="rId29"/>
+    <p:sldId id="278" r:id="rId30"/>
+    <p:sldId id="280" r:id="rId31"/>
+    <p:sldId id="281" r:id="rId32"/>
+    <p:sldId id="282" r:id="rId33"/>
+    <p:sldId id="283" r:id="rId34"/>
+    <p:sldId id="284" r:id="rId35"/>
+    <p:sldId id="285" r:id="rId36"/>
   </p:sldIdLst>
   <p:sldSz cx="9144000" cy="6858000" type="screen4x3"/>
   <p:notesSz cx="6858000" cy="9144000"/>
@@ -138,7 +140,7 @@
   </p:defaultTextStyle>
   <p:extLst>
     <p:ext uri="{EFAFB233-063F-42B5-8137-9DF3F51BA10A}">
-      <p15:sldGuideLst xmlns="" xmlns:p15="http://schemas.microsoft.com/office/powerpoint/2012/main">
+      <p15:sldGuideLst xmlns:p15="http://schemas.microsoft.com/office/powerpoint/2012/main" xmlns="">
         <p15:guide id="1" orient="horz" pos="2160">
           <p15:clr>
             <a:srgbClr val="A4A3A4"/>
@@ -336,7 +338,7 @@
           <a:p>
             <a:fld id="{B52AA6F2-AEE1-4FE6-B3E2-3509488F5D07}" type="datetimeFigureOut">
               <a:rPr lang="pl-PL" smtClean="0"/>
-              <a:t>01.05.2019</a:t>
+              <a:t>26.06.2019</a:t>
             </a:fld>
             <a:endParaRPr lang="pl-PL"/>
           </a:p>
@@ -506,7 +508,7 @@
           <a:p>
             <a:fld id="{B52AA6F2-AEE1-4FE6-B3E2-3509488F5D07}" type="datetimeFigureOut">
               <a:rPr lang="pl-PL" smtClean="0"/>
-              <a:t>01.05.2019</a:t>
+              <a:t>26.06.2019</a:t>
             </a:fld>
             <a:endParaRPr lang="pl-PL"/>
           </a:p>
@@ -686,7 +688,7 @@
           <a:p>
             <a:fld id="{B52AA6F2-AEE1-4FE6-B3E2-3509488F5D07}" type="datetimeFigureOut">
               <a:rPr lang="pl-PL" smtClean="0"/>
-              <a:t>01.05.2019</a:t>
+              <a:t>26.06.2019</a:t>
             </a:fld>
             <a:endParaRPr lang="pl-PL"/>
           </a:p>
@@ -856,7 +858,7 @@
           <a:p>
             <a:fld id="{B52AA6F2-AEE1-4FE6-B3E2-3509488F5D07}" type="datetimeFigureOut">
               <a:rPr lang="pl-PL" smtClean="0"/>
-              <a:t>01.05.2019</a:t>
+              <a:t>26.06.2019</a:t>
             </a:fld>
             <a:endParaRPr lang="pl-PL"/>
           </a:p>
@@ -1102,7 +1104,7 @@
           <a:p>
             <a:fld id="{B52AA6F2-AEE1-4FE6-B3E2-3509488F5D07}" type="datetimeFigureOut">
               <a:rPr lang="pl-PL" smtClean="0"/>
-              <a:t>01.05.2019</a:t>
+              <a:t>26.06.2019</a:t>
             </a:fld>
             <a:endParaRPr lang="pl-PL"/>
           </a:p>
@@ -1390,7 +1392,7 @@
           <a:p>
             <a:fld id="{B52AA6F2-AEE1-4FE6-B3E2-3509488F5D07}" type="datetimeFigureOut">
               <a:rPr lang="pl-PL" smtClean="0"/>
-              <a:t>01.05.2019</a:t>
+              <a:t>26.06.2019</a:t>
             </a:fld>
             <a:endParaRPr lang="pl-PL"/>
           </a:p>
@@ -1812,7 +1814,7 @@
           <a:p>
             <a:fld id="{B52AA6F2-AEE1-4FE6-B3E2-3509488F5D07}" type="datetimeFigureOut">
               <a:rPr lang="pl-PL" smtClean="0"/>
-              <a:t>01.05.2019</a:t>
+              <a:t>26.06.2019</a:t>
             </a:fld>
             <a:endParaRPr lang="pl-PL"/>
           </a:p>
@@ -1930,7 +1932,7 @@
           <a:p>
             <a:fld id="{B52AA6F2-AEE1-4FE6-B3E2-3509488F5D07}" type="datetimeFigureOut">
               <a:rPr lang="pl-PL" smtClean="0"/>
-              <a:t>01.05.2019</a:t>
+              <a:t>26.06.2019</a:t>
             </a:fld>
             <a:endParaRPr lang="pl-PL"/>
           </a:p>
@@ -2025,7 +2027,7 @@
           <a:p>
             <a:fld id="{B52AA6F2-AEE1-4FE6-B3E2-3509488F5D07}" type="datetimeFigureOut">
               <a:rPr lang="pl-PL" smtClean="0"/>
-              <a:t>01.05.2019</a:t>
+              <a:t>26.06.2019</a:t>
             </a:fld>
             <a:endParaRPr lang="pl-PL"/>
           </a:p>
@@ -2302,7 +2304,7 @@
           <a:p>
             <a:fld id="{B52AA6F2-AEE1-4FE6-B3E2-3509488F5D07}" type="datetimeFigureOut">
               <a:rPr lang="pl-PL" smtClean="0"/>
-              <a:t>01.05.2019</a:t>
+              <a:t>26.06.2019</a:t>
             </a:fld>
             <a:endParaRPr lang="pl-PL"/>
           </a:p>
@@ -2555,7 +2557,7 @@
           <a:p>
             <a:fld id="{B52AA6F2-AEE1-4FE6-B3E2-3509488F5D07}" type="datetimeFigureOut">
               <a:rPr lang="pl-PL" smtClean="0"/>
-              <a:t>01.05.2019</a:t>
+              <a:t>26.06.2019</a:t>
             </a:fld>
             <a:endParaRPr lang="pl-PL"/>
           </a:p>
@@ -2768,7 +2770,7 @@
           <a:p>
             <a:fld id="{B52AA6F2-AEE1-4FE6-B3E2-3509488F5D07}" type="datetimeFigureOut">
               <a:rPr lang="pl-PL" smtClean="0"/>
-              <a:t>01.05.2019</a:t>
+              <a:t>26.06.2019</a:t>
             </a:fld>
             <a:endParaRPr lang="pl-PL"/>
           </a:p>
@@ -3937,6 +3939,2668 @@
 </file>
 
 <file path=ppt/slides/slide10.xml><?xml version="1.0" encoding="utf-8"?>
+<p:sld xmlns:a="http://schemas.openxmlformats.org/drawingml/2006/main" xmlns:r="http://schemas.openxmlformats.org/officeDocument/2006/relationships" xmlns:p="http://schemas.openxmlformats.org/presentationml/2006/main">
+  <p:cSld>
+    <p:spTree>
+      <p:nvGrpSpPr>
+        <p:cNvPr id="1" name=""/>
+        <p:cNvGrpSpPr/>
+        <p:nvPr/>
+      </p:nvGrpSpPr>
+      <p:grpSpPr>
+        <a:xfrm>
+          <a:off x="0" y="0"/>
+          <a:ext cx="0" cy="0"/>
+          <a:chOff x="0" y="0"/>
+          <a:chExt cx="0" cy="0"/>
+        </a:xfrm>
+      </p:grpSpPr>
+      <p:pic>
+        <p:nvPicPr>
+          <p:cNvPr id="1026" name="Picture 2"/>
+          <p:cNvPicPr>
+            <a:picLocks noChangeAspect="1" noChangeArrowheads="1"/>
+          </p:cNvPicPr>
+          <p:nvPr/>
+        </p:nvPicPr>
+        <p:blipFill>
+          <a:blip r:embed="rId2">
+            <a:extLst>
+              <a:ext uri="{28A0092B-C50C-407E-A947-70E740481C1C}">
+                <a14:useLocalDpi xmlns:a14="http://schemas.microsoft.com/office/drawing/2010/main" val="0"/>
+              </a:ext>
+            </a:extLst>
+          </a:blip>
+          <a:srcRect/>
+          <a:stretch>
+            <a:fillRect/>
+          </a:stretch>
+        </p:blipFill>
+        <p:spPr bwMode="auto">
+          <a:xfrm>
+            <a:off x="1187624" y="1052736"/>
+            <a:ext cx="7292717" cy="4176464"/>
+          </a:xfrm>
+          <a:prstGeom prst="rect">
+            <a:avLst/>
+          </a:prstGeom>
+          <a:noFill/>
+          <a:ln>
+            <a:noFill/>
+          </a:ln>
+          <a:effectLst/>
+          <a:extLst>
+            <a:ext uri="{909E8E84-426E-40DD-AFC4-6F175D3DCCD1}">
+              <a14:hiddenFill xmlns:a14="http://schemas.microsoft.com/office/drawing/2010/main">
+                <a:solidFill>
+                  <a:schemeClr val="accent1"/>
+                </a:solidFill>
+              </a14:hiddenFill>
+            </a:ext>
+            <a:ext uri="{91240B29-F687-4F45-9708-019B960494DF}">
+              <a14:hiddenLine xmlns:a14="http://schemas.microsoft.com/office/drawing/2010/main" w="9525">
+                <a:solidFill>
+                  <a:schemeClr val="tx1"/>
+                </a:solidFill>
+                <a:miter lim="800000"/>
+                <a:headEnd/>
+                <a:tailEnd/>
+              </a14:hiddenLine>
+            </a:ext>
+            <a:ext uri="{AF507438-7753-43E0-B8FC-AC1667EBCBE1}">
+              <a14:hiddenEffects xmlns:a14="http://schemas.microsoft.com/office/drawing/2010/main">
+                <a:effectLst>
+                  <a:outerShdw dist="35921" dir="2700000" algn="ctr" rotWithShape="0">
+                    <a:schemeClr val="bg2"/>
+                  </a:outerShdw>
+                </a:effectLst>
+              </a14:hiddenEffects>
+            </a:ext>
+          </a:extLst>
+        </p:spPr>
+      </p:pic>
+      <mc:AlternateContent xmlns:mc="http://schemas.openxmlformats.org/markup-compatibility/2006" xmlns:a14="http://schemas.microsoft.com/office/drawing/2010/main">
+        <mc:Choice Requires="a14">
+          <p:sp>
+            <p:nvSpPr>
+              <p:cNvPr id="5" name="TextBox 4"/>
+              <p:cNvSpPr txBox="1"/>
+              <p:nvPr/>
+            </p:nvSpPr>
+            <p:spPr>
+              <a:xfrm>
+                <a:off x="3131842" y="2956302"/>
+                <a:ext cx="446661" cy="369332"/>
+              </a:xfrm>
+              <a:prstGeom prst="rect">
+                <a:avLst/>
+              </a:prstGeom>
+              <a:noFill/>
+            </p:spPr>
+            <p:txBody>
+              <a:bodyPr wrap="none" rtlCol="0">
+                <a:spAutoFit/>
+              </a:bodyPr>
+              <a:lstStyle/>
+              <a:p>
+                <a:pPr/>
+                <a14:m>
+                  <m:oMathPara xmlns:m="http://schemas.openxmlformats.org/officeDocument/2006/math">
+                    <m:oMathParaPr>
+                      <m:jc m:val="centerGroup"/>
+                    </m:oMathParaPr>
+                    <m:oMath xmlns:m="http://schemas.openxmlformats.org/officeDocument/2006/math">
+                      <m:sSub>
+                        <m:sSubPr>
+                          <m:ctrlPr>
+                            <a:rPr lang="pl-PL" i="1" smtClean="0">
+                              <a:latin typeface="Cambria Math"/>
+                            </a:rPr>
+                          </m:ctrlPr>
+                        </m:sSubPr>
+                        <m:e>
+                          <m:r>
+                            <a:rPr lang="pl-PL" b="0" i="1" smtClean="0">
+                              <a:latin typeface="Cambria Math"/>
+                            </a:rPr>
+                            <m:t>𝑒</m:t>
+                          </m:r>
+                        </m:e>
+                        <m:sub>
+                          <m:r>
+                            <a:rPr lang="pl-PL" b="0" i="1" smtClean="0">
+                              <a:latin typeface="Cambria Math"/>
+                            </a:rPr>
+                            <m:t>1</m:t>
+                          </m:r>
+                        </m:sub>
+                      </m:sSub>
+                    </m:oMath>
+                  </m:oMathPara>
+                </a14:m>
+                <a:endParaRPr lang="pl-PL" dirty="0"/>
+              </a:p>
+            </p:txBody>
+          </p:sp>
+        </mc:Choice>
+        <mc:Fallback xmlns="">
+          <p:sp>
+            <p:nvSpPr>
+              <p:cNvPr id="5" name="TextBox 4"/>
+              <p:cNvSpPr txBox="1">
+                <a:spLocks noRot="1" noChangeAspect="1" noMove="1" noResize="1" noEditPoints="1" noAdjustHandles="1" noChangeArrowheads="1" noChangeShapeType="1" noTextEdit="1"/>
+              </p:cNvSpPr>
+              <p:nvPr/>
+            </p:nvSpPr>
+            <p:spPr>
+              <a:xfrm>
+                <a:off x="3131840" y="2956302"/>
+                <a:ext cx="446661" cy="369332"/>
+              </a:xfrm>
+              <a:prstGeom prst="rect">
+                <a:avLst/>
+              </a:prstGeom>
+              <a:blipFill rotWithShape="1">
+                <a:blip r:embed="rId3"/>
+                <a:stretch>
+                  <a:fillRect/>
+                </a:stretch>
+              </a:blipFill>
+            </p:spPr>
+            <p:txBody>
+              <a:bodyPr/>
+              <a:lstStyle/>
+              <a:p>
+                <a:r>
+                  <a:rPr lang="pl-PL">
+                    <a:noFill/>
+                  </a:rPr>
+                  <a:t> </a:t>
+                </a:r>
+              </a:p>
+            </p:txBody>
+          </p:sp>
+        </mc:Fallback>
+      </mc:AlternateContent>
+      <mc:AlternateContent xmlns:mc="http://schemas.openxmlformats.org/markup-compatibility/2006" xmlns:a14="http://schemas.microsoft.com/office/drawing/2010/main">
+        <mc:Choice Requires="a14">
+          <p:sp>
+            <p:nvSpPr>
+              <p:cNvPr id="7" name="TextBox 6"/>
+              <p:cNvSpPr txBox="1"/>
+              <p:nvPr/>
+            </p:nvSpPr>
+            <p:spPr>
+              <a:xfrm>
+                <a:off x="6038862" y="2586970"/>
+                <a:ext cx="451983" cy="369332"/>
+              </a:xfrm>
+              <a:prstGeom prst="rect">
+                <a:avLst/>
+              </a:prstGeom>
+              <a:noFill/>
+            </p:spPr>
+            <p:txBody>
+              <a:bodyPr wrap="none" rtlCol="0">
+                <a:spAutoFit/>
+              </a:bodyPr>
+              <a:lstStyle/>
+              <a:p>
+                <a:pPr/>
+                <a14:m>
+                  <m:oMathPara xmlns:m="http://schemas.openxmlformats.org/officeDocument/2006/math">
+                    <m:oMathParaPr>
+                      <m:jc m:val="centerGroup"/>
+                    </m:oMathParaPr>
+                    <m:oMath xmlns:m="http://schemas.openxmlformats.org/officeDocument/2006/math">
+                      <m:sSub>
+                        <m:sSubPr>
+                          <m:ctrlPr>
+                            <a:rPr lang="pl-PL" i="1" smtClean="0">
+                              <a:latin typeface="Cambria Math"/>
+                            </a:rPr>
+                          </m:ctrlPr>
+                        </m:sSubPr>
+                        <m:e>
+                          <m:r>
+                            <a:rPr lang="pl-PL" b="0" i="1" smtClean="0">
+                              <a:latin typeface="Cambria Math"/>
+                            </a:rPr>
+                            <m:t>𝑒</m:t>
+                          </m:r>
+                        </m:e>
+                        <m:sub>
+                          <m:r>
+                            <a:rPr lang="pl-PL" b="0" i="1" smtClean="0">
+                              <a:latin typeface="Cambria Math"/>
+                            </a:rPr>
+                            <m:t>2</m:t>
+                          </m:r>
+                        </m:sub>
+                      </m:sSub>
+                    </m:oMath>
+                  </m:oMathPara>
+                </a14:m>
+                <a:endParaRPr lang="pl-PL" dirty="0"/>
+              </a:p>
+            </p:txBody>
+          </p:sp>
+        </mc:Choice>
+        <mc:Fallback xmlns="">
+          <p:sp>
+            <p:nvSpPr>
+              <p:cNvPr id="7" name="TextBox 6"/>
+              <p:cNvSpPr txBox="1">
+                <a:spLocks noRot="1" noChangeAspect="1" noMove="1" noResize="1" noEditPoints="1" noAdjustHandles="1" noChangeArrowheads="1" noChangeShapeType="1" noTextEdit="1"/>
+              </p:cNvSpPr>
+              <p:nvPr/>
+            </p:nvSpPr>
+            <p:spPr>
+              <a:xfrm>
+                <a:off x="6038861" y="2586970"/>
+                <a:ext cx="451982" cy="369332"/>
+              </a:xfrm>
+              <a:prstGeom prst="rect">
+                <a:avLst/>
+              </a:prstGeom>
+              <a:blipFill rotWithShape="1">
+                <a:blip r:embed="rId4"/>
+                <a:stretch>
+                  <a:fillRect/>
+                </a:stretch>
+              </a:blipFill>
+            </p:spPr>
+            <p:txBody>
+              <a:bodyPr/>
+              <a:lstStyle/>
+              <a:p>
+                <a:r>
+                  <a:rPr lang="pl-PL">
+                    <a:noFill/>
+                  </a:rPr>
+                  <a:t> </a:t>
+                </a:r>
+              </a:p>
+            </p:txBody>
+          </p:sp>
+        </mc:Fallback>
+      </mc:AlternateContent>
+      <mc:AlternateContent xmlns:mc="http://schemas.openxmlformats.org/markup-compatibility/2006" xmlns:a14="http://schemas.microsoft.com/office/drawing/2010/main">
+        <mc:Choice Requires="a14">
+          <p:sp>
+            <p:nvSpPr>
+              <p:cNvPr id="8" name="TextBox 7"/>
+              <p:cNvSpPr txBox="1"/>
+              <p:nvPr/>
+            </p:nvSpPr>
+            <p:spPr>
+              <a:xfrm>
+                <a:off x="6049131" y="3462664"/>
+                <a:ext cx="451983" cy="369332"/>
+              </a:xfrm>
+              <a:prstGeom prst="rect">
+                <a:avLst/>
+              </a:prstGeom>
+              <a:noFill/>
+            </p:spPr>
+            <p:txBody>
+              <a:bodyPr wrap="none" rtlCol="0">
+                <a:spAutoFit/>
+              </a:bodyPr>
+              <a:lstStyle/>
+              <a:p>
+                <a:pPr/>
+                <a14:m>
+                  <m:oMathPara xmlns:m="http://schemas.openxmlformats.org/officeDocument/2006/math">
+                    <m:oMathParaPr>
+                      <m:jc m:val="centerGroup"/>
+                    </m:oMathParaPr>
+                    <m:oMath xmlns:m="http://schemas.openxmlformats.org/officeDocument/2006/math">
+                      <m:sSub>
+                        <m:sSubPr>
+                          <m:ctrlPr>
+                            <a:rPr lang="pl-PL" i="1" smtClean="0">
+                              <a:latin typeface="Cambria Math"/>
+                            </a:rPr>
+                          </m:ctrlPr>
+                        </m:sSubPr>
+                        <m:e>
+                          <m:r>
+                            <a:rPr lang="pl-PL" b="0" i="1" smtClean="0">
+                              <a:latin typeface="Cambria Math"/>
+                            </a:rPr>
+                            <m:t>𝑒</m:t>
+                          </m:r>
+                        </m:e>
+                        <m:sub>
+                          <m:r>
+                            <a:rPr lang="pl-PL" b="0" i="1" smtClean="0">
+                              <a:latin typeface="Cambria Math"/>
+                            </a:rPr>
+                            <m:t>3</m:t>
+                          </m:r>
+                        </m:sub>
+                      </m:sSub>
+                    </m:oMath>
+                  </m:oMathPara>
+                </a14:m>
+                <a:endParaRPr lang="pl-PL" dirty="0"/>
+              </a:p>
+            </p:txBody>
+          </p:sp>
+        </mc:Choice>
+        <mc:Fallback xmlns="">
+          <p:sp>
+            <p:nvSpPr>
+              <p:cNvPr id="8" name="TextBox 7"/>
+              <p:cNvSpPr txBox="1">
+                <a:spLocks noRot="1" noChangeAspect="1" noMove="1" noResize="1" noEditPoints="1" noAdjustHandles="1" noChangeArrowheads="1" noChangeShapeType="1" noTextEdit="1"/>
+              </p:cNvSpPr>
+              <p:nvPr/>
+            </p:nvSpPr>
+            <p:spPr>
+              <a:xfrm>
+                <a:off x="6049130" y="3462664"/>
+                <a:ext cx="451982" cy="369332"/>
+              </a:xfrm>
+              <a:prstGeom prst="rect">
+                <a:avLst/>
+              </a:prstGeom>
+              <a:blipFill rotWithShape="1">
+                <a:blip r:embed="rId5"/>
+                <a:stretch>
+                  <a:fillRect/>
+                </a:stretch>
+              </a:blipFill>
+            </p:spPr>
+            <p:txBody>
+              <a:bodyPr/>
+              <a:lstStyle/>
+              <a:p>
+                <a:r>
+                  <a:rPr lang="pl-PL">
+                    <a:noFill/>
+                  </a:rPr>
+                  <a:t> </a:t>
+                </a:r>
+              </a:p>
+            </p:txBody>
+          </p:sp>
+        </mc:Fallback>
+      </mc:AlternateContent>
+      <p:sp>
+        <p:nvSpPr>
+          <p:cNvPr id="6" name="Right Brace 5"/>
+          <p:cNvSpPr/>
+          <p:nvPr/>
+        </p:nvSpPr>
+        <p:spPr>
+          <a:xfrm rot="5400000">
+            <a:off x="2507810" y="2979403"/>
+            <a:ext cx="288031" cy="1254556"/>
+          </a:xfrm>
+          <a:prstGeom prst="rightBrace">
+            <a:avLst>
+              <a:gd name="adj1" fmla="val 34953"/>
+              <a:gd name="adj2" fmla="val 47965"/>
+            </a:avLst>
+          </a:prstGeom>
+        </p:spPr>
+        <p:style>
+          <a:lnRef idx="1">
+            <a:schemeClr val="accent1"/>
+          </a:lnRef>
+          <a:fillRef idx="0">
+            <a:schemeClr val="accent1"/>
+          </a:fillRef>
+          <a:effectRef idx="0">
+            <a:schemeClr val="accent1"/>
+          </a:effectRef>
+          <a:fontRef idx="minor">
+            <a:schemeClr val="tx1"/>
+          </a:fontRef>
+        </p:style>
+        <p:txBody>
+          <a:bodyPr rtlCol="0" anchor="ctr"/>
+          <a:lstStyle/>
+          <a:p>
+            <a:pPr algn="ctr"/>
+            <a:endParaRPr lang="pl-PL"/>
+          </a:p>
+        </p:txBody>
+      </p:sp>
+      <mc:AlternateContent xmlns:mc="http://schemas.openxmlformats.org/markup-compatibility/2006" xmlns:a14="http://schemas.microsoft.com/office/drawing/2010/main">
+        <mc:Choice Requires="a14">
+          <p:sp>
+            <p:nvSpPr>
+              <p:cNvPr id="10" name="TextBox 9"/>
+              <p:cNvSpPr txBox="1"/>
+              <p:nvPr/>
+            </p:nvSpPr>
+            <p:spPr>
+              <a:xfrm>
+                <a:off x="2436763" y="3750695"/>
+                <a:ext cx="555088" cy="369332"/>
+              </a:xfrm>
+              <a:prstGeom prst="rect">
+                <a:avLst/>
+              </a:prstGeom>
+              <a:noFill/>
+            </p:spPr>
+            <p:txBody>
+              <a:bodyPr wrap="none" rtlCol="0">
+                <a:spAutoFit/>
+              </a:bodyPr>
+              <a:lstStyle/>
+              <a:p>
+                <a:pPr/>
+                <a14:m>
+                  <m:oMathPara xmlns:m="http://schemas.openxmlformats.org/officeDocument/2006/math">
+                    <m:oMathParaPr>
+                      <m:jc m:val="centerGroup"/>
+                    </m:oMathParaPr>
+                    <m:oMath xmlns:m="http://schemas.openxmlformats.org/officeDocument/2006/math">
+                      <m:sSub>
+                        <m:sSubPr>
+                          <m:ctrlPr>
+                            <a:rPr lang="pl-PL" i="1" smtClean="0">
+                              <a:latin typeface="Cambria Math"/>
+                            </a:rPr>
+                          </m:ctrlPr>
+                        </m:sSubPr>
+                        <m:e>
+                          <m:r>
+                            <a:rPr lang="pl-PL" b="0" i="1" smtClean="0">
+                              <a:latin typeface="Cambria Math"/>
+                            </a:rPr>
+                            <m:t>𝑏</m:t>
+                          </m:r>
+                        </m:e>
+                        <m:sub>
+                          <m:r>
+                            <a:rPr lang="pl-PL" b="0" i="1" smtClean="0">
+                              <a:latin typeface="Cambria Math"/>
+                            </a:rPr>
+                            <m:t>11</m:t>
+                          </m:r>
+                        </m:sub>
+                      </m:sSub>
+                    </m:oMath>
+                  </m:oMathPara>
+                </a14:m>
+                <a:endParaRPr lang="pl-PL" dirty="0"/>
+              </a:p>
+            </p:txBody>
+          </p:sp>
+        </mc:Choice>
+        <mc:Fallback xmlns="">
+          <p:sp>
+            <p:nvSpPr>
+              <p:cNvPr id="10" name="TextBox 9"/>
+              <p:cNvSpPr txBox="1">
+                <a:spLocks noRot="1" noChangeAspect="1" noMove="1" noResize="1" noEditPoints="1" noAdjustHandles="1" noChangeArrowheads="1" noChangeShapeType="1" noTextEdit="1"/>
+              </p:cNvSpPr>
+              <p:nvPr/>
+            </p:nvSpPr>
+            <p:spPr>
+              <a:xfrm>
+                <a:off x="2436763" y="3750695"/>
+                <a:ext cx="555088" cy="369332"/>
+              </a:xfrm>
+              <a:prstGeom prst="rect">
+                <a:avLst/>
+              </a:prstGeom>
+              <a:blipFill rotWithShape="1">
+                <a:blip r:embed="rId6"/>
+                <a:stretch>
+                  <a:fillRect/>
+                </a:stretch>
+              </a:blipFill>
+            </p:spPr>
+            <p:txBody>
+              <a:bodyPr/>
+              <a:lstStyle/>
+              <a:p>
+                <a:r>
+                  <a:rPr lang="pl-PL">
+                    <a:noFill/>
+                  </a:rPr>
+                  <a:t> </a:t>
+                </a:r>
+              </a:p>
+            </p:txBody>
+          </p:sp>
+        </mc:Fallback>
+      </mc:AlternateContent>
+      <mc:AlternateContent xmlns:mc="http://schemas.openxmlformats.org/markup-compatibility/2006" xmlns:a14="http://schemas.microsoft.com/office/drawing/2010/main">
+        <mc:Choice Requires="a14">
+          <p:sp>
+            <p:nvSpPr>
+              <p:cNvPr id="17" name="TextBox 16"/>
+              <p:cNvSpPr txBox="1"/>
+              <p:nvPr/>
+            </p:nvSpPr>
+            <p:spPr>
+              <a:xfrm>
+                <a:off x="3598322" y="3765471"/>
+                <a:ext cx="622628" cy="369332"/>
+              </a:xfrm>
+              <a:prstGeom prst="rect">
+                <a:avLst/>
+              </a:prstGeom>
+              <a:noFill/>
+            </p:spPr>
+            <p:txBody>
+              <a:bodyPr wrap="square" rtlCol="0">
+                <a:spAutoFit/>
+              </a:bodyPr>
+              <a:lstStyle/>
+              <a:p>
+                <a:pPr/>
+                <a14:m>
+                  <m:oMathPara xmlns:m="http://schemas.openxmlformats.org/officeDocument/2006/math">
+                    <m:oMathParaPr>
+                      <m:jc m:val="centerGroup"/>
+                    </m:oMathParaPr>
+                    <m:oMath xmlns:m="http://schemas.openxmlformats.org/officeDocument/2006/math">
+                      <m:sSub>
+                        <m:sSubPr>
+                          <m:ctrlPr>
+                            <a:rPr lang="pl-PL" i="1" smtClean="0">
+                              <a:latin typeface="Cambria Math"/>
+                            </a:rPr>
+                          </m:ctrlPr>
+                        </m:sSubPr>
+                        <m:e>
+                          <m:r>
+                            <a:rPr lang="pl-PL" b="0" i="1" smtClean="0">
+                              <a:latin typeface="Cambria Math"/>
+                            </a:rPr>
+                            <m:t>𝑏</m:t>
+                          </m:r>
+                        </m:e>
+                        <m:sub>
+                          <m:r>
+                            <a:rPr lang="pl-PL" b="0" i="1" smtClean="0">
+                              <a:latin typeface="Cambria Math"/>
+                            </a:rPr>
+                            <m:t>12</m:t>
+                          </m:r>
+                        </m:sub>
+                      </m:sSub>
+                    </m:oMath>
+                  </m:oMathPara>
+                </a14:m>
+                <a:endParaRPr lang="pl-PL" dirty="0"/>
+              </a:p>
+            </p:txBody>
+          </p:sp>
+        </mc:Choice>
+        <mc:Fallback xmlns="">
+          <p:sp>
+            <p:nvSpPr>
+              <p:cNvPr id="17" name="TextBox 16"/>
+              <p:cNvSpPr txBox="1">
+                <a:spLocks noRot="1" noChangeAspect="1" noMove="1" noResize="1" noEditPoints="1" noAdjustHandles="1" noChangeArrowheads="1" noChangeShapeType="1" noTextEdit="1"/>
+              </p:cNvSpPr>
+              <p:nvPr/>
+            </p:nvSpPr>
+            <p:spPr>
+              <a:xfrm>
+                <a:off x="3598320" y="3765471"/>
+                <a:ext cx="622628" cy="369332"/>
+              </a:xfrm>
+              <a:prstGeom prst="rect">
+                <a:avLst/>
+              </a:prstGeom>
+              <a:blipFill rotWithShape="1">
+                <a:blip r:embed="rId7"/>
+                <a:stretch>
+                  <a:fillRect/>
+                </a:stretch>
+              </a:blipFill>
+            </p:spPr>
+            <p:txBody>
+              <a:bodyPr/>
+              <a:lstStyle/>
+              <a:p>
+                <a:r>
+                  <a:rPr lang="pl-PL">
+                    <a:noFill/>
+                  </a:rPr>
+                  <a:t> </a:t>
+                </a:r>
+              </a:p>
+            </p:txBody>
+          </p:sp>
+        </mc:Fallback>
+      </mc:AlternateContent>
+      <p:sp>
+        <p:nvSpPr>
+          <p:cNvPr id="18" name="Right Brace 17"/>
+          <p:cNvSpPr/>
+          <p:nvPr/>
+        </p:nvSpPr>
+        <p:spPr>
+          <a:xfrm rot="5400000">
+            <a:off x="3829910" y="2979403"/>
+            <a:ext cx="288031" cy="1254556"/>
+          </a:xfrm>
+          <a:prstGeom prst="rightBrace">
+            <a:avLst>
+              <a:gd name="adj1" fmla="val 34953"/>
+              <a:gd name="adj2" fmla="val 47965"/>
+            </a:avLst>
+          </a:prstGeom>
+        </p:spPr>
+        <p:style>
+          <a:lnRef idx="1">
+            <a:schemeClr val="accent1"/>
+          </a:lnRef>
+          <a:fillRef idx="0">
+            <a:schemeClr val="accent1"/>
+          </a:fillRef>
+          <a:effectRef idx="0">
+            <a:schemeClr val="accent1"/>
+          </a:effectRef>
+          <a:fontRef idx="minor">
+            <a:schemeClr val="tx1"/>
+          </a:fontRef>
+        </p:style>
+        <p:txBody>
+          <a:bodyPr rtlCol="0" anchor="ctr"/>
+          <a:lstStyle/>
+          <a:p>
+            <a:pPr algn="ctr"/>
+            <a:endParaRPr lang="pl-PL"/>
+          </a:p>
+        </p:txBody>
+      </p:sp>
+      <p:sp>
+        <p:nvSpPr>
+          <p:cNvPr id="19" name="Right Brace 18"/>
+          <p:cNvSpPr/>
+          <p:nvPr/>
+        </p:nvSpPr>
+        <p:spPr>
+          <a:xfrm rot="14034819">
+            <a:off x="5297605" y="2121235"/>
+            <a:ext cx="288031" cy="1229409"/>
+          </a:xfrm>
+          <a:prstGeom prst="rightBrace">
+            <a:avLst>
+              <a:gd name="adj1" fmla="val 40907"/>
+              <a:gd name="adj2" fmla="val 47965"/>
+            </a:avLst>
+          </a:prstGeom>
+        </p:spPr>
+        <p:style>
+          <a:lnRef idx="1">
+            <a:schemeClr val="accent1"/>
+          </a:lnRef>
+          <a:fillRef idx="0">
+            <a:schemeClr val="accent1"/>
+          </a:fillRef>
+          <a:effectRef idx="0">
+            <a:schemeClr val="accent1"/>
+          </a:effectRef>
+          <a:fontRef idx="minor">
+            <a:schemeClr val="tx1"/>
+          </a:fontRef>
+        </p:style>
+        <p:txBody>
+          <a:bodyPr rtlCol="0" anchor="ctr"/>
+          <a:lstStyle/>
+          <a:p>
+            <a:pPr algn="ctr"/>
+            <a:endParaRPr lang="pl-PL"/>
+          </a:p>
+        </p:txBody>
+      </p:sp>
+      <p:sp>
+        <p:nvSpPr>
+          <p:cNvPr id="20" name="Right Brace 19"/>
+          <p:cNvSpPr/>
+          <p:nvPr/>
+        </p:nvSpPr>
+        <p:spPr>
+          <a:xfrm rot="6863898">
+            <a:off x="6382219" y="3796844"/>
+            <a:ext cx="288031" cy="1156458"/>
+          </a:xfrm>
+          <a:prstGeom prst="rightBrace">
+            <a:avLst>
+              <a:gd name="adj1" fmla="val 40907"/>
+              <a:gd name="adj2" fmla="val 47965"/>
+            </a:avLst>
+          </a:prstGeom>
+        </p:spPr>
+        <p:style>
+          <a:lnRef idx="1">
+            <a:schemeClr val="accent1"/>
+          </a:lnRef>
+          <a:fillRef idx="0">
+            <a:schemeClr val="accent1"/>
+          </a:fillRef>
+          <a:effectRef idx="0">
+            <a:schemeClr val="accent1"/>
+          </a:effectRef>
+          <a:fontRef idx="minor">
+            <a:schemeClr val="tx1"/>
+          </a:fontRef>
+        </p:style>
+        <p:txBody>
+          <a:bodyPr rtlCol="0" anchor="ctr"/>
+          <a:lstStyle/>
+          <a:p>
+            <a:pPr algn="ctr"/>
+            <a:endParaRPr lang="pl-PL"/>
+          </a:p>
+        </p:txBody>
+      </p:sp>
+      <mc:AlternateContent xmlns:mc="http://schemas.openxmlformats.org/markup-compatibility/2006" xmlns:a14="http://schemas.microsoft.com/office/drawing/2010/main">
+        <mc:Choice Requires="a14">
+          <p:sp>
+            <p:nvSpPr>
+              <p:cNvPr id="21" name="TextBox 20"/>
+              <p:cNvSpPr txBox="1"/>
+              <p:nvPr/>
+            </p:nvSpPr>
+            <p:spPr>
+              <a:xfrm>
+                <a:off x="4887319" y="4085606"/>
+                <a:ext cx="560410" cy="369332"/>
+              </a:xfrm>
+              <a:prstGeom prst="rect">
+                <a:avLst/>
+              </a:prstGeom>
+              <a:noFill/>
+            </p:spPr>
+            <p:txBody>
+              <a:bodyPr wrap="none" rtlCol="0">
+                <a:spAutoFit/>
+              </a:bodyPr>
+              <a:lstStyle/>
+              <a:p>
+                <a:pPr/>
+                <a14:m>
+                  <m:oMathPara xmlns:m="http://schemas.openxmlformats.org/officeDocument/2006/math">
+                    <m:oMathParaPr>
+                      <m:jc m:val="centerGroup"/>
+                    </m:oMathParaPr>
+                    <m:oMath xmlns:m="http://schemas.openxmlformats.org/officeDocument/2006/math">
+                      <m:sSub>
+                        <m:sSubPr>
+                          <m:ctrlPr>
+                            <a:rPr lang="pl-PL" i="1" smtClean="0">
+                              <a:latin typeface="Cambria Math"/>
+                            </a:rPr>
+                          </m:ctrlPr>
+                        </m:sSubPr>
+                        <m:e>
+                          <m:r>
+                            <a:rPr lang="pl-PL" b="0" i="1" smtClean="0">
+                              <a:latin typeface="Cambria Math"/>
+                            </a:rPr>
+                            <m:t>𝑏</m:t>
+                          </m:r>
+                        </m:e>
+                        <m:sub>
+                          <m:r>
+                            <a:rPr lang="pl-PL" b="0" i="1" smtClean="0">
+                              <a:latin typeface="Cambria Math"/>
+                            </a:rPr>
+                            <m:t>31</m:t>
+                          </m:r>
+                        </m:sub>
+                      </m:sSub>
+                    </m:oMath>
+                  </m:oMathPara>
+                </a14:m>
+                <a:endParaRPr lang="pl-PL" dirty="0"/>
+              </a:p>
+            </p:txBody>
+          </p:sp>
+        </mc:Choice>
+        <mc:Fallback xmlns="">
+          <p:sp>
+            <p:nvSpPr>
+              <p:cNvPr id="21" name="TextBox 20"/>
+              <p:cNvSpPr txBox="1">
+                <a:spLocks noRot="1" noChangeAspect="1" noMove="1" noResize="1" noEditPoints="1" noAdjustHandles="1" noChangeArrowheads="1" noChangeShapeType="1" noTextEdit="1"/>
+              </p:cNvSpPr>
+              <p:nvPr/>
+            </p:nvSpPr>
+            <p:spPr>
+              <a:xfrm>
+                <a:off x="4887319" y="4085606"/>
+                <a:ext cx="560410" cy="369332"/>
+              </a:xfrm>
+              <a:prstGeom prst="rect">
+                <a:avLst/>
+              </a:prstGeom>
+              <a:blipFill rotWithShape="1">
+                <a:blip r:embed="rId8"/>
+                <a:stretch>
+                  <a:fillRect/>
+                </a:stretch>
+              </a:blipFill>
+            </p:spPr>
+            <p:txBody>
+              <a:bodyPr/>
+              <a:lstStyle/>
+              <a:p>
+                <a:r>
+                  <a:rPr lang="pl-PL">
+                    <a:noFill/>
+                  </a:rPr>
+                  <a:t> </a:t>
+                </a:r>
+              </a:p>
+            </p:txBody>
+          </p:sp>
+        </mc:Fallback>
+      </mc:AlternateContent>
+      <mc:AlternateContent xmlns:mc="http://schemas.openxmlformats.org/markup-compatibility/2006" xmlns:a14="http://schemas.microsoft.com/office/drawing/2010/main">
+        <mc:Choice Requires="a14">
+          <p:sp>
+            <p:nvSpPr>
+              <p:cNvPr id="22" name="TextBox 21"/>
+              <p:cNvSpPr txBox="1"/>
+              <p:nvPr/>
+            </p:nvSpPr>
+            <p:spPr>
+              <a:xfrm>
+                <a:off x="5920164" y="4454938"/>
+                <a:ext cx="560410" cy="369332"/>
+              </a:xfrm>
+              <a:prstGeom prst="rect">
+                <a:avLst/>
+              </a:prstGeom>
+              <a:noFill/>
+            </p:spPr>
+            <p:txBody>
+              <a:bodyPr wrap="none" rtlCol="0">
+                <a:spAutoFit/>
+              </a:bodyPr>
+              <a:lstStyle/>
+              <a:p>
+                <a:pPr/>
+                <a14:m>
+                  <m:oMathPara xmlns:m="http://schemas.openxmlformats.org/officeDocument/2006/math">
+                    <m:oMathParaPr>
+                      <m:jc m:val="centerGroup"/>
+                    </m:oMathParaPr>
+                    <m:oMath xmlns:m="http://schemas.openxmlformats.org/officeDocument/2006/math">
+                      <m:sSub>
+                        <m:sSubPr>
+                          <m:ctrlPr>
+                            <a:rPr lang="pl-PL" i="1" smtClean="0">
+                              <a:latin typeface="Cambria Math"/>
+                            </a:rPr>
+                          </m:ctrlPr>
+                        </m:sSubPr>
+                        <m:e>
+                          <m:r>
+                            <a:rPr lang="pl-PL" b="0" i="1" smtClean="0">
+                              <a:latin typeface="Cambria Math"/>
+                            </a:rPr>
+                            <m:t>𝑏</m:t>
+                          </m:r>
+                        </m:e>
+                        <m:sub>
+                          <m:r>
+                            <a:rPr lang="pl-PL" b="0" i="1" smtClean="0">
+                              <a:latin typeface="Cambria Math"/>
+                            </a:rPr>
+                            <m:t>32</m:t>
+                          </m:r>
+                        </m:sub>
+                      </m:sSub>
+                    </m:oMath>
+                  </m:oMathPara>
+                </a14:m>
+                <a:endParaRPr lang="pl-PL" dirty="0"/>
+              </a:p>
+            </p:txBody>
+          </p:sp>
+        </mc:Choice>
+        <mc:Fallback xmlns="">
+          <p:sp>
+            <p:nvSpPr>
+              <p:cNvPr id="22" name="TextBox 21"/>
+              <p:cNvSpPr txBox="1">
+                <a:spLocks noRot="1" noChangeAspect="1" noMove="1" noResize="1" noEditPoints="1" noAdjustHandles="1" noChangeArrowheads="1" noChangeShapeType="1" noTextEdit="1"/>
+              </p:cNvSpPr>
+              <p:nvPr/>
+            </p:nvSpPr>
+            <p:spPr>
+              <a:xfrm>
+                <a:off x="5920164" y="4454938"/>
+                <a:ext cx="560410" cy="369332"/>
+              </a:xfrm>
+              <a:prstGeom prst="rect">
+                <a:avLst/>
+              </a:prstGeom>
+              <a:blipFill rotWithShape="1">
+                <a:blip r:embed="rId9"/>
+                <a:stretch>
+                  <a:fillRect/>
+                </a:stretch>
+              </a:blipFill>
+            </p:spPr>
+            <p:txBody>
+              <a:bodyPr/>
+              <a:lstStyle/>
+              <a:p>
+                <a:r>
+                  <a:rPr lang="pl-PL">
+                    <a:noFill/>
+                  </a:rPr>
+                  <a:t> </a:t>
+                </a:r>
+              </a:p>
+            </p:txBody>
+          </p:sp>
+        </mc:Fallback>
+      </mc:AlternateContent>
+      <p:sp>
+        <p:nvSpPr>
+          <p:cNvPr id="23" name="Right Brace 22"/>
+          <p:cNvSpPr/>
+          <p:nvPr/>
+        </p:nvSpPr>
+        <p:spPr>
+          <a:xfrm rot="6863898">
+            <a:off x="5336673" y="3388923"/>
+            <a:ext cx="288031" cy="1074247"/>
+          </a:xfrm>
+          <a:prstGeom prst="rightBrace">
+            <a:avLst>
+              <a:gd name="adj1" fmla="val 40907"/>
+              <a:gd name="adj2" fmla="val 47965"/>
+            </a:avLst>
+          </a:prstGeom>
+        </p:spPr>
+        <p:style>
+          <a:lnRef idx="1">
+            <a:schemeClr val="accent1"/>
+          </a:lnRef>
+          <a:fillRef idx="0">
+            <a:schemeClr val="accent1"/>
+          </a:fillRef>
+          <a:effectRef idx="0">
+            <a:schemeClr val="accent1"/>
+          </a:effectRef>
+          <a:fontRef idx="minor">
+            <a:schemeClr val="tx1"/>
+          </a:fontRef>
+        </p:style>
+        <p:txBody>
+          <a:bodyPr rtlCol="0" anchor="ctr"/>
+          <a:lstStyle/>
+          <a:p>
+            <a:pPr algn="ctr"/>
+            <a:endParaRPr lang="pl-PL"/>
+          </a:p>
+        </p:txBody>
+      </p:sp>
+      <p:sp>
+        <p:nvSpPr>
+          <p:cNvPr id="24" name="Right Brace 23"/>
+          <p:cNvSpPr/>
+          <p:nvPr/>
+        </p:nvSpPr>
+        <p:spPr>
+          <a:xfrm rot="14034819">
+            <a:off x="6340756" y="1343493"/>
+            <a:ext cx="288031" cy="1211348"/>
+          </a:xfrm>
+          <a:prstGeom prst="rightBrace">
+            <a:avLst>
+              <a:gd name="adj1" fmla="val 40907"/>
+              <a:gd name="adj2" fmla="val 47965"/>
+            </a:avLst>
+          </a:prstGeom>
+        </p:spPr>
+        <p:style>
+          <a:lnRef idx="1">
+            <a:schemeClr val="accent1"/>
+          </a:lnRef>
+          <a:fillRef idx="0">
+            <a:schemeClr val="accent1"/>
+          </a:fillRef>
+          <a:effectRef idx="0">
+            <a:schemeClr val="accent1"/>
+          </a:effectRef>
+          <a:fontRef idx="minor">
+            <a:schemeClr val="tx1"/>
+          </a:fontRef>
+        </p:style>
+        <p:txBody>
+          <a:bodyPr rtlCol="0" anchor="ctr"/>
+          <a:lstStyle/>
+          <a:p>
+            <a:pPr algn="ctr"/>
+            <a:endParaRPr lang="pl-PL"/>
+          </a:p>
+        </p:txBody>
+      </p:sp>
+      <mc:AlternateContent xmlns:mc="http://schemas.openxmlformats.org/markup-compatibility/2006" xmlns:a14="http://schemas.microsoft.com/office/drawing/2010/main">
+        <mc:Choice Requires="a14">
+          <p:sp>
+            <p:nvSpPr>
+              <p:cNvPr id="25" name="TextBox 24"/>
+              <p:cNvSpPr txBox="1"/>
+              <p:nvPr/>
+            </p:nvSpPr>
+            <p:spPr>
+              <a:xfrm>
+                <a:off x="4908254" y="2217638"/>
+                <a:ext cx="560410" cy="369332"/>
+              </a:xfrm>
+              <a:prstGeom prst="rect">
+                <a:avLst/>
+              </a:prstGeom>
+              <a:noFill/>
+            </p:spPr>
+            <p:txBody>
+              <a:bodyPr wrap="none" rtlCol="0">
+                <a:spAutoFit/>
+              </a:bodyPr>
+              <a:lstStyle/>
+              <a:p>
+                <a:pPr/>
+                <a14:m>
+                  <m:oMathPara xmlns:m="http://schemas.openxmlformats.org/officeDocument/2006/math">
+                    <m:oMathParaPr>
+                      <m:jc m:val="centerGroup"/>
+                    </m:oMathParaPr>
+                    <m:oMath xmlns:m="http://schemas.openxmlformats.org/officeDocument/2006/math">
+                      <m:sSub>
+                        <m:sSubPr>
+                          <m:ctrlPr>
+                            <a:rPr lang="pl-PL" i="1" smtClean="0">
+                              <a:latin typeface="Cambria Math"/>
+                            </a:rPr>
+                          </m:ctrlPr>
+                        </m:sSubPr>
+                        <m:e>
+                          <m:r>
+                            <a:rPr lang="pl-PL" b="0" i="1" smtClean="0">
+                              <a:latin typeface="Cambria Math"/>
+                            </a:rPr>
+                            <m:t>𝑏</m:t>
+                          </m:r>
+                        </m:e>
+                        <m:sub>
+                          <m:r>
+                            <a:rPr lang="pl-PL" b="0" i="1" smtClean="0">
+                              <a:latin typeface="Cambria Math"/>
+                            </a:rPr>
+                            <m:t>21</m:t>
+                          </m:r>
+                        </m:sub>
+                      </m:sSub>
+                    </m:oMath>
+                  </m:oMathPara>
+                </a14:m>
+                <a:endParaRPr lang="pl-PL" dirty="0"/>
+              </a:p>
+            </p:txBody>
+          </p:sp>
+        </mc:Choice>
+        <mc:Fallback xmlns="">
+          <p:sp>
+            <p:nvSpPr>
+              <p:cNvPr id="25" name="TextBox 24"/>
+              <p:cNvSpPr txBox="1">
+                <a:spLocks noRot="1" noChangeAspect="1" noMove="1" noResize="1" noEditPoints="1" noAdjustHandles="1" noChangeArrowheads="1" noChangeShapeType="1" noTextEdit="1"/>
+              </p:cNvSpPr>
+              <p:nvPr/>
+            </p:nvSpPr>
+            <p:spPr>
+              <a:xfrm>
+                <a:off x="4908254" y="2217638"/>
+                <a:ext cx="560410" cy="369332"/>
+              </a:xfrm>
+              <a:prstGeom prst="rect">
+                <a:avLst/>
+              </a:prstGeom>
+              <a:blipFill rotWithShape="1">
+                <a:blip r:embed="rId10"/>
+                <a:stretch>
+                  <a:fillRect/>
+                </a:stretch>
+              </a:blipFill>
+            </p:spPr>
+            <p:txBody>
+              <a:bodyPr/>
+              <a:lstStyle/>
+              <a:p>
+                <a:r>
+                  <a:rPr lang="pl-PL">
+                    <a:noFill/>
+                  </a:rPr>
+                  <a:t> </a:t>
+                </a:r>
+              </a:p>
+            </p:txBody>
+          </p:sp>
+        </mc:Fallback>
+      </mc:AlternateContent>
+      <mc:AlternateContent xmlns:mc="http://schemas.openxmlformats.org/markup-compatibility/2006" xmlns:a14="http://schemas.microsoft.com/office/drawing/2010/main">
+        <mc:Choice Requires="a14">
+          <p:sp>
+            <p:nvSpPr>
+              <p:cNvPr id="26" name="TextBox 25"/>
+              <p:cNvSpPr txBox="1"/>
+              <p:nvPr/>
+            </p:nvSpPr>
+            <p:spPr>
+              <a:xfrm>
+                <a:off x="5955806" y="1475492"/>
+                <a:ext cx="560410" cy="369332"/>
+              </a:xfrm>
+              <a:prstGeom prst="rect">
+                <a:avLst/>
+              </a:prstGeom>
+              <a:noFill/>
+            </p:spPr>
+            <p:txBody>
+              <a:bodyPr wrap="none" rtlCol="0">
+                <a:spAutoFit/>
+              </a:bodyPr>
+              <a:lstStyle/>
+              <a:p>
+                <a:pPr/>
+                <a14:m>
+                  <m:oMathPara xmlns:m="http://schemas.openxmlformats.org/officeDocument/2006/math">
+                    <m:oMathParaPr>
+                      <m:jc m:val="centerGroup"/>
+                    </m:oMathParaPr>
+                    <m:oMath xmlns:m="http://schemas.openxmlformats.org/officeDocument/2006/math">
+                      <m:sSub>
+                        <m:sSubPr>
+                          <m:ctrlPr>
+                            <a:rPr lang="pl-PL" i="1" smtClean="0">
+                              <a:latin typeface="Cambria Math"/>
+                            </a:rPr>
+                          </m:ctrlPr>
+                        </m:sSubPr>
+                        <m:e>
+                          <m:r>
+                            <a:rPr lang="pl-PL" b="0" i="1" smtClean="0">
+                              <a:latin typeface="Cambria Math"/>
+                            </a:rPr>
+                            <m:t>𝑏</m:t>
+                          </m:r>
+                        </m:e>
+                        <m:sub>
+                          <m:r>
+                            <a:rPr lang="pl-PL" b="0" i="1" smtClean="0">
+                              <a:latin typeface="Cambria Math"/>
+                            </a:rPr>
+                            <m:t>21</m:t>
+                          </m:r>
+                        </m:sub>
+                      </m:sSub>
+                    </m:oMath>
+                  </m:oMathPara>
+                </a14:m>
+                <a:endParaRPr lang="pl-PL" dirty="0"/>
+              </a:p>
+            </p:txBody>
+          </p:sp>
+        </mc:Choice>
+        <mc:Fallback xmlns="">
+          <p:sp>
+            <p:nvSpPr>
+              <p:cNvPr id="26" name="TextBox 25"/>
+              <p:cNvSpPr txBox="1">
+                <a:spLocks noRot="1" noChangeAspect="1" noMove="1" noResize="1" noEditPoints="1" noAdjustHandles="1" noChangeArrowheads="1" noChangeShapeType="1" noTextEdit="1"/>
+              </p:cNvSpPr>
+              <p:nvPr/>
+            </p:nvSpPr>
+            <p:spPr>
+              <a:xfrm>
+                <a:off x="5955806" y="1475492"/>
+                <a:ext cx="560410" cy="369332"/>
+              </a:xfrm>
+              <a:prstGeom prst="rect">
+                <a:avLst/>
+              </a:prstGeom>
+              <a:blipFill rotWithShape="1">
+                <a:blip r:embed="rId11"/>
+                <a:stretch>
+                  <a:fillRect/>
+                </a:stretch>
+              </a:blipFill>
+            </p:spPr>
+            <p:txBody>
+              <a:bodyPr/>
+              <a:lstStyle/>
+              <a:p>
+                <a:r>
+                  <a:rPr lang="pl-PL">
+                    <a:noFill/>
+                  </a:rPr>
+                  <a:t> </a:t>
+                </a:r>
+              </a:p>
+            </p:txBody>
+          </p:sp>
+        </mc:Fallback>
+      </mc:AlternateContent>
+    </p:spTree>
+    <p:extLst>
+      <p:ext uri="{BB962C8B-B14F-4D97-AF65-F5344CB8AC3E}">
+        <p14:creationId xmlns:p14="http://schemas.microsoft.com/office/powerpoint/2010/main" val="204407770"/>
+      </p:ext>
+    </p:extLst>
+  </p:cSld>
+  <p:clrMapOvr>
+    <a:masterClrMapping/>
+  </p:clrMapOvr>
+</p:sld>
+</file>
+
+<file path=ppt/slides/slide11.xml><?xml version="1.0" encoding="utf-8"?>
+<p:sld xmlns:a="http://schemas.openxmlformats.org/drawingml/2006/main" xmlns:r="http://schemas.openxmlformats.org/officeDocument/2006/relationships" xmlns:p="http://schemas.openxmlformats.org/presentationml/2006/main">
+  <p:cSld>
+    <p:spTree>
+      <p:nvGrpSpPr>
+        <p:cNvPr id="1" name=""/>
+        <p:cNvGrpSpPr/>
+        <p:nvPr/>
+      </p:nvGrpSpPr>
+      <p:grpSpPr>
+        <a:xfrm>
+          <a:off x="0" y="0"/>
+          <a:ext cx="0" cy="0"/>
+          <a:chOff x="0" y="0"/>
+          <a:chExt cx="0" cy="0"/>
+        </a:xfrm>
+      </p:grpSpPr>
+      <p:pic>
+        <p:nvPicPr>
+          <p:cNvPr id="4" name="Picture 2"/>
+          <p:cNvPicPr>
+            <a:picLocks noChangeAspect="1" noChangeArrowheads="1"/>
+          </p:cNvPicPr>
+          <p:nvPr/>
+        </p:nvPicPr>
+        <p:blipFill>
+          <a:blip r:embed="rId2">
+            <a:extLst>
+              <a:ext uri="{28A0092B-C50C-407E-A947-70E740481C1C}">
+                <a14:useLocalDpi xmlns:a14="http://schemas.microsoft.com/office/drawing/2010/main" val="0"/>
+              </a:ext>
+            </a:extLst>
+          </a:blip>
+          <a:srcRect/>
+          <a:stretch>
+            <a:fillRect/>
+          </a:stretch>
+        </p:blipFill>
+        <p:spPr bwMode="auto">
+          <a:xfrm>
+            <a:off x="1187624" y="1052736"/>
+            <a:ext cx="7292717" cy="4176464"/>
+          </a:xfrm>
+          <a:prstGeom prst="rect">
+            <a:avLst/>
+          </a:prstGeom>
+          <a:noFill/>
+          <a:ln>
+            <a:noFill/>
+          </a:ln>
+          <a:effectLst/>
+          <a:extLst>
+            <a:ext uri="{909E8E84-426E-40DD-AFC4-6F175D3DCCD1}">
+              <a14:hiddenFill xmlns:a14="http://schemas.microsoft.com/office/drawing/2010/main">
+                <a:solidFill>
+                  <a:schemeClr val="accent1"/>
+                </a:solidFill>
+              </a14:hiddenFill>
+            </a:ext>
+            <a:ext uri="{91240B29-F687-4F45-9708-019B960494DF}">
+              <a14:hiddenLine xmlns:a14="http://schemas.microsoft.com/office/drawing/2010/main" w="9525">
+                <a:solidFill>
+                  <a:schemeClr val="tx1"/>
+                </a:solidFill>
+                <a:miter lim="800000"/>
+                <a:headEnd/>
+                <a:tailEnd/>
+              </a14:hiddenLine>
+            </a:ext>
+            <a:ext uri="{AF507438-7753-43E0-B8FC-AC1667EBCBE1}">
+              <a14:hiddenEffects xmlns:a14="http://schemas.microsoft.com/office/drawing/2010/main">
+                <a:effectLst>
+                  <a:outerShdw dist="35921" dir="2700000" algn="ctr" rotWithShape="0">
+                    <a:schemeClr val="bg2"/>
+                  </a:outerShdw>
+                </a:effectLst>
+              </a14:hiddenEffects>
+            </a:ext>
+          </a:extLst>
+        </p:spPr>
+      </p:pic>
+      <mc:AlternateContent xmlns:mc="http://schemas.openxmlformats.org/markup-compatibility/2006" xmlns:a14="http://schemas.microsoft.com/office/drawing/2010/main">
+        <mc:Choice Requires="a14">
+          <p:sp>
+            <p:nvSpPr>
+              <p:cNvPr id="5" name="TextBox 4"/>
+              <p:cNvSpPr txBox="1"/>
+              <p:nvPr/>
+            </p:nvSpPr>
+            <p:spPr>
+              <a:xfrm>
+                <a:off x="3131842" y="2956302"/>
+                <a:ext cx="446661" cy="369332"/>
+              </a:xfrm>
+              <a:prstGeom prst="rect">
+                <a:avLst/>
+              </a:prstGeom>
+              <a:noFill/>
+            </p:spPr>
+            <p:txBody>
+              <a:bodyPr wrap="none" rtlCol="0">
+                <a:spAutoFit/>
+              </a:bodyPr>
+              <a:lstStyle/>
+              <a:p>
+                <a:pPr/>
+                <a14:m>
+                  <m:oMathPara xmlns:m="http://schemas.openxmlformats.org/officeDocument/2006/math">
+                    <m:oMathParaPr>
+                      <m:jc m:val="centerGroup"/>
+                    </m:oMathParaPr>
+                    <m:oMath xmlns:m="http://schemas.openxmlformats.org/officeDocument/2006/math">
+                      <m:sSub>
+                        <m:sSubPr>
+                          <m:ctrlPr>
+                            <a:rPr lang="pl-PL" i="1" smtClean="0">
+                              <a:latin typeface="Cambria Math"/>
+                            </a:rPr>
+                          </m:ctrlPr>
+                        </m:sSubPr>
+                        <m:e>
+                          <m:r>
+                            <a:rPr lang="pl-PL" b="0" i="1" smtClean="0">
+                              <a:latin typeface="Cambria Math"/>
+                            </a:rPr>
+                            <m:t>𝑒</m:t>
+                          </m:r>
+                        </m:e>
+                        <m:sub>
+                          <m:r>
+                            <a:rPr lang="pl-PL" b="0" i="1" smtClean="0">
+                              <a:latin typeface="Cambria Math"/>
+                            </a:rPr>
+                            <m:t>1</m:t>
+                          </m:r>
+                        </m:sub>
+                      </m:sSub>
+                    </m:oMath>
+                  </m:oMathPara>
+                </a14:m>
+                <a:endParaRPr lang="pl-PL" dirty="0"/>
+              </a:p>
+            </p:txBody>
+          </p:sp>
+        </mc:Choice>
+        <mc:Fallback xmlns="">
+          <p:sp>
+            <p:nvSpPr>
+              <p:cNvPr id="5" name="TextBox 4"/>
+              <p:cNvSpPr txBox="1">
+                <a:spLocks noRot="1" noChangeAspect="1" noMove="1" noResize="1" noEditPoints="1" noAdjustHandles="1" noChangeArrowheads="1" noChangeShapeType="1" noTextEdit="1"/>
+              </p:cNvSpPr>
+              <p:nvPr/>
+            </p:nvSpPr>
+            <p:spPr>
+              <a:xfrm>
+                <a:off x="3131840" y="2956302"/>
+                <a:ext cx="446661" cy="369332"/>
+              </a:xfrm>
+              <a:prstGeom prst="rect">
+                <a:avLst/>
+              </a:prstGeom>
+              <a:blipFill rotWithShape="1">
+                <a:blip r:embed="rId3"/>
+                <a:stretch>
+                  <a:fillRect/>
+                </a:stretch>
+              </a:blipFill>
+            </p:spPr>
+            <p:txBody>
+              <a:bodyPr/>
+              <a:lstStyle/>
+              <a:p>
+                <a:r>
+                  <a:rPr lang="pl-PL">
+                    <a:noFill/>
+                  </a:rPr>
+                  <a:t> </a:t>
+                </a:r>
+              </a:p>
+            </p:txBody>
+          </p:sp>
+        </mc:Fallback>
+      </mc:AlternateContent>
+      <mc:AlternateContent xmlns:mc="http://schemas.openxmlformats.org/markup-compatibility/2006" xmlns:a14="http://schemas.microsoft.com/office/drawing/2010/main">
+        <mc:Choice Requires="a14">
+          <p:sp>
+            <p:nvSpPr>
+              <p:cNvPr id="6" name="TextBox 5"/>
+              <p:cNvSpPr txBox="1"/>
+              <p:nvPr/>
+            </p:nvSpPr>
+            <p:spPr>
+              <a:xfrm>
+                <a:off x="6038862" y="2586970"/>
+                <a:ext cx="451983" cy="369332"/>
+              </a:xfrm>
+              <a:prstGeom prst="rect">
+                <a:avLst/>
+              </a:prstGeom>
+              <a:noFill/>
+            </p:spPr>
+            <p:txBody>
+              <a:bodyPr wrap="none" rtlCol="0">
+                <a:spAutoFit/>
+              </a:bodyPr>
+              <a:lstStyle/>
+              <a:p>
+                <a:pPr/>
+                <a14:m>
+                  <m:oMathPara xmlns:m="http://schemas.openxmlformats.org/officeDocument/2006/math">
+                    <m:oMathParaPr>
+                      <m:jc m:val="centerGroup"/>
+                    </m:oMathParaPr>
+                    <m:oMath xmlns:m="http://schemas.openxmlformats.org/officeDocument/2006/math">
+                      <m:sSub>
+                        <m:sSubPr>
+                          <m:ctrlPr>
+                            <a:rPr lang="pl-PL" i="1" smtClean="0">
+                              <a:latin typeface="Cambria Math"/>
+                            </a:rPr>
+                          </m:ctrlPr>
+                        </m:sSubPr>
+                        <m:e>
+                          <m:r>
+                            <a:rPr lang="pl-PL" b="0" i="1" smtClean="0">
+                              <a:latin typeface="Cambria Math"/>
+                            </a:rPr>
+                            <m:t>𝑒</m:t>
+                          </m:r>
+                        </m:e>
+                        <m:sub>
+                          <m:r>
+                            <a:rPr lang="pl-PL" b="0" i="1" smtClean="0">
+                              <a:latin typeface="Cambria Math"/>
+                            </a:rPr>
+                            <m:t>2</m:t>
+                          </m:r>
+                        </m:sub>
+                      </m:sSub>
+                    </m:oMath>
+                  </m:oMathPara>
+                </a14:m>
+                <a:endParaRPr lang="pl-PL" dirty="0"/>
+              </a:p>
+            </p:txBody>
+          </p:sp>
+        </mc:Choice>
+        <mc:Fallback xmlns="">
+          <p:sp>
+            <p:nvSpPr>
+              <p:cNvPr id="6" name="TextBox 5"/>
+              <p:cNvSpPr txBox="1">
+                <a:spLocks noRot="1" noChangeAspect="1" noMove="1" noResize="1" noEditPoints="1" noAdjustHandles="1" noChangeArrowheads="1" noChangeShapeType="1" noTextEdit="1"/>
+              </p:cNvSpPr>
+              <p:nvPr/>
+            </p:nvSpPr>
+            <p:spPr>
+              <a:xfrm>
+                <a:off x="6038861" y="2586970"/>
+                <a:ext cx="451982" cy="369332"/>
+              </a:xfrm>
+              <a:prstGeom prst="rect">
+                <a:avLst/>
+              </a:prstGeom>
+              <a:blipFill rotWithShape="1">
+                <a:blip r:embed="rId4"/>
+                <a:stretch>
+                  <a:fillRect/>
+                </a:stretch>
+              </a:blipFill>
+            </p:spPr>
+            <p:txBody>
+              <a:bodyPr/>
+              <a:lstStyle/>
+              <a:p>
+                <a:r>
+                  <a:rPr lang="pl-PL">
+                    <a:noFill/>
+                  </a:rPr>
+                  <a:t> </a:t>
+                </a:r>
+              </a:p>
+            </p:txBody>
+          </p:sp>
+        </mc:Fallback>
+      </mc:AlternateContent>
+      <mc:AlternateContent xmlns:mc="http://schemas.openxmlformats.org/markup-compatibility/2006" xmlns:a14="http://schemas.microsoft.com/office/drawing/2010/main">
+        <mc:Choice Requires="a14">
+          <p:sp>
+            <p:nvSpPr>
+              <p:cNvPr id="7" name="TextBox 6"/>
+              <p:cNvSpPr txBox="1"/>
+              <p:nvPr/>
+            </p:nvSpPr>
+            <p:spPr>
+              <a:xfrm>
+                <a:off x="6049131" y="3462664"/>
+                <a:ext cx="451983" cy="369332"/>
+              </a:xfrm>
+              <a:prstGeom prst="rect">
+                <a:avLst/>
+              </a:prstGeom>
+              <a:noFill/>
+            </p:spPr>
+            <p:txBody>
+              <a:bodyPr wrap="none" rtlCol="0">
+                <a:spAutoFit/>
+              </a:bodyPr>
+              <a:lstStyle/>
+              <a:p>
+                <a:pPr/>
+                <a14:m>
+                  <m:oMathPara xmlns:m="http://schemas.openxmlformats.org/officeDocument/2006/math">
+                    <m:oMathParaPr>
+                      <m:jc m:val="centerGroup"/>
+                    </m:oMathParaPr>
+                    <m:oMath xmlns:m="http://schemas.openxmlformats.org/officeDocument/2006/math">
+                      <m:sSub>
+                        <m:sSubPr>
+                          <m:ctrlPr>
+                            <a:rPr lang="pl-PL" i="1" smtClean="0">
+                              <a:latin typeface="Cambria Math"/>
+                            </a:rPr>
+                          </m:ctrlPr>
+                        </m:sSubPr>
+                        <m:e>
+                          <m:r>
+                            <a:rPr lang="pl-PL" b="0" i="1" smtClean="0">
+                              <a:latin typeface="Cambria Math"/>
+                            </a:rPr>
+                            <m:t>𝑒</m:t>
+                          </m:r>
+                        </m:e>
+                        <m:sub>
+                          <m:r>
+                            <a:rPr lang="pl-PL" b="0" i="1" smtClean="0">
+                              <a:latin typeface="Cambria Math"/>
+                            </a:rPr>
+                            <m:t>3</m:t>
+                          </m:r>
+                        </m:sub>
+                      </m:sSub>
+                    </m:oMath>
+                  </m:oMathPara>
+                </a14:m>
+                <a:endParaRPr lang="pl-PL" dirty="0"/>
+              </a:p>
+            </p:txBody>
+          </p:sp>
+        </mc:Choice>
+        <mc:Fallback xmlns="">
+          <p:sp>
+            <p:nvSpPr>
+              <p:cNvPr id="7" name="TextBox 6"/>
+              <p:cNvSpPr txBox="1">
+                <a:spLocks noRot="1" noChangeAspect="1" noMove="1" noResize="1" noEditPoints="1" noAdjustHandles="1" noChangeArrowheads="1" noChangeShapeType="1" noTextEdit="1"/>
+              </p:cNvSpPr>
+              <p:nvPr/>
+            </p:nvSpPr>
+            <p:spPr>
+              <a:xfrm>
+                <a:off x="6049130" y="3462664"/>
+                <a:ext cx="451982" cy="369332"/>
+              </a:xfrm>
+              <a:prstGeom prst="rect">
+                <a:avLst/>
+              </a:prstGeom>
+              <a:blipFill rotWithShape="1">
+                <a:blip r:embed="rId5"/>
+                <a:stretch>
+                  <a:fillRect/>
+                </a:stretch>
+              </a:blipFill>
+            </p:spPr>
+            <p:txBody>
+              <a:bodyPr/>
+              <a:lstStyle/>
+              <a:p>
+                <a:r>
+                  <a:rPr lang="pl-PL">
+                    <a:noFill/>
+                  </a:rPr>
+                  <a:t> </a:t>
+                </a:r>
+              </a:p>
+            </p:txBody>
+          </p:sp>
+        </mc:Fallback>
+      </mc:AlternateContent>
+      <p:sp>
+        <p:nvSpPr>
+          <p:cNvPr id="8" name="Right Brace 7"/>
+          <p:cNvSpPr/>
+          <p:nvPr/>
+        </p:nvSpPr>
+        <p:spPr>
+          <a:xfrm rot="5400000">
+            <a:off x="2507810" y="2979403"/>
+            <a:ext cx="288031" cy="1254556"/>
+          </a:xfrm>
+          <a:prstGeom prst="rightBrace">
+            <a:avLst>
+              <a:gd name="adj1" fmla="val 34953"/>
+              <a:gd name="adj2" fmla="val 47965"/>
+            </a:avLst>
+          </a:prstGeom>
+        </p:spPr>
+        <p:style>
+          <a:lnRef idx="1">
+            <a:schemeClr val="accent1"/>
+          </a:lnRef>
+          <a:fillRef idx="0">
+            <a:schemeClr val="accent1"/>
+          </a:fillRef>
+          <a:effectRef idx="0">
+            <a:schemeClr val="accent1"/>
+          </a:effectRef>
+          <a:fontRef idx="minor">
+            <a:schemeClr val="tx1"/>
+          </a:fontRef>
+        </p:style>
+        <p:txBody>
+          <a:bodyPr rtlCol="0" anchor="ctr"/>
+          <a:lstStyle/>
+          <a:p>
+            <a:pPr algn="ctr"/>
+            <a:endParaRPr lang="pl-PL"/>
+          </a:p>
+        </p:txBody>
+      </p:sp>
+      <mc:AlternateContent xmlns:mc="http://schemas.openxmlformats.org/markup-compatibility/2006" xmlns:a14="http://schemas.microsoft.com/office/drawing/2010/main">
+        <mc:Choice Requires="a14">
+          <p:sp>
+            <p:nvSpPr>
+              <p:cNvPr id="9" name="TextBox 8"/>
+              <p:cNvSpPr txBox="1"/>
+              <p:nvPr/>
+            </p:nvSpPr>
+            <p:spPr>
+              <a:xfrm>
+                <a:off x="2436763" y="3750695"/>
+                <a:ext cx="555088" cy="369332"/>
+              </a:xfrm>
+              <a:prstGeom prst="rect">
+                <a:avLst/>
+              </a:prstGeom>
+              <a:noFill/>
+            </p:spPr>
+            <p:txBody>
+              <a:bodyPr wrap="none" rtlCol="0">
+                <a:spAutoFit/>
+              </a:bodyPr>
+              <a:lstStyle/>
+              <a:p>
+                <a:pPr/>
+                <a14:m>
+                  <m:oMathPara xmlns:m="http://schemas.openxmlformats.org/officeDocument/2006/math">
+                    <m:oMathParaPr>
+                      <m:jc m:val="centerGroup"/>
+                    </m:oMathParaPr>
+                    <m:oMath xmlns:m="http://schemas.openxmlformats.org/officeDocument/2006/math">
+                      <m:sSub>
+                        <m:sSubPr>
+                          <m:ctrlPr>
+                            <a:rPr lang="pl-PL" i="1" smtClean="0">
+                              <a:latin typeface="Cambria Math"/>
+                            </a:rPr>
+                          </m:ctrlPr>
+                        </m:sSubPr>
+                        <m:e>
+                          <m:r>
+                            <a:rPr lang="pl-PL" b="0" i="1" smtClean="0">
+                              <a:latin typeface="Cambria Math"/>
+                            </a:rPr>
+                            <m:t>𝑏</m:t>
+                          </m:r>
+                        </m:e>
+                        <m:sub>
+                          <m:r>
+                            <a:rPr lang="pl-PL" b="0" i="1" smtClean="0">
+                              <a:latin typeface="Cambria Math"/>
+                            </a:rPr>
+                            <m:t>11</m:t>
+                          </m:r>
+                        </m:sub>
+                      </m:sSub>
+                    </m:oMath>
+                  </m:oMathPara>
+                </a14:m>
+                <a:endParaRPr lang="pl-PL" dirty="0"/>
+              </a:p>
+            </p:txBody>
+          </p:sp>
+        </mc:Choice>
+        <mc:Fallback xmlns="">
+          <p:sp>
+            <p:nvSpPr>
+              <p:cNvPr id="9" name="TextBox 8"/>
+              <p:cNvSpPr txBox="1">
+                <a:spLocks noRot="1" noChangeAspect="1" noMove="1" noResize="1" noEditPoints="1" noAdjustHandles="1" noChangeArrowheads="1" noChangeShapeType="1" noTextEdit="1"/>
+              </p:cNvSpPr>
+              <p:nvPr/>
+            </p:nvSpPr>
+            <p:spPr>
+              <a:xfrm>
+                <a:off x="2436763" y="3750695"/>
+                <a:ext cx="555088" cy="369332"/>
+              </a:xfrm>
+              <a:prstGeom prst="rect">
+                <a:avLst/>
+              </a:prstGeom>
+              <a:blipFill rotWithShape="1">
+                <a:blip r:embed="rId6"/>
+                <a:stretch>
+                  <a:fillRect/>
+                </a:stretch>
+              </a:blipFill>
+            </p:spPr>
+            <p:txBody>
+              <a:bodyPr/>
+              <a:lstStyle/>
+              <a:p>
+                <a:r>
+                  <a:rPr lang="pl-PL">
+                    <a:noFill/>
+                  </a:rPr>
+                  <a:t> </a:t>
+                </a:r>
+              </a:p>
+            </p:txBody>
+          </p:sp>
+        </mc:Fallback>
+      </mc:AlternateContent>
+      <mc:AlternateContent xmlns:mc="http://schemas.openxmlformats.org/markup-compatibility/2006" xmlns:a14="http://schemas.microsoft.com/office/drawing/2010/main">
+        <mc:Choice Requires="a14">
+          <p:sp>
+            <p:nvSpPr>
+              <p:cNvPr id="10" name="TextBox 9"/>
+              <p:cNvSpPr txBox="1"/>
+              <p:nvPr/>
+            </p:nvSpPr>
+            <p:spPr>
+              <a:xfrm>
+                <a:off x="3598322" y="3765471"/>
+                <a:ext cx="622628" cy="369332"/>
+              </a:xfrm>
+              <a:prstGeom prst="rect">
+                <a:avLst/>
+              </a:prstGeom>
+              <a:noFill/>
+            </p:spPr>
+            <p:txBody>
+              <a:bodyPr wrap="square" rtlCol="0">
+                <a:spAutoFit/>
+              </a:bodyPr>
+              <a:lstStyle/>
+              <a:p>
+                <a:pPr/>
+                <a14:m>
+                  <m:oMathPara xmlns:m="http://schemas.openxmlformats.org/officeDocument/2006/math">
+                    <m:oMathParaPr>
+                      <m:jc m:val="centerGroup"/>
+                    </m:oMathParaPr>
+                    <m:oMath xmlns:m="http://schemas.openxmlformats.org/officeDocument/2006/math">
+                      <m:sSub>
+                        <m:sSubPr>
+                          <m:ctrlPr>
+                            <a:rPr lang="pl-PL" i="1" smtClean="0">
+                              <a:latin typeface="Cambria Math"/>
+                            </a:rPr>
+                          </m:ctrlPr>
+                        </m:sSubPr>
+                        <m:e>
+                          <m:r>
+                            <a:rPr lang="pl-PL" b="0" i="1" smtClean="0">
+                              <a:latin typeface="Cambria Math"/>
+                            </a:rPr>
+                            <m:t>𝑏</m:t>
+                          </m:r>
+                        </m:e>
+                        <m:sub>
+                          <m:r>
+                            <a:rPr lang="pl-PL" b="0" i="1" smtClean="0">
+                              <a:latin typeface="Cambria Math"/>
+                            </a:rPr>
+                            <m:t>12</m:t>
+                          </m:r>
+                        </m:sub>
+                      </m:sSub>
+                    </m:oMath>
+                  </m:oMathPara>
+                </a14:m>
+                <a:endParaRPr lang="pl-PL" dirty="0"/>
+              </a:p>
+            </p:txBody>
+          </p:sp>
+        </mc:Choice>
+        <mc:Fallback xmlns="">
+          <p:sp>
+            <p:nvSpPr>
+              <p:cNvPr id="10" name="TextBox 9"/>
+              <p:cNvSpPr txBox="1">
+                <a:spLocks noRot="1" noChangeAspect="1" noMove="1" noResize="1" noEditPoints="1" noAdjustHandles="1" noChangeArrowheads="1" noChangeShapeType="1" noTextEdit="1"/>
+              </p:cNvSpPr>
+              <p:nvPr/>
+            </p:nvSpPr>
+            <p:spPr>
+              <a:xfrm>
+                <a:off x="3598320" y="3765471"/>
+                <a:ext cx="622628" cy="369332"/>
+              </a:xfrm>
+              <a:prstGeom prst="rect">
+                <a:avLst/>
+              </a:prstGeom>
+              <a:blipFill rotWithShape="1">
+                <a:blip r:embed="rId7"/>
+                <a:stretch>
+                  <a:fillRect/>
+                </a:stretch>
+              </a:blipFill>
+            </p:spPr>
+            <p:txBody>
+              <a:bodyPr/>
+              <a:lstStyle/>
+              <a:p>
+                <a:r>
+                  <a:rPr lang="pl-PL">
+                    <a:noFill/>
+                  </a:rPr>
+                  <a:t> </a:t>
+                </a:r>
+              </a:p>
+            </p:txBody>
+          </p:sp>
+        </mc:Fallback>
+      </mc:AlternateContent>
+      <p:sp>
+        <p:nvSpPr>
+          <p:cNvPr id="11" name="Right Brace 10"/>
+          <p:cNvSpPr/>
+          <p:nvPr/>
+        </p:nvSpPr>
+        <p:spPr>
+          <a:xfrm rot="5400000">
+            <a:off x="3829910" y="2979403"/>
+            <a:ext cx="288031" cy="1254556"/>
+          </a:xfrm>
+          <a:prstGeom prst="rightBrace">
+            <a:avLst>
+              <a:gd name="adj1" fmla="val 34953"/>
+              <a:gd name="adj2" fmla="val 47965"/>
+            </a:avLst>
+          </a:prstGeom>
+        </p:spPr>
+        <p:style>
+          <a:lnRef idx="1">
+            <a:schemeClr val="accent1"/>
+          </a:lnRef>
+          <a:fillRef idx="0">
+            <a:schemeClr val="accent1"/>
+          </a:fillRef>
+          <a:effectRef idx="0">
+            <a:schemeClr val="accent1"/>
+          </a:effectRef>
+          <a:fontRef idx="minor">
+            <a:schemeClr val="tx1"/>
+          </a:fontRef>
+        </p:style>
+        <p:txBody>
+          <a:bodyPr rtlCol="0" anchor="ctr"/>
+          <a:lstStyle/>
+          <a:p>
+            <a:pPr algn="ctr"/>
+            <a:endParaRPr lang="pl-PL"/>
+          </a:p>
+        </p:txBody>
+      </p:sp>
+      <p:sp>
+        <p:nvSpPr>
+          <p:cNvPr id="12" name="Right Brace 11"/>
+          <p:cNvSpPr/>
+          <p:nvPr/>
+        </p:nvSpPr>
+        <p:spPr>
+          <a:xfrm rot="14034819">
+            <a:off x="5297605" y="2121235"/>
+            <a:ext cx="288031" cy="1229409"/>
+          </a:xfrm>
+          <a:prstGeom prst="rightBrace">
+            <a:avLst>
+              <a:gd name="adj1" fmla="val 40907"/>
+              <a:gd name="adj2" fmla="val 47965"/>
+            </a:avLst>
+          </a:prstGeom>
+        </p:spPr>
+        <p:style>
+          <a:lnRef idx="1">
+            <a:schemeClr val="accent1"/>
+          </a:lnRef>
+          <a:fillRef idx="0">
+            <a:schemeClr val="accent1"/>
+          </a:fillRef>
+          <a:effectRef idx="0">
+            <a:schemeClr val="accent1"/>
+          </a:effectRef>
+          <a:fontRef idx="minor">
+            <a:schemeClr val="tx1"/>
+          </a:fontRef>
+        </p:style>
+        <p:txBody>
+          <a:bodyPr rtlCol="0" anchor="ctr"/>
+          <a:lstStyle/>
+          <a:p>
+            <a:pPr algn="ctr"/>
+            <a:endParaRPr lang="pl-PL"/>
+          </a:p>
+        </p:txBody>
+      </p:sp>
+      <p:sp>
+        <p:nvSpPr>
+          <p:cNvPr id="13" name="Right Brace 12"/>
+          <p:cNvSpPr/>
+          <p:nvPr/>
+        </p:nvSpPr>
+        <p:spPr>
+          <a:xfrm rot="6863898">
+            <a:off x="6382219" y="3796844"/>
+            <a:ext cx="288031" cy="1156458"/>
+          </a:xfrm>
+          <a:prstGeom prst="rightBrace">
+            <a:avLst>
+              <a:gd name="adj1" fmla="val 40907"/>
+              <a:gd name="adj2" fmla="val 47965"/>
+            </a:avLst>
+          </a:prstGeom>
+        </p:spPr>
+        <p:style>
+          <a:lnRef idx="1">
+            <a:schemeClr val="accent1"/>
+          </a:lnRef>
+          <a:fillRef idx="0">
+            <a:schemeClr val="accent1"/>
+          </a:fillRef>
+          <a:effectRef idx="0">
+            <a:schemeClr val="accent1"/>
+          </a:effectRef>
+          <a:fontRef idx="minor">
+            <a:schemeClr val="tx1"/>
+          </a:fontRef>
+        </p:style>
+        <p:txBody>
+          <a:bodyPr rtlCol="0" anchor="ctr"/>
+          <a:lstStyle/>
+          <a:p>
+            <a:pPr algn="ctr"/>
+            <a:endParaRPr lang="pl-PL"/>
+          </a:p>
+        </p:txBody>
+      </p:sp>
+      <mc:AlternateContent xmlns:mc="http://schemas.openxmlformats.org/markup-compatibility/2006" xmlns:a14="http://schemas.microsoft.com/office/drawing/2010/main">
+        <mc:Choice Requires="a14">
+          <p:sp>
+            <p:nvSpPr>
+              <p:cNvPr id="14" name="TextBox 13"/>
+              <p:cNvSpPr txBox="1"/>
+              <p:nvPr/>
+            </p:nvSpPr>
+            <p:spPr>
+              <a:xfrm>
+                <a:off x="4887319" y="4085606"/>
+                <a:ext cx="560410" cy="369332"/>
+              </a:xfrm>
+              <a:prstGeom prst="rect">
+                <a:avLst/>
+              </a:prstGeom>
+              <a:noFill/>
+            </p:spPr>
+            <p:txBody>
+              <a:bodyPr wrap="none" rtlCol="0">
+                <a:spAutoFit/>
+              </a:bodyPr>
+              <a:lstStyle/>
+              <a:p>
+                <a:pPr/>
+                <a14:m>
+                  <m:oMathPara xmlns:m="http://schemas.openxmlformats.org/officeDocument/2006/math">
+                    <m:oMathParaPr>
+                      <m:jc m:val="centerGroup"/>
+                    </m:oMathParaPr>
+                    <m:oMath xmlns:m="http://schemas.openxmlformats.org/officeDocument/2006/math">
+                      <m:sSub>
+                        <m:sSubPr>
+                          <m:ctrlPr>
+                            <a:rPr lang="pl-PL" i="1" smtClean="0">
+                              <a:latin typeface="Cambria Math"/>
+                            </a:rPr>
+                          </m:ctrlPr>
+                        </m:sSubPr>
+                        <m:e>
+                          <m:r>
+                            <a:rPr lang="pl-PL" b="0" i="1" smtClean="0">
+                              <a:latin typeface="Cambria Math"/>
+                            </a:rPr>
+                            <m:t>𝑏</m:t>
+                          </m:r>
+                        </m:e>
+                        <m:sub>
+                          <m:r>
+                            <a:rPr lang="pl-PL" b="0" i="1" smtClean="0">
+                              <a:latin typeface="Cambria Math"/>
+                            </a:rPr>
+                            <m:t>31</m:t>
+                          </m:r>
+                        </m:sub>
+                      </m:sSub>
+                    </m:oMath>
+                  </m:oMathPara>
+                </a14:m>
+                <a:endParaRPr lang="pl-PL" dirty="0"/>
+              </a:p>
+            </p:txBody>
+          </p:sp>
+        </mc:Choice>
+        <mc:Fallback xmlns="">
+          <p:sp>
+            <p:nvSpPr>
+              <p:cNvPr id="14" name="TextBox 13"/>
+              <p:cNvSpPr txBox="1">
+                <a:spLocks noRot="1" noChangeAspect="1" noMove="1" noResize="1" noEditPoints="1" noAdjustHandles="1" noChangeArrowheads="1" noChangeShapeType="1" noTextEdit="1"/>
+              </p:cNvSpPr>
+              <p:nvPr/>
+            </p:nvSpPr>
+            <p:spPr>
+              <a:xfrm>
+                <a:off x="4887319" y="4085606"/>
+                <a:ext cx="560410" cy="369332"/>
+              </a:xfrm>
+              <a:prstGeom prst="rect">
+                <a:avLst/>
+              </a:prstGeom>
+              <a:blipFill rotWithShape="1">
+                <a:blip r:embed="rId8"/>
+                <a:stretch>
+                  <a:fillRect/>
+                </a:stretch>
+              </a:blipFill>
+            </p:spPr>
+            <p:txBody>
+              <a:bodyPr/>
+              <a:lstStyle/>
+              <a:p>
+                <a:r>
+                  <a:rPr lang="pl-PL">
+                    <a:noFill/>
+                  </a:rPr>
+                  <a:t> </a:t>
+                </a:r>
+              </a:p>
+            </p:txBody>
+          </p:sp>
+        </mc:Fallback>
+      </mc:AlternateContent>
+      <mc:AlternateContent xmlns:mc="http://schemas.openxmlformats.org/markup-compatibility/2006" xmlns:a14="http://schemas.microsoft.com/office/drawing/2010/main">
+        <mc:Choice Requires="a14">
+          <p:sp>
+            <p:nvSpPr>
+              <p:cNvPr id="15" name="TextBox 14"/>
+              <p:cNvSpPr txBox="1"/>
+              <p:nvPr/>
+            </p:nvSpPr>
+            <p:spPr>
+              <a:xfrm>
+                <a:off x="5920164" y="4454938"/>
+                <a:ext cx="560410" cy="369332"/>
+              </a:xfrm>
+              <a:prstGeom prst="rect">
+                <a:avLst/>
+              </a:prstGeom>
+              <a:noFill/>
+            </p:spPr>
+            <p:txBody>
+              <a:bodyPr wrap="none" rtlCol="0">
+                <a:spAutoFit/>
+              </a:bodyPr>
+              <a:lstStyle/>
+              <a:p>
+                <a:pPr/>
+                <a14:m>
+                  <m:oMathPara xmlns:m="http://schemas.openxmlformats.org/officeDocument/2006/math">
+                    <m:oMathParaPr>
+                      <m:jc m:val="centerGroup"/>
+                    </m:oMathParaPr>
+                    <m:oMath xmlns:m="http://schemas.openxmlformats.org/officeDocument/2006/math">
+                      <m:sSub>
+                        <m:sSubPr>
+                          <m:ctrlPr>
+                            <a:rPr lang="pl-PL" i="1" smtClean="0">
+                              <a:latin typeface="Cambria Math"/>
+                            </a:rPr>
+                          </m:ctrlPr>
+                        </m:sSubPr>
+                        <m:e>
+                          <m:r>
+                            <a:rPr lang="pl-PL" b="0" i="1" smtClean="0">
+                              <a:latin typeface="Cambria Math"/>
+                            </a:rPr>
+                            <m:t>𝑏</m:t>
+                          </m:r>
+                        </m:e>
+                        <m:sub>
+                          <m:r>
+                            <a:rPr lang="pl-PL" b="0" i="1" smtClean="0">
+                              <a:latin typeface="Cambria Math"/>
+                            </a:rPr>
+                            <m:t>32</m:t>
+                          </m:r>
+                        </m:sub>
+                      </m:sSub>
+                    </m:oMath>
+                  </m:oMathPara>
+                </a14:m>
+                <a:endParaRPr lang="pl-PL" dirty="0"/>
+              </a:p>
+            </p:txBody>
+          </p:sp>
+        </mc:Choice>
+        <mc:Fallback xmlns="">
+          <p:sp>
+            <p:nvSpPr>
+              <p:cNvPr id="15" name="TextBox 14"/>
+              <p:cNvSpPr txBox="1">
+                <a:spLocks noRot="1" noChangeAspect="1" noMove="1" noResize="1" noEditPoints="1" noAdjustHandles="1" noChangeArrowheads="1" noChangeShapeType="1" noTextEdit="1"/>
+              </p:cNvSpPr>
+              <p:nvPr/>
+            </p:nvSpPr>
+            <p:spPr>
+              <a:xfrm>
+                <a:off x="5920164" y="4454938"/>
+                <a:ext cx="560410" cy="369332"/>
+              </a:xfrm>
+              <a:prstGeom prst="rect">
+                <a:avLst/>
+              </a:prstGeom>
+              <a:blipFill rotWithShape="1">
+                <a:blip r:embed="rId9"/>
+                <a:stretch>
+                  <a:fillRect/>
+                </a:stretch>
+              </a:blipFill>
+            </p:spPr>
+            <p:txBody>
+              <a:bodyPr/>
+              <a:lstStyle/>
+              <a:p>
+                <a:r>
+                  <a:rPr lang="pl-PL">
+                    <a:noFill/>
+                  </a:rPr>
+                  <a:t> </a:t>
+                </a:r>
+              </a:p>
+            </p:txBody>
+          </p:sp>
+        </mc:Fallback>
+      </mc:AlternateContent>
+      <p:sp>
+        <p:nvSpPr>
+          <p:cNvPr id="16" name="Right Brace 15"/>
+          <p:cNvSpPr/>
+          <p:nvPr/>
+        </p:nvSpPr>
+        <p:spPr>
+          <a:xfrm rot="6863898">
+            <a:off x="5336673" y="3388923"/>
+            <a:ext cx="288031" cy="1074247"/>
+          </a:xfrm>
+          <a:prstGeom prst="rightBrace">
+            <a:avLst>
+              <a:gd name="adj1" fmla="val 40907"/>
+              <a:gd name="adj2" fmla="val 47965"/>
+            </a:avLst>
+          </a:prstGeom>
+        </p:spPr>
+        <p:style>
+          <a:lnRef idx="1">
+            <a:schemeClr val="accent1"/>
+          </a:lnRef>
+          <a:fillRef idx="0">
+            <a:schemeClr val="accent1"/>
+          </a:fillRef>
+          <a:effectRef idx="0">
+            <a:schemeClr val="accent1"/>
+          </a:effectRef>
+          <a:fontRef idx="minor">
+            <a:schemeClr val="tx1"/>
+          </a:fontRef>
+        </p:style>
+        <p:txBody>
+          <a:bodyPr rtlCol="0" anchor="ctr"/>
+          <a:lstStyle/>
+          <a:p>
+            <a:pPr algn="ctr"/>
+            <a:endParaRPr lang="pl-PL"/>
+          </a:p>
+        </p:txBody>
+      </p:sp>
+      <p:sp>
+        <p:nvSpPr>
+          <p:cNvPr id="17" name="Right Brace 16"/>
+          <p:cNvSpPr/>
+          <p:nvPr/>
+        </p:nvSpPr>
+        <p:spPr>
+          <a:xfrm rot="14034819">
+            <a:off x="6340756" y="1343493"/>
+            <a:ext cx="288031" cy="1211348"/>
+          </a:xfrm>
+          <a:prstGeom prst="rightBrace">
+            <a:avLst>
+              <a:gd name="adj1" fmla="val 40907"/>
+              <a:gd name="adj2" fmla="val 47965"/>
+            </a:avLst>
+          </a:prstGeom>
+        </p:spPr>
+        <p:style>
+          <a:lnRef idx="1">
+            <a:schemeClr val="accent1"/>
+          </a:lnRef>
+          <a:fillRef idx="0">
+            <a:schemeClr val="accent1"/>
+          </a:fillRef>
+          <a:effectRef idx="0">
+            <a:schemeClr val="accent1"/>
+          </a:effectRef>
+          <a:fontRef idx="minor">
+            <a:schemeClr val="tx1"/>
+          </a:fontRef>
+        </p:style>
+        <p:txBody>
+          <a:bodyPr rtlCol="0" anchor="ctr"/>
+          <a:lstStyle/>
+          <a:p>
+            <a:pPr algn="ctr"/>
+            <a:endParaRPr lang="pl-PL"/>
+          </a:p>
+        </p:txBody>
+      </p:sp>
+      <mc:AlternateContent xmlns:mc="http://schemas.openxmlformats.org/markup-compatibility/2006" xmlns:a14="http://schemas.microsoft.com/office/drawing/2010/main">
+        <mc:Choice Requires="a14">
+          <p:sp>
+            <p:nvSpPr>
+              <p:cNvPr id="18" name="TextBox 17"/>
+              <p:cNvSpPr txBox="1"/>
+              <p:nvPr/>
+            </p:nvSpPr>
+            <p:spPr>
+              <a:xfrm>
+                <a:off x="4908254" y="2217638"/>
+                <a:ext cx="560410" cy="369332"/>
+              </a:xfrm>
+              <a:prstGeom prst="rect">
+                <a:avLst/>
+              </a:prstGeom>
+              <a:noFill/>
+            </p:spPr>
+            <p:txBody>
+              <a:bodyPr wrap="none" rtlCol="0">
+                <a:spAutoFit/>
+              </a:bodyPr>
+              <a:lstStyle/>
+              <a:p>
+                <a:pPr/>
+                <a14:m>
+                  <m:oMathPara xmlns:m="http://schemas.openxmlformats.org/officeDocument/2006/math">
+                    <m:oMathParaPr>
+                      <m:jc m:val="centerGroup"/>
+                    </m:oMathParaPr>
+                    <m:oMath xmlns:m="http://schemas.openxmlformats.org/officeDocument/2006/math">
+                      <m:sSub>
+                        <m:sSubPr>
+                          <m:ctrlPr>
+                            <a:rPr lang="pl-PL" i="1" smtClean="0">
+                              <a:latin typeface="Cambria Math"/>
+                            </a:rPr>
+                          </m:ctrlPr>
+                        </m:sSubPr>
+                        <m:e>
+                          <m:r>
+                            <a:rPr lang="pl-PL" b="0" i="1" smtClean="0">
+                              <a:latin typeface="Cambria Math"/>
+                            </a:rPr>
+                            <m:t>𝑏</m:t>
+                          </m:r>
+                        </m:e>
+                        <m:sub>
+                          <m:r>
+                            <a:rPr lang="pl-PL" b="0" i="1" smtClean="0">
+                              <a:latin typeface="Cambria Math"/>
+                            </a:rPr>
+                            <m:t>21</m:t>
+                          </m:r>
+                        </m:sub>
+                      </m:sSub>
+                    </m:oMath>
+                  </m:oMathPara>
+                </a14:m>
+                <a:endParaRPr lang="pl-PL" dirty="0"/>
+              </a:p>
+            </p:txBody>
+          </p:sp>
+        </mc:Choice>
+        <mc:Fallback xmlns="">
+          <p:sp>
+            <p:nvSpPr>
+              <p:cNvPr id="18" name="TextBox 17"/>
+              <p:cNvSpPr txBox="1">
+                <a:spLocks noRot="1" noChangeAspect="1" noMove="1" noResize="1" noEditPoints="1" noAdjustHandles="1" noChangeArrowheads="1" noChangeShapeType="1" noTextEdit="1"/>
+              </p:cNvSpPr>
+              <p:nvPr/>
+            </p:nvSpPr>
+            <p:spPr>
+              <a:xfrm>
+                <a:off x="4908254" y="2217638"/>
+                <a:ext cx="560410" cy="369332"/>
+              </a:xfrm>
+              <a:prstGeom prst="rect">
+                <a:avLst/>
+              </a:prstGeom>
+              <a:blipFill rotWithShape="1">
+                <a:blip r:embed="rId10"/>
+                <a:stretch>
+                  <a:fillRect/>
+                </a:stretch>
+              </a:blipFill>
+            </p:spPr>
+            <p:txBody>
+              <a:bodyPr/>
+              <a:lstStyle/>
+              <a:p>
+                <a:r>
+                  <a:rPr lang="pl-PL">
+                    <a:noFill/>
+                  </a:rPr>
+                  <a:t> </a:t>
+                </a:r>
+              </a:p>
+            </p:txBody>
+          </p:sp>
+        </mc:Fallback>
+      </mc:AlternateContent>
+      <mc:AlternateContent xmlns:mc="http://schemas.openxmlformats.org/markup-compatibility/2006" xmlns:a14="http://schemas.microsoft.com/office/drawing/2010/main">
+        <mc:Choice Requires="a14">
+          <p:sp>
+            <p:nvSpPr>
+              <p:cNvPr id="19" name="TextBox 18"/>
+              <p:cNvSpPr txBox="1"/>
+              <p:nvPr/>
+            </p:nvSpPr>
+            <p:spPr>
+              <a:xfrm>
+                <a:off x="5955806" y="1475492"/>
+                <a:ext cx="560410" cy="369332"/>
+              </a:xfrm>
+              <a:prstGeom prst="rect">
+                <a:avLst/>
+              </a:prstGeom>
+              <a:noFill/>
+            </p:spPr>
+            <p:txBody>
+              <a:bodyPr wrap="none" rtlCol="0">
+                <a:spAutoFit/>
+              </a:bodyPr>
+              <a:lstStyle/>
+              <a:p>
+                <a:pPr/>
+                <a14:m>
+                  <m:oMathPara xmlns:m="http://schemas.openxmlformats.org/officeDocument/2006/math">
+                    <m:oMathParaPr>
+                      <m:jc m:val="centerGroup"/>
+                    </m:oMathParaPr>
+                    <m:oMath xmlns:m="http://schemas.openxmlformats.org/officeDocument/2006/math">
+                      <m:sSub>
+                        <m:sSubPr>
+                          <m:ctrlPr>
+                            <a:rPr lang="pl-PL" i="1" smtClean="0">
+                              <a:latin typeface="Cambria Math"/>
+                            </a:rPr>
+                          </m:ctrlPr>
+                        </m:sSubPr>
+                        <m:e>
+                          <m:r>
+                            <a:rPr lang="pl-PL" b="0" i="1" smtClean="0">
+                              <a:latin typeface="Cambria Math"/>
+                            </a:rPr>
+                            <m:t>𝑏</m:t>
+                          </m:r>
+                        </m:e>
+                        <m:sub>
+                          <m:r>
+                            <a:rPr lang="pl-PL" b="0" i="1" smtClean="0">
+                              <a:latin typeface="Cambria Math"/>
+                            </a:rPr>
+                            <m:t>21</m:t>
+                          </m:r>
+                        </m:sub>
+                      </m:sSub>
+                    </m:oMath>
+                  </m:oMathPara>
+                </a14:m>
+                <a:endParaRPr lang="pl-PL" dirty="0"/>
+              </a:p>
+            </p:txBody>
+          </p:sp>
+        </mc:Choice>
+        <mc:Fallback xmlns="">
+          <p:sp>
+            <p:nvSpPr>
+              <p:cNvPr id="19" name="TextBox 18"/>
+              <p:cNvSpPr txBox="1">
+                <a:spLocks noRot="1" noChangeAspect="1" noMove="1" noResize="1" noEditPoints="1" noAdjustHandles="1" noChangeArrowheads="1" noChangeShapeType="1" noTextEdit="1"/>
+              </p:cNvSpPr>
+              <p:nvPr/>
+            </p:nvSpPr>
+            <p:spPr>
+              <a:xfrm>
+                <a:off x="5955806" y="1475492"/>
+                <a:ext cx="560410" cy="369332"/>
+              </a:xfrm>
+              <a:prstGeom prst="rect">
+                <a:avLst/>
+              </a:prstGeom>
+              <a:blipFill rotWithShape="1">
+                <a:blip r:embed="rId11"/>
+                <a:stretch>
+                  <a:fillRect/>
+                </a:stretch>
+              </a:blipFill>
+            </p:spPr>
+            <p:txBody>
+              <a:bodyPr/>
+              <a:lstStyle/>
+              <a:p>
+                <a:r>
+                  <a:rPr lang="pl-PL">
+                    <a:noFill/>
+                  </a:rPr>
+                  <a:t> </a:t>
+                </a:r>
+              </a:p>
+            </p:txBody>
+          </p:sp>
+        </mc:Fallback>
+      </mc:AlternateContent>
+      <p:pic>
+        <p:nvPicPr>
+          <p:cNvPr id="2051" name="Picture 3"/>
+          <p:cNvPicPr>
+            <a:picLocks noChangeAspect="1" noChangeArrowheads="1"/>
+          </p:cNvPicPr>
+          <p:nvPr/>
+        </p:nvPicPr>
+        <p:blipFill>
+          <a:blip r:embed="rId12">
+            <a:extLst>
+              <a:ext uri="{28A0092B-C50C-407E-A947-70E740481C1C}">
+                <a14:useLocalDpi xmlns:a14="http://schemas.microsoft.com/office/drawing/2010/main" val="0"/>
+              </a:ext>
+            </a:extLst>
+          </a:blip>
+          <a:srcRect/>
+          <a:stretch>
+            <a:fillRect/>
+          </a:stretch>
+        </p:blipFill>
+        <p:spPr bwMode="auto">
+          <a:xfrm>
+            <a:off x="4269924" y="3747933"/>
+            <a:ext cx="536517" cy="983614"/>
+          </a:xfrm>
+          <a:prstGeom prst="rect">
+            <a:avLst/>
+          </a:prstGeom>
+          <a:noFill/>
+          <a:ln>
+            <a:noFill/>
+          </a:ln>
+          <a:effectLst/>
+          <a:extLst>
+            <a:ext uri="{909E8E84-426E-40DD-AFC4-6F175D3DCCD1}">
+              <a14:hiddenFill xmlns:a14="http://schemas.microsoft.com/office/drawing/2010/main">
+                <a:solidFill>
+                  <a:schemeClr val="accent1"/>
+                </a:solidFill>
+              </a14:hiddenFill>
+            </a:ext>
+            <a:ext uri="{91240B29-F687-4F45-9708-019B960494DF}">
+              <a14:hiddenLine xmlns:a14="http://schemas.microsoft.com/office/drawing/2010/main" w="9525">
+                <a:solidFill>
+                  <a:schemeClr val="tx1"/>
+                </a:solidFill>
+                <a:miter lim="800000"/>
+                <a:headEnd/>
+                <a:tailEnd/>
+              </a14:hiddenLine>
+            </a:ext>
+            <a:ext uri="{AF507438-7753-43E0-B8FC-AC1667EBCBE1}">
+              <a14:hiddenEffects xmlns:a14="http://schemas.microsoft.com/office/drawing/2010/main">
+                <a:effectLst>
+                  <a:outerShdw dist="35921" dir="2700000" algn="ctr" rotWithShape="0">
+                    <a:schemeClr val="bg2"/>
+                  </a:outerShdw>
+                </a:effectLst>
+              </a14:hiddenEffects>
+            </a:ext>
+          </a:extLst>
+        </p:spPr>
+      </p:pic>
+      <p:pic>
+        <p:nvPicPr>
+          <p:cNvPr id="2052" name="Picture 4"/>
+          <p:cNvPicPr>
+            <a:picLocks noChangeAspect="1" noChangeArrowheads="1"/>
+          </p:cNvPicPr>
+          <p:nvPr/>
+        </p:nvPicPr>
+        <p:blipFill>
+          <a:blip r:embed="rId13">
+            <a:extLst>
+              <a:ext uri="{28A0092B-C50C-407E-A947-70E740481C1C}">
+                <a14:useLocalDpi xmlns:a14="http://schemas.microsoft.com/office/drawing/2010/main" val="0"/>
+              </a:ext>
+            </a:extLst>
+          </a:blip>
+          <a:srcRect/>
+          <a:stretch>
+            <a:fillRect/>
+          </a:stretch>
+        </p:blipFill>
+        <p:spPr bwMode="auto">
+          <a:xfrm>
+            <a:off x="4338157" y="2424910"/>
+            <a:ext cx="400050" cy="828675"/>
+          </a:xfrm>
+          <a:prstGeom prst="rect">
+            <a:avLst/>
+          </a:prstGeom>
+          <a:noFill/>
+          <a:ln>
+            <a:noFill/>
+          </a:ln>
+          <a:effectLst/>
+          <a:extLst>
+            <a:ext uri="{909E8E84-426E-40DD-AFC4-6F175D3DCCD1}">
+              <a14:hiddenFill xmlns:a14="http://schemas.microsoft.com/office/drawing/2010/main">
+                <a:solidFill>
+                  <a:schemeClr val="accent1"/>
+                </a:solidFill>
+              </a14:hiddenFill>
+            </a:ext>
+            <a:ext uri="{91240B29-F687-4F45-9708-019B960494DF}">
+              <a14:hiddenLine xmlns:a14="http://schemas.microsoft.com/office/drawing/2010/main" w="9525">
+                <a:solidFill>
+                  <a:schemeClr val="tx1"/>
+                </a:solidFill>
+                <a:miter lim="800000"/>
+                <a:headEnd/>
+                <a:tailEnd/>
+              </a14:hiddenLine>
+            </a:ext>
+            <a:ext uri="{AF507438-7753-43E0-B8FC-AC1667EBCBE1}">
+              <a14:hiddenEffects xmlns:a14="http://schemas.microsoft.com/office/drawing/2010/main">
+                <a:effectLst>
+                  <a:outerShdw dist="35921" dir="2700000" algn="ctr" rotWithShape="0">
+                    <a:schemeClr val="bg2"/>
+                  </a:outerShdw>
+                </a:effectLst>
+              </a14:hiddenEffects>
+            </a:ext>
+          </a:extLst>
+        </p:spPr>
+      </p:pic>
+    </p:spTree>
+    <p:extLst>
+      <p:ext uri="{BB962C8B-B14F-4D97-AF65-F5344CB8AC3E}">
+        <p14:creationId xmlns:p14="http://schemas.microsoft.com/office/powerpoint/2010/main" val="1395063788"/>
+      </p:ext>
+    </p:extLst>
+  </p:cSld>
+  <p:clrMapOvr>
+    <a:masterClrMapping/>
+  </p:clrMapOvr>
+</p:sld>
+</file>
+
+<file path=ppt/slides/slide12.xml><?xml version="1.0" encoding="utf-8"?>
 <p:sld xmlns:a="http://schemas.openxmlformats.org/drawingml/2006/main" xmlns:r="http://schemas.openxmlformats.org/officeDocument/2006/relationships" xmlns:p="http://schemas.openxmlformats.org/presentationml/2006/main">
   <p:cSld>
     <p:spTree>
@@ -4710,7 +7374,7 @@
 </p:sld>
 </file>
 
-<file path=ppt/slides/slide11.xml><?xml version="1.0" encoding="utf-8"?>
+<file path=ppt/slides/slide13.xml><?xml version="1.0" encoding="utf-8"?>
 <p:sld xmlns:a="http://schemas.openxmlformats.org/drawingml/2006/main" xmlns:r="http://schemas.openxmlformats.org/officeDocument/2006/relationships" xmlns:p="http://schemas.openxmlformats.org/presentationml/2006/main">
   <p:cSld>
     <p:spTree>
@@ -5334,7 +7998,7 @@
 </p:sld>
 </file>
 
-<file path=ppt/slides/slide12.xml><?xml version="1.0" encoding="utf-8"?>
+<file path=ppt/slides/slide14.xml><?xml version="1.0" encoding="utf-8"?>
 <p:sld xmlns:a="http://schemas.openxmlformats.org/drawingml/2006/main" xmlns:r="http://schemas.openxmlformats.org/officeDocument/2006/relationships" xmlns:p="http://schemas.openxmlformats.org/presentationml/2006/main">
   <p:cSld>
     <p:spTree>
@@ -6630,7 +9294,7 @@
 </p:sld>
 </file>
 
-<file path=ppt/slides/slide13.xml><?xml version="1.0" encoding="utf-8"?>
+<file path=ppt/slides/slide15.xml><?xml version="1.0" encoding="utf-8"?>
 <p:sld xmlns:a="http://schemas.openxmlformats.org/drawingml/2006/main" xmlns:r="http://schemas.openxmlformats.org/officeDocument/2006/relationships" xmlns:p="http://schemas.openxmlformats.org/presentationml/2006/main">
   <p:cSld>
     <p:spTree>
@@ -8718,7 +11382,7 @@
 </p:sld>
 </file>
 
-<file path=ppt/slides/slide14.xml><?xml version="1.0" encoding="utf-8"?>
+<file path=ppt/slides/slide16.xml><?xml version="1.0" encoding="utf-8"?>
 <p:sld xmlns:a="http://schemas.openxmlformats.org/drawingml/2006/main" xmlns:r="http://schemas.openxmlformats.org/officeDocument/2006/relationships" xmlns:p="http://schemas.openxmlformats.org/presentationml/2006/main">
   <p:cSld>
     <p:spTree>
@@ -8748,7 +11412,7 @@
 </p:sld>
 </file>
 
-<file path=ppt/slides/slide15.xml><?xml version="1.0" encoding="utf-8"?>
+<file path=ppt/slides/slide17.xml><?xml version="1.0" encoding="utf-8"?>
 <p:sld xmlns:a="http://schemas.openxmlformats.org/drawingml/2006/main" xmlns:r="http://schemas.openxmlformats.org/officeDocument/2006/relationships" xmlns:p="http://schemas.openxmlformats.org/presentationml/2006/main">
   <p:cSld>
     <p:spTree>
@@ -10143,7 +12807,7 @@
 </p:sld>
 </file>
 
-<file path=ppt/slides/slide16.xml><?xml version="1.0" encoding="utf-8"?>
+<file path=ppt/slides/slide18.xml><?xml version="1.0" encoding="utf-8"?>
 <p:sld xmlns:a="http://schemas.openxmlformats.org/drawingml/2006/main" xmlns:r="http://schemas.openxmlformats.org/officeDocument/2006/relationships" xmlns:p="http://schemas.openxmlformats.org/presentationml/2006/main">
   <p:cSld>
     <p:spTree>
@@ -12355,7 +15019,7 @@
 </p:sld>
 </file>
 
-<file path=ppt/slides/slide17.xml><?xml version="1.0" encoding="utf-8"?>
+<file path=ppt/slides/slide19.xml><?xml version="1.0" encoding="utf-8"?>
 <p:sld xmlns:a="http://schemas.openxmlformats.org/drawingml/2006/main" xmlns:r="http://schemas.openxmlformats.org/officeDocument/2006/relationships" xmlns:p="http://schemas.openxmlformats.org/presentationml/2006/main">
   <p:cSld>
     <p:spTree>
@@ -14567,7 +17231,139 @@
 </p:sld>
 </file>
 
-<file path=ppt/slides/slide18.xml><?xml version="1.0" encoding="utf-8"?>
+<file path=ppt/slides/slide2.xml><?xml version="1.0" encoding="utf-8"?>
+<p:sld xmlns:a="http://schemas.openxmlformats.org/drawingml/2006/main" xmlns:r="http://schemas.openxmlformats.org/officeDocument/2006/relationships" xmlns:p="http://schemas.openxmlformats.org/presentationml/2006/main">
+  <p:cSld>
+    <p:spTree>
+      <p:nvGrpSpPr>
+        <p:cNvPr id="1" name=""/>
+        <p:cNvGrpSpPr/>
+        <p:nvPr/>
+      </p:nvGrpSpPr>
+      <p:grpSpPr>
+        <a:xfrm>
+          <a:off x="0" y="0"/>
+          <a:ext cx="0" cy="0"/>
+          <a:chOff x="0" y="0"/>
+          <a:chExt cx="0" cy="0"/>
+        </a:xfrm>
+      </p:grpSpPr>
+      <p:pic>
+        <p:nvPicPr>
+          <p:cNvPr id="1026" name="Picture 2"/>
+          <p:cNvPicPr>
+            <a:picLocks noChangeAspect="1" noChangeArrowheads="1"/>
+          </p:cNvPicPr>
+          <p:nvPr/>
+        </p:nvPicPr>
+        <p:blipFill>
+          <a:blip r:embed="rId2">
+            <a:extLst>
+              <a:ext uri="{28A0092B-C50C-407E-A947-70E740481C1C}">
+                <a14:useLocalDpi xmlns:a14="http://schemas.microsoft.com/office/drawing/2010/main" val="0"/>
+              </a:ext>
+            </a:extLst>
+          </a:blip>
+          <a:srcRect/>
+          <a:stretch>
+            <a:fillRect/>
+          </a:stretch>
+        </p:blipFill>
+        <p:spPr bwMode="auto">
+          <a:xfrm>
+            <a:off x="1835696" y="1007371"/>
+            <a:ext cx="4641304" cy="4107554"/>
+          </a:xfrm>
+          <a:prstGeom prst="rect">
+            <a:avLst/>
+          </a:prstGeom>
+          <a:noFill/>
+          <a:ln>
+            <a:noFill/>
+          </a:ln>
+          <a:effectLst/>
+          <a:extLst>
+            <a:ext uri="{909E8E84-426E-40DD-AFC4-6F175D3DCCD1}">
+              <a14:hiddenFill xmlns:a14="http://schemas.microsoft.com/office/drawing/2010/main">
+                <a:solidFill>
+                  <a:schemeClr val="accent1"/>
+                </a:solidFill>
+              </a14:hiddenFill>
+            </a:ext>
+            <a:ext uri="{91240B29-F687-4F45-9708-019B960494DF}">
+              <a14:hiddenLine xmlns:a14="http://schemas.microsoft.com/office/drawing/2010/main" w="9525">
+                <a:solidFill>
+                  <a:schemeClr val="tx1"/>
+                </a:solidFill>
+                <a:miter lim="800000"/>
+                <a:headEnd/>
+                <a:tailEnd/>
+              </a14:hiddenLine>
+            </a:ext>
+            <a:ext uri="{AF507438-7753-43E0-B8FC-AC1667EBCBE1}">
+              <a14:hiddenEffects xmlns:a14="http://schemas.microsoft.com/office/drawing/2010/main">
+                <a:effectLst>
+                  <a:outerShdw dist="35921" dir="2700000" algn="ctr" rotWithShape="0">
+                    <a:schemeClr val="bg2"/>
+                  </a:outerShdw>
+                </a:effectLst>
+              </a14:hiddenEffects>
+            </a:ext>
+          </a:extLst>
+        </p:spPr>
+      </p:pic>
+      <p:sp>
+        <p:nvSpPr>
+          <p:cNvPr id="4" name="pole tekstowe 3"/>
+          <p:cNvSpPr txBox="1"/>
+          <p:nvPr/>
+        </p:nvSpPr>
+        <p:spPr>
+          <a:xfrm>
+            <a:off x="2195736" y="1957482"/>
+            <a:ext cx="981551" cy="369332"/>
+          </a:xfrm>
+          <a:prstGeom prst="rect">
+            <a:avLst/>
+          </a:prstGeom>
+          <a:noFill/>
+        </p:spPr>
+        <p:txBody>
+          <a:bodyPr wrap="none" rtlCol="0">
+            <a:spAutoFit/>
+          </a:bodyPr>
+          <a:lstStyle/>
+          <a:p>
+            <a:r>
+              <a:rPr lang="pl-PL" b="1" dirty="0" smtClean="0">
+                <a:solidFill>
+                  <a:srgbClr val="FF0000"/>
+                </a:solidFill>
+              </a:rPr>
+              <a:t>Agent: 0</a:t>
+            </a:r>
+            <a:endParaRPr lang="pl-PL" b="1" dirty="0">
+              <a:solidFill>
+                <a:srgbClr val="FF0000"/>
+              </a:solidFill>
+            </a:endParaRPr>
+          </a:p>
+        </p:txBody>
+      </p:sp>
+    </p:spTree>
+    <p:extLst>
+      <p:ext uri="{BB962C8B-B14F-4D97-AF65-F5344CB8AC3E}">
+        <p14:creationId xmlns:p14="http://schemas.microsoft.com/office/powerpoint/2010/main" val="1547074451"/>
+      </p:ext>
+    </p:extLst>
+  </p:cSld>
+  <p:clrMapOvr>
+    <a:masterClrMapping/>
+  </p:clrMapOvr>
+</p:sld>
+</file>
+
+<file path=ppt/slides/slide20.xml><?xml version="1.0" encoding="utf-8"?>
 <p:sld xmlns:a="http://schemas.openxmlformats.org/drawingml/2006/main" xmlns:r="http://schemas.openxmlformats.org/officeDocument/2006/relationships" xmlns:p="http://schemas.openxmlformats.org/presentationml/2006/main">
   <p:cSld>
     <p:spTree>
@@ -16779,7 +19575,7 @@
 </p:sld>
 </file>
 
-<file path=ppt/slides/slide19.xml><?xml version="1.0" encoding="utf-8"?>
+<file path=ppt/slides/slide21.xml><?xml version="1.0" encoding="utf-8"?>
 <p:sld xmlns:a="http://schemas.openxmlformats.org/drawingml/2006/main" xmlns:r="http://schemas.openxmlformats.org/officeDocument/2006/relationships" xmlns:p="http://schemas.openxmlformats.org/presentationml/2006/main">
   <p:cSld>
     <p:spTree>
@@ -19053,817 +21849,7 @@
 </p:sld>
 </file>
 
-<file path=ppt/slides/slide2.xml><?xml version="1.0" encoding="utf-8"?>
-<p:sld xmlns:a="http://schemas.openxmlformats.org/drawingml/2006/main" xmlns:r="http://schemas.openxmlformats.org/officeDocument/2006/relationships" xmlns:p="http://schemas.openxmlformats.org/presentationml/2006/main">
-  <p:cSld>
-    <p:spTree>
-      <p:nvGrpSpPr>
-        <p:cNvPr id="1" name=""/>
-        <p:cNvGrpSpPr/>
-        <p:nvPr/>
-      </p:nvGrpSpPr>
-      <p:grpSpPr>
-        <a:xfrm>
-          <a:off x="0" y="0"/>
-          <a:ext cx="0" cy="0"/>
-          <a:chOff x="0" y="0"/>
-          <a:chExt cx="0" cy="0"/>
-        </a:xfrm>
-      </p:grpSpPr>
-      <p:sp>
-        <p:nvSpPr>
-          <p:cNvPr id="4" name="Rectangle 3"/>
-          <p:cNvSpPr>
-            <a:spLocks/>
-          </p:cNvSpPr>
-          <p:nvPr/>
-        </p:nvSpPr>
-        <p:spPr>
-          <a:xfrm rot="10800000">
-            <a:off x="1757671" y="332656"/>
-            <a:ext cx="1800200" cy="936104"/>
-          </a:xfrm>
-          <a:prstGeom prst="rect">
-            <a:avLst/>
-          </a:prstGeom>
-        </p:spPr>
-        <p:style>
-          <a:lnRef idx="2">
-            <a:schemeClr val="accent3">
-              <a:shade val="50000"/>
-            </a:schemeClr>
-          </a:lnRef>
-          <a:fillRef idx="1">
-            <a:schemeClr val="accent3"/>
-          </a:fillRef>
-          <a:effectRef idx="0">
-            <a:schemeClr val="accent3"/>
-          </a:effectRef>
-          <a:fontRef idx="minor">
-            <a:schemeClr val="lt1"/>
-          </a:fontRef>
-        </p:style>
-        <p:txBody>
-          <a:bodyPr rtlCol="0" anchor="ctr"/>
-          <a:lstStyle/>
-          <a:p>
-            <a:pPr algn="ctr"/>
-            <a:endParaRPr lang="pl-PL"/>
-          </a:p>
-        </p:txBody>
-      </p:sp>
-      <p:sp>
-        <p:nvSpPr>
-          <p:cNvPr id="5" name="Rectangle 4"/>
-          <p:cNvSpPr>
-            <a:spLocks/>
-          </p:cNvSpPr>
-          <p:nvPr/>
-        </p:nvSpPr>
-        <p:spPr>
-          <a:xfrm rot="10800000">
-            <a:off x="3557871" y="332656"/>
-            <a:ext cx="1800200" cy="936104"/>
-          </a:xfrm>
-          <a:prstGeom prst="rect">
-            <a:avLst/>
-          </a:prstGeom>
-        </p:spPr>
-        <p:style>
-          <a:lnRef idx="2">
-            <a:schemeClr val="accent6">
-              <a:shade val="50000"/>
-            </a:schemeClr>
-          </a:lnRef>
-          <a:fillRef idx="1">
-            <a:schemeClr val="accent6"/>
-          </a:fillRef>
-          <a:effectRef idx="0">
-            <a:schemeClr val="accent6"/>
-          </a:effectRef>
-          <a:fontRef idx="minor">
-            <a:schemeClr val="lt1"/>
-          </a:fontRef>
-        </p:style>
-        <p:txBody>
-          <a:bodyPr rtlCol="0" anchor="ctr"/>
-          <a:lstStyle/>
-          <a:p>
-            <a:pPr algn="ctr"/>
-            <a:endParaRPr lang="pl-PL"/>
-          </a:p>
-        </p:txBody>
-      </p:sp>
-      <p:sp>
-        <p:nvSpPr>
-          <p:cNvPr id="6" name="Rectangle 5"/>
-          <p:cNvSpPr>
-            <a:spLocks/>
-          </p:cNvSpPr>
-          <p:nvPr/>
-        </p:nvSpPr>
-        <p:spPr>
-          <a:xfrm rot="10800000">
-            <a:off x="5358071" y="332656"/>
-            <a:ext cx="1800200" cy="936104"/>
-          </a:xfrm>
-          <a:prstGeom prst="rect">
-            <a:avLst/>
-          </a:prstGeom>
-        </p:spPr>
-        <p:style>
-          <a:lnRef idx="2">
-            <a:schemeClr val="accent2">
-              <a:shade val="50000"/>
-            </a:schemeClr>
-          </a:lnRef>
-          <a:fillRef idx="1">
-            <a:schemeClr val="accent2"/>
-          </a:fillRef>
-          <a:effectRef idx="0">
-            <a:schemeClr val="accent2"/>
-          </a:effectRef>
-          <a:fontRef idx="minor">
-            <a:schemeClr val="lt1"/>
-          </a:fontRef>
-        </p:style>
-        <p:txBody>
-          <a:bodyPr rtlCol="0" anchor="ctr"/>
-          <a:lstStyle/>
-          <a:p>
-            <a:pPr algn="ctr"/>
-            <a:endParaRPr lang="pl-PL"/>
-          </a:p>
-        </p:txBody>
-      </p:sp>
-      <p:sp>
-        <p:nvSpPr>
-          <p:cNvPr id="7" name="Bent Arrow 6"/>
-          <p:cNvSpPr>
-            <a:spLocks/>
-          </p:cNvSpPr>
-          <p:nvPr/>
-        </p:nvSpPr>
-        <p:spPr>
-          <a:xfrm rot="10800000" flipH="1">
-            <a:off x="2369667" y="512676"/>
-            <a:ext cx="432048" cy="576064"/>
-          </a:xfrm>
-          <a:prstGeom prst="bentArrow">
-            <a:avLst/>
-          </a:prstGeom>
-        </p:spPr>
-        <p:style>
-          <a:lnRef idx="2">
-            <a:schemeClr val="accent1">
-              <a:shade val="50000"/>
-            </a:schemeClr>
-          </a:lnRef>
-          <a:fillRef idx="1">
-            <a:schemeClr val="accent1"/>
-          </a:fillRef>
-          <a:effectRef idx="0">
-            <a:schemeClr val="accent1"/>
-          </a:effectRef>
-          <a:fontRef idx="minor">
-            <a:schemeClr val="lt1"/>
-          </a:fontRef>
-        </p:style>
-        <p:txBody>
-          <a:bodyPr rtlCol="0" anchor="ctr"/>
-          <a:lstStyle/>
-          <a:p>
-            <a:pPr algn="ctr"/>
-            <a:endParaRPr lang="pl-PL">
-              <a:solidFill>
-                <a:schemeClr val="tx1"/>
-              </a:solidFill>
-            </a:endParaRPr>
-          </a:p>
-        </p:txBody>
-      </p:sp>
-      <p:sp>
-        <p:nvSpPr>
-          <p:cNvPr id="8" name="Rectangle 7"/>
-          <p:cNvSpPr>
-            <a:spLocks/>
-          </p:cNvSpPr>
-          <p:nvPr/>
-        </p:nvSpPr>
-        <p:spPr>
-          <a:xfrm rot="10800000">
-            <a:off x="1757671" y="1484784"/>
-            <a:ext cx="1800200" cy="936104"/>
-          </a:xfrm>
-          <a:prstGeom prst="rect">
-            <a:avLst/>
-          </a:prstGeom>
-        </p:spPr>
-        <p:style>
-          <a:lnRef idx="2">
-            <a:schemeClr val="accent3">
-              <a:shade val="50000"/>
-            </a:schemeClr>
-          </a:lnRef>
-          <a:fillRef idx="1">
-            <a:schemeClr val="accent3"/>
-          </a:fillRef>
-          <a:effectRef idx="0">
-            <a:schemeClr val="accent3"/>
-          </a:effectRef>
-          <a:fontRef idx="minor">
-            <a:schemeClr val="lt1"/>
-          </a:fontRef>
-        </p:style>
-        <p:txBody>
-          <a:bodyPr rtlCol="0" anchor="ctr"/>
-          <a:lstStyle/>
-          <a:p>
-            <a:pPr algn="ctr"/>
-            <a:endParaRPr lang="pl-PL"/>
-          </a:p>
-        </p:txBody>
-      </p:sp>
-      <p:sp>
-        <p:nvSpPr>
-          <p:cNvPr id="9" name="Rectangle 8"/>
-          <p:cNvSpPr>
-            <a:spLocks/>
-          </p:cNvSpPr>
-          <p:nvPr/>
-        </p:nvSpPr>
-        <p:spPr>
-          <a:xfrm rot="10800000">
-            <a:off x="3557871" y="1484784"/>
-            <a:ext cx="1800200" cy="936104"/>
-          </a:xfrm>
-          <a:prstGeom prst="rect">
-            <a:avLst/>
-          </a:prstGeom>
-        </p:spPr>
-        <p:style>
-          <a:lnRef idx="2">
-            <a:schemeClr val="accent6">
-              <a:shade val="50000"/>
-            </a:schemeClr>
-          </a:lnRef>
-          <a:fillRef idx="1">
-            <a:schemeClr val="accent6"/>
-          </a:fillRef>
-          <a:effectRef idx="0">
-            <a:schemeClr val="accent6"/>
-          </a:effectRef>
-          <a:fontRef idx="minor">
-            <a:schemeClr val="lt1"/>
-          </a:fontRef>
-        </p:style>
-        <p:txBody>
-          <a:bodyPr rtlCol="0" anchor="ctr"/>
-          <a:lstStyle/>
-          <a:p>
-            <a:pPr algn="ctr"/>
-            <a:endParaRPr lang="pl-PL"/>
-          </a:p>
-        </p:txBody>
-      </p:sp>
-      <p:sp>
-        <p:nvSpPr>
-          <p:cNvPr id="10" name="Rectangle 9"/>
-          <p:cNvSpPr>
-            <a:spLocks/>
-          </p:cNvSpPr>
-          <p:nvPr/>
-        </p:nvSpPr>
-        <p:spPr>
-          <a:xfrm rot="10800000">
-            <a:off x="5358071" y="1484784"/>
-            <a:ext cx="1800200" cy="936104"/>
-          </a:xfrm>
-          <a:prstGeom prst="rect">
-            <a:avLst/>
-          </a:prstGeom>
-        </p:spPr>
-        <p:style>
-          <a:lnRef idx="2">
-            <a:schemeClr val="accent2">
-              <a:shade val="50000"/>
-            </a:schemeClr>
-          </a:lnRef>
-          <a:fillRef idx="1">
-            <a:schemeClr val="accent2"/>
-          </a:fillRef>
-          <a:effectRef idx="0">
-            <a:schemeClr val="accent2"/>
-          </a:effectRef>
-          <a:fontRef idx="minor">
-            <a:schemeClr val="lt1"/>
-          </a:fontRef>
-        </p:style>
-        <p:txBody>
-          <a:bodyPr rtlCol="0" anchor="ctr"/>
-          <a:lstStyle/>
-          <a:p>
-            <a:pPr algn="ctr"/>
-            <a:endParaRPr lang="pl-PL"/>
-          </a:p>
-        </p:txBody>
-      </p:sp>
-      <p:sp>
-        <p:nvSpPr>
-          <p:cNvPr id="11" name="Up Arrow 10"/>
-          <p:cNvSpPr>
-            <a:spLocks/>
-          </p:cNvSpPr>
-          <p:nvPr/>
-        </p:nvSpPr>
-        <p:spPr>
-          <a:xfrm rot="10800000">
-            <a:off x="4313919" y="1589550"/>
-            <a:ext cx="288104" cy="576064"/>
-          </a:xfrm>
-          <a:prstGeom prst="upArrow">
-            <a:avLst/>
-          </a:prstGeom>
-        </p:spPr>
-        <p:style>
-          <a:lnRef idx="2">
-            <a:schemeClr val="accent1">
-              <a:shade val="50000"/>
-            </a:schemeClr>
-          </a:lnRef>
-          <a:fillRef idx="1">
-            <a:schemeClr val="accent1"/>
-          </a:fillRef>
-          <a:effectRef idx="0">
-            <a:schemeClr val="accent1"/>
-          </a:effectRef>
-          <a:fontRef idx="minor">
-            <a:schemeClr val="lt1"/>
-          </a:fontRef>
-        </p:style>
-        <p:txBody>
-          <a:bodyPr rtlCol="0" anchor="ctr"/>
-          <a:lstStyle/>
-          <a:p>
-            <a:pPr algn="ctr"/>
-            <a:endParaRPr lang="pl-PL"/>
-          </a:p>
-        </p:txBody>
-      </p:sp>
-      <p:sp>
-        <p:nvSpPr>
-          <p:cNvPr id="12" name="Rectangle 11"/>
-          <p:cNvSpPr>
-            <a:spLocks/>
-          </p:cNvSpPr>
-          <p:nvPr/>
-        </p:nvSpPr>
-        <p:spPr>
-          <a:xfrm rot="10800000">
-            <a:off x="1767678" y="2852936"/>
-            <a:ext cx="1800200" cy="936104"/>
-          </a:xfrm>
-          <a:prstGeom prst="rect">
-            <a:avLst/>
-          </a:prstGeom>
-        </p:spPr>
-        <p:style>
-          <a:lnRef idx="2">
-            <a:schemeClr val="accent3">
-              <a:shade val="50000"/>
-            </a:schemeClr>
-          </a:lnRef>
-          <a:fillRef idx="1">
-            <a:schemeClr val="accent3"/>
-          </a:fillRef>
-          <a:effectRef idx="0">
-            <a:schemeClr val="accent3"/>
-          </a:effectRef>
-          <a:fontRef idx="minor">
-            <a:schemeClr val="lt1"/>
-          </a:fontRef>
-        </p:style>
-        <p:txBody>
-          <a:bodyPr rtlCol="0" anchor="ctr"/>
-          <a:lstStyle/>
-          <a:p>
-            <a:pPr algn="ctr"/>
-            <a:endParaRPr lang="pl-PL"/>
-          </a:p>
-        </p:txBody>
-      </p:sp>
-      <p:sp>
-        <p:nvSpPr>
-          <p:cNvPr id="13" name="Rectangle 12"/>
-          <p:cNvSpPr>
-            <a:spLocks/>
-          </p:cNvSpPr>
-          <p:nvPr/>
-        </p:nvSpPr>
-        <p:spPr>
-          <a:xfrm rot="10800000">
-            <a:off x="3567878" y="2852936"/>
-            <a:ext cx="1800200" cy="936104"/>
-          </a:xfrm>
-          <a:prstGeom prst="rect">
-            <a:avLst/>
-          </a:prstGeom>
-        </p:spPr>
-        <p:style>
-          <a:lnRef idx="2">
-            <a:schemeClr val="accent6">
-              <a:shade val="50000"/>
-            </a:schemeClr>
-          </a:lnRef>
-          <a:fillRef idx="1">
-            <a:schemeClr val="accent6"/>
-          </a:fillRef>
-          <a:effectRef idx="0">
-            <a:schemeClr val="accent6"/>
-          </a:effectRef>
-          <a:fontRef idx="minor">
-            <a:schemeClr val="lt1"/>
-          </a:fontRef>
-        </p:style>
-        <p:txBody>
-          <a:bodyPr rtlCol="0" anchor="ctr"/>
-          <a:lstStyle/>
-          <a:p>
-            <a:pPr algn="ctr"/>
-            <a:endParaRPr lang="pl-PL"/>
-          </a:p>
-        </p:txBody>
-      </p:sp>
-      <p:sp>
-        <p:nvSpPr>
-          <p:cNvPr id="14" name="Rectangle 13"/>
-          <p:cNvSpPr>
-            <a:spLocks/>
-          </p:cNvSpPr>
-          <p:nvPr/>
-        </p:nvSpPr>
-        <p:spPr>
-          <a:xfrm rot="10800000">
-            <a:off x="5368078" y="2852936"/>
-            <a:ext cx="1800200" cy="936104"/>
-          </a:xfrm>
-          <a:prstGeom prst="rect">
-            <a:avLst/>
-          </a:prstGeom>
-        </p:spPr>
-        <p:style>
-          <a:lnRef idx="2">
-            <a:schemeClr val="accent2">
-              <a:shade val="50000"/>
-            </a:schemeClr>
-          </a:lnRef>
-          <a:fillRef idx="1">
-            <a:schemeClr val="accent2"/>
-          </a:fillRef>
-          <a:effectRef idx="0">
-            <a:schemeClr val="accent2"/>
-          </a:effectRef>
-          <a:fontRef idx="minor">
-            <a:schemeClr val="lt1"/>
-          </a:fontRef>
-        </p:style>
-        <p:txBody>
-          <a:bodyPr rtlCol="0" anchor="ctr"/>
-          <a:lstStyle/>
-          <a:p>
-            <a:pPr algn="ctr"/>
-            <a:endParaRPr lang="pl-PL"/>
-          </a:p>
-        </p:txBody>
-      </p:sp>
-      <p:sp>
-        <p:nvSpPr>
-          <p:cNvPr id="15" name="Bent Arrow 14"/>
-          <p:cNvSpPr>
-            <a:spLocks/>
-          </p:cNvSpPr>
-          <p:nvPr/>
-        </p:nvSpPr>
-        <p:spPr>
-          <a:xfrm rot="10800000">
-            <a:off x="6114119" y="3032956"/>
-            <a:ext cx="432048" cy="576064"/>
-          </a:xfrm>
-          <a:prstGeom prst="bentArrow">
-            <a:avLst/>
-          </a:prstGeom>
-        </p:spPr>
-        <p:style>
-          <a:lnRef idx="2">
-            <a:schemeClr val="accent1">
-              <a:shade val="50000"/>
-            </a:schemeClr>
-          </a:lnRef>
-          <a:fillRef idx="1">
-            <a:schemeClr val="accent1"/>
-          </a:fillRef>
-          <a:effectRef idx="0">
-            <a:schemeClr val="accent1"/>
-          </a:effectRef>
-          <a:fontRef idx="minor">
-            <a:schemeClr val="lt1"/>
-          </a:fontRef>
-        </p:style>
-        <p:txBody>
-          <a:bodyPr rtlCol="0" anchor="ctr"/>
-          <a:lstStyle/>
-          <a:p>
-            <a:pPr algn="ctr"/>
-            <a:endParaRPr lang="pl-PL">
-              <a:solidFill>
-                <a:schemeClr val="tx1"/>
-              </a:solidFill>
-            </a:endParaRPr>
-          </a:p>
-        </p:txBody>
-      </p:sp>
-      <p:sp>
-        <p:nvSpPr>
-          <p:cNvPr id="16" name="Up Arrow 15"/>
-          <p:cNvSpPr>
-            <a:spLocks/>
-          </p:cNvSpPr>
-          <p:nvPr/>
-        </p:nvSpPr>
-        <p:spPr>
-          <a:xfrm rot="10800000">
-            <a:off x="2585691" y="1589550"/>
-            <a:ext cx="288104" cy="576064"/>
-          </a:xfrm>
-          <a:prstGeom prst="upArrow">
-            <a:avLst/>
-          </a:prstGeom>
-        </p:spPr>
-        <p:style>
-          <a:lnRef idx="2">
-            <a:schemeClr val="accent1">
-              <a:shade val="50000"/>
-            </a:schemeClr>
-          </a:lnRef>
-          <a:fillRef idx="1">
-            <a:schemeClr val="accent1"/>
-          </a:fillRef>
-          <a:effectRef idx="0">
-            <a:schemeClr val="accent1"/>
-          </a:effectRef>
-          <a:fontRef idx="minor">
-            <a:schemeClr val="lt1"/>
-          </a:fontRef>
-        </p:style>
-        <p:txBody>
-          <a:bodyPr rtlCol="0" anchor="ctr"/>
-          <a:lstStyle/>
-          <a:p>
-            <a:pPr algn="ctr"/>
-            <a:endParaRPr lang="pl-PL"/>
-          </a:p>
-        </p:txBody>
-      </p:sp>
-      <p:sp>
-        <p:nvSpPr>
-          <p:cNvPr id="17" name="Up Arrow 16"/>
-          <p:cNvSpPr>
-            <a:spLocks/>
-          </p:cNvSpPr>
-          <p:nvPr/>
-        </p:nvSpPr>
-        <p:spPr>
-          <a:xfrm rot="10800000">
-            <a:off x="6186091" y="1589550"/>
-            <a:ext cx="288104" cy="576064"/>
-          </a:xfrm>
-          <a:prstGeom prst="upArrow">
-            <a:avLst/>
-          </a:prstGeom>
-        </p:spPr>
-        <p:style>
-          <a:lnRef idx="2">
-            <a:schemeClr val="accent1">
-              <a:shade val="50000"/>
-            </a:schemeClr>
-          </a:lnRef>
-          <a:fillRef idx="1">
-            <a:schemeClr val="accent1"/>
-          </a:fillRef>
-          <a:effectRef idx="0">
-            <a:schemeClr val="accent1"/>
-          </a:effectRef>
-          <a:fontRef idx="minor">
-            <a:schemeClr val="lt1"/>
-          </a:fontRef>
-        </p:style>
-        <p:txBody>
-          <a:bodyPr rtlCol="0" anchor="ctr"/>
-          <a:lstStyle/>
-          <a:p>
-            <a:pPr algn="ctr"/>
-            <a:endParaRPr lang="pl-PL"/>
-          </a:p>
-        </p:txBody>
-      </p:sp>
-      <p:sp>
-        <p:nvSpPr>
-          <p:cNvPr id="18" name="Bent Arrow 17"/>
-          <p:cNvSpPr>
-            <a:spLocks/>
-          </p:cNvSpPr>
-          <p:nvPr/>
-        </p:nvSpPr>
-        <p:spPr>
-          <a:xfrm rot="10800000" flipH="1">
-            <a:off x="4241947" y="512676"/>
-            <a:ext cx="432048" cy="576064"/>
-          </a:xfrm>
-          <a:prstGeom prst="bentArrow">
-            <a:avLst/>
-          </a:prstGeom>
-        </p:spPr>
-        <p:style>
-          <a:lnRef idx="2">
-            <a:schemeClr val="accent1">
-              <a:shade val="50000"/>
-            </a:schemeClr>
-          </a:lnRef>
-          <a:fillRef idx="1">
-            <a:schemeClr val="accent1"/>
-          </a:fillRef>
-          <a:effectRef idx="0">
-            <a:schemeClr val="accent1"/>
-          </a:effectRef>
-          <a:fontRef idx="minor">
-            <a:schemeClr val="lt1"/>
-          </a:fontRef>
-        </p:style>
-        <p:txBody>
-          <a:bodyPr rtlCol="0" anchor="ctr"/>
-          <a:lstStyle/>
-          <a:p>
-            <a:pPr algn="ctr"/>
-            <a:endParaRPr lang="pl-PL">
-              <a:solidFill>
-                <a:schemeClr val="tx1"/>
-              </a:solidFill>
-            </a:endParaRPr>
-          </a:p>
-        </p:txBody>
-      </p:sp>
-      <p:sp>
-        <p:nvSpPr>
-          <p:cNvPr id="19" name="Bent Arrow 18"/>
-          <p:cNvSpPr>
-            <a:spLocks/>
-          </p:cNvSpPr>
-          <p:nvPr/>
-        </p:nvSpPr>
-        <p:spPr>
-          <a:xfrm rot="10800000" flipH="1">
-            <a:off x="6028389" y="512676"/>
-            <a:ext cx="432048" cy="576064"/>
-          </a:xfrm>
-          <a:prstGeom prst="bentArrow">
-            <a:avLst/>
-          </a:prstGeom>
-        </p:spPr>
-        <p:style>
-          <a:lnRef idx="2">
-            <a:schemeClr val="accent1">
-              <a:shade val="50000"/>
-            </a:schemeClr>
-          </a:lnRef>
-          <a:fillRef idx="1">
-            <a:schemeClr val="accent1"/>
-          </a:fillRef>
-          <a:effectRef idx="0">
-            <a:schemeClr val="accent1"/>
-          </a:effectRef>
-          <a:fontRef idx="minor">
-            <a:schemeClr val="lt1"/>
-          </a:fontRef>
-        </p:style>
-        <p:txBody>
-          <a:bodyPr rtlCol="0" anchor="ctr"/>
-          <a:lstStyle/>
-          <a:p>
-            <a:pPr algn="ctr"/>
-            <a:endParaRPr lang="pl-PL">
-              <a:solidFill>
-                <a:schemeClr val="tx1"/>
-              </a:solidFill>
-            </a:endParaRPr>
-          </a:p>
-        </p:txBody>
-      </p:sp>
-      <p:sp>
-        <p:nvSpPr>
-          <p:cNvPr id="20" name="Bent Arrow 19"/>
-          <p:cNvSpPr>
-            <a:spLocks/>
-          </p:cNvSpPr>
-          <p:nvPr/>
-        </p:nvSpPr>
-        <p:spPr>
-          <a:xfrm rot="10800000">
-            <a:off x="4313919" y="3032956"/>
-            <a:ext cx="432048" cy="576064"/>
-          </a:xfrm>
-          <a:prstGeom prst="bentArrow">
-            <a:avLst/>
-          </a:prstGeom>
-        </p:spPr>
-        <p:style>
-          <a:lnRef idx="2">
-            <a:schemeClr val="accent1">
-              <a:shade val="50000"/>
-            </a:schemeClr>
-          </a:lnRef>
-          <a:fillRef idx="1">
-            <a:schemeClr val="accent1"/>
-          </a:fillRef>
-          <a:effectRef idx="0">
-            <a:schemeClr val="accent1"/>
-          </a:effectRef>
-          <a:fontRef idx="minor">
-            <a:schemeClr val="lt1"/>
-          </a:fontRef>
-        </p:style>
-        <p:txBody>
-          <a:bodyPr rtlCol="0" anchor="ctr"/>
-          <a:lstStyle/>
-          <a:p>
-            <a:pPr algn="ctr"/>
-            <a:endParaRPr lang="pl-PL">
-              <a:solidFill>
-                <a:schemeClr val="tx1"/>
-              </a:solidFill>
-            </a:endParaRPr>
-          </a:p>
-        </p:txBody>
-      </p:sp>
-      <p:sp>
-        <p:nvSpPr>
-          <p:cNvPr id="21" name="Bent Arrow 20"/>
-          <p:cNvSpPr>
-            <a:spLocks/>
-          </p:cNvSpPr>
-          <p:nvPr/>
-        </p:nvSpPr>
-        <p:spPr>
-          <a:xfrm rot="10800000">
-            <a:off x="2585691" y="3032956"/>
-            <a:ext cx="432048" cy="576064"/>
-          </a:xfrm>
-          <a:prstGeom prst="bentArrow">
-            <a:avLst/>
-          </a:prstGeom>
-        </p:spPr>
-        <p:style>
-          <a:lnRef idx="2">
-            <a:schemeClr val="accent1">
-              <a:shade val="50000"/>
-            </a:schemeClr>
-          </a:lnRef>
-          <a:fillRef idx="1">
-            <a:schemeClr val="accent1"/>
-          </a:fillRef>
-          <a:effectRef idx="0">
-            <a:schemeClr val="accent1"/>
-          </a:effectRef>
-          <a:fontRef idx="minor">
-            <a:schemeClr val="lt1"/>
-          </a:fontRef>
-        </p:style>
-        <p:txBody>
-          <a:bodyPr rtlCol="0" anchor="ctr"/>
-          <a:lstStyle/>
-          <a:p>
-            <a:pPr algn="ctr"/>
-            <a:endParaRPr lang="pl-PL">
-              <a:solidFill>
-                <a:schemeClr val="tx1"/>
-              </a:solidFill>
-            </a:endParaRPr>
-          </a:p>
-        </p:txBody>
-      </p:sp>
-    </p:spTree>
-    <p:extLst>
-      <p:ext uri="{BB962C8B-B14F-4D97-AF65-F5344CB8AC3E}">
-        <p14:creationId xmlns:p14="http://schemas.microsoft.com/office/powerpoint/2010/main" val="2522164605"/>
-      </p:ext>
-    </p:extLst>
-  </p:cSld>
-  <p:clrMapOvr>
-    <a:masterClrMapping/>
-  </p:clrMapOvr>
-</p:sld>
-</file>
-
-<file path=ppt/slides/slide20.xml><?xml version="1.0" encoding="utf-8"?>
+<file path=ppt/slides/slide22.xml><?xml version="1.0" encoding="utf-8"?>
 <p:sld xmlns:a="http://schemas.openxmlformats.org/drawingml/2006/main" xmlns:r="http://schemas.openxmlformats.org/officeDocument/2006/relationships" xmlns:p="http://schemas.openxmlformats.org/presentationml/2006/main">
   <p:cSld>
     <p:spTree>
@@ -20149,7 +22135,7 @@
 </p:sld>
 </file>
 
-<file path=ppt/slides/slide21.xml><?xml version="1.0" encoding="utf-8"?>
+<file path=ppt/slides/slide23.xml><?xml version="1.0" encoding="utf-8"?>
 <p:sld xmlns:a="http://schemas.openxmlformats.org/drawingml/2006/main" xmlns:r="http://schemas.openxmlformats.org/officeDocument/2006/relationships" xmlns:p="http://schemas.openxmlformats.org/presentationml/2006/main">
   <p:cSld>
     <p:spTree>
@@ -21283,7 +23269,7 @@
 </p:sld>
 </file>
 
-<file path=ppt/slides/slide22.xml><?xml version="1.0" encoding="utf-8"?>
+<file path=ppt/slides/slide24.xml><?xml version="1.0" encoding="utf-8"?>
 <p:sld xmlns:a="http://schemas.openxmlformats.org/drawingml/2006/main" xmlns:r="http://schemas.openxmlformats.org/officeDocument/2006/relationships" xmlns:p="http://schemas.openxmlformats.org/presentationml/2006/main">
   <p:cSld>
     <p:spTree>
@@ -22417,7 +24403,7 @@
 </p:sld>
 </file>
 
-<file path=ppt/slides/slide23.xml><?xml version="1.0" encoding="utf-8"?>
+<file path=ppt/slides/slide25.xml><?xml version="1.0" encoding="utf-8"?>
 <p:sld xmlns:a="http://schemas.openxmlformats.org/drawingml/2006/main" xmlns:r="http://schemas.openxmlformats.org/officeDocument/2006/relationships" xmlns:p="http://schemas.openxmlformats.org/presentationml/2006/main">
   <p:cSld>
     <p:spTree>
@@ -23551,7 +25537,7 @@
 </p:sld>
 </file>
 
-<file path=ppt/slides/slide24.xml><?xml version="1.0" encoding="utf-8"?>
+<file path=ppt/slides/slide26.xml><?xml version="1.0" encoding="utf-8"?>
 <p:sld xmlns:a="http://schemas.openxmlformats.org/drawingml/2006/main" xmlns:r="http://schemas.openxmlformats.org/officeDocument/2006/relationships" xmlns:p="http://schemas.openxmlformats.org/presentationml/2006/main">
   <p:cSld>
     <p:spTree>
@@ -24685,7 +26671,7 @@
 </p:sld>
 </file>
 
-<file path=ppt/slides/slide25.xml><?xml version="1.0" encoding="utf-8"?>
+<file path=ppt/slides/slide27.xml><?xml version="1.0" encoding="utf-8"?>
 <p:sld xmlns:a="http://schemas.openxmlformats.org/drawingml/2006/main" xmlns:r="http://schemas.openxmlformats.org/officeDocument/2006/relationships" xmlns:p="http://schemas.openxmlformats.org/presentationml/2006/main">
   <p:cSld>
     <p:spTree>
@@ -25819,7 +27805,7 @@
 </p:sld>
 </file>
 
-<file path=ppt/slides/slide26.xml><?xml version="1.0" encoding="utf-8"?>
+<file path=ppt/slides/slide28.xml><?xml version="1.0" encoding="utf-8"?>
 <p:sld xmlns:a="http://schemas.openxmlformats.org/drawingml/2006/main" xmlns:r="http://schemas.openxmlformats.org/officeDocument/2006/relationships" xmlns:p="http://schemas.openxmlformats.org/presentationml/2006/main">
   <p:cSld>
     <p:spTree>
@@ -26953,7 +28939,7 @@
 </p:sld>
 </file>
 
-<file path=ppt/slides/slide27.xml><?xml version="1.0" encoding="utf-8"?>
+<file path=ppt/slides/slide29.xml><?xml version="1.0" encoding="utf-8"?>
 <p:sld xmlns:a="http://schemas.openxmlformats.org/drawingml/2006/main" xmlns:r="http://schemas.openxmlformats.org/officeDocument/2006/relationships" xmlns:p="http://schemas.openxmlformats.org/presentationml/2006/main">
   <p:cSld>
     <p:spTree>
@@ -27727,7 +29713,139 @@
 </p:sld>
 </file>
 
-<file path=ppt/slides/slide28.xml><?xml version="1.0" encoding="utf-8"?>
+<file path=ppt/slides/slide3.xml><?xml version="1.0" encoding="utf-8"?>
+<p:sld xmlns:a="http://schemas.openxmlformats.org/drawingml/2006/main" xmlns:r="http://schemas.openxmlformats.org/officeDocument/2006/relationships" xmlns:p="http://schemas.openxmlformats.org/presentationml/2006/main">
+  <p:cSld>
+    <p:spTree>
+      <p:nvGrpSpPr>
+        <p:cNvPr id="1" name=""/>
+        <p:cNvGrpSpPr/>
+        <p:nvPr/>
+      </p:nvGrpSpPr>
+      <p:grpSpPr>
+        <a:xfrm>
+          <a:off x="0" y="0"/>
+          <a:ext cx="0" cy="0"/>
+          <a:chOff x="0" y="0"/>
+          <a:chExt cx="0" cy="0"/>
+        </a:xfrm>
+      </p:grpSpPr>
+      <p:pic>
+        <p:nvPicPr>
+          <p:cNvPr id="2050" name="Picture 2"/>
+          <p:cNvPicPr>
+            <a:picLocks noChangeAspect="1" noChangeArrowheads="1"/>
+          </p:cNvPicPr>
+          <p:nvPr/>
+        </p:nvPicPr>
+        <p:blipFill>
+          <a:blip r:embed="rId2">
+            <a:extLst>
+              <a:ext uri="{28A0092B-C50C-407E-A947-70E740481C1C}">
+                <a14:useLocalDpi xmlns:a14="http://schemas.microsoft.com/office/drawing/2010/main" val="0"/>
+              </a:ext>
+            </a:extLst>
+          </a:blip>
+          <a:srcRect/>
+          <a:stretch>
+            <a:fillRect/>
+          </a:stretch>
+        </p:blipFill>
+        <p:spPr bwMode="auto">
+          <a:xfrm>
+            <a:off x="2614613" y="1966913"/>
+            <a:ext cx="3914775" cy="2924175"/>
+          </a:xfrm>
+          <a:prstGeom prst="rect">
+            <a:avLst/>
+          </a:prstGeom>
+          <a:noFill/>
+          <a:ln>
+            <a:noFill/>
+          </a:ln>
+          <a:effectLst/>
+          <a:extLst>
+            <a:ext uri="{909E8E84-426E-40DD-AFC4-6F175D3DCCD1}">
+              <a14:hiddenFill xmlns:a14="http://schemas.microsoft.com/office/drawing/2010/main">
+                <a:solidFill>
+                  <a:schemeClr val="accent1"/>
+                </a:solidFill>
+              </a14:hiddenFill>
+            </a:ext>
+            <a:ext uri="{91240B29-F687-4F45-9708-019B960494DF}">
+              <a14:hiddenLine xmlns:a14="http://schemas.microsoft.com/office/drawing/2010/main" w="9525">
+                <a:solidFill>
+                  <a:schemeClr val="tx1"/>
+                </a:solidFill>
+                <a:miter lim="800000"/>
+                <a:headEnd/>
+                <a:tailEnd/>
+              </a14:hiddenLine>
+            </a:ext>
+            <a:ext uri="{AF507438-7753-43E0-B8FC-AC1667EBCBE1}">
+              <a14:hiddenEffects xmlns:a14="http://schemas.microsoft.com/office/drawing/2010/main">
+                <a:effectLst>
+                  <a:outerShdw dist="35921" dir="2700000" algn="ctr" rotWithShape="0">
+                    <a:schemeClr val="bg2"/>
+                  </a:outerShdw>
+                </a:effectLst>
+              </a14:hiddenEffects>
+            </a:ext>
+          </a:extLst>
+        </p:spPr>
+      </p:pic>
+      <p:sp>
+        <p:nvSpPr>
+          <p:cNvPr id="5" name="pole tekstowe 4"/>
+          <p:cNvSpPr txBox="1"/>
+          <p:nvPr/>
+        </p:nvSpPr>
+        <p:spPr>
+          <a:xfrm>
+            <a:off x="3173120" y="2420888"/>
+            <a:ext cx="981551" cy="369332"/>
+          </a:xfrm>
+          <a:prstGeom prst="rect">
+            <a:avLst/>
+          </a:prstGeom>
+          <a:noFill/>
+        </p:spPr>
+        <p:txBody>
+          <a:bodyPr wrap="none" rtlCol="0">
+            <a:spAutoFit/>
+          </a:bodyPr>
+          <a:lstStyle/>
+          <a:p>
+            <a:r>
+              <a:rPr lang="pl-PL" b="1" dirty="0" smtClean="0">
+                <a:solidFill>
+                  <a:srgbClr val="FF0000"/>
+                </a:solidFill>
+              </a:rPr>
+              <a:t>Agent: 0</a:t>
+            </a:r>
+            <a:endParaRPr lang="pl-PL" b="1" dirty="0">
+              <a:solidFill>
+                <a:srgbClr val="FF0000"/>
+              </a:solidFill>
+            </a:endParaRPr>
+          </a:p>
+        </p:txBody>
+      </p:sp>
+    </p:spTree>
+    <p:extLst>
+      <p:ext uri="{BB962C8B-B14F-4D97-AF65-F5344CB8AC3E}">
+        <p14:creationId xmlns:p14="http://schemas.microsoft.com/office/powerpoint/2010/main" val="4275086764"/>
+      </p:ext>
+    </p:extLst>
+  </p:cSld>
+  <p:clrMapOvr>
+    <a:masterClrMapping/>
+  </p:clrMapOvr>
+</p:sld>
+</file>
+
+<file path=ppt/slides/slide30.xml><?xml version="1.0" encoding="utf-8"?>
 <p:sld xmlns:a="http://schemas.openxmlformats.org/drawingml/2006/main" xmlns:r="http://schemas.openxmlformats.org/officeDocument/2006/relationships" xmlns:p="http://schemas.openxmlformats.org/presentationml/2006/main">
   <p:cSld>
     <p:spTree>
@@ -28501,7 +30619,7 @@
 </p:sld>
 </file>
 
-<file path=ppt/slides/slide29.xml><?xml version="1.0" encoding="utf-8"?>
+<file path=ppt/slides/slide31.xml><?xml version="1.0" encoding="utf-8"?>
 <p:sld xmlns:a="http://schemas.openxmlformats.org/drawingml/2006/main" xmlns:r="http://schemas.openxmlformats.org/officeDocument/2006/relationships" xmlns:p="http://schemas.openxmlformats.org/presentationml/2006/main">
   <p:cSld>
     <p:spTree>
@@ -29275,817 +31393,7 @@
 </p:sld>
 </file>
 
-<file path=ppt/slides/slide3.xml><?xml version="1.0" encoding="utf-8"?>
-<p:sld xmlns:a="http://schemas.openxmlformats.org/drawingml/2006/main" xmlns:r="http://schemas.openxmlformats.org/officeDocument/2006/relationships" xmlns:p="http://schemas.openxmlformats.org/presentationml/2006/main">
-  <p:cSld>
-    <p:spTree>
-      <p:nvGrpSpPr>
-        <p:cNvPr id="1" name=""/>
-        <p:cNvGrpSpPr/>
-        <p:nvPr/>
-      </p:nvGrpSpPr>
-      <p:grpSpPr>
-        <a:xfrm>
-          <a:off x="0" y="0"/>
-          <a:ext cx="0" cy="0"/>
-          <a:chOff x="0" y="0"/>
-          <a:chExt cx="0" cy="0"/>
-        </a:xfrm>
-      </p:grpSpPr>
-      <p:sp>
-        <p:nvSpPr>
-          <p:cNvPr id="4" name="Rectangle 3"/>
-          <p:cNvSpPr>
-            <a:spLocks/>
-          </p:cNvSpPr>
-          <p:nvPr/>
-        </p:nvSpPr>
-        <p:spPr>
-          <a:xfrm rot="5400000">
-            <a:off x="1757671" y="836712"/>
-            <a:ext cx="1800200" cy="936104"/>
-          </a:xfrm>
-          <a:prstGeom prst="rect">
-            <a:avLst/>
-          </a:prstGeom>
-        </p:spPr>
-        <p:style>
-          <a:lnRef idx="2">
-            <a:schemeClr val="accent3">
-              <a:shade val="50000"/>
-            </a:schemeClr>
-          </a:lnRef>
-          <a:fillRef idx="1">
-            <a:schemeClr val="accent3"/>
-          </a:fillRef>
-          <a:effectRef idx="0">
-            <a:schemeClr val="accent3"/>
-          </a:effectRef>
-          <a:fontRef idx="minor">
-            <a:schemeClr val="lt1"/>
-          </a:fontRef>
-        </p:style>
-        <p:txBody>
-          <a:bodyPr rtlCol="0" anchor="ctr"/>
-          <a:lstStyle/>
-          <a:p>
-            <a:pPr algn="ctr"/>
-            <a:endParaRPr lang="pl-PL"/>
-          </a:p>
-        </p:txBody>
-      </p:sp>
-      <p:sp>
-        <p:nvSpPr>
-          <p:cNvPr id="5" name="Rectangle 4"/>
-          <p:cNvSpPr>
-            <a:spLocks/>
-          </p:cNvSpPr>
-          <p:nvPr/>
-        </p:nvSpPr>
-        <p:spPr>
-          <a:xfrm rot="5400000">
-            <a:off x="3557871" y="836712"/>
-            <a:ext cx="1800200" cy="936104"/>
-          </a:xfrm>
-          <a:prstGeom prst="rect">
-            <a:avLst/>
-          </a:prstGeom>
-        </p:spPr>
-        <p:style>
-          <a:lnRef idx="2">
-            <a:schemeClr val="accent6">
-              <a:shade val="50000"/>
-            </a:schemeClr>
-          </a:lnRef>
-          <a:fillRef idx="1">
-            <a:schemeClr val="accent6"/>
-          </a:fillRef>
-          <a:effectRef idx="0">
-            <a:schemeClr val="accent6"/>
-          </a:effectRef>
-          <a:fontRef idx="minor">
-            <a:schemeClr val="lt1"/>
-          </a:fontRef>
-        </p:style>
-        <p:txBody>
-          <a:bodyPr rtlCol="0" anchor="ctr"/>
-          <a:lstStyle/>
-          <a:p>
-            <a:pPr algn="ctr"/>
-            <a:endParaRPr lang="pl-PL"/>
-          </a:p>
-        </p:txBody>
-      </p:sp>
-      <p:sp>
-        <p:nvSpPr>
-          <p:cNvPr id="6" name="Rectangle 5"/>
-          <p:cNvSpPr>
-            <a:spLocks/>
-          </p:cNvSpPr>
-          <p:nvPr/>
-        </p:nvSpPr>
-        <p:spPr>
-          <a:xfrm rot="5400000">
-            <a:off x="5358071" y="836712"/>
-            <a:ext cx="1800200" cy="936104"/>
-          </a:xfrm>
-          <a:prstGeom prst="rect">
-            <a:avLst/>
-          </a:prstGeom>
-        </p:spPr>
-        <p:style>
-          <a:lnRef idx="2">
-            <a:schemeClr val="accent2">
-              <a:shade val="50000"/>
-            </a:schemeClr>
-          </a:lnRef>
-          <a:fillRef idx="1">
-            <a:schemeClr val="accent2"/>
-          </a:fillRef>
-          <a:effectRef idx="0">
-            <a:schemeClr val="accent2"/>
-          </a:effectRef>
-          <a:fontRef idx="minor">
-            <a:schemeClr val="lt1"/>
-          </a:fontRef>
-        </p:style>
-        <p:txBody>
-          <a:bodyPr rtlCol="0" anchor="ctr"/>
-          <a:lstStyle/>
-          <a:p>
-            <a:pPr algn="ctr"/>
-            <a:endParaRPr lang="pl-PL"/>
-          </a:p>
-        </p:txBody>
-      </p:sp>
-      <p:sp>
-        <p:nvSpPr>
-          <p:cNvPr id="7" name="Bent Arrow 6"/>
-          <p:cNvSpPr>
-            <a:spLocks/>
-          </p:cNvSpPr>
-          <p:nvPr/>
-        </p:nvSpPr>
-        <p:spPr>
-          <a:xfrm rot="5400000" flipH="1">
-            <a:off x="2369667" y="1016732"/>
-            <a:ext cx="432048" cy="576064"/>
-          </a:xfrm>
-          <a:prstGeom prst="bentArrow">
-            <a:avLst/>
-          </a:prstGeom>
-        </p:spPr>
-        <p:style>
-          <a:lnRef idx="2">
-            <a:schemeClr val="accent1">
-              <a:shade val="50000"/>
-            </a:schemeClr>
-          </a:lnRef>
-          <a:fillRef idx="1">
-            <a:schemeClr val="accent1"/>
-          </a:fillRef>
-          <a:effectRef idx="0">
-            <a:schemeClr val="accent1"/>
-          </a:effectRef>
-          <a:fontRef idx="minor">
-            <a:schemeClr val="lt1"/>
-          </a:fontRef>
-        </p:style>
-        <p:txBody>
-          <a:bodyPr rtlCol="0" anchor="ctr"/>
-          <a:lstStyle/>
-          <a:p>
-            <a:pPr algn="ctr"/>
-            <a:endParaRPr lang="pl-PL">
-              <a:solidFill>
-                <a:schemeClr val="tx1"/>
-              </a:solidFill>
-            </a:endParaRPr>
-          </a:p>
-        </p:txBody>
-      </p:sp>
-      <p:sp>
-        <p:nvSpPr>
-          <p:cNvPr id="8" name="Rectangle 7"/>
-          <p:cNvSpPr>
-            <a:spLocks/>
-          </p:cNvSpPr>
-          <p:nvPr/>
-        </p:nvSpPr>
-        <p:spPr>
-          <a:xfrm rot="5400000">
-            <a:off x="2306684" y="2702428"/>
-            <a:ext cx="857604" cy="936104"/>
-          </a:xfrm>
-          <a:prstGeom prst="rect">
-            <a:avLst/>
-          </a:prstGeom>
-        </p:spPr>
-        <p:style>
-          <a:lnRef idx="2">
-            <a:schemeClr val="accent3">
-              <a:shade val="50000"/>
-            </a:schemeClr>
-          </a:lnRef>
-          <a:fillRef idx="1">
-            <a:schemeClr val="accent3"/>
-          </a:fillRef>
-          <a:effectRef idx="0">
-            <a:schemeClr val="accent3"/>
-          </a:effectRef>
-          <a:fontRef idx="minor">
-            <a:schemeClr val="lt1"/>
-          </a:fontRef>
-        </p:style>
-        <p:txBody>
-          <a:bodyPr rtlCol="0" anchor="ctr"/>
-          <a:lstStyle/>
-          <a:p>
-            <a:pPr algn="ctr"/>
-            <a:endParaRPr lang="pl-PL"/>
-          </a:p>
-        </p:txBody>
-      </p:sp>
-      <p:sp>
-        <p:nvSpPr>
-          <p:cNvPr id="9" name="Rectangle 8"/>
-          <p:cNvSpPr>
-            <a:spLocks/>
-          </p:cNvSpPr>
-          <p:nvPr/>
-        </p:nvSpPr>
-        <p:spPr>
-          <a:xfrm rot="5400000">
-            <a:off x="3557871" y="2742658"/>
-            <a:ext cx="1800200" cy="936104"/>
-          </a:xfrm>
-          <a:prstGeom prst="rect">
-            <a:avLst/>
-          </a:prstGeom>
-        </p:spPr>
-        <p:style>
-          <a:lnRef idx="2">
-            <a:schemeClr val="accent6">
-              <a:shade val="50000"/>
-            </a:schemeClr>
-          </a:lnRef>
-          <a:fillRef idx="1">
-            <a:schemeClr val="accent6"/>
-          </a:fillRef>
-          <a:effectRef idx="0">
-            <a:schemeClr val="accent6"/>
-          </a:effectRef>
-          <a:fontRef idx="minor">
-            <a:schemeClr val="lt1"/>
-          </a:fontRef>
-        </p:style>
-        <p:txBody>
-          <a:bodyPr rtlCol="0" anchor="ctr"/>
-          <a:lstStyle/>
-          <a:p>
-            <a:pPr algn="ctr"/>
-            <a:endParaRPr lang="pl-PL"/>
-          </a:p>
-        </p:txBody>
-      </p:sp>
-      <p:sp>
-        <p:nvSpPr>
-          <p:cNvPr id="10" name="Rectangle 9"/>
-          <p:cNvSpPr>
-            <a:spLocks/>
-          </p:cNvSpPr>
-          <p:nvPr/>
-        </p:nvSpPr>
-        <p:spPr>
-          <a:xfrm rot="5400000">
-            <a:off x="5368078" y="2742658"/>
-            <a:ext cx="1800200" cy="936104"/>
-          </a:xfrm>
-          <a:prstGeom prst="rect">
-            <a:avLst/>
-          </a:prstGeom>
-        </p:spPr>
-        <p:style>
-          <a:lnRef idx="2">
-            <a:schemeClr val="accent2">
-              <a:shade val="50000"/>
-            </a:schemeClr>
-          </a:lnRef>
-          <a:fillRef idx="1">
-            <a:schemeClr val="accent2"/>
-          </a:fillRef>
-          <a:effectRef idx="0">
-            <a:schemeClr val="accent2"/>
-          </a:effectRef>
-          <a:fontRef idx="minor">
-            <a:schemeClr val="lt1"/>
-          </a:fontRef>
-        </p:style>
-        <p:txBody>
-          <a:bodyPr rtlCol="0" anchor="ctr"/>
-          <a:lstStyle/>
-          <a:p>
-            <a:pPr algn="ctr"/>
-            <a:endParaRPr lang="pl-PL"/>
-          </a:p>
-        </p:txBody>
-      </p:sp>
-      <p:sp>
-        <p:nvSpPr>
-          <p:cNvPr id="11" name="Up Arrow 10"/>
-          <p:cNvSpPr>
-            <a:spLocks/>
-          </p:cNvSpPr>
-          <p:nvPr/>
-        </p:nvSpPr>
-        <p:spPr>
-          <a:xfrm rot="5400000">
-            <a:off x="4313919" y="2847424"/>
-            <a:ext cx="288104" cy="576064"/>
-          </a:xfrm>
-          <a:prstGeom prst="upArrow">
-            <a:avLst/>
-          </a:prstGeom>
-        </p:spPr>
-        <p:style>
-          <a:lnRef idx="2">
-            <a:schemeClr val="accent1">
-              <a:shade val="50000"/>
-            </a:schemeClr>
-          </a:lnRef>
-          <a:fillRef idx="1">
-            <a:schemeClr val="accent1"/>
-          </a:fillRef>
-          <a:effectRef idx="0">
-            <a:schemeClr val="accent1"/>
-          </a:effectRef>
-          <a:fontRef idx="minor">
-            <a:schemeClr val="lt1"/>
-          </a:fontRef>
-        </p:style>
-        <p:txBody>
-          <a:bodyPr rtlCol="0" anchor="ctr"/>
-          <a:lstStyle/>
-          <a:p>
-            <a:pPr algn="ctr"/>
-            <a:endParaRPr lang="pl-PL"/>
-          </a:p>
-        </p:txBody>
-      </p:sp>
-      <p:sp>
-        <p:nvSpPr>
-          <p:cNvPr id="12" name="Rectangle 11"/>
-          <p:cNvSpPr>
-            <a:spLocks/>
-          </p:cNvSpPr>
-          <p:nvPr/>
-        </p:nvSpPr>
-        <p:spPr>
-          <a:xfrm rot="5400000">
-            <a:off x="1757671" y="4645893"/>
-            <a:ext cx="1800200" cy="936104"/>
-          </a:xfrm>
-          <a:prstGeom prst="rect">
-            <a:avLst/>
-          </a:prstGeom>
-        </p:spPr>
-        <p:style>
-          <a:lnRef idx="2">
-            <a:schemeClr val="accent3">
-              <a:shade val="50000"/>
-            </a:schemeClr>
-          </a:lnRef>
-          <a:fillRef idx="1">
-            <a:schemeClr val="accent3"/>
-          </a:fillRef>
-          <a:effectRef idx="0">
-            <a:schemeClr val="accent3"/>
-          </a:effectRef>
-          <a:fontRef idx="minor">
-            <a:schemeClr val="lt1"/>
-          </a:fontRef>
-        </p:style>
-        <p:txBody>
-          <a:bodyPr rtlCol="0" anchor="ctr"/>
-          <a:lstStyle/>
-          <a:p>
-            <a:pPr algn="ctr"/>
-            <a:endParaRPr lang="pl-PL"/>
-          </a:p>
-        </p:txBody>
-      </p:sp>
-      <p:sp>
-        <p:nvSpPr>
-          <p:cNvPr id="13" name="Rectangle 12"/>
-          <p:cNvSpPr>
-            <a:spLocks/>
-          </p:cNvSpPr>
-          <p:nvPr/>
-        </p:nvSpPr>
-        <p:spPr>
-          <a:xfrm rot="5400000">
-            <a:off x="3557871" y="4645521"/>
-            <a:ext cx="1800200" cy="936104"/>
-          </a:xfrm>
-          <a:prstGeom prst="rect">
-            <a:avLst/>
-          </a:prstGeom>
-        </p:spPr>
-        <p:style>
-          <a:lnRef idx="2">
-            <a:schemeClr val="accent6">
-              <a:shade val="50000"/>
-            </a:schemeClr>
-          </a:lnRef>
-          <a:fillRef idx="1">
-            <a:schemeClr val="accent6"/>
-          </a:fillRef>
-          <a:effectRef idx="0">
-            <a:schemeClr val="accent6"/>
-          </a:effectRef>
-          <a:fontRef idx="minor">
-            <a:schemeClr val="lt1"/>
-          </a:fontRef>
-        </p:style>
-        <p:txBody>
-          <a:bodyPr rtlCol="0" anchor="ctr"/>
-          <a:lstStyle/>
-          <a:p>
-            <a:pPr algn="ctr"/>
-            <a:endParaRPr lang="pl-PL"/>
-          </a:p>
-        </p:txBody>
-      </p:sp>
-      <p:sp>
-        <p:nvSpPr>
-          <p:cNvPr id="14" name="Rectangle 13"/>
-          <p:cNvSpPr>
-            <a:spLocks/>
-          </p:cNvSpPr>
-          <p:nvPr/>
-        </p:nvSpPr>
-        <p:spPr>
-          <a:xfrm rot="5400000">
-            <a:off x="5368078" y="4627240"/>
-            <a:ext cx="1800200" cy="936104"/>
-          </a:xfrm>
-          <a:prstGeom prst="rect">
-            <a:avLst/>
-          </a:prstGeom>
-        </p:spPr>
-        <p:style>
-          <a:lnRef idx="2">
-            <a:schemeClr val="accent2">
-              <a:shade val="50000"/>
-            </a:schemeClr>
-          </a:lnRef>
-          <a:fillRef idx="1">
-            <a:schemeClr val="accent2"/>
-          </a:fillRef>
-          <a:effectRef idx="0">
-            <a:schemeClr val="accent2"/>
-          </a:effectRef>
-          <a:fontRef idx="minor">
-            <a:schemeClr val="lt1"/>
-          </a:fontRef>
-        </p:style>
-        <p:txBody>
-          <a:bodyPr rtlCol="0" anchor="ctr"/>
-          <a:lstStyle/>
-          <a:p>
-            <a:pPr algn="ctr"/>
-            <a:endParaRPr lang="pl-PL"/>
-          </a:p>
-        </p:txBody>
-      </p:sp>
-      <p:sp>
-        <p:nvSpPr>
-          <p:cNvPr id="15" name="Bent Arrow 14"/>
-          <p:cNvSpPr>
-            <a:spLocks/>
-          </p:cNvSpPr>
-          <p:nvPr/>
-        </p:nvSpPr>
-        <p:spPr>
-          <a:xfrm rot="5400000">
-            <a:off x="6114119" y="4807260"/>
-            <a:ext cx="432048" cy="576064"/>
-          </a:xfrm>
-          <a:prstGeom prst="bentArrow">
-            <a:avLst/>
-          </a:prstGeom>
-        </p:spPr>
-        <p:style>
-          <a:lnRef idx="2">
-            <a:schemeClr val="accent1">
-              <a:shade val="50000"/>
-            </a:schemeClr>
-          </a:lnRef>
-          <a:fillRef idx="1">
-            <a:schemeClr val="accent1"/>
-          </a:fillRef>
-          <a:effectRef idx="0">
-            <a:schemeClr val="accent1"/>
-          </a:effectRef>
-          <a:fontRef idx="minor">
-            <a:schemeClr val="lt1"/>
-          </a:fontRef>
-        </p:style>
-        <p:txBody>
-          <a:bodyPr rtlCol="0" anchor="ctr"/>
-          <a:lstStyle/>
-          <a:p>
-            <a:pPr algn="ctr"/>
-            <a:endParaRPr lang="pl-PL">
-              <a:solidFill>
-                <a:schemeClr val="tx1"/>
-              </a:solidFill>
-            </a:endParaRPr>
-          </a:p>
-        </p:txBody>
-      </p:sp>
-      <p:sp>
-        <p:nvSpPr>
-          <p:cNvPr id="16" name="Up Arrow 15"/>
-          <p:cNvSpPr>
-            <a:spLocks/>
-          </p:cNvSpPr>
-          <p:nvPr/>
-        </p:nvSpPr>
-        <p:spPr>
-          <a:xfrm rot="5400000">
-            <a:off x="2585691" y="2882448"/>
-            <a:ext cx="288104" cy="576064"/>
-          </a:xfrm>
-          <a:prstGeom prst="upArrow">
-            <a:avLst/>
-          </a:prstGeom>
-        </p:spPr>
-        <p:style>
-          <a:lnRef idx="2">
-            <a:schemeClr val="accent1">
-              <a:shade val="50000"/>
-            </a:schemeClr>
-          </a:lnRef>
-          <a:fillRef idx="1">
-            <a:schemeClr val="accent1"/>
-          </a:fillRef>
-          <a:effectRef idx="0">
-            <a:schemeClr val="accent1"/>
-          </a:effectRef>
-          <a:fontRef idx="minor">
-            <a:schemeClr val="lt1"/>
-          </a:fontRef>
-        </p:style>
-        <p:txBody>
-          <a:bodyPr rtlCol="0" anchor="ctr"/>
-          <a:lstStyle/>
-          <a:p>
-            <a:pPr algn="ctr"/>
-            <a:endParaRPr lang="pl-PL"/>
-          </a:p>
-        </p:txBody>
-      </p:sp>
-      <p:sp>
-        <p:nvSpPr>
-          <p:cNvPr id="17" name="Up Arrow 16"/>
-          <p:cNvSpPr>
-            <a:spLocks/>
-          </p:cNvSpPr>
-          <p:nvPr/>
-        </p:nvSpPr>
-        <p:spPr>
-          <a:xfrm rot="5400000">
-            <a:off x="6196098" y="2847424"/>
-            <a:ext cx="288104" cy="576064"/>
-          </a:xfrm>
-          <a:prstGeom prst="upArrow">
-            <a:avLst/>
-          </a:prstGeom>
-        </p:spPr>
-        <p:style>
-          <a:lnRef idx="2">
-            <a:schemeClr val="accent1">
-              <a:shade val="50000"/>
-            </a:schemeClr>
-          </a:lnRef>
-          <a:fillRef idx="1">
-            <a:schemeClr val="accent1"/>
-          </a:fillRef>
-          <a:effectRef idx="0">
-            <a:schemeClr val="accent1"/>
-          </a:effectRef>
-          <a:fontRef idx="minor">
-            <a:schemeClr val="lt1"/>
-          </a:fontRef>
-        </p:style>
-        <p:txBody>
-          <a:bodyPr rtlCol="0" anchor="ctr"/>
-          <a:lstStyle/>
-          <a:p>
-            <a:pPr algn="ctr"/>
-            <a:endParaRPr lang="pl-PL"/>
-          </a:p>
-        </p:txBody>
-      </p:sp>
-      <p:sp>
-        <p:nvSpPr>
-          <p:cNvPr id="18" name="Bent Arrow 17"/>
-          <p:cNvSpPr>
-            <a:spLocks/>
-          </p:cNvSpPr>
-          <p:nvPr/>
-        </p:nvSpPr>
-        <p:spPr>
-          <a:xfrm rot="5400000" flipH="1">
-            <a:off x="4241947" y="1016732"/>
-            <a:ext cx="432048" cy="576064"/>
-          </a:xfrm>
-          <a:prstGeom prst="bentArrow">
-            <a:avLst/>
-          </a:prstGeom>
-        </p:spPr>
-        <p:style>
-          <a:lnRef idx="2">
-            <a:schemeClr val="accent1">
-              <a:shade val="50000"/>
-            </a:schemeClr>
-          </a:lnRef>
-          <a:fillRef idx="1">
-            <a:schemeClr val="accent1"/>
-          </a:fillRef>
-          <a:effectRef idx="0">
-            <a:schemeClr val="accent1"/>
-          </a:effectRef>
-          <a:fontRef idx="minor">
-            <a:schemeClr val="lt1"/>
-          </a:fontRef>
-        </p:style>
-        <p:txBody>
-          <a:bodyPr rtlCol="0" anchor="ctr"/>
-          <a:lstStyle/>
-          <a:p>
-            <a:pPr algn="ctr"/>
-            <a:endParaRPr lang="pl-PL">
-              <a:solidFill>
-                <a:schemeClr val="tx1"/>
-              </a:solidFill>
-            </a:endParaRPr>
-          </a:p>
-        </p:txBody>
-      </p:sp>
-      <p:sp>
-        <p:nvSpPr>
-          <p:cNvPr id="19" name="Bent Arrow 18"/>
-          <p:cNvSpPr>
-            <a:spLocks/>
-          </p:cNvSpPr>
-          <p:nvPr/>
-        </p:nvSpPr>
-        <p:spPr>
-          <a:xfrm rot="5400000" flipH="1">
-            <a:off x="6028389" y="1016732"/>
-            <a:ext cx="432048" cy="576064"/>
-          </a:xfrm>
-          <a:prstGeom prst="bentArrow">
-            <a:avLst/>
-          </a:prstGeom>
-        </p:spPr>
-        <p:style>
-          <a:lnRef idx="2">
-            <a:schemeClr val="accent1">
-              <a:shade val="50000"/>
-            </a:schemeClr>
-          </a:lnRef>
-          <a:fillRef idx="1">
-            <a:schemeClr val="accent1"/>
-          </a:fillRef>
-          <a:effectRef idx="0">
-            <a:schemeClr val="accent1"/>
-          </a:effectRef>
-          <a:fontRef idx="minor">
-            <a:schemeClr val="lt1"/>
-          </a:fontRef>
-        </p:style>
-        <p:txBody>
-          <a:bodyPr rtlCol="0" anchor="ctr"/>
-          <a:lstStyle/>
-          <a:p>
-            <a:pPr algn="ctr"/>
-            <a:endParaRPr lang="pl-PL">
-              <a:solidFill>
-                <a:schemeClr val="tx1"/>
-              </a:solidFill>
-            </a:endParaRPr>
-          </a:p>
-        </p:txBody>
-      </p:sp>
-      <p:sp>
-        <p:nvSpPr>
-          <p:cNvPr id="20" name="Bent Arrow 19"/>
-          <p:cNvSpPr>
-            <a:spLocks/>
-          </p:cNvSpPr>
-          <p:nvPr/>
-        </p:nvSpPr>
-        <p:spPr>
-          <a:xfrm rot="5400000">
-            <a:off x="4303912" y="4825541"/>
-            <a:ext cx="432048" cy="576064"/>
-          </a:xfrm>
-          <a:prstGeom prst="bentArrow">
-            <a:avLst/>
-          </a:prstGeom>
-        </p:spPr>
-        <p:style>
-          <a:lnRef idx="2">
-            <a:schemeClr val="accent1">
-              <a:shade val="50000"/>
-            </a:schemeClr>
-          </a:lnRef>
-          <a:fillRef idx="1">
-            <a:schemeClr val="accent1"/>
-          </a:fillRef>
-          <a:effectRef idx="0">
-            <a:schemeClr val="accent1"/>
-          </a:effectRef>
-          <a:fontRef idx="minor">
-            <a:schemeClr val="lt1"/>
-          </a:fontRef>
-        </p:style>
-        <p:txBody>
-          <a:bodyPr rtlCol="0" anchor="ctr"/>
-          <a:lstStyle/>
-          <a:p>
-            <a:pPr algn="ctr"/>
-            <a:endParaRPr lang="pl-PL">
-              <a:solidFill>
-                <a:schemeClr val="tx1"/>
-              </a:solidFill>
-            </a:endParaRPr>
-          </a:p>
-        </p:txBody>
-      </p:sp>
-      <p:sp>
-        <p:nvSpPr>
-          <p:cNvPr id="21" name="Bent Arrow 20"/>
-          <p:cNvSpPr>
-            <a:spLocks/>
-          </p:cNvSpPr>
-          <p:nvPr/>
-        </p:nvSpPr>
-        <p:spPr>
-          <a:xfrm rot="5400000">
-            <a:off x="2575684" y="4825913"/>
-            <a:ext cx="432048" cy="576064"/>
-          </a:xfrm>
-          <a:prstGeom prst="bentArrow">
-            <a:avLst/>
-          </a:prstGeom>
-        </p:spPr>
-        <p:style>
-          <a:lnRef idx="2">
-            <a:schemeClr val="accent1">
-              <a:shade val="50000"/>
-            </a:schemeClr>
-          </a:lnRef>
-          <a:fillRef idx="1">
-            <a:schemeClr val="accent1"/>
-          </a:fillRef>
-          <a:effectRef idx="0">
-            <a:schemeClr val="accent1"/>
-          </a:effectRef>
-          <a:fontRef idx="minor">
-            <a:schemeClr val="lt1"/>
-          </a:fontRef>
-        </p:style>
-        <p:txBody>
-          <a:bodyPr rtlCol="0" anchor="ctr"/>
-          <a:lstStyle/>
-          <a:p>
-            <a:pPr algn="ctr"/>
-            <a:endParaRPr lang="pl-PL">
-              <a:solidFill>
-                <a:schemeClr val="tx1"/>
-              </a:solidFill>
-            </a:endParaRPr>
-          </a:p>
-        </p:txBody>
-      </p:sp>
-    </p:spTree>
-    <p:extLst>
-      <p:ext uri="{BB962C8B-B14F-4D97-AF65-F5344CB8AC3E}">
-        <p14:creationId xmlns:p14="http://schemas.microsoft.com/office/powerpoint/2010/main" val="1226541109"/>
-      </p:ext>
-    </p:extLst>
-  </p:cSld>
-  <p:clrMapOvr>
-    <a:masterClrMapping/>
-  </p:clrMapOvr>
-</p:sld>
-</file>
-
-<file path=ppt/slides/slide30.xml><?xml version="1.0" encoding="utf-8"?>
+<file path=ppt/slides/slide32.xml><?xml version="1.0" encoding="utf-8"?>
 <p:sld xmlns:a="http://schemas.openxmlformats.org/drawingml/2006/main" xmlns:r="http://schemas.openxmlformats.org/officeDocument/2006/relationships" xmlns:p="http://schemas.openxmlformats.org/presentationml/2006/main">
   <p:cSld>
     <p:spTree>
@@ -30179,7 +31487,7 @@
 </p:sld>
 </file>
 
-<file path=ppt/slides/slide31.xml><?xml version="1.0" encoding="utf-8"?>
+<file path=ppt/slides/slide33.xml><?xml version="1.0" encoding="utf-8"?>
 <p:sld xmlns:a="http://schemas.openxmlformats.org/drawingml/2006/main" xmlns:r="http://schemas.openxmlformats.org/officeDocument/2006/relationships" xmlns:p="http://schemas.openxmlformats.org/presentationml/2006/main">
   <p:cSld>
     <p:spTree>
@@ -32175,7 +33483,7 @@
 </p:sld>
 </file>
 
-<file path=ppt/slides/slide32.xml><?xml version="1.0" encoding="utf-8"?>
+<file path=ppt/slides/slide34.xml><?xml version="1.0" encoding="utf-8"?>
 <p:sld xmlns:a="http://schemas.openxmlformats.org/drawingml/2006/main" xmlns:r="http://schemas.openxmlformats.org/officeDocument/2006/relationships" xmlns:p="http://schemas.openxmlformats.org/presentationml/2006/main">
   <p:cSld>
     <p:spTree>
@@ -34010,7 +35318,7 @@
 </p:sld>
 </file>
 
-<file path=ppt/slides/slide33.xml><?xml version="1.0" encoding="utf-8"?>
+<file path=ppt/slides/slide35.xml><?xml version="1.0" encoding="utf-8"?>
 <p:sld xmlns:a="http://schemas.openxmlformats.org/drawingml/2006/main" xmlns:r="http://schemas.openxmlformats.org/officeDocument/2006/relationships" xmlns:p="http://schemas.openxmlformats.org/presentationml/2006/main">
   <p:cSld>
     <p:spTree>
@@ -35999,6 +37307,1626 @@
           <p:nvPr/>
         </p:nvSpPr>
         <p:spPr>
+          <a:xfrm rot="10800000">
+            <a:off x="1757671" y="332656"/>
+            <a:ext cx="1800200" cy="936104"/>
+          </a:xfrm>
+          <a:prstGeom prst="rect">
+            <a:avLst/>
+          </a:prstGeom>
+        </p:spPr>
+        <p:style>
+          <a:lnRef idx="2">
+            <a:schemeClr val="accent3">
+              <a:shade val="50000"/>
+            </a:schemeClr>
+          </a:lnRef>
+          <a:fillRef idx="1">
+            <a:schemeClr val="accent3"/>
+          </a:fillRef>
+          <a:effectRef idx="0">
+            <a:schemeClr val="accent3"/>
+          </a:effectRef>
+          <a:fontRef idx="minor">
+            <a:schemeClr val="lt1"/>
+          </a:fontRef>
+        </p:style>
+        <p:txBody>
+          <a:bodyPr rtlCol="0" anchor="ctr"/>
+          <a:lstStyle/>
+          <a:p>
+            <a:pPr algn="ctr"/>
+            <a:endParaRPr lang="pl-PL"/>
+          </a:p>
+        </p:txBody>
+      </p:sp>
+      <p:sp>
+        <p:nvSpPr>
+          <p:cNvPr id="5" name="Rectangle 4"/>
+          <p:cNvSpPr>
+            <a:spLocks/>
+          </p:cNvSpPr>
+          <p:nvPr/>
+        </p:nvSpPr>
+        <p:spPr>
+          <a:xfrm rot="10800000">
+            <a:off x="3557871" y="332656"/>
+            <a:ext cx="1800200" cy="936104"/>
+          </a:xfrm>
+          <a:prstGeom prst="rect">
+            <a:avLst/>
+          </a:prstGeom>
+        </p:spPr>
+        <p:style>
+          <a:lnRef idx="2">
+            <a:schemeClr val="accent6">
+              <a:shade val="50000"/>
+            </a:schemeClr>
+          </a:lnRef>
+          <a:fillRef idx="1">
+            <a:schemeClr val="accent6"/>
+          </a:fillRef>
+          <a:effectRef idx="0">
+            <a:schemeClr val="accent6"/>
+          </a:effectRef>
+          <a:fontRef idx="minor">
+            <a:schemeClr val="lt1"/>
+          </a:fontRef>
+        </p:style>
+        <p:txBody>
+          <a:bodyPr rtlCol="0" anchor="ctr"/>
+          <a:lstStyle/>
+          <a:p>
+            <a:pPr algn="ctr"/>
+            <a:endParaRPr lang="pl-PL"/>
+          </a:p>
+        </p:txBody>
+      </p:sp>
+      <p:sp>
+        <p:nvSpPr>
+          <p:cNvPr id="6" name="Rectangle 5"/>
+          <p:cNvSpPr>
+            <a:spLocks/>
+          </p:cNvSpPr>
+          <p:nvPr/>
+        </p:nvSpPr>
+        <p:spPr>
+          <a:xfrm rot="10800000">
+            <a:off x="5358071" y="332656"/>
+            <a:ext cx="1800200" cy="936104"/>
+          </a:xfrm>
+          <a:prstGeom prst="rect">
+            <a:avLst/>
+          </a:prstGeom>
+        </p:spPr>
+        <p:style>
+          <a:lnRef idx="2">
+            <a:schemeClr val="accent2">
+              <a:shade val="50000"/>
+            </a:schemeClr>
+          </a:lnRef>
+          <a:fillRef idx="1">
+            <a:schemeClr val="accent2"/>
+          </a:fillRef>
+          <a:effectRef idx="0">
+            <a:schemeClr val="accent2"/>
+          </a:effectRef>
+          <a:fontRef idx="minor">
+            <a:schemeClr val="lt1"/>
+          </a:fontRef>
+        </p:style>
+        <p:txBody>
+          <a:bodyPr rtlCol="0" anchor="ctr"/>
+          <a:lstStyle/>
+          <a:p>
+            <a:pPr algn="ctr"/>
+            <a:endParaRPr lang="pl-PL"/>
+          </a:p>
+        </p:txBody>
+      </p:sp>
+      <p:sp>
+        <p:nvSpPr>
+          <p:cNvPr id="7" name="Bent Arrow 6"/>
+          <p:cNvSpPr>
+            <a:spLocks/>
+          </p:cNvSpPr>
+          <p:nvPr/>
+        </p:nvSpPr>
+        <p:spPr>
+          <a:xfrm rot="10800000" flipH="1">
+            <a:off x="2369667" y="512676"/>
+            <a:ext cx="432048" cy="576064"/>
+          </a:xfrm>
+          <a:prstGeom prst="bentArrow">
+            <a:avLst/>
+          </a:prstGeom>
+        </p:spPr>
+        <p:style>
+          <a:lnRef idx="2">
+            <a:schemeClr val="accent1">
+              <a:shade val="50000"/>
+            </a:schemeClr>
+          </a:lnRef>
+          <a:fillRef idx="1">
+            <a:schemeClr val="accent1"/>
+          </a:fillRef>
+          <a:effectRef idx="0">
+            <a:schemeClr val="accent1"/>
+          </a:effectRef>
+          <a:fontRef idx="minor">
+            <a:schemeClr val="lt1"/>
+          </a:fontRef>
+        </p:style>
+        <p:txBody>
+          <a:bodyPr rtlCol="0" anchor="ctr"/>
+          <a:lstStyle/>
+          <a:p>
+            <a:pPr algn="ctr"/>
+            <a:endParaRPr lang="pl-PL">
+              <a:solidFill>
+                <a:schemeClr val="tx1"/>
+              </a:solidFill>
+            </a:endParaRPr>
+          </a:p>
+        </p:txBody>
+      </p:sp>
+      <p:sp>
+        <p:nvSpPr>
+          <p:cNvPr id="8" name="Rectangle 7"/>
+          <p:cNvSpPr>
+            <a:spLocks/>
+          </p:cNvSpPr>
+          <p:nvPr/>
+        </p:nvSpPr>
+        <p:spPr>
+          <a:xfrm rot="10800000">
+            <a:off x="1757671" y="1484784"/>
+            <a:ext cx="1800200" cy="936104"/>
+          </a:xfrm>
+          <a:prstGeom prst="rect">
+            <a:avLst/>
+          </a:prstGeom>
+        </p:spPr>
+        <p:style>
+          <a:lnRef idx="2">
+            <a:schemeClr val="accent3">
+              <a:shade val="50000"/>
+            </a:schemeClr>
+          </a:lnRef>
+          <a:fillRef idx="1">
+            <a:schemeClr val="accent3"/>
+          </a:fillRef>
+          <a:effectRef idx="0">
+            <a:schemeClr val="accent3"/>
+          </a:effectRef>
+          <a:fontRef idx="minor">
+            <a:schemeClr val="lt1"/>
+          </a:fontRef>
+        </p:style>
+        <p:txBody>
+          <a:bodyPr rtlCol="0" anchor="ctr"/>
+          <a:lstStyle/>
+          <a:p>
+            <a:pPr algn="ctr"/>
+            <a:endParaRPr lang="pl-PL"/>
+          </a:p>
+        </p:txBody>
+      </p:sp>
+      <p:sp>
+        <p:nvSpPr>
+          <p:cNvPr id="9" name="Rectangle 8"/>
+          <p:cNvSpPr>
+            <a:spLocks/>
+          </p:cNvSpPr>
+          <p:nvPr/>
+        </p:nvSpPr>
+        <p:spPr>
+          <a:xfrm rot="10800000">
+            <a:off x="3557871" y="1484784"/>
+            <a:ext cx="1800200" cy="936104"/>
+          </a:xfrm>
+          <a:prstGeom prst="rect">
+            <a:avLst/>
+          </a:prstGeom>
+        </p:spPr>
+        <p:style>
+          <a:lnRef idx="2">
+            <a:schemeClr val="accent6">
+              <a:shade val="50000"/>
+            </a:schemeClr>
+          </a:lnRef>
+          <a:fillRef idx="1">
+            <a:schemeClr val="accent6"/>
+          </a:fillRef>
+          <a:effectRef idx="0">
+            <a:schemeClr val="accent6"/>
+          </a:effectRef>
+          <a:fontRef idx="minor">
+            <a:schemeClr val="lt1"/>
+          </a:fontRef>
+        </p:style>
+        <p:txBody>
+          <a:bodyPr rtlCol="0" anchor="ctr"/>
+          <a:lstStyle/>
+          <a:p>
+            <a:pPr algn="ctr"/>
+            <a:endParaRPr lang="pl-PL"/>
+          </a:p>
+        </p:txBody>
+      </p:sp>
+      <p:sp>
+        <p:nvSpPr>
+          <p:cNvPr id="10" name="Rectangle 9"/>
+          <p:cNvSpPr>
+            <a:spLocks/>
+          </p:cNvSpPr>
+          <p:nvPr/>
+        </p:nvSpPr>
+        <p:spPr>
+          <a:xfrm rot="10800000">
+            <a:off x="5358071" y="1484784"/>
+            <a:ext cx="1800200" cy="936104"/>
+          </a:xfrm>
+          <a:prstGeom prst="rect">
+            <a:avLst/>
+          </a:prstGeom>
+        </p:spPr>
+        <p:style>
+          <a:lnRef idx="2">
+            <a:schemeClr val="accent2">
+              <a:shade val="50000"/>
+            </a:schemeClr>
+          </a:lnRef>
+          <a:fillRef idx="1">
+            <a:schemeClr val="accent2"/>
+          </a:fillRef>
+          <a:effectRef idx="0">
+            <a:schemeClr val="accent2"/>
+          </a:effectRef>
+          <a:fontRef idx="minor">
+            <a:schemeClr val="lt1"/>
+          </a:fontRef>
+        </p:style>
+        <p:txBody>
+          <a:bodyPr rtlCol="0" anchor="ctr"/>
+          <a:lstStyle/>
+          <a:p>
+            <a:pPr algn="ctr"/>
+            <a:endParaRPr lang="pl-PL"/>
+          </a:p>
+        </p:txBody>
+      </p:sp>
+      <p:sp>
+        <p:nvSpPr>
+          <p:cNvPr id="11" name="Up Arrow 10"/>
+          <p:cNvSpPr>
+            <a:spLocks/>
+          </p:cNvSpPr>
+          <p:nvPr/>
+        </p:nvSpPr>
+        <p:spPr>
+          <a:xfrm rot="10800000">
+            <a:off x="4313919" y="1589550"/>
+            <a:ext cx="288104" cy="576064"/>
+          </a:xfrm>
+          <a:prstGeom prst="upArrow">
+            <a:avLst/>
+          </a:prstGeom>
+        </p:spPr>
+        <p:style>
+          <a:lnRef idx="2">
+            <a:schemeClr val="accent1">
+              <a:shade val="50000"/>
+            </a:schemeClr>
+          </a:lnRef>
+          <a:fillRef idx="1">
+            <a:schemeClr val="accent1"/>
+          </a:fillRef>
+          <a:effectRef idx="0">
+            <a:schemeClr val="accent1"/>
+          </a:effectRef>
+          <a:fontRef idx="minor">
+            <a:schemeClr val="lt1"/>
+          </a:fontRef>
+        </p:style>
+        <p:txBody>
+          <a:bodyPr rtlCol="0" anchor="ctr"/>
+          <a:lstStyle/>
+          <a:p>
+            <a:pPr algn="ctr"/>
+            <a:endParaRPr lang="pl-PL"/>
+          </a:p>
+        </p:txBody>
+      </p:sp>
+      <p:sp>
+        <p:nvSpPr>
+          <p:cNvPr id="12" name="Rectangle 11"/>
+          <p:cNvSpPr>
+            <a:spLocks/>
+          </p:cNvSpPr>
+          <p:nvPr/>
+        </p:nvSpPr>
+        <p:spPr>
+          <a:xfrm rot="10800000">
+            <a:off x="1767678" y="2852936"/>
+            <a:ext cx="1800200" cy="936104"/>
+          </a:xfrm>
+          <a:prstGeom prst="rect">
+            <a:avLst/>
+          </a:prstGeom>
+        </p:spPr>
+        <p:style>
+          <a:lnRef idx="2">
+            <a:schemeClr val="accent3">
+              <a:shade val="50000"/>
+            </a:schemeClr>
+          </a:lnRef>
+          <a:fillRef idx="1">
+            <a:schemeClr val="accent3"/>
+          </a:fillRef>
+          <a:effectRef idx="0">
+            <a:schemeClr val="accent3"/>
+          </a:effectRef>
+          <a:fontRef idx="minor">
+            <a:schemeClr val="lt1"/>
+          </a:fontRef>
+        </p:style>
+        <p:txBody>
+          <a:bodyPr rtlCol="0" anchor="ctr"/>
+          <a:lstStyle/>
+          <a:p>
+            <a:pPr algn="ctr"/>
+            <a:endParaRPr lang="pl-PL"/>
+          </a:p>
+        </p:txBody>
+      </p:sp>
+      <p:sp>
+        <p:nvSpPr>
+          <p:cNvPr id="13" name="Rectangle 12"/>
+          <p:cNvSpPr>
+            <a:spLocks/>
+          </p:cNvSpPr>
+          <p:nvPr/>
+        </p:nvSpPr>
+        <p:spPr>
+          <a:xfrm rot="10800000">
+            <a:off x="3567878" y="2852936"/>
+            <a:ext cx="1800200" cy="936104"/>
+          </a:xfrm>
+          <a:prstGeom prst="rect">
+            <a:avLst/>
+          </a:prstGeom>
+        </p:spPr>
+        <p:style>
+          <a:lnRef idx="2">
+            <a:schemeClr val="accent6">
+              <a:shade val="50000"/>
+            </a:schemeClr>
+          </a:lnRef>
+          <a:fillRef idx="1">
+            <a:schemeClr val="accent6"/>
+          </a:fillRef>
+          <a:effectRef idx="0">
+            <a:schemeClr val="accent6"/>
+          </a:effectRef>
+          <a:fontRef idx="minor">
+            <a:schemeClr val="lt1"/>
+          </a:fontRef>
+        </p:style>
+        <p:txBody>
+          <a:bodyPr rtlCol="0" anchor="ctr"/>
+          <a:lstStyle/>
+          <a:p>
+            <a:pPr algn="ctr"/>
+            <a:endParaRPr lang="pl-PL"/>
+          </a:p>
+        </p:txBody>
+      </p:sp>
+      <p:sp>
+        <p:nvSpPr>
+          <p:cNvPr id="14" name="Rectangle 13"/>
+          <p:cNvSpPr>
+            <a:spLocks/>
+          </p:cNvSpPr>
+          <p:nvPr/>
+        </p:nvSpPr>
+        <p:spPr>
+          <a:xfrm rot="10800000">
+            <a:off x="5368078" y="2852936"/>
+            <a:ext cx="1800200" cy="936104"/>
+          </a:xfrm>
+          <a:prstGeom prst="rect">
+            <a:avLst/>
+          </a:prstGeom>
+        </p:spPr>
+        <p:style>
+          <a:lnRef idx="2">
+            <a:schemeClr val="accent2">
+              <a:shade val="50000"/>
+            </a:schemeClr>
+          </a:lnRef>
+          <a:fillRef idx="1">
+            <a:schemeClr val="accent2"/>
+          </a:fillRef>
+          <a:effectRef idx="0">
+            <a:schemeClr val="accent2"/>
+          </a:effectRef>
+          <a:fontRef idx="minor">
+            <a:schemeClr val="lt1"/>
+          </a:fontRef>
+        </p:style>
+        <p:txBody>
+          <a:bodyPr rtlCol="0" anchor="ctr"/>
+          <a:lstStyle/>
+          <a:p>
+            <a:pPr algn="ctr"/>
+            <a:endParaRPr lang="pl-PL"/>
+          </a:p>
+        </p:txBody>
+      </p:sp>
+      <p:sp>
+        <p:nvSpPr>
+          <p:cNvPr id="15" name="Bent Arrow 14"/>
+          <p:cNvSpPr>
+            <a:spLocks/>
+          </p:cNvSpPr>
+          <p:nvPr/>
+        </p:nvSpPr>
+        <p:spPr>
+          <a:xfrm rot="10800000">
+            <a:off x="6114119" y="3032956"/>
+            <a:ext cx="432048" cy="576064"/>
+          </a:xfrm>
+          <a:prstGeom prst="bentArrow">
+            <a:avLst/>
+          </a:prstGeom>
+        </p:spPr>
+        <p:style>
+          <a:lnRef idx="2">
+            <a:schemeClr val="accent1">
+              <a:shade val="50000"/>
+            </a:schemeClr>
+          </a:lnRef>
+          <a:fillRef idx="1">
+            <a:schemeClr val="accent1"/>
+          </a:fillRef>
+          <a:effectRef idx="0">
+            <a:schemeClr val="accent1"/>
+          </a:effectRef>
+          <a:fontRef idx="minor">
+            <a:schemeClr val="lt1"/>
+          </a:fontRef>
+        </p:style>
+        <p:txBody>
+          <a:bodyPr rtlCol="0" anchor="ctr"/>
+          <a:lstStyle/>
+          <a:p>
+            <a:pPr algn="ctr"/>
+            <a:endParaRPr lang="pl-PL">
+              <a:solidFill>
+                <a:schemeClr val="tx1"/>
+              </a:solidFill>
+            </a:endParaRPr>
+          </a:p>
+        </p:txBody>
+      </p:sp>
+      <p:sp>
+        <p:nvSpPr>
+          <p:cNvPr id="16" name="Up Arrow 15"/>
+          <p:cNvSpPr>
+            <a:spLocks/>
+          </p:cNvSpPr>
+          <p:nvPr/>
+        </p:nvSpPr>
+        <p:spPr>
+          <a:xfrm rot="10800000">
+            <a:off x="2585691" y="1589550"/>
+            <a:ext cx="288104" cy="576064"/>
+          </a:xfrm>
+          <a:prstGeom prst="upArrow">
+            <a:avLst/>
+          </a:prstGeom>
+        </p:spPr>
+        <p:style>
+          <a:lnRef idx="2">
+            <a:schemeClr val="accent1">
+              <a:shade val="50000"/>
+            </a:schemeClr>
+          </a:lnRef>
+          <a:fillRef idx="1">
+            <a:schemeClr val="accent1"/>
+          </a:fillRef>
+          <a:effectRef idx="0">
+            <a:schemeClr val="accent1"/>
+          </a:effectRef>
+          <a:fontRef idx="minor">
+            <a:schemeClr val="lt1"/>
+          </a:fontRef>
+        </p:style>
+        <p:txBody>
+          <a:bodyPr rtlCol="0" anchor="ctr"/>
+          <a:lstStyle/>
+          <a:p>
+            <a:pPr algn="ctr"/>
+            <a:endParaRPr lang="pl-PL"/>
+          </a:p>
+        </p:txBody>
+      </p:sp>
+      <p:sp>
+        <p:nvSpPr>
+          <p:cNvPr id="17" name="Up Arrow 16"/>
+          <p:cNvSpPr>
+            <a:spLocks/>
+          </p:cNvSpPr>
+          <p:nvPr/>
+        </p:nvSpPr>
+        <p:spPr>
+          <a:xfrm rot="10800000">
+            <a:off x="6186091" y="1589550"/>
+            <a:ext cx="288104" cy="576064"/>
+          </a:xfrm>
+          <a:prstGeom prst="upArrow">
+            <a:avLst/>
+          </a:prstGeom>
+        </p:spPr>
+        <p:style>
+          <a:lnRef idx="2">
+            <a:schemeClr val="accent1">
+              <a:shade val="50000"/>
+            </a:schemeClr>
+          </a:lnRef>
+          <a:fillRef idx="1">
+            <a:schemeClr val="accent1"/>
+          </a:fillRef>
+          <a:effectRef idx="0">
+            <a:schemeClr val="accent1"/>
+          </a:effectRef>
+          <a:fontRef idx="minor">
+            <a:schemeClr val="lt1"/>
+          </a:fontRef>
+        </p:style>
+        <p:txBody>
+          <a:bodyPr rtlCol="0" anchor="ctr"/>
+          <a:lstStyle/>
+          <a:p>
+            <a:pPr algn="ctr"/>
+            <a:endParaRPr lang="pl-PL"/>
+          </a:p>
+        </p:txBody>
+      </p:sp>
+      <p:sp>
+        <p:nvSpPr>
+          <p:cNvPr id="18" name="Bent Arrow 17"/>
+          <p:cNvSpPr>
+            <a:spLocks/>
+          </p:cNvSpPr>
+          <p:nvPr/>
+        </p:nvSpPr>
+        <p:spPr>
+          <a:xfrm rot="10800000" flipH="1">
+            <a:off x="4241947" y="512676"/>
+            <a:ext cx="432048" cy="576064"/>
+          </a:xfrm>
+          <a:prstGeom prst="bentArrow">
+            <a:avLst/>
+          </a:prstGeom>
+        </p:spPr>
+        <p:style>
+          <a:lnRef idx="2">
+            <a:schemeClr val="accent1">
+              <a:shade val="50000"/>
+            </a:schemeClr>
+          </a:lnRef>
+          <a:fillRef idx="1">
+            <a:schemeClr val="accent1"/>
+          </a:fillRef>
+          <a:effectRef idx="0">
+            <a:schemeClr val="accent1"/>
+          </a:effectRef>
+          <a:fontRef idx="minor">
+            <a:schemeClr val="lt1"/>
+          </a:fontRef>
+        </p:style>
+        <p:txBody>
+          <a:bodyPr rtlCol="0" anchor="ctr"/>
+          <a:lstStyle/>
+          <a:p>
+            <a:pPr algn="ctr"/>
+            <a:endParaRPr lang="pl-PL">
+              <a:solidFill>
+                <a:schemeClr val="tx1"/>
+              </a:solidFill>
+            </a:endParaRPr>
+          </a:p>
+        </p:txBody>
+      </p:sp>
+      <p:sp>
+        <p:nvSpPr>
+          <p:cNvPr id="19" name="Bent Arrow 18"/>
+          <p:cNvSpPr>
+            <a:spLocks/>
+          </p:cNvSpPr>
+          <p:nvPr/>
+        </p:nvSpPr>
+        <p:spPr>
+          <a:xfrm rot="10800000" flipH="1">
+            <a:off x="6028389" y="512676"/>
+            <a:ext cx="432048" cy="576064"/>
+          </a:xfrm>
+          <a:prstGeom prst="bentArrow">
+            <a:avLst/>
+          </a:prstGeom>
+        </p:spPr>
+        <p:style>
+          <a:lnRef idx="2">
+            <a:schemeClr val="accent1">
+              <a:shade val="50000"/>
+            </a:schemeClr>
+          </a:lnRef>
+          <a:fillRef idx="1">
+            <a:schemeClr val="accent1"/>
+          </a:fillRef>
+          <a:effectRef idx="0">
+            <a:schemeClr val="accent1"/>
+          </a:effectRef>
+          <a:fontRef idx="minor">
+            <a:schemeClr val="lt1"/>
+          </a:fontRef>
+        </p:style>
+        <p:txBody>
+          <a:bodyPr rtlCol="0" anchor="ctr"/>
+          <a:lstStyle/>
+          <a:p>
+            <a:pPr algn="ctr"/>
+            <a:endParaRPr lang="pl-PL">
+              <a:solidFill>
+                <a:schemeClr val="tx1"/>
+              </a:solidFill>
+            </a:endParaRPr>
+          </a:p>
+        </p:txBody>
+      </p:sp>
+      <p:sp>
+        <p:nvSpPr>
+          <p:cNvPr id="20" name="Bent Arrow 19"/>
+          <p:cNvSpPr>
+            <a:spLocks/>
+          </p:cNvSpPr>
+          <p:nvPr/>
+        </p:nvSpPr>
+        <p:spPr>
+          <a:xfrm rot="10800000">
+            <a:off x="4313919" y="3032956"/>
+            <a:ext cx="432048" cy="576064"/>
+          </a:xfrm>
+          <a:prstGeom prst="bentArrow">
+            <a:avLst/>
+          </a:prstGeom>
+        </p:spPr>
+        <p:style>
+          <a:lnRef idx="2">
+            <a:schemeClr val="accent1">
+              <a:shade val="50000"/>
+            </a:schemeClr>
+          </a:lnRef>
+          <a:fillRef idx="1">
+            <a:schemeClr val="accent1"/>
+          </a:fillRef>
+          <a:effectRef idx="0">
+            <a:schemeClr val="accent1"/>
+          </a:effectRef>
+          <a:fontRef idx="minor">
+            <a:schemeClr val="lt1"/>
+          </a:fontRef>
+        </p:style>
+        <p:txBody>
+          <a:bodyPr rtlCol="0" anchor="ctr"/>
+          <a:lstStyle/>
+          <a:p>
+            <a:pPr algn="ctr"/>
+            <a:endParaRPr lang="pl-PL">
+              <a:solidFill>
+                <a:schemeClr val="tx1"/>
+              </a:solidFill>
+            </a:endParaRPr>
+          </a:p>
+        </p:txBody>
+      </p:sp>
+      <p:sp>
+        <p:nvSpPr>
+          <p:cNvPr id="21" name="Bent Arrow 20"/>
+          <p:cNvSpPr>
+            <a:spLocks/>
+          </p:cNvSpPr>
+          <p:nvPr/>
+        </p:nvSpPr>
+        <p:spPr>
+          <a:xfrm rot="10800000">
+            <a:off x="2585691" y="3032956"/>
+            <a:ext cx="432048" cy="576064"/>
+          </a:xfrm>
+          <a:prstGeom prst="bentArrow">
+            <a:avLst/>
+          </a:prstGeom>
+        </p:spPr>
+        <p:style>
+          <a:lnRef idx="2">
+            <a:schemeClr val="accent1">
+              <a:shade val="50000"/>
+            </a:schemeClr>
+          </a:lnRef>
+          <a:fillRef idx="1">
+            <a:schemeClr val="accent1"/>
+          </a:fillRef>
+          <a:effectRef idx="0">
+            <a:schemeClr val="accent1"/>
+          </a:effectRef>
+          <a:fontRef idx="minor">
+            <a:schemeClr val="lt1"/>
+          </a:fontRef>
+        </p:style>
+        <p:txBody>
+          <a:bodyPr rtlCol="0" anchor="ctr"/>
+          <a:lstStyle/>
+          <a:p>
+            <a:pPr algn="ctr"/>
+            <a:endParaRPr lang="pl-PL">
+              <a:solidFill>
+                <a:schemeClr val="tx1"/>
+              </a:solidFill>
+            </a:endParaRPr>
+          </a:p>
+        </p:txBody>
+      </p:sp>
+    </p:spTree>
+    <p:extLst>
+      <p:ext uri="{BB962C8B-B14F-4D97-AF65-F5344CB8AC3E}">
+        <p14:creationId xmlns:p14="http://schemas.microsoft.com/office/powerpoint/2010/main" val="2522164605"/>
+      </p:ext>
+    </p:extLst>
+  </p:cSld>
+  <p:clrMapOvr>
+    <a:masterClrMapping/>
+  </p:clrMapOvr>
+</p:sld>
+</file>
+
+<file path=ppt/slides/slide5.xml><?xml version="1.0" encoding="utf-8"?>
+<p:sld xmlns:a="http://schemas.openxmlformats.org/drawingml/2006/main" xmlns:r="http://schemas.openxmlformats.org/officeDocument/2006/relationships" xmlns:p="http://schemas.openxmlformats.org/presentationml/2006/main">
+  <p:cSld>
+    <p:spTree>
+      <p:nvGrpSpPr>
+        <p:cNvPr id="1" name=""/>
+        <p:cNvGrpSpPr/>
+        <p:nvPr/>
+      </p:nvGrpSpPr>
+      <p:grpSpPr>
+        <a:xfrm>
+          <a:off x="0" y="0"/>
+          <a:ext cx="0" cy="0"/>
+          <a:chOff x="0" y="0"/>
+          <a:chExt cx="0" cy="0"/>
+        </a:xfrm>
+      </p:grpSpPr>
+      <p:sp>
+        <p:nvSpPr>
+          <p:cNvPr id="4" name="Rectangle 3"/>
+          <p:cNvSpPr>
+            <a:spLocks/>
+          </p:cNvSpPr>
+          <p:nvPr/>
+        </p:nvSpPr>
+        <p:spPr>
+          <a:xfrm rot="5400000">
+            <a:off x="1757671" y="836712"/>
+            <a:ext cx="1800200" cy="936104"/>
+          </a:xfrm>
+          <a:prstGeom prst="rect">
+            <a:avLst/>
+          </a:prstGeom>
+        </p:spPr>
+        <p:style>
+          <a:lnRef idx="2">
+            <a:schemeClr val="accent3">
+              <a:shade val="50000"/>
+            </a:schemeClr>
+          </a:lnRef>
+          <a:fillRef idx="1">
+            <a:schemeClr val="accent3"/>
+          </a:fillRef>
+          <a:effectRef idx="0">
+            <a:schemeClr val="accent3"/>
+          </a:effectRef>
+          <a:fontRef idx="minor">
+            <a:schemeClr val="lt1"/>
+          </a:fontRef>
+        </p:style>
+        <p:txBody>
+          <a:bodyPr rtlCol="0" anchor="ctr"/>
+          <a:lstStyle/>
+          <a:p>
+            <a:pPr algn="ctr"/>
+            <a:endParaRPr lang="pl-PL"/>
+          </a:p>
+        </p:txBody>
+      </p:sp>
+      <p:sp>
+        <p:nvSpPr>
+          <p:cNvPr id="5" name="Rectangle 4"/>
+          <p:cNvSpPr>
+            <a:spLocks/>
+          </p:cNvSpPr>
+          <p:nvPr/>
+        </p:nvSpPr>
+        <p:spPr>
+          <a:xfrm rot="5400000">
+            <a:off x="3557871" y="836712"/>
+            <a:ext cx="1800200" cy="936104"/>
+          </a:xfrm>
+          <a:prstGeom prst="rect">
+            <a:avLst/>
+          </a:prstGeom>
+        </p:spPr>
+        <p:style>
+          <a:lnRef idx="2">
+            <a:schemeClr val="accent6">
+              <a:shade val="50000"/>
+            </a:schemeClr>
+          </a:lnRef>
+          <a:fillRef idx="1">
+            <a:schemeClr val="accent6"/>
+          </a:fillRef>
+          <a:effectRef idx="0">
+            <a:schemeClr val="accent6"/>
+          </a:effectRef>
+          <a:fontRef idx="minor">
+            <a:schemeClr val="lt1"/>
+          </a:fontRef>
+        </p:style>
+        <p:txBody>
+          <a:bodyPr rtlCol="0" anchor="ctr"/>
+          <a:lstStyle/>
+          <a:p>
+            <a:pPr algn="ctr"/>
+            <a:endParaRPr lang="pl-PL"/>
+          </a:p>
+        </p:txBody>
+      </p:sp>
+      <p:sp>
+        <p:nvSpPr>
+          <p:cNvPr id="6" name="Rectangle 5"/>
+          <p:cNvSpPr>
+            <a:spLocks/>
+          </p:cNvSpPr>
+          <p:nvPr/>
+        </p:nvSpPr>
+        <p:spPr>
+          <a:xfrm rot="5400000">
+            <a:off x="5358071" y="836712"/>
+            <a:ext cx="1800200" cy="936104"/>
+          </a:xfrm>
+          <a:prstGeom prst="rect">
+            <a:avLst/>
+          </a:prstGeom>
+        </p:spPr>
+        <p:style>
+          <a:lnRef idx="2">
+            <a:schemeClr val="accent2">
+              <a:shade val="50000"/>
+            </a:schemeClr>
+          </a:lnRef>
+          <a:fillRef idx="1">
+            <a:schemeClr val="accent2"/>
+          </a:fillRef>
+          <a:effectRef idx="0">
+            <a:schemeClr val="accent2"/>
+          </a:effectRef>
+          <a:fontRef idx="minor">
+            <a:schemeClr val="lt1"/>
+          </a:fontRef>
+        </p:style>
+        <p:txBody>
+          <a:bodyPr rtlCol="0" anchor="ctr"/>
+          <a:lstStyle/>
+          <a:p>
+            <a:pPr algn="ctr"/>
+            <a:endParaRPr lang="pl-PL"/>
+          </a:p>
+        </p:txBody>
+      </p:sp>
+      <p:sp>
+        <p:nvSpPr>
+          <p:cNvPr id="7" name="Bent Arrow 6"/>
+          <p:cNvSpPr>
+            <a:spLocks/>
+          </p:cNvSpPr>
+          <p:nvPr/>
+        </p:nvSpPr>
+        <p:spPr>
+          <a:xfrm rot="5400000" flipH="1">
+            <a:off x="2369667" y="1016732"/>
+            <a:ext cx="432048" cy="576064"/>
+          </a:xfrm>
+          <a:prstGeom prst="bentArrow">
+            <a:avLst/>
+          </a:prstGeom>
+        </p:spPr>
+        <p:style>
+          <a:lnRef idx="2">
+            <a:schemeClr val="accent1">
+              <a:shade val="50000"/>
+            </a:schemeClr>
+          </a:lnRef>
+          <a:fillRef idx="1">
+            <a:schemeClr val="accent1"/>
+          </a:fillRef>
+          <a:effectRef idx="0">
+            <a:schemeClr val="accent1"/>
+          </a:effectRef>
+          <a:fontRef idx="minor">
+            <a:schemeClr val="lt1"/>
+          </a:fontRef>
+        </p:style>
+        <p:txBody>
+          <a:bodyPr rtlCol="0" anchor="ctr"/>
+          <a:lstStyle/>
+          <a:p>
+            <a:pPr algn="ctr"/>
+            <a:endParaRPr lang="pl-PL">
+              <a:solidFill>
+                <a:schemeClr val="tx1"/>
+              </a:solidFill>
+            </a:endParaRPr>
+          </a:p>
+        </p:txBody>
+      </p:sp>
+      <p:sp>
+        <p:nvSpPr>
+          <p:cNvPr id="8" name="Rectangle 7"/>
+          <p:cNvSpPr>
+            <a:spLocks/>
+          </p:cNvSpPr>
+          <p:nvPr/>
+        </p:nvSpPr>
+        <p:spPr>
+          <a:xfrm rot="5400000">
+            <a:off x="2306684" y="2702428"/>
+            <a:ext cx="857604" cy="936104"/>
+          </a:xfrm>
+          <a:prstGeom prst="rect">
+            <a:avLst/>
+          </a:prstGeom>
+        </p:spPr>
+        <p:style>
+          <a:lnRef idx="2">
+            <a:schemeClr val="accent3">
+              <a:shade val="50000"/>
+            </a:schemeClr>
+          </a:lnRef>
+          <a:fillRef idx="1">
+            <a:schemeClr val="accent3"/>
+          </a:fillRef>
+          <a:effectRef idx="0">
+            <a:schemeClr val="accent3"/>
+          </a:effectRef>
+          <a:fontRef idx="minor">
+            <a:schemeClr val="lt1"/>
+          </a:fontRef>
+        </p:style>
+        <p:txBody>
+          <a:bodyPr rtlCol="0" anchor="ctr"/>
+          <a:lstStyle/>
+          <a:p>
+            <a:pPr algn="ctr"/>
+            <a:endParaRPr lang="pl-PL"/>
+          </a:p>
+        </p:txBody>
+      </p:sp>
+      <p:sp>
+        <p:nvSpPr>
+          <p:cNvPr id="9" name="Rectangle 8"/>
+          <p:cNvSpPr>
+            <a:spLocks/>
+          </p:cNvSpPr>
+          <p:nvPr/>
+        </p:nvSpPr>
+        <p:spPr>
+          <a:xfrm rot="5400000">
+            <a:off x="3557871" y="2742658"/>
+            <a:ext cx="1800200" cy="936104"/>
+          </a:xfrm>
+          <a:prstGeom prst="rect">
+            <a:avLst/>
+          </a:prstGeom>
+        </p:spPr>
+        <p:style>
+          <a:lnRef idx="2">
+            <a:schemeClr val="accent6">
+              <a:shade val="50000"/>
+            </a:schemeClr>
+          </a:lnRef>
+          <a:fillRef idx="1">
+            <a:schemeClr val="accent6"/>
+          </a:fillRef>
+          <a:effectRef idx="0">
+            <a:schemeClr val="accent6"/>
+          </a:effectRef>
+          <a:fontRef idx="minor">
+            <a:schemeClr val="lt1"/>
+          </a:fontRef>
+        </p:style>
+        <p:txBody>
+          <a:bodyPr rtlCol="0" anchor="ctr"/>
+          <a:lstStyle/>
+          <a:p>
+            <a:pPr algn="ctr"/>
+            <a:endParaRPr lang="pl-PL"/>
+          </a:p>
+        </p:txBody>
+      </p:sp>
+      <p:sp>
+        <p:nvSpPr>
+          <p:cNvPr id="10" name="Rectangle 9"/>
+          <p:cNvSpPr>
+            <a:spLocks/>
+          </p:cNvSpPr>
+          <p:nvPr/>
+        </p:nvSpPr>
+        <p:spPr>
+          <a:xfrm rot="5400000">
+            <a:off x="5368078" y="2742658"/>
+            <a:ext cx="1800200" cy="936104"/>
+          </a:xfrm>
+          <a:prstGeom prst="rect">
+            <a:avLst/>
+          </a:prstGeom>
+        </p:spPr>
+        <p:style>
+          <a:lnRef idx="2">
+            <a:schemeClr val="accent2">
+              <a:shade val="50000"/>
+            </a:schemeClr>
+          </a:lnRef>
+          <a:fillRef idx="1">
+            <a:schemeClr val="accent2"/>
+          </a:fillRef>
+          <a:effectRef idx="0">
+            <a:schemeClr val="accent2"/>
+          </a:effectRef>
+          <a:fontRef idx="minor">
+            <a:schemeClr val="lt1"/>
+          </a:fontRef>
+        </p:style>
+        <p:txBody>
+          <a:bodyPr rtlCol="0" anchor="ctr"/>
+          <a:lstStyle/>
+          <a:p>
+            <a:pPr algn="ctr"/>
+            <a:endParaRPr lang="pl-PL"/>
+          </a:p>
+        </p:txBody>
+      </p:sp>
+      <p:sp>
+        <p:nvSpPr>
+          <p:cNvPr id="11" name="Up Arrow 10"/>
+          <p:cNvSpPr>
+            <a:spLocks/>
+          </p:cNvSpPr>
+          <p:nvPr/>
+        </p:nvSpPr>
+        <p:spPr>
+          <a:xfrm rot="5400000">
+            <a:off x="4313919" y="2847424"/>
+            <a:ext cx="288104" cy="576064"/>
+          </a:xfrm>
+          <a:prstGeom prst="upArrow">
+            <a:avLst/>
+          </a:prstGeom>
+        </p:spPr>
+        <p:style>
+          <a:lnRef idx="2">
+            <a:schemeClr val="accent1">
+              <a:shade val="50000"/>
+            </a:schemeClr>
+          </a:lnRef>
+          <a:fillRef idx="1">
+            <a:schemeClr val="accent1"/>
+          </a:fillRef>
+          <a:effectRef idx="0">
+            <a:schemeClr val="accent1"/>
+          </a:effectRef>
+          <a:fontRef idx="minor">
+            <a:schemeClr val="lt1"/>
+          </a:fontRef>
+        </p:style>
+        <p:txBody>
+          <a:bodyPr rtlCol="0" anchor="ctr"/>
+          <a:lstStyle/>
+          <a:p>
+            <a:pPr algn="ctr"/>
+            <a:endParaRPr lang="pl-PL"/>
+          </a:p>
+        </p:txBody>
+      </p:sp>
+      <p:sp>
+        <p:nvSpPr>
+          <p:cNvPr id="12" name="Rectangle 11"/>
+          <p:cNvSpPr>
+            <a:spLocks/>
+          </p:cNvSpPr>
+          <p:nvPr/>
+        </p:nvSpPr>
+        <p:spPr>
+          <a:xfrm rot="5400000">
+            <a:off x="1757671" y="4645893"/>
+            <a:ext cx="1800200" cy="936104"/>
+          </a:xfrm>
+          <a:prstGeom prst="rect">
+            <a:avLst/>
+          </a:prstGeom>
+        </p:spPr>
+        <p:style>
+          <a:lnRef idx="2">
+            <a:schemeClr val="accent3">
+              <a:shade val="50000"/>
+            </a:schemeClr>
+          </a:lnRef>
+          <a:fillRef idx="1">
+            <a:schemeClr val="accent3"/>
+          </a:fillRef>
+          <a:effectRef idx="0">
+            <a:schemeClr val="accent3"/>
+          </a:effectRef>
+          <a:fontRef idx="minor">
+            <a:schemeClr val="lt1"/>
+          </a:fontRef>
+        </p:style>
+        <p:txBody>
+          <a:bodyPr rtlCol="0" anchor="ctr"/>
+          <a:lstStyle/>
+          <a:p>
+            <a:pPr algn="ctr"/>
+            <a:endParaRPr lang="pl-PL"/>
+          </a:p>
+        </p:txBody>
+      </p:sp>
+      <p:sp>
+        <p:nvSpPr>
+          <p:cNvPr id="13" name="Rectangle 12"/>
+          <p:cNvSpPr>
+            <a:spLocks/>
+          </p:cNvSpPr>
+          <p:nvPr/>
+        </p:nvSpPr>
+        <p:spPr>
+          <a:xfrm rot="5400000">
+            <a:off x="3557871" y="4645521"/>
+            <a:ext cx="1800200" cy="936104"/>
+          </a:xfrm>
+          <a:prstGeom prst="rect">
+            <a:avLst/>
+          </a:prstGeom>
+        </p:spPr>
+        <p:style>
+          <a:lnRef idx="2">
+            <a:schemeClr val="accent6">
+              <a:shade val="50000"/>
+            </a:schemeClr>
+          </a:lnRef>
+          <a:fillRef idx="1">
+            <a:schemeClr val="accent6"/>
+          </a:fillRef>
+          <a:effectRef idx="0">
+            <a:schemeClr val="accent6"/>
+          </a:effectRef>
+          <a:fontRef idx="minor">
+            <a:schemeClr val="lt1"/>
+          </a:fontRef>
+        </p:style>
+        <p:txBody>
+          <a:bodyPr rtlCol="0" anchor="ctr"/>
+          <a:lstStyle/>
+          <a:p>
+            <a:pPr algn="ctr"/>
+            <a:endParaRPr lang="pl-PL"/>
+          </a:p>
+        </p:txBody>
+      </p:sp>
+      <p:sp>
+        <p:nvSpPr>
+          <p:cNvPr id="14" name="Rectangle 13"/>
+          <p:cNvSpPr>
+            <a:spLocks/>
+          </p:cNvSpPr>
+          <p:nvPr/>
+        </p:nvSpPr>
+        <p:spPr>
+          <a:xfrm rot="5400000">
+            <a:off x="5368078" y="4627240"/>
+            <a:ext cx="1800200" cy="936104"/>
+          </a:xfrm>
+          <a:prstGeom prst="rect">
+            <a:avLst/>
+          </a:prstGeom>
+        </p:spPr>
+        <p:style>
+          <a:lnRef idx="2">
+            <a:schemeClr val="accent2">
+              <a:shade val="50000"/>
+            </a:schemeClr>
+          </a:lnRef>
+          <a:fillRef idx="1">
+            <a:schemeClr val="accent2"/>
+          </a:fillRef>
+          <a:effectRef idx="0">
+            <a:schemeClr val="accent2"/>
+          </a:effectRef>
+          <a:fontRef idx="minor">
+            <a:schemeClr val="lt1"/>
+          </a:fontRef>
+        </p:style>
+        <p:txBody>
+          <a:bodyPr rtlCol="0" anchor="ctr"/>
+          <a:lstStyle/>
+          <a:p>
+            <a:pPr algn="ctr"/>
+            <a:endParaRPr lang="pl-PL"/>
+          </a:p>
+        </p:txBody>
+      </p:sp>
+      <p:sp>
+        <p:nvSpPr>
+          <p:cNvPr id="15" name="Bent Arrow 14"/>
+          <p:cNvSpPr>
+            <a:spLocks/>
+          </p:cNvSpPr>
+          <p:nvPr/>
+        </p:nvSpPr>
+        <p:spPr>
+          <a:xfrm rot="5400000">
+            <a:off x="6114119" y="4807260"/>
+            <a:ext cx="432048" cy="576064"/>
+          </a:xfrm>
+          <a:prstGeom prst="bentArrow">
+            <a:avLst/>
+          </a:prstGeom>
+        </p:spPr>
+        <p:style>
+          <a:lnRef idx="2">
+            <a:schemeClr val="accent1">
+              <a:shade val="50000"/>
+            </a:schemeClr>
+          </a:lnRef>
+          <a:fillRef idx="1">
+            <a:schemeClr val="accent1"/>
+          </a:fillRef>
+          <a:effectRef idx="0">
+            <a:schemeClr val="accent1"/>
+          </a:effectRef>
+          <a:fontRef idx="minor">
+            <a:schemeClr val="lt1"/>
+          </a:fontRef>
+        </p:style>
+        <p:txBody>
+          <a:bodyPr rtlCol="0" anchor="ctr"/>
+          <a:lstStyle/>
+          <a:p>
+            <a:pPr algn="ctr"/>
+            <a:endParaRPr lang="pl-PL">
+              <a:solidFill>
+                <a:schemeClr val="tx1"/>
+              </a:solidFill>
+            </a:endParaRPr>
+          </a:p>
+        </p:txBody>
+      </p:sp>
+      <p:sp>
+        <p:nvSpPr>
+          <p:cNvPr id="16" name="Up Arrow 15"/>
+          <p:cNvSpPr>
+            <a:spLocks/>
+          </p:cNvSpPr>
+          <p:nvPr/>
+        </p:nvSpPr>
+        <p:spPr>
+          <a:xfrm rot="5400000">
+            <a:off x="2585691" y="2882448"/>
+            <a:ext cx="288104" cy="576064"/>
+          </a:xfrm>
+          <a:prstGeom prst="upArrow">
+            <a:avLst/>
+          </a:prstGeom>
+        </p:spPr>
+        <p:style>
+          <a:lnRef idx="2">
+            <a:schemeClr val="accent1">
+              <a:shade val="50000"/>
+            </a:schemeClr>
+          </a:lnRef>
+          <a:fillRef idx="1">
+            <a:schemeClr val="accent1"/>
+          </a:fillRef>
+          <a:effectRef idx="0">
+            <a:schemeClr val="accent1"/>
+          </a:effectRef>
+          <a:fontRef idx="minor">
+            <a:schemeClr val="lt1"/>
+          </a:fontRef>
+        </p:style>
+        <p:txBody>
+          <a:bodyPr rtlCol="0" anchor="ctr"/>
+          <a:lstStyle/>
+          <a:p>
+            <a:pPr algn="ctr"/>
+            <a:endParaRPr lang="pl-PL"/>
+          </a:p>
+        </p:txBody>
+      </p:sp>
+      <p:sp>
+        <p:nvSpPr>
+          <p:cNvPr id="17" name="Up Arrow 16"/>
+          <p:cNvSpPr>
+            <a:spLocks/>
+          </p:cNvSpPr>
+          <p:nvPr/>
+        </p:nvSpPr>
+        <p:spPr>
+          <a:xfrm rot="5400000">
+            <a:off x="6196098" y="2847424"/>
+            <a:ext cx="288104" cy="576064"/>
+          </a:xfrm>
+          <a:prstGeom prst="upArrow">
+            <a:avLst/>
+          </a:prstGeom>
+        </p:spPr>
+        <p:style>
+          <a:lnRef idx="2">
+            <a:schemeClr val="accent1">
+              <a:shade val="50000"/>
+            </a:schemeClr>
+          </a:lnRef>
+          <a:fillRef idx="1">
+            <a:schemeClr val="accent1"/>
+          </a:fillRef>
+          <a:effectRef idx="0">
+            <a:schemeClr val="accent1"/>
+          </a:effectRef>
+          <a:fontRef idx="minor">
+            <a:schemeClr val="lt1"/>
+          </a:fontRef>
+        </p:style>
+        <p:txBody>
+          <a:bodyPr rtlCol="0" anchor="ctr"/>
+          <a:lstStyle/>
+          <a:p>
+            <a:pPr algn="ctr"/>
+            <a:endParaRPr lang="pl-PL"/>
+          </a:p>
+        </p:txBody>
+      </p:sp>
+      <p:sp>
+        <p:nvSpPr>
+          <p:cNvPr id="18" name="Bent Arrow 17"/>
+          <p:cNvSpPr>
+            <a:spLocks/>
+          </p:cNvSpPr>
+          <p:nvPr/>
+        </p:nvSpPr>
+        <p:spPr>
+          <a:xfrm rot="5400000" flipH="1">
+            <a:off x="4241947" y="1016732"/>
+            <a:ext cx="432048" cy="576064"/>
+          </a:xfrm>
+          <a:prstGeom prst="bentArrow">
+            <a:avLst/>
+          </a:prstGeom>
+        </p:spPr>
+        <p:style>
+          <a:lnRef idx="2">
+            <a:schemeClr val="accent1">
+              <a:shade val="50000"/>
+            </a:schemeClr>
+          </a:lnRef>
+          <a:fillRef idx="1">
+            <a:schemeClr val="accent1"/>
+          </a:fillRef>
+          <a:effectRef idx="0">
+            <a:schemeClr val="accent1"/>
+          </a:effectRef>
+          <a:fontRef idx="minor">
+            <a:schemeClr val="lt1"/>
+          </a:fontRef>
+        </p:style>
+        <p:txBody>
+          <a:bodyPr rtlCol="0" anchor="ctr"/>
+          <a:lstStyle/>
+          <a:p>
+            <a:pPr algn="ctr"/>
+            <a:endParaRPr lang="pl-PL">
+              <a:solidFill>
+                <a:schemeClr val="tx1"/>
+              </a:solidFill>
+            </a:endParaRPr>
+          </a:p>
+        </p:txBody>
+      </p:sp>
+      <p:sp>
+        <p:nvSpPr>
+          <p:cNvPr id="19" name="Bent Arrow 18"/>
+          <p:cNvSpPr>
+            <a:spLocks/>
+          </p:cNvSpPr>
+          <p:nvPr/>
+        </p:nvSpPr>
+        <p:spPr>
+          <a:xfrm rot="5400000" flipH="1">
+            <a:off x="6028389" y="1016732"/>
+            <a:ext cx="432048" cy="576064"/>
+          </a:xfrm>
+          <a:prstGeom prst="bentArrow">
+            <a:avLst/>
+          </a:prstGeom>
+        </p:spPr>
+        <p:style>
+          <a:lnRef idx="2">
+            <a:schemeClr val="accent1">
+              <a:shade val="50000"/>
+            </a:schemeClr>
+          </a:lnRef>
+          <a:fillRef idx="1">
+            <a:schemeClr val="accent1"/>
+          </a:fillRef>
+          <a:effectRef idx="0">
+            <a:schemeClr val="accent1"/>
+          </a:effectRef>
+          <a:fontRef idx="minor">
+            <a:schemeClr val="lt1"/>
+          </a:fontRef>
+        </p:style>
+        <p:txBody>
+          <a:bodyPr rtlCol="0" anchor="ctr"/>
+          <a:lstStyle/>
+          <a:p>
+            <a:pPr algn="ctr"/>
+            <a:endParaRPr lang="pl-PL">
+              <a:solidFill>
+                <a:schemeClr val="tx1"/>
+              </a:solidFill>
+            </a:endParaRPr>
+          </a:p>
+        </p:txBody>
+      </p:sp>
+      <p:sp>
+        <p:nvSpPr>
+          <p:cNvPr id="20" name="Bent Arrow 19"/>
+          <p:cNvSpPr>
+            <a:spLocks/>
+          </p:cNvSpPr>
+          <p:nvPr/>
+        </p:nvSpPr>
+        <p:spPr>
+          <a:xfrm rot="5400000">
+            <a:off x="4303912" y="4825541"/>
+            <a:ext cx="432048" cy="576064"/>
+          </a:xfrm>
+          <a:prstGeom prst="bentArrow">
+            <a:avLst/>
+          </a:prstGeom>
+        </p:spPr>
+        <p:style>
+          <a:lnRef idx="2">
+            <a:schemeClr val="accent1">
+              <a:shade val="50000"/>
+            </a:schemeClr>
+          </a:lnRef>
+          <a:fillRef idx="1">
+            <a:schemeClr val="accent1"/>
+          </a:fillRef>
+          <a:effectRef idx="0">
+            <a:schemeClr val="accent1"/>
+          </a:effectRef>
+          <a:fontRef idx="minor">
+            <a:schemeClr val="lt1"/>
+          </a:fontRef>
+        </p:style>
+        <p:txBody>
+          <a:bodyPr rtlCol="0" anchor="ctr"/>
+          <a:lstStyle/>
+          <a:p>
+            <a:pPr algn="ctr"/>
+            <a:endParaRPr lang="pl-PL">
+              <a:solidFill>
+                <a:schemeClr val="tx1"/>
+              </a:solidFill>
+            </a:endParaRPr>
+          </a:p>
+        </p:txBody>
+      </p:sp>
+      <p:sp>
+        <p:nvSpPr>
+          <p:cNvPr id="21" name="Bent Arrow 20"/>
+          <p:cNvSpPr>
+            <a:spLocks/>
+          </p:cNvSpPr>
+          <p:nvPr/>
+        </p:nvSpPr>
+        <p:spPr>
+          <a:xfrm rot="5400000">
+            <a:off x="2575684" y="4825913"/>
+            <a:ext cx="432048" cy="576064"/>
+          </a:xfrm>
+          <a:prstGeom prst="bentArrow">
+            <a:avLst/>
+          </a:prstGeom>
+        </p:spPr>
+        <p:style>
+          <a:lnRef idx="2">
+            <a:schemeClr val="accent1">
+              <a:shade val="50000"/>
+            </a:schemeClr>
+          </a:lnRef>
+          <a:fillRef idx="1">
+            <a:schemeClr val="accent1"/>
+          </a:fillRef>
+          <a:effectRef idx="0">
+            <a:schemeClr val="accent1"/>
+          </a:effectRef>
+          <a:fontRef idx="minor">
+            <a:schemeClr val="lt1"/>
+          </a:fontRef>
+        </p:style>
+        <p:txBody>
+          <a:bodyPr rtlCol="0" anchor="ctr"/>
+          <a:lstStyle/>
+          <a:p>
+            <a:pPr algn="ctr"/>
+            <a:endParaRPr lang="pl-PL">
+              <a:solidFill>
+                <a:schemeClr val="tx1"/>
+              </a:solidFill>
+            </a:endParaRPr>
+          </a:p>
+        </p:txBody>
+      </p:sp>
+    </p:spTree>
+    <p:extLst>
+      <p:ext uri="{BB962C8B-B14F-4D97-AF65-F5344CB8AC3E}">
+        <p14:creationId xmlns:p14="http://schemas.microsoft.com/office/powerpoint/2010/main" val="1226541109"/>
+      </p:ext>
+    </p:extLst>
+  </p:cSld>
+  <p:clrMapOvr>
+    <a:masterClrMapping/>
+  </p:clrMapOvr>
+</p:sld>
+</file>
+
+<file path=ppt/slides/slide6.xml><?xml version="1.0" encoding="utf-8"?>
+<p:sld xmlns:a="http://schemas.openxmlformats.org/drawingml/2006/main" xmlns:r="http://schemas.openxmlformats.org/officeDocument/2006/relationships" xmlns:p="http://schemas.openxmlformats.org/presentationml/2006/main">
+  <p:cSld>
+    <p:spTree>
+      <p:nvGrpSpPr>
+        <p:cNvPr id="1" name=""/>
+        <p:cNvGrpSpPr/>
+        <p:nvPr/>
+      </p:nvGrpSpPr>
+      <p:grpSpPr>
+        <a:xfrm>
+          <a:off x="0" y="0"/>
+          <a:ext cx="0" cy="0"/>
+          <a:chOff x="0" y="0"/>
+          <a:chExt cx="0" cy="0"/>
+        </a:xfrm>
+      </p:grpSpPr>
+      <p:sp>
+        <p:nvSpPr>
+          <p:cNvPr id="4" name="Rectangle 3"/>
+          <p:cNvSpPr>
+            <a:spLocks/>
+          </p:cNvSpPr>
+          <p:nvPr/>
+        </p:nvSpPr>
+        <p:spPr>
           <a:xfrm rot="16200000">
             <a:off x="1757671" y="836712"/>
             <a:ext cx="1800200" cy="936104"/>
@@ -36783,7 +39711,7 @@
 </p:sld>
 </file>
 
-<file path=ppt/slides/slide5.xml><?xml version="1.0" encoding="utf-8"?>
+<file path=ppt/slides/slide7.xml><?xml version="1.0" encoding="utf-8"?>
 <p:sld xmlns:a="http://schemas.openxmlformats.org/drawingml/2006/main" xmlns:r="http://schemas.openxmlformats.org/officeDocument/2006/relationships" xmlns:p="http://schemas.openxmlformats.org/presentationml/2006/main">
   <p:cSld>
     <p:spTree>
@@ -39613,7 +42541,7 @@
 </p:sld>
 </file>
 
-<file path=ppt/slides/slide6.xml><?xml version="1.0" encoding="utf-8"?>
+<file path=ppt/slides/slide8.xml><?xml version="1.0" encoding="utf-8"?>
 <p:sld xmlns:a="http://schemas.openxmlformats.org/drawingml/2006/main" xmlns:r="http://schemas.openxmlformats.org/officeDocument/2006/relationships" xmlns:p="http://schemas.openxmlformats.org/presentationml/2006/main">
   <p:cSld>
     <p:spTree>
@@ -44583,7 +47511,7 @@
 </p:sld>
 </file>
 
-<file path=ppt/slides/slide7.xml><?xml version="1.0" encoding="utf-8"?>
+<file path=ppt/slides/slide9.xml><?xml version="1.0" encoding="utf-8"?>
 <p:sld xmlns:a="http://schemas.openxmlformats.org/drawingml/2006/main" xmlns:r="http://schemas.openxmlformats.org/officeDocument/2006/relationships" xmlns:p="http://schemas.openxmlformats.org/presentationml/2006/main">
   <p:cSld>
     <p:spTree>
@@ -46572,2668 +49500,6 @@
     <p:extLst>
       <p:ext uri="{BB962C8B-B14F-4D97-AF65-F5344CB8AC3E}">
         <p14:creationId xmlns:p14="http://schemas.microsoft.com/office/powerpoint/2010/main" val="210696791"/>
-      </p:ext>
-    </p:extLst>
-  </p:cSld>
-  <p:clrMapOvr>
-    <a:masterClrMapping/>
-  </p:clrMapOvr>
-</p:sld>
-</file>
-
-<file path=ppt/slides/slide8.xml><?xml version="1.0" encoding="utf-8"?>
-<p:sld xmlns:a="http://schemas.openxmlformats.org/drawingml/2006/main" xmlns:r="http://schemas.openxmlformats.org/officeDocument/2006/relationships" xmlns:p="http://schemas.openxmlformats.org/presentationml/2006/main">
-  <p:cSld>
-    <p:spTree>
-      <p:nvGrpSpPr>
-        <p:cNvPr id="1" name=""/>
-        <p:cNvGrpSpPr/>
-        <p:nvPr/>
-      </p:nvGrpSpPr>
-      <p:grpSpPr>
-        <a:xfrm>
-          <a:off x="0" y="0"/>
-          <a:ext cx="0" cy="0"/>
-          <a:chOff x="0" y="0"/>
-          <a:chExt cx="0" cy="0"/>
-        </a:xfrm>
-      </p:grpSpPr>
-      <p:pic>
-        <p:nvPicPr>
-          <p:cNvPr id="1026" name="Picture 2"/>
-          <p:cNvPicPr>
-            <a:picLocks noChangeAspect="1" noChangeArrowheads="1"/>
-          </p:cNvPicPr>
-          <p:nvPr/>
-        </p:nvPicPr>
-        <p:blipFill>
-          <a:blip r:embed="rId2">
-            <a:extLst>
-              <a:ext uri="{28A0092B-C50C-407E-A947-70E740481C1C}">
-                <a14:useLocalDpi xmlns:a14="http://schemas.microsoft.com/office/drawing/2010/main" val="0"/>
-              </a:ext>
-            </a:extLst>
-          </a:blip>
-          <a:srcRect/>
-          <a:stretch>
-            <a:fillRect/>
-          </a:stretch>
-        </p:blipFill>
-        <p:spPr bwMode="auto">
-          <a:xfrm>
-            <a:off x="1187624" y="1052736"/>
-            <a:ext cx="7292717" cy="4176464"/>
-          </a:xfrm>
-          <a:prstGeom prst="rect">
-            <a:avLst/>
-          </a:prstGeom>
-          <a:noFill/>
-          <a:ln>
-            <a:noFill/>
-          </a:ln>
-          <a:effectLst/>
-          <a:extLst>
-            <a:ext uri="{909E8E84-426E-40DD-AFC4-6F175D3DCCD1}">
-              <a14:hiddenFill xmlns:a14="http://schemas.microsoft.com/office/drawing/2010/main">
-                <a:solidFill>
-                  <a:schemeClr val="accent1"/>
-                </a:solidFill>
-              </a14:hiddenFill>
-            </a:ext>
-            <a:ext uri="{91240B29-F687-4F45-9708-019B960494DF}">
-              <a14:hiddenLine xmlns:a14="http://schemas.microsoft.com/office/drawing/2010/main" w="9525">
-                <a:solidFill>
-                  <a:schemeClr val="tx1"/>
-                </a:solidFill>
-                <a:miter lim="800000"/>
-                <a:headEnd/>
-                <a:tailEnd/>
-              </a14:hiddenLine>
-            </a:ext>
-            <a:ext uri="{AF507438-7753-43E0-B8FC-AC1667EBCBE1}">
-              <a14:hiddenEffects xmlns:a14="http://schemas.microsoft.com/office/drawing/2010/main">
-                <a:effectLst>
-                  <a:outerShdw dist="35921" dir="2700000" algn="ctr" rotWithShape="0">
-                    <a:schemeClr val="bg2"/>
-                  </a:outerShdw>
-                </a:effectLst>
-              </a14:hiddenEffects>
-            </a:ext>
-          </a:extLst>
-        </p:spPr>
-      </p:pic>
-      <mc:AlternateContent xmlns:mc="http://schemas.openxmlformats.org/markup-compatibility/2006" xmlns:a14="http://schemas.microsoft.com/office/drawing/2010/main">
-        <mc:Choice Requires="a14">
-          <p:sp>
-            <p:nvSpPr>
-              <p:cNvPr id="5" name="TextBox 4"/>
-              <p:cNvSpPr txBox="1"/>
-              <p:nvPr/>
-            </p:nvSpPr>
-            <p:spPr>
-              <a:xfrm>
-                <a:off x="3131842" y="2956302"/>
-                <a:ext cx="446661" cy="369332"/>
-              </a:xfrm>
-              <a:prstGeom prst="rect">
-                <a:avLst/>
-              </a:prstGeom>
-              <a:noFill/>
-            </p:spPr>
-            <p:txBody>
-              <a:bodyPr wrap="none" rtlCol="0">
-                <a:spAutoFit/>
-              </a:bodyPr>
-              <a:lstStyle/>
-              <a:p>
-                <a:pPr/>
-                <a14:m>
-                  <m:oMathPara xmlns:m="http://schemas.openxmlformats.org/officeDocument/2006/math">
-                    <m:oMathParaPr>
-                      <m:jc m:val="centerGroup"/>
-                    </m:oMathParaPr>
-                    <m:oMath xmlns:m="http://schemas.openxmlformats.org/officeDocument/2006/math">
-                      <m:sSub>
-                        <m:sSubPr>
-                          <m:ctrlPr>
-                            <a:rPr lang="pl-PL" i="1" smtClean="0">
-                              <a:latin typeface="Cambria Math"/>
-                            </a:rPr>
-                          </m:ctrlPr>
-                        </m:sSubPr>
-                        <m:e>
-                          <m:r>
-                            <a:rPr lang="pl-PL" b="0" i="1" smtClean="0">
-                              <a:latin typeface="Cambria Math"/>
-                            </a:rPr>
-                            <m:t>𝑒</m:t>
-                          </m:r>
-                        </m:e>
-                        <m:sub>
-                          <m:r>
-                            <a:rPr lang="pl-PL" b="0" i="1" smtClean="0">
-                              <a:latin typeface="Cambria Math"/>
-                            </a:rPr>
-                            <m:t>1</m:t>
-                          </m:r>
-                        </m:sub>
-                      </m:sSub>
-                    </m:oMath>
-                  </m:oMathPara>
-                </a14:m>
-                <a:endParaRPr lang="pl-PL" dirty="0"/>
-              </a:p>
-            </p:txBody>
-          </p:sp>
-        </mc:Choice>
-        <mc:Fallback xmlns="">
-          <p:sp>
-            <p:nvSpPr>
-              <p:cNvPr id="5" name="TextBox 4"/>
-              <p:cNvSpPr txBox="1">
-                <a:spLocks noRot="1" noChangeAspect="1" noMove="1" noResize="1" noEditPoints="1" noAdjustHandles="1" noChangeArrowheads="1" noChangeShapeType="1" noTextEdit="1"/>
-              </p:cNvSpPr>
-              <p:nvPr/>
-            </p:nvSpPr>
-            <p:spPr>
-              <a:xfrm>
-                <a:off x="3131840" y="2956302"/>
-                <a:ext cx="446661" cy="369332"/>
-              </a:xfrm>
-              <a:prstGeom prst="rect">
-                <a:avLst/>
-              </a:prstGeom>
-              <a:blipFill rotWithShape="1">
-                <a:blip r:embed="rId3"/>
-                <a:stretch>
-                  <a:fillRect/>
-                </a:stretch>
-              </a:blipFill>
-            </p:spPr>
-            <p:txBody>
-              <a:bodyPr/>
-              <a:lstStyle/>
-              <a:p>
-                <a:r>
-                  <a:rPr lang="pl-PL">
-                    <a:noFill/>
-                  </a:rPr>
-                  <a:t> </a:t>
-                </a:r>
-              </a:p>
-            </p:txBody>
-          </p:sp>
-        </mc:Fallback>
-      </mc:AlternateContent>
-      <mc:AlternateContent xmlns:mc="http://schemas.openxmlformats.org/markup-compatibility/2006" xmlns:a14="http://schemas.microsoft.com/office/drawing/2010/main">
-        <mc:Choice Requires="a14">
-          <p:sp>
-            <p:nvSpPr>
-              <p:cNvPr id="7" name="TextBox 6"/>
-              <p:cNvSpPr txBox="1"/>
-              <p:nvPr/>
-            </p:nvSpPr>
-            <p:spPr>
-              <a:xfrm>
-                <a:off x="6038862" y="2586970"/>
-                <a:ext cx="451983" cy="369332"/>
-              </a:xfrm>
-              <a:prstGeom prst="rect">
-                <a:avLst/>
-              </a:prstGeom>
-              <a:noFill/>
-            </p:spPr>
-            <p:txBody>
-              <a:bodyPr wrap="none" rtlCol="0">
-                <a:spAutoFit/>
-              </a:bodyPr>
-              <a:lstStyle/>
-              <a:p>
-                <a:pPr/>
-                <a14:m>
-                  <m:oMathPara xmlns:m="http://schemas.openxmlformats.org/officeDocument/2006/math">
-                    <m:oMathParaPr>
-                      <m:jc m:val="centerGroup"/>
-                    </m:oMathParaPr>
-                    <m:oMath xmlns:m="http://schemas.openxmlformats.org/officeDocument/2006/math">
-                      <m:sSub>
-                        <m:sSubPr>
-                          <m:ctrlPr>
-                            <a:rPr lang="pl-PL" i="1" smtClean="0">
-                              <a:latin typeface="Cambria Math"/>
-                            </a:rPr>
-                          </m:ctrlPr>
-                        </m:sSubPr>
-                        <m:e>
-                          <m:r>
-                            <a:rPr lang="pl-PL" b="0" i="1" smtClean="0">
-                              <a:latin typeface="Cambria Math"/>
-                            </a:rPr>
-                            <m:t>𝑒</m:t>
-                          </m:r>
-                        </m:e>
-                        <m:sub>
-                          <m:r>
-                            <a:rPr lang="pl-PL" b="0" i="1" smtClean="0">
-                              <a:latin typeface="Cambria Math"/>
-                            </a:rPr>
-                            <m:t>2</m:t>
-                          </m:r>
-                        </m:sub>
-                      </m:sSub>
-                    </m:oMath>
-                  </m:oMathPara>
-                </a14:m>
-                <a:endParaRPr lang="pl-PL" dirty="0"/>
-              </a:p>
-            </p:txBody>
-          </p:sp>
-        </mc:Choice>
-        <mc:Fallback xmlns="">
-          <p:sp>
-            <p:nvSpPr>
-              <p:cNvPr id="7" name="TextBox 6"/>
-              <p:cNvSpPr txBox="1">
-                <a:spLocks noRot="1" noChangeAspect="1" noMove="1" noResize="1" noEditPoints="1" noAdjustHandles="1" noChangeArrowheads="1" noChangeShapeType="1" noTextEdit="1"/>
-              </p:cNvSpPr>
-              <p:nvPr/>
-            </p:nvSpPr>
-            <p:spPr>
-              <a:xfrm>
-                <a:off x="6038861" y="2586970"/>
-                <a:ext cx="451982" cy="369332"/>
-              </a:xfrm>
-              <a:prstGeom prst="rect">
-                <a:avLst/>
-              </a:prstGeom>
-              <a:blipFill rotWithShape="1">
-                <a:blip r:embed="rId4"/>
-                <a:stretch>
-                  <a:fillRect/>
-                </a:stretch>
-              </a:blipFill>
-            </p:spPr>
-            <p:txBody>
-              <a:bodyPr/>
-              <a:lstStyle/>
-              <a:p>
-                <a:r>
-                  <a:rPr lang="pl-PL">
-                    <a:noFill/>
-                  </a:rPr>
-                  <a:t> </a:t>
-                </a:r>
-              </a:p>
-            </p:txBody>
-          </p:sp>
-        </mc:Fallback>
-      </mc:AlternateContent>
-      <mc:AlternateContent xmlns:mc="http://schemas.openxmlformats.org/markup-compatibility/2006" xmlns:a14="http://schemas.microsoft.com/office/drawing/2010/main">
-        <mc:Choice Requires="a14">
-          <p:sp>
-            <p:nvSpPr>
-              <p:cNvPr id="8" name="TextBox 7"/>
-              <p:cNvSpPr txBox="1"/>
-              <p:nvPr/>
-            </p:nvSpPr>
-            <p:spPr>
-              <a:xfrm>
-                <a:off x="6049131" y="3462664"/>
-                <a:ext cx="451983" cy="369332"/>
-              </a:xfrm>
-              <a:prstGeom prst="rect">
-                <a:avLst/>
-              </a:prstGeom>
-              <a:noFill/>
-            </p:spPr>
-            <p:txBody>
-              <a:bodyPr wrap="none" rtlCol="0">
-                <a:spAutoFit/>
-              </a:bodyPr>
-              <a:lstStyle/>
-              <a:p>
-                <a:pPr/>
-                <a14:m>
-                  <m:oMathPara xmlns:m="http://schemas.openxmlformats.org/officeDocument/2006/math">
-                    <m:oMathParaPr>
-                      <m:jc m:val="centerGroup"/>
-                    </m:oMathParaPr>
-                    <m:oMath xmlns:m="http://schemas.openxmlformats.org/officeDocument/2006/math">
-                      <m:sSub>
-                        <m:sSubPr>
-                          <m:ctrlPr>
-                            <a:rPr lang="pl-PL" i="1" smtClean="0">
-                              <a:latin typeface="Cambria Math"/>
-                            </a:rPr>
-                          </m:ctrlPr>
-                        </m:sSubPr>
-                        <m:e>
-                          <m:r>
-                            <a:rPr lang="pl-PL" b="0" i="1" smtClean="0">
-                              <a:latin typeface="Cambria Math"/>
-                            </a:rPr>
-                            <m:t>𝑒</m:t>
-                          </m:r>
-                        </m:e>
-                        <m:sub>
-                          <m:r>
-                            <a:rPr lang="pl-PL" b="0" i="1" smtClean="0">
-                              <a:latin typeface="Cambria Math"/>
-                            </a:rPr>
-                            <m:t>3</m:t>
-                          </m:r>
-                        </m:sub>
-                      </m:sSub>
-                    </m:oMath>
-                  </m:oMathPara>
-                </a14:m>
-                <a:endParaRPr lang="pl-PL" dirty="0"/>
-              </a:p>
-            </p:txBody>
-          </p:sp>
-        </mc:Choice>
-        <mc:Fallback xmlns="">
-          <p:sp>
-            <p:nvSpPr>
-              <p:cNvPr id="8" name="TextBox 7"/>
-              <p:cNvSpPr txBox="1">
-                <a:spLocks noRot="1" noChangeAspect="1" noMove="1" noResize="1" noEditPoints="1" noAdjustHandles="1" noChangeArrowheads="1" noChangeShapeType="1" noTextEdit="1"/>
-              </p:cNvSpPr>
-              <p:nvPr/>
-            </p:nvSpPr>
-            <p:spPr>
-              <a:xfrm>
-                <a:off x="6049130" y="3462664"/>
-                <a:ext cx="451982" cy="369332"/>
-              </a:xfrm>
-              <a:prstGeom prst="rect">
-                <a:avLst/>
-              </a:prstGeom>
-              <a:blipFill rotWithShape="1">
-                <a:blip r:embed="rId5"/>
-                <a:stretch>
-                  <a:fillRect/>
-                </a:stretch>
-              </a:blipFill>
-            </p:spPr>
-            <p:txBody>
-              <a:bodyPr/>
-              <a:lstStyle/>
-              <a:p>
-                <a:r>
-                  <a:rPr lang="pl-PL">
-                    <a:noFill/>
-                  </a:rPr>
-                  <a:t> </a:t>
-                </a:r>
-              </a:p>
-            </p:txBody>
-          </p:sp>
-        </mc:Fallback>
-      </mc:AlternateContent>
-      <p:sp>
-        <p:nvSpPr>
-          <p:cNvPr id="6" name="Right Brace 5"/>
-          <p:cNvSpPr/>
-          <p:nvPr/>
-        </p:nvSpPr>
-        <p:spPr>
-          <a:xfrm rot="5400000">
-            <a:off x="2507810" y="2979403"/>
-            <a:ext cx="288031" cy="1254556"/>
-          </a:xfrm>
-          <a:prstGeom prst="rightBrace">
-            <a:avLst>
-              <a:gd name="adj1" fmla="val 34953"/>
-              <a:gd name="adj2" fmla="val 47965"/>
-            </a:avLst>
-          </a:prstGeom>
-        </p:spPr>
-        <p:style>
-          <a:lnRef idx="1">
-            <a:schemeClr val="accent1"/>
-          </a:lnRef>
-          <a:fillRef idx="0">
-            <a:schemeClr val="accent1"/>
-          </a:fillRef>
-          <a:effectRef idx="0">
-            <a:schemeClr val="accent1"/>
-          </a:effectRef>
-          <a:fontRef idx="minor">
-            <a:schemeClr val="tx1"/>
-          </a:fontRef>
-        </p:style>
-        <p:txBody>
-          <a:bodyPr rtlCol="0" anchor="ctr"/>
-          <a:lstStyle/>
-          <a:p>
-            <a:pPr algn="ctr"/>
-            <a:endParaRPr lang="pl-PL"/>
-          </a:p>
-        </p:txBody>
-      </p:sp>
-      <mc:AlternateContent xmlns:mc="http://schemas.openxmlformats.org/markup-compatibility/2006" xmlns:a14="http://schemas.microsoft.com/office/drawing/2010/main">
-        <mc:Choice Requires="a14">
-          <p:sp>
-            <p:nvSpPr>
-              <p:cNvPr id="10" name="TextBox 9"/>
-              <p:cNvSpPr txBox="1"/>
-              <p:nvPr/>
-            </p:nvSpPr>
-            <p:spPr>
-              <a:xfrm>
-                <a:off x="2436763" y="3750695"/>
-                <a:ext cx="555088" cy="369332"/>
-              </a:xfrm>
-              <a:prstGeom prst="rect">
-                <a:avLst/>
-              </a:prstGeom>
-              <a:noFill/>
-            </p:spPr>
-            <p:txBody>
-              <a:bodyPr wrap="none" rtlCol="0">
-                <a:spAutoFit/>
-              </a:bodyPr>
-              <a:lstStyle/>
-              <a:p>
-                <a:pPr/>
-                <a14:m>
-                  <m:oMathPara xmlns:m="http://schemas.openxmlformats.org/officeDocument/2006/math">
-                    <m:oMathParaPr>
-                      <m:jc m:val="centerGroup"/>
-                    </m:oMathParaPr>
-                    <m:oMath xmlns:m="http://schemas.openxmlformats.org/officeDocument/2006/math">
-                      <m:sSub>
-                        <m:sSubPr>
-                          <m:ctrlPr>
-                            <a:rPr lang="pl-PL" i="1" smtClean="0">
-                              <a:latin typeface="Cambria Math"/>
-                            </a:rPr>
-                          </m:ctrlPr>
-                        </m:sSubPr>
-                        <m:e>
-                          <m:r>
-                            <a:rPr lang="pl-PL" b="0" i="1" smtClean="0">
-                              <a:latin typeface="Cambria Math"/>
-                            </a:rPr>
-                            <m:t>𝑏</m:t>
-                          </m:r>
-                        </m:e>
-                        <m:sub>
-                          <m:r>
-                            <a:rPr lang="pl-PL" b="0" i="1" smtClean="0">
-                              <a:latin typeface="Cambria Math"/>
-                            </a:rPr>
-                            <m:t>11</m:t>
-                          </m:r>
-                        </m:sub>
-                      </m:sSub>
-                    </m:oMath>
-                  </m:oMathPara>
-                </a14:m>
-                <a:endParaRPr lang="pl-PL" dirty="0"/>
-              </a:p>
-            </p:txBody>
-          </p:sp>
-        </mc:Choice>
-        <mc:Fallback xmlns="">
-          <p:sp>
-            <p:nvSpPr>
-              <p:cNvPr id="10" name="TextBox 9"/>
-              <p:cNvSpPr txBox="1">
-                <a:spLocks noRot="1" noChangeAspect="1" noMove="1" noResize="1" noEditPoints="1" noAdjustHandles="1" noChangeArrowheads="1" noChangeShapeType="1" noTextEdit="1"/>
-              </p:cNvSpPr>
-              <p:nvPr/>
-            </p:nvSpPr>
-            <p:spPr>
-              <a:xfrm>
-                <a:off x="2436763" y="3750695"/>
-                <a:ext cx="555088" cy="369332"/>
-              </a:xfrm>
-              <a:prstGeom prst="rect">
-                <a:avLst/>
-              </a:prstGeom>
-              <a:blipFill rotWithShape="1">
-                <a:blip r:embed="rId6"/>
-                <a:stretch>
-                  <a:fillRect/>
-                </a:stretch>
-              </a:blipFill>
-            </p:spPr>
-            <p:txBody>
-              <a:bodyPr/>
-              <a:lstStyle/>
-              <a:p>
-                <a:r>
-                  <a:rPr lang="pl-PL">
-                    <a:noFill/>
-                  </a:rPr>
-                  <a:t> </a:t>
-                </a:r>
-              </a:p>
-            </p:txBody>
-          </p:sp>
-        </mc:Fallback>
-      </mc:AlternateContent>
-      <mc:AlternateContent xmlns:mc="http://schemas.openxmlformats.org/markup-compatibility/2006" xmlns:a14="http://schemas.microsoft.com/office/drawing/2010/main">
-        <mc:Choice Requires="a14">
-          <p:sp>
-            <p:nvSpPr>
-              <p:cNvPr id="17" name="TextBox 16"/>
-              <p:cNvSpPr txBox="1"/>
-              <p:nvPr/>
-            </p:nvSpPr>
-            <p:spPr>
-              <a:xfrm>
-                <a:off x="3598322" y="3765471"/>
-                <a:ext cx="622628" cy="369332"/>
-              </a:xfrm>
-              <a:prstGeom prst="rect">
-                <a:avLst/>
-              </a:prstGeom>
-              <a:noFill/>
-            </p:spPr>
-            <p:txBody>
-              <a:bodyPr wrap="square" rtlCol="0">
-                <a:spAutoFit/>
-              </a:bodyPr>
-              <a:lstStyle/>
-              <a:p>
-                <a:pPr/>
-                <a14:m>
-                  <m:oMathPara xmlns:m="http://schemas.openxmlformats.org/officeDocument/2006/math">
-                    <m:oMathParaPr>
-                      <m:jc m:val="centerGroup"/>
-                    </m:oMathParaPr>
-                    <m:oMath xmlns:m="http://schemas.openxmlformats.org/officeDocument/2006/math">
-                      <m:sSub>
-                        <m:sSubPr>
-                          <m:ctrlPr>
-                            <a:rPr lang="pl-PL" i="1" smtClean="0">
-                              <a:latin typeface="Cambria Math"/>
-                            </a:rPr>
-                          </m:ctrlPr>
-                        </m:sSubPr>
-                        <m:e>
-                          <m:r>
-                            <a:rPr lang="pl-PL" b="0" i="1" smtClean="0">
-                              <a:latin typeface="Cambria Math"/>
-                            </a:rPr>
-                            <m:t>𝑏</m:t>
-                          </m:r>
-                        </m:e>
-                        <m:sub>
-                          <m:r>
-                            <a:rPr lang="pl-PL" b="0" i="1" smtClean="0">
-                              <a:latin typeface="Cambria Math"/>
-                            </a:rPr>
-                            <m:t>12</m:t>
-                          </m:r>
-                        </m:sub>
-                      </m:sSub>
-                    </m:oMath>
-                  </m:oMathPara>
-                </a14:m>
-                <a:endParaRPr lang="pl-PL" dirty="0"/>
-              </a:p>
-            </p:txBody>
-          </p:sp>
-        </mc:Choice>
-        <mc:Fallback xmlns="">
-          <p:sp>
-            <p:nvSpPr>
-              <p:cNvPr id="17" name="TextBox 16"/>
-              <p:cNvSpPr txBox="1">
-                <a:spLocks noRot="1" noChangeAspect="1" noMove="1" noResize="1" noEditPoints="1" noAdjustHandles="1" noChangeArrowheads="1" noChangeShapeType="1" noTextEdit="1"/>
-              </p:cNvSpPr>
-              <p:nvPr/>
-            </p:nvSpPr>
-            <p:spPr>
-              <a:xfrm>
-                <a:off x="3598320" y="3765471"/>
-                <a:ext cx="622628" cy="369332"/>
-              </a:xfrm>
-              <a:prstGeom prst="rect">
-                <a:avLst/>
-              </a:prstGeom>
-              <a:blipFill rotWithShape="1">
-                <a:blip r:embed="rId7"/>
-                <a:stretch>
-                  <a:fillRect/>
-                </a:stretch>
-              </a:blipFill>
-            </p:spPr>
-            <p:txBody>
-              <a:bodyPr/>
-              <a:lstStyle/>
-              <a:p>
-                <a:r>
-                  <a:rPr lang="pl-PL">
-                    <a:noFill/>
-                  </a:rPr>
-                  <a:t> </a:t>
-                </a:r>
-              </a:p>
-            </p:txBody>
-          </p:sp>
-        </mc:Fallback>
-      </mc:AlternateContent>
-      <p:sp>
-        <p:nvSpPr>
-          <p:cNvPr id="18" name="Right Brace 17"/>
-          <p:cNvSpPr/>
-          <p:nvPr/>
-        </p:nvSpPr>
-        <p:spPr>
-          <a:xfrm rot="5400000">
-            <a:off x="3829910" y="2979403"/>
-            <a:ext cx="288031" cy="1254556"/>
-          </a:xfrm>
-          <a:prstGeom prst="rightBrace">
-            <a:avLst>
-              <a:gd name="adj1" fmla="val 34953"/>
-              <a:gd name="adj2" fmla="val 47965"/>
-            </a:avLst>
-          </a:prstGeom>
-        </p:spPr>
-        <p:style>
-          <a:lnRef idx="1">
-            <a:schemeClr val="accent1"/>
-          </a:lnRef>
-          <a:fillRef idx="0">
-            <a:schemeClr val="accent1"/>
-          </a:fillRef>
-          <a:effectRef idx="0">
-            <a:schemeClr val="accent1"/>
-          </a:effectRef>
-          <a:fontRef idx="minor">
-            <a:schemeClr val="tx1"/>
-          </a:fontRef>
-        </p:style>
-        <p:txBody>
-          <a:bodyPr rtlCol="0" anchor="ctr"/>
-          <a:lstStyle/>
-          <a:p>
-            <a:pPr algn="ctr"/>
-            <a:endParaRPr lang="pl-PL"/>
-          </a:p>
-        </p:txBody>
-      </p:sp>
-      <p:sp>
-        <p:nvSpPr>
-          <p:cNvPr id="19" name="Right Brace 18"/>
-          <p:cNvSpPr/>
-          <p:nvPr/>
-        </p:nvSpPr>
-        <p:spPr>
-          <a:xfrm rot="14034819">
-            <a:off x="5297605" y="2121235"/>
-            <a:ext cx="288031" cy="1229409"/>
-          </a:xfrm>
-          <a:prstGeom prst="rightBrace">
-            <a:avLst>
-              <a:gd name="adj1" fmla="val 40907"/>
-              <a:gd name="adj2" fmla="val 47965"/>
-            </a:avLst>
-          </a:prstGeom>
-        </p:spPr>
-        <p:style>
-          <a:lnRef idx="1">
-            <a:schemeClr val="accent1"/>
-          </a:lnRef>
-          <a:fillRef idx="0">
-            <a:schemeClr val="accent1"/>
-          </a:fillRef>
-          <a:effectRef idx="0">
-            <a:schemeClr val="accent1"/>
-          </a:effectRef>
-          <a:fontRef idx="minor">
-            <a:schemeClr val="tx1"/>
-          </a:fontRef>
-        </p:style>
-        <p:txBody>
-          <a:bodyPr rtlCol="0" anchor="ctr"/>
-          <a:lstStyle/>
-          <a:p>
-            <a:pPr algn="ctr"/>
-            <a:endParaRPr lang="pl-PL"/>
-          </a:p>
-        </p:txBody>
-      </p:sp>
-      <p:sp>
-        <p:nvSpPr>
-          <p:cNvPr id="20" name="Right Brace 19"/>
-          <p:cNvSpPr/>
-          <p:nvPr/>
-        </p:nvSpPr>
-        <p:spPr>
-          <a:xfrm rot="6863898">
-            <a:off x="6382219" y="3796844"/>
-            <a:ext cx="288031" cy="1156458"/>
-          </a:xfrm>
-          <a:prstGeom prst="rightBrace">
-            <a:avLst>
-              <a:gd name="adj1" fmla="val 40907"/>
-              <a:gd name="adj2" fmla="val 47965"/>
-            </a:avLst>
-          </a:prstGeom>
-        </p:spPr>
-        <p:style>
-          <a:lnRef idx="1">
-            <a:schemeClr val="accent1"/>
-          </a:lnRef>
-          <a:fillRef idx="0">
-            <a:schemeClr val="accent1"/>
-          </a:fillRef>
-          <a:effectRef idx="0">
-            <a:schemeClr val="accent1"/>
-          </a:effectRef>
-          <a:fontRef idx="minor">
-            <a:schemeClr val="tx1"/>
-          </a:fontRef>
-        </p:style>
-        <p:txBody>
-          <a:bodyPr rtlCol="0" anchor="ctr"/>
-          <a:lstStyle/>
-          <a:p>
-            <a:pPr algn="ctr"/>
-            <a:endParaRPr lang="pl-PL"/>
-          </a:p>
-        </p:txBody>
-      </p:sp>
-      <mc:AlternateContent xmlns:mc="http://schemas.openxmlformats.org/markup-compatibility/2006" xmlns:a14="http://schemas.microsoft.com/office/drawing/2010/main">
-        <mc:Choice Requires="a14">
-          <p:sp>
-            <p:nvSpPr>
-              <p:cNvPr id="21" name="TextBox 20"/>
-              <p:cNvSpPr txBox="1"/>
-              <p:nvPr/>
-            </p:nvSpPr>
-            <p:spPr>
-              <a:xfrm>
-                <a:off x="4887319" y="4085606"/>
-                <a:ext cx="560410" cy="369332"/>
-              </a:xfrm>
-              <a:prstGeom prst="rect">
-                <a:avLst/>
-              </a:prstGeom>
-              <a:noFill/>
-            </p:spPr>
-            <p:txBody>
-              <a:bodyPr wrap="none" rtlCol="0">
-                <a:spAutoFit/>
-              </a:bodyPr>
-              <a:lstStyle/>
-              <a:p>
-                <a:pPr/>
-                <a14:m>
-                  <m:oMathPara xmlns:m="http://schemas.openxmlformats.org/officeDocument/2006/math">
-                    <m:oMathParaPr>
-                      <m:jc m:val="centerGroup"/>
-                    </m:oMathParaPr>
-                    <m:oMath xmlns:m="http://schemas.openxmlformats.org/officeDocument/2006/math">
-                      <m:sSub>
-                        <m:sSubPr>
-                          <m:ctrlPr>
-                            <a:rPr lang="pl-PL" i="1" smtClean="0">
-                              <a:latin typeface="Cambria Math"/>
-                            </a:rPr>
-                          </m:ctrlPr>
-                        </m:sSubPr>
-                        <m:e>
-                          <m:r>
-                            <a:rPr lang="pl-PL" b="0" i="1" smtClean="0">
-                              <a:latin typeface="Cambria Math"/>
-                            </a:rPr>
-                            <m:t>𝑏</m:t>
-                          </m:r>
-                        </m:e>
-                        <m:sub>
-                          <m:r>
-                            <a:rPr lang="pl-PL" b="0" i="1" smtClean="0">
-                              <a:latin typeface="Cambria Math"/>
-                            </a:rPr>
-                            <m:t>31</m:t>
-                          </m:r>
-                        </m:sub>
-                      </m:sSub>
-                    </m:oMath>
-                  </m:oMathPara>
-                </a14:m>
-                <a:endParaRPr lang="pl-PL" dirty="0"/>
-              </a:p>
-            </p:txBody>
-          </p:sp>
-        </mc:Choice>
-        <mc:Fallback xmlns="">
-          <p:sp>
-            <p:nvSpPr>
-              <p:cNvPr id="21" name="TextBox 20"/>
-              <p:cNvSpPr txBox="1">
-                <a:spLocks noRot="1" noChangeAspect="1" noMove="1" noResize="1" noEditPoints="1" noAdjustHandles="1" noChangeArrowheads="1" noChangeShapeType="1" noTextEdit="1"/>
-              </p:cNvSpPr>
-              <p:nvPr/>
-            </p:nvSpPr>
-            <p:spPr>
-              <a:xfrm>
-                <a:off x="4887319" y="4085606"/>
-                <a:ext cx="560410" cy="369332"/>
-              </a:xfrm>
-              <a:prstGeom prst="rect">
-                <a:avLst/>
-              </a:prstGeom>
-              <a:blipFill rotWithShape="1">
-                <a:blip r:embed="rId8"/>
-                <a:stretch>
-                  <a:fillRect/>
-                </a:stretch>
-              </a:blipFill>
-            </p:spPr>
-            <p:txBody>
-              <a:bodyPr/>
-              <a:lstStyle/>
-              <a:p>
-                <a:r>
-                  <a:rPr lang="pl-PL">
-                    <a:noFill/>
-                  </a:rPr>
-                  <a:t> </a:t>
-                </a:r>
-              </a:p>
-            </p:txBody>
-          </p:sp>
-        </mc:Fallback>
-      </mc:AlternateContent>
-      <mc:AlternateContent xmlns:mc="http://schemas.openxmlformats.org/markup-compatibility/2006" xmlns:a14="http://schemas.microsoft.com/office/drawing/2010/main">
-        <mc:Choice Requires="a14">
-          <p:sp>
-            <p:nvSpPr>
-              <p:cNvPr id="22" name="TextBox 21"/>
-              <p:cNvSpPr txBox="1"/>
-              <p:nvPr/>
-            </p:nvSpPr>
-            <p:spPr>
-              <a:xfrm>
-                <a:off x="5920164" y="4454938"/>
-                <a:ext cx="560410" cy="369332"/>
-              </a:xfrm>
-              <a:prstGeom prst="rect">
-                <a:avLst/>
-              </a:prstGeom>
-              <a:noFill/>
-            </p:spPr>
-            <p:txBody>
-              <a:bodyPr wrap="none" rtlCol="0">
-                <a:spAutoFit/>
-              </a:bodyPr>
-              <a:lstStyle/>
-              <a:p>
-                <a:pPr/>
-                <a14:m>
-                  <m:oMathPara xmlns:m="http://schemas.openxmlformats.org/officeDocument/2006/math">
-                    <m:oMathParaPr>
-                      <m:jc m:val="centerGroup"/>
-                    </m:oMathParaPr>
-                    <m:oMath xmlns:m="http://schemas.openxmlformats.org/officeDocument/2006/math">
-                      <m:sSub>
-                        <m:sSubPr>
-                          <m:ctrlPr>
-                            <a:rPr lang="pl-PL" i="1" smtClean="0">
-                              <a:latin typeface="Cambria Math"/>
-                            </a:rPr>
-                          </m:ctrlPr>
-                        </m:sSubPr>
-                        <m:e>
-                          <m:r>
-                            <a:rPr lang="pl-PL" b="0" i="1" smtClean="0">
-                              <a:latin typeface="Cambria Math"/>
-                            </a:rPr>
-                            <m:t>𝑏</m:t>
-                          </m:r>
-                        </m:e>
-                        <m:sub>
-                          <m:r>
-                            <a:rPr lang="pl-PL" b="0" i="1" smtClean="0">
-                              <a:latin typeface="Cambria Math"/>
-                            </a:rPr>
-                            <m:t>32</m:t>
-                          </m:r>
-                        </m:sub>
-                      </m:sSub>
-                    </m:oMath>
-                  </m:oMathPara>
-                </a14:m>
-                <a:endParaRPr lang="pl-PL" dirty="0"/>
-              </a:p>
-            </p:txBody>
-          </p:sp>
-        </mc:Choice>
-        <mc:Fallback xmlns="">
-          <p:sp>
-            <p:nvSpPr>
-              <p:cNvPr id="22" name="TextBox 21"/>
-              <p:cNvSpPr txBox="1">
-                <a:spLocks noRot="1" noChangeAspect="1" noMove="1" noResize="1" noEditPoints="1" noAdjustHandles="1" noChangeArrowheads="1" noChangeShapeType="1" noTextEdit="1"/>
-              </p:cNvSpPr>
-              <p:nvPr/>
-            </p:nvSpPr>
-            <p:spPr>
-              <a:xfrm>
-                <a:off x="5920164" y="4454938"/>
-                <a:ext cx="560410" cy="369332"/>
-              </a:xfrm>
-              <a:prstGeom prst="rect">
-                <a:avLst/>
-              </a:prstGeom>
-              <a:blipFill rotWithShape="1">
-                <a:blip r:embed="rId9"/>
-                <a:stretch>
-                  <a:fillRect/>
-                </a:stretch>
-              </a:blipFill>
-            </p:spPr>
-            <p:txBody>
-              <a:bodyPr/>
-              <a:lstStyle/>
-              <a:p>
-                <a:r>
-                  <a:rPr lang="pl-PL">
-                    <a:noFill/>
-                  </a:rPr>
-                  <a:t> </a:t>
-                </a:r>
-              </a:p>
-            </p:txBody>
-          </p:sp>
-        </mc:Fallback>
-      </mc:AlternateContent>
-      <p:sp>
-        <p:nvSpPr>
-          <p:cNvPr id="23" name="Right Brace 22"/>
-          <p:cNvSpPr/>
-          <p:nvPr/>
-        </p:nvSpPr>
-        <p:spPr>
-          <a:xfrm rot="6863898">
-            <a:off x="5336673" y="3388923"/>
-            <a:ext cx="288031" cy="1074247"/>
-          </a:xfrm>
-          <a:prstGeom prst="rightBrace">
-            <a:avLst>
-              <a:gd name="adj1" fmla="val 40907"/>
-              <a:gd name="adj2" fmla="val 47965"/>
-            </a:avLst>
-          </a:prstGeom>
-        </p:spPr>
-        <p:style>
-          <a:lnRef idx="1">
-            <a:schemeClr val="accent1"/>
-          </a:lnRef>
-          <a:fillRef idx="0">
-            <a:schemeClr val="accent1"/>
-          </a:fillRef>
-          <a:effectRef idx="0">
-            <a:schemeClr val="accent1"/>
-          </a:effectRef>
-          <a:fontRef idx="minor">
-            <a:schemeClr val="tx1"/>
-          </a:fontRef>
-        </p:style>
-        <p:txBody>
-          <a:bodyPr rtlCol="0" anchor="ctr"/>
-          <a:lstStyle/>
-          <a:p>
-            <a:pPr algn="ctr"/>
-            <a:endParaRPr lang="pl-PL"/>
-          </a:p>
-        </p:txBody>
-      </p:sp>
-      <p:sp>
-        <p:nvSpPr>
-          <p:cNvPr id="24" name="Right Brace 23"/>
-          <p:cNvSpPr/>
-          <p:nvPr/>
-        </p:nvSpPr>
-        <p:spPr>
-          <a:xfrm rot="14034819">
-            <a:off x="6340756" y="1343493"/>
-            <a:ext cx="288031" cy="1211348"/>
-          </a:xfrm>
-          <a:prstGeom prst="rightBrace">
-            <a:avLst>
-              <a:gd name="adj1" fmla="val 40907"/>
-              <a:gd name="adj2" fmla="val 47965"/>
-            </a:avLst>
-          </a:prstGeom>
-        </p:spPr>
-        <p:style>
-          <a:lnRef idx="1">
-            <a:schemeClr val="accent1"/>
-          </a:lnRef>
-          <a:fillRef idx="0">
-            <a:schemeClr val="accent1"/>
-          </a:fillRef>
-          <a:effectRef idx="0">
-            <a:schemeClr val="accent1"/>
-          </a:effectRef>
-          <a:fontRef idx="minor">
-            <a:schemeClr val="tx1"/>
-          </a:fontRef>
-        </p:style>
-        <p:txBody>
-          <a:bodyPr rtlCol="0" anchor="ctr"/>
-          <a:lstStyle/>
-          <a:p>
-            <a:pPr algn="ctr"/>
-            <a:endParaRPr lang="pl-PL"/>
-          </a:p>
-        </p:txBody>
-      </p:sp>
-      <mc:AlternateContent xmlns:mc="http://schemas.openxmlformats.org/markup-compatibility/2006" xmlns:a14="http://schemas.microsoft.com/office/drawing/2010/main">
-        <mc:Choice Requires="a14">
-          <p:sp>
-            <p:nvSpPr>
-              <p:cNvPr id="25" name="TextBox 24"/>
-              <p:cNvSpPr txBox="1"/>
-              <p:nvPr/>
-            </p:nvSpPr>
-            <p:spPr>
-              <a:xfrm>
-                <a:off x="4908254" y="2217638"/>
-                <a:ext cx="560410" cy="369332"/>
-              </a:xfrm>
-              <a:prstGeom prst="rect">
-                <a:avLst/>
-              </a:prstGeom>
-              <a:noFill/>
-            </p:spPr>
-            <p:txBody>
-              <a:bodyPr wrap="none" rtlCol="0">
-                <a:spAutoFit/>
-              </a:bodyPr>
-              <a:lstStyle/>
-              <a:p>
-                <a:pPr/>
-                <a14:m>
-                  <m:oMathPara xmlns:m="http://schemas.openxmlformats.org/officeDocument/2006/math">
-                    <m:oMathParaPr>
-                      <m:jc m:val="centerGroup"/>
-                    </m:oMathParaPr>
-                    <m:oMath xmlns:m="http://schemas.openxmlformats.org/officeDocument/2006/math">
-                      <m:sSub>
-                        <m:sSubPr>
-                          <m:ctrlPr>
-                            <a:rPr lang="pl-PL" i="1" smtClean="0">
-                              <a:latin typeface="Cambria Math"/>
-                            </a:rPr>
-                          </m:ctrlPr>
-                        </m:sSubPr>
-                        <m:e>
-                          <m:r>
-                            <a:rPr lang="pl-PL" b="0" i="1" smtClean="0">
-                              <a:latin typeface="Cambria Math"/>
-                            </a:rPr>
-                            <m:t>𝑏</m:t>
-                          </m:r>
-                        </m:e>
-                        <m:sub>
-                          <m:r>
-                            <a:rPr lang="pl-PL" b="0" i="1" smtClean="0">
-                              <a:latin typeface="Cambria Math"/>
-                            </a:rPr>
-                            <m:t>21</m:t>
-                          </m:r>
-                        </m:sub>
-                      </m:sSub>
-                    </m:oMath>
-                  </m:oMathPara>
-                </a14:m>
-                <a:endParaRPr lang="pl-PL" dirty="0"/>
-              </a:p>
-            </p:txBody>
-          </p:sp>
-        </mc:Choice>
-        <mc:Fallback xmlns="">
-          <p:sp>
-            <p:nvSpPr>
-              <p:cNvPr id="25" name="TextBox 24"/>
-              <p:cNvSpPr txBox="1">
-                <a:spLocks noRot="1" noChangeAspect="1" noMove="1" noResize="1" noEditPoints="1" noAdjustHandles="1" noChangeArrowheads="1" noChangeShapeType="1" noTextEdit="1"/>
-              </p:cNvSpPr>
-              <p:nvPr/>
-            </p:nvSpPr>
-            <p:spPr>
-              <a:xfrm>
-                <a:off x="4908254" y="2217638"/>
-                <a:ext cx="560410" cy="369332"/>
-              </a:xfrm>
-              <a:prstGeom prst="rect">
-                <a:avLst/>
-              </a:prstGeom>
-              <a:blipFill rotWithShape="1">
-                <a:blip r:embed="rId10"/>
-                <a:stretch>
-                  <a:fillRect/>
-                </a:stretch>
-              </a:blipFill>
-            </p:spPr>
-            <p:txBody>
-              <a:bodyPr/>
-              <a:lstStyle/>
-              <a:p>
-                <a:r>
-                  <a:rPr lang="pl-PL">
-                    <a:noFill/>
-                  </a:rPr>
-                  <a:t> </a:t>
-                </a:r>
-              </a:p>
-            </p:txBody>
-          </p:sp>
-        </mc:Fallback>
-      </mc:AlternateContent>
-      <mc:AlternateContent xmlns:mc="http://schemas.openxmlformats.org/markup-compatibility/2006" xmlns:a14="http://schemas.microsoft.com/office/drawing/2010/main">
-        <mc:Choice Requires="a14">
-          <p:sp>
-            <p:nvSpPr>
-              <p:cNvPr id="26" name="TextBox 25"/>
-              <p:cNvSpPr txBox="1"/>
-              <p:nvPr/>
-            </p:nvSpPr>
-            <p:spPr>
-              <a:xfrm>
-                <a:off x="5955806" y="1475492"/>
-                <a:ext cx="560410" cy="369332"/>
-              </a:xfrm>
-              <a:prstGeom prst="rect">
-                <a:avLst/>
-              </a:prstGeom>
-              <a:noFill/>
-            </p:spPr>
-            <p:txBody>
-              <a:bodyPr wrap="none" rtlCol="0">
-                <a:spAutoFit/>
-              </a:bodyPr>
-              <a:lstStyle/>
-              <a:p>
-                <a:pPr/>
-                <a14:m>
-                  <m:oMathPara xmlns:m="http://schemas.openxmlformats.org/officeDocument/2006/math">
-                    <m:oMathParaPr>
-                      <m:jc m:val="centerGroup"/>
-                    </m:oMathParaPr>
-                    <m:oMath xmlns:m="http://schemas.openxmlformats.org/officeDocument/2006/math">
-                      <m:sSub>
-                        <m:sSubPr>
-                          <m:ctrlPr>
-                            <a:rPr lang="pl-PL" i="1" smtClean="0">
-                              <a:latin typeface="Cambria Math"/>
-                            </a:rPr>
-                          </m:ctrlPr>
-                        </m:sSubPr>
-                        <m:e>
-                          <m:r>
-                            <a:rPr lang="pl-PL" b="0" i="1" smtClean="0">
-                              <a:latin typeface="Cambria Math"/>
-                            </a:rPr>
-                            <m:t>𝑏</m:t>
-                          </m:r>
-                        </m:e>
-                        <m:sub>
-                          <m:r>
-                            <a:rPr lang="pl-PL" b="0" i="1" smtClean="0">
-                              <a:latin typeface="Cambria Math"/>
-                            </a:rPr>
-                            <m:t>21</m:t>
-                          </m:r>
-                        </m:sub>
-                      </m:sSub>
-                    </m:oMath>
-                  </m:oMathPara>
-                </a14:m>
-                <a:endParaRPr lang="pl-PL" dirty="0"/>
-              </a:p>
-            </p:txBody>
-          </p:sp>
-        </mc:Choice>
-        <mc:Fallback xmlns="">
-          <p:sp>
-            <p:nvSpPr>
-              <p:cNvPr id="26" name="TextBox 25"/>
-              <p:cNvSpPr txBox="1">
-                <a:spLocks noRot="1" noChangeAspect="1" noMove="1" noResize="1" noEditPoints="1" noAdjustHandles="1" noChangeArrowheads="1" noChangeShapeType="1" noTextEdit="1"/>
-              </p:cNvSpPr>
-              <p:nvPr/>
-            </p:nvSpPr>
-            <p:spPr>
-              <a:xfrm>
-                <a:off x="5955806" y="1475492"/>
-                <a:ext cx="560410" cy="369332"/>
-              </a:xfrm>
-              <a:prstGeom prst="rect">
-                <a:avLst/>
-              </a:prstGeom>
-              <a:blipFill rotWithShape="1">
-                <a:blip r:embed="rId11"/>
-                <a:stretch>
-                  <a:fillRect/>
-                </a:stretch>
-              </a:blipFill>
-            </p:spPr>
-            <p:txBody>
-              <a:bodyPr/>
-              <a:lstStyle/>
-              <a:p>
-                <a:r>
-                  <a:rPr lang="pl-PL">
-                    <a:noFill/>
-                  </a:rPr>
-                  <a:t> </a:t>
-                </a:r>
-              </a:p>
-            </p:txBody>
-          </p:sp>
-        </mc:Fallback>
-      </mc:AlternateContent>
-    </p:spTree>
-    <p:extLst>
-      <p:ext uri="{BB962C8B-B14F-4D97-AF65-F5344CB8AC3E}">
-        <p14:creationId xmlns:p14="http://schemas.microsoft.com/office/powerpoint/2010/main" val="204407770"/>
-      </p:ext>
-    </p:extLst>
-  </p:cSld>
-  <p:clrMapOvr>
-    <a:masterClrMapping/>
-  </p:clrMapOvr>
-</p:sld>
-</file>
-
-<file path=ppt/slides/slide9.xml><?xml version="1.0" encoding="utf-8"?>
-<p:sld xmlns:a="http://schemas.openxmlformats.org/drawingml/2006/main" xmlns:r="http://schemas.openxmlformats.org/officeDocument/2006/relationships" xmlns:p="http://schemas.openxmlformats.org/presentationml/2006/main">
-  <p:cSld>
-    <p:spTree>
-      <p:nvGrpSpPr>
-        <p:cNvPr id="1" name=""/>
-        <p:cNvGrpSpPr/>
-        <p:nvPr/>
-      </p:nvGrpSpPr>
-      <p:grpSpPr>
-        <a:xfrm>
-          <a:off x="0" y="0"/>
-          <a:ext cx="0" cy="0"/>
-          <a:chOff x="0" y="0"/>
-          <a:chExt cx="0" cy="0"/>
-        </a:xfrm>
-      </p:grpSpPr>
-      <p:pic>
-        <p:nvPicPr>
-          <p:cNvPr id="4" name="Picture 2"/>
-          <p:cNvPicPr>
-            <a:picLocks noChangeAspect="1" noChangeArrowheads="1"/>
-          </p:cNvPicPr>
-          <p:nvPr/>
-        </p:nvPicPr>
-        <p:blipFill>
-          <a:blip r:embed="rId2">
-            <a:extLst>
-              <a:ext uri="{28A0092B-C50C-407E-A947-70E740481C1C}">
-                <a14:useLocalDpi xmlns:a14="http://schemas.microsoft.com/office/drawing/2010/main" val="0"/>
-              </a:ext>
-            </a:extLst>
-          </a:blip>
-          <a:srcRect/>
-          <a:stretch>
-            <a:fillRect/>
-          </a:stretch>
-        </p:blipFill>
-        <p:spPr bwMode="auto">
-          <a:xfrm>
-            <a:off x="1187624" y="1052736"/>
-            <a:ext cx="7292717" cy="4176464"/>
-          </a:xfrm>
-          <a:prstGeom prst="rect">
-            <a:avLst/>
-          </a:prstGeom>
-          <a:noFill/>
-          <a:ln>
-            <a:noFill/>
-          </a:ln>
-          <a:effectLst/>
-          <a:extLst>
-            <a:ext uri="{909E8E84-426E-40DD-AFC4-6F175D3DCCD1}">
-              <a14:hiddenFill xmlns:a14="http://schemas.microsoft.com/office/drawing/2010/main">
-                <a:solidFill>
-                  <a:schemeClr val="accent1"/>
-                </a:solidFill>
-              </a14:hiddenFill>
-            </a:ext>
-            <a:ext uri="{91240B29-F687-4F45-9708-019B960494DF}">
-              <a14:hiddenLine xmlns:a14="http://schemas.microsoft.com/office/drawing/2010/main" w="9525">
-                <a:solidFill>
-                  <a:schemeClr val="tx1"/>
-                </a:solidFill>
-                <a:miter lim="800000"/>
-                <a:headEnd/>
-                <a:tailEnd/>
-              </a14:hiddenLine>
-            </a:ext>
-            <a:ext uri="{AF507438-7753-43E0-B8FC-AC1667EBCBE1}">
-              <a14:hiddenEffects xmlns:a14="http://schemas.microsoft.com/office/drawing/2010/main">
-                <a:effectLst>
-                  <a:outerShdw dist="35921" dir="2700000" algn="ctr" rotWithShape="0">
-                    <a:schemeClr val="bg2"/>
-                  </a:outerShdw>
-                </a:effectLst>
-              </a14:hiddenEffects>
-            </a:ext>
-          </a:extLst>
-        </p:spPr>
-      </p:pic>
-      <mc:AlternateContent xmlns:mc="http://schemas.openxmlformats.org/markup-compatibility/2006" xmlns:a14="http://schemas.microsoft.com/office/drawing/2010/main">
-        <mc:Choice Requires="a14">
-          <p:sp>
-            <p:nvSpPr>
-              <p:cNvPr id="5" name="TextBox 4"/>
-              <p:cNvSpPr txBox="1"/>
-              <p:nvPr/>
-            </p:nvSpPr>
-            <p:spPr>
-              <a:xfrm>
-                <a:off x="3131842" y="2956302"/>
-                <a:ext cx="446661" cy="369332"/>
-              </a:xfrm>
-              <a:prstGeom prst="rect">
-                <a:avLst/>
-              </a:prstGeom>
-              <a:noFill/>
-            </p:spPr>
-            <p:txBody>
-              <a:bodyPr wrap="none" rtlCol="0">
-                <a:spAutoFit/>
-              </a:bodyPr>
-              <a:lstStyle/>
-              <a:p>
-                <a:pPr/>
-                <a14:m>
-                  <m:oMathPara xmlns:m="http://schemas.openxmlformats.org/officeDocument/2006/math">
-                    <m:oMathParaPr>
-                      <m:jc m:val="centerGroup"/>
-                    </m:oMathParaPr>
-                    <m:oMath xmlns:m="http://schemas.openxmlformats.org/officeDocument/2006/math">
-                      <m:sSub>
-                        <m:sSubPr>
-                          <m:ctrlPr>
-                            <a:rPr lang="pl-PL" i="1" smtClean="0">
-                              <a:latin typeface="Cambria Math"/>
-                            </a:rPr>
-                          </m:ctrlPr>
-                        </m:sSubPr>
-                        <m:e>
-                          <m:r>
-                            <a:rPr lang="pl-PL" b="0" i="1" smtClean="0">
-                              <a:latin typeface="Cambria Math"/>
-                            </a:rPr>
-                            <m:t>𝑒</m:t>
-                          </m:r>
-                        </m:e>
-                        <m:sub>
-                          <m:r>
-                            <a:rPr lang="pl-PL" b="0" i="1" smtClean="0">
-                              <a:latin typeface="Cambria Math"/>
-                            </a:rPr>
-                            <m:t>1</m:t>
-                          </m:r>
-                        </m:sub>
-                      </m:sSub>
-                    </m:oMath>
-                  </m:oMathPara>
-                </a14:m>
-                <a:endParaRPr lang="pl-PL" dirty="0"/>
-              </a:p>
-            </p:txBody>
-          </p:sp>
-        </mc:Choice>
-        <mc:Fallback xmlns="">
-          <p:sp>
-            <p:nvSpPr>
-              <p:cNvPr id="5" name="TextBox 4"/>
-              <p:cNvSpPr txBox="1">
-                <a:spLocks noRot="1" noChangeAspect="1" noMove="1" noResize="1" noEditPoints="1" noAdjustHandles="1" noChangeArrowheads="1" noChangeShapeType="1" noTextEdit="1"/>
-              </p:cNvSpPr>
-              <p:nvPr/>
-            </p:nvSpPr>
-            <p:spPr>
-              <a:xfrm>
-                <a:off x="3131840" y="2956302"/>
-                <a:ext cx="446661" cy="369332"/>
-              </a:xfrm>
-              <a:prstGeom prst="rect">
-                <a:avLst/>
-              </a:prstGeom>
-              <a:blipFill rotWithShape="1">
-                <a:blip r:embed="rId3"/>
-                <a:stretch>
-                  <a:fillRect/>
-                </a:stretch>
-              </a:blipFill>
-            </p:spPr>
-            <p:txBody>
-              <a:bodyPr/>
-              <a:lstStyle/>
-              <a:p>
-                <a:r>
-                  <a:rPr lang="pl-PL">
-                    <a:noFill/>
-                  </a:rPr>
-                  <a:t> </a:t>
-                </a:r>
-              </a:p>
-            </p:txBody>
-          </p:sp>
-        </mc:Fallback>
-      </mc:AlternateContent>
-      <mc:AlternateContent xmlns:mc="http://schemas.openxmlformats.org/markup-compatibility/2006" xmlns:a14="http://schemas.microsoft.com/office/drawing/2010/main">
-        <mc:Choice Requires="a14">
-          <p:sp>
-            <p:nvSpPr>
-              <p:cNvPr id="6" name="TextBox 5"/>
-              <p:cNvSpPr txBox="1"/>
-              <p:nvPr/>
-            </p:nvSpPr>
-            <p:spPr>
-              <a:xfrm>
-                <a:off x="6038862" y="2586970"/>
-                <a:ext cx="451983" cy="369332"/>
-              </a:xfrm>
-              <a:prstGeom prst="rect">
-                <a:avLst/>
-              </a:prstGeom>
-              <a:noFill/>
-            </p:spPr>
-            <p:txBody>
-              <a:bodyPr wrap="none" rtlCol="0">
-                <a:spAutoFit/>
-              </a:bodyPr>
-              <a:lstStyle/>
-              <a:p>
-                <a:pPr/>
-                <a14:m>
-                  <m:oMathPara xmlns:m="http://schemas.openxmlformats.org/officeDocument/2006/math">
-                    <m:oMathParaPr>
-                      <m:jc m:val="centerGroup"/>
-                    </m:oMathParaPr>
-                    <m:oMath xmlns:m="http://schemas.openxmlformats.org/officeDocument/2006/math">
-                      <m:sSub>
-                        <m:sSubPr>
-                          <m:ctrlPr>
-                            <a:rPr lang="pl-PL" i="1" smtClean="0">
-                              <a:latin typeface="Cambria Math"/>
-                            </a:rPr>
-                          </m:ctrlPr>
-                        </m:sSubPr>
-                        <m:e>
-                          <m:r>
-                            <a:rPr lang="pl-PL" b="0" i="1" smtClean="0">
-                              <a:latin typeface="Cambria Math"/>
-                            </a:rPr>
-                            <m:t>𝑒</m:t>
-                          </m:r>
-                        </m:e>
-                        <m:sub>
-                          <m:r>
-                            <a:rPr lang="pl-PL" b="0" i="1" smtClean="0">
-                              <a:latin typeface="Cambria Math"/>
-                            </a:rPr>
-                            <m:t>2</m:t>
-                          </m:r>
-                        </m:sub>
-                      </m:sSub>
-                    </m:oMath>
-                  </m:oMathPara>
-                </a14:m>
-                <a:endParaRPr lang="pl-PL" dirty="0"/>
-              </a:p>
-            </p:txBody>
-          </p:sp>
-        </mc:Choice>
-        <mc:Fallback xmlns="">
-          <p:sp>
-            <p:nvSpPr>
-              <p:cNvPr id="6" name="TextBox 5"/>
-              <p:cNvSpPr txBox="1">
-                <a:spLocks noRot="1" noChangeAspect="1" noMove="1" noResize="1" noEditPoints="1" noAdjustHandles="1" noChangeArrowheads="1" noChangeShapeType="1" noTextEdit="1"/>
-              </p:cNvSpPr>
-              <p:nvPr/>
-            </p:nvSpPr>
-            <p:spPr>
-              <a:xfrm>
-                <a:off x="6038861" y="2586970"/>
-                <a:ext cx="451982" cy="369332"/>
-              </a:xfrm>
-              <a:prstGeom prst="rect">
-                <a:avLst/>
-              </a:prstGeom>
-              <a:blipFill rotWithShape="1">
-                <a:blip r:embed="rId4"/>
-                <a:stretch>
-                  <a:fillRect/>
-                </a:stretch>
-              </a:blipFill>
-            </p:spPr>
-            <p:txBody>
-              <a:bodyPr/>
-              <a:lstStyle/>
-              <a:p>
-                <a:r>
-                  <a:rPr lang="pl-PL">
-                    <a:noFill/>
-                  </a:rPr>
-                  <a:t> </a:t>
-                </a:r>
-              </a:p>
-            </p:txBody>
-          </p:sp>
-        </mc:Fallback>
-      </mc:AlternateContent>
-      <mc:AlternateContent xmlns:mc="http://schemas.openxmlformats.org/markup-compatibility/2006" xmlns:a14="http://schemas.microsoft.com/office/drawing/2010/main">
-        <mc:Choice Requires="a14">
-          <p:sp>
-            <p:nvSpPr>
-              <p:cNvPr id="7" name="TextBox 6"/>
-              <p:cNvSpPr txBox="1"/>
-              <p:nvPr/>
-            </p:nvSpPr>
-            <p:spPr>
-              <a:xfrm>
-                <a:off x="6049131" y="3462664"/>
-                <a:ext cx="451983" cy="369332"/>
-              </a:xfrm>
-              <a:prstGeom prst="rect">
-                <a:avLst/>
-              </a:prstGeom>
-              <a:noFill/>
-            </p:spPr>
-            <p:txBody>
-              <a:bodyPr wrap="none" rtlCol="0">
-                <a:spAutoFit/>
-              </a:bodyPr>
-              <a:lstStyle/>
-              <a:p>
-                <a:pPr/>
-                <a14:m>
-                  <m:oMathPara xmlns:m="http://schemas.openxmlformats.org/officeDocument/2006/math">
-                    <m:oMathParaPr>
-                      <m:jc m:val="centerGroup"/>
-                    </m:oMathParaPr>
-                    <m:oMath xmlns:m="http://schemas.openxmlformats.org/officeDocument/2006/math">
-                      <m:sSub>
-                        <m:sSubPr>
-                          <m:ctrlPr>
-                            <a:rPr lang="pl-PL" i="1" smtClean="0">
-                              <a:latin typeface="Cambria Math"/>
-                            </a:rPr>
-                          </m:ctrlPr>
-                        </m:sSubPr>
-                        <m:e>
-                          <m:r>
-                            <a:rPr lang="pl-PL" b="0" i="1" smtClean="0">
-                              <a:latin typeface="Cambria Math"/>
-                            </a:rPr>
-                            <m:t>𝑒</m:t>
-                          </m:r>
-                        </m:e>
-                        <m:sub>
-                          <m:r>
-                            <a:rPr lang="pl-PL" b="0" i="1" smtClean="0">
-                              <a:latin typeface="Cambria Math"/>
-                            </a:rPr>
-                            <m:t>3</m:t>
-                          </m:r>
-                        </m:sub>
-                      </m:sSub>
-                    </m:oMath>
-                  </m:oMathPara>
-                </a14:m>
-                <a:endParaRPr lang="pl-PL" dirty="0"/>
-              </a:p>
-            </p:txBody>
-          </p:sp>
-        </mc:Choice>
-        <mc:Fallback xmlns="">
-          <p:sp>
-            <p:nvSpPr>
-              <p:cNvPr id="7" name="TextBox 6"/>
-              <p:cNvSpPr txBox="1">
-                <a:spLocks noRot="1" noChangeAspect="1" noMove="1" noResize="1" noEditPoints="1" noAdjustHandles="1" noChangeArrowheads="1" noChangeShapeType="1" noTextEdit="1"/>
-              </p:cNvSpPr>
-              <p:nvPr/>
-            </p:nvSpPr>
-            <p:spPr>
-              <a:xfrm>
-                <a:off x="6049130" y="3462664"/>
-                <a:ext cx="451982" cy="369332"/>
-              </a:xfrm>
-              <a:prstGeom prst="rect">
-                <a:avLst/>
-              </a:prstGeom>
-              <a:blipFill rotWithShape="1">
-                <a:blip r:embed="rId5"/>
-                <a:stretch>
-                  <a:fillRect/>
-                </a:stretch>
-              </a:blipFill>
-            </p:spPr>
-            <p:txBody>
-              <a:bodyPr/>
-              <a:lstStyle/>
-              <a:p>
-                <a:r>
-                  <a:rPr lang="pl-PL">
-                    <a:noFill/>
-                  </a:rPr>
-                  <a:t> </a:t>
-                </a:r>
-              </a:p>
-            </p:txBody>
-          </p:sp>
-        </mc:Fallback>
-      </mc:AlternateContent>
-      <p:sp>
-        <p:nvSpPr>
-          <p:cNvPr id="8" name="Right Brace 7"/>
-          <p:cNvSpPr/>
-          <p:nvPr/>
-        </p:nvSpPr>
-        <p:spPr>
-          <a:xfrm rot="5400000">
-            <a:off x="2507810" y="2979403"/>
-            <a:ext cx="288031" cy="1254556"/>
-          </a:xfrm>
-          <a:prstGeom prst="rightBrace">
-            <a:avLst>
-              <a:gd name="adj1" fmla="val 34953"/>
-              <a:gd name="adj2" fmla="val 47965"/>
-            </a:avLst>
-          </a:prstGeom>
-        </p:spPr>
-        <p:style>
-          <a:lnRef idx="1">
-            <a:schemeClr val="accent1"/>
-          </a:lnRef>
-          <a:fillRef idx="0">
-            <a:schemeClr val="accent1"/>
-          </a:fillRef>
-          <a:effectRef idx="0">
-            <a:schemeClr val="accent1"/>
-          </a:effectRef>
-          <a:fontRef idx="minor">
-            <a:schemeClr val="tx1"/>
-          </a:fontRef>
-        </p:style>
-        <p:txBody>
-          <a:bodyPr rtlCol="0" anchor="ctr"/>
-          <a:lstStyle/>
-          <a:p>
-            <a:pPr algn="ctr"/>
-            <a:endParaRPr lang="pl-PL"/>
-          </a:p>
-        </p:txBody>
-      </p:sp>
-      <mc:AlternateContent xmlns:mc="http://schemas.openxmlformats.org/markup-compatibility/2006" xmlns:a14="http://schemas.microsoft.com/office/drawing/2010/main">
-        <mc:Choice Requires="a14">
-          <p:sp>
-            <p:nvSpPr>
-              <p:cNvPr id="9" name="TextBox 8"/>
-              <p:cNvSpPr txBox="1"/>
-              <p:nvPr/>
-            </p:nvSpPr>
-            <p:spPr>
-              <a:xfrm>
-                <a:off x="2436763" y="3750695"/>
-                <a:ext cx="555088" cy="369332"/>
-              </a:xfrm>
-              <a:prstGeom prst="rect">
-                <a:avLst/>
-              </a:prstGeom>
-              <a:noFill/>
-            </p:spPr>
-            <p:txBody>
-              <a:bodyPr wrap="none" rtlCol="0">
-                <a:spAutoFit/>
-              </a:bodyPr>
-              <a:lstStyle/>
-              <a:p>
-                <a:pPr/>
-                <a14:m>
-                  <m:oMathPara xmlns:m="http://schemas.openxmlformats.org/officeDocument/2006/math">
-                    <m:oMathParaPr>
-                      <m:jc m:val="centerGroup"/>
-                    </m:oMathParaPr>
-                    <m:oMath xmlns:m="http://schemas.openxmlformats.org/officeDocument/2006/math">
-                      <m:sSub>
-                        <m:sSubPr>
-                          <m:ctrlPr>
-                            <a:rPr lang="pl-PL" i="1" smtClean="0">
-                              <a:latin typeface="Cambria Math"/>
-                            </a:rPr>
-                          </m:ctrlPr>
-                        </m:sSubPr>
-                        <m:e>
-                          <m:r>
-                            <a:rPr lang="pl-PL" b="0" i="1" smtClean="0">
-                              <a:latin typeface="Cambria Math"/>
-                            </a:rPr>
-                            <m:t>𝑏</m:t>
-                          </m:r>
-                        </m:e>
-                        <m:sub>
-                          <m:r>
-                            <a:rPr lang="pl-PL" b="0" i="1" smtClean="0">
-                              <a:latin typeface="Cambria Math"/>
-                            </a:rPr>
-                            <m:t>11</m:t>
-                          </m:r>
-                        </m:sub>
-                      </m:sSub>
-                    </m:oMath>
-                  </m:oMathPara>
-                </a14:m>
-                <a:endParaRPr lang="pl-PL" dirty="0"/>
-              </a:p>
-            </p:txBody>
-          </p:sp>
-        </mc:Choice>
-        <mc:Fallback xmlns="">
-          <p:sp>
-            <p:nvSpPr>
-              <p:cNvPr id="9" name="TextBox 8"/>
-              <p:cNvSpPr txBox="1">
-                <a:spLocks noRot="1" noChangeAspect="1" noMove="1" noResize="1" noEditPoints="1" noAdjustHandles="1" noChangeArrowheads="1" noChangeShapeType="1" noTextEdit="1"/>
-              </p:cNvSpPr>
-              <p:nvPr/>
-            </p:nvSpPr>
-            <p:spPr>
-              <a:xfrm>
-                <a:off x="2436763" y="3750695"/>
-                <a:ext cx="555088" cy="369332"/>
-              </a:xfrm>
-              <a:prstGeom prst="rect">
-                <a:avLst/>
-              </a:prstGeom>
-              <a:blipFill rotWithShape="1">
-                <a:blip r:embed="rId6"/>
-                <a:stretch>
-                  <a:fillRect/>
-                </a:stretch>
-              </a:blipFill>
-            </p:spPr>
-            <p:txBody>
-              <a:bodyPr/>
-              <a:lstStyle/>
-              <a:p>
-                <a:r>
-                  <a:rPr lang="pl-PL">
-                    <a:noFill/>
-                  </a:rPr>
-                  <a:t> </a:t>
-                </a:r>
-              </a:p>
-            </p:txBody>
-          </p:sp>
-        </mc:Fallback>
-      </mc:AlternateContent>
-      <mc:AlternateContent xmlns:mc="http://schemas.openxmlformats.org/markup-compatibility/2006" xmlns:a14="http://schemas.microsoft.com/office/drawing/2010/main">
-        <mc:Choice Requires="a14">
-          <p:sp>
-            <p:nvSpPr>
-              <p:cNvPr id="10" name="TextBox 9"/>
-              <p:cNvSpPr txBox="1"/>
-              <p:nvPr/>
-            </p:nvSpPr>
-            <p:spPr>
-              <a:xfrm>
-                <a:off x="3598322" y="3765471"/>
-                <a:ext cx="622628" cy="369332"/>
-              </a:xfrm>
-              <a:prstGeom prst="rect">
-                <a:avLst/>
-              </a:prstGeom>
-              <a:noFill/>
-            </p:spPr>
-            <p:txBody>
-              <a:bodyPr wrap="square" rtlCol="0">
-                <a:spAutoFit/>
-              </a:bodyPr>
-              <a:lstStyle/>
-              <a:p>
-                <a:pPr/>
-                <a14:m>
-                  <m:oMathPara xmlns:m="http://schemas.openxmlformats.org/officeDocument/2006/math">
-                    <m:oMathParaPr>
-                      <m:jc m:val="centerGroup"/>
-                    </m:oMathParaPr>
-                    <m:oMath xmlns:m="http://schemas.openxmlformats.org/officeDocument/2006/math">
-                      <m:sSub>
-                        <m:sSubPr>
-                          <m:ctrlPr>
-                            <a:rPr lang="pl-PL" i="1" smtClean="0">
-                              <a:latin typeface="Cambria Math"/>
-                            </a:rPr>
-                          </m:ctrlPr>
-                        </m:sSubPr>
-                        <m:e>
-                          <m:r>
-                            <a:rPr lang="pl-PL" b="0" i="1" smtClean="0">
-                              <a:latin typeface="Cambria Math"/>
-                            </a:rPr>
-                            <m:t>𝑏</m:t>
-                          </m:r>
-                        </m:e>
-                        <m:sub>
-                          <m:r>
-                            <a:rPr lang="pl-PL" b="0" i="1" smtClean="0">
-                              <a:latin typeface="Cambria Math"/>
-                            </a:rPr>
-                            <m:t>12</m:t>
-                          </m:r>
-                        </m:sub>
-                      </m:sSub>
-                    </m:oMath>
-                  </m:oMathPara>
-                </a14:m>
-                <a:endParaRPr lang="pl-PL" dirty="0"/>
-              </a:p>
-            </p:txBody>
-          </p:sp>
-        </mc:Choice>
-        <mc:Fallback xmlns="">
-          <p:sp>
-            <p:nvSpPr>
-              <p:cNvPr id="10" name="TextBox 9"/>
-              <p:cNvSpPr txBox="1">
-                <a:spLocks noRot="1" noChangeAspect="1" noMove="1" noResize="1" noEditPoints="1" noAdjustHandles="1" noChangeArrowheads="1" noChangeShapeType="1" noTextEdit="1"/>
-              </p:cNvSpPr>
-              <p:nvPr/>
-            </p:nvSpPr>
-            <p:spPr>
-              <a:xfrm>
-                <a:off x="3598320" y="3765471"/>
-                <a:ext cx="622628" cy="369332"/>
-              </a:xfrm>
-              <a:prstGeom prst="rect">
-                <a:avLst/>
-              </a:prstGeom>
-              <a:blipFill rotWithShape="1">
-                <a:blip r:embed="rId7"/>
-                <a:stretch>
-                  <a:fillRect/>
-                </a:stretch>
-              </a:blipFill>
-            </p:spPr>
-            <p:txBody>
-              <a:bodyPr/>
-              <a:lstStyle/>
-              <a:p>
-                <a:r>
-                  <a:rPr lang="pl-PL">
-                    <a:noFill/>
-                  </a:rPr>
-                  <a:t> </a:t>
-                </a:r>
-              </a:p>
-            </p:txBody>
-          </p:sp>
-        </mc:Fallback>
-      </mc:AlternateContent>
-      <p:sp>
-        <p:nvSpPr>
-          <p:cNvPr id="11" name="Right Brace 10"/>
-          <p:cNvSpPr/>
-          <p:nvPr/>
-        </p:nvSpPr>
-        <p:spPr>
-          <a:xfrm rot="5400000">
-            <a:off x="3829910" y="2979403"/>
-            <a:ext cx="288031" cy="1254556"/>
-          </a:xfrm>
-          <a:prstGeom prst="rightBrace">
-            <a:avLst>
-              <a:gd name="adj1" fmla="val 34953"/>
-              <a:gd name="adj2" fmla="val 47965"/>
-            </a:avLst>
-          </a:prstGeom>
-        </p:spPr>
-        <p:style>
-          <a:lnRef idx="1">
-            <a:schemeClr val="accent1"/>
-          </a:lnRef>
-          <a:fillRef idx="0">
-            <a:schemeClr val="accent1"/>
-          </a:fillRef>
-          <a:effectRef idx="0">
-            <a:schemeClr val="accent1"/>
-          </a:effectRef>
-          <a:fontRef idx="minor">
-            <a:schemeClr val="tx1"/>
-          </a:fontRef>
-        </p:style>
-        <p:txBody>
-          <a:bodyPr rtlCol="0" anchor="ctr"/>
-          <a:lstStyle/>
-          <a:p>
-            <a:pPr algn="ctr"/>
-            <a:endParaRPr lang="pl-PL"/>
-          </a:p>
-        </p:txBody>
-      </p:sp>
-      <p:sp>
-        <p:nvSpPr>
-          <p:cNvPr id="12" name="Right Brace 11"/>
-          <p:cNvSpPr/>
-          <p:nvPr/>
-        </p:nvSpPr>
-        <p:spPr>
-          <a:xfrm rot="14034819">
-            <a:off x="5297605" y="2121235"/>
-            <a:ext cx="288031" cy="1229409"/>
-          </a:xfrm>
-          <a:prstGeom prst="rightBrace">
-            <a:avLst>
-              <a:gd name="adj1" fmla="val 40907"/>
-              <a:gd name="adj2" fmla="val 47965"/>
-            </a:avLst>
-          </a:prstGeom>
-        </p:spPr>
-        <p:style>
-          <a:lnRef idx="1">
-            <a:schemeClr val="accent1"/>
-          </a:lnRef>
-          <a:fillRef idx="0">
-            <a:schemeClr val="accent1"/>
-          </a:fillRef>
-          <a:effectRef idx="0">
-            <a:schemeClr val="accent1"/>
-          </a:effectRef>
-          <a:fontRef idx="minor">
-            <a:schemeClr val="tx1"/>
-          </a:fontRef>
-        </p:style>
-        <p:txBody>
-          <a:bodyPr rtlCol="0" anchor="ctr"/>
-          <a:lstStyle/>
-          <a:p>
-            <a:pPr algn="ctr"/>
-            <a:endParaRPr lang="pl-PL"/>
-          </a:p>
-        </p:txBody>
-      </p:sp>
-      <p:sp>
-        <p:nvSpPr>
-          <p:cNvPr id="13" name="Right Brace 12"/>
-          <p:cNvSpPr/>
-          <p:nvPr/>
-        </p:nvSpPr>
-        <p:spPr>
-          <a:xfrm rot="6863898">
-            <a:off x="6382219" y="3796844"/>
-            <a:ext cx="288031" cy="1156458"/>
-          </a:xfrm>
-          <a:prstGeom prst="rightBrace">
-            <a:avLst>
-              <a:gd name="adj1" fmla="val 40907"/>
-              <a:gd name="adj2" fmla="val 47965"/>
-            </a:avLst>
-          </a:prstGeom>
-        </p:spPr>
-        <p:style>
-          <a:lnRef idx="1">
-            <a:schemeClr val="accent1"/>
-          </a:lnRef>
-          <a:fillRef idx="0">
-            <a:schemeClr val="accent1"/>
-          </a:fillRef>
-          <a:effectRef idx="0">
-            <a:schemeClr val="accent1"/>
-          </a:effectRef>
-          <a:fontRef idx="minor">
-            <a:schemeClr val="tx1"/>
-          </a:fontRef>
-        </p:style>
-        <p:txBody>
-          <a:bodyPr rtlCol="0" anchor="ctr"/>
-          <a:lstStyle/>
-          <a:p>
-            <a:pPr algn="ctr"/>
-            <a:endParaRPr lang="pl-PL"/>
-          </a:p>
-        </p:txBody>
-      </p:sp>
-      <mc:AlternateContent xmlns:mc="http://schemas.openxmlformats.org/markup-compatibility/2006" xmlns:a14="http://schemas.microsoft.com/office/drawing/2010/main">
-        <mc:Choice Requires="a14">
-          <p:sp>
-            <p:nvSpPr>
-              <p:cNvPr id="14" name="TextBox 13"/>
-              <p:cNvSpPr txBox="1"/>
-              <p:nvPr/>
-            </p:nvSpPr>
-            <p:spPr>
-              <a:xfrm>
-                <a:off x="4887319" y="4085606"/>
-                <a:ext cx="560410" cy="369332"/>
-              </a:xfrm>
-              <a:prstGeom prst="rect">
-                <a:avLst/>
-              </a:prstGeom>
-              <a:noFill/>
-            </p:spPr>
-            <p:txBody>
-              <a:bodyPr wrap="none" rtlCol="0">
-                <a:spAutoFit/>
-              </a:bodyPr>
-              <a:lstStyle/>
-              <a:p>
-                <a:pPr/>
-                <a14:m>
-                  <m:oMathPara xmlns:m="http://schemas.openxmlformats.org/officeDocument/2006/math">
-                    <m:oMathParaPr>
-                      <m:jc m:val="centerGroup"/>
-                    </m:oMathParaPr>
-                    <m:oMath xmlns:m="http://schemas.openxmlformats.org/officeDocument/2006/math">
-                      <m:sSub>
-                        <m:sSubPr>
-                          <m:ctrlPr>
-                            <a:rPr lang="pl-PL" i="1" smtClean="0">
-                              <a:latin typeface="Cambria Math"/>
-                            </a:rPr>
-                          </m:ctrlPr>
-                        </m:sSubPr>
-                        <m:e>
-                          <m:r>
-                            <a:rPr lang="pl-PL" b="0" i="1" smtClean="0">
-                              <a:latin typeface="Cambria Math"/>
-                            </a:rPr>
-                            <m:t>𝑏</m:t>
-                          </m:r>
-                        </m:e>
-                        <m:sub>
-                          <m:r>
-                            <a:rPr lang="pl-PL" b="0" i="1" smtClean="0">
-                              <a:latin typeface="Cambria Math"/>
-                            </a:rPr>
-                            <m:t>31</m:t>
-                          </m:r>
-                        </m:sub>
-                      </m:sSub>
-                    </m:oMath>
-                  </m:oMathPara>
-                </a14:m>
-                <a:endParaRPr lang="pl-PL" dirty="0"/>
-              </a:p>
-            </p:txBody>
-          </p:sp>
-        </mc:Choice>
-        <mc:Fallback xmlns="">
-          <p:sp>
-            <p:nvSpPr>
-              <p:cNvPr id="14" name="TextBox 13"/>
-              <p:cNvSpPr txBox="1">
-                <a:spLocks noRot="1" noChangeAspect="1" noMove="1" noResize="1" noEditPoints="1" noAdjustHandles="1" noChangeArrowheads="1" noChangeShapeType="1" noTextEdit="1"/>
-              </p:cNvSpPr>
-              <p:nvPr/>
-            </p:nvSpPr>
-            <p:spPr>
-              <a:xfrm>
-                <a:off x="4887319" y="4085606"/>
-                <a:ext cx="560410" cy="369332"/>
-              </a:xfrm>
-              <a:prstGeom prst="rect">
-                <a:avLst/>
-              </a:prstGeom>
-              <a:blipFill rotWithShape="1">
-                <a:blip r:embed="rId8"/>
-                <a:stretch>
-                  <a:fillRect/>
-                </a:stretch>
-              </a:blipFill>
-            </p:spPr>
-            <p:txBody>
-              <a:bodyPr/>
-              <a:lstStyle/>
-              <a:p>
-                <a:r>
-                  <a:rPr lang="pl-PL">
-                    <a:noFill/>
-                  </a:rPr>
-                  <a:t> </a:t>
-                </a:r>
-              </a:p>
-            </p:txBody>
-          </p:sp>
-        </mc:Fallback>
-      </mc:AlternateContent>
-      <mc:AlternateContent xmlns:mc="http://schemas.openxmlformats.org/markup-compatibility/2006" xmlns:a14="http://schemas.microsoft.com/office/drawing/2010/main">
-        <mc:Choice Requires="a14">
-          <p:sp>
-            <p:nvSpPr>
-              <p:cNvPr id="15" name="TextBox 14"/>
-              <p:cNvSpPr txBox="1"/>
-              <p:nvPr/>
-            </p:nvSpPr>
-            <p:spPr>
-              <a:xfrm>
-                <a:off x="5920164" y="4454938"/>
-                <a:ext cx="560410" cy="369332"/>
-              </a:xfrm>
-              <a:prstGeom prst="rect">
-                <a:avLst/>
-              </a:prstGeom>
-              <a:noFill/>
-            </p:spPr>
-            <p:txBody>
-              <a:bodyPr wrap="none" rtlCol="0">
-                <a:spAutoFit/>
-              </a:bodyPr>
-              <a:lstStyle/>
-              <a:p>
-                <a:pPr/>
-                <a14:m>
-                  <m:oMathPara xmlns:m="http://schemas.openxmlformats.org/officeDocument/2006/math">
-                    <m:oMathParaPr>
-                      <m:jc m:val="centerGroup"/>
-                    </m:oMathParaPr>
-                    <m:oMath xmlns:m="http://schemas.openxmlformats.org/officeDocument/2006/math">
-                      <m:sSub>
-                        <m:sSubPr>
-                          <m:ctrlPr>
-                            <a:rPr lang="pl-PL" i="1" smtClean="0">
-                              <a:latin typeface="Cambria Math"/>
-                            </a:rPr>
-                          </m:ctrlPr>
-                        </m:sSubPr>
-                        <m:e>
-                          <m:r>
-                            <a:rPr lang="pl-PL" b="0" i="1" smtClean="0">
-                              <a:latin typeface="Cambria Math"/>
-                            </a:rPr>
-                            <m:t>𝑏</m:t>
-                          </m:r>
-                        </m:e>
-                        <m:sub>
-                          <m:r>
-                            <a:rPr lang="pl-PL" b="0" i="1" smtClean="0">
-                              <a:latin typeface="Cambria Math"/>
-                            </a:rPr>
-                            <m:t>32</m:t>
-                          </m:r>
-                        </m:sub>
-                      </m:sSub>
-                    </m:oMath>
-                  </m:oMathPara>
-                </a14:m>
-                <a:endParaRPr lang="pl-PL" dirty="0"/>
-              </a:p>
-            </p:txBody>
-          </p:sp>
-        </mc:Choice>
-        <mc:Fallback xmlns="">
-          <p:sp>
-            <p:nvSpPr>
-              <p:cNvPr id="15" name="TextBox 14"/>
-              <p:cNvSpPr txBox="1">
-                <a:spLocks noRot="1" noChangeAspect="1" noMove="1" noResize="1" noEditPoints="1" noAdjustHandles="1" noChangeArrowheads="1" noChangeShapeType="1" noTextEdit="1"/>
-              </p:cNvSpPr>
-              <p:nvPr/>
-            </p:nvSpPr>
-            <p:spPr>
-              <a:xfrm>
-                <a:off x="5920164" y="4454938"/>
-                <a:ext cx="560410" cy="369332"/>
-              </a:xfrm>
-              <a:prstGeom prst="rect">
-                <a:avLst/>
-              </a:prstGeom>
-              <a:blipFill rotWithShape="1">
-                <a:blip r:embed="rId9"/>
-                <a:stretch>
-                  <a:fillRect/>
-                </a:stretch>
-              </a:blipFill>
-            </p:spPr>
-            <p:txBody>
-              <a:bodyPr/>
-              <a:lstStyle/>
-              <a:p>
-                <a:r>
-                  <a:rPr lang="pl-PL">
-                    <a:noFill/>
-                  </a:rPr>
-                  <a:t> </a:t>
-                </a:r>
-              </a:p>
-            </p:txBody>
-          </p:sp>
-        </mc:Fallback>
-      </mc:AlternateContent>
-      <p:sp>
-        <p:nvSpPr>
-          <p:cNvPr id="16" name="Right Brace 15"/>
-          <p:cNvSpPr/>
-          <p:nvPr/>
-        </p:nvSpPr>
-        <p:spPr>
-          <a:xfrm rot="6863898">
-            <a:off x="5336673" y="3388923"/>
-            <a:ext cx="288031" cy="1074247"/>
-          </a:xfrm>
-          <a:prstGeom prst="rightBrace">
-            <a:avLst>
-              <a:gd name="adj1" fmla="val 40907"/>
-              <a:gd name="adj2" fmla="val 47965"/>
-            </a:avLst>
-          </a:prstGeom>
-        </p:spPr>
-        <p:style>
-          <a:lnRef idx="1">
-            <a:schemeClr val="accent1"/>
-          </a:lnRef>
-          <a:fillRef idx="0">
-            <a:schemeClr val="accent1"/>
-          </a:fillRef>
-          <a:effectRef idx="0">
-            <a:schemeClr val="accent1"/>
-          </a:effectRef>
-          <a:fontRef idx="minor">
-            <a:schemeClr val="tx1"/>
-          </a:fontRef>
-        </p:style>
-        <p:txBody>
-          <a:bodyPr rtlCol="0" anchor="ctr"/>
-          <a:lstStyle/>
-          <a:p>
-            <a:pPr algn="ctr"/>
-            <a:endParaRPr lang="pl-PL"/>
-          </a:p>
-        </p:txBody>
-      </p:sp>
-      <p:sp>
-        <p:nvSpPr>
-          <p:cNvPr id="17" name="Right Brace 16"/>
-          <p:cNvSpPr/>
-          <p:nvPr/>
-        </p:nvSpPr>
-        <p:spPr>
-          <a:xfrm rot="14034819">
-            <a:off x="6340756" y="1343493"/>
-            <a:ext cx="288031" cy="1211348"/>
-          </a:xfrm>
-          <a:prstGeom prst="rightBrace">
-            <a:avLst>
-              <a:gd name="adj1" fmla="val 40907"/>
-              <a:gd name="adj2" fmla="val 47965"/>
-            </a:avLst>
-          </a:prstGeom>
-        </p:spPr>
-        <p:style>
-          <a:lnRef idx="1">
-            <a:schemeClr val="accent1"/>
-          </a:lnRef>
-          <a:fillRef idx="0">
-            <a:schemeClr val="accent1"/>
-          </a:fillRef>
-          <a:effectRef idx="0">
-            <a:schemeClr val="accent1"/>
-          </a:effectRef>
-          <a:fontRef idx="minor">
-            <a:schemeClr val="tx1"/>
-          </a:fontRef>
-        </p:style>
-        <p:txBody>
-          <a:bodyPr rtlCol="0" anchor="ctr"/>
-          <a:lstStyle/>
-          <a:p>
-            <a:pPr algn="ctr"/>
-            <a:endParaRPr lang="pl-PL"/>
-          </a:p>
-        </p:txBody>
-      </p:sp>
-      <mc:AlternateContent xmlns:mc="http://schemas.openxmlformats.org/markup-compatibility/2006" xmlns:a14="http://schemas.microsoft.com/office/drawing/2010/main">
-        <mc:Choice Requires="a14">
-          <p:sp>
-            <p:nvSpPr>
-              <p:cNvPr id="18" name="TextBox 17"/>
-              <p:cNvSpPr txBox="1"/>
-              <p:nvPr/>
-            </p:nvSpPr>
-            <p:spPr>
-              <a:xfrm>
-                <a:off x="4908254" y="2217638"/>
-                <a:ext cx="560410" cy="369332"/>
-              </a:xfrm>
-              <a:prstGeom prst="rect">
-                <a:avLst/>
-              </a:prstGeom>
-              <a:noFill/>
-            </p:spPr>
-            <p:txBody>
-              <a:bodyPr wrap="none" rtlCol="0">
-                <a:spAutoFit/>
-              </a:bodyPr>
-              <a:lstStyle/>
-              <a:p>
-                <a:pPr/>
-                <a14:m>
-                  <m:oMathPara xmlns:m="http://schemas.openxmlformats.org/officeDocument/2006/math">
-                    <m:oMathParaPr>
-                      <m:jc m:val="centerGroup"/>
-                    </m:oMathParaPr>
-                    <m:oMath xmlns:m="http://schemas.openxmlformats.org/officeDocument/2006/math">
-                      <m:sSub>
-                        <m:sSubPr>
-                          <m:ctrlPr>
-                            <a:rPr lang="pl-PL" i="1" smtClean="0">
-                              <a:latin typeface="Cambria Math"/>
-                            </a:rPr>
-                          </m:ctrlPr>
-                        </m:sSubPr>
-                        <m:e>
-                          <m:r>
-                            <a:rPr lang="pl-PL" b="0" i="1" smtClean="0">
-                              <a:latin typeface="Cambria Math"/>
-                            </a:rPr>
-                            <m:t>𝑏</m:t>
-                          </m:r>
-                        </m:e>
-                        <m:sub>
-                          <m:r>
-                            <a:rPr lang="pl-PL" b="0" i="1" smtClean="0">
-                              <a:latin typeface="Cambria Math"/>
-                            </a:rPr>
-                            <m:t>21</m:t>
-                          </m:r>
-                        </m:sub>
-                      </m:sSub>
-                    </m:oMath>
-                  </m:oMathPara>
-                </a14:m>
-                <a:endParaRPr lang="pl-PL" dirty="0"/>
-              </a:p>
-            </p:txBody>
-          </p:sp>
-        </mc:Choice>
-        <mc:Fallback xmlns="">
-          <p:sp>
-            <p:nvSpPr>
-              <p:cNvPr id="18" name="TextBox 17"/>
-              <p:cNvSpPr txBox="1">
-                <a:spLocks noRot="1" noChangeAspect="1" noMove="1" noResize="1" noEditPoints="1" noAdjustHandles="1" noChangeArrowheads="1" noChangeShapeType="1" noTextEdit="1"/>
-              </p:cNvSpPr>
-              <p:nvPr/>
-            </p:nvSpPr>
-            <p:spPr>
-              <a:xfrm>
-                <a:off x="4908254" y="2217638"/>
-                <a:ext cx="560410" cy="369332"/>
-              </a:xfrm>
-              <a:prstGeom prst="rect">
-                <a:avLst/>
-              </a:prstGeom>
-              <a:blipFill rotWithShape="1">
-                <a:blip r:embed="rId10"/>
-                <a:stretch>
-                  <a:fillRect/>
-                </a:stretch>
-              </a:blipFill>
-            </p:spPr>
-            <p:txBody>
-              <a:bodyPr/>
-              <a:lstStyle/>
-              <a:p>
-                <a:r>
-                  <a:rPr lang="pl-PL">
-                    <a:noFill/>
-                  </a:rPr>
-                  <a:t> </a:t>
-                </a:r>
-              </a:p>
-            </p:txBody>
-          </p:sp>
-        </mc:Fallback>
-      </mc:AlternateContent>
-      <mc:AlternateContent xmlns:mc="http://schemas.openxmlformats.org/markup-compatibility/2006" xmlns:a14="http://schemas.microsoft.com/office/drawing/2010/main">
-        <mc:Choice Requires="a14">
-          <p:sp>
-            <p:nvSpPr>
-              <p:cNvPr id="19" name="TextBox 18"/>
-              <p:cNvSpPr txBox="1"/>
-              <p:nvPr/>
-            </p:nvSpPr>
-            <p:spPr>
-              <a:xfrm>
-                <a:off x="5955806" y="1475492"/>
-                <a:ext cx="560410" cy="369332"/>
-              </a:xfrm>
-              <a:prstGeom prst="rect">
-                <a:avLst/>
-              </a:prstGeom>
-              <a:noFill/>
-            </p:spPr>
-            <p:txBody>
-              <a:bodyPr wrap="none" rtlCol="0">
-                <a:spAutoFit/>
-              </a:bodyPr>
-              <a:lstStyle/>
-              <a:p>
-                <a:pPr/>
-                <a14:m>
-                  <m:oMathPara xmlns:m="http://schemas.openxmlformats.org/officeDocument/2006/math">
-                    <m:oMathParaPr>
-                      <m:jc m:val="centerGroup"/>
-                    </m:oMathParaPr>
-                    <m:oMath xmlns:m="http://schemas.openxmlformats.org/officeDocument/2006/math">
-                      <m:sSub>
-                        <m:sSubPr>
-                          <m:ctrlPr>
-                            <a:rPr lang="pl-PL" i="1" smtClean="0">
-                              <a:latin typeface="Cambria Math"/>
-                            </a:rPr>
-                          </m:ctrlPr>
-                        </m:sSubPr>
-                        <m:e>
-                          <m:r>
-                            <a:rPr lang="pl-PL" b="0" i="1" smtClean="0">
-                              <a:latin typeface="Cambria Math"/>
-                            </a:rPr>
-                            <m:t>𝑏</m:t>
-                          </m:r>
-                        </m:e>
-                        <m:sub>
-                          <m:r>
-                            <a:rPr lang="pl-PL" b="0" i="1" smtClean="0">
-                              <a:latin typeface="Cambria Math"/>
-                            </a:rPr>
-                            <m:t>21</m:t>
-                          </m:r>
-                        </m:sub>
-                      </m:sSub>
-                    </m:oMath>
-                  </m:oMathPara>
-                </a14:m>
-                <a:endParaRPr lang="pl-PL" dirty="0"/>
-              </a:p>
-            </p:txBody>
-          </p:sp>
-        </mc:Choice>
-        <mc:Fallback xmlns="">
-          <p:sp>
-            <p:nvSpPr>
-              <p:cNvPr id="19" name="TextBox 18"/>
-              <p:cNvSpPr txBox="1">
-                <a:spLocks noRot="1" noChangeAspect="1" noMove="1" noResize="1" noEditPoints="1" noAdjustHandles="1" noChangeArrowheads="1" noChangeShapeType="1" noTextEdit="1"/>
-              </p:cNvSpPr>
-              <p:nvPr/>
-            </p:nvSpPr>
-            <p:spPr>
-              <a:xfrm>
-                <a:off x="5955806" y="1475492"/>
-                <a:ext cx="560410" cy="369332"/>
-              </a:xfrm>
-              <a:prstGeom prst="rect">
-                <a:avLst/>
-              </a:prstGeom>
-              <a:blipFill rotWithShape="1">
-                <a:blip r:embed="rId11"/>
-                <a:stretch>
-                  <a:fillRect/>
-                </a:stretch>
-              </a:blipFill>
-            </p:spPr>
-            <p:txBody>
-              <a:bodyPr/>
-              <a:lstStyle/>
-              <a:p>
-                <a:r>
-                  <a:rPr lang="pl-PL">
-                    <a:noFill/>
-                  </a:rPr>
-                  <a:t> </a:t>
-                </a:r>
-              </a:p>
-            </p:txBody>
-          </p:sp>
-        </mc:Fallback>
-      </mc:AlternateContent>
-      <p:pic>
-        <p:nvPicPr>
-          <p:cNvPr id="2051" name="Picture 3"/>
-          <p:cNvPicPr>
-            <a:picLocks noChangeAspect="1" noChangeArrowheads="1"/>
-          </p:cNvPicPr>
-          <p:nvPr/>
-        </p:nvPicPr>
-        <p:blipFill>
-          <a:blip r:embed="rId12">
-            <a:extLst>
-              <a:ext uri="{28A0092B-C50C-407E-A947-70E740481C1C}">
-                <a14:useLocalDpi xmlns:a14="http://schemas.microsoft.com/office/drawing/2010/main" val="0"/>
-              </a:ext>
-            </a:extLst>
-          </a:blip>
-          <a:srcRect/>
-          <a:stretch>
-            <a:fillRect/>
-          </a:stretch>
-        </p:blipFill>
-        <p:spPr bwMode="auto">
-          <a:xfrm>
-            <a:off x="4269924" y="3747933"/>
-            <a:ext cx="536517" cy="983614"/>
-          </a:xfrm>
-          <a:prstGeom prst="rect">
-            <a:avLst/>
-          </a:prstGeom>
-          <a:noFill/>
-          <a:ln>
-            <a:noFill/>
-          </a:ln>
-          <a:effectLst/>
-          <a:extLst>
-            <a:ext uri="{909E8E84-426E-40DD-AFC4-6F175D3DCCD1}">
-              <a14:hiddenFill xmlns:a14="http://schemas.microsoft.com/office/drawing/2010/main">
-                <a:solidFill>
-                  <a:schemeClr val="accent1"/>
-                </a:solidFill>
-              </a14:hiddenFill>
-            </a:ext>
-            <a:ext uri="{91240B29-F687-4F45-9708-019B960494DF}">
-              <a14:hiddenLine xmlns:a14="http://schemas.microsoft.com/office/drawing/2010/main" w="9525">
-                <a:solidFill>
-                  <a:schemeClr val="tx1"/>
-                </a:solidFill>
-                <a:miter lim="800000"/>
-                <a:headEnd/>
-                <a:tailEnd/>
-              </a14:hiddenLine>
-            </a:ext>
-            <a:ext uri="{AF507438-7753-43E0-B8FC-AC1667EBCBE1}">
-              <a14:hiddenEffects xmlns:a14="http://schemas.microsoft.com/office/drawing/2010/main">
-                <a:effectLst>
-                  <a:outerShdw dist="35921" dir="2700000" algn="ctr" rotWithShape="0">
-                    <a:schemeClr val="bg2"/>
-                  </a:outerShdw>
-                </a:effectLst>
-              </a14:hiddenEffects>
-            </a:ext>
-          </a:extLst>
-        </p:spPr>
-      </p:pic>
-      <p:pic>
-        <p:nvPicPr>
-          <p:cNvPr id="2052" name="Picture 4"/>
-          <p:cNvPicPr>
-            <a:picLocks noChangeAspect="1" noChangeArrowheads="1"/>
-          </p:cNvPicPr>
-          <p:nvPr/>
-        </p:nvPicPr>
-        <p:blipFill>
-          <a:blip r:embed="rId13">
-            <a:extLst>
-              <a:ext uri="{28A0092B-C50C-407E-A947-70E740481C1C}">
-                <a14:useLocalDpi xmlns:a14="http://schemas.microsoft.com/office/drawing/2010/main" val="0"/>
-              </a:ext>
-            </a:extLst>
-          </a:blip>
-          <a:srcRect/>
-          <a:stretch>
-            <a:fillRect/>
-          </a:stretch>
-        </p:blipFill>
-        <p:spPr bwMode="auto">
-          <a:xfrm>
-            <a:off x="4338157" y="2424910"/>
-            <a:ext cx="400050" cy="828675"/>
-          </a:xfrm>
-          <a:prstGeom prst="rect">
-            <a:avLst/>
-          </a:prstGeom>
-          <a:noFill/>
-          <a:ln>
-            <a:noFill/>
-          </a:ln>
-          <a:effectLst/>
-          <a:extLst>
-            <a:ext uri="{909E8E84-426E-40DD-AFC4-6F175D3DCCD1}">
-              <a14:hiddenFill xmlns:a14="http://schemas.microsoft.com/office/drawing/2010/main">
-                <a:solidFill>
-                  <a:schemeClr val="accent1"/>
-                </a:solidFill>
-              </a14:hiddenFill>
-            </a:ext>
-            <a:ext uri="{91240B29-F687-4F45-9708-019B960494DF}">
-              <a14:hiddenLine xmlns:a14="http://schemas.microsoft.com/office/drawing/2010/main" w="9525">
-                <a:solidFill>
-                  <a:schemeClr val="tx1"/>
-                </a:solidFill>
-                <a:miter lim="800000"/>
-                <a:headEnd/>
-                <a:tailEnd/>
-              </a14:hiddenLine>
-            </a:ext>
-            <a:ext uri="{AF507438-7753-43E0-B8FC-AC1667EBCBE1}">
-              <a14:hiddenEffects xmlns:a14="http://schemas.microsoft.com/office/drawing/2010/main">
-                <a:effectLst>
-                  <a:outerShdw dist="35921" dir="2700000" algn="ctr" rotWithShape="0">
-                    <a:schemeClr val="bg2"/>
-                  </a:outerShdw>
-                </a:effectLst>
-              </a14:hiddenEffects>
-            </a:ext>
-          </a:extLst>
-        </p:spPr>
-      </p:pic>
-    </p:spTree>
-    <p:extLst>
-      <p:ext uri="{BB962C8B-B14F-4D97-AF65-F5344CB8AC3E}">
-        <p14:creationId xmlns:p14="http://schemas.microsoft.com/office/powerpoint/2010/main" val="1395063788"/>
       </p:ext>
     </p:extLst>
   </p:cSld>

--- a/obrazy.pptx
+++ b/obrazy.pptx
@@ -21,25 +21,26 @@
     <p:sldId id="258" r:id="rId15"/>
     <p:sldId id="262" r:id="rId16"/>
     <p:sldId id="263" r:id="rId17"/>
-    <p:sldId id="259" r:id="rId18"/>
-    <p:sldId id="264" r:id="rId19"/>
-    <p:sldId id="265" r:id="rId20"/>
-    <p:sldId id="266" r:id="rId21"/>
-    <p:sldId id="267" r:id="rId22"/>
-    <p:sldId id="270" r:id="rId23"/>
-    <p:sldId id="268" r:id="rId24"/>
-    <p:sldId id="272" r:id="rId25"/>
-    <p:sldId id="273" r:id="rId26"/>
-    <p:sldId id="274" r:id="rId27"/>
-    <p:sldId id="275" r:id="rId28"/>
-    <p:sldId id="276" r:id="rId29"/>
-    <p:sldId id="278" r:id="rId30"/>
-    <p:sldId id="280" r:id="rId31"/>
-    <p:sldId id="281" r:id="rId32"/>
-    <p:sldId id="282" r:id="rId33"/>
-    <p:sldId id="283" r:id="rId34"/>
-    <p:sldId id="284" r:id="rId35"/>
-    <p:sldId id="285" r:id="rId36"/>
+    <p:sldId id="295" r:id="rId18"/>
+    <p:sldId id="259" r:id="rId19"/>
+    <p:sldId id="264" r:id="rId20"/>
+    <p:sldId id="265" r:id="rId21"/>
+    <p:sldId id="266" r:id="rId22"/>
+    <p:sldId id="267" r:id="rId23"/>
+    <p:sldId id="270" r:id="rId24"/>
+    <p:sldId id="268" r:id="rId25"/>
+    <p:sldId id="272" r:id="rId26"/>
+    <p:sldId id="273" r:id="rId27"/>
+    <p:sldId id="274" r:id="rId28"/>
+    <p:sldId id="275" r:id="rId29"/>
+    <p:sldId id="276" r:id="rId30"/>
+    <p:sldId id="278" r:id="rId31"/>
+    <p:sldId id="280" r:id="rId32"/>
+    <p:sldId id="281" r:id="rId33"/>
+    <p:sldId id="282" r:id="rId34"/>
+    <p:sldId id="283" r:id="rId35"/>
+    <p:sldId id="284" r:id="rId36"/>
+    <p:sldId id="285" r:id="rId37"/>
   </p:sldIdLst>
   <p:sldSz cx="9144000" cy="6858000" type="screen4x3"/>
   <p:notesSz cx="6858000" cy="9144000"/>
@@ -140,7 +141,7 @@
   </p:defaultTextStyle>
   <p:extLst>
     <p:ext uri="{EFAFB233-063F-42B5-8137-9DF3F51BA10A}">
-      <p15:sldGuideLst xmlns:p15="http://schemas.microsoft.com/office/powerpoint/2012/main" xmlns="">
+      <p15:sldGuideLst xmlns="" xmlns:p15="http://schemas.microsoft.com/office/powerpoint/2012/main">
         <p15:guide id="1" orient="horz" pos="2160">
           <p15:clr>
             <a:srgbClr val="A4A3A4"/>
@@ -338,7 +339,7 @@
           <a:p>
             <a:fld id="{B52AA6F2-AEE1-4FE6-B3E2-3509488F5D07}" type="datetimeFigureOut">
               <a:rPr lang="pl-PL" smtClean="0"/>
-              <a:t>26.06.2019</a:t>
+              <a:t>05.07.2019</a:t>
             </a:fld>
             <a:endParaRPr lang="pl-PL"/>
           </a:p>
@@ -508,7 +509,7 @@
           <a:p>
             <a:fld id="{B52AA6F2-AEE1-4FE6-B3E2-3509488F5D07}" type="datetimeFigureOut">
               <a:rPr lang="pl-PL" smtClean="0"/>
-              <a:t>26.06.2019</a:t>
+              <a:t>05.07.2019</a:t>
             </a:fld>
             <a:endParaRPr lang="pl-PL"/>
           </a:p>
@@ -688,7 +689,7 @@
           <a:p>
             <a:fld id="{B52AA6F2-AEE1-4FE6-B3E2-3509488F5D07}" type="datetimeFigureOut">
               <a:rPr lang="pl-PL" smtClean="0"/>
-              <a:t>26.06.2019</a:t>
+              <a:t>05.07.2019</a:t>
             </a:fld>
             <a:endParaRPr lang="pl-PL"/>
           </a:p>
@@ -858,7 +859,7 @@
           <a:p>
             <a:fld id="{B52AA6F2-AEE1-4FE6-B3E2-3509488F5D07}" type="datetimeFigureOut">
               <a:rPr lang="pl-PL" smtClean="0"/>
-              <a:t>26.06.2019</a:t>
+              <a:t>05.07.2019</a:t>
             </a:fld>
             <a:endParaRPr lang="pl-PL"/>
           </a:p>
@@ -1104,7 +1105,7 @@
           <a:p>
             <a:fld id="{B52AA6F2-AEE1-4FE6-B3E2-3509488F5D07}" type="datetimeFigureOut">
               <a:rPr lang="pl-PL" smtClean="0"/>
-              <a:t>26.06.2019</a:t>
+              <a:t>05.07.2019</a:t>
             </a:fld>
             <a:endParaRPr lang="pl-PL"/>
           </a:p>
@@ -1392,7 +1393,7 @@
           <a:p>
             <a:fld id="{B52AA6F2-AEE1-4FE6-B3E2-3509488F5D07}" type="datetimeFigureOut">
               <a:rPr lang="pl-PL" smtClean="0"/>
-              <a:t>26.06.2019</a:t>
+              <a:t>05.07.2019</a:t>
             </a:fld>
             <a:endParaRPr lang="pl-PL"/>
           </a:p>
@@ -1814,7 +1815,7 @@
           <a:p>
             <a:fld id="{B52AA6F2-AEE1-4FE6-B3E2-3509488F5D07}" type="datetimeFigureOut">
               <a:rPr lang="pl-PL" smtClean="0"/>
-              <a:t>26.06.2019</a:t>
+              <a:t>05.07.2019</a:t>
             </a:fld>
             <a:endParaRPr lang="pl-PL"/>
           </a:p>
@@ -1932,7 +1933,7 @@
           <a:p>
             <a:fld id="{B52AA6F2-AEE1-4FE6-B3E2-3509488F5D07}" type="datetimeFigureOut">
               <a:rPr lang="pl-PL" smtClean="0"/>
-              <a:t>26.06.2019</a:t>
+              <a:t>05.07.2019</a:t>
             </a:fld>
             <a:endParaRPr lang="pl-PL"/>
           </a:p>
@@ -2027,7 +2028,7 @@
           <a:p>
             <a:fld id="{B52AA6F2-AEE1-4FE6-B3E2-3509488F5D07}" type="datetimeFigureOut">
               <a:rPr lang="pl-PL" smtClean="0"/>
-              <a:t>26.06.2019</a:t>
+              <a:t>05.07.2019</a:t>
             </a:fld>
             <a:endParaRPr lang="pl-PL"/>
           </a:p>
@@ -2304,7 +2305,7 @@
           <a:p>
             <a:fld id="{B52AA6F2-AEE1-4FE6-B3E2-3509488F5D07}" type="datetimeFigureOut">
               <a:rPr lang="pl-PL" smtClean="0"/>
-              <a:t>26.06.2019</a:t>
+              <a:t>05.07.2019</a:t>
             </a:fld>
             <a:endParaRPr lang="pl-PL"/>
           </a:p>
@@ -2557,7 +2558,7 @@
           <a:p>
             <a:fld id="{B52AA6F2-AEE1-4FE6-B3E2-3509488F5D07}" type="datetimeFigureOut">
               <a:rPr lang="pl-PL" smtClean="0"/>
-              <a:t>26.06.2019</a:t>
+              <a:t>05.07.2019</a:t>
             </a:fld>
             <a:endParaRPr lang="pl-PL"/>
           </a:p>
@@ -2770,7 +2771,7 @@
           <a:p>
             <a:fld id="{B52AA6F2-AEE1-4FE6-B3E2-3509488F5D07}" type="datetimeFigureOut">
               <a:rPr lang="pl-PL" smtClean="0"/>
-              <a:t>26.06.2019</a:t>
+              <a:t>05.07.2019</a:t>
             </a:fld>
             <a:endParaRPr lang="pl-PL"/>
           </a:p>
@@ -11399,6 +11400,596 @@
           <a:chExt cx="0" cy="0"/>
         </a:xfrm>
       </p:grpSpPr>
+      <p:sp>
+        <p:nvSpPr>
+          <p:cNvPr id="26" name="AutoShape 5" descr="Znalezione obrazy dla zapytania strzałka"/>
+          <p:cNvSpPr>
+            <a:spLocks noChangeAspect="1" noChangeArrowheads="1"/>
+          </p:cNvSpPr>
+          <p:nvPr/>
+        </p:nvSpPr>
+        <p:spPr bwMode="auto">
+          <a:xfrm>
+            <a:off x="155575" y="-2079625"/>
+            <a:ext cx="4333875" cy="4333875"/>
+          </a:xfrm>
+          <a:prstGeom prst="rect">
+            <a:avLst/>
+          </a:prstGeom>
+          <a:noFill/>
+          <a:extLst>
+            <a:ext uri="{909E8E84-426E-40DD-AFC4-6F175D3DCCD1}">
+              <a14:hiddenFill xmlns:a14="http://schemas.microsoft.com/office/drawing/2010/main">
+                <a:solidFill>
+                  <a:srgbClr val="FFFFFF"/>
+                </a:solidFill>
+              </a14:hiddenFill>
+            </a:ext>
+          </a:extLst>
+        </p:spPr>
+        <p:txBody>
+          <a:bodyPr vert="horz" wrap="square" lIns="91440" tIns="45720" rIns="91440" bIns="45720" numCol="1" anchor="t" anchorCtr="0" compatLnSpc="1">
+            <a:prstTxWarp prst="textNoShape">
+              <a:avLst/>
+            </a:prstTxWarp>
+          </a:bodyPr>
+          <a:lstStyle/>
+          <a:p>
+            <a:endParaRPr lang="pl-PL"/>
+          </a:p>
+        </p:txBody>
+      </p:sp>
+      <p:sp>
+        <p:nvSpPr>
+          <p:cNvPr id="27" name="AutoShape 7" descr="Znalezione obrazy dla zapytania strzałka"/>
+          <p:cNvSpPr>
+            <a:spLocks noChangeAspect="1" noChangeArrowheads="1"/>
+          </p:cNvSpPr>
+          <p:nvPr/>
+        </p:nvSpPr>
+        <p:spPr bwMode="auto">
+          <a:xfrm>
+            <a:off x="307975" y="-1927225"/>
+            <a:ext cx="4333875" cy="4333875"/>
+          </a:xfrm>
+          <a:prstGeom prst="rect">
+            <a:avLst/>
+          </a:prstGeom>
+          <a:noFill/>
+          <a:extLst>
+            <a:ext uri="{909E8E84-426E-40DD-AFC4-6F175D3DCCD1}">
+              <a14:hiddenFill xmlns:a14="http://schemas.microsoft.com/office/drawing/2010/main">
+                <a:solidFill>
+                  <a:srgbClr val="FFFFFF"/>
+                </a:solidFill>
+              </a14:hiddenFill>
+            </a:ext>
+          </a:extLst>
+        </p:spPr>
+        <p:txBody>
+          <a:bodyPr vert="horz" wrap="square" lIns="91440" tIns="45720" rIns="91440" bIns="45720" numCol="1" anchor="t" anchorCtr="0" compatLnSpc="1">
+            <a:prstTxWarp prst="textNoShape">
+              <a:avLst/>
+            </a:prstTxWarp>
+          </a:bodyPr>
+          <a:lstStyle/>
+          <a:p>
+            <a:endParaRPr lang="pl-PL"/>
+          </a:p>
+        </p:txBody>
+      </p:sp>
+      <p:pic>
+        <p:nvPicPr>
+          <p:cNvPr id="1034" name="Picture 10"/>
+          <p:cNvPicPr>
+            <a:picLocks noChangeAspect="1" noChangeArrowheads="1"/>
+          </p:cNvPicPr>
+          <p:nvPr/>
+        </p:nvPicPr>
+        <p:blipFill>
+          <a:blip r:embed="rId2">
+            <a:extLst>
+              <a:ext uri="{28A0092B-C50C-407E-A947-70E740481C1C}">
+                <a14:useLocalDpi xmlns:a14="http://schemas.microsoft.com/office/drawing/2010/main" val="0"/>
+              </a:ext>
+            </a:extLst>
+          </a:blip>
+          <a:srcRect/>
+          <a:stretch>
+            <a:fillRect/>
+          </a:stretch>
+        </p:blipFill>
+        <p:spPr bwMode="auto">
+          <a:xfrm>
+            <a:off x="-324544" y="-295751"/>
+            <a:ext cx="4429125" cy="3038475"/>
+          </a:xfrm>
+          <a:prstGeom prst="rect">
+            <a:avLst/>
+          </a:prstGeom>
+          <a:noFill/>
+          <a:ln>
+            <a:noFill/>
+          </a:ln>
+          <a:effectLst/>
+          <a:extLst>
+            <a:ext uri="{909E8E84-426E-40DD-AFC4-6F175D3DCCD1}">
+              <a14:hiddenFill xmlns:a14="http://schemas.microsoft.com/office/drawing/2010/main">
+                <a:solidFill>
+                  <a:schemeClr val="accent1"/>
+                </a:solidFill>
+              </a14:hiddenFill>
+            </a:ext>
+            <a:ext uri="{91240B29-F687-4F45-9708-019B960494DF}">
+              <a14:hiddenLine xmlns:a14="http://schemas.microsoft.com/office/drawing/2010/main" w="9525">
+                <a:solidFill>
+                  <a:schemeClr val="tx1"/>
+                </a:solidFill>
+                <a:miter lim="800000"/>
+                <a:headEnd/>
+                <a:tailEnd/>
+              </a14:hiddenLine>
+            </a:ext>
+            <a:ext uri="{AF507438-7753-43E0-B8FC-AC1667EBCBE1}">
+              <a14:hiddenEffects xmlns:a14="http://schemas.microsoft.com/office/drawing/2010/main">
+                <a:effectLst>
+                  <a:outerShdw dist="35921" dir="2700000" algn="ctr" rotWithShape="0">
+                    <a:schemeClr val="bg2"/>
+                  </a:outerShdw>
+                </a:effectLst>
+              </a14:hiddenEffects>
+            </a:ext>
+          </a:extLst>
+        </p:spPr>
+      </p:pic>
+      <p:sp>
+        <p:nvSpPr>
+          <p:cNvPr id="28" name="pole tekstowe 27"/>
+          <p:cNvSpPr txBox="1"/>
+          <p:nvPr/>
+        </p:nvSpPr>
+        <p:spPr>
+          <a:xfrm>
+            <a:off x="1596508" y="1527295"/>
+            <a:ext cx="583814" cy="369332"/>
+          </a:xfrm>
+          <a:prstGeom prst="rect">
+            <a:avLst/>
+          </a:prstGeom>
+          <a:noFill/>
+        </p:spPr>
+        <p:txBody>
+          <a:bodyPr wrap="none" rtlCol="0">
+            <a:spAutoFit/>
+          </a:bodyPr>
+          <a:lstStyle/>
+          <a:p>
+            <a:r>
+              <a:rPr lang="pl-PL" b="1" dirty="0" smtClean="0"/>
+              <a:t>75%</a:t>
+            </a:r>
+            <a:endParaRPr lang="pl-PL" b="1" dirty="0"/>
+          </a:p>
+        </p:txBody>
+      </p:sp>
+      <p:sp>
+        <p:nvSpPr>
+          <p:cNvPr id="34" name="pole tekstowe 33"/>
+          <p:cNvSpPr txBox="1"/>
+          <p:nvPr/>
+        </p:nvSpPr>
+        <p:spPr>
+          <a:xfrm>
+            <a:off x="1594905" y="598037"/>
+            <a:ext cx="587020" cy="369332"/>
+          </a:xfrm>
+          <a:prstGeom prst="rect">
+            <a:avLst/>
+          </a:prstGeom>
+          <a:noFill/>
+        </p:spPr>
+        <p:txBody>
+          <a:bodyPr wrap="none" rtlCol="0">
+            <a:spAutoFit/>
+          </a:bodyPr>
+          <a:lstStyle/>
+          <a:p>
+            <a:r>
+              <a:rPr lang="pl-PL" b="1" dirty="0"/>
+              <a:t>2</a:t>
+            </a:r>
+            <a:r>
+              <a:rPr lang="pl-PL" b="1" dirty="0" smtClean="0"/>
+              <a:t>5%</a:t>
+            </a:r>
+            <a:endParaRPr lang="pl-PL" b="1" dirty="0"/>
+          </a:p>
+        </p:txBody>
+      </p:sp>
+      <p:pic>
+        <p:nvPicPr>
+          <p:cNvPr id="1037" name="Picture 13"/>
+          <p:cNvPicPr>
+            <a:picLocks noChangeAspect="1" noChangeArrowheads="1"/>
+          </p:cNvPicPr>
+          <p:nvPr/>
+        </p:nvPicPr>
+        <p:blipFill>
+          <a:blip r:embed="rId3">
+            <a:extLst>
+              <a:ext uri="{28A0092B-C50C-407E-A947-70E740481C1C}">
+                <a14:useLocalDpi xmlns:a14="http://schemas.microsoft.com/office/drawing/2010/main" val="0"/>
+              </a:ext>
+            </a:extLst>
+          </a:blip>
+          <a:srcRect/>
+          <a:stretch>
+            <a:fillRect/>
+          </a:stretch>
+        </p:blipFill>
+        <p:spPr bwMode="auto">
+          <a:xfrm>
+            <a:off x="5292080" y="-57626"/>
+            <a:ext cx="4181475" cy="2800350"/>
+          </a:xfrm>
+          <a:prstGeom prst="rect">
+            <a:avLst/>
+          </a:prstGeom>
+          <a:noFill/>
+          <a:ln>
+            <a:noFill/>
+          </a:ln>
+          <a:effectLst/>
+          <a:extLst>
+            <a:ext uri="{909E8E84-426E-40DD-AFC4-6F175D3DCCD1}">
+              <a14:hiddenFill xmlns:a14="http://schemas.microsoft.com/office/drawing/2010/main">
+                <a:solidFill>
+                  <a:schemeClr val="accent1"/>
+                </a:solidFill>
+              </a14:hiddenFill>
+            </a:ext>
+            <a:ext uri="{91240B29-F687-4F45-9708-019B960494DF}">
+              <a14:hiddenLine xmlns:a14="http://schemas.microsoft.com/office/drawing/2010/main" w="9525">
+                <a:solidFill>
+                  <a:schemeClr val="tx1"/>
+                </a:solidFill>
+                <a:miter lim="800000"/>
+                <a:headEnd/>
+                <a:tailEnd/>
+              </a14:hiddenLine>
+            </a:ext>
+            <a:ext uri="{AF507438-7753-43E0-B8FC-AC1667EBCBE1}">
+              <a14:hiddenEffects xmlns:a14="http://schemas.microsoft.com/office/drawing/2010/main">
+                <a:effectLst>
+                  <a:outerShdw dist="35921" dir="2700000" algn="ctr" rotWithShape="0">
+                    <a:schemeClr val="bg2"/>
+                  </a:outerShdw>
+                </a:effectLst>
+              </a14:hiddenEffects>
+            </a:ext>
+          </a:extLst>
+        </p:spPr>
+      </p:pic>
+      <p:sp>
+        <p:nvSpPr>
+          <p:cNvPr id="41" name="pole tekstowe 40"/>
+          <p:cNvSpPr txBox="1"/>
+          <p:nvPr/>
+        </p:nvSpPr>
+        <p:spPr>
+          <a:xfrm>
+            <a:off x="7064533" y="1527295"/>
+            <a:ext cx="583814" cy="369332"/>
+          </a:xfrm>
+          <a:prstGeom prst="rect">
+            <a:avLst/>
+          </a:prstGeom>
+          <a:noFill/>
+        </p:spPr>
+        <p:txBody>
+          <a:bodyPr wrap="none" rtlCol="0">
+            <a:spAutoFit/>
+          </a:bodyPr>
+          <a:lstStyle/>
+          <a:p>
+            <a:r>
+              <a:rPr lang="pl-PL" b="1" dirty="0" smtClean="0"/>
+              <a:t>75%</a:t>
+            </a:r>
+            <a:endParaRPr lang="pl-PL" b="1" dirty="0"/>
+          </a:p>
+        </p:txBody>
+      </p:sp>
+      <p:sp>
+        <p:nvSpPr>
+          <p:cNvPr id="42" name="pole tekstowe 41"/>
+          <p:cNvSpPr txBox="1"/>
+          <p:nvPr/>
+        </p:nvSpPr>
+        <p:spPr>
+          <a:xfrm>
+            <a:off x="7089307" y="750437"/>
+            <a:ext cx="587020" cy="369332"/>
+          </a:xfrm>
+          <a:prstGeom prst="rect">
+            <a:avLst/>
+          </a:prstGeom>
+          <a:noFill/>
+        </p:spPr>
+        <p:txBody>
+          <a:bodyPr wrap="none" rtlCol="0">
+            <a:spAutoFit/>
+          </a:bodyPr>
+          <a:lstStyle/>
+          <a:p>
+            <a:r>
+              <a:rPr lang="pl-PL" b="1" dirty="0"/>
+              <a:t>2</a:t>
+            </a:r>
+            <a:r>
+              <a:rPr lang="pl-PL" b="1" dirty="0" smtClean="0"/>
+              <a:t>5%</a:t>
+            </a:r>
+            <a:endParaRPr lang="pl-PL" b="1" dirty="0"/>
+          </a:p>
+        </p:txBody>
+      </p:sp>
+      <p:pic>
+        <p:nvPicPr>
+          <p:cNvPr id="1038" name="Picture 14"/>
+          <p:cNvPicPr>
+            <a:picLocks noChangeAspect="1" noChangeArrowheads="1"/>
+          </p:cNvPicPr>
+          <p:nvPr/>
+        </p:nvPicPr>
+        <p:blipFill>
+          <a:blip r:embed="rId4">
+            <a:extLst>
+              <a:ext uri="{28A0092B-C50C-407E-A947-70E740481C1C}">
+                <a14:useLocalDpi xmlns:a14="http://schemas.microsoft.com/office/drawing/2010/main" val="0"/>
+              </a:ext>
+            </a:extLst>
+          </a:blip>
+          <a:srcRect/>
+          <a:stretch>
+            <a:fillRect/>
+          </a:stretch>
+        </p:blipFill>
+        <p:spPr bwMode="auto">
+          <a:xfrm>
+            <a:off x="-324544" y="3573016"/>
+            <a:ext cx="4210050" cy="2914650"/>
+          </a:xfrm>
+          <a:prstGeom prst="rect">
+            <a:avLst/>
+          </a:prstGeom>
+          <a:noFill/>
+          <a:ln>
+            <a:noFill/>
+          </a:ln>
+          <a:effectLst/>
+          <a:extLst>
+            <a:ext uri="{909E8E84-426E-40DD-AFC4-6F175D3DCCD1}">
+              <a14:hiddenFill xmlns:a14="http://schemas.microsoft.com/office/drawing/2010/main">
+                <a:solidFill>
+                  <a:schemeClr val="accent1"/>
+                </a:solidFill>
+              </a14:hiddenFill>
+            </a:ext>
+            <a:ext uri="{91240B29-F687-4F45-9708-019B960494DF}">
+              <a14:hiddenLine xmlns:a14="http://schemas.microsoft.com/office/drawing/2010/main" w="9525">
+                <a:solidFill>
+                  <a:schemeClr val="tx1"/>
+                </a:solidFill>
+                <a:miter lim="800000"/>
+                <a:headEnd/>
+                <a:tailEnd/>
+              </a14:hiddenLine>
+            </a:ext>
+            <a:ext uri="{AF507438-7753-43E0-B8FC-AC1667EBCBE1}">
+              <a14:hiddenEffects xmlns:a14="http://schemas.microsoft.com/office/drawing/2010/main">
+                <a:effectLst>
+                  <a:outerShdw dist="35921" dir="2700000" algn="ctr" rotWithShape="0">
+                    <a:schemeClr val="bg2"/>
+                  </a:outerShdw>
+                </a:effectLst>
+              </a14:hiddenEffects>
+            </a:ext>
+          </a:extLst>
+        </p:spPr>
+      </p:pic>
+      <p:pic>
+        <p:nvPicPr>
+          <p:cNvPr id="1039" name="Picture 15"/>
+          <p:cNvPicPr>
+            <a:picLocks noChangeAspect="1" noChangeArrowheads="1"/>
+          </p:cNvPicPr>
+          <p:nvPr/>
+        </p:nvPicPr>
+        <p:blipFill>
+          <a:blip r:embed="rId5">
+            <a:extLst>
+              <a:ext uri="{28A0092B-C50C-407E-A947-70E740481C1C}">
+                <a14:useLocalDpi xmlns:a14="http://schemas.microsoft.com/office/drawing/2010/main" val="0"/>
+              </a:ext>
+            </a:extLst>
+          </a:blip>
+          <a:srcRect/>
+          <a:stretch>
+            <a:fillRect/>
+          </a:stretch>
+        </p:blipFill>
+        <p:spPr bwMode="auto">
+          <a:xfrm>
+            <a:off x="4905375" y="3706366"/>
+            <a:ext cx="4238625" cy="2781300"/>
+          </a:xfrm>
+          <a:prstGeom prst="rect">
+            <a:avLst/>
+          </a:prstGeom>
+          <a:noFill/>
+          <a:ln>
+            <a:noFill/>
+          </a:ln>
+          <a:effectLst/>
+          <a:extLst>
+            <a:ext uri="{909E8E84-426E-40DD-AFC4-6F175D3DCCD1}">
+              <a14:hiddenFill xmlns:a14="http://schemas.microsoft.com/office/drawing/2010/main">
+                <a:solidFill>
+                  <a:schemeClr val="accent1"/>
+                </a:solidFill>
+              </a14:hiddenFill>
+            </a:ext>
+            <a:ext uri="{91240B29-F687-4F45-9708-019B960494DF}">
+              <a14:hiddenLine xmlns:a14="http://schemas.microsoft.com/office/drawing/2010/main" w="9525">
+                <a:solidFill>
+                  <a:schemeClr val="tx1"/>
+                </a:solidFill>
+                <a:miter lim="800000"/>
+                <a:headEnd/>
+                <a:tailEnd/>
+              </a14:hiddenLine>
+            </a:ext>
+            <a:ext uri="{AF507438-7753-43E0-B8FC-AC1667EBCBE1}">
+              <a14:hiddenEffects xmlns:a14="http://schemas.microsoft.com/office/drawing/2010/main">
+                <a:effectLst>
+                  <a:outerShdw dist="35921" dir="2700000" algn="ctr" rotWithShape="0">
+                    <a:schemeClr val="bg2"/>
+                  </a:outerShdw>
+                </a:effectLst>
+              </a14:hiddenEffects>
+            </a:ext>
+          </a:extLst>
+        </p:spPr>
+      </p:pic>
+      <p:sp>
+        <p:nvSpPr>
+          <p:cNvPr id="45" name="pole tekstowe 44"/>
+          <p:cNvSpPr txBox="1"/>
+          <p:nvPr/>
+        </p:nvSpPr>
+        <p:spPr>
+          <a:xfrm>
+            <a:off x="1488574" y="5366370"/>
+            <a:ext cx="583814" cy="369332"/>
+          </a:xfrm>
+          <a:prstGeom prst="rect">
+            <a:avLst/>
+          </a:prstGeom>
+          <a:noFill/>
+        </p:spPr>
+        <p:txBody>
+          <a:bodyPr wrap="none" rtlCol="0">
+            <a:spAutoFit/>
+          </a:bodyPr>
+          <a:lstStyle/>
+          <a:p>
+            <a:r>
+              <a:rPr lang="pl-PL" b="1" dirty="0" smtClean="0"/>
+              <a:t>75%</a:t>
+            </a:r>
+            <a:endParaRPr lang="pl-PL" b="1" dirty="0"/>
+          </a:p>
+        </p:txBody>
+      </p:sp>
+      <p:sp>
+        <p:nvSpPr>
+          <p:cNvPr id="46" name="pole tekstowe 45"/>
+          <p:cNvSpPr txBox="1"/>
+          <p:nvPr/>
+        </p:nvSpPr>
+        <p:spPr>
+          <a:xfrm>
+            <a:off x="1486971" y="4437112"/>
+            <a:ext cx="587020" cy="369332"/>
+          </a:xfrm>
+          <a:prstGeom prst="rect">
+            <a:avLst/>
+          </a:prstGeom>
+          <a:noFill/>
+        </p:spPr>
+        <p:txBody>
+          <a:bodyPr wrap="none" rtlCol="0">
+            <a:spAutoFit/>
+          </a:bodyPr>
+          <a:lstStyle/>
+          <a:p>
+            <a:r>
+              <a:rPr lang="pl-PL" b="1" dirty="0"/>
+              <a:t>2</a:t>
+            </a:r>
+            <a:r>
+              <a:rPr lang="pl-PL" b="1" dirty="0" smtClean="0"/>
+              <a:t>5%</a:t>
+            </a:r>
+            <a:endParaRPr lang="pl-PL" b="1" dirty="0"/>
+          </a:p>
+        </p:txBody>
+      </p:sp>
+      <p:sp>
+        <p:nvSpPr>
+          <p:cNvPr id="47" name="pole tekstowe 46"/>
+          <p:cNvSpPr txBox="1"/>
+          <p:nvPr/>
+        </p:nvSpPr>
+        <p:spPr>
+          <a:xfrm>
+            <a:off x="6732780" y="5396097"/>
+            <a:ext cx="583814" cy="369332"/>
+          </a:xfrm>
+          <a:prstGeom prst="rect">
+            <a:avLst/>
+          </a:prstGeom>
+          <a:noFill/>
+        </p:spPr>
+        <p:txBody>
+          <a:bodyPr wrap="none" rtlCol="0">
+            <a:spAutoFit/>
+          </a:bodyPr>
+          <a:lstStyle/>
+          <a:p>
+            <a:r>
+              <a:rPr lang="pl-PL" b="1" dirty="0" smtClean="0"/>
+              <a:t>75%</a:t>
+            </a:r>
+            <a:endParaRPr lang="pl-PL" b="1" dirty="0"/>
+          </a:p>
+        </p:txBody>
+      </p:sp>
+      <p:sp>
+        <p:nvSpPr>
+          <p:cNvPr id="48" name="pole tekstowe 47"/>
+          <p:cNvSpPr txBox="1"/>
+          <p:nvPr/>
+        </p:nvSpPr>
+        <p:spPr>
+          <a:xfrm>
+            <a:off x="6731177" y="4472683"/>
+            <a:ext cx="587020" cy="369332"/>
+          </a:xfrm>
+          <a:prstGeom prst="rect">
+            <a:avLst/>
+          </a:prstGeom>
+          <a:noFill/>
+        </p:spPr>
+        <p:txBody>
+          <a:bodyPr wrap="none" rtlCol="0">
+            <a:spAutoFit/>
+          </a:bodyPr>
+          <a:lstStyle/>
+          <a:p>
+            <a:r>
+              <a:rPr lang="pl-PL" b="1" dirty="0"/>
+              <a:t>2</a:t>
+            </a:r>
+            <a:r>
+              <a:rPr lang="pl-PL" b="1" dirty="0" smtClean="0"/>
+              <a:t>5%</a:t>
+            </a:r>
+            <a:endParaRPr lang="pl-PL" b="1" dirty="0"/>
+          </a:p>
+        </p:txBody>
+      </p:sp>
     </p:spTree>
     <p:extLst>
       <p:ext uri="{BB962C8B-B14F-4D97-AF65-F5344CB8AC3E}">
@@ -11413,6 +12004,121 @@
 </file>
 
 <file path=ppt/slides/slide17.xml><?xml version="1.0" encoding="utf-8"?>
+<p:sld xmlns:a="http://schemas.openxmlformats.org/drawingml/2006/main" xmlns:r="http://schemas.openxmlformats.org/officeDocument/2006/relationships" xmlns:p="http://schemas.openxmlformats.org/presentationml/2006/main">
+  <p:cSld>
+    <p:spTree>
+      <p:nvGrpSpPr>
+        <p:cNvPr id="1" name=""/>
+        <p:cNvGrpSpPr/>
+        <p:nvPr/>
+      </p:nvGrpSpPr>
+      <p:grpSpPr>
+        <a:xfrm>
+          <a:off x="0" y="0"/>
+          <a:ext cx="0" cy="0"/>
+          <a:chOff x="0" y="0"/>
+          <a:chExt cx="0" cy="0"/>
+        </a:xfrm>
+      </p:grpSpPr>
+      <p:sp>
+        <p:nvSpPr>
+          <p:cNvPr id="2" name="Tytuł 1"/>
+          <p:cNvSpPr>
+            <a:spLocks noGrp="1"/>
+          </p:cNvSpPr>
+          <p:nvPr>
+            <p:ph type="title"/>
+          </p:nvPr>
+        </p:nvSpPr>
+        <p:spPr/>
+        <p:txBody>
+          <a:bodyPr/>
+          <a:lstStyle/>
+          <a:p>
+            <a:endParaRPr lang="pl-PL"/>
+          </a:p>
+        </p:txBody>
+      </p:sp>
+      <p:pic>
+        <p:nvPicPr>
+          <p:cNvPr id="4" name="Picture 10"/>
+          <p:cNvPicPr>
+            <a:picLocks noGrp="1" noChangeAspect="1" noChangeArrowheads="1"/>
+          </p:cNvPicPr>
+          <p:nvPr>
+            <p:ph idx="1"/>
+          </p:nvPr>
+        </p:nvPicPr>
+        <p:blipFill>
+          <a:blip r:embed="rId2">
+            <a:extLst>
+              <a:ext uri="{28A0092B-C50C-407E-A947-70E740481C1C}">
+                <a14:useLocalDpi xmlns:a14="http://schemas.microsoft.com/office/drawing/2010/main" val="0"/>
+              </a:ext>
+            </a:extLst>
+          </a:blip>
+          <a:srcRect/>
+          <a:stretch>
+            <a:fillRect/>
+          </a:stretch>
+        </p:blipFill>
+        <p:spPr bwMode="auto">
+          <a:xfrm>
+            <a:off x="2357128" y="2343732"/>
+            <a:ext cx="4429743" cy="3038899"/>
+          </a:xfrm>
+          <a:prstGeom prst="rect">
+            <a:avLst/>
+          </a:prstGeom>
+          <a:noFill/>
+          <a:ln>
+            <a:noFill/>
+          </a:ln>
+          <a:effectLst/>
+          <a:extLst>
+            <a:ext uri="{909E8E84-426E-40DD-AFC4-6F175D3DCCD1}">
+              <a14:hiddenFill xmlns:a14="http://schemas.microsoft.com/office/drawing/2010/main">
+                <a:solidFill>
+                  <a:schemeClr val="accent1"/>
+                </a:solidFill>
+              </a14:hiddenFill>
+            </a:ext>
+            <a:ext uri="{91240B29-F687-4F45-9708-019B960494DF}">
+              <a14:hiddenLine xmlns:a14="http://schemas.microsoft.com/office/drawing/2010/main" w="9525">
+                <a:solidFill>
+                  <a:schemeClr val="tx1"/>
+                </a:solidFill>
+                <a:miter lim="800000"/>
+                <a:headEnd/>
+                <a:tailEnd/>
+              </a14:hiddenLine>
+            </a:ext>
+            <a:ext uri="{AF507438-7753-43E0-B8FC-AC1667EBCBE1}">
+              <a14:hiddenEffects xmlns:a14="http://schemas.microsoft.com/office/drawing/2010/main">
+                <a:effectLst>
+                  <a:outerShdw dist="35921" dir="2700000" algn="ctr" rotWithShape="0">
+                    <a:schemeClr val="bg2"/>
+                  </a:outerShdw>
+                </a:effectLst>
+              </a14:hiddenEffects>
+            </a:ext>
+          </a:extLst>
+        </p:spPr>
+      </p:pic>
+    </p:spTree>
+    <p:extLst>
+      <p:ext uri="{BB962C8B-B14F-4D97-AF65-F5344CB8AC3E}">
+        <p14:creationId xmlns:p14="http://schemas.microsoft.com/office/powerpoint/2010/main" val="4004583749"/>
+      </p:ext>
+    </p:extLst>
+  </p:cSld>
+  <p:clrMapOvr>
+    <a:masterClrMapping/>
+  </p:clrMapOvr>
+</p:sld>
+</file>
+
+<file path=ppt/slides/slide18.xml><?xml version="1.0" encoding="utf-8"?>
 <p:sld xmlns:a="http://schemas.openxmlformats.org/drawingml/2006/main" xmlns:r="http://schemas.openxmlformats.org/officeDocument/2006/relationships" xmlns:p="http://schemas.openxmlformats.org/presentationml/2006/main">
   <p:cSld>
     <p:spTree>
@@ -12807,7 +13513,7 @@
 </p:sld>
 </file>
 
-<file path=ppt/slides/slide18.xml><?xml version="1.0" encoding="utf-8"?>
+<file path=ppt/slides/slide19.xml><?xml version="1.0" encoding="utf-8"?>
 <p:sld xmlns:a="http://schemas.openxmlformats.org/drawingml/2006/main" xmlns:r="http://schemas.openxmlformats.org/officeDocument/2006/relationships" xmlns:p="http://schemas.openxmlformats.org/presentationml/2006/main">
   <p:cSld>
     <p:spTree>
@@ -15019,7 +15725,139 @@
 </p:sld>
 </file>
 
-<file path=ppt/slides/slide19.xml><?xml version="1.0" encoding="utf-8"?>
+<file path=ppt/slides/slide2.xml><?xml version="1.0" encoding="utf-8"?>
+<p:sld xmlns:a="http://schemas.openxmlformats.org/drawingml/2006/main" xmlns:r="http://schemas.openxmlformats.org/officeDocument/2006/relationships" xmlns:p="http://schemas.openxmlformats.org/presentationml/2006/main">
+  <p:cSld>
+    <p:spTree>
+      <p:nvGrpSpPr>
+        <p:cNvPr id="1" name=""/>
+        <p:cNvGrpSpPr/>
+        <p:nvPr/>
+      </p:nvGrpSpPr>
+      <p:grpSpPr>
+        <a:xfrm>
+          <a:off x="0" y="0"/>
+          <a:ext cx="0" cy="0"/>
+          <a:chOff x="0" y="0"/>
+          <a:chExt cx="0" cy="0"/>
+        </a:xfrm>
+      </p:grpSpPr>
+      <p:pic>
+        <p:nvPicPr>
+          <p:cNvPr id="1026" name="Picture 2"/>
+          <p:cNvPicPr>
+            <a:picLocks noChangeAspect="1" noChangeArrowheads="1"/>
+          </p:cNvPicPr>
+          <p:nvPr/>
+        </p:nvPicPr>
+        <p:blipFill>
+          <a:blip r:embed="rId2">
+            <a:extLst>
+              <a:ext uri="{28A0092B-C50C-407E-A947-70E740481C1C}">
+                <a14:useLocalDpi xmlns:a14="http://schemas.microsoft.com/office/drawing/2010/main" val="0"/>
+              </a:ext>
+            </a:extLst>
+          </a:blip>
+          <a:srcRect/>
+          <a:stretch>
+            <a:fillRect/>
+          </a:stretch>
+        </p:blipFill>
+        <p:spPr bwMode="auto">
+          <a:xfrm>
+            <a:off x="1835696" y="1007371"/>
+            <a:ext cx="4641304" cy="4107554"/>
+          </a:xfrm>
+          <a:prstGeom prst="rect">
+            <a:avLst/>
+          </a:prstGeom>
+          <a:noFill/>
+          <a:ln>
+            <a:noFill/>
+          </a:ln>
+          <a:effectLst/>
+          <a:extLst>
+            <a:ext uri="{909E8E84-426E-40DD-AFC4-6F175D3DCCD1}">
+              <a14:hiddenFill xmlns:a14="http://schemas.microsoft.com/office/drawing/2010/main">
+                <a:solidFill>
+                  <a:schemeClr val="accent1"/>
+                </a:solidFill>
+              </a14:hiddenFill>
+            </a:ext>
+            <a:ext uri="{91240B29-F687-4F45-9708-019B960494DF}">
+              <a14:hiddenLine xmlns:a14="http://schemas.microsoft.com/office/drawing/2010/main" w="9525">
+                <a:solidFill>
+                  <a:schemeClr val="tx1"/>
+                </a:solidFill>
+                <a:miter lim="800000"/>
+                <a:headEnd/>
+                <a:tailEnd/>
+              </a14:hiddenLine>
+            </a:ext>
+            <a:ext uri="{AF507438-7753-43E0-B8FC-AC1667EBCBE1}">
+              <a14:hiddenEffects xmlns:a14="http://schemas.microsoft.com/office/drawing/2010/main">
+                <a:effectLst>
+                  <a:outerShdw dist="35921" dir="2700000" algn="ctr" rotWithShape="0">
+                    <a:schemeClr val="bg2"/>
+                  </a:outerShdw>
+                </a:effectLst>
+              </a14:hiddenEffects>
+            </a:ext>
+          </a:extLst>
+        </p:spPr>
+      </p:pic>
+      <p:sp>
+        <p:nvSpPr>
+          <p:cNvPr id="4" name="pole tekstowe 3"/>
+          <p:cNvSpPr txBox="1"/>
+          <p:nvPr/>
+        </p:nvSpPr>
+        <p:spPr>
+          <a:xfrm>
+            <a:off x="2195736" y="1957482"/>
+            <a:ext cx="981551" cy="369332"/>
+          </a:xfrm>
+          <a:prstGeom prst="rect">
+            <a:avLst/>
+          </a:prstGeom>
+          <a:noFill/>
+        </p:spPr>
+        <p:txBody>
+          <a:bodyPr wrap="none" rtlCol="0">
+            <a:spAutoFit/>
+          </a:bodyPr>
+          <a:lstStyle/>
+          <a:p>
+            <a:r>
+              <a:rPr lang="pl-PL" b="1" dirty="0" smtClean="0">
+                <a:solidFill>
+                  <a:srgbClr val="FF0000"/>
+                </a:solidFill>
+              </a:rPr>
+              <a:t>Agent: 0</a:t>
+            </a:r>
+            <a:endParaRPr lang="pl-PL" b="1" dirty="0">
+              <a:solidFill>
+                <a:srgbClr val="FF0000"/>
+              </a:solidFill>
+            </a:endParaRPr>
+          </a:p>
+        </p:txBody>
+      </p:sp>
+    </p:spTree>
+    <p:extLst>
+      <p:ext uri="{BB962C8B-B14F-4D97-AF65-F5344CB8AC3E}">
+        <p14:creationId xmlns:p14="http://schemas.microsoft.com/office/powerpoint/2010/main" val="1547074451"/>
+      </p:ext>
+    </p:extLst>
+  </p:cSld>
+  <p:clrMapOvr>
+    <a:masterClrMapping/>
+  </p:clrMapOvr>
+</p:sld>
+</file>
+
+<file path=ppt/slides/slide20.xml><?xml version="1.0" encoding="utf-8"?>
 <p:sld xmlns:a="http://schemas.openxmlformats.org/drawingml/2006/main" xmlns:r="http://schemas.openxmlformats.org/officeDocument/2006/relationships" xmlns:p="http://schemas.openxmlformats.org/presentationml/2006/main">
   <p:cSld>
     <p:spTree>
@@ -17231,139 +18069,7 @@
 </p:sld>
 </file>
 
-<file path=ppt/slides/slide2.xml><?xml version="1.0" encoding="utf-8"?>
-<p:sld xmlns:a="http://schemas.openxmlformats.org/drawingml/2006/main" xmlns:r="http://schemas.openxmlformats.org/officeDocument/2006/relationships" xmlns:p="http://schemas.openxmlformats.org/presentationml/2006/main">
-  <p:cSld>
-    <p:spTree>
-      <p:nvGrpSpPr>
-        <p:cNvPr id="1" name=""/>
-        <p:cNvGrpSpPr/>
-        <p:nvPr/>
-      </p:nvGrpSpPr>
-      <p:grpSpPr>
-        <a:xfrm>
-          <a:off x="0" y="0"/>
-          <a:ext cx="0" cy="0"/>
-          <a:chOff x="0" y="0"/>
-          <a:chExt cx="0" cy="0"/>
-        </a:xfrm>
-      </p:grpSpPr>
-      <p:pic>
-        <p:nvPicPr>
-          <p:cNvPr id="1026" name="Picture 2"/>
-          <p:cNvPicPr>
-            <a:picLocks noChangeAspect="1" noChangeArrowheads="1"/>
-          </p:cNvPicPr>
-          <p:nvPr/>
-        </p:nvPicPr>
-        <p:blipFill>
-          <a:blip r:embed="rId2">
-            <a:extLst>
-              <a:ext uri="{28A0092B-C50C-407E-A947-70E740481C1C}">
-                <a14:useLocalDpi xmlns:a14="http://schemas.microsoft.com/office/drawing/2010/main" val="0"/>
-              </a:ext>
-            </a:extLst>
-          </a:blip>
-          <a:srcRect/>
-          <a:stretch>
-            <a:fillRect/>
-          </a:stretch>
-        </p:blipFill>
-        <p:spPr bwMode="auto">
-          <a:xfrm>
-            <a:off x="1835696" y="1007371"/>
-            <a:ext cx="4641304" cy="4107554"/>
-          </a:xfrm>
-          <a:prstGeom prst="rect">
-            <a:avLst/>
-          </a:prstGeom>
-          <a:noFill/>
-          <a:ln>
-            <a:noFill/>
-          </a:ln>
-          <a:effectLst/>
-          <a:extLst>
-            <a:ext uri="{909E8E84-426E-40DD-AFC4-6F175D3DCCD1}">
-              <a14:hiddenFill xmlns:a14="http://schemas.microsoft.com/office/drawing/2010/main">
-                <a:solidFill>
-                  <a:schemeClr val="accent1"/>
-                </a:solidFill>
-              </a14:hiddenFill>
-            </a:ext>
-            <a:ext uri="{91240B29-F687-4F45-9708-019B960494DF}">
-              <a14:hiddenLine xmlns:a14="http://schemas.microsoft.com/office/drawing/2010/main" w="9525">
-                <a:solidFill>
-                  <a:schemeClr val="tx1"/>
-                </a:solidFill>
-                <a:miter lim="800000"/>
-                <a:headEnd/>
-                <a:tailEnd/>
-              </a14:hiddenLine>
-            </a:ext>
-            <a:ext uri="{AF507438-7753-43E0-B8FC-AC1667EBCBE1}">
-              <a14:hiddenEffects xmlns:a14="http://schemas.microsoft.com/office/drawing/2010/main">
-                <a:effectLst>
-                  <a:outerShdw dist="35921" dir="2700000" algn="ctr" rotWithShape="0">
-                    <a:schemeClr val="bg2"/>
-                  </a:outerShdw>
-                </a:effectLst>
-              </a14:hiddenEffects>
-            </a:ext>
-          </a:extLst>
-        </p:spPr>
-      </p:pic>
-      <p:sp>
-        <p:nvSpPr>
-          <p:cNvPr id="4" name="pole tekstowe 3"/>
-          <p:cNvSpPr txBox="1"/>
-          <p:nvPr/>
-        </p:nvSpPr>
-        <p:spPr>
-          <a:xfrm>
-            <a:off x="2195736" y="1957482"/>
-            <a:ext cx="981551" cy="369332"/>
-          </a:xfrm>
-          <a:prstGeom prst="rect">
-            <a:avLst/>
-          </a:prstGeom>
-          <a:noFill/>
-        </p:spPr>
-        <p:txBody>
-          <a:bodyPr wrap="none" rtlCol="0">
-            <a:spAutoFit/>
-          </a:bodyPr>
-          <a:lstStyle/>
-          <a:p>
-            <a:r>
-              <a:rPr lang="pl-PL" b="1" dirty="0" smtClean="0">
-                <a:solidFill>
-                  <a:srgbClr val="FF0000"/>
-                </a:solidFill>
-              </a:rPr>
-              <a:t>Agent: 0</a:t>
-            </a:r>
-            <a:endParaRPr lang="pl-PL" b="1" dirty="0">
-              <a:solidFill>
-                <a:srgbClr val="FF0000"/>
-              </a:solidFill>
-            </a:endParaRPr>
-          </a:p>
-        </p:txBody>
-      </p:sp>
-    </p:spTree>
-    <p:extLst>
-      <p:ext uri="{BB962C8B-B14F-4D97-AF65-F5344CB8AC3E}">
-        <p14:creationId xmlns:p14="http://schemas.microsoft.com/office/powerpoint/2010/main" val="1547074451"/>
-      </p:ext>
-    </p:extLst>
-  </p:cSld>
-  <p:clrMapOvr>
-    <a:masterClrMapping/>
-  </p:clrMapOvr>
-</p:sld>
-</file>
-
-<file path=ppt/slides/slide20.xml><?xml version="1.0" encoding="utf-8"?>
+<file path=ppt/slides/slide21.xml><?xml version="1.0" encoding="utf-8"?>
 <p:sld xmlns:a="http://schemas.openxmlformats.org/drawingml/2006/main" xmlns:r="http://schemas.openxmlformats.org/officeDocument/2006/relationships" xmlns:p="http://schemas.openxmlformats.org/presentationml/2006/main">
   <p:cSld>
     <p:spTree>
@@ -19575,7 +20281,7 @@
 </p:sld>
 </file>
 
-<file path=ppt/slides/slide21.xml><?xml version="1.0" encoding="utf-8"?>
+<file path=ppt/slides/slide22.xml><?xml version="1.0" encoding="utf-8"?>
 <p:sld xmlns:a="http://schemas.openxmlformats.org/drawingml/2006/main" xmlns:r="http://schemas.openxmlformats.org/officeDocument/2006/relationships" xmlns:p="http://schemas.openxmlformats.org/presentationml/2006/main">
   <p:cSld>
     <p:spTree>
@@ -21849,7 +22555,7 @@
 </p:sld>
 </file>
 
-<file path=ppt/slides/slide22.xml><?xml version="1.0" encoding="utf-8"?>
+<file path=ppt/slides/slide23.xml><?xml version="1.0" encoding="utf-8"?>
 <p:sld xmlns:a="http://schemas.openxmlformats.org/drawingml/2006/main" xmlns:r="http://schemas.openxmlformats.org/officeDocument/2006/relationships" xmlns:p="http://schemas.openxmlformats.org/presentationml/2006/main">
   <p:cSld>
     <p:spTree>
@@ -22135,7 +22841,7 @@
 </p:sld>
 </file>
 
-<file path=ppt/slides/slide23.xml><?xml version="1.0" encoding="utf-8"?>
+<file path=ppt/slides/slide24.xml><?xml version="1.0" encoding="utf-8"?>
 <p:sld xmlns:a="http://schemas.openxmlformats.org/drawingml/2006/main" xmlns:r="http://schemas.openxmlformats.org/officeDocument/2006/relationships" xmlns:p="http://schemas.openxmlformats.org/presentationml/2006/main">
   <p:cSld>
     <p:spTree>
@@ -23269,7 +23975,7 @@
 </p:sld>
 </file>
 
-<file path=ppt/slides/slide24.xml><?xml version="1.0" encoding="utf-8"?>
+<file path=ppt/slides/slide25.xml><?xml version="1.0" encoding="utf-8"?>
 <p:sld xmlns:a="http://schemas.openxmlformats.org/drawingml/2006/main" xmlns:r="http://schemas.openxmlformats.org/officeDocument/2006/relationships" xmlns:p="http://schemas.openxmlformats.org/presentationml/2006/main">
   <p:cSld>
     <p:spTree>
@@ -24403,7 +25109,7 @@
 </p:sld>
 </file>
 
-<file path=ppt/slides/slide25.xml><?xml version="1.0" encoding="utf-8"?>
+<file path=ppt/slides/slide26.xml><?xml version="1.0" encoding="utf-8"?>
 <p:sld xmlns:a="http://schemas.openxmlformats.org/drawingml/2006/main" xmlns:r="http://schemas.openxmlformats.org/officeDocument/2006/relationships" xmlns:p="http://schemas.openxmlformats.org/presentationml/2006/main">
   <p:cSld>
     <p:spTree>
@@ -25537,7 +26243,7 @@
 </p:sld>
 </file>
 
-<file path=ppt/slides/slide26.xml><?xml version="1.0" encoding="utf-8"?>
+<file path=ppt/slides/slide27.xml><?xml version="1.0" encoding="utf-8"?>
 <p:sld xmlns:a="http://schemas.openxmlformats.org/drawingml/2006/main" xmlns:r="http://schemas.openxmlformats.org/officeDocument/2006/relationships" xmlns:p="http://schemas.openxmlformats.org/presentationml/2006/main">
   <p:cSld>
     <p:spTree>
@@ -26671,7 +27377,7 @@
 </p:sld>
 </file>
 
-<file path=ppt/slides/slide27.xml><?xml version="1.0" encoding="utf-8"?>
+<file path=ppt/slides/slide28.xml><?xml version="1.0" encoding="utf-8"?>
 <p:sld xmlns:a="http://schemas.openxmlformats.org/drawingml/2006/main" xmlns:r="http://schemas.openxmlformats.org/officeDocument/2006/relationships" xmlns:p="http://schemas.openxmlformats.org/presentationml/2006/main">
   <p:cSld>
     <p:spTree>
@@ -27805,7 +28511,7 @@
 </p:sld>
 </file>
 
-<file path=ppt/slides/slide28.xml><?xml version="1.0" encoding="utf-8"?>
+<file path=ppt/slides/slide29.xml><?xml version="1.0" encoding="utf-8"?>
 <p:sld xmlns:a="http://schemas.openxmlformats.org/drawingml/2006/main" xmlns:r="http://schemas.openxmlformats.org/officeDocument/2006/relationships" xmlns:p="http://schemas.openxmlformats.org/presentationml/2006/main">
   <p:cSld>
     <p:spTree>
@@ -28939,7 +29645,139 @@
 </p:sld>
 </file>
 
-<file path=ppt/slides/slide29.xml><?xml version="1.0" encoding="utf-8"?>
+<file path=ppt/slides/slide3.xml><?xml version="1.0" encoding="utf-8"?>
+<p:sld xmlns:a="http://schemas.openxmlformats.org/drawingml/2006/main" xmlns:r="http://schemas.openxmlformats.org/officeDocument/2006/relationships" xmlns:p="http://schemas.openxmlformats.org/presentationml/2006/main">
+  <p:cSld>
+    <p:spTree>
+      <p:nvGrpSpPr>
+        <p:cNvPr id="1" name=""/>
+        <p:cNvGrpSpPr/>
+        <p:nvPr/>
+      </p:nvGrpSpPr>
+      <p:grpSpPr>
+        <a:xfrm>
+          <a:off x="0" y="0"/>
+          <a:ext cx="0" cy="0"/>
+          <a:chOff x="0" y="0"/>
+          <a:chExt cx="0" cy="0"/>
+        </a:xfrm>
+      </p:grpSpPr>
+      <p:pic>
+        <p:nvPicPr>
+          <p:cNvPr id="2050" name="Picture 2"/>
+          <p:cNvPicPr>
+            <a:picLocks noChangeAspect="1" noChangeArrowheads="1"/>
+          </p:cNvPicPr>
+          <p:nvPr/>
+        </p:nvPicPr>
+        <p:blipFill>
+          <a:blip r:embed="rId2">
+            <a:extLst>
+              <a:ext uri="{28A0092B-C50C-407E-A947-70E740481C1C}">
+                <a14:useLocalDpi xmlns:a14="http://schemas.microsoft.com/office/drawing/2010/main" val="0"/>
+              </a:ext>
+            </a:extLst>
+          </a:blip>
+          <a:srcRect/>
+          <a:stretch>
+            <a:fillRect/>
+          </a:stretch>
+        </p:blipFill>
+        <p:spPr bwMode="auto">
+          <a:xfrm>
+            <a:off x="2614613" y="1966913"/>
+            <a:ext cx="3914775" cy="2924175"/>
+          </a:xfrm>
+          <a:prstGeom prst="rect">
+            <a:avLst/>
+          </a:prstGeom>
+          <a:noFill/>
+          <a:ln>
+            <a:noFill/>
+          </a:ln>
+          <a:effectLst/>
+          <a:extLst>
+            <a:ext uri="{909E8E84-426E-40DD-AFC4-6F175D3DCCD1}">
+              <a14:hiddenFill xmlns:a14="http://schemas.microsoft.com/office/drawing/2010/main">
+                <a:solidFill>
+                  <a:schemeClr val="accent1"/>
+                </a:solidFill>
+              </a14:hiddenFill>
+            </a:ext>
+            <a:ext uri="{91240B29-F687-4F45-9708-019B960494DF}">
+              <a14:hiddenLine xmlns:a14="http://schemas.microsoft.com/office/drawing/2010/main" w="9525">
+                <a:solidFill>
+                  <a:schemeClr val="tx1"/>
+                </a:solidFill>
+                <a:miter lim="800000"/>
+                <a:headEnd/>
+                <a:tailEnd/>
+              </a14:hiddenLine>
+            </a:ext>
+            <a:ext uri="{AF507438-7753-43E0-B8FC-AC1667EBCBE1}">
+              <a14:hiddenEffects xmlns:a14="http://schemas.microsoft.com/office/drawing/2010/main">
+                <a:effectLst>
+                  <a:outerShdw dist="35921" dir="2700000" algn="ctr" rotWithShape="0">
+                    <a:schemeClr val="bg2"/>
+                  </a:outerShdw>
+                </a:effectLst>
+              </a14:hiddenEffects>
+            </a:ext>
+          </a:extLst>
+        </p:spPr>
+      </p:pic>
+      <p:sp>
+        <p:nvSpPr>
+          <p:cNvPr id="5" name="pole tekstowe 4"/>
+          <p:cNvSpPr txBox="1"/>
+          <p:nvPr/>
+        </p:nvSpPr>
+        <p:spPr>
+          <a:xfrm>
+            <a:off x="3173120" y="2420888"/>
+            <a:ext cx="981551" cy="369332"/>
+          </a:xfrm>
+          <a:prstGeom prst="rect">
+            <a:avLst/>
+          </a:prstGeom>
+          <a:noFill/>
+        </p:spPr>
+        <p:txBody>
+          <a:bodyPr wrap="none" rtlCol="0">
+            <a:spAutoFit/>
+          </a:bodyPr>
+          <a:lstStyle/>
+          <a:p>
+            <a:r>
+              <a:rPr lang="pl-PL" b="1" dirty="0" smtClean="0">
+                <a:solidFill>
+                  <a:srgbClr val="FF0000"/>
+                </a:solidFill>
+              </a:rPr>
+              <a:t>Agent: 0</a:t>
+            </a:r>
+            <a:endParaRPr lang="pl-PL" b="1" dirty="0">
+              <a:solidFill>
+                <a:srgbClr val="FF0000"/>
+              </a:solidFill>
+            </a:endParaRPr>
+          </a:p>
+        </p:txBody>
+      </p:sp>
+    </p:spTree>
+    <p:extLst>
+      <p:ext uri="{BB962C8B-B14F-4D97-AF65-F5344CB8AC3E}">
+        <p14:creationId xmlns:p14="http://schemas.microsoft.com/office/powerpoint/2010/main" val="4275086764"/>
+      </p:ext>
+    </p:extLst>
+  </p:cSld>
+  <p:clrMapOvr>
+    <a:masterClrMapping/>
+  </p:clrMapOvr>
+</p:sld>
+</file>
+
+<file path=ppt/slides/slide30.xml><?xml version="1.0" encoding="utf-8"?>
 <p:sld xmlns:a="http://schemas.openxmlformats.org/drawingml/2006/main" xmlns:r="http://schemas.openxmlformats.org/officeDocument/2006/relationships" xmlns:p="http://schemas.openxmlformats.org/presentationml/2006/main">
   <p:cSld>
     <p:spTree>
@@ -29713,139 +30551,7 @@
 </p:sld>
 </file>
 
-<file path=ppt/slides/slide3.xml><?xml version="1.0" encoding="utf-8"?>
-<p:sld xmlns:a="http://schemas.openxmlformats.org/drawingml/2006/main" xmlns:r="http://schemas.openxmlformats.org/officeDocument/2006/relationships" xmlns:p="http://schemas.openxmlformats.org/presentationml/2006/main">
-  <p:cSld>
-    <p:spTree>
-      <p:nvGrpSpPr>
-        <p:cNvPr id="1" name=""/>
-        <p:cNvGrpSpPr/>
-        <p:nvPr/>
-      </p:nvGrpSpPr>
-      <p:grpSpPr>
-        <a:xfrm>
-          <a:off x="0" y="0"/>
-          <a:ext cx="0" cy="0"/>
-          <a:chOff x="0" y="0"/>
-          <a:chExt cx="0" cy="0"/>
-        </a:xfrm>
-      </p:grpSpPr>
-      <p:pic>
-        <p:nvPicPr>
-          <p:cNvPr id="2050" name="Picture 2"/>
-          <p:cNvPicPr>
-            <a:picLocks noChangeAspect="1" noChangeArrowheads="1"/>
-          </p:cNvPicPr>
-          <p:nvPr/>
-        </p:nvPicPr>
-        <p:blipFill>
-          <a:blip r:embed="rId2">
-            <a:extLst>
-              <a:ext uri="{28A0092B-C50C-407E-A947-70E740481C1C}">
-                <a14:useLocalDpi xmlns:a14="http://schemas.microsoft.com/office/drawing/2010/main" val="0"/>
-              </a:ext>
-            </a:extLst>
-          </a:blip>
-          <a:srcRect/>
-          <a:stretch>
-            <a:fillRect/>
-          </a:stretch>
-        </p:blipFill>
-        <p:spPr bwMode="auto">
-          <a:xfrm>
-            <a:off x="2614613" y="1966913"/>
-            <a:ext cx="3914775" cy="2924175"/>
-          </a:xfrm>
-          <a:prstGeom prst="rect">
-            <a:avLst/>
-          </a:prstGeom>
-          <a:noFill/>
-          <a:ln>
-            <a:noFill/>
-          </a:ln>
-          <a:effectLst/>
-          <a:extLst>
-            <a:ext uri="{909E8E84-426E-40DD-AFC4-6F175D3DCCD1}">
-              <a14:hiddenFill xmlns:a14="http://schemas.microsoft.com/office/drawing/2010/main">
-                <a:solidFill>
-                  <a:schemeClr val="accent1"/>
-                </a:solidFill>
-              </a14:hiddenFill>
-            </a:ext>
-            <a:ext uri="{91240B29-F687-4F45-9708-019B960494DF}">
-              <a14:hiddenLine xmlns:a14="http://schemas.microsoft.com/office/drawing/2010/main" w="9525">
-                <a:solidFill>
-                  <a:schemeClr val="tx1"/>
-                </a:solidFill>
-                <a:miter lim="800000"/>
-                <a:headEnd/>
-                <a:tailEnd/>
-              </a14:hiddenLine>
-            </a:ext>
-            <a:ext uri="{AF507438-7753-43E0-B8FC-AC1667EBCBE1}">
-              <a14:hiddenEffects xmlns:a14="http://schemas.microsoft.com/office/drawing/2010/main">
-                <a:effectLst>
-                  <a:outerShdw dist="35921" dir="2700000" algn="ctr" rotWithShape="0">
-                    <a:schemeClr val="bg2"/>
-                  </a:outerShdw>
-                </a:effectLst>
-              </a14:hiddenEffects>
-            </a:ext>
-          </a:extLst>
-        </p:spPr>
-      </p:pic>
-      <p:sp>
-        <p:nvSpPr>
-          <p:cNvPr id="5" name="pole tekstowe 4"/>
-          <p:cNvSpPr txBox="1"/>
-          <p:nvPr/>
-        </p:nvSpPr>
-        <p:spPr>
-          <a:xfrm>
-            <a:off x="3173120" y="2420888"/>
-            <a:ext cx="981551" cy="369332"/>
-          </a:xfrm>
-          <a:prstGeom prst="rect">
-            <a:avLst/>
-          </a:prstGeom>
-          <a:noFill/>
-        </p:spPr>
-        <p:txBody>
-          <a:bodyPr wrap="none" rtlCol="0">
-            <a:spAutoFit/>
-          </a:bodyPr>
-          <a:lstStyle/>
-          <a:p>
-            <a:r>
-              <a:rPr lang="pl-PL" b="1" dirty="0" smtClean="0">
-                <a:solidFill>
-                  <a:srgbClr val="FF0000"/>
-                </a:solidFill>
-              </a:rPr>
-              <a:t>Agent: 0</a:t>
-            </a:r>
-            <a:endParaRPr lang="pl-PL" b="1" dirty="0">
-              <a:solidFill>
-                <a:srgbClr val="FF0000"/>
-              </a:solidFill>
-            </a:endParaRPr>
-          </a:p>
-        </p:txBody>
-      </p:sp>
-    </p:spTree>
-    <p:extLst>
-      <p:ext uri="{BB962C8B-B14F-4D97-AF65-F5344CB8AC3E}">
-        <p14:creationId xmlns:p14="http://schemas.microsoft.com/office/powerpoint/2010/main" val="4275086764"/>
-      </p:ext>
-    </p:extLst>
-  </p:cSld>
-  <p:clrMapOvr>
-    <a:masterClrMapping/>
-  </p:clrMapOvr>
-</p:sld>
-</file>
-
-<file path=ppt/slides/slide30.xml><?xml version="1.0" encoding="utf-8"?>
+<file path=ppt/slides/slide31.xml><?xml version="1.0" encoding="utf-8"?>
 <p:sld xmlns:a="http://schemas.openxmlformats.org/drawingml/2006/main" xmlns:r="http://schemas.openxmlformats.org/officeDocument/2006/relationships" xmlns:p="http://schemas.openxmlformats.org/presentationml/2006/main">
   <p:cSld>
     <p:spTree>
@@ -30619,7 +31325,7 @@
 </p:sld>
 </file>
 
-<file path=ppt/slides/slide31.xml><?xml version="1.0" encoding="utf-8"?>
+<file path=ppt/slides/slide32.xml><?xml version="1.0" encoding="utf-8"?>
 <p:sld xmlns:a="http://schemas.openxmlformats.org/drawingml/2006/main" xmlns:r="http://schemas.openxmlformats.org/officeDocument/2006/relationships" xmlns:p="http://schemas.openxmlformats.org/presentationml/2006/main">
   <p:cSld>
     <p:spTree>
@@ -31393,7 +32099,7 @@
 </p:sld>
 </file>
 
-<file path=ppt/slides/slide32.xml><?xml version="1.0" encoding="utf-8"?>
+<file path=ppt/slides/slide33.xml><?xml version="1.0" encoding="utf-8"?>
 <p:sld xmlns:a="http://schemas.openxmlformats.org/drawingml/2006/main" xmlns:r="http://schemas.openxmlformats.org/officeDocument/2006/relationships" xmlns:p="http://schemas.openxmlformats.org/presentationml/2006/main">
   <p:cSld>
     <p:spTree>
@@ -31487,7 +32193,7 @@
 </p:sld>
 </file>
 
-<file path=ppt/slides/slide33.xml><?xml version="1.0" encoding="utf-8"?>
+<file path=ppt/slides/slide34.xml><?xml version="1.0" encoding="utf-8"?>
 <p:sld xmlns:a="http://schemas.openxmlformats.org/drawingml/2006/main" xmlns:r="http://schemas.openxmlformats.org/officeDocument/2006/relationships" xmlns:p="http://schemas.openxmlformats.org/presentationml/2006/main">
   <p:cSld>
     <p:spTree>
@@ -33483,7 +34189,7 @@
 </p:sld>
 </file>
 
-<file path=ppt/slides/slide34.xml><?xml version="1.0" encoding="utf-8"?>
+<file path=ppt/slides/slide35.xml><?xml version="1.0" encoding="utf-8"?>
 <p:sld xmlns:a="http://schemas.openxmlformats.org/drawingml/2006/main" xmlns:r="http://schemas.openxmlformats.org/officeDocument/2006/relationships" xmlns:p="http://schemas.openxmlformats.org/presentationml/2006/main">
   <p:cSld>
     <p:spTree>
@@ -35318,7 +36024,7 @@
 </p:sld>
 </file>
 
-<file path=ppt/slides/slide35.xml><?xml version="1.0" encoding="utf-8"?>
+<file path=ppt/slides/slide36.xml><?xml version="1.0" encoding="utf-8"?>
 <p:sld xmlns:a="http://schemas.openxmlformats.org/drawingml/2006/main" xmlns:r="http://schemas.openxmlformats.org/officeDocument/2006/relationships" xmlns:p="http://schemas.openxmlformats.org/presentationml/2006/main">
   <p:cSld>
     <p:spTree>

--- a/obrazy.pptx
+++ b/obrazy.pptx
@@ -4,6 +4,9 @@
   <p:sldMasterIdLst>
     <p:sldMasterId id="2147483648" r:id="rId1"/>
   </p:sldMasterIdLst>
+  <p:notesMasterIdLst>
+    <p:notesMasterId r:id="rId39"/>
+  </p:notesMasterIdLst>
   <p:sldIdLst>
     <p:sldId id="286" r:id="rId2"/>
     <p:sldId id="293" r:id="rId3"/>
@@ -21,26 +24,27 @@
     <p:sldId id="258" r:id="rId15"/>
     <p:sldId id="262" r:id="rId16"/>
     <p:sldId id="263" r:id="rId17"/>
-    <p:sldId id="295" r:id="rId18"/>
-    <p:sldId id="259" r:id="rId19"/>
-    <p:sldId id="264" r:id="rId20"/>
-    <p:sldId id="265" r:id="rId21"/>
-    <p:sldId id="266" r:id="rId22"/>
-    <p:sldId id="267" r:id="rId23"/>
-    <p:sldId id="270" r:id="rId24"/>
-    <p:sldId id="268" r:id="rId25"/>
-    <p:sldId id="272" r:id="rId26"/>
-    <p:sldId id="273" r:id="rId27"/>
-    <p:sldId id="274" r:id="rId28"/>
-    <p:sldId id="275" r:id="rId29"/>
-    <p:sldId id="276" r:id="rId30"/>
-    <p:sldId id="278" r:id="rId31"/>
-    <p:sldId id="280" r:id="rId32"/>
-    <p:sldId id="281" r:id="rId33"/>
-    <p:sldId id="282" r:id="rId34"/>
-    <p:sldId id="283" r:id="rId35"/>
-    <p:sldId id="284" r:id="rId36"/>
-    <p:sldId id="285" r:id="rId37"/>
+    <p:sldId id="296" r:id="rId18"/>
+    <p:sldId id="295" r:id="rId19"/>
+    <p:sldId id="259" r:id="rId20"/>
+    <p:sldId id="264" r:id="rId21"/>
+    <p:sldId id="265" r:id="rId22"/>
+    <p:sldId id="266" r:id="rId23"/>
+    <p:sldId id="267" r:id="rId24"/>
+    <p:sldId id="270" r:id="rId25"/>
+    <p:sldId id="268" r:id="rId26"/>
+    <p:sldId id="272" r:id="rId27"/>
+    <p:sldId id="273" r:id="rId28"/>
+    <p:sldId id="274" r:id="rId29"/>
+    <p:sldId id="275" r:id="rId30"/>
+    <p:sldId id="276" r:id="rId31"/>
+    <p:sldId id="278" r:id="rId32"/>
+    <p:sldId id="280" r:id="rId33"/>
+    <p:sldId id="281" r:id="rId34"/>
+    <p:sldId id="282" r:id="rId35"/>
+    <p:sldId id="283" r:id="rId36"/>
+    <p:sldId id="284" r:id="rId37"/>
+    <p:sldId id="285" r:id="rId38"/>
   </p:sldIdLst>
   <p:sldSz cx="9144000" cy="6858000" type="screen4x3"/>
   <p:notesSz cx="6858000" cy="9144000"/>
@@ -141,7 +145,7 @@
   </p:defaultTextStyle>
   <p:extLst>
     <p:ext uri="{EFAFB233-063F-42B5-8137-9DF3F51BA10A}">
-      <p15:sldGuideLst xmlns="" xmlns:p15="http://schemas.microsoft.com/office/powerpoint/2012/main">
+      <p15:sldGuideLst xmlns:p15="http://schemas.microsoft.com/office/powerpoint/2012/main" xmlns="">
         <p15:guide id="1" orient="horz" pos="2160">
           <p15:clr>
             <a:srgbClr val="A4A3A4"/>
@@ -156,6 +160,440 @@
     </p:ext>
   </p:extLst>
 </p:presentation>
+</file>
+
+<file path=ppt/notesMasters/notesMaster1.xml><?xml version="1.0" encoding="utf-8"?>
+<p:notesMaster xmlns:a="http://schemas.openxmlformats.org/drawingml/2006/main" xmlns:r="http://schemas.openxmlformats.org/officeDocument/2006/relationships" xmlns:p="http://schemas.openxmlformats.org/presentationml/2006/main">
+  <p:cSld>
+    <p:bg>
+      <p:bgRef idx="1001">
+        <a:schemeClr val="bg1"/>
+      </p:bgRef>
+    </p:bg>
+    <p:spTree>
+      <p:nvGrpSpPr>
+        <p:cNvPr id="1" name=""/>
+        <p:cNvGrpSpPr/>
+        <p:nvPr/>
+      </p:nvGrpSpPr>
+      <p:grpSpPr>
+        <a:xfrm>
+          <a:off x="0" y="0"/>
+          <a:ext cx="0" cy="0"/>
+          <a:chOff x="0" y="0"/>
+          <a:chExt cx="0" cy="0"/>
+        </a:xfrm>
+      </p:grpSpPr>
+      <p:sp>
+        <p:nvSpPr>
+          <p:cNvPr id="2" name="Symbol zastępczy nagłówka 1"/>
+          <p:cNvSpPr>
+            <a:spLocks noGrp="1"/>
+          </p:cNvSpPr>
+          <p:nvPr>
+            <p:ph type="hdr" sz="quarter"/>
+          </p:nvPr>
+        </p:nvSpPr>
+        <p:spPr>
+          <a:xfrm>
+            <a:off x="0" y="0"/>
+            <a:ext cx="2971800" cy="457200"/>
+          </a:xfrm>
+          <a:prstGeom prst="rect">
+            <a:avLst/>
+          </a:prstGeom>
+        </p:spPr>
+        <p:txBody>
+          <a:bodyPr vert="horz" lIns="91440" tIns="45720" rIns="91440" bIns="45720" rtlCol="0"/>
+          <a:lstStyle>
+            <a:lvl1pPr algn="l">
+              <a:defRPr sz="1200"/>
+            </a:lvl1pPr>
+          </a:lstStyle>
+          <a:p>
+            <a:endParaRPr lang="pl-PL"/>
+          </a:p>
+        </p:txBody>
+      </p:sp>
+      <p:sp>
+        <p:nvSpPr>
+          <p:cNvPr id="3" name="Symbol zastępczy daty 2"/>
+          <p:cNvSpPr>
+            <a:spLocks noGrp="1"/>
+          </p:cNvSpPr>
+          <p:nvPr>
+            <p:ph type="dt" idx="1"/>
+          </p:nvPr>
+        </p:nvSpPr>
+        <p:spPr>
+          <a:xfrm>
+            <a:off x="3884613" y="0"/>
+            <a:ext cx="2971800" cy="457200"/>
+          </a:xfrm>
+          <a:prstGeom prst="rect">
+            <a:avLst/>
+          </a:prstGeom>
+        </p:spPr>
+        <p:txBody>
+          <a:bodyPr vert="horz" lIns="91440" tIns="45720" rIns="91440" bIns="45720" rtlCol="0"/>
+          <a:lstStyle>
+            <a:lvl1pPr algn="r">
+              <a:defRPr sz="1200"/>
+            </a:lvl1pPr>
+          </a:lstStyle>
+          <a:p>
+            <a:fld id="{826F3446-B3C4-4F0B-B165-9A7A4323BEDE}" type="datetimeFigureOut">
+              <a:rPr lang="pl-PL" smtClean="0"/>
+              <a:t>06.07.2019</a:t>
+            </a:fld>
+            <a:endParaRPr lang="pl-PL"/>
+          </a:p>
+        </p:txBody>
+      </p:sp>
+      <p:sp>
+        <p:nvSpPr>
+          <p:cNvPr id="4" name="Symbol zastępczy obrazu slajdu 3"/>
+          <p:cNvSpPr>
+            <a:spLocks noGrp="1" noRot="1" noChangeAspect="1"/>
+          </p:cNvSpPr>
+          <p:nvPr>
+            <p:ph type="sldImg" idx="2"/>
+          </p:nvPr>
+        </p:nvSpPr>
+        <p:spPr>
+          <a:xfrm>
+            <a:off x="1143000" y="685800"/>
+            <a:ext cx="4572000" cy="3429000"/>
+          </a:xfrm>
+          <a:prstGeom prst="rect">
+            <a:avLst/>
+          </a:prstGeom>
+          <a:noFill/>
+          <a:ln w="12700">
+            <a:solidFill>
+              <a:prstClr val="black"/>
+            </a:solidFill>
+          </a:ln>
+        </p:spPr>
+        <p:txBody>
+          <a:bodyPr vert="horz" lIns="91440" tIns="45720" rIns="91440" bIns="45720" rtlCol="0" anchor="ctr"/>
+          <a:lstStyle/>
+          <a:p>
+            <a:endParaRPr lang="pl-PL"/>
+          </a:p>
+        </p:txBody>
+      </p:sp>
+      <p:sp>
+        <p:nvSpPr>
+          <p:cNvPr id="5" name="Symbol zastępczy notatek 4"/>
+          <p:cNvSpPr>
+            <a:spLocks noGrp="1"/>
+          </p:cNvSpPr>
+          <p:nvPr>
+            <p:ph type="body" sz="quarter" idx="3"/>
+          </p:nvPr>
+        </p:nvSpPr>
+        <p:spPr>
+          <a:xfrm>
+            <a:off x="685800" y="4343400"/>
+            <a:ext cx="5486400" cy="4114800"/>
+          </a:xfrm>
+          <a:prstGeom prst="rect">
+            <a:avLst/>
+          </a:prstGeom>
+        </p:spPr>
+        <p:txBody>
+          <a:bodyPr vert="horz" lIns="91440" tIns="45720" rIns="91440" bIns="45720" rtlCol="0"/>
+          <a:lstStyle/>
+          <a:p>
+            <a:pPr lvl="0"/>
+            <a:r>
+              <a:rPr lang="pl-PL" smtClean="0"/>
+              <a:t>Kliknij, aby edytować style wzorca tekstu</a:t>
+            </a:r>
+          </a:p>
+          <a:p>
+            <a:pPr lvl="1"/>
+            <a:r>
+              <a:rPr lang="pl-PL" smtClean="0"/>
+              <a:t>Drugi poziom</a:t>
+            </a:r>
+          </a:p>
+          <a:p>
+            <a:pPr lvl="2"/>
+            <a:r>
+              <a:rPr lang="pl-PL" smtClean="0"/>
+              <a:t>Trzeci poziom</a:t>
+            </a:r>
+          </a:p>
+          <a:p>
+            <a:pPr lvl="3"/>
+            <a:r>
+              <a:rPr lang="pl-PL" smtClean="0"/>
+              <a:t>Czwarty poziom</a:t>
+            </a:r>
+          </a:p>
+          <a:p>
+            <a:pPr lvl="4"/>
+            <a:r>
+              <a:rPr lang="pl-PL" smtClean="0"/>
+              <a:t>Piąty poziom</a:t>
+            </a:r>
+            <a:endParaRPr lang="pl-PL"/>
+          </a:p>
+        </p:txBody>
+      </p:sp>
+      <p:sp>
+        <p:nvSpPr>
+          <p:cNvPr id="6" name="Symbol zastępczy stopki 5"/>
+          <p:cNvSpPr>
+            <a:spLocks noGrp="1"/>
+          </p:cNvSpPr>
+          <p:nvPr>
+            <p:ph type="ftr" sz="quarter" idx="4"/>
+          </p:nvPr>
+        </p:nvSpPr>
+        <p:spPr>
+          <a:xfrm>
+            <a:off x="0" y="8685213"/>
+            <a:ext cx="2971800" cy="457200"/>
+          </a:xfrm>
+          <a:prstGeom prst="rect">
+            <a:avLst/>
+          </a:prstGeom>
+        </p:spPr>
+        <p:txBody>
+          <a:bodyPr vert="horz" lIns="91440" tIns="45720" rIns="91440" bIns="45720" rtlCol="0" anchor="b"/>
+          <a:lstStyle>
+            <a:lvl1pPr algn="l">
+              <a:defRPr sz="1200"/>
+            </a:lvl1pPr>
+          </a:lstStyle>
+          <a:p>
+            <a:endParaRPr lang="pl-PL"/>
+          </a:p>
+        </p:txBody>
+      </p:sp>
+      <p:sp>
+        <p:nvSpPr>
+          <p:cNvPr id="7" name="Symbol zastępczy numeru slajdu 6"/>
+          <p:cNvSpPr>
+            <a:spLocks noGrp="1"/>
+          </p:cNvSpPr>
+          <p:nvPr>
+            <p:ph type="sldNum" sz="quarter" idx="5"/>
+          </p:nvPr>
+        </p:nvSpPr>
+        <p:spPr>
+          <a:xfrm>
+            <a:off x="3884613" y="8685213"/>
+            <a:ext cx="2971800" cy="457200"/>
+          </a:xfrm>
+          <a:prstGeom prst="rect">
+            <a:avLst/>
+          </a:prstGeom>
+        </p:spPr>
+        <p:txBody>
+          <a:bodyPr vert="horz" lIns="91440" tIns="45720" rIns="91440" bIns="45720" rtlCol="0" anchor="b"/>
+          <a:lstStyle>
+            <a:lvl1pPr algn="r">
+              <a:defRPr sz="1200"/>
+            </a:lvl1pPr>
+          </a:lstStyle>
+          <a:p>
+            <a:fld id="{28EA90D6-C195-4C49-B551-7E3FBAF9D1C2}" type="slidenum">
+              <a:rPr lang="pl-PL" smtClean="0"/>
+              <a:t>‹#›</a:t>
+            </a:fld>
+            <a:endParaRPr lang="pl-PL"/>
+          </a:p>
+        </p:txBody>
+      </p:sp>
+    </p:spTree>
+    <p:extLst>
+      <p:ext uri="{BB962C8B-B14F-4D97-AF65-F5344CB8AC3E}">
+        <p14:creationId xmlns:p14="http://schemas.microsoft.com/office/powerpoint/2010/main" val="970440986"/>
+      </p:ext>
+    </p:extLst>
+  </p:cSld>
+  <p:clrMap bg1="lt1" tx1="dk1" bg2="lt2" tx2="dk2" accent1="accent1" accent2="accent2" accent3="accent3" accent4="accent4" accent5="accent5" accent6="accent6" hlink="hlink" folHlink="folHlink"/>
+  <p:notesStyle>
+    <a:lvl1pPr marL="0" algn="l" defTabSz="914400" rtl="0" eaLnBrk="1" latinLnBrk="0" hangingPunct="1">
+      <a:defRPr sz="1200" kern="1200">
+        <a:solidFill>
+          <a:schemeClr val="tx1"/>
+        </a:solidFill>
+        <a:latin typeface="+mn-lt"/>
+        <a:ea typeface="+mn-ea"/>
+        <a:cs typeface="+mn-cs"/>
+      </a:defRPr>
+    </a:lvl1pPr>
+    <a:lvl2pPr marL="457200" algn="l" defTabSz="914400" rtl="0" eaLnBrk="1" latinLnBrk="0" hangingPunct="1">
+      <a:defRPr sz="1200" kern="1200">
+        <a:solidFill>
+          <a:schemeClr val="tx1"/>
+        </a:solidFill>
+        <a:latin typeface="+mn-lt"/>
+        <a:ea typeface="+mn-ea"/>
+        <a:cs typeface="+mn-cs"/>
+      </a:defRPr>
+    </a:lvl2pPr>
+    <a:lvl3pPr marL="914400" algn="l" defTabSz="914400" rtl="0" eaLnBrk="1" latinLnBrk="0" hangingPunct="1">
+      <a:defRPr sz="1200" kern="1200">
+        <a:solidFill>
+          <a:schemeClr val="tx1"/>
+        </a:solidFill>
+        <a:latin typeface="+mn-lt"/>
+        <a:ea typeface="+mn-ea"/>
+        <a:cs typeface="+mn-cs"/>
+      </a:defRPr>
+    </a:lvl3pPr>
+    <a:lvl4pPr marL="1371600" algn="l" defTabSz="914400" rtl="0" eaLnBrk="1" latinLnBrk="0" hangingPunct="1">
+      <a:defRPr sz="1200" kern="1200">
+        <a:solidFill>
+          <a:schemeClr val="tx1"/>
+        </a:solidFill>
+        <a:latin typeface="+mn-lt"/>
+        <a:ea typeface="+mn-ea"/>
+        <a:cs typeface="+mn-cs"/>
+      </a:defRPr>
+    </a:lvl4pPr>
+    <a:lvl5pPr marL="1828800" algn="l" defTabSz="914400" rtl="0" eaLnBrk="1" latinLnBrk="0" hangingPunct="1">
+      <a:defRPr sz="1200" kern="1200">
+        <a:solidFill>
+          <a:schemeClr val="tx1"/>
+        </a:solidFill>
+        <a:latin typeface="+mn-lt"/>
+        <a:ea typeface="+mn-ea"/>
+        <a:cs typeface="+mn-cs"/>
+      </a:defRPr>
+    </a:lvl5pPr>
+    <a:lvl6pPr marL="2286000" algn="l" defTabSz="914400" rtl="0" eaLnBrk="1" latinLnBrk="0" hangingPunct="1">
+      <a:defRPr sz="1200" kern="1200">
+        <a:solidFill>
+          <a:schemeClr val="tx1"/>
+        </a:solidFill>
+        <a:latin typeface="+mn-lt"/>
+        <a:ea typeface="+mn-ea"/>
+        <a:cs typeface="+mn-cs"/>
+      </a:defRPr>
+    </a:lvl6pPr>
+    <a:lvl7pPr marL="2743200" algn="l" defTabSz="914400" rtl="0" eaLnBrk="1" latinLnBrk="0" hangingPunct="1">
+      <a:defRPr sz="1200" kern="1200">
+        <a:solidFill>
+          <a:schemeClr val="tx1"/>
+        </a:solidFill>
+        <a:latin typeface="+mn-lt"/>
+        <a:ea typeface="+mn-ea"/>
+        <a:cs typeface="+mn-cs"/>
+      </a:defRPr>
+    </a:lvl7pPr>
+    <a:lvl8pPr marL="3200400" algn="l" defTabSz="914400" rtl="0" eaLnBrk="1" latinLnBrk="0" hangingPunct="1">
+      <a:defRPr sz="1200" kern="1200">
+        <a:solidFill>
+          <a:schemeClr val="tx1"/>
+        </a:solidFill>
+        <a:latin typeface="+mn-lt"/>
+        <a:ea typeface="+mn-ea"/>
+        <a:cs typeface="+mn-cs"/>
+      </a:defRPr>
+    </a:lvl8pPr>
+    <a:lvl9pPr marL="3657600" algn="l" defTabSz="914400" rtl="0" eaLnBrk="1" latinLnBrk="0" hangingPunct="1">
+      <a:defRPr sz="1200" kern="1200">
+        <a:solidFill>
+          <a:schemeClr val="tx1"/>
+        </a:solidFill>
+        <a:latin typeface="+mn-lt"/>
+        <a:ea typeface="+mn-ea"/>
+        <a:cs typeface="+mn-cs"/>
+      </a:defRPr>
+    </a:lvl9pPr>
+  </p:notesStyle>
+</p:notesMaster>
+</file>
+
+<file path=ppt/notesSlides/notesSlide1.xml><?xml version="1.0" encoding="utf-8"?>
+<p:notes xmlns:a="http://schemas.openxmlformats.org/drawingml/2006/main" xmlns:r="http://schemas.openxmlformats.org/officeDocument/2006/relationships" xmlns:p="http://schemas.openxmlformats.org/presentationml/2006/main">
+  <p:cSld>
+    <p:spTree>
+      <p:nvGrpSpPr>
+        <p:cNvPr id="1" name=""/>
+        <p:cNvGrpSpPr/>
+        <p:nvPr/>
+      </p:nvGrpSpPr>
+      <p:grpSpPr>
+        <a:xfrm>
+          <a:off x="0" y="0"/>
+          <a:ext cx="0" cy="0"/>
+          <a:chOff x="0" y="0"/>
+          <a:chExt cx="0" cy="0"/>
+        </a:xfrm>
+      </p:grpSpPr>
+      <p:sp>
+        <p:nvSpPr>
+          <p:cNvPr id="2" name="Symbol zastępczy obrazu slajdu 1"/>
+          <p:cNvSpPr>
+            <a:spLocks noGrp="1" noRot="1" noChangeAspect="1"/>
+          </p:cNvSpPr>
+          <p:nvPr>
+            <p:ph type="sldImg"/>
+          </p:nvPr>
+        </p:nvSpPr>
+        <p:spPr/>
+      </p:sp>
+      <p:sp>
+        <p:nvSpPr>
+          <p:cNvPr id="3" name="Symbol zastępczy notatek 2"/>
+          <p:cNvSpPr>
+            <a:spLocks noGrp="1"/>
+          </p:cNvSpPr>
+          <p:nvPr>
+            <p:ph type="body" idx="1"/>
+          </p:nvPr>
+        </p:nvSpPr>
+        <p:spPr/>
+        <p:txBody>
+          <a:bodyPr/>
+          <a:lstStyle/>
+          <a:p>
+            <a:endParaRPr lang="pl-PL" dirty="0"/>
+          </a:p>
+        </p:txBody>
+      </p:sp>
+      <p:sp>
+        <p:nvSpPr>
+          <p:cNvPr id="4" name="Symbol zastępczy numeru slajdu 3"/>
+          <p:cNvSpPr>
+            <a:spLocks noGrp="1"/>
+          </p:cNvSpPr>
+          <p:nvPr>
+            <p:ph type="sldNum" sz="quarter" idx="10"/>
+          </p:nvPr>
+        </p:nvSpPr>
+        <p:spPr/>
+        <p:txBody>
+          <a:bodyPr/>
+          <a:lstStyle/>
+          <a:p>
+            <a:fld id="{28EA90D6-C195-4C49-B551-7E3FBAF9D1C2}" type="slidenum">
+              <a:rPr lang="pl-PL" smtClean="0"/>
+              <a:t>16</a:t>
+            </a:fld>
+            <a:endParaRPr lang="pl-PL"/>
+          </a:p>
+        </p:txBody>
+      </p:sp>
+    </p:spTree>
+    <p:extLst>
+      <p:ext uri="{BB962C8B-B14F-4D97-AF65-F5344CB8AC3E}">
+        <p14:creationId xmlns:p14="http://schemas.microsoft.com/office/powerpoint/2010/main" val="4283803663"/>
+      </p:ext>
+    </p:extLst>
+  </p:cSld>
+  <p:clrMapOvr>
+    <a:masterClrMapping/>
+  </p:clrMapOvr>
+</p:notes>
 </file>
 
 <file path=ppt/slideLayouts/slideLayout1.xml><?xml version="1.0" encoding="utf-8"?>
@@ -339,7 +777,7 @@
           <a:p>
             <a:fld id="{B52AA6F2-AEE1-4FE6-B3E2-3509488F5D07}" type="datetimeFigureOut">
               <a:rPr lang="pl-PL" smtClean="0"/>
-              <a:t>05.07.2019</a:t>
+              <a:t>06.07.2019</a:t>
             </a:fld>
             <a:endParaRPr lang="pl-PL"/>
           </a:p>
@@ -509,7 +947,7 @@
           <a:p>
             <a:fld id="{B52AA6F2-AEE1-4FE6-B3E2-3509488F5D07}" type="datetimeFigureOut">
               <a:rPr lang="pl-PL" smtClean="0"/>
-              <a:t>05.07.2019</a:t>
+              <a:t>06.07.2019</a:t>
             </a:fld>
             <a:endParaRPr lang="pl-PL"/>
           </a:p>
@@ -689,7 +1127,7 @@
           <a:p>
             <a:fld id="{B52AA6F2-AEE1-4FE6-B3E2-3509488F5D07}" type="datetimeFigureOut">
               <a:rPr lang="pl-PL" smtClean="0"/>
-              <a:t>05.07.2019</a:t>
+              <a:t>06.07.2019</a:t>
             </a:fld>
             <a:endParaRPr lang="pl-PL"/>
           </a:p>
@@ -859,7 +1297,7 @@
           <a:p>
             <a:fld id="{B52AA6F2-AEE1-4FE6-B3E2-3509488F5D07}" type="datetimeFigureOut">
               <a:rPr lang="pl-PL" smtClean="0"/>
-              <a:t>05.07.2019</a:t>
+              <a:t>06.07.2019</a:t>
             </a:fld>
             <a:endParaRPr lang="pl-PL"/>
           </a:p>
@@ -1105,7 +1543,7 @@
           <a:p>
             <a:fld id="{B52AA6F2-AEE1-4FE6-B3E2-3509488F5D07}" type="datetimeFigureOut">
               <a:rPr lang="pl-PL" smtClean="0"/>
-              <a:t>05.07.2019</a:t>
+              <a:t>06.07.2019</a:t>
             </a:fld>
             <a:endParaRPr lang="pl-PL"/>
           </a:p>
@@ -1393,7 +1831,7 @@
           <a:p>
             <a:fld id="{B52AA6F2-AEE1-4FE6-B3E2-3509488F5D07}" type="datetimeFigureOut">
               <a:rPr lang="pl-PL" smtClean="0"/>
-              <a:t>05.07.2019</a:t>
+              <a:t>06.07.2019</a:t>
             </a:fld>
             <a:endParaRPr lang="pl-PL"/>
           </a:p>
@@ -1815,7 +2253,7 @@
           <a:p>
             <a:fld id="{B52AA6F2-AEE1-4FE6-B3E2-3509488F5D07}" type="datetimeFigureOut">
               <a:rPr lang="pl-PL" smtClean="0"/>
-              <a:t>05.07.2019</a:t>
+              <a:t>06.07.2019</a:t>
             </a:fld>
             <a:endParaRPr lang="pl-PL"/>
           </a:p>
@@ -1933,7 +2371,7 @@
           <a:p>
             <a:fld id="{B52AA6F2-AEE1-4FE6-B3E2-3509488F5D07}" type="datetimeFigureOut">
               <a:rPr lang="pl-PL" smtClean="0"/>
-              <a:t>05.07.2019</a:t>
+              <a:t>06.07.2019</a:t>
             </a:fld>
             <a:endParaRPr lang="pl-PL"/>
           </a:p>
@@ -2028,7 +2466,7 @@
           <a:p>
             <a:fld id="{B52AA6F2-AEE1-4FE6-B3E2-3509488F5D07}" type="datetimeFigureOut">
               <a:rPr lang="pl-PL" smtClean="0"/>
-              <a:t>05.07.2019</a:t>
+              <a:t>06.07.2019</a:t>
             </a:fld>
             <a:endParaRPr lang="pl-PL"/>
           </a:p>
@@ -2305,7 +2743,7 @@
           <a:p>
             <a:fld id="{B52AA6F2-AEE1-4FE6-B3E2-3509488F5D07}" type="datetimeFigureOut">
               <a:rPr lang="pl-PL" smtClean="0"/>
-              <a:t>05.07.2019</a:t>
+              <a:t>06.07.2019</a:t>
             </a:fld>
             <a:endParaRPr lang="pl-PL"/>
           </a:p>
@@ -2558,7 +2996,7 @@
           <a:p>
             <a:fld id="{B52AA6F2-AEE1-4FE6-B3E2-3509488F5D07}" type="datetimeFigureOut">
               <a:rPr lang="pl-PL" smtClean="0"/>
-              <a:t>05.07.2019</a:t>
+              <a:t>06.07.2019</a:t>
             </a:fld>
             <a:endParaRPr lang="pl-PL"/>
           </a:p>
@@ -2771,7 +3209,7 @@
           <a:p>
             <a:fld id="{B52AA6F2-AEE1-4FE6-B3E2-3509488F5D07}" type="datetimeFigureOut">
               <a:rPr lang="pl-PL" smtClean="0"/>
-              <a:t>05.07.2019</a:t>
+              <a:t>06.07.2019</a:t>
             </a:fld>
             <a:endParaRPr lang="pl-PL"/>
           </a:p>
@@ -11400,94 +11838,16 @@
           <a:chExt cx="0" cy="0"/>
         </a:xfrm>
       </p:grpSpPr>
-      <p:sp>
-        <p:nvSpPr>
-          <p:cNvPr id="26" name="AutoShape 5" descr="Znalezione obrazy dla zapytania strzałka"/>
-          <p:cNvSpPr>
-            <a:spLocks noChangeAspect="1" noChangeArrowheads="1"/>
-          </p:cNvSpPr>
-          <p:nvPr/>
-        </p:nvSpPr>
-        <p:spPr bwMode="auto">
-          <a:xfrm>
-            <a:off x="155575" y="-2079625"/>
-            <a:ext cx="4333875" cy="4333875"/>
-          </a:xfrm>
-          <a:prstGeom prst="rect">
-            <a:avLst/>
-          </a:prstGeom>
-          <a:noFill/>
-          <a:extLst>
-            <a:ext uri="{909E8E84-426E-40DD-AFC4-6F175D3DCCD1}">
-              <a14:hiddenFill xmlns:a14="http://schemas.microsoft.com/office/drawing/2010/main">
-                <a:solidFill>
-                  <a:srgbClr val="FFFFFF"/>
-                </a:solidFill>
-              </a14:hiddenFill>
-            </a:ext>
-          </a:extLst>
-        </p:spPr>
-        <p:txBody>
-          <a:bodyPr vert="horz" wrap="square" lIns="91440" tIns="45720" rIns="91440" bIns="45720" numCol="1" anchor="t" anchorCtr="0" compatLnSpc="1">
-            <a:prstTxWarp prst="textNoShape">
-              <a:avLst/>
-            </a:prstTxWarp>
-          </a:bodyPr>
-          <a:lstStyle/>
-          <a:p>
-            <a:endParaRPr lang="pl-PL"/>
-          </a:p>
-        </p:txBody>
-      </p:sp>
-      <p:sp>
-        <p:nvSpPr>
-          <p:cNvPr id="27" name="AutoShape 7" descr="Znalezione obrazy dla zapytania strzałka"/>
-          <p:cNvSpPr>
-            <a:spLocks noChangeAspect="1" noChangeArrowheads="1"/>
-          </p:cNvSpPr>
-          <p:nvPr/>
-        </p:nvSpPr>
-        <p:spPr bwMode="auto">
-          <a:xfrm>
-            <a:off x="307975" y="-1927225"/>
-            <a:ext cx="4333875" cy="4333875"/>
-          </a:xfrm>
-          <a:prstGeom prst="rect">
-            <a:avLst/>
-          </a:prstGeom>
-          <a:noFill/>
-          <a:extLst>
-            <a:ext uri="{909E8E84-426E-40DD-AFC4-6F175D3DCCD1}">
-              <a14:hiddenFill xmlns:a14="http://schemas.microsoft.com/office/drawing/2010/main">
-                <a:solidFill>
-                  <a:srgbClr val="FFFFFF"/>
-                </a:solidFill>
-              </a14:hiddenFill>
-            </a:ext>
-          </a:extLst>
-        </p:spPr>
-        <p:txBody>
-          <a:bodyPr vert="horz" wrap="square" lIns="91440" tIns="45720" rIns="91440" bIns="45720" numCol="1" anchor="t" anchorCtr="0" compatLnSpc="1">
-            <a:prstTxWarp prst="textNoShape">
-              <a:avLst/>
-            </a:prstTxWarp>
-          </a:bodyPr>
-          <a:lstStyle/>
-          <a:p>
-            <a:endParaRPr lang="pl-PL"/>
-          </a:p>
-        </p:txBody>
-      </p:sp>
       <p:pic>
         <p:nvPicPr>
-          <p:cNvPr id="1034" name="Picture 10"/>
+          <p:cNvPr id="1028" name="Picture 4"/>
           <p:cNvPicPr>
             <a:picLocks noChangeAspect="1" noChangeArrowheads="1"/>
           </p:cNvPicPr>
           <p:nvPr/>
         </p:nvPicPr>
         <p:blipFill>
-          <a:blip r:embed="rId2">
+          <a:blip r:embed="rId3">
             <a:extLst>
               <a:ext uri="{28A0092B-C50C-407E-A947-70E740481C1C}">
                 <a14:useLocalDpi xmlns:a14="http://schemas.microsoft.com/office/drawing/2010/main" val="0"/>
@@ -11501,8 +11861,8 @@
         </p:blipFill>
         <p:spPr bwMode="auto">
           <a:xfrm>
-            <a:off x="-324544" y="-295751"/>
-            <a:ext cx="4429125" cy="3038475"/>
+            <a:off x="6350" y="3717032"/>
+            <a:ext cx="3590925" cy="2438400"/>
           </a:xfrm>
           <a:prstGeom prst="rect">
             <a:avLst/>
@@ -11542,80 +11902,16 @@
           </a:extLst>
         </p:spPr>
       </p:pic>
-      <p:sp>
-        <p:nvSpPr>
-          <p:cNvPr id="28" name="pole tekstowe 27"/>
-          <p:cNvSpPr txBox="1"/>
-          <p:nvPr/>
-        </p:nvSpPr>
-        <p:spPr>
-          <a:xfrm>
-            <a:off x="1596508" y="1527295"/>
-            <a:ext cx="583814" cy="369332"/>
-          </a:xfrm>
-          <a:prstGeom prst="rect">
-            <a:avLst/>
-          </a:prstGeom>
-          <a:noFill/>
-        </p:spPr>
-        <p:txBody>
-          <a:bodyPr wrap="none" rtlCol="0">
-            <a:spAutoFit/>
-          </a:bodyPr>
-          <a:lstStyle/>
-          <a:p>
-            <a:r>
-              <a:rPr lang="pl-PL" b="1" dirty="0" smtClean="0"/>
-              <a:t>75%</a:t>
-            </a:r>
-            <a:endParaRPr lang="pl-PL" b="1" dirty="0"/>
-          </a:p>
-        </p:txBody>
-      </p:sp>
-      <p:sp>
-        <p:nvSpPr>
-          <p:cNvPr id="34" name="pole tekstowe 33"/>
-          <p:cNvSpPr txBox="1"/>
-          <p:nvPr/>
-        </p:nvSpPr>
-        <p:spPr>
-          <a:xfrm>
-            <a:off x="1594905" y="598037"/>
-            <a:ext cx="587020" cy="369332"/>
-          </a:xfrm>
-          <a:prstGeom prst="rect">
-            <a:avLst/>
-          </a:prstGeom>
-          <a:noFill/>
-        </p:spPr>
-        <p:txBody>
-          <a:bodyPr wrap="none" rtlCol="0">
-            <a:spAutoFit/>
-          </a:bodyPr>
-          <a:lstStyle/>
-          <a:p>
-            <a:r>
-              <a:rPr lang="pl-PL" b="1" dirty="0"/>
-              <a:t>2</a:t>
-            </a:r>
-            <a:r>
-              <a:rPr lang="pl-PL" b="1" dirty="0" smtClean="0"/>
-              <a:t>5%</a:t>
-            </a:r>
-            <a:endParaRPr lang="pl-PL" b="1" dirty="0"/>
-          </a:p>
-        </p:txBody>
-      </p:sp>
       <p:pic>
         <p:nvPicPr>
-          <p:cNvPr id="1037" name="Picture 13"/>
+          <p:cNvPr id="1026" name="Picture 2"/>
           <p:cNvPicPr>
             <a:picLocks noChangeAspect="1" noChangeArrowheads="1"/>
           </p:cNvPicPr>
           <p:nvPr/>
         </p:nvPicPr>
         <p:blipFill>
-          <a:blip r:embed="rId3">
+          <a:blip r:embed="rId4">
             <a:extLst>
               <a:ext uri="{28A0092B-C50C-407E-A947-70E740481C1C}">
                 <a14:useLocalDpi xmlns:a14="http://schemas.microsoft.com/office/drawing/2010/main" val="0"/>
@@ -11629,8 +11925,8 @@
         </p:blipFill>
         <p:spPr bwMode="auto">
           <a:xfrm>
-            <a:off x="5292080" y="-57626"/>
-            <a:ext cx="4181475" cy="2800350"/>
+            <a:off x="5004048" y="113824"/>
+            <a:ext cx="3848100" cy="2628900"/>
           </a:xfrm>
           <a:prstGeom prst="rect">
             <a:avLst/>
@@ -11672,78 +11968,92 @@
       </p:pic>
       <p:sp>
         <p:nvSpPr>
-          <p:cNvPr id="41" name="pole tekstowe 40"/>
-          <p:cNvSpPr txBox="1"/>
+          <p:cNvPr id="26" name="AutoShape 5" descr="Znalezione obrazy dla zapytania strzałka"/>
+          <p:cNvSpPr>
+            <a:spLocks noChangeAspect="1" noChangeArrowheads="1"/>
+          </p:cNvSpPr>
           <p:nvPr/>
         </p:nvSpPr>
-        <p:spPr>
+        <p:spPr bwMode="auto">
           <a:xfrm>
-            <a:off x="7064533" y="1527295"/>
-            <a:ext cx="583814" cy="369332"/>
+            <a:off x="155575" y="-2079625"/>
+            <a:ext cx="4333875" cy="4333875"/>
           </a:xfrm>
           <a:prstGeom prst="rect">
             <a:avLst/>
           </a:prstGeom>
           <a:noFill/>
+          <a:extLst>
+            <a:ext uri="{909E8E84-426E-40DD-AFC4-6F175D3DCCD1}">
+              <a14:hiddenFill xmlns:a14="http://schemas.microsoft.com/office/drawing/2010/main">
+                <a:solidFill>
+                  <a:srgbClr val="FFFFFF"/>
+                </a:solidFill>
+              </a14:hiddenFill>
+            </a:ext>
+          </a:extLst>
         </p:spPr>
         <p:txBody>
-          <a:bodyPr wrap="none" rtlCol="0">
-            <a:spAutoFit/>
+          <a:bodyPr vert="horz" wrap="square" lIns="91440" tIns="45720" rIns="91440" bIns="45720" numCol="1" anchor="t" anchorCtr="0" compatLnSpc="1">
+            <a:prstTxWarp prst="textNoShape">
+              <a:avLst/>
+            </a:prstTxWarp>
           </a:bodyPr>
           <a:lstStyle/>
           <a:p>
-            <a:r>
-              <a:rPr lang="pl-PL" b="1" dirty="0" smtClean="0"/>
-              <a:t>75%</a:t>
-            </a:r>
-            <a:endParaRPr lang="pl-PL" b="1" dirty="0"/>
+            <a:endParaRPr lang="pl-PL"/>
           </a:p>
         </p:txBody>
       </p:sp>
       <p:sp>
         <p:nvSpPr>
-          <p:cNvPr id="42" name="pole tekstowe 41"/>
-          <p:cNvSpPr txBox="1"/>
+          <p:cNvPr id="27" name="AutoShape 7" descr="Znalezione obrazy dla zapytania strzałka"/>
+          <p:cNvSpPr>
+            <a:spLocks noChangeAspect="1" noChangeArrowheads="1"/>
+          </p:cNvSpPr>
           <p:nvPr/>
         </p:nvSpPr>
-        <p:spPr>
+        <p:spPr bwMode="auto">
           <a:xfrm>
-            <a:off x="7089307" y="750437"/>
-            <a:ext cx="587020" cy="369332"/>
+            <a:off x="307975" y="-1927225"/>
+            <a:ext cx="4333875" cy="4333875"/>
           </a:xfrm>
           <a:prstGeom prst="rect">
             <a:avLst/>
           </a:prstGeom>
           <a:noFill/>
+          <a:extLst>
+            <a:ext uri="{909E8E84-426E-40DD-AFC4-6F175D3DCCD1}">
+              <a14:hiddenFill xmlns:a14="http://schemas.microsoft.com/office/drawing/2010/main">
+                <a:solidFill>
+                  <a:srgbClr val="FFFFFF"/>
+                </a:solidFill>
+              </a14:hiddenFill>
+            </a:ext>
+          </a:extLst>
         </p:spPr>
         <p:txBody>
-          <a:bodyPr wrap="none" rtlCol="0">
-            <a:spAutoFit/>
+          <a:bodyPr vert="horz" wrap="square" lIns="91440" tIns="45720" rIns="91440" bIns="45720" numCol="1" anchor="t" anchorCtr="0" compatLnSpc="1">
+            <a:prstTxWarp prst="textNoShape">
+              <a:avLst/>
+            </a:prstTxWarp>
           </a:bodyPr>
           <a:lstStyle/>
           <a:p>
-            <a:r>
-              <a:rPr lang="pl-PL" b="1" dirty="0"/>
-              <a:t>2</a:t>
-            </a:r>
-            <a:r>
-              <a:rPr lang="pl-PL" b="1" dirty="0" smtClean="0"/>
-              <a:t>5%</a:t>
-            </a:r>
-            <a:endParaRPr lang="pl-PL" b="1" dirty="0"/>
+            <a:endParaRPr lang="pl-PL"/>
           </a:p>
         </p:txBody>
       </p:sp>
       <p:pic>
         <p:nvPicPr>
-          <p:cNvPr id="1038" name="Picture 14"/>
+          <p:cNvPr id="1034" name="Picture 10"/>
           <p:cNvPicPr>
             <a:picLocks noChangeAspect="1" noChangeArrowheads="1"/>
           </p:cNvPicPr>
           <p:nvPr/>
         </p:nvPicPr>
         <p:blipFill>
-          <a:blip r:embed="rId4">
+          <a:blip r:embed="rId5">
             <a:extLst>
               <a:ext uri="{28A0092B-C50C-407E-A947-70E740481C1C}">
                 <a14:useLocalDpi xmlns:a14="http://schemas.microsoft.com/office/drawing/2010/main" val="0"/>
@@ -11757,8 +12067,8 @@
         </p:blipFill>
         <p:spPr bwMode="auto">
           <a:xfrm>
-            <a:off x="-324544" y="3573016"/>
-            <a:ext cx="4210050" cy="2914650"/>
+            <a:off x="-324544" y="-295751"/>
+            <a:ext cx="4429125" cy="3038475"/>
           </a:xfrm>
           <a:prstGeom prst="rect">
             <a:avLst/>
@@ -11798,16 +12108,302 @@
           </a:extLst>
         </p:spPr>
       </p:pic>
+      <p:sp>
+        <p:nvSpPr>
+          <p:cNvPr id="28" name="pole tekstowe 27"/>
+          <p:cNvSpPr txBox="1"/>
+          <p:nvPr/>
+        </p:nvSpPr>
+        <p:spPr>
+          <a:xfrm>
+            <a:off x="1596508" y="1527295"/>
+            <a:ext cx="583814" cy="369332"/>
+          </a:xfrm>
+          <a:prstGeom prst="rect">
+            <a:avLst/>
+          </a:prstGeom>
+          <a:noFill/>
+        </p:spPr>
+        <p:txBody>
+          <a:bodyPr wrap="none" rtlCol="0">
+            <a:spAutoFit/>
+          </a:bodyPr>
+          <a:lstStyle/>
+          <a:p>
+            <a:r>
+              <a:rPr lang="pl-PL" b="1" dirty="0" smtClean="0"/>
+              <a:t>75%</a:t>
+            </a:r>
+            <a:endParaRPr lang="pl-PL" b="1" dirty="0"/>
+          </a:p>
+        </p:txBody>
+      </p:sp>
+      <p:sp>
+        <p:nvSpPr>
+          <p:cNvPr id="34" name="pole tekstowe 33"/>
+          <p:cNvSpPr txBox="1"/>
+          <p:nvPr/>
+        </p:nvSpPr>
+        <p:spPr>
+          <a:xfrm>
+            <a:off x="1594905" y="598037"/>
+            <a:ext cx="587020" cy="369332"/>
+          </a:xfrm>
+          <a:prstGeom prst="rect">
+            <a:avLst/>
+          </a:prstGeom>
+          <a:noFill/>
+        </p:spPr>
+        <p:txBody>
+          <a:bodyPr wrap="none" rtlCol="0">
+            <a:spAutoFit/>
+          </a:bodyPr>
+          <a:lstStyle/>
+          <a:p>
+            <a:r>
+              <a:rPr lang="pl-PL" b="1" dirty="0"/>
+              <a:t>2</a:t>
+            </a:r>
+            <a:r>
+              <a:rPr lang="pl-PL" b="1" dirty="0" smtClean="0"/>
+              <a:t>5%</a:t>
+            </a:r>
+            <a:endParaRPr lang="pl-PL" b="1" dirty="0"/>
+          </a:p>
+        </p:txBody>
+      </p:sp>
+      <p:sp>
+        <p:nvSpPr>
+          <p:cNvPr id="42" name="pole tekstowe 41"/>
+          <p:cNvSpPr txBox="1"/>
+          <p:nvPr/>
+        </p:nvSpPr>
+        <p:spPr>
+          <a:xfrm>
+            <a:off x="6575409" y="854154"/>
+            <a:ext cx="587020" cy="369332"/>
+          </a:xfrm>
+          <a:prstGeom prst="rect">
+            <a:avLst/>
+          </a:prstGeom>
+          <a:noFill/>
+        </p:spPr>
+        <p:txBody>
+          <a:bodyPr wrap="none" rtlCol="0">
+            <a:spAutoFit/>
+          </a:bodyPr>
+          <a:lstStyle/>
+          <a:p>
+            <a:r>
+              <a:rPr lang="pl-PL" b="1" dirty="0"/>
+              <a:t>2</a:t>
+            </a:r>
+            <a:r>
+              <a:rPr lang="pl-PL" b="1" dirty="0" smtClean="0"/>
+              <a:t>5%</a:t>
+            </a:r>
+            <a:endParaRPr lang="pl-PL" b="1" dirty="0"/>
+          </a:p>
+        </p:txBody>
+      </p:sp>
+      <p:sp>
+        <p:nvSpPr>
+          <p:cNvPr id="45" name="pole tekstowe 44"/>
+          <p:cNvSpPr txBox="1"/>
+          <p:nvPr/>
+        </p:nvSpPr>
+        <p:spPr>
+          <a:xfrm>
+            <a:off x="1486971" y="5360640"/>
+            <a:ext cx="583814" cy="369332"/>
+          </a:xfrm>
+          <a:prstGeom prst="rect">
+            <a:avLst/>
+          </a:prstGeom>
+          <a:noFill/>
+        </p:spPr>
+        <p:txBody>
+          <a:bodyPr wrap="none" rtlCol="0">
+            <a:spAutoFit/>
+          </a:bodyPr>
+          <a:lstStyle/>
+          <a:p>
+            <a:r>
+              <a:rPr lang="pl-PL" b="1" dirty="0" smtClean="0"/>
+              <a:t>75%</a:t>
+            </a:r>
+            <a:endParaRPr lang="pl-PL" b="1" dirty="0"/>
+          </a:p>
+        </p:txBody>
+      </p:sp>
+      <p:sp>
+        <p:nvSpPr>
+          <p:cNvPr id="46" name="pole tekstowe 45"/>
+          <p:cNvSpPr txBox="1"/>
+          <p:nvPr/>
+        </p:nvSpPr>
+        <p:spPr>
+          <a:xfrm>
+            <a:off x="1486971" y="4437112"/>
+            <a:ext cx="587020" cy="369332"/>
+          </a:xfrm>
+          <a:prstGeom prst="rect">
+            <a:avLst/>
+          </a:prstGeom>
+          <a:noFill/>
+        </p:spPr>
+        <p:txBody>
+          <a:bodyPr wrap="none" rtlCol="0">
+            <a:spAutoFit/>
+          </a:bodyPr>
+          <a:lstStyle/>
+          <a:p>
+            <a:r>
+              <a:rPr lang="pl-PL" b="1" dirty="0"/>
+              <a:t>2</a:t>
+            </a:r>
+            <a:r>
+              <a:rPr lang="pl-PL" b="1" dirty="0" smtClean="0"/>
+              <a:t>5%</a:t>
+            </a:r>
+            <a:endParaRPr lang="pl-PL" b="1" dirty="0"/>
+          </a:p>
+        </p:txBody>
+      </p:sp>
+      <p:sp>
+        <p:nvSpPr>
+          <p:cNvPr id="47" name="pole tekstowe 46"/>
+          <p:cNvSpPr txBox="1"/>
+          <p:nvPr/>
+        </p:nvSpPr>
+        <p:spPr>
+          <a:xfrm>
+            <a:off x="6732780" y="5396097"/>
+            <a:ext cx="583814" cy="369332"/>
+          </a:xfrm>
+          <a:prstGeom prst="rect">
+            <a:avLst/>
+          </a:prstGeom>
+          <a:noFill/>
+        </p:spPr>
+        <p:txBody>
+          <a:bodyPr wrap="none" rtlCol="0">
+            <a:spAutoFit/>
+          </a:bodyPr>
+          <a:lstStyle/>
+          <a:p>
+            <a:r>
+              <a:rPr lang="pl-PL" b="1" dirty="0" smtClean="0"/>
+              <a:t>75%</a:t>
+            </a:r>
+            <a:endParaRPr lang="pl-PL" b="1" dirty="0"/>
+          </a:p>
+        </p:txBody>
+      </p:sp>
+      <p:sp>
+        <p:nvSpPr>
+          <p:cNvPr id="48" name="pole tekstowe 47"/>
+          <p:cNvSpPr txBox="1"/>
+          <p:nvPr/>
+        </p:nvSpPr>
+        <p:spPr>
+          <a:xfrm>
+            <a:off x="6731177" y="4472683"/>
+            <a:ext cx="587020" cy="369332"/>
+          </a:xfrm>
+          <a:prstGeom prst="rect">
+            <a:avLst/>
+          </a:prstGeom>
+          <a:noFill/>
+        </p:spPr>
+        <p:txBody>
+          <a:bodyPr wrap="none" rtlCol="0">
+            <a:spAutoFit/>
+          </a:bodyPr>
+          <a:lstStyle/>
+          <a:p>
+            <a:r>
+              <a:rPr lang="pl-PL" b="1" dirty="0"/>
+              <a:t>2</a:t>
+            </a:r>
+            <a:r>
+              <a:rPr lang="pl-PL" b="1" dirty="0" smtClean="0"/>
+              <a:t>5%</a:t>
+            </a:r>
+            <a:endParaRPr lang="pl-PL" b="1" dirty="0"/>
+          </a:p>
+        </p:txBody>
+      </p:sp>
+      <p:sp>
+        <p:nvSpPr>
+          <p:cNvPr id="17" name="pole tekstowe 16"/>
+          <p:cNvSpPr txBox="1"/>
+          <p:nvPr/>
+        </p:nvSpPr>
+        <p:spPr>
+          <a:xfrm>
+            <a:off x="6578615" y="1718931"/>
+            <a:ext cx="583814" cy="369332"/>
+          </a:xfrm>
+          <a:prstGeom prst="rect">
+            <a:avLst/>
+          </a:prstGeom>
+          <a:noFill/>
+        </p:spPr>
+        <p:txBody>
+          <a:bodyPr wrap="none" rtlCol="0">
+            <a:spAutoFit/>
+          </a:bodyPr>
+          <a:lstStyle/>
+          <a:p>
+            <a:r>
+              <a:rPr lang="pl-PL" b="1" dirty="0" smtClean="0"/>
+              <a:t>75%</a:t>
+            </a:r>
+            <a:endParaRPr lang="pl-PL" b="1" dirty="0"/>
+          </a:p>
+        </p:txBody>
+      </p:sp>
+    </p:spTree>
+    <p:extLst>
+      <p:ext uri="{BB962C8B-B14F-4D97-AF65-F5344CB8AC3E}">
+        <p14:creationId xmlns:p14="http://schemas.microsoft.com/office/powerpoint/2010/main" val="606888823"/>
+      </p:ext>
+    </p:extLst>
+  </p:cSld>
+  <p:clrMapOvr>
+    <a:masterClrMapping/>
+  </p:clrMapOvr>
+</p:sld>
+</file>
+
+<file path=ppt/slides/slide17.xml><?xml version="1.0" encoding="utf-8"?>
+<p:sld xmlns:a="http://schemas.openxmlformats.org/drawingml/2006/main" xmlns:r="http://schemas.openxmlformats.org/officeDocument/2006/relationships" xmlns:p="http://schemas.openxmlformats.org/presentationml/2006/main">
+  <p:cSld>
+    <p:spTree>
+      <p:nvGrpSpPr>
+        <p:cNvPr id="1" name=""/>
+        <p:cNvGrpSpPr/>
+        <p:nvPr/>
+      </p:nvGrpSpPr>
+      <p:grpSpPr>
+        <a:xfrm>
+          <a:off x="0" y="0"/>
+          <a:ext cx="0" cy="0"/>
+          <a:chOff x="0" y="0"/>
+          <a:chExt cx="0" cy="0"/>
+        </a:xfrm>
+      </p:grpSpPr>
       <p:pic>
         <p:nvPicPr>
-          <p:cNvPr id="1039" name="Picture 15"/>
+          <p:cNvPr id="2050" name="Picture 2"/>
           <p:cNvPicPr>
             <a:picLocks noChangeAspect="1" noChangeArrowheads="1"/>
           </p:cNvPicPr>
           <p:nvPr/>
         </p:nvPicPr>
         <p:blipFill>
-          <a:blip r:embed="rId5">
+          <a:blip r:embed="rId2">
             <a:extLst>
               <a:ext uri="{28A0092B-C50C-407E-A947-70E740481C1C}">
                 <a14:useLocalDpi xmlns:a14="http://schemas.microsoft.com/office/drawing/2010/main" val="0"/>
@@ -11821,8 +12417,8 @@
         </p:blipFill>
         <p:spPr bwMode="auto">
           <a:xfrm>
-            <a:off x="4905375" y="3706366"/>
-            <a:ext cx="4238625" cy="2781300"/>
+            <a:off x="539552" y="835809"/>
+            <a:ext cx="3600450" cy="2352675"/>
           </a:xfrm>
           <a:prstGeom prst="rect">
             <a:avLst/>
@@ -11864,13 +12460,13 @@
       </p:pic>
       <p:sp>
         <p:nvSpPr>
-          <p:cNvPr id="45" name="pole tekstowe 44"/>
+          <p:cNvPr id="6" name="pole tekstowe 5"/>
           <p:cNvSpPr txBox="1"/>
           <p:nvPr/>
         </p:nvSpPr>
         <p:spPr>
           <a:xfrm>
-            <a:off x="1488574" y="5366370"/>
+            <a:off x="1979737" y="2372186"/>
             <a:ext cx="583814" cy="369332"/>
           </a:xfrm>
           <a:prstGeom prst="rect">
@@ -11894,13 +12490,13 @@
       </p:sp>
       <p:sp>
         <p:nvSpPr>
-          <p:cNvPr id="46" name="pole tekstowe 45"/>
+          <p:cNvPr id="7" name="pole tekstowe 6"/>
           <p:cNvSpPr txBox="1"/>
           <p:nvPr/>
         </p:nvSpPr>
         <p:spPr>
           <a:xfrm>
-            <a:off x="1486971" y="4437112"/>
+            <a:off x="2003649" y="1436082"/>
             <a:ext cx="587020" cy="369332"/>
           </a:xfrm>
           <a:prstGeom prst="rect">
@@ -11928,14 +12524,14 @@
       </p:sp>
       <p:sp>
         <p:nvSpPr>
-          <p:cNvPr id="47" name="pole tekstowe 46"/>
+          <p:cNvPr id="4" name="pole tekstowe 3"/>
           <p:cNvSpPr txBox="1"/>
           <p:nvPr/>
         </p:nvSpPr>
         <p:spPr>
           <a:xfrm>
-            <a:off x="6732780" y="5396097"/>
-            <a:ext cx="583814" cy="369332"/>
+            <a:off x="5292080" y="692696"/>
+            <a:ext cx="3101170" cy="369332"/>
           </a:xfrm>
           <a:prstGeom prst="rect">
             <a:avLst/>
@@ -11949,22 +12545,90 @@
           <a:lstStyle/>
           <a:p>
             <a:r>
-              <a:rPr lang="pl-PL" b="1" dirty="0" smtClean="0"/>
-              <a:t>75%</a:t>
+              <a:rPr lang="pl-PL" dirty="0" smtClean="0"/>
+              <a:t>Przykład wprowadzenia </a:t>
             </a:r>
-            <a:endParaRPr lang="pl-PL" b="1" dirty="0"/>
+            <a:r>
+              <a:rPr lang="pl-PL" dirty="0" err="1" smtClean="0"/>
+              <a:t>swiatel</a:t>
+            </a:r>
+            <a:endParaRPr lang="pl-PL" dirty="0"/>
           </a:p>
         </p:txBody>
       </p:sp>
+      <p:pic>
+        <p:nvPicPr>
+          <p:cNvPr id="2052" name="Picture 4"/>
+          <p:cNvPicPr>
+            <a:picLocks noChangeAspect="1" noChangeArrowheads="1"/>
+          </p:cNvPicPr>
+          <p:nvPr/>
+        </p:nvPicPr>
+        <p:blipFill>
+          <a:blip r:embed="rId3">
+            <a:extLst>
+              <a:ext uri="{28A0092B-C50C-407E-A947-70E740481C1C}">
+                <a14:useLocalDpi xmlns:a14="http://schemas.microsoft.com/office/drawing/2010/main" val="0"/>
+              </a:ext>
+            </a:extLst>
+          </a:blip>
+          <a:srcRect/>
+          <a:stretch>
+            <a:fillRect/>
+          </a:stretch>
+        </p:blipFill>
+        <p:spPr bwMode="auto">
+          <a:xfrm>
+            <a:off x="5109115" y="1830814"/>
+            <a:ext cx="3467100" cy="2371725"/>
+          </a:xfrm>
+          <a:prstGeom prst="rect">
+            <a:avLst/>
+          </a:prstGeom>
+          <a:noFill/>
+          <a:ln>
+            <a:noFill/>
+          </a:ln>
+          <a:effectLst/>
+          <a:extLst>
+            <a:ext uri="{909E8E84-426E-40DD-AFC4-6F175D3DCCD1}">
+              <a14:hiddenFill xmlns:a14="http://schemas.microsoft.com/office/drawing/2010/main">
+                <a:solidFill>
+                  <a:schemeClr val="accent1"/>
+                </a:solidFill>
+              </a14:hiddenFill>
+            </a:ext>
+            <a:ext uri="{91240B29-F687-4F45-9708-019B960494DF}">
+              <a14:hiddenLine xmlns:a14="http://schemas.microsoft.com/office/drawing/2010/main" w="9525">
+                <a:solidFill>
+                  <a:schemeClr val="tx1"/>
+                </a:solidFill>
+                <a:miter lim="800000"/>
+                <a:headEnd/>
+                <a:tailEnd/>
+              </a14:hiddenLine>
+            </a:ext>
+            <a:ext uri="{AF507438-7753-43E0-B8FC-AC1667EBCBE1}">
+              <a14:hiddenEffects xmlns:a14="http://schemas.microsoft.com/office/drawing/2010/main">
+                <a:effectLst>
+                  <a:outerShdw dist="35921" dir="2700000" algn="ctr" rotWithShape="0">
+                    <a:schemeClr val="bg2"/>
+                  </a:outerShdw>
+                </a:effectLst>
+              </a14:hiddenEffects>
+            </a:ext>
+          </a:extLst>
+        </p:spPr>
+      </p:pic>
       <p:sp>
         <p:nvSpPr>
-          <p:cNvPr id="48" name="pole tekstowe 47"/>
+          <p:cNvPr id="10" name="pole tekstowe 9"/>
           <p:cNvSpPr txBox="1"/>
           <p:nvPr/>
         </p:nvSpPr>
         <p:spPr>
           <a:xfrm>
-            <a:off x="6731177" y="4472683"/>
+            <a:off x="6549155" y="2373168"/>
             <a:ext cx="587020" cy="369332"/>
           </a:xfrm>
           <a:prstGeom prst="rect">
@@ -11990,10 +12654,168 @@
           </a:p>
         </p:txBody>
       </p:sp>
+      <p:sp>
+        <p:nvSpPr>
+          <p:cNvPr id="11" name="pole tekstowe 10"/>
+          <p:cNvSpPr txBox="1"/>
+          <p:nvPr/>
+        </p:nvSpPr>
+        <p:spPr>
+          <a:xfrm>
+            <a:off x="6549155" y="3429000"/>
+            <a:ext cx="583814" cy="369332"/>
+          </a:xfrm>
+          <a:prstGeom prst="rect">
+            <a:avLst/>
+          </a:prstGeom>
+          <a:noFill/>
+        </p:spPr>
+        <p:txBody>
+          <a:bodyPr wrap="none" rtlCol="0">
+            <a:spAutoFit/>
+          </a:bodyPr>
+          <a:lstStyle/>
+          <a:p>
+            <a:r>
+              <a:rPr lang="pl-PL" b="1" dirty="0" smtClean="0"/>
+              <a:t>75%</a:t>
+            </a:r>
+            <a:endParaRPr lang="pl-PL" b="1" dirty="0"/>
+          </a:p>
+        </p:txBody>
+      </p:sp>
+      <p:pic>
+        <p:nvPicPr>
+          <p:cNvPr id="2053" name="Picture 5"/>
+          <p:cNvPicPr>
+            <a:picLocks noChangeAspect="1" noChangeArrowheads="1"/>
+          </p:cNvPicPr>
+          <p:nvPr/>
+        </p:nvPicPr>
+        <p:blipFill>
+          <a:blip r:embed="rId4">
+            <a:extLst>
+              <a:ext uri="{28A0092B-C50C-407E-A947-70E740481C1C}">
+                <a14:useLocalDpi xmlns:a14="http://schemas.microsoft.com/office/drawing/2010/main" val="0"/>
+              </a:ext>
+            </a:extLst>
+          </a:blip>
+          <a:srcRect/>
+          <a:stretch>
+            <a:fillRect/>
+          </a:stretch>
+        </p:blipFill>
+        <p:spPr bwMode="auto">
+          <a:xfrm>
+            <a:off x="1049181" y="3798332"/>
+            <a:ext cx="3533775" cy="2552700"/>
+          </a:xfrm>
+          <a:prstGeom prst="rect">
+            <a:avLst/>
+          </a:prstGeom>
+          <a:noFill/>
+          <a:ln>
+            <a:noFill/>
+          </a:ln>
+          <a:effectLst/>
+          <a:extLst>
+            <a:ext uri="{909E8E84-426E-40DD-AFC4-6F175D3DCCD1}">
+              <a14:hiddenFill xmlns:a14="http://schemas.microsoft.com/office/drawing/2010/main">
+                <a:solidFill>
+                  <a:schemeClr val="accent1"/>
+                </a:solidFill>
+              </a14:hiddenFill>
+            </a:ext>
+            <a:ext uri="{91240B29-F687-4F45-9708-019B960494DF}">
+              <a14:hiddenLine xmlns:a14="http://schemas.microsoft.com/office/drawing/2010/main" w="9525">
+                <a:solidFill>
+                  <a:schemeClr val="tx1"/>
+                </a:solidFill>
+                <a:miter lim="800000"/>
+                <a:headEnd/>
+                <a:tailEnd/>
+              </a14:hiddenLine>
+            </a:ext>
+            <a:ext uri="{AF507438-7753-43E0-B8FC-AC1667EBCBE1}">
+              <a14:hiddenEffects xmlns:a14="http://schemas.microsoft.com/office/drawing/2010/main">
+                <a:effectLst>
+                  <a:outerShdw dist="35921" dir="2700000" algn="ctr" rotWithShape="0">
+                    <a:schemeClr val="bg2"/>
+                  </a:outerShdw>
+                </a:effectLst>
+              </a14:hiddenEffects>
+            </a:ext>
+          </a:extLst>
+        </p:spPr>
+      </p:pic>
+      <p:sp>
+        <p:nvSpPr>
+          <p:cNvPr id="13" name="pole tekstowe 12"/>
+          <p:cNvSpPr txBox="1"/>
+          <p:nvPr/>
+        </p:nvSpPr>
+        <p:spPr>
+          <a:xfrm>
+            <a:off x="2441500" y="4437112"/>
+            <a:ext cx="587020" cy="369332"/>
+          </a:xfrm>
+          <a:prstGeom prst="rect">
+            <a:avLst/>
+          </a:prstGeom>
+          <a:noFill/>
+        </p:spPr>
+        <p:txBody>
+          <a:bodyPr wrap="none" rtlCol="0">
+            <a:spAutoFit/>
+          </a:bodyPr>
+          <a:lstStyle/>
+          <a:p>
+            <a:r>
+              <a:rPr lang="pl-PL" b="1" dirty="0"/>
+              <a:t>2</a:t>
+            </a:r>
+            <a:r>
+              <a:rPr lang="pl-PL" b="1" dirty="0" smtClean="0"/>
+              <a:t>5%</a:t>
+            </a:r>
+            <a:endParaRPr lang="pl-PL" b="1" dirty="0"/>
+          </a:p>
+        </p:txBody>
+      </p:sp>
+      <p:sp>
+        <p:nvSpPr>
+          <p:cNvPr id="14" name="pole tekstowe 13"/>
+          <p:cNvSpPr txBox="1"/>
+          <p:nvPr/>
+        </p:nvSpPr>
+        <p:spPr>
+          <a:xfrm>
+            <a:off x="2441500" y="5492944"/>
+            <a:ext cx="583814" cy="369332"/>
+          </a:xfrm>
+          <a:prstGeom prst="rect">
+            <a:avLst/>
+          </a:prstGeom>
+          <a:noFill/>
+        </p:spPr>
+        <p:txBody>
+          <a:bodyPr wrap="none" rtlCol="0">
+            <a:spAutoFit/>
+          </a:bodyPr>
+          <a:lstStyle/>
+          <a:p>
+            <a:r>
+              <a:rPr lang="pl-PL" b="1" dirty="0" smtClean="0"/>
+              <a:t>75%</a:t>
+            </a:r>
+            <a:endParaRPr lang="pl-PL" b="1" dirty="0"/>
+          </a:p>
+        </p:txBody>
+      </p:sp>
     </p:spTree>
     <p:extLst>
       <p:ext uri="{BB962C8B-B14F-4D97-AF65-F5344CB8AC3E}">
-        <p14:creationId xmlns:p14="http://schemas.microsoft.com/office/powerpoint/2010/main" val="606888823"/>
+        <p14:creationId xmlns:p14="http://schemas.microsoft.com/office/powerpoint/2010/main" val="3676955866"/>
       </p:ext>
     </p:extLst>
   </p:cSld>
@@ -12003,7 +12825,7 @@
 </p:sld>
 </file>
 
-<file path=ppt/slides/slide17.xml><?xml version="1.0" encoding="utf-8"?>
+<file path=ppt/slides/slide18.xml><?xml version="1.0" encoding="utf-8"?>
 <p:sld xmlns:a="http://schemas.openxmlformats.org/drawingml/2006/main" xmlns:r="http://schemas.openxmlformats.org/officeDocument/2006/relationships" xmlns:p="http://schemas.openxmlformats.org/presentationml/2006/main">
   <p:cSld>
     <p:spTree>
@@ -12118,7 +12940,7 @@
 </p:sld>
 </file>
 
-<file path=ppt/slides/slide18.xml><?xml version="1.0" encoding="utf-8"?>
+<file path=ppt/slides/slide19.xml><?xml version="1.0" encoding="utf-8"?>
 <p:sld xmlns:a="http://schemas.openxmlformats.org/drawingml/2006/main" xmlns:r="http://schemas.openxmlformats.org/officeDocument/2006/relationships" xmlns:p="http://schemas.openxmlformats.org/presentationml/2006/main">
   <p:cSld>
     <p:spTree>
@@ -13513,7 +14335,139 @@
 </p:sld>
 </file>
 
-<file path=ppt/slides/slide19.xml><?xml version="1.0" encoding="utf-8"?>
+<file path=ppt/slides/slide2.xml><?xml version="1.0" encoding="utf-8"?>
+<p:sld xmlns:a="http://schemas.openxmlformats.org/drawingml/2006/main" xmlns:r="http://schemas.openxmlformats.org/officeDocument/2006/relationships" xmlns:p="http://schemas.openxmlformats.org/presentationml/2006/main">
+  <p:cSld>
+    <p:spTree>
+      <p:nvGrpSpPr>
+        <p:cNvPr id="1" name=""/>
+        <p:cNvGrpSpPr/>
+        <p:nvPr/>
+      </p:nvGrpSpPr>
+      <p:grpSpPr>
+        <a:xfrm>
+          <a:off x="0" y="0"/>
+          <a:ext cx="0" cy="0"/>
+          <a:chOff x="0" y="0"/>
+          <a:chExt cx="0" cy="0"/>
+        </a:xfrm>
+      </p:grpSpPr>
+      <p:pic>
+        <p:nvPicPr>
+          <p:cNvPr id="1026" name="Picture 2"/>
+          <p:cNvPicPr>
+            <a:picLocks noChangeAspect="1" noChangeArrowheads="1"/>
+          </p:cNvPicPr>
+          <p:nvPr/>
+        </p:nvPicPr>
+        <p:blipFill>
+          <a:blip r:embed="rId2">
+            <a:extLst>
+              <a:ext uri="{28A0092B-C50C-407E-A947-70E740481C1C}">
+                <a14:useLocalDpi xmlns:a14="http://schemas.microsoft.com/office/drawing/2010/main" val="0"/>
+              </a:ext>
+            </a:extLst>
+          </a:blip>
+          <a:srcRect/>
+          <a:stretch>
+            <a:fillRect/>
+          </a:stretch>
+        </p:blipFill>
+        <p:spPr bwMode="auto">
+          <a:xfrm>
+            <a:off x="1835696" y="1007371"/>
+            <a:ext cx="4641304" cy="4107554"/>
+          </a:xfrm>
+          <a:prstGeom prst="rect">
+            <a:avLst/>
+          </a:prstGeom>
+          <a:noFill/>
+          <a:ln>
+            <a:noFill/>
+          </a:ln>
+          <a:effectLst/>
+          <a:extLst>
+            <a:ext uri="{909E8E84-426E-40DD-AFC4-6F175D3DCCD1}">
+              <a14:hiddenFill xmlns:a14="http://schemas.microsoft.com/office/drawing/2010/main">
+                <a:solidFill>
+                  <a:schemeClr val="accent1"/>
+                </a:solidFill>
+              </a14:hiddenFill>
+            </a:ext>
+            <a:ext uri="{91240B29-F687-4F45-9708-019B960494DF}">
+              <a14:hiddenLine xmlns:a14="http://schemas.microsoft.com/office/drawing/2010/main" w="9525">
+                <a:solidFill>
+                  <a:schemeClr val="tx1"/>
+                </a:solidFill>
+                <a:miter lim="800000"/>
+                <a:headEnd/>
+                <a:tailEnd/>
+              </a14:hiddenLine>
+            </a:ext>
+            <a:ext uri="{AF507438-7753-43E0-B8FC-AC1667EBCBE1}">
+              <a14:hiddenEffects xmlns:a14="http://schemas.microsoft.com/office/drawing/2010/main">
+                <a:effectLst>
+                  <a:outerShdw dist="35921" dir="2700000" algn="ctr" rotWithShape="0">
+                    <a:schemeClr val="bg2"/>
+                  </a:outerShdw>
+                </a:effectLst>
+              </a14:hiddenEffects>
+            </a:ext>
+          </a:extLst>
+        </p:spPr>
+      </p:pic>
+      <p:sp>
+        <p:nvSpPr>
+          <p:cNvPr id="4" name="pole tekstowe 3"/>
+          <p:cNvSpPr txBox="1"/>
+          <p:nvPr/>
+        </p:nvSpPr>
+        <p:spPr>
+          <a:xfrm>
+            <a:off x="2195736" y="1957482"/>
+            <a:ext cx="981551" cy="369332"/>
+          </a:xfrm>
+          <a:prstGeom prst="rect">
+            <a:avLst/>
+          </a:prstGeom>
+          <a:noFill/>
+        </p:spPr>
+        <p:txBody>
+          <a:bodyPr wrap="none" rtlCol="0">
+            <a:spAutoFit/>
+          </a:bodyPr>
+          <a:lstStyle/>
+          <a:p>
+            <a:r>
+              <a:rPr lang="pl-PL" b="1" dirty="0" smtClean="0">
+                <a:solidFill>
+                  <a:srgbClr val="FF0000"/>
+                </a:solidFill>
+              </a:rPr>
+              <a:t>Agent: 0</a:t>
+            </a:r>
+            <a:endParaRPr lang="pl-PL" b="1" dirty="0">
+              <a:solidFill>
+                <a:srgbClr val="FF0000"/>
+              </a:solidFill>
+            </a:endParaRPr>
+          </a:p>
+        </p:txBody>
+      </p:sp>
+    </p:spTree>
+    <p:extLst>
+      <p:ext uri="{BB962C8B-B14F-4D97-AF65-F5344CB8AC3E}">
+        <p14:creationId xmlns:p14="http://schemas.microsoft.com/office/powerpoint/2010/main" val="1547074451"/>
+      </p:ext>
+    </p:extLst>
+  </p:cSld>
+  <p:clrMapOvr>
+    <a:masterClrMapping/>
+  </p:clrMapOvr>
+</p:sld>
+</file>
+
+<file path=ppt/slides/slide20.xml><?xml version="1.0" encoding="utf-8"?>
 <p:sld xmlns:a="http://schemas.openxmlformats.org/drawingml/2006/main" xmlns:r="http://schemas.openxmlformats.org/officeDocument/2006/relationships" xmlns:p="http://schemas.openxmlformats.org/presentationml/2006/main">
   <p:cSld>
     <p:spTree>
@@ -15725,139 +16679,7 @@
 </p:sld>
 </file>
 
-<file path=ppt/slides/slide2.xml><?xml version="1.0" encoding="utf-8"?>
-<p:sld xmlns:a="http://schemas.openxmlformats.org/drawingml/2006/main" xmlns:r="http://schemas.openxmlformats.org/officeDocument/2006/relationships" xmlns:p="http://schemas.openxmlformats.org/presentationml/2006/main">
-  <p:cSld>
-    <p:spTree>
-      <p:nvGrpSpPr>
-        <p:cNvPr id="1" name=""/>
-        <p:cNvGrpSpPr/>
-        <p:nvPr/>
-      </p:nvGrpSpPr>
-      <p:grpSpPr>
-        <a:xfrm>
-          <a:off x="0" y="0"/>
-          <a:ext cx="0" cy="0"/>
-          <a:chOff x="0" y="0"/>
-          <a:chExt cx="0" cy="0"/>
-        </a:xfrm>
-      </p:grpSpPr>
-      <p:pic>
-        <p:nvPicPr>
-          <p:cNvPr id="1026" name="Picture 2"/>
-          <p:cNvPicPr>
-            <a:picLocks noChangeAspect="1" noChangeArrowheads="1"/>
-          </p:cNvPicPr>
-          <p:nvPr/>
-        </p:nvPicPr>
-        <p:blipFill>
-          <a:blip r:embed="rId2">
-            <a:extLst>
-              <a:ext uri="{28A0092B-C50C-407E-A947-70E740481C1C}">
-                <a14:useLocalDpi xmlns:a14="http://schemas.microsoft.com/office/drawing/2010/main" val="0"/>
-              </a:ext>
-            </a:extLst>
-          </a:blip>
-          <a:srcRect/>
-          <a:stretch>
-            <a:fillRect/>
-          </a:stretch>
-        </p:blipFill>
-        <p:spPr bwMode="auto">
-          <a:xfrm>
-            <a:off x="1835696" y="1007371"/>
-            <a:ext cx="4641304" cy="4107554"/>
-          </a:xfrm>
-          <a:prstGeom prst="rect">
-            <a:avLst/>
-          </a:prstGeom>
-          <a:noFill/>
-          <a:ln>
-            <a:noFill/>
-          </a:ln>
-          <a:effectLst/>
-          <a:extLst>
-            <a:ext uri="{909E8E84-426E-40DD-AFC4-6F175D3DCCD1}">
-              <a14:hiddenFill xmlns:a14="http://schemas.microsoft.com/office/drawing/2010/main">
-                <a:solidFill>
-                  <a:schemeClr val="accent1"/>
-                </a:solidFill>
-              </a14:hiddenFill>
-            </a:ext>
-            <a:ext uri="{91240B29-F687-4F45-9708-019B960494DF}">
-              <a14:hiddenLine xmlns:a14="http://schemas.microsoft.com/office/drawing/2010/main" w="9525">
-                <a:solidFill>
-                  <a:schemeClr val="tx1"/>
-                </a:solidFill>
-                <a:miter lim="800000"/>
-                <a:headEnd/>
-                <a:tailEnd/>
-              </a14:hiddenLine>
-            </a:ext>
-            <a:ext uri="{AF507438-7753-43E0-B8FC-AC1667EBCBE1}">
-              <a14:hiddenEffects xmlns:a14="http://schemas.microsoft.com/office/drawing/2010/main">
-                <a:effectLst>
-                  <a:outerShdw dist="35921" dir="2700000" algn="ctr" rotWithShape="0">
-                    <a:schemeClr val="bg2"/>
-                  </a:outerShdw>
-                </a:effectLst>
-              </a14:hiddenEffects>
-            </a:ext>
-          </a:extLst>
-        </p:spPr>
-      </p:pic>
-      <p:sp>
-        <p:nvSpPr>
-          <p:cNvPr id="4" name="pole tekstowe 3"/>
-          <p:cNvSpPr txBox="1"/>
-          <p:nvPr/>
-        </p:nvSpPr>
-        <p:spPr>
-          <a:xfrm>
-            <a:off x="2195736" y="1957482"/>
-            <a:ext cx="981551" cy="369332"/>
-          </a:xfrm>
-          <a:prstGeom prst="rect">
-            <a:avLst/>
-          </a:prstGeom>
-          <a:noFill/>
-        </p:spPr>
-        <p:txBody>
-          <a:bodyPr wrap="none" rtlCol="0">
-            <a:spAutoFit/>
-          </a:bodyPr>
-          <a:lstStyle/>
-          <a:p>
-            <a:r>
-              <a:rPr lang="pl-PL" b="1" dirty="0" smtClean="0">
-                <a:solidFill>
-                  <a:srgbClr val="FF0000"/>
-                </a:solidFill>
-              </a:rPr>
-              <a:t>Agent: 0</a:t>
-            </a:r>
-            <a:endParaRPr lang="pl-PL" b="1" dirty="0">
-              <a:solidFill>
-                <a:srgbClr val="FF0000"/>
-              </a:solidFill>
-            </a:endParaRPr>
-          </a:p>
-        </p:txBody>
-      </p:sp>
-    </p:spTree>
-    <p:extLst>
-      <p:ext uri="{BB962C8B-B14F-4D97-AF65-F5344CB8AC3E}">
-        <p14:creationId xmlns:p14="http://schemas.microsoft.com/office/powerpoint/2010/main" val="1547074451"/>
-      </p:ext>
-    </p:extLst>
-  </p:cSld>
-  <p:clrMapOvr>
-    <a:masterClrMapping/>
-  </p:clrMapOvr>
-</p:sld>
-</file>
-
-<file path=ppt/slides/slide20.xml><?xml version="1.0" encoding="utf-8"?>
+<file path=ppt/slides/slide21.xml><?xml version="1.0" encoding="utf-8"?>
 <p:sld xmlns:a="http://schemas.openxmlformats.org/drawingml/2006/main" xmlns:r="http://schemas.openxmlformats.org/officeDocument/2006/relationships" xmlns:p="http://schemas.openxmlformats.org/presentationml/2006/main">
   <p:cSld>
     <p:spTree>
@@ -18069,7 +18891,7 @@
 </p:sld>
 </file>
 
-<file path=ppt/slides/slide21.xml><?xml version="1.0" encoding="utf-8"?>
+<file path=ppt/slides/slide22.xml><?xml version="1.0" encoding="utf-8"?>
 <p:sld xmlns:a="http://schemas.openxmlformats.org/drawingml/2006/main" xmlns:r="http://schemas.openxmlformats.org/officeDocument/2006/relationships" xmlns:p="http://schemas.openxmlformats.org/presentationml/2006/main">
   <p:cSld>
     <p:spTree>
@@ -20281,7 +21103,7 @@
 </p:sld>
 </file>
 
-<file path=ppt/slides/slide22.xml><?xml version="1.0" encoding="utf-8"?>
+<file path=ppt/slides/slide23.xml><?xml version="1.0" encoding="utf-8"?>
 <p:sld xmlns:a="http://schemas.openxmlformats.org/drawingml/2006/main" xmlns:r="http://schemas.openxmlformats.org/officeDocument/2006/relationships" xmlns:p="http://schemas.openxmlformats.org/presentationml/2006/main">
   <p:cSld>
     <p:spTree>
@@ -22555,7 +23377,7 @@
 </p:sld>
 </file>
 
-<file path=ppt/slides/slide23.xml><?xml version="1.0" encoding="utf-8"?>
+<file path=ppt/slides/slide24.xml><?xml version="1.0" encoding="utf-8"?>
 <p:sld xmlns:a="http://schemas.openxmlformats.org/drawingml/2006/main" xmlns:r="http://schemas.openxmlformats.org/officeDocument/2006/relationships" xmlns:p="http://schemas.openxmlformats.org/presentationml/2006/main">
   <p:cSld>
     <p:spTree>
@@ -22841,7 +23663,7 @@
 </p:sld>
 </file>
 
-<file path=ppt/slides/slide24.xml><?xml version="1.0" encoding="utf-8"?>
+<file path=ppt/slides/slide25.xml><?xml version="1.0" encoding="utf-8"?>
 <p:sld xmlns:a="http://schemas.openxmlformats.org/drawingml/2006/main" xmlns:r="http://schemas.openxmlformats.org/officeDocument/2006/relationships" xmlns:p="http://schemas.openxmlformats.org/presentationml/2006/main">
   <p:cSld>
     <p:spTree>
@@ -23975,7 +24797,7 @@
 </p:sld>
 </file>
 
-<file path=ppt/slides/slide25.xml><?xml version="1.0" encoding="utf-8"?>
+<file path=ppt/slides/slide26.xml><?xml version="1.0" encoding="utf-8"?>
 <p:sld xmlns:a="http://schemas.openxmlformats.org/drawingml/2006/main" xmlns:r="http://schemas.openxmlformats.org/officeDocument/2006/relationships" xmlns:p="http://schemas.openxmlformats.org/presentationml/2006/main">
   <p:cSld>
     <p:spTree>
@@ -25109,7 +25931,7 @@
 </p:sld>
 </file>
 
-<file path=ppt/slides/slide26.xml><?xml version="1.0" encoding="utf-8"?>
+<file path=ppt/slides/slide27.xml><?xml version="1.0" encoding="utf-8"?>
 <p:sld xmlns:a="http://schemas.openxmlformats.org/drawingml/2006/main" xmlns:r="http://schemas.openxmlformats.org/officeDocument/2006/relationships" xmlns:p="http://schemas.openxmlformats.org/presentationml/2006/main">
   <p:cSld>
     <p:spTree>
@@ -26243,7 +27065,7 @@
 </p:sld>
 </file>
 
-<file path=ppt/slides/slide27.xml><?xml version="1.0" encoding="utf-8"?>
+<file path=ppt/slides/slide28.xml><?xml version="1.0" encoding="utf-8"?>
 <p:sld xmlns:a="http://schemas.openxmlformats.org/drawingml/2006/main" xmlns:r="http://schemas.openxmlformats.org/officeDocument/2006/relationships" xmlns:p="http://schemas.openxmlformats.org/presentationml/2006/main">
   <p:cSld>
     <p:spTree>
@@ -27377,7 +28199,7 @@
 </p:sld>
 </file>
 
-<file path=ppt/slides/slide28.xml><?xml version="1.0" encoding="utf-8"?>
+<file path=ppt/slides/slide29.xml><?xml version="1.0" encoding="utf-8"?>
 <p:sld xmlns:a="http://schemas.openxmlformats.org/drawingml/2006/main" xmlns:r="http://schemas.openxmlformats.org/officeDocument/2006/relationships" xmlns:p="http://schemas.openxmlformats.org/presentationml/2006/main">
   <p:cSld>
     <p:spTree>
@@ -28511,7 +29333,139 @@
 </p:sld>
 </file>
 
-<file path=ppt/slides/slide29.xml><?xml version="1.0" encoding="utf-8"?>
+<file path=ppt/slides/slide3.xml><?xml version="1.0" encoding="utf-8"?>
+<p:sld xmlns:a="http://schemas.openxmlformats.org/drawingml/2006/main" xmlns:r="http://schemas.openxmlformats.org/officeDocument/2006/relationships" xmlns:p="http://schemas.openxmlformats.org/presentationml/2006/main">
+  <p:cSld>
+    <p:spTree>
+      <p:nvGrpSpPr>
+        <p:cNvPr id="1" name=""/>
+        <p:cNvGrpSpPr/>
+        <p:nvPr/>
+      </p:nvGrpSpPr>
+      <p:grpSpPr>
+        <a:xfrm>
+          <a:off x="0" y="0"/>
+          <a:ext cx="0" cy="0"/>
+          <a:chOff x="0" y="0"/>
+          <a:chExt cx="0" cy="0"/>
+        </a:xfrm>
+      </p:grpSpPr>
+      <p:pic>
+        <p:nvPicPr>
+          <p:cNvPr id="2050" name="Picture 2"/>
+          <p:cNvPicPr>
+            <a:picLocks noChangeAspect="1" noChangeArrowheads="1"/>
+          </p:cNvPicPr>
+          <p:nvPr/>
+        </p:nvPicPr>
+        <p:blipFill>
+          <a:blip r:embed="rId2">
+            <a:extLst>
+              <a:ext uri="{28A0092B-C50C-407E-A947-70E740481C1C}">
+                <a14:useLocalDpi xmlns:a14="http://schemas.microsoft.com/office/drawing/2010/main" val="0"/>
+              </a:ext>
+            </a:extLst>
+          </a:blip>
+          <a:srcRect/>
+          <a:stretch>
+            <a:fillRect/>
+          </a:stretch>
+        </p:blipFill>
+        <p:spPr bwMode="auto">
+          <a:xfrm>
+            <a:off x="2614613" y="1966913"/>
+            <a:ext cx="3914775" cy="2924175"/>
+          </a:xfrm>
+          <a:prstGeom prst="rect">
+            <a:avLst/>
+          </a:prstGeom>
+          <a:noFill/>
+          <a:ln>
+            <a:noFill/>
+          </a:ln>
+          <a:effectLst/>
+          <a:extLst>
+            <a:ext uri="{909E8E84-426E-40DD-AFC4-6F175D3DCCD1}">
+              <a14:hiddenFill xmlns:a14="http://schemas.microsoft.com/office/drawing/2010/main">
+                <a:solidFill>
+                  <a:schemeClr val="accent1"/>
+                </a:solidFill>
+              </a14:hiddenFill>
+            </a:ext>
+            <a:ext uri="{91240B29-F687-4F45-9708-019B960494DF}">
+              <a14:hiddenLine xmlns:a14="http://schemas.microsoft.com/office/drawing/2010/main" w="9525">
+                <a:solidFill>
+                  <a:schemeClr val="tx1"/>
+                </a:solidFill>
+                <a:miter lim="800000"/>
+                <a:headEnd/>
+                <a:tailEnd/>
+              </a14:hiddenLine>
+            </a:ext>
+            <a:ext uri="{AF507438-7753-43E0-B8FC-AC1667EBCBE1}">
+              <a14:hiddenEffects xmlns:a14="http://schemas.microsoft.com/office/drawing/2010/main">
+                <a:effectLst>
+                  <a:outerShdw dist="35921" dir="2700000" algn="ctr" rotWithShape="0">
+                    <a:schemeClr val="bg2"/>
+                  </a:outerShdw>
+                </a:effectLst>
+              </a14:hiddenEffects>
+            </a:ext>
+          </a:extLst>
+        </p:spPr>
+      </p:pic>
+      <p:sp>
+        <p:nvSpPr>
+          <p:cNvPr id="5" name="pole tekstowe 4"/>
+          <p:cNvSpPr txBox="1"/>
+          <p:nvPr/>
+        </p:nvSpPr>
+        <p:spPr>
+          <a:xfrm>
+            <a:off x="3173120" y="2420888"/>
+            <a:ext cx="981551" cy="369332"/>
+          </a:xfrm>
+          <a:prstGeom prst="rect">
+            <a:avLst/>
+          </a:prstGeom>
+          <a:noFill/>
+        </p:spPr>
+        <p:txBody>
+          <a:bodyPr wrap="none" rtlCol="0">
+            <a:spAutoFit/>
+          </a:bodyPr>
+          <a:lstStyle/>
+          <a:p>
+            <a:r>
+              <a:rPr lang="pl-PL" b="1" dirty="0" smtClean="0">
+                <a:solidFill>
+                  <a:srgbClr val="FF0000"/>
+                </a:solidFill>
+              </a:rPr>
+              <a:t>Agent: 0</a:t>
+            </a:r>
+            <a:endParaRPr lang="pl-PL" b="1" dirty="0">
+              <a:solidFill>
+                <a:srgbClr val="FF0000"/>
+              </a:solidFill>
+            </a:endParaRPr>
+          </a:p>
+        </p:txBody>
+      </p:sp>
+    </p:spTree>
+    <p:extLst>
+      <p:ext uri="{BB962C8B-B14F-4D97-AF65-F5344CB8AC3E}">
+        <p14:creationId xmlns:p14="http://schemas.microsoft.com/office/powerpoint/2010/main" val="4275086764"/>
+      </p:ext>
+    </p:extLst>
+  </p:cSld>
+  <p:clrMapOvr>
+    <a:masterClrMapping/>
+  </p:clrMapOvr>
+</p:sld>
+</file>
+
+<file path=ppt/slides/slide30.xml><?xml version="1.0" encoding="utf-8"?>
 <p:sld xmlns:a="http://schemas.openxmlformats.org/drawingml/2006/main" xmlns:r="http://schemas.openxmlformats.org/officeDocument/2006/relationships" xmlns:p="http://schemas.openxmlformats.org/presentationml/2006/main">
   <p:cSld>
     <p:spTree>
@@ -29645,139 +30599,7 @@
 </p:sld>
 </file>
 
-<file path=ppt/slides/slide3.xml><?xml version="1.0" encoding="utf-8"?>
-<p:sld xmlns:a="http://schemas.openxmlformats.org/drawingml/2006/main" xmlns:r="http://schemas.openxmlformats.org/officeDocument/2006/relationships" xmlns:p="http://schemas.openxmlformats.org/presentationml/2006/main">
-  <p:cSld>
-    <p:spTree>
-      <p:nvGrpSpPr>
-        <p:cNvPr id="1" name=""/>
-        <p:cNvGrpSpPr/>
-        <p:nvPr/>
-      </p:nvGrpSpPr>
-      <p:grpSpPr>
-        <a:xfrm>
-          <a:off x="0" y="0"/>
-          <a:ext cx="0" cy="0"/>
-          <a:chOff x="0" y="0"/>
-          <a:chExt cx="0" cy="0"/>
-        </a:xfrm>
-      </p:grpSpPr>
-      <p:pic>
-        <p:nvPicPr>
-          <p:cNvPr id="2050" name="Picture 2"/>
-          <p:cNvPicPr>
-            <a:picLocks noChangeAspect="1" noChangeArrowheads="1"/>
-          </p:cNvPicPr>
-          <p:nvPr/>
-        </p:nvPicPr>
-        <p:blipFill>
-          <a:blip r:embed="rId2">
-            <a:extLst>
-              <a:ext uri="{28A0092B-C50C-407E-A947-70E740481C1C}">
-                <a14:useLocalDpi xmlns:a14="http://schemas.microsoft.com/office/drawing/2010/main" val="0"/>
-              </a:ext>
-            </a:extLst>
-          </a:blip>
-          <a:srcRect/>
-          <a:stretch>
-            <a:fillRect/>
-          </a:stretch>
-        </p:blipFill>
-        <p:spPr bwMode="auto">
-          <a:xfrm>
-            <a:off x="2614613" y="1966913"/>
-            <a:ext cx="3914775" cy="2924175"/>
-          </a:xfrm>
-          <a:prstGeom prst="rect">
-            <a:avLst/>
-          </a:prstGeom>
-          <a:noFill/>
-          <a:ln>
-            <a:noFill/>
-          </a:ln>
-          <a:effectLst/>
-          <a:extLst>
-            <a:ext uri="{909E8E84-426E-40DD-AFC4-6F175D3DCCD1}">
-              <a14:hiddenFill xmlns:a14="http://schemas.microsoft.com/office/drawing/2010/main">
-                <a:solidFill>
-                  <a:schemeClr val="accent1"/>
-                </a:solidFill>
-              </a14:hiddenFill>
-            </a:ext>
-            <a:ext uri="{91240B29-F687-4F45-9708-019B960494DF}">
-              <a14:hiddenLine xmlns:a14="http://schemas.microsoft.com/office/drawing/2010/main" w="9525">
-                <a:solidFill>
-                  <a:schemeClr val="tx1"/>
-                </a:solidFill>
-                <a:miter lim="800000"/>
-                <a:headEnd/>
-                <a:tailEnd/>
-              </a14:hiddenLine>
-            </a:ext>
-            <a:ext uri="{AF507438-7753-43E0-B8FC-AC1667EBCBE1}">
-              <a14:hiddenEffects xmlns:a14="http://schemas.microsoft.com/office/drawing/2010/main">
-                <a:effectLst>
-                  <a:outerShdw dist="35921" dir="2700000" algn="ctr" rotWithShape="0">
-                    <a:schemeClr val="bg2"/>
-                  </a:outerShdw>
-                </a:effectLst>
-              </a14:hiddenEffects>
-            </a:ext>
-          </a:extLst>
-        </p:spPr>
-      </p:pic>
-      <p:sp>
-        <p:nvSpPr>
-          <p:cNvPr id="5" name="pole tekstowe 4"/>
-          <p:cNvSpPr txBox="1"/>
-          <p:nvPr/>
-        </p:nvSpPr>
-        <p:spPr>
-          <a:xfrm>
-            <a:off x="3173120" y="2420888"/>
-            <a:ext cx="981551" cy="369332"/>
-          </a:xfrm>
-          <a:prstGeom prst="rect">
-            <a:avLst/>
-          </a:prstGeom>
-          <a:noFill/>
-        </p:spPr>
-        <p:txBody>
-          <a:bodyPr wrap="none" rtlCol="0">
-            <a:spAutoFit/>
-          </a:bodyPr>
-          <a:lstStyle/>
-          <a:p>
-            <a:r>
-              <a:rPr lang="pl-PL" b="1" dirty="0" smtClean="0">
-                <a:solidFill>
-                  <a:srgbClr val="FF0000"/>
-                </a:solidFill>
-              </a:rPr>
-              <a:t>Agent: 0</a:t>
-            </a:r>
-            <a:endParaRPr lang="pl-PL" b="1" dirty="0">
-              <a:solidFill>
-                <a:srgbClr val="FF0000"/>
-              </a:solidFill>
-            </a:endParaRPr>
-          </a:p>
-        </p:txBody>
-      </p:sp>
-    </p:spTree>
-    <p:extLst>
-      <p:ext uri="{BB962C8B-B14F-4D97-AF65-F5344CB8AC3E}">
-        <p14:creationId xmlns:p14="http://schemas.microsoft.com/office/powerpoint/2010/main" val="4275086764"/>
-      </p:ext>
-    </p:extLst>
-  </p:cSld>
-  <p:clrMapOvr>
-    <a:masterClrMapping/>
-  </p:clrMapOvr>
-</p:sld>
-</file>
-
-<file path=ppt/slides/slide30.xml><?xml version="1.0" encoding="utf-8"?>
+<file path=ppt/slides/slide31.xml><?xml version="1.0" encoding="utf-8"?>
 <p:sld xmlns:a="http://schemas.openxmlformats.org/drawingml/2006/main" xmlns:r="http://schemas.openxmlformats.org/officeDocument/2006/relationships" xmlns:p="http://schemas.openxmlformats.org/presentationml/2006/main">
   <p:cSld>
     <p:spTree>
@@ -30551,7 +31373,7 @@
 </p:sld>
 </file>
 
-<file path=ppt/slides/slide31.xml><?xml version="1.0" encoding="utf-8"?>
+<file path=ppt/slides/slide32.xml><?xml version="1.0" encoding="utf-8"?>
 <p:sld xmlns:a="http://schemas.openxmlformats.org/drawingml/2006/main" xmlns:r="http://schemas.openxmlformats.org/officeDocument/2006/relationships" xmlns:p="http://schemas.openxmlformats.org/presentationml/2006/main">
   <p:cSld>
     <p:spTree>
@@ -31325,7 +32147,7 @@
 </p:sld>
 </file>
 
-<file path=ppt/slides/slide32.xml><?xml version="1.0" encoding="utf-8"?>
+<file path=ppt/slides/slide33.xml><?xml version="1.0" encoding="utf-8"?>
 <p:sld xmlns:a="http://schemas.openxmlformats.org/drawingml/2006/main" xmlns:r="http://schemas.openxmlformats.org/officeDocument/2006/relationships" xmlns:p="http://schemas.openxmlformats.org/presentationml/2006/main">
   <p:cSld>
     <p:spTree>
@@ -32099,7 +32921,7 @@
 </p:sld>
 </file>
 
-<file path=ppt/slides/slide33.xml><?xml version="1.0" encoding="utf-8"?>
+<file path=ppt/slides/slide34.xml><?xml version="1.0" encoding="utf-8"?>
 <p:sld xmlns:a="http://schemas.openxmlformats.org/drawingml/2006/main" xmlns:r="http://schemas.openxmlformats.org/officeDocument/2006/relationships" xmlns:p="http://schemas.openxmlformats.org/presentationml/2006/main">
   <p:cSld>
     <p:spTree>
@@ -32193,7 +33015,7 @@
 </p:sld>
 </file>
 
-<file path=ppt/slides/slide34.xml><?xml version="1.0" encoding="utf-8"?>
+<file path=ppt/slides/slide35.xml><?xml version="1.0" encoding="utf-8"?>
 <p:sld xmlns:a="http://schemas.openxmlformats.org/drawingml/2006/main" xmlns:r="http://schemas.openxmlformats.org/officeDocument/2006/relationships" xmlns:p="http://schemas.openxmlformats.org/presentationml/2006/main">
   <p:cSld>
     <p:spTree>
@@ -34189,7 +35011,7 @@
 </p:sld>
 </file>
 
-<file path=ppt/slides/slide35.xml><?xml version="1.0" encoding="utf-8"?>
+<file path=ppt/slides/slide36.xml><?xml version="1.0" encoding="utf-8"?>
 <p:sld xmlns:a="http://schemas.openxmlformats.org/drawingml/2006/main" xmlns:r="http://schemas.openxmlformats.org/officeDocument/2006/relationships" xmlns:p="http://schemas.openxmlformats.org/presentationml/2006/main">
   <p:cSld>
     <p:spTree>
@@ -36024,7 +36846,7 @@
 </p:sld>
 </file>
 
-<file path=ppt/slides/slide36.xml><?xml version="1.0" encoding="utf-8"?>
+<file path=ppt/slides/slide37.xml><?xml version="1.0" encoding="utf-8"?>
 <p:sld xmlns:a="http://schemas.openxmlformats.org/drawingml/2006/main" xmlns:r="http://schemas.openxmlformats.org/officeDocument/2006/relationships" xmlns:p="http://schemas.openxmlformats.org/presentationml/2006/main">
   <p:cSld>
     <p:spTree>
@@ -50498,4 +51320,289 @@
   <a:objectDefaults/>
   <a:extraClrSchemeLst/>
 </a:theme>
+</file>
+
+<file path=ppt/theme/theme2.xml><?xml version="1.0" encoding="utf-8"?>
+<a:theme xmlns:a="http://schemas.openxmlformats.org/drawingml/2006/main" name="Motyw pakietu Office">
+  <a:themeElements>
+    <a:clrScheme name="Pakiet Office">
+      <a:dk1>
+        <a:sysClr val="windowText" lastClr="000000"/>
+      </a:dk1>
+      <a:lt1>
+        <a:sysClr val="window" lastClr="FFFFFF"/>
+      </a:lt1>
+      <a:dk2>
+        <a:srgbClr val="1F497D"/>
+      </a:dk2>
+      <a:lt2>
+        <a:srgbClr val="EEECE1"/>
+      </a:lt2>
+      <a:accent1>
+        <a:srgbClr val="4F81BD"/>
+      </a:accent1>
+      <a:accent2>
+        <a:srgbClr val="C0504D"/>
+      </a:accent2>
+      <a:accent3>
+        <a:srgbClr val="9BBB59"/>
+      </a:accent3>
+      <a:accent4>
+        <a:srgbClr val="8064A2"/>
+      </a:accent4>
+      <a:accent5>
+        <a:srgbClr val="4BACC6"/>
+      </a:accent5>
+      <a:accent6>
+        <a:srgbClr val="F79646"/>
+      </a:accent6>
+      <a:hlink>
+        <a:srgbClr val="0000FF"/>
+      </a:hlink>
+      <a:folHlink>
+        <a:srgbClr val="800080"/>
+      </a:folHlink>
+    </a:clrScheme>
+    <a:fontScheme name="Pakiet Office">
+      <a:majorFont>
+        <a:latin typeface="Calibri"/>
+        <a:ea typeface=""/>
+        <a:cs typeface=""/>
+        <a:font script="Jpan" typeface="ＭＳ Ｐゴシック"/>
+        <a:font script="Hang" typeface="맑은 고딕"/>
+        <a:font script="Hans" typeface="宋体"/>
+        <a:font script="Hant" typeface="新細明體"/>
+        <a:font script="Arab" typeface="Times New Roman"/>
+        <a:font script="Hebr" typeface="Times New Roman"/>
+        <a:font script="Thai" typeface="Angsana New"/>
+        <a:font script="Ethi" typeface="Nyala"/>
+        <a:font script="Beng" typeface="Vrinda"/>
+        <a:font script="Gujr" typeface="Shruti"/>
+        <a:font script="Khmr" typeface="MoolBoran"/>
+        <a:font script="Knda" typeface="Tunga"/>
+        <a:font script="Guru" typeface="Raavi"/>
+        <a:font script="Cans" typeface="Euphemia"/>
+        <a:font script="Cher" typeface="Plantagenet Cherokee"/>
+        <a:font script="Yiii" typeface="Microsoft Yi Baiti"/>
+        <a:font script="Tibt" typeface="Microsoft Himalaya"/>
+        <a:font script="Thaa" typeface="MV Boli"/>
+        <a:font script="Deva" typeface="Mangal"/>
+        <a:font script="Telu" typeface="Gautami"/>
+        <a:font script="Taml" typeface="Latha"/>
+        <a:font script="Syrc" typeface="Estrangelo Edessa"/>
+        <a:font script="Orya" typeface="Kalinga"/>
+        <a:font script="Mlym" typeface="Kartika"/>
+        <a:font script="Laoo" typeface="DokChampa"/>
+        <a:font script="Sinh" typeface="Iskoola Pota"/>
+        <a:font script="Mong" typeface="Mongolian Baiti"/>
+        <a:font script="Viet" typeface="Times New Roman"/>
+        <a:font script="Uigh" typeface="Microsoft Uighur"/>
+        <a:font script="Geor" typeface="Sylfaen"/>
+      </a:majorFont>
+      <a:minorFont>
+        <a:latin typeface="Calibri"/>
+        <a:ea typeface=""/>
+        <a:cs typeface=""/>
+        <a:font script="Jpan" typeface="ＭＳ Ｐゴシック"/>
+        <a:font script="Hang" typeface="맑은 고딕"/>
+        <a:font script="Hans" typeface="宋体"/>
+        <a:font script="Hant" typeface="新細明體"/>
+        <a:font script="Arab" typeface="Arial"/>
+        <a:font script="Hebr" typeface="Arial"/>
+        <a:font script="Thai" typeface="Cordia New"/>
+        <a:font script="Ethi" typeface="Nyala"/>
+        <a:font script="Beng" typeface="Vrinda"/>
+        <a:font script="Gujr" typeface="Shruti"/>
+        <a:font script="Khmr" typeface="DaunPenh"/>
+        <a:font script="Knda" typeface="Tunga"/>
+        <a:font script="Guru" typeface="Raavi"/>
+        <a:font script="Cans" typeface="Euphemia"/>
+        <a:font script="Cher" typeface="Plantagenet Cherokee"/>
+        <a:font script="Yiii" typeface="Microsoft Yi Baiti"/>
+        <a:font script="Tibt" typeface="Microsoft Himalaya"/>
+        <a:font script="Thaa" typeface="MV Boli"/>
+        <a:font script="Deva" typeface="Mangal"/>
+        <a:font script="Telu" typeface="Gautami"/>
+        <a:font script="Taml" typeface="Latha"/>
+        <a:font script="Syrc" typeface="Estrangelo Edessa"/>
+        <a:font script="Orya" typeface="Kalinga"/>
+        <a:font script="Mlym" typeface="Kartika"/>
+        <a:font script="Laoo" typeface="DokChampa"/>
+        <a:font script="Sinh" typeface="Iskoola Pota"/>
+        <a:font script="Mong" typeface="Mongolian Baiti"/>
+        <a:font script="Viet" typeface="Arial"/>
+        <a:font script="Uigh" typeface="Microsoft Uighur"/>
+        <a:font script="Geor" typeface="Sylfaen"/>
+      </a:minorFont>
+    </a:fontScheme>
+    <a:fmtScheme name="Pakiet Office">
+      <a:fillStyleLst>
+        <a:solidFill>
+          <a:schemeClr val="phClr"/>
+        </a:solidFill>
+        <a:gradFill rotWithShape="1">
+          <a:gsLst>
+            <a:gs pos="0">
+              <a:schemeClr val="phClr">
+                <a:tint val="50000"/>
+                <a:satMod val="300000"/>
+              </a:schemeClr>
+            </a:gs>
+            <a:gs pos="35000">
+              <a:schemeClr val="phClr">
+                <a:tint val="37000"/>
+                <a:satMod val="300000"/>
+              </a:schemeClr>
+            </a:gs>
+            <a:gs pos="100000">
+              <a:schemeClr val="phClr">
+                <a:tint val="15000"/>
+                <a:satMod val="350000"/>
+              </a:schemeClr>
+            </a:gs>
+          </a:gsLst>
+          <a:lin ang="16200000" scaled="1"/>
+        </a:gradFill>
+        <a:gradFill rotWithShape="1">
+          <a:gsLst>
+            <a:gs pos="0">
+              <a:schemeClr val="phClr">
+                <a:shade val="51000"/>
+                <a:satMod val="130000"/>
+              </a:schemeClr>
+            </a:gs>
+            <a:gs pos="80000">
+              <a:schemeClr val="phClr">
+                <a:shade val="93000"/>
+                <a:satMod val="130000"/>
+              </a:schemeClr>
+            </a:gs>
+            <a:gs pos="100000">
+              <a:schemeClr val="phClr">
+                <a:shade val="94000"/>
+                <a:satMod val="135000"/>
+              </a:schemeClr>
+            </a:gs>
+          </a:gsLst>
+          <a:lin ang="16200000" scaled="0"/>
+        </a:gradFill>
+      </a:fillStyleLst>
+      <a:lnStyleLst>
+        <a:ln w="9525" cap="flat" cmpd="sng" algn="ctr">
+          <a:solidFill>
+            <a:schemeClr val="phClr">
+              <a:shade val="95000"/>
+              <a:satMod val="105000"/>
+            </a:schemeClr>
+          </a:solidFill>
+          <a:prstDash val="solid"/>
+        </a:ln>
+        <a:ln w="25400" cap="flat" cmpd="sng" algn="ctr">
+          <a:solidFill>
+            <a:schemeClr val="phClr"/>
+          </a:solidFill>
+          <a:prstDash val="solid"/>
+        </a:ln>
+        <a:ln w="38100" cap="flat" cmpd="sng" algn="ctr">
+          <a:solidFill>
+            <a:schemeClr val="phClr"/>
+          </a:solidFill>
+          <a:prstDash val="solid"/>
+        </a:ln>
+      </a:lnStyleLst>
+      <a:effectStyleLst>
+        <a:effectStyle>
+          <a:effectLst>
+            <a:outerShdw blurRad="40000" dist="20000" dir="5400000" rotWithShape="0">
+              <a:srgbClr val="000000">
+                <a:alpha val="38000"/>
+              </a:srgbClr>
+            </a:outerShdw>
+          </a:effectLst>
+        </a:effectStyle>
+        <a:effectStyle>
+          <a:effectLst>
+            <a:outerShdw blurRad="40000" dist="23000" dir="5400000" rotWithShape="0">
+              <a:srgbClr val="000000">
+                <a:alpha val="35000"/>
+              </a:srgbClr>
+            </a:outerShdw>
+          </a:effectLst>
+        </a:effectStyle>
+        <a:effectStyle>
+          <a:effectLst>
+            <a:outerShdw blurRad="40000" dist="23000" dir="5400000" rotWithShape="0">
+              <a:srgbClr val="000000">
+                <a:alpha val="35000"/>
+              </a:srgbClr>
+            </a:outerShdw>
+          </a:effectLst>
+          <a:scene3d>
+            <a:camera prst="orthographicFront">
+              <a:rot lat="0" lon="0" rev="0"/>
+            </a:camera>
+            <a:lightRig rig="threePt" dir="t">
+              <a:rot lat="0" lon="0" rev="1200000"/>
+            </a:lightRig>
+          </a:scene3d>
+          <a:sp3d>
+            <a:bevelT w="63500" h="25400"/>
+          </a:sp3d>
+        </a:effectStyle>
+      </a:effectStyleLst>
+      <a:bgFillStyleLst>
+        <a:solidFill>
+          <a:schemeClr val="phClr"/>
+        </a:solidFill>
+        <a:gradFill rotWithShape="1">
+          <a:gsLst>
+            <a:gs pos="0">
+              <a:schemeClr val="phClr">
+                <a:tint val="40000"/>
+                <a:satMod val="350000"/>
+              </a:schemeClr>
+            </a:gs>
+            <a:gs pos="40000">
+              <a:schemeClr val="phClr">
+                <a:tint val="45000"/>
+                <a:shade val="99000"/>
+                <a:satMod val="350000"/>
+              </a:schemeClr>
+            </a:gs>
+            <a:gs pos="100000">
+              <a:schemeClr val="phClr">
+                <a:shade val="20000"/>
+                <a:satMod val="255000"/>
+              </a:schemeClr>
+            </a:gs>
+          </a:gsLst>
+          <a:path path="circle">
+            <a:fillToRect l="50000" t="-80000" r="50000" b="180000"/>
+          </a:path>
+        </a:gradFill>
+        <a:gradFill rotWithShape="1">
+          <a:gsLst>
+            <a:gs pos="0">
+              <a:schemeClr val="phClr">
+                <a:tint val="80000"/>
+                <a:satMod val="300000"/>
+              </a:schemeClr>
+            </a:gs>
+            <a:gs pos="100000">
+              <a:schemeClr val="phClr">
+                <a:shade val="30000"/>
+                <a:satMod val="200000"/>
+              </a:schemeClr>
+            </a:gs>
+          </a:gsLst>
+          <a:path path="circle">
+            <a:fillToRect l="50000" t="50000" r="50000" b="50000"/>
+          </a:path>
+        </a:gradFill>
+      </a:bgFillStyleLst>
+    </a:fmtScheme>
+  </a:themeElements>
+  <a:objectDefaults/>
+  <a:extraClrSchemeLst/>
+</a:theme>
 </file>
--- a/obrazy.pptx
+++ b/obrazy.pptx
@@ -5,7 +5,7 @@
     <p:sldMasterId id="2147483648" r:id="rId1"/>
   </p:sldMasterIdLst>
   <p:notesMasterIdLst>
-    <p:notesMasterId r:id="rId39"/>
+    <p:notesMasterId r:id="rId44"/>
   </p:notesMasterIdLst>
   <p:sldIdLst>
     <p:sldId id="286" r:id="rId2"/>
@@ -45,6 +45,11 @@
     <p:sldId id="283" r:id="rId36"/>
     <p:sldId id="284" r:id="rId37"/>
     <p:sldId id="285" r:id="rId38"/>
+    <p:sldId id="298" r:id="rId39"/>
+    <p:sldId id="297" r:id="rId40"/>
+    <p:sldId id="299" r:id="rId41"/>
+    <p:sldId id="300" r:id="rId42"/>
+    <p:sldId id="301" r:id="rId43"/>
   </p:sldIdLst>
   <p:sldSz cx="9144000" cy="6858000" type="screen4x3"/>
   <p:notesSz cx="6858000" cy="9144000"/>
@@ -145,7 +150,7 @@
   </p:defaultTextStyle>
   <p:extLst>
     <p:ext uri="{EFAFB233-063F-42B5-8137-9DF3F51BA10A}">
-      <p15:sldGuideLst xmlns:p15="http://schemas.microsoft.com/office/powerpoint/2012/main" xmlns="">
+      <p15:sldGuideLst xmlns="" xmlns:p15="http://schemas.microsoft.com/office/powerpoint/2012/main">
         <p15:guide id="1" orient="horz" pos="2160">
           <p15:clr>
             <a:srgbClr val="A4A3A4"/>
@@ -244,7 +249,7 @@
           <a:p>
             <a:fld id="{826F3446-B3C4-4F0B-B165-9A7A4323BEDE}" type="datetimeFigureOut">
               <a:rPr lang="pl-PL" smtClean="0"/>
-              <a:t>06.07.2019</a:t>
+              <a:t>17.07.2019</a:t>
             </a:fld>
             <a:endParaRPr lang="pl-PL"/>
           </a:p>
@@ -596,6 +601,90 @@
 </p:notes>
 </file>
 
+<file path=ppt/notesSlides/notesSlide2.xml><?xml version="1.0" encoding="utf-8"?>
+<p:notes xmlns:a="http://schemas.openxmlformats.org/drawingml/2006/main" xmlns:r="http://schemas.openxmlformats.org/officeDocument/2006/relationships" xmlns:p="http://schemas.openxmlformats.org/presentationml/2006/main">
+  <p:cSld>
+    <p:spTree>
+      <p:nvGrpSpPr>
+        <p:cNvPr id="1" name=""/>
+        <p:cNvGrpSpPr/>
+        <p:nvPr/>
+      </p:nvGrpSpPr>
+      <p:grpSpPr>
+        <a:xfrm>
+          <a:off x="0" y="0"/>
+          <a:ext cx="0" cy="0"/>
+          <a:chOff x="0" y="0"/>
+          <a:chExt cx="0" cy="0"/>
+        </a:xfrm>
+      </p:grpSpPr>
+      <p:sp>
+        <p:nvSpPr>
+          <p:cNvPr id="2" name="Symbol zastępczy obrazu slajdu 1"/>
+          <p:cNvSpPr>
+            <a:spLocks noGrp="1" noRot="1" noChangeAspect="1"/>
+          </p:cNvSpPr>
+          <p:nvPr>
+            <p:ph type="sldImg"/>
+          </p:nvPr>
+        </p:nvSpPr>
+        <p:spPr/>
+      </p:sp>
+      <p:sp>
+        <p:nvSpPr>
+          <p:cNvPr id="3" name="Symbol zastępczy notatek 2"/>
+          <p:cNvSpPr>
+            <a:spLocks noGrp="1"/>
+          </p:cNvSpPr>
+          <p:nvPr>
+            <p:ph type="body" idx="1"/>
+          </p:nvPr>
+        </p:nvSpPr>
+        <p:spPr/>
+        <p:txBody>
+          <a:bodyPr/>
+          <a:lstStyle/>
+          <a:p>
+            <a:endParaRPr lang="pl-PL" dirty="0"/>
+          </a:p>
+        </p:txBody>
+      </p:sp>
+      <p:sp>
+        <p:nvSpPr>
+          <p:cNvPr id="4" name="Symbol zastępczy numeru slajdu 3"/>
+          <p:cNvSpPr>
+            <a:spLocks noGrp="1"/>
+          </p:cNvSpPr>
+          <p:nvPr>
+            <p:ph type="sldNum" sz="quarter" idx="10"/>
+          </p:nvPr>
+        </p:nvSpPr>
+        <p:spPr/>
+        <p:txBody>
+          <a:bodyPr/>
+          <a:lstStyle/>
+          <a:p>
+            <a:fld id="{28EA90D6-C195-4C49-B551-7E3FBAF9D1C2}" type="slidenum">
+              <a:rPr lang="pl-PL" smtClean="0"/>
+              <a:t>42</a:t>
+            </a:fld>
+            <a:endParaRPr lang="pl-PL"/>
+          </a:p>
+        </p:txBody>
+      </p:sp>
+    </p:spTree>
+    <p:extLst>
+      <p:ext uri="{BB962C8B-B14F-4D97-AF65-F5344CB8AC3E}">
+        <p14:creationId xmlns:p14="http://schemas.microsoft.com/office/powerpoint/2010/main" val="1223486202"/>
+      </p:ext>
+    </p:extLst>
+  </p:cSld>
+  <p:clrMapOvr>
+    <a:masterClrMapping/>
+  </p:clrMapOvr>
+</p:notes>
+</file>
+
 <file path=ppt/slideLayouts/slideLayout1.xml><?xml version="1.0" encoding="utf-8"?>
 <p:sldLayout xmlns:a="http://schemas.openxmlformats.org/drawingml/2006/main" xmlns:r="http://schemas.openxmlformats.org/officeDocument/2006/relationships" xmlns:p="http://schemas.openxmlformats.org/presentationml/2006/main" type="title" preserve="1">
   <p:cSld name="Title Slide">
@@ -777,7 +866,7 @@
           <a:p>
             <a:fld id="{B52AA6F2-AEE1-4FE6-B3E2-3509488F5D07}" type="datetimeFigureOut">
               <a:rPr lang="pl-PL" smtClean="0"/>
-              <a:t>06.07.2019</a:t>
+              <a:t>17.07.2019</a:t>
             </a:fld>
             <a:endParaRPr lang="pl-PL"/>
           </a:p>
@@ -947,7 +1036,7 @@
           <a:p>
             <a:fld id="{B52AA6F2-AEE1-4FE6-B3E2-3509488F5D07}" type="datetimeFigureOut">
               <a:rPr lang="pl-PL" smtClean="0"/>
-              <a:t>06.07.2019</a:t>
+              <a:t>17.07.2019</a:t>
             </a:fld>
             <a:endParaRPr lang="pl-PL"/>
           </a:p>
@@ -1127,7 +1216,7 @@
           <a:p>
             <a:fld id="{B52AA6F2-AEE1-4FE6-B3E2-3509488F5D07}" type="datetimeFigureOut">
               <a:rPr lang="pl-PL" smtClean="0"/>
-              <a:t>06.07.2019</a:t>
+              <a:t>17.07.2019</a:t>
             </a:fld>
             <a:endParaRPr lang="pl-PL"/>
           </a:p>
@@ -1297,7 +1386,7 @@
           <a:p>
             <a:fld id="{B52AA6F2-AEE1-4FE6-B3E2-3509488F5D07}" type="datetimeFigureOut">
               <a:rPr lang="pl-PL" smtClean="0"/>
-              <a:t>06.07.2019</a:t>
+              <a:t>17.07.2019</a:t>
             </a:fld>
             <a:endParaRPr lang="pl-PL"/>
           </a:p>
@@ -1543,7 +1632,7 @@
           <a:p>
             <a:fld id="{B52AA6F2-AEE1-4FE6-B3E2-3509488F5D07}" type="datetimeFigureOut">
               <a:rPr lang="pl-PL" smtClean="0"/>
-              <a:t>06.07.2019</a:t>
+              <a:t>17.07.2019</a:t>
             </a:fld>
             <a:endParaRPr lang="pl-PL"/>
           </a:p>
@@ -1831,7 +1920,7 @@
           <a:p>
             <a:fld id="{B52AA6F2-AEE1-4FE6-B3E2-3509488F5D07}" type="datetimeFigureOut">
               <a:rPr lang="pl-PL" smtClean="0"/>
-              <a:t>06.07.2019</a:t>
+              <a:t>17.07.2019</a:t>
             </a:fld>
             <a:endParaRPr lang="pl-PL"/>
           </a:p>
@@ -2253,7 +2342,7 @@
           <a:p>
             <a:fld id="{B52AA6F2-AEE1-4FE6-B3E2-3509488F5D07}" type="datetimeFigureOut">
               <a:rPr lang="pl-PL" smtClean="0"/>
-              <a:t>06.07.2019</a:t>
+              <a:t>17.07.2019</a:t>
             </a:fld>
             <a:endParaRPr lang="pl-PL"/>
           </a:p>
@@ -2371,7 +2460,7 @@
           <a:p>
             <a:fld id="{B52AA6F2-AEE1-4FE6-B3E2-3509488F5D07}" type="datetimeFigureOut">
               <a:rPr lang="pl-PL" smtClean="0"/>
-              <a:t>06.07.2019</a:t>
+              <a:t>17.07.2019</a:t>
             </a:fld>
             <a:endParaRPr lang="pl-PL"/>
           </a:p>
@@ -2466,7 +2555,7 @@
           <a:p>
             <a:fld id="{B52AA6F2-AEE1-4FE6-B3E2-3509488F5D07}" type="datetimeFigureOut">
               <a:rPr lang="pl-PL" smtClean="0"/>
-              <a:t>06.07.2019</a:t>
+              <a:t>17.07.2019</a:t>
             </a:fld>
             <a:endParaRPr lang="pl-PL"/>
           </a:p>
@@ -2743,7 +2832,7 @@
           <a:p>
             <a:fld id="{B52AA6F2-AEE1-4FE6-B3E2-3509488F5D07}" type="datetimeFigureOut">
               <a:rPr lang="pl-PL" smtClean="0"/>
-              <a:t>06.07.2019</a:t>
+              <a:t>17.07.2019</a:t>
             </a:fld>
             <a:endParaRPr lang="pl-PL"/>
           </a:p>
@@ -2996,7 +3085,7 @@
           <a:p>
             <a:fld id="{B52AA6F2-AEE1-4FE6-B3E2-3509488F5D07}" type="datetimeFigureOut">
               <a:rPr lang="pl-PL" smtClean="0"/>
-              <a:t>06.07.2019</a:t>
+              <a:t>17.07.2019</a:t>
             </a:fld>
             <a:endParaRPr lang="pl-PL"/>
           </a:p>
@@ -3209,7 +3298,7 @@
           <a:p>
             <a:fld id="{B52AA6F2-AEE1-4FE6-B3E2-3509488F5D07}" type="datetimeFigureOut">
               <a:rPr lang="pl-PL" smtClean="0"/>
-              <a:t>06.07.2019</a:t>
+              <a:t>17.07.2019</a:t>
             </a:fld>
             <a:endParaRPr lang="pl-PL"/>
           </a:p>
@@ -38809,6 +38898,419 @@
 </p:sld>
 </file>
 
+<file path=ppt/slides/slide38.xml><?xml version="1.0" encoding="utf-8"?>
+<p:sld xmlns:a="http://schemas.openxmlformats.org/drawingml/2006/main" xmlns:r="http://schemas.openxmlformats.org/officeDocument/2006/relationships" xmlns:p="http://schemas.openxmlformats.org/presentationml/2006/main">
+  <p:cSld>
+    <p:spTree>
+      <p:nvGrpSpPr>
+        <p:cNvPr id="1" name=""/>
+        <p:cNvGrpSpPr/>
+        <p:nvPr/>
+      </p:nvGrpSpPr>
+      <p:grpSpPr>
+        <a:xfrm>
+          <a:off x="0" y="0"/>
+          <a:ext cx="0" cy="0"/>
+          <a:chOff x="0" y="0"/>
+          <a:chExt cx="0" cy="0"/>
+        </a:xfrm>
+      </p:grpSpPr>
+      <p:sp>
+        <p:nvSpPr>
+          <p:cNvPr id="3" name="Symbol zastępczy zawartości 2"/>
+          <p:cNvSpPr>
+            <a:spLocks noGrp="1"/>
+          </p:cNvSpPr>
+          <p:nvPr>
+            <p:ph idx="1"/>
+          </p:nvPr>
+        </p:nvSpPr>
+        <p:spPr/>
+        <p:txBody>
+          <a:bodyPr/>
+          <a:lstStyle/>
+          <a:p>
+            <a:endParaRPr lang="pl-PL" dirty="0"/>
+          </a:p>
+        </p:txBody>
+      </p:sp>
+      <p:sp>
+        <p:nvSpPr>
+          <p:cNvPr id="4" name="Podtytuł 2"/>
+          <p:cNvSpPr txBox="1">
+            <a:spLocks/>
+          </p:cNvSpPr>
+          <p:nvPr/>
+        </p:nvSpPr>
+        <p:spPr>
+          <a:xfrm>
+            <a:off x="1371600" y="3886200"/>
+            <a:ext cx="6400800" cy="1752600"/>
+          </a:xfrm>
+          <a:prstGeom prst="rect">
+            <a:avLst/>
+          </a:prstGeom>
+        </p:spPr>
+        <p:txBody>
+          <a:bodyPr vert="horz" lIns="91440" tIns="45720" rIns="91440" bIns="45720" rtlCol="0">
+            <a:normAutofit fontScale="77500" lnSpcReduction="20000"/>
+          </a:bodyPr>
+          <a:lstStyle>
+            <a:lvl1pPr marL="342900" indent="-342900" algn="l" defTabSz="914400" rtl="0" eaLnBrk="1" latinLnBrk="0" hangingPunct="1">
+              <a:spcBef>
+                <a:spcPct val="20000"/>
+              </a:spcBef>
+              <a:buFont typeface="Arial" pitchFamily="34" charset="0"/>
+              <a:buChar char="•"/>
+              <a:defRPr sz="3200" kern="1200">
+                <a:solidFill>
+                  <a:schemeClr val="tx1"/>
+                </a:solidFill>
+                <a:latin typeface="+mn-lt"/>
+                <a:ea typeface="+mn-ea"/>
+                <a:cs typeface="+mn-cs"/>
+              </a:defRPr>
+            </a:lvl1pPr>
+            <a:lvl2pPr marL="742950" indent="-285750" algn="l" defTabSz="914400" rtl="0" eaLnBrk="1" latinLnBrk="0" hangingPunct="1">
+              <a:spcBef>
+                <a:spcPct val="20000"/>
+              </a:spcBef>
+              <a:buFont typeface="Arial" pitchFamily="34" charset="0"/>
+              <a:buChar char="–"/>
+              <a:defRPr sz="2800" kern="1200">
+                <a:solidFill>
+                  <a:schemeClr val="tx1"/>
+                </a:solidFill>
+                <a:latin typeface="+mn-lt"/>
+                <a:ea typeface="+mn-ea"/>
+                <a:cs typeface="+mn-cs"/>
+              </a:defRPr>
+            </a:lvl2pPr>
+            <a:lvl3pPr marL="1143000" indent="-228600" algn="l" defTabSz="914400" rtl="0" eaLnBrk="1" latinLnBrk="0" hangingPunct="1">
+              <a:spcBef>
+                <a:spcPct val="20000"/>
+              </a:spcBef>
+              <a:buFont typeface="Arial" pitchFamily="34" charset="0"/>
+              <a:buChar char="•"/>
+              <a:defRPr sz="2400" kern="1200">
+                <a:solidFill>
+                  <a:schemeClr val="tx1"/>
+                </a:solidFill>
+                <a:latin typeface="+mn-lt"/>
+                <a:ea typeface="+mn-ea"/>
+                <a:cs typeface="+mn-cs"/>
+              </a:defRPr>
+            </a:lvl3pPr>
+            <a:lvl4pPr marL="1600200" indent="-228600" algn="l" defTabSz="914400" rtl="0" eaLnBrk="1" latinLnBrk="0" hangingPunct="1">
+              <a:spcBef>
+                <a:spcPct val="20000"/>
+              </a:spcBef>
+              <a:buFont typeface="Arial" pitchFamily="34" charset="0"/>
+              <a:buChar char="–"/>
+              <a:defRPr sz="2000" kern="1200">
+                <a:solidFill>
+                  <a:schemeClr val="tx1"/>
+                </a:solidFill>
+                <a:latin typeface="+mn-lt"/>
+                <a:ea typeface="+mn-ea"/>
+                <a:cs typeface="+mn-cs"/>
+              </a:defRPr>
+            </a:lvl4pPr>
+            <a:lvl5pPr marL="2057400" indent="-228600" algn="l" defTabSz="914400" rtl="0" eaLnBrk="1" latinLnBrk="0" hangingPunct="1">
+              <a:spcBef>
+                <a:spcPct val="20000"/>
+              </a:spcBef>
+              <a:buFont typeface="Arial" pitchFamily="34" charset="0"/>
+              <a:buChar char="»"/>
+              <a:defRPr sz="2000" kern="1200">
+                <a:solidFill>
+                  <a:schemeClr val="tx1"/>
+                </a:solidFill>
+                <a:latin typeface="+mn-lt"/>
+                <a:ea typeface="+mn-ea"/>
+                <a:cs typeface="+mn-cs"/>
+              </a:defRPr>
+            </a:lvl5pPr>
+            <a:lvl6pPr marL="2514600" indent="-228600" algn="l" defTabSz="914400" rtl="0" eaLnBrk="1" latinLnBrk="0" hangingPunct="1">
+              <a:spcBef>
+                <a:spcPct val="20000"/>
+              </a:spcBef>
+              <a:buFont typeface="Arial" pitchFamily="34" charset="0"/>
+              <a:buChar char="•"/>
+              <a:defRPr sz="2000" kern="1200">
+                <a:solidFill>
+                  <a:schemeClr val="tx1"/>
+                </a:solidFill>
+                <a:latin typeface="+mn-lt"/>
+                <a:ea typeface="+mn-ea"/>
+                <a:cs typeface="+mn-cs"/>
+              </a:defRPr>
+            </a:lvl6pPr>
+            <a:lvl7pPr marL="2971800" indent="-228600" algn="l" defTabSz="914400" rtl="0" eaLnBrk="1" latinLnBrk="0" hangingPunct="1">
+              <a:spcBef>
+                <a:spcPct val="20000"/>
+              </a:spcBef>
+              <a:buFont typeface="Arial" pitchFamily="34" charset="0"/>
+              <a:buChar char="•"/>
+              <a:defRPr sz="2000" kern="1200">
+                <a:solidFill>
+                  <a:schemeClr val="tx1"/>
+                </a:solidFill>
+                <a:latin typeface="+mn-lt"/>
+                <a:ea typeface="+mn-ea"/>
+                <a:cs typeface="+mn-cs"/>
+              </a:defRPr>
+            </a:lvl7pPr>
+            <a:lvl8pPr marL="3429000" indent="-228600" algn="l" defTabSz="914400" rtl="0" eaLnBrk="1" latinLnBrk="0" hangingPunct="1">
+              <a:spcBef>
+                <a:spcPct val="20000"/>
+              </a:spcBef>
+              <a:buFont typeface="Arial" pitchFamily="34" charset="0"/>
+              <a:buChar char="•"/>
+              <a:defRPr sz="2000" kern="1200">
+                <a:solidFill>
+                  <a:schemeClr val="tx1"/>
+                </a:solidFill>
+                <a:latin typeface="+mn-lt"/>
+                <a:ea typeface="+mn-ea"/>
+                <a:cs typeface="+mn-cs"/>
+              </a:defRPr>
+            </a:lvl8pPr>
+            <a:lvl9pPr marL="3886200" indent="-228600" algn="l" defTabSz="914400" rtl="0" eaLnBrk="1" latinLnBrk="0" hangingPunct="1">
+              <a:spcBef>
+                <a:spcPct val="20000"/>
+              </a:spcBef>
+              <a:buFont typeface="Arial" pitchFamily="34" charset="0"/>
+              <a:buChar char="•"/>
+              <a:defRPr sz="2000" kern="1200">
+                <a:solidFill>
+                  <a:schemeClr val="tx1"/>
+                </a:solidFill>
+                <a:latin typeface="+mn-lt"/>
+                <a:ea typeface="+mn-ea"/>
+                <a:cs typeface="+mn-cs"/>
+              </a:defRPr>
+            </a:lvl9pPr>
+          </a:lstStyle>
+          <a:p>
+            <a:r>
+              <a:rPr lang="pl-PL" smtClean="0"/>
+              <a:t>from tensorflow.python.keras.models import load_model</a:t>
+            </a:r>
+          </a:p>
+          <a:p>
+            <a:r>
+              <a:rPr lang="pl-PL" smtClean="0"/>
+              <a:t>load_model('static_files/model-agent0.h5').weights</a:t>
+            </a:r>
+            <a:br>
+              <a:rPr lang="pl-PL" smtClean="0"/>
+            </a:br>
+            <a:endParaRPr lang="pl-PL" dirty="0"/>
+          </a:p>
+        </p:txBody>
+      </p:sp>
+      <p:pic>
+        <p:nvPicPr>
+          <p:cNvPr id="5" name="Picture 2"/>
+          <p:cNvPicPr>
+            <a:picLocks noChangeAspect="1" noChangeArrowheads="1"/>
+          </p:cNvPicPr>
+          <p:nvPr/>
+        </p:nvPicPr>
+        <p:blipFill>
+          <a:blip r:embed="rId2">
+            <a:extLst>
+              <a:ext uri="{28A0092B-C50C-407E-A947-70E740481C1C}">
+                <a14:useLocalDpi xmlns:a14="http://schemas.microsoft.com/office/drawing/2010/main" val="0"/>
+              </a:ext>
+            </a:extLst>
+          </a:blip>
+          <a:srcRect/>
+          <a:stretch>
+            <a:fillRect/>
+          </a:stretch>
+        </p:blipFill>
+        <p:spPr bwMode="auto">
+          <a:xfrm>
+            <a:off x="-212179" y="260648"/>
+            <a:ext cx="9168547" cy="3240360"/>
+          </a:xfrm>
+          <a:prstGeom prst="rect">
+            <a:avLst/>
+          </a:prstGeom>
+          <a:noFill/>
+          <a:ln>
+            <a:noFill/>
+          </a:ln>
+          <a:effectLst/>
+          <a:extLst>
+            <a:ext uri="{909E8E84-426E-40DD-AFC4-6F175D3DCCD1}">
+              <a14:hiddenFill xmlns:a14="http://schemas.microsoft.com/office/drawing/2010/main">
+                <a:solidFill>
+                  <a:schemeClr val="accent1"/>
+                </a:solidFill>
+              </a14:hiddenFill>
+            </a:ext>
+            <a:ext uri="{91240B29-F687-4F45-9708-019B960494DF}">
+              <a14:hiddenLine xmlns:a14="http://schemas.microsoft.com/office/drawing/2010/main" w="9525">
+                <a:solidFill>
+                  <a:schemeClr val="tx1"/>
+                </a:solidFill>
+                <a:miter lim="800000"/>
+                <a:headEnd/>
+                <a:tailEnd/>
+              </a14:hiddenLine>
+            </a:ext>
+            <a:ext uri="{AF507438-7753-43E0-B8FC-AC1667EBCBE1}">
+              <a14:hiddenEffects xmlns:a14="http://schemas.microsoft.com/office/drawing/2010/main">
+                <a:effectLst>
+                  <a:outerShdw dist="35921" dir="2700000" algn="ctr" rotWithShape="0">
+                    <a:schemeClr val="bg2"/>
+                  </a:outerShdw>
+                </a:effectLst>
+              </a14:hiddenEffects>
+            </a:ext>
+          </a:extLst>
+        </p:spPr>
+      </p:pic>
+    </p:spTree>
+    <p:extLst>
+      <p:ext uri="{BB962C8B-B14F-4D97-AF65-F5344CB8AC3E}">
+        <p14:creationId xmlns:p14="http://schemas.microsoft.com/office/powerpoint/2010/main" val="1714579862"/>
+      </p:ext>
+    </p:extLst>
+  </p:cSld>
+  <p:clrMapOvr>
+    <a:masterClrMapping/>
+  </p:clrMapOvr>
+</p:sld>
+</file>
+
+<file path=ppt/slides/slide39.xml><?xml version="1.0" encoding="utf-8"?>
+<p:sld xmlns:a="http://schemas.openxmlformats.org/drawingml/2006/main" xmlns:r="http://schemas.openxmlformats.org/officeDocument/2006/relationships" xmlns:p="http://schemas.openxmlformats.org/presentationml/2006/main">
+  <p:cSld>
+    <p:spTree>
+      <p:nvGrpSpPr>
+        <p:cNvPr id="1" name=""/>
+        <p:cNvGrpSpPr/>
+        <p:nvPr/>
+      </p:nvGrpSpPr>
+      <p:grpSpPr>
+        <a:xfrm>
+          <a:off x="0" y="0"/>
+          <a:ext cx="0" cy="0"/>
+          <a:chOff x="0" y="0"/>
+          <a:chExt cx="0" cy="0"/>
+        </a:xfrm>
+      </p:grpSpPr>
+      <p:sp>
+        <p:nvSpPr>
+          <p:cNvPr id="4" name="pole tekstowe 3"/>
+          <p:cNvSpPr txBox="1"/>
+          <p:nvPr/>
+        </p:nvSpPr>
+        <p:spPr>
+          <a:xfrm>
+            <a:off x="323528" y="260648"/>
+            <a:ext cx="705642" cy="369332"/>
+          </a:xfrm>
+          <a:prstGeom prst="rect">
+            <a:avLst/>
+          </a:prstGeom>
+          <a:noFill/>
+        </p:spPr>
+        <p:txBody>
+          <a:bodyPr wrap="none" rtlCol="0">
+            <a:spAutoFit/>
+          </a:bodyPr>
+          <a:lstStyle/>
+          <a:p>
+            <a:r>
+              <a:rPr lang="pl-PL" dirty="0" smtClean="0"/>
+              <a:t>En 14</a:t>
+            </a:r>
+            <a:endParaRPr lang="pl-PL" dirty="0"/>
+          </a:p>
+        </p:txBody>
+      </p:sp>
+      <p:pic>
+        <p:nvPicPr>
+          <p:cNvPr id="1026" name="Picture 2"/>
+          <p:cNvPicPr>
+            <a:picLocks noChangeAspect="1" noChangeArrowheads="1"/>
+          </p:cNvPicPr>
+          <p:nvPr/>
+        </p:nvPicPr>
+        <p:blipFill>
+          <a:blip r:embed="rId2">
+            <a:extLst>
+              <a:ext uri="{28A0092B-C50C-407E-A947-70E740481C1C}">
+                <a14:useLocalDpi xmlns:a14="http://schemas.microsoft.com/office/drawing/2010/main" val="0"/>
+              </a:ext>
+            </a:extLst>
+          </a:blip>
+          <a:srcRect/>
+          <a:stretch>
+            <a:fillRect/>
+          </a:stretch>
+        </p:blipFill>
+        <p:spPr bwMode="auto">
+          <a:xfrm>
+            <a:off x="2347913" y="2386013"/>
+            <a:ext cx="4448175" cy="2085975"/>
+          </a:xfrm>
+          <a:prstGeom prst="rect">
+            <a:avLst/>
+          </a:prstGeom>
+          <a:noFill/>
+          <a:ln>
+            <a:noFill/>
+          </a:ln>
+          <a:effectLst/>
+          <a:extLst>
+            <a:ext uri="{909E8E84-426E-40DD-AFC4-6F175D3DCCD1}">
+              <a14:hiddenFill xmlns:a14="http://schemas.microsoft.com/office/drawing/2010/main">
+                <a:solidFill>
+                  <a:schemeClr val="accent1"/>
+                </a:solidFill>
+              </a14:hiddenFill>
+            </a:ext>
+            <a:ext uri="{91240B29-F687-4F45-9708-019B960494DF}">
+              <a14:hiddenLine xmlns:a14="http://schemas.microsoft.com/office/drawing/2010/main" w="9525">
+                <a:solidFill>
+                  <a:schemeClr val="tx1"/>
+                </a:solidFill>
+                <a:miter lim="800000"/>
+                <a:headEnd/>
+                <a:tailEnd/>
+              </a14:hiddenLine>
+            </a:ext>
+            <a:ext uri="{AF507438-7753-43E0-B8FC-AC1667EBCBE1}">
+              <a14:hiddenEffects xmlns:a14="http://schemas.microsoft.com/office/drawing/2010/main">
+                <a:effectLst>
+                  <a:outerShdw dist="35921" dir="2700000" algn="ctr" rotWithShape="0">
+                    <a:schemeClr val="bg2"/>
+                  </a:outerShdw>
+                </a:effectLst>
+              </a14:hiddenEffects>
+            </a:ext>
+          </a:extLst>
+        </p:spPr>
+      </p:pic>
+    </p:spTree>
+    <p:extLst>
+      <p:ext uri="{BB962C8B-B14F-4D97-AF65-F5344CB8AC3E}">
+        <p14:creationId xmlns:p14="http://schemas.microsoft.com/office/powerpoint/2010/main" val="1413487145"/>
+      </p:ext>
+    </p:extLst>
+  </p:cSld>
+  <p:clrMapOvr>
+    <a:masterClrMapping/>
+  </p:clrMapOvr>
+</p:sld>
+</file>
+
 <file path=ppt/slides/slide4.xml><?xml version="1.0" encoding="utf-8"?>
 <p:sld xmlns:a="http://schemas.openxmlformats.org/drawingml/2006/main" xmlns:r="http://schemas.openxmlformats.org/officeDocument/2006/relationships" xmlns:p="http://schemas.openxmlformats.org/presentationml/2006/main">
   <p:cSld>
@@ -39610,6 +40112,2107 @@
     <p:extLst>
       <p:ext uri="{BB962C8B-B14F-4D97-AF65-F5344CB8AC3E}">
         <p14:creationId xmlns:p14="http://schemas.microsoft.com/office/powerpoint/2010/main" val="2522164605"/>
+      </p:ext>
+    </p:extLst>
+  </p:cSld>
+  <p:clrMapOvr>
+    <a:masterClrMapping/>
+  </p:clrMapOvr>
+</p:sld>
+</file>
+
+<file path=ppt/slides/slide40.xml><?xml version="1.0" encoding="utf-8"?>
+<p:sld xmlns:a="http://schemas.openxmlformats.org/drawingml/2006/main" xmlns:r="http://schemas.openxmlformats.org/officeDocument/2006/relationships" xmlns:p="http://schemas.openxmlformats.org/presentationml/2006/main">
+  <p:cSld>
+    <p:spTree>
+      <p:nvGrpSpPr>
+        <p:cNvPr id="1" name=""/>
+        <p:cNvGrpSpPr/>
+        <p:nvPr/>
+      </p:nvGrpSpPr>
+      <p:grpSpPr>
+        <a:xfrm>
+          <a:off x="0" y="0"/>
+          <a:ext cx="0" cy="0"/>
+          <a:chOff x="0" y="0"/>
+          <a:chExt cx="0" cy="0"/>
+        </a:xfrm>
+      </p:grpSpPr>
+      <p:pic>
+        <p:nvPicPr>
+          <p:cNvPr id="2050" name="Picture 2"/>
+          <p:cNvPicPr>
+            <a:picLocks noChangeAspect="1" noChangeArrowheads="1"/>
+          </p:cNvPicPr>
+          <p:nvPr/>
+        </p:nvPicPr>
+        <p:blipFill>
+          <a:blip r:embed="rId2">
+            <a:extLst>
+              <a:ext uri="{28A0092B-C50C-407E-A947-70E740481C1C}">
+                <a14:useLocalDpi xmlns:a14="http://schemas.microsoft.com/office/drawing/2010/main" val="0"/>
+              </a:ext>
+            </a:extLst>
+          </a:blip>
+          <a:srcRect/>
+          <a:stretch>
+            <a:fillRect/>
+          </a:stretch>
+        </p:blipFill>
+        <p:spPr bwMode="auto">
+          <a:xfrm>
+            <a:off x="537022" y="-315416"/>
+            <a:ext cx="4457700" cy="2209800"/>
+          </a:xfrm>
+          <a:prstGeom prst="rect">
+            <a:avLst/>
+          </a:prstGeom>
+          <a:noFill/>
+          <a:ln>
+            <a:noFill/>
+          </a:ln>
+          <a:effectLst/>
+          <a:extLst>
+            <a:ext uri="{909E8E84-426E-40DD-AFC4-6F175D3DCCD1}">
+              <a14:hiddenFill xmlns:a14="http://schemas.microsoft.com/office/drawing/2010/main">
+                <a:solidFill>
+                  <a:schemeClr val="accent1"/>
+                </a:solidFill>
+              </a14:hiddenFill>
+            </a:ext>
+            <a:ext uri="{91240B29-F687-4F45-9708-019B960494DF}">
+              <a14:hiddenLine xmlns:a14="http://schemas.microsoft.com/office/drawing/2010/main" w="9525">
+                <a:solidFill>
+                  <a:schemeClr val="tx1"/>
+                </a:solidFill>
+                <a:miter lim="800000"/>
+                <a:headEnd/>
+                <a:tailEnd/>
+              </a14:hiddenLine>
+            </a:ext>
+            <a:ext uri="{AF507438-7753-43E0-B8FC-AC1667EBCBE1}">
+              <a14:hiddenEffects xmlns:a14="http://schemas.microsoft.com/office/drawing/2010/main">
+                <a:effectLst>
+                  <a:outerShdw dist="35921" dir="2700000" algn="ctr" rotWithShape="0">
+                    <a:schemeClr val="bg2"/>
+                  </a:outerShdw>
+                </a:effectLst>
+              </a14:hiddenEffects>
+            </a:ext>
+          </a:extLst>
+        </p:spPr>
+      </p:pic>
+      <p:pic>
+        <p:nvPicPr>
+          <p:cNvPr id="2051" name="Picture 3"/>
+          <p:cNvPicPr>
+            <a:picLocks noChangeAspect="1" noChangeArrowheads="1"/>
+          </p:cNvPicPr>
+          <p:nvPr/>
+        </p:nvPicPr>
+        <p:blipFill>
+          <a:blip r:embed="rId3">
+            <a:extLst>
+              <a:ext uri="{28A0092B-C50C-407E-A947-70E740481C1C}">
+                <a14:useLocalDpi xmlns:a14="http://schemas.microsoft.com/office/drawing/2010/main" val="0"/>
+              </a:ext>
+            </a:extLst>
+          </a:blip>
+          <a:srcRect/>
+          <a:stretch>
+            <a:fillRect/>
+          </a:stretch>
+        </p:blipFill>
+        <p:spPr bwMode="auto">
+          <a:xfrm>
+            <a:off x="537022" y="2038524"/>
+            <a:ext cx="4562475" cy="2276475"/>
+          </a:xfrm>
+          <a:prstGeom prst="rect">
+            <a:avLst/>
+          </a:prstGeom>
+          <a:noFill/>
+          <a:ln>
+            <a:noFill/>
+          </a:ln>
+          <a:effectLst/>
+          <a:extLst>
+            <a:ext uri="{909E8E84-426E-40DD-AFC4-6F175D3DCCD1}">
+              <a14:hiddenFill xmlns:a14="http://schemas.microsoft.com/office/drawing/2010/main">
+                <a:solidFill>
+                  <a:schemeClr val="accent1"/>
+                </a:solidFill>
+              </a14:hiddenFill>
+            </a:ext>
+            <a:ext uri="{91240B29-F687-4F45-9708-019B960494DF}">
+              <a14:hiddenLine xmlns:a14="http://schemas.microsoft.com/office/drawing/2010/main" w="9525">
+                <a:solidFill>
+                  <a:schemeClr val="tx1"/>
+                </a:solidFill>
+                <a:miter lim="800000"/>
+                <a:headEnd/>
+                <a:tailEnd/>
+              </a14:hiddenLine>
+            </a:ext>
+            <a:ext uri="{AF507438-7753-43E0-B8FC-AC1667EBCBE1}">
+              <a14:hiddenEffects xmlns:a14="http://schemas.microsoft.com/office/drawing/2010/main">
+                <a:effectLst>
+                  <a:outerShdw dist="35921" dir="2700000" algn="ctr" rotWithShape="0">
+                    <a:schemeClr val="bg2"/>
+                  </a:outerShdw>
+                </a:effectLst>
+              </a14:hiddenEffects>
+            </a:ext>
+          </a:extLst>
+        </p:spPr>
+      </p:pic>
+      <p:pic>
+        <p:nvPicPr>
+          <p:cNvPr id="2052" name="Picture 4"/>
+          <p:cNvPicPr>
+            <a:picLocks noChangeAspect="1" noChangeArrowheads="1"/>
+          </p:cNvPicPr>
+          <p:nvPr/>
+        </p:nvPicPr>
+        <p:blipFill>
+          <a:blip r:embed="rId4">
+            <a:extLst>
+              <a:ext uri="{28A0092B-C50C-407E-A947-70E740481C1C}">
+                <a14:useLocalDpi xmlns:a14="http://schemas.microsoft.com/office/drawing/2010/main" val="0"/>
+              </a:ext>
+            </a:extLst>
+          </a:blip>
+          <a:srcRect/>
+          <a:stretch>
+            <a:fillRect/>
+          </a:stretch>
+        </p:blipFill>
+        <p:spPr bwMode="auto">
+          <a:xfrm>
+            <a:off x="537022" y="4638164"/>
+            <a:ext cx="4572000" cy="2247900"/>
+          </a:xfrm>
+          <a:prstGeom prst="rect">
+            <a:avLst/>
+          </a:prstGeom>
+          <a:noFill/>
+          <a:ln>
+            <a:noFill/>
+          </a:ln>
+          <a:effectLst/>
+          <a:extLst>
+            <a:ext uri="{909E8E84-426E-40DD-AFC4-6F175D3DCCD1}">
+              <a14:hiddenFill xmlns:a14="http://schemas.microsoft.com/office/drawing/2010/main">
+                <a:solidFill>
+                  <a:schemeClr val="accent1"/>
+                </a:solidFill>
+              </a14:hiddenFill>
+            </a:ext>
+            <a:ext uri="{91240B29-F687-4F45-9708-019B960494DF}">
+              <a14:hiddenLine xmlns:a14="http://schemas.microsoft.com/office/drawing/2010/main" w="9525">
+                <a:solidFill>
+                  <a:schemeClr val="tx1"/>
+                </a:solidFill>
+                <a:miter lim="800000"/>
+                <a:headEnd/>
+                <a:tailEnd/>
+              </a14:hiddenLine>
+            </a:ext>
+            <a:ext uri="{AF507438-7753-43E0-B8FC-AC1667EBCBE1}">
+              <a14:hiddenEffects xmlns:a14="http://schemas.microsoft.com/office/drawing/2010/main">
+                <a:effectLst>
+                  <a:outerShdw dist="35921" dir="2700000" algn="ctr" rotWithShape="0">
+                    <a:schemeClr val="bg2"/>
+                  </a:outerShdw>
+                </a:effectLst>
+              </a14:hiddenEffects>
+            </a:ext>
+          </a:extLst>
+        </p:spPr>
+      </p:pic>
+      <p:sp>
+        <p:nvSpPr>
+          <p:cNvPr id="7" name="TextBox 33"/>
+          <p:cNvSpPr txBox="1"/>
+          <p:nvPr/>
+        </p:nvSpPr>
+        <p:spPr>
+          <a:xfrm>
+            <a:off x="2765872" y="-310480"/>
+            <a:ext cx="418704" cy="646331"/>
+          </a:xfrm>
+          <a:prstGeom prst="rect">
+            <a:avLst/>
+          </a:prstGeom>
+          <a:noFill/>
+        </p:spPr>
+        <p:txBody>
+          <a:bodyPr wrap="none" rtlCol="0">
+            <a:spAutoFit/>
+          </a:bodyPr>
+          <a:lstStyle/>
+          <a:p>
+            <a:r>
+              <a:rPr lang="pl-PL" sz="3600" b="1" dirty="0"/>
+              <a:t>0</a:t>
+            </a:r>
+          </a:p>
+        </p:txBody>
+      </p:sp>
+      <p:sp>
+        <p:nvSpPr>
+          <p:cNvPr id="8" name="TextBox 33"/>
+          <p:cNvSpPr txBox="1"/>
+          <p:nvPr/>
+        </p:nvSpPr>
+        <p:spPr>
+          <a:xfrm>
+            <a:off x="2823022" y="1894508"/>
+            <a:ext cx="418704" cy="646331"/>
+          </a:xfrm>
+          <a:prstGeom prst="rect">
+            <a:avLst/>
+          </a:prstGeom>
+          <a:noFill/>
+        </p:spPr>
+        <p:txBody>
+          <a:bodyPr wrap="none" rtlCol="0">
+            <a:spAutoFit/>
+          </a:bodyPr>
+          <a:lstStyle/>
+          <a:p>
+            <a:r>
+              <a:rPr lang="pl-PL" sz="3600" b="1" dirty="0" smtClean="0"/>
+              <a:t>1</a:t>
+            </a:r>
+            <a:endParaRPr lang="pl-PL" sz="3600" b="1" dirty="0"/>
+          </a:p>
+        </p:txBody>
+      </p:sp>
+      <p:sp>
+        <p:nvSpPr>
+          <p:cNvPr id="9" name="TextBox 33"/>
+          <p:cNvSpPr txBox="1"/>
+          <p:nvPr/>
+        </p:nvSpPr>
+        <p:spPr>
+          <a:xfrm>
+            <a:off x="2477145" y="4437112"/>
+            <a:ext cx="1116909" cy="646331"/>
+          </a:xfrm>
+          <a:prstGeom prst="rect">
+            <a:avLst/>
+          </a:prstGeom>
+          <a:noFill/>
+        </p:spPr>
+        <p:txBody>
+          <a:bodyPr wrap="none" rtlCol="0">
+            <a:spAutoFit/>
+          </a:bodyPr>
+          <a:lstStyle/>
+          <a:p>
+            <a:r>
+              <a:rPr lang="pl-PL" sz="3600" b="1" dirty="0" smtClean="0"/>
+              <a:t>żółte</a:t>
+            </a:r>
+            <a:endParaRPr lang="pl-PL" sz="3600" b="1" dirty="0"/>
+          </a:p>
+        </p:txBody>
+      </p:sp>
+    </p:spTree>
+    <p:extLst>
+      <p:ext uri="{BB962C8B-B14F-4D97-AF65-F5344CB8AC3E}">
+        <p14:creationId xmlns:p14="http://schemas.microsoft.com/office/powerpoint/2010/main" val="1196874"/>
+      </p:ext>
+    </p:extLst>
+  </p:cSld>
+  <p:clrMapOvr>
+    <a:masterClrMapping/>
+  </p:clrMapOvr>
+</p:sld>
+</file>
+
+<file path=ppt/slides/slide41.xml><?xml version="1.0" encoding="utf-8"?>
+<p:sld xmlns:a="http://schemas.openxmlformats.org/drawingml/2006/main" xmlns:r="http://schemas.openxmlformats.org/officeDocument/2006/relationships" xmlns:p="http://schemas.openxmlformats.org/presentationml/2006/main">
+  <p:cSld>
+    <p:spTree>
+      <p:nvGrpSpPr>
+        <p:cNvPr id="1" name=""/>
+        <p:cNvGrpSpPr/>
+        <p:nvPr/>
+      </p:nvGrpSpPr>
+      <p:grpSpPr>
+        <a:xfrm>
+          <a:off x="0" y="0"/>
+          <a:ext cx="0" cy="0"/>
+          <a:chOff x="0" y="0"/>
+          <a:chExt cx="0" cy="0"/>
+        </a:xfrm>
+      </p:grpSpPr>
+      <p:pic>
+        <p:nvPicPr>
+          <p:cNvPr id="4" name="Picture 2"/>
+          <p:cNvPicPr>
+            <a:picLocks noChangeAspect="1" noChangeArrowheads="1"/>
+          </p:cNvPicPr>
+          <p:nvPr/>
+        </p:nvPicPr>
+        <p:blipFill>
+          <a:blip r:embed="rId2">
+            <a:extLst>
+              <a:ext uri="{28A0092B-C50C-407E-A947-70E740481C1C}">
+                <a14:useLocalDpi xmlns:a14="http://schemas.microsoft.com/office/drawing/2010/main" val="0"/>
+              </a:ext>
+            </a:extLst>
+          </a:blip>
+          <a:srcRect/>
+          <a:stretch>
+            <a:fillRect/>
+          </a:stretch>
+        </p:blipFill>
+        <p:spPr bwMode="auto">
+          <a:xfrm>
+            <a:off x="-2003537" y="1467901"/>
+            <a:ext cx="4662413" cy="2311282"/>
+          </a:xfrm>
+          <a:prstGeom prst="rect">
+            <a:avLst/>
+          </a:prstGeom>
+          <a:noFill/>
+          <a:ln w="38100">
+            <a:noFill/>
+            <a:miter lim="800000"/>
+            <a:headEnd/>
+            <a:tailEnd/>
+          </a:ln>
+          <a:effectLst/>
+          <a:extLst>
+            <a:ext uri="{909E8E84-426E-40DD-AFC4-6F175D3DCCD1}">
+              <a14:hiddenFill xmlns:a14="http://schemas.microsoft.com/office/drawing/2010/main">
+                <a:solidFill>
+                  <a:schemeClr val="accent1"/>
+                </a:solidFill>
+              </a14:hiddenFill>
+            </a:ext>
+            <a:ext uri="{AF507438-7753-43E0-B8FC-AC1667EBCBE1}">
+              <a14:hiddenEffects xmlns:a14="http://schemas.microsoft.com/office/drawing/2010/main">
+                <a:effectLst>
+                  <a:outerShdw dist="35921" dir="2700000" algn="ctr" rotWithShape="0">
+                    <a:schemeClr val="bg2"/>
+                  </a:outerShdw>
+                </a:effectLst>
+              </a14:hiddenEffects>
+            </a:ext>
+          </a:extLst>
+        </p:spPr>
+      </p:pic>
+      <p:pic>
+        <p:nvPicPr>
+          <p:cNvPr id="5" name="Picture 3"/>
+          <p:cNvPicPr>
+            <a:picLocks noChangeAspect="1" noChangeArrowheads="1"/>
+          </p:cNvPicPr>
+          <p:nvPr/>
+        </p:nvPicPr>
+        <p:blipFill>
+          <a:blip r:embed="rId3">
+            <a:extLst>
+              <a:ext uri="{28A0092B-C50C-407E-A947-70E740481C1C}">
+                <a14:useLocalDpi xmlns:a14="http://schemas.microsoft.com/office/drawing/2010/main" val="0"/>
+              </a:ext>
+            </a:extLst>
+          </a:blip>
+          <a:srcRect/>
+          <a:stretch>
+            <a:fillRect/>
+          </a:stretch>
+        </p:blipFill>
+        <p:spPr bwMode="auto">
+          <a:xfrm>
+            <a:off x="2970585" y="1485305"/>
+            <a:ext cx="4562475" cy="2276475"/>
+          </a:xfrm>
+          <a:prstGeom prst="rect">
+            <a:avLst/>
+          </a:prstGeom>
+          <a:noFill/>
+          <a:ln w="38100">
+            <a:noFill/>
+            <a:miter lim="800000"/>
+            <a:headEnd/>
+            <a:tailEnd/>
+          </a:ln>
+          <a:effectLst/>
+          <a:extLst>
+            <a:ext uri="{909E8E84-426E-40DD-AFC4-6F175D3DCCD1}">
+              <a14:hiddenFill xmlns:a14="http://schemas.microsoft.com/office/drawing/2010/main">
+                <a:solidFill>
+                  <a:schemeClr val="accent1"/>
+                </a:solidFill>
+              </a14:hiddenFill>
+            </a:ext>
+            <a:ext uri="{AF507438-7753-43E0-B8FC-AC1667EBCBE1}">
+              <a14:hiddenEffects xmlns:a14="http://schemas.microsoft.com/office/drawing/2010/main">
+                <a:effectLst>
+                  <a:outerShdw dist="35921" dir="2700000" algn="ctr" rotWithShape="0">
+                    <a:schemeClr val="bg2"/>
+                  </a:outerShdw>
+                </a:effectLst>
+              </a14:hiddenEffects>
+            </a:ext>
+          </a:extLst>
+        </p:spPr>
+      </p:pic>
+      <p:pic>
+        <p:nvPicPr>
+          <p:cNvPr id="6" name="Picture 4"/>
+          <p:cNvPicPr>
+            <a:picLocks noChangeAspect="1" noChangeArrowheads="1"/>
+          </p:cNvPicPr>
+          <p:nvPr/>
+        </p:nvPicPr>
+        <p:blipFill>
+          <a:blip r:embed="rId4">
+            <a:extLst>
+              <a:ext uri="{28A0092B-C50C-407E-A947-70E740481C1C}">
+                <a14:useLocalDpi xmlns:a14="http://schemas.microsoft.com/office/drawing/2010/main" val="0"/>
+              </a:ext>
+            </a:extLst>
+          </a:blip>
+          <a:srcRect/>
+          <a:stretch>
+            <a:fillRect/>
+          </a:stretch>
+        </p:blipFill>
+        <p:spPr bwMode="auto">
+          <a:xfrm>
+            <a:off x="7812360" y="1467901"/>
+            <a:ext cx="4751945" cy="2336373"/>
+          </a:xfrm>
+          <a:prstGeom prst="rect">
+            <a:avLst/>
+          </a:prstGeom>
+          <a:noFill/>
+          <a:ln w="38100">
+            <a:noFill/>
+            <a:miter lim="800000"/>
+            <a:headEnd/>
+            <a:tailEnd/>
+          </a:ln>
+          <a:effectLst/>
+          <a:extLst>
+            <a:ext uri="{909E8E84-426E-40DD-AFC4-6F175D3DCCD1}">
+              <a14:hiddenFill xmlns:a14="http://schemas.microsoft.com/office/drawing/2010/main">
+                <a:solidFill>
+                  <a:schemeClr val="accent1"/>
+                </a:solidFill>
+              </a14:hiddenFill>
+            </a:ext>
+            <a:ext uri="{AF507438-7753-43E0-B8FC-AC1667EBCBE1}">
+              <a14:hiddenEffects xmlns:a14="http://schemas.microsoft.com/office/drawing/2010/main">
+                <a:effectLst>
+                  <a:outerShdw dist="35921" dir="2700000" algn="ctr" rotWithShape="0">
+                    <a:schemeClr val="bg2"/>
+                  </a:outerShdw>
+                </a:effectLst>
+              </a14:hiddenEffects>
+            </a:ext>
+          </a:extLst>
+        </p:spPr>
+      </p:pic>
+      <p:sp>
+        <p:nvSpPr>
+          <p:cNvPr id="7" name="TextBox 33"/>
+          <p:cNvSpPr txBox="1"/>
+          <p:nvPr/>
+        </p:nvSpPr>
+        <p:spPr>
+          <a:xfrm>
+            <a:off x="327670" y="1573778"/>
+            <a:ext cx="571922" cy="707886"/>
+          </a:xfrm>
+          <a:prstGeom prst="rect">
+            <a:avLst/>
+          </a:prstGeom>
+          <a:noFill/>
+        </p:spPr>
+        <p:txBody>
+          <a:bodyPr wrap="square" rtlCol="0">
+            <a:spAutoFit/>
+          </a:bodyPr>
+          <a:lstStyle/>
+          <a:p>
+            <a:r>
+              <a:rPr lang="pl-PL" sz="4000" b="1" dirty="0" smtClean="0"/>
+              <a:t>0</a:t>
+            </a:r>
+            <a:endParaRPr lang="pl-PL" sz="4000" b="1" dirty="0"/>
+          </a:p>
+        </p:txBody>
+      </p:sp>
+      <p:sp>
+        <p:nvSpPr>
+          <p:cNvPr id="8" name="TextBox 33"/>
+          <p:cNvSpPr txBox="1"/>
+          <p:nvPr/>
+        </p:nvSpPr>
+        <p:spPr>
+          <a:xfrm>
+            <a:off x="5029646" y="1500213"/>
+            <a:ext cx="444352" cy="707886"/>
+          </a:xfrm>
+          <a:prstGeom prst="rect">
+            <a:avLst/>
+          </a:prstGeom>
+          <a:noFill/>
+        </p:spPr>
+        <p:txBody>
+          <a:bodyPr wrap="none" rtlCol="0">
+            <a:spAutoFit/>
+          </a:bodyPr>
+          <a:lstStyle/>
+          <a:p>
+            <a:r>
+              <a:rPr lang="pl-PL" sz="4000" b="1" dirty="0" smtClean="0"/>
+              <a:t>1</a:t>
+            </a:r>
+            <a:endParaRPr lang="pl-PL" sz="3600" b="1" dirty="0"/>
+          </a:p>
+        </p:txBody>
+      </p:sp>
+      <p:sp>
+        <p:nvSpPr>
+          <p:cNvPr id="9" name="TextBox 33"/>
+          <p:cNvSpPr txBox="1"/>
+          <p:nvPr/>
+        </p:nvSpPr>
+        <p:spPr>
+          <a:xfrm>
+            <a:off x="9752483" y="1501339"/>
+            <a:ext cx="1116909" cy="646331"/>
+          </a:xfrm>
+          <a:prstGeom prst="rect">
+            <a:avLst/>
+          </a:prstGeom>
+          <a:noFill/>
+        </p:spPr>
+        <p:txBody>
+          <a:bodyPr wrap="none" rtlCol="0">
+            <a:spAutoFit/>
+          </a:bodyPr>
+          <a:lstStyle/>
+          <a:p>
+            <a:r>
+              <a:rPr lang="pl-PL" sz="3600" b="1" dirty="0" smtClean="0"/>
+              <a:t>żółte</a:t>
+            </a:r>
+            <a:endParaRPr lang="pl-PL" sz="3600" b="1" dirty="0"/>
+          </a:p>
+        </p:txBody>
+      </p:sp>
+      <p:pic>
+        <p:nvPicPr>
+          <p:cNvPr id="3074" name="Picture 2"/>
+          <p:cNvPicPr>
+            <a:picLocks noChangeAspect="1" noChangeArrowheads="1"/>
+          </p:cNvPicPr>
+          <p:nvPr/>
+        </p:nvPicPr>
+        <p:blipFill>
+          <a:blip r:embed="rId5">
+            <a:extLst>
+              <a:ext uri="{28A0092B-C50C-407E-A947-70E740481C1C}">
+                <a14:useLocalDpi xmlns:a14="http://schemas.microsoft.com/office/drawing/2010/main" val="0"/>
+              </a:ext>
+            </a:extLst>
+          </a:blip>
+          <a:srcRect/>
+          <a:stretch>
+            <a:fillRect/>
+          </a:stretch>
+        </p:blipFill>
+        <p:spPr bwMode="auto">
+          <a:xfrm>
+            <a:off x="335260" y="4293096"/>
+            <a:ext cx="7847013" cy="2266950"/>
+          </a:xfrm>
+          <a:prstGeom prst="rect">
+            <a:avLst/>
+          </a:prstGeom>
+          <a:noFill/>
+          <a:ln>
+            <a:noFill/>
+          </a:ln>
+          <a:effectLst/>
+          <a:extLst>
+            <a:ext uri="{909E8E84-426E-40DD-AFC4-6F175D3DCCD1}">
+              <a14:hiddenFill xmlns:a14="http://schemas.microsoft.com/office/drawing/2010/main">
+                <a:solidFill>
+                  <a:schemeClr val="accent1"/>
+                </a:solidFill>
+              </a14:hiddenFill>
+            </a:ext>
+            <a:ext uri="{91240B29-F687-4F45-9708-019B960494DF}">
+              <a14:hiddenLine xmlns:a14="http://schemas.microsoft.com/office/drawing/2010/main" w="9525">
+                <a:solidFill>
+                  <a:schemeClr val="tx1"/>
+                </a:solidFill>
+                <a:miter lim="800000"/>
+                <a:headEnd/>
+                <a:tailEnd/>
+              </a14:hiddenLine>
+            </a:ext>
+            <a:ext uri="{AF507438-7753-43E0-B8FC-AC1667EBCBE1}">
+              <a14:hiddenEffects xmlns:a14="http://schemas.microsoft.com/office/drawing/2010/main">
+                <a:effectLst>
+                  <a:outerShdw dist="35921" dir="2700000" algn="ctr" rotWithShape="0">
+                    <a:schemeClr val="bg2"/>
+                  </a:outerShdw>
+                </a:effectLst>
+              </a14:hiddenEffects>
+            </a:ext>
+          </a:extLst>
+        </p:spPr>
+      </p:pic>
+    </p:spTree>
+    <p:extLst>
+      <p:ext uri="{BB962C8B-B14F-4D97-AF65-F5344CB8AC3E}">
+        <p14:creationId xmlns:p14="http://schemas.microsoft.com/office/powerpoint/2010/main" val="2951369922"/>
+      </p:ext>
+    </p:extLst>
+  </p:cSld>
+  <p:clrMapOvr>
+    <a:masterClrMapping/>
+  </p:clrMapOvr>
+</p:sld>
+</file>
+
+<file path=ppt/slides/slide42.xml><?xml version="1.0" encoding="utf-8"?>
+<p:sld xmlns:a="http://schemas.openxmlformats.org/drawingml/2006/main" xmlns:r="http://schemas.openxmlformats.org/officeDocument/2006/relationships" xmlns:p="http://schemas.openxmlformats.org/presentationml/2006/main">
+  <p:cSld>
+    <p:spTree>
+      <p:nvGrpSpPr>
+        <p:cNvPr id="1" name=""/>
+        <p:cNvGrpSpPr/>
+        <p:nvPr/>
+      </p:nvGrpSpPr>
+      <p:grpSpPr>
+        <a:xfrm>
+          <a:off x="0" y="0"/>
+          <a:ext cx="0" cy="0"/>
+          <a:chOff x="0" y="0"/>
+          <a:chExt cx="0" cy="0"/>
+        </a:xfrm>
+      </p:grpSpPr>
+      <p:graphicFrame>
+        <p:nvGraphicFramePr>
+          <p:cNvPr id="4" name="Tabela 3"/>
+          <p:cNvGraphicFramePr>
+            <a:graphicFrameLocks noGrp="1"/>
+          </p:cNvGraphicFramePr>
+          <p:nvPr>
+            <p:extLst>
+              <p:ext uri="{D42A27DB-BD31-4B8C-83A1-F6EECF244321}">
+                <p14:modId xmlns:p14="http://schemas.microsoft.com/office/powerpoint/2010/main" val="3609188259"/>
+              </p:ext>
+            </p:extLst>
+          </p:nvPr>
+        </p:nvGraphicFramePr>
+        <p:xfrm>
+          <a:off x="683568" y="476672"/>
+          <a:ext cx="7992888" cy="5211621"/>
+        </p:xfrm>
+        <a:graphic>
+          <a:graphicData uri="http://schemas.openxmlformats.org/drawingml/2006/table">
+            <a:tbl>
+              <a:tblPr firstRow="1" bandRow="1">
+                <a:tableStyleId>{2D5ABB26-0587-4C30-8999-92F81FD0307C}</a:tableStyleId>
+              </a:tblPr>
+              <a:tblGrid>
+                <a:gridCol w="2664296"/>
+                <a:gridCol w="1332148"/>
+                <a:gridCol w="3996444"/>
+              </a:tblGrid>
+              <a:tr h="720080">
+                <a:tc>
+                  <a:txBody>
+                    <a:bodyPr/>
+                    <a:lstStyle/>
+                    <a:p>
+                      <a:pPr algn="ctr"/>
+                      <a:r>
+                        <a:rPr lang="pl-PL" dirty="0" smtClean="0">
+                          <a:latin typeface="Times New Roman" pitchFamily="18" charset="0"/>
+                          <a:cs typeface="Times New Roman" pitchFamily="18" charset="0"/>
+                        </a:rPr>
+                        <a:t>Obecna faza</a:t>
+                      </a:r>
+                      <a:endParaRPr lang="pl-PL" dirty="0">
+                        <a:latin typeface="Times New Roman" pitchFamily="18" charset="0"/>
+                        <a:cs typeface="Times New Roman" pitchFamily="18" charset="0"/>
+                      </a:endParaRPr>
+                    </a:p>
+                  </a:txBody>
+                  <a:tcPr anchor="ctr">
+                    <a:lnL w="12700" cap="flat" cmpd="sng" algn="ctr">
+                      <a:solidFill>
+                        <a:schemeClr val="tx1"/>
+                      </a:solidFill>
+                      <a:prstDash val="solid"/>
+                      <a:round/>
+                      <a:headEnd type="none" w="med" len="med"/>
+                      <a:tailEnd type="none" w="med" len="med"/>
+                    </a:lnL>
+                    <a:lnR w="12700" cap="flat" cmpd="sng" algn="ctr">
+                      <a:solidFill>
+                        <a:schemeClr val="tx1"/>
+                      </a:solidFill>
+                      <a:prstDash val="solid"/>
+                      <a:round/>
+                      <a:headEnd type="none" w="med" len="med"/>
+                      <a:tailEnd type="none" w="med" len="med"/>
+                    </a:lnR>
+                    <a:lnT w="12700" cap="flat" cmpd="sng" algn="ctr">
+                      <a:solidFill>
+                        <a:schemeClr val="tx1"/>
+                      </a:solidFill>
+                      <a:prstDash val="solid"/>
+                      <a:round/>
+                      <a:headEnd type="none" w="med" len="med"/>
+                      <a:tailEnd type="none" w="med" len="med"/>
+                    </a:lnT>
+                    <a:lnB w="12700" cap="flat" cmpd="sng" algn="ctr">
+                      <a:solidFill>
+                        <a:schemeClr val="tx1"/>
+                      </a:solidFill>
+                      <a:prstDash val="solid"/>
+                      <a:round/>
+                      <a:headEnd type="none" w="med" len="med"/>
+                      <a:tailEnd type="none" w="med" len="med"/>
+                    </a:lnB>
+                  </a:tcPr>
+                </a:tc>
+                <a:tc>
+                  <a:txBody>
+                    <a:bodyPr/>
+                    <a:lstStyle/>
+                    <a:p>
+                      <a:pPr algn="ctr"/>
+                      <a:r>
+                        <a:rPr lang="pl-PL" dirty="0" smtClean="0">
+                          <a:latin typeface="Times New Roman" pitchFamily="18" charset="0"/>
+                          <a:cs typeface="Times New Roman" pitchFamily="18" charset="0"/>
+                        </a:rPr>
+                        <a:t>Możliwe akcje</a:t>
+                      </a:r>
+                      <a:endParaRPr lang="pl-PL" dirty="0">
+                        <a:latin typeface="Times New Roman" pitchFamily="18" charset="0"/>
+                        <a:cs typeface="Times New Roman" pitchFamily="18" charset="0"/>
+                      </a:endParaRPr>
+                    </a:p>
+                  </a:txBody>
+                  <a:tcPr anchor="ctr">
+                    <a:lnL w="12700" cap="flat" cmpd="sng" algn="ctr">
+                      <a:solidFill>
+                        <a:schemeClr val="tx1"/>
+                      </a:solidFill>
+                      <a:prstDash val="solid"/>
+                      <a:round/>
+                      <a:headEnd type="none" w="med" len="med"/>
+                      <a:tailEnd type="none" w="med" len="med"/>
+                    </a:lnL>
+                    <a:lnR w="12700" cap="flat" cmpd="sng" algn="ctr">
+                      <a:solidFill>
+                        <a:schemeClr val="tx1"/>
+                      </a:solidFill>
+                      <a:prstDash val="solid"/>
+                      <a:round/>
+                      <a:headEnd type="none" w="med" len="med"/>
+                      <a:tailEnd type="none" w="med" len="med"/>
+                    </a:lnR>
+                    <a:lnT w="12700" cap="flat" cmpd="sng" algn="ctr">
+                      <a:solidFill>
+                        <a:schemeClr val="tx1"/>
+                      </a:solidFill>
+                      <a:prstDash val="solid"/>
+                      <a:round/>
+                      <a:headEnd type="none" w="med" len="med"/>
+                      <a:tailEnd type="none" w="med" len="med"/>
+                    </a:lnT>
+                    <a:lnB w="12700" cap="flat" cmpd="sng" algn="ctr">
+                      <a:solidFill>
+                        <a:schemeClr val="tx1"/>
+                      </a:solidFill>
+                      <a:prstDash val="solid"/>
+                      <a:round/>
+                      <a:headEnd type="none" w="med" len="med"/>
+                      <a:tailEnd type="none" w="med" len="med"/>
+                    </a:lnB>
+                  </a:tcPr>
+                </a:tc>
+                <a:tc>
+                  <a:txBody>
+                    <a:bodyPr/>
+                    <a:lstStyle/>
+                    <a:p>
+                      <a:pPr algn="ctr"/>
+                      <a:r>
+                        <a:rPr lang="pl-PL" dirty="0" smtClean="0">
+                          <a:latin typeface="Times New Roman" pitchFamily="18" charset="0"/>
+                          <a:cs typeface="Times New Roman" pitchFamily="18" charset="0"/>
+                        </a:rPr>
+                        <a:t>Konsekwencje akcji</a:t>
+                      </a:r>
+                      <a:endParaRPr lang="pl-PL" dirty="0">
+                        <a:latin typeface="Times New Roman" pitchFamily="18" charset="0"/>
+                        <a:cs typeface="Times New Roman" pitchFamily="18" charset="0"/>
+                      </a:endParaRPr>
+                    </a:p>
+                  </a:txBody>
+                  <a:tcPr anchor="ctr">
+                    <a:lnL w="12700" cap="flat" cmpd="sng" algn="ctr">
+                      <a:solidFill>
+                        <a:schemeClr val="tx1"/>
+                      </a:solidFill>
+                      <a:prstDash val="solid"/>
+                      <a:round/>
+                      <a:headEnd type="none" w="med" len="med"/>
+                      <a:tailEnd type="none" w="med" len="med"/>
+                    </a:lnL>
+                    <a:lnR w="12700" cap="flat" cmpd="sng" algn="ctr">
+                      <a:solidFill>
+                        <a:schemeClr val="tx1"/>
+                      </a:solidFill>
+                      <a:prstDash val="solid"/>
+                      <a:round/>
+                      <a:headEnd type="none" w="med" len="med"/>
+                      <a:tailEnd type="none" w="med" len="med"/>
+                    </a:lnR>
+                    <a:lnT w="12700" cap="flat" cmpd="sng" algn="ctr">
+                      <a:solidFill>
+                        <a:schemeClr val="tx1"/>
+                      </a:solidFill>
+                      <a:prstDash val="solid"/>
+                      <a:round/>
+                      <a:headEnd type="none" w="med" len="med"/>
+                      <a:tailEnd type="none" w="med" len="med"/>
+                    </a:lnT>
+                    <a:lnB w="12700" cap="flat" cmpd="sng" algn="ctr">
+                      <a:solidFill>
+                        <a:schemeClr val="tx1"/>
+                      </a:solidFill>
+                      <a:prstDash val="solid"/>
+                      <a:round/>
+                      <a:headEnd type="none" w="med" len="med"/>
+                      <a:tailEnd type="none" w="med" len="med"/>
+                    </a:lnB>
+                  </a:tcPr>
+                </a:tc>
+              </a:tr>
+              <a:tr h="724245">
+                <a:tc rowSpan="2">
+                  <a:txBody>
+                    <a:bodyPr/>
+                    <a:lstStyle/>
+                    <a:p>
+                      <a:pPr algn="ctr"/>
+                      <a:endParaRPr lang="pl-PL" dirty="0">
+                        <a:latin typeface="Times New Roman" pitchFamily="18" charset="0"/>
+                        <a:cs typeface="Times New Roman" pitchFamily="18" charset="0"/>
+                      </a:endParaRPr>
+                    </a:p>
+                  </a:txBody>
+                  <a:tcPr anchor="ctr">
+                    <a:lnL w="12700" cap="flat" cmpd="sng" algn="ctr">
+                      <a:solidFill>
+                        <a:schemeClr val="tx1"/>
+                      </a:solidFill>
+                      <a:prstDash val="solid"/>
+                      <a:round/>
+                      <a:headEnd type="none" w="med" len="med"/>
+                      <a:tailEnd type="none" w="med" len="med"/>
+                    </a:lnL>
+                    <a:lnR w="12700" cap="flat" cmpd="sng" algn="ctr">
+                      <a:solidFill>
+                        <a:schemeClr val="tx1"/>
+                      </a:solidFill>
+                      <a:prstDash val="solid"/>
+                      <a:round/>
+                      <a:headEnd type="none" w="med" len="med"/>
+                      <a:tailEnd type="none" w="med" len="med"/>
+                    </a:lnR>
+                    <a:lnT w="12700" cap="flat" cmpd="sng" algn="ctr">
+                      <a:solidFill>
+                        <a:schemeClr val="tx1"/>
+                      </a:solidFill>
+                      <a:prstDash val="solid"/>
+                      <a:round/>
+                      <a:headEnd type="none" w="med" len="med"/>
+                      <a:tailEnd type="none" w="med" len="med"/>
+                    </a:lnT>
+                    <a:lnB w="12700" cap="flat" cmpd="sng" algn="ctr">
+                      <a:solidFill>
+                        <a:schemeClr val="tx1"/>
+                      </a:solidFill>
+                      <a:prstDash val="solid"/>
+                      <a:round/>
+                      <a:headEnd type="none" w="med" len="med"/>
+                      <a:tailEnd type="none" w="med" len="med"/>
+                    </a:lnB>
+                  </a:tcPr>
+                </a:tc>
+                <a:tc>
+                  <a:txBody>
+                    <a:bodyPr/>
+                    <a:lstStyle/>
+                    <a:p>
+                      <a:pPr marL="0" marR="0" indent="0" algn="ctr" defTabSz="914400" rtl="0" eaLnBrk="1" fontAlgn="auto" latinLnBrk="0" hangingPunct="1">
+                        <a:lnSpc>
+                          <a:spcPct val="100000"/>
+                        </a:lnSpc>
+                        <a:spcBef>
+                          <a:spcPts val="0"/>
+                        </a:spcBef>
+                        <a:spcAft>
+                          <a:spcPts val="0"/>
+                        </a:spcAft>
+                        <a:buClrTx/>
+                        <a:buSzTx/>
+                        <a:buFontTx/>
+                        <a:buNone/>
+                        <a:tabLst/>
+                        <a:defRPr/>
+                      </a:pPr>
+                      <a:r>
+                        <a:rPr lang="pl-PL" dirty="0" smtClean="0">
+                          <a:latin typeface="Times New Roman" pitchFamily="18" charset="0"/>
+                          <a:cs typeface="Times New Roman" pitchFamily="18" charset="0"/>
+                        </a:rPr>
+                        <a:t>0</a:t>
+                      </a:r>
+                    </a:p>
+                    <a:p>
+                      <a:pPr algn="ctr"/>
+                      <a:endParaRPr lang="pl-PL" dirty="0">
+                        <a:latin typeface="Times New Roman" pitchFamily="18" charset="0"/>
+                        <a:cs typeface="Times New Roman" pitchFamily="18" charset="0"/>
+                      </a:endParaRPr>
+                    </a:p>
+                  </a:txBody>
+                  <a:tcPr anchor="b">
+                    <a:lnL w="12700" cap="flat" cmpd="sng" algn="ctr">
+                      <a:solidFill>
+                        <a:schemeClr val="tx1"/>
+                      </a:solidFill>
+                      <a:prstDash val="solid"/>
+                      <a:round/>
+                      <a:headEnd type="none" w="med" len="med"/>
+                      <a:tailEnd type="none" w="med" len="med"/>
+                    </a:lnL>
+                    <a:lnR w="12700" cap="flat" cmpd="sng" algn="ctr">
+                      <a:solidFill>
+                        <a:schemeClr val="tx1"/>
+                      </a:solidFill>
+                      <a:prstDash val="solid"/>
+                      <a:round/>
+                      <a:headEnd type="none" w="med" len="med"/>
+                      <a:tailEnd type="none" w="med" len="med"/>
+                    </a:lnR>
+                    <a:lnT w="12700" cap="flat" cmpd="sng" algn="ctr">
+                      <a:solidFill>
+                        <a:schemeClr val="tx1"/>
+                      </a:solidFill>
+                      <a:prstDash val="solid"/>
+                      <a:round/>
+                      <a:headEnd type="none" w="med" len="med"/>
+                      <a:tailEnd type="none" w="med" len="med"/>
+                    </a:lnT>
+                    <a:lnB w="12700" cap="flat" cmpd="sng" algn="ctr">
+                      <a:solidFill>
+                        <a:schemeClr val="tx1"/>
+                      </a:solidFill>
+                      <a:prstDash val="solid"/>
+                      <a:round/>
+                      <a:headEnd type="none" w="med" len="med"/>
+                      <a:tailEnd type="none" w="med" len="med"/>
+                    </a:lnB>
+                  </a:tcPr>
+                </a:tc>
+                <a:tc>
+                  <a:txBody>
+                    <a:bodyPr/>
+                    <a:lstStyle/>
+                    <a:p>
+                      <a:pPr marL="0" marR="0" indent="0" algn="ctr" defTabSz="914400" rtl="0" eaLnBrk="1" fontAlgn="auto" latinLnBrk="0" hangingPunct="1">
+                        <a:lnSpc>
+                          <a:spcPct val="100000"/>
+                        </a:lnSpc>
+                        <a:spcBef>
+                          <a:spcPts val="0"/>
+                        </a:spcBef>
+                        <a:spcAft>
+                          <a:spcPts val="0"/>
+                        </a:spcAft>
+                        <a:buClrTx/>
+                        <a:buSzTx/>
+                        <a:buFontTx/>
+                        <a:buNone/>
+                        <a:tabLst/>
+                        <a:defRPr/>
+                      </a:pPr>
+                      <a:r>
+                        <a:rPr lang="pl-PL" dirty="0" smtClean="0">
+                          <a:latin typeface="Times New Roman" pitchFamily="18" charset="0"/>
+                          <a:cs typeface="Times New Roman" pitchFamily="18" charset="0"/>
+                        </a:rPr>
+                        <a:t>Podtrzymanie fazy 0</a:t>
+                      </a:r>
+                    </a:p>
+                    <a:p>
+                      <a:pPr algn="ctr"/>
+                      <a:endParaRPr lang="pl-PL" dirty="0" smtClean="0">
+                        <a:latin typeface="Times New Roman" pitchFamily="18" charset="0"/>
+                        <a:cs typeface="Times New Roman" pitchFamily="18" charset="0"/>
+                      </a:endParaRPr>
+                    </a:p>
+                  </a:txBody>
+                  <a:tcPr anchor="b">
+                    <a:lnL w="12700" cap="flat" cmpd="sng" algn="ctr">
+                      <a:solidFill>
+                        <a:schemeClr val="tx1"/>
+                      </a:solidFill>
+                      <a:prstDash val="solid"/>
+                      <a:round/>
+                      <a:headEnd type="none" w="med" len="med"/>
+                      <a:tailEnd type="none" w="med" len="med"/>
+                    </a:lnL>
+                    <a:lnR w="12700" cap="flat" cmpd="sng" algn="ctr">
+                      <a:solidFill>
+                        <a:schemeClr val="tx1"/>
+                      </a:solidFill>
+                      <a:prstDash val="solid"/>
+                      <a:round/>
+                      <a:headEnd type="none" w="med" len="med"/>
+                      <a:tailEnd type="none" w="med" len="med"/>
+                    </a:lnR>
+                    <a:lnT w="12700" cap="flat" cmpd="sng" algn="ctr">
+                      <a:solidFill>
+                        <a:schemeClr val="tx1"/>
+                      </a:solidFill>
+                      <a:prstDash val="solid"/>
+                      <a:round/>
+                      <a:headEnd type="none" w="med" len="med"/>
+                      <a:tailEnd type="none" w="med" len="med"/>
+                    </a:lnT>
+                    <a:lnB w="12700" cap="flat" cmpd="sng" algn="ctr">
+                      <a:solidFill>
+                        <a:schemeClr val="tx1"/>
+                      </a:solidFill>
+                      <a:prstDash val="solid"/>
+                      <a:round/>
+                      <a:headEnd type="none" w="med" len="med"/>
+                      <a:tailEnd type="none" w="med" len="med"/>
+                    </a:lnB>
+                  </a:tcPr>
+                </a:tc>
+              </a:tr>
+              <a:tr h="768377">
+                <a:tc vMerge="1">
+                  <a:txBody>
+                    <a:bodyPr/>
+                    <a:lstStyle/>
+                    <a:p>
+                      <a:endParaRPr lang="pl-PL" dirty="0">
+                        <a:latin typeface="Times New Roman" pitchFamily="18" charset="0"/>
+                        <a:cs typeface="Times New Roman" pitchFamily="18" charset="0"/>
+                      </a:endParaRPr>
+                    </a:p>
+                  </a:txBody>
+                  <a:tcPr>
+                    <a:lnL w="12700" cap="flat" cmpd="sng" algn="ctr">
+                      <a:solidFill>
+                        <a:schemeClr val="tx1"/>
+                      </a:solidFill>
+                      <a:prstDash val="solid"/>
+                      <a:round/>
+                      <a:headEnd type="none" w="med" len="med"/>
+                      <a:tailEnd type="none" w="med" len="med"/>
+                    </a:lnL>
+                    <a:lnR w="12700" cap="flat" cmpd="sng" algn="ctr">
+                      <a:solidFill>
+                        <a:schemeClr val="tx1"/>
+                      </a:solidFill>
+                      <a:prstDash val="solid"/>
+                      <a:round/>
+                      <a:headEnd type="none" w="med" len="med"/>
+                      <a:tailEnd type="none" w="med" len="med"/>
+                    </a:lnR>
+                    <a:lnT w="12700" cap="flat" cmpd="sng" algn="ctr">
+                      <a:solidFill>
+                        <a:schemeClr val="tx1"/>
+                      </a:solidFill>
+                      <a:prstDash val="solid"/>
+                      <a:round/>
+                      <a:headEnd type="none" w="med" len="med"/>
+                      <a:tailEnd type="none" w="med" len="med"/>
+                    </a:lnT>
+                    <a:lnB w="12700" cap="flat" cmpd="sng" algn="ctr">
+                      <a:solidFill>
+                        <a:schemeClr val="tx1"/>
+                      </a:solidFill>
+                      <a:prstDash val="solid"/>
+                      <a:round/>
+                      <a:headEnd type="none" w="med" len="med"/>
+                      <a:tailEnd type="none" w="med" len="med"/>
+                    </a:lnB>
+                  </a:tcPr>
+                </a:tc>
+                <a:tc>
+                  <a:txBody>
+                    <a:bodyPr/>
+                    <a:lstStyle/>
+                    <a:p>
+                      <a:pPr algn="ctr"/>
+                      <a:r>
+                        <a:rPr lang="pl-PL" dirty="0" smtClean="0">
+                          <a:latin typeface="Times New Roman" pitchFamily="18" charset="0"/>
+                          <a:cs typeface="Times New Roman" pitchFamily="18" charset="0"/>
+                        </a:rPr>
+                        <a:t>1</a:t>
+                      </a:r>
+                      <a:endParaRPr lang="pl-PL" dirty="0">
+                        <a:latin typeface="Times New Roman" pitchFamily="18" charset="0"/>
+                        <a:cs typeface="Times New Roman" pitchFamily="18" charset="0"/>
+                      </a:endParaRPr>
+                    </a:p>
+                  </a:txBody>
+                  <a:tcPr anchor="ctr">
+                    <a:lnL w="12700" cap="flat" cmpd="sng" algn="ctr">
+                      <a:solidFill>
+                        <a:schemeClr val="tx1"/>
+                      </a:solidFill>
+                      <a:prstDash val="solid"/>
+                      <a:round/>
+                      <a:headEnd type="none" w="med" len="med"/>
+                      <a:tailEnd type="none" w="med" len="med"/>
+                    </a:lnL>
+                    <a:lnR w="12700" cap="flat" cmpd="sng" algn="ctr">
+                      <a:solidFill>
+                        <a:schemeClr val="tx1"/>
+                      </a:solidFill>
+                      <a:prstDash val="solid"/>
+                      <a:round/>
+                      <a:headEnd type="none" w="med" len="med"/>
+                      <a:tailEnd type="none" w="med" len="med"/>
+                    </a:lnR>
+                    <a:lnT w="12700" cap="flat" cmpd="sng" algn="ctr">
+                      <a:solidFill>
+                        <a:schemeClr val="tx1"/>
+                      </a:solidFill>
+                      <a:prstDash val="solid"/>
+                      <a:round/>
+                      <a:headEnd type="none" w="med" len="med"/>
+                      <a:tailEnd type="none" w="med" len="med"/>
+                    </a:lnT>
+                    <a:lnB w="12700" cap="flat" cmpd="sng" algn="ctr">
+                      <a:solidFill>
+                        <a:schemeClr val="tx1"/>
+                      </a:solidFill>
+                      <a:prstDash val="solid"/>
+                      <a:round/>
+                      <a:headEnd type="none" w="med" len="med"/>
+                      <a:tailEnd type="none" w="med" len="med"/>
+                    </a:lnB>
+                  </a:tcPr>
+                </a:tc>
+                <a:tc>
+                  <a:txBody>
+                    <a:bodyPr/>
+                    <a:lstStyle/>
+                    <a:p>
+                      <a:pPr algn="ctr"/>
+                      <a:r>
+                        <a:rPr lang="pl-PL" dirty="0" smtClean="0">
+                          <a:latin typeface="Times New Roman" pitchFamily="18" charset="0"/>
+                          <a:cs typeface="Times New Roman" pitchFamily="18" charset="0"/>
+                        </a:rPr>
+                        <a:t>2 interwały</a:t>
+                      </a:r>
+                      <a:r>
+                        <a:rPr lang="pl-PL" baseline="0" dirty="0" smtClean="0">
+                          <a:latin typeface="Times New Roman" pitchFamily="18" charset="0"/>
+                          <a:cs typeface="Times New Roman" pitchFamily="18" charset="0"/>
+                        </a:rPr>
+                        <a:t> fazy żółtych świateł, a następnie faza 1</a:t>
+                      </a:r>
+                      <a:endParaRPr lang="pl-PL" dirty="0" smtClean="0">
+                        <a:latin typeface="Times New Roman" pitchFamily="18" charset="0"/>
+                        <a:cs typeface="Times New Roman" pitchFamily="18" charset="0"/>
+                      </a:endParaRPr>
+                    </a:p>
+                  </a:txBody>
+                  <a:tcPr anchor="ctr">
+                    <a:lnL w="12700" cap="flat" cmpd="sng" algn="ctr">
+                      <a:solidFill>
+                        <a:schemeClr val="tx1"/>
+                      </a:solidFill>
+                      <a:prstDash val="solid"/>
+                      <a:round/>
+                      <a:headEnd type="none" w="med" len="med"/>
+                      <a:tailEnd type="none" w="med" len="med"/>
+                    </a:lnL>
+                    <a:lnR w="12700" cap="flat" cmpd="sng" algn="ctr">
+                      <a:solidFill>
+                        <a:schemeClr val="tx1"/>
+                      </a:solidFill>
+                      <a:prstDash val="solid"/>
+                      <a:round/>
+                      <a:headEnd type="none" w="med" len="med"/>
+                      <a:tailEnd type="none" w="med" len="med"/>
+                    </a:lnR>
+                    <a:lnT w="12700" cap="flat" cmpd="sng" algn="ctr">
+                      <a:solidFill>
+                        <a:schemeClr val="tx1"/>
+                      </a:solidFill>
+                      <a:prstDash val="solid"/>
+                      <a:round/>
+                      <a:headEnd type="none" w="med" len="med"/>
+                      <a:tailEnd type="none" w="med" len="med"/>
+                    </a:lnT>
+                    <a:lnB w="12700" cap="flat" cmpd="sng" algn="ctr">
+                      <a:solidFill>
+                        <a:schemeClr val="tx1"/>
+                      </a:solidFill>
+                      <a:prstDash val="solid"/>
+                      <a:round/>
+                      <a:headEnd type="none" w="med" len="med"/>
+                      <a:tailEnd type="none" w="med" len="med"/>
+                    </a:lnB>
+                  </a:tcPr>
+                </a:tc>
+              </a:tr>
+              <a:tr h="887807">
+                <a:tc rowSpan="2">
+                  <a:txBody>
+                    <a:bodyPr/>
+                    <a:lstStyle/>
+                    <a:p>
+                      <a:pPr algn="ctr"/>
+                      <a:endParaRPr lang="pl-PL" dirty="0">
+                        <a:latin typeface="Times New Roman" pitchFamily="18" charset="0"/>
+                        <a:cs typeface="Times New Roman" pitchFamily="18" charset="0"/>
+                      </a:endParaRPr>
+                    </a:p>
+                  </a:txBody>
+                  <a:tcPr anchor="ctr">
+                    <a:lnL w="12700" cap="flat" cmpd="sng" algn="ctr">
+                      <a:solidFill>
+                        <a:schemeClr val="tx1"/>
+                      </a:solidFill>
+                      <a:prstDash val="solid"/>
+                      <a:round/>
+                      <a:headEnd type="none" w="med" len="med"/>
+                      <a:tailEnd type="none" w="med" len="med"/>
+                    </a:lnL>
+                    <a:lnR w="12700" cap="flat" cmpd="sng" algn="ctr">
+                      <a:solidFill>
+                        <a:schemeClr val="tx1"/>
+                      </a:solidFill>
+                      <a:prstDash val="solid"/>
+                      <a:round/>
+                      <a:headEnd type="none" w="med" len="med"/>
+                      <a:tailEnd type="none" w="med" len="med"/>
+                    </a:lnR>
+                    <a:lnT w="12700" cap="flat" cmpd="sng" algn="ctr">
+                      <a:solidFill>
+                        <a:schemeClr val="tx1"/>
+                      </a:solidFill>
+                      <a:prstDash val="solid"/>
+                      <a:round/>
+                      <a:headEnd type="none" w="med" len="med"/>
+                      <a:tailEnd type="none" w="med" len="med"/>
+                    </a:lnT>
+                    <a:lnB w="12700" cap="flat" cmpd="sng" algn="ctr">
+                      <a:solidFill>
+                        <a:schemeClr val="tx1"/>
+                      </a:solidFill>
+                      <a:prstDash val="solid"/>
+                      <a:round/>
+                      <a:headEnd type="none" w="med" len="med"/>
+                      <a:tailEnd type="none" w="med" len="med"/>
+                    </a:lnB>
+                  </a:tcPr>
+                </a:tc>
+                <a:tc>
+                  <a:txBody>
+                    <a:bodyPr/>
+                    <a:lstStyle/>
+                    <a:p>
+                      <a:pPr algn="ctr"/>
+                      <a:r>
+                        <a:rPr lang="pl-PL" dirty="0" smtClean="0">
+                          <a:latin typeface="Times New Roman" pitchFamily="18" charset="0"/>
+                          <a:cs typeface="Times New Roman" pitchFamily="18" charset="0"/>
+                        </a:rPr>
+                        <a:t>0</a:t>
+                      </a:r>
+                      <a:endParaRPr lang="pl-PL" dirty="0" smtClean="0">
+                        <a:latin typeface="Times New Roman" pitchFamily="18" charset="0"/>
+                        <a:cs typeface="Times New Roman" pitchFamily="18" charset="0"/>
+                      </a:endParaRPr>
+                    </a:p>
+                  </a:txBody>
+                  <a:tcPr anchor="ctr">
+                    <a:lnL w="12700" cap="flat" cmpd="sng" algn="ctr">
+                      <a:solidFill>
+                        <a:schemeClr val="tx1"/>
+                      </a:solidFill>
+                      <a:prstDash val="solid"/>
+                      <a:round/>
+                      <a:headEnd type="none" w="med" len="med"/>
+                      <a:tailEnd type="none" w="med" len="med"/>
+                    </a:lnL>
+                    <a:lnR w="12700" cap="flat" cmpd="sng" algn="ctr">
+                      <a:solidFill>
+                        <a:schemeClr val="tx1"/>
+                      </a:solidFill>
+                      <a:prstDash val="solid"/>
+                      <a:round/>
+                      <a:headEnd type="none" w="med" len="med"/>
+                      <a:tailEnd type="none" w="med" len="med"/>
+                    </a:lnR>
+                    <a:lnT w="12700" cap="flat" cmpd="sng" algn="ctr">
+                      <a:solidFill>
+                        <a:schemeClr val="tx1"/>
+                      </a:solidFill>
+                      <a:prstDash val="solid"/>
+                      <a:round/>
+                      <a:headEnd type="none" w="med" len="med"/>
+                      <a:tailEnd type="none" w="med" len="med"/>
+                    </a:lnT>
+                    <a:lnB w="12700" cap="flat" cmpd="sng" algn="ctr">
+                      <a:solidFill>
+                        <a:schemeClr val="tx1"/>
+                      </a:solidFill>
+                      <a:prstDash val="solid"/>
+                      <a:round/>
+                      <a:headEnd type="none" w="med" len="med"/>
+                      <a:tailEnd type="none" w="med" len="med"/>
+                    </a:lnB>
+                  </a:tcPr>
+                </a:tc>
+                <a:tc>
+                  <a:txBody>
+                    <a:bodyPr/>
+                    <a:lstStyle/>
+                    <a:p>
+                      <a:pPr marL="0" marR="0" indent="0" algn="ctr" defTabSz="914400" rtl="0" eaLnBrk="1" fontAlgn="auto" latinLnBrk="0" hangingPunct="1">
+                        <a:lnSpc>
+                          <a:spcPct val="100000"/>
+                        </a:lnSpc>
+                        <a:spcBef>
+                          <a:spcPts val="0"/>
+                        </a:spcBef>
+                        <a:spcAft>
+                          <a:spcPts val="0"/>
+                        </a:spcAft>
+                        <a:buClrTx/>
+                        <a:buSzTx/>
+                        <a:buFontTx/>
+                        <a:buNone/>
+                        <a:tabLst/>
+                        <a:defRPr/>
+                      </a:pPr>
+                      <a:r>
+                        <a:rPr lang="pl-PL" dirty="0" smtClean="0">
+                          <a:latin typeface="Times New Roman" pitchFamily="18" charset="0"/>
+                          <a:cs typeface="Times New Roman" pitchFamily="18" charset="0"/>
+                        </a:rPr>
+                        <a:t>2 interwały</a:t>
+                      </a:r>
+                      <a:r>
+                        <a:rPr lang="pl-PL" baseline="0" dirty="0" smtClean="0">
+                          <a:latin typeface="Times New Roman" pitchFamily="18" charset="0"/>
+                          <a:cs typeface="Times New Roman" pitchFamily="18" charset="0"/>
+                        </a:rPr>
+                        <a:t> fazy żółtych świateł, a następnie faza 0</a:t>
+                      </a:r>
+                    </a:p>
+                  </a:txBody>
+                  <a:tcPr anchor="ctr">
+                    <a:lnL w="12700" cap="flat" cmpd="sng" algn="ctr">
+                      <a:solidFill>
+                        <a:schemeClr val="tx1"/>
+                      </a:solidFill>
+                      <a:prstDash val="solid"/>
+                      <a:round/>
+                      <a:headEnd type="none" w="med" len="med"/>
+                      <a:tailEnd type="none" w="med" len="med"/>
+                    </a:lnL>
+                    <a:lnR w="12700" cap="flat" cmpd="sng" algn="ctr">
+                      <a:solidFill>
+                        <a:schemeClr val="tx1"/>
+                      </a:solidFill>
+                      <a:prstDash val="solid"/>
+                      <a:round/>
+                      <a:headEnd type="none" w="med" len="med"/>
+                      <a:tailEnd type="none" w="med" len="med"/>
+                    </a:lnR>
+                    <a:lnT w="12700" cap="flat" cmpd="sng" algn="ctr">
+                      <a:solidFill>
+                        <a:schemeClr val="tx1"/>
+                      </a:solidFill>
+                      <a:prstDash val="solid"/>
+                      <a:round/>
+                      <a:headEnd type="none" w="med" len="med"/>
+                      <a:tailEnd type="none" w="med" len="med"/>
+                    </a:lnT>
+                    <a:lnB w="12700" cap="flat" cmpd="sng" algn="ctr">
+                      <a:solidFill>
+                        <a:schemeClr val="tx1"/>
+                      </a:solidFill>
+                      <a:prstDash val="solid"/>
+                      <a:round/>
+                      <a:headEnd type="none" w="med" len="med"/>
+                      <a:tailEnd type="none" w="med" len="med"/>
+                    </a:lnB>
+                  </a:tcPr>
+                </a:tc>
+              </a:tr>
+              <a:tr h="648072">
+                <a:tc vMerge="1">
+                  <a:txBody>
+                    <a:bodyPr/>
+                    <a:lstStyle/>
+                    <a:p>
+                      <a:endParaRPr lang="pl-PL" dirty="0">
+                        <a:latin typeface="Times New Roman" pitchFamily="18" charset="0"/>
+                        <a:cs typeface="Times New Roman" pitchFamily="18" charset="0"/>
+                      </a:endParaRPr>
+                    </a:p>
+                  </a:txBody>
+                  <a:tcPr>
+                    <a:lnL w="12700" cap="flat" cmpd="sng" algn="ctr">
+                      <a:solidFill>
+                        <a:schemeClr val="tx1"/>
+                      </a:solidFill>
+                      <a:prstDash val="solid"/>
+                      <a:round/>
+                      <a:headEnd type="none" w="med" len="med"/>
+                      <a:tailEnd type="none" w="med" len="med"/>
+                    </a:lnL>
+                    <a:lnR w="12700" cap="flat" cmpd="sng" algn="ctr">
+                      <a:solidFill>
+                        <a:schemeClr val="tx1"/>
+                      </a:solidFill>
+                      <a:prstDash val="solid"/>
+                      <a:round/>
+                      <a:headEnd type="none" w="med" len="med"/>
+                      <a:tailEnd type="none" w="med" len="med"/>
+                    </a:lnR>
+                    <a:lnT w="12700" cap="flat" cmpd="sng" algn="ctr">
+                      <a:solidFill>
+                        <a:schemeClr val="tx1"/>
+                      </a:solidFill>
+                      <a:prstDash val="solid"/>
+                      <a:round/>
+                      <a:headEnd type="none" w="med" len="med"/>
+                      <a:tailEnd type="none" w="med" len="med"/>
+                    </a:lnT>
+                    <a:lnB w="12700" cap="flat" cmpd="sng" algn="ctr">
+                      <a:solidFill>
+                        <a:schemeClr val="tx1"/>
+                      </a:solidFill>
+                      <a:prstDash val="solid"/>
+                      <a:round/>
+                      <a:headEnd type="none" w="med" len="med"/>
+                      <a:tailEnd type="none" w="med" len="med"/>
+                    </a:lnB>
+                  </a:tcPr>
+                </a:tc>
+                <a:tc>
+                  <a:txBody>
+                    <a:bodyPr/>
+                    <a:lstStyle/>
+                    <a:p>
+                      <a:pPr algn="ctr"/>
+                      <a:r>
+                        <a:rPr lang="pl-PL" dirty="0" smtClean="0">
+                          <a:latin typeface="Times New Roman" pitchFamily="18" charset="0"/>
+                          <a:cs typeface="Times New Roman" pitchFamily="18" charset="0"/>
+                        </a:rPr>
+                        <a:t>1</a:t>
+                      </a:r>
+                    </a:p>
+                  </a:txBody>
+                  <a:tcPr anchor="ctr">
+                    <a:lnL w="12700" cap="flat" cmpd="sng" algn="ctr">
+                      <a:solidFill>
+                        <a:schemeClr val="tx1"/>
+                      </a:solidFill>
+                      <a:prstDash val="solid"/>
+                      <a:round/>
+                      <a:headEnd type="none" w="med" len="med"/>
+                      <a:tailEnd type="none" w="med" len="med"/>
+                    </a:lnL>
+                    <a:lnR w="12700" cap="flat" cmpd="sng" algn="ctr">
+                      <a:solidFill>
+                        <a:schemeClr val="tx1"/>
+                      </a:solidFill>
+                      <a:prstDash val="solid"/>
+                      <a:round/>
+                      <a:headEnd type="none" w="med" len="med"/>
+                      <a:tailEnd type="none" w="med" len="med"/>
+                    </a:lnR>
+                    <a:lnT w="12700" cap="flat" cmpd="sng" algn="ctr">
+                      <a:solidFill>
+                        <a:schemeClr val="tx1"/>
+                      </a:solidFill>
+                      <a:prstDash val="solid"/>
+                      <a:round/>
+                      <a:headEnd type="none" w="med" len="med"/>
+                      <a:tailEnd type="none" w="med" len="med"/>
+                    </a:lnT>
+                    <a:lnB w="12700" cap="flat" cmpd="sng" algn="ctr">
+                      <a:solidFill>
+                        <a:schemeClr val="tx1"/>
+                      </a:solidFill>
+                      <a:prstDash val="solid"/>
+                      <a:round/>
+                      <a:headEnd type="none" w="med" len="med"/>
+                      <a:tailEnd type="none" w="med" len="med"/>
+                    </a:lnB>
+                  </a:tcPr>
+                </a:tc>
+                <a:tc>
+                  <a:txBody>
+                    <a:bodyPr/>
+                    <a:lstStyle/>
+                    <a:p>
+                      <a:pPr marL="0" marR="0" indent="0" algn="ctr" defTabSz="914400" rtl="0" eaLnBrk="1" fontAlgn="auto" latinLnBrk="0" hangingPunct="1">
+                        <a:lnSpc>
+                          <a:spcPct val="100000"/>
+                        </a:lnSpc>
+                        <a:spcBef>
+                          <a:spcPts val="0"/>
+                        </a:spcBef>
+                        <a:spcAft>
+                          <a:spcPts val="0"/>
+                        </a:spcAft>
+                        <a:buClrTx/>
+                        <a:buSzTx/>
+                        <a:buFontTx/>
+                        <a:buNone/>
+                        <a:tabLst/>
+                        <a:defRPr/>
+                      </a:pPr>
+                      <a:r>
+                        <a:rPr lang="pl-PL" dirty="0" smtClean="0">
+                          <a:latin typeface="Times New Roman" pitchFamily="18" charset="0"/>
+                          <a:cs typeface="Times New Roman" pitchFamily="18" charset="0"/>
+                        </a:rPr>
+                        <a:t>Podtrzymanie fazy 1</a:t>
+                      </a:r>
+                    </a:p>
+                  </a:txBody>
+                  <a:tcPr anchor="ctr">
+                    <a:lnL w="12700" cap="flat" cmpd="sng" algn="ctr">
+                      <a:solidFill>
+                        <a:schemeClr val="tx1"/>
+                      </a:solidFill>
+                      <a:prstDash val="solid"/>
+                      <a:round/>
+                      <a:headEnd type="none" w="med" len="med"/>
+                      <a:tailEnd type="none" w="med" len="med"/>
+                    </a:lnL>
+                    <a:lnR w="12700" cap="flat" cmpd="sng" algn="ctr">
+                      <a:solidFill>
+                        <a:schemeClr val="tx1"/>
+                      </a:solidFill>
+                      <a:prstDash val="solid"/>
+                      <a:round/>
+                      <a:headEnd type="none" w="med" len="med"/>
+                      <a:tailEnd type="none" w="med" len="med"/>
+                    </a:lnR>
+                    <a:lnT w="12700" cap="flat" cmpd="sng" algn="ctr">
+                      <a:solidFill>
+                        <a:schemeClr val="tx1"/>
+                      </a:solidFill>
+                      <a:prstDash val="solid"/>
+                      <a:round/>
+                      <a:headEnd type="none" w="med" len="med"/>
+                      <a:tailEnd type="none" w="med" len="med"/>
+                    </a:lnT>
+                    <a:lnB w="12700" cap="flat" cmpd="sng" algn="ctr">
+                      <a:solidFill>
+                        <a:schemeClr val="tx1"/>
+                      </a:solidFill>
+                      <a:prstDash val="solid"/>
+                      <a:round/>
+                      <a:headEnd type="none" w="med" len="med"/>
+                      <a:tailEnd type="none" w="med" len="med"/>
+                    </a:lnB>
+                  </a:tcPr>
+                </a:tc>
+              </a:tr>
+              <a:tr h="845539">
+                <a:tc>
+                  <a:txBody>
+                    <a:bodyPr/>
+                    <a:lstStyle/>
+                    <a:p>
+                      <a:pPr algn="ctr"/>
+                      <a:endParaRPr lang="pl-PL" dirty="0">
+                        <a:latin typeface="Times New Roman" pitchFamily="18" charset="0"/>
+                        <a:cs typeface="Times New Roman" pitchFamily="18" charset="0"/>
+                      </a:endParaRPr>
+                    </a:p>
+                  </a:txBody>
+                  <a:tcPr anchor="ctr">
+                    <a:lnL w="12700" cap="flat" cmpd="sng" algn="ctr">
+                      <a:solidFill>
+                        <a:schemeClr val="tx1"/>
+                      </a:solidFill>
+                      <a:prstDash val="solid"/>
+                      <a:round/>
+                      <a:headEnd type="none" w="med" len="med"/>
+                      <a:tailEnd type="none" w="med" len="med"/>
+                    </a:lnL>
+                    <a:lnR w="12700" cap="flat" cmpd="sng" algn="ctr">
+                      <a:solidFill>
+                        <a:schemeClr val="tx1"/>
+                      </a:solidFill>
+                      <a:prstDash val="solid"/>
+                      <a:round/>
+                      <a:headEnd type="none" w="med" len="med"/>
+                      <a:tailEnd type="none" w="med" len="med"/>
+                    </a:lnR>
+                    <a:lnT w="12700" cap="flat" cmpd="sng" algn="ctr">
+                      <a:solidFill>
+                        <a:schemeClr val="tx1"/>
+                      </a:solidFill>
+                      <a:prstDash val="solid"/>
+                      <a:round/>
+                      <a:headEnd type="none" w="med" len="med"/>
+                      <a:tailEnd type="none" w="med" len="med"/>
+                    </a:lnT>
+                    <a:lnB w="12700" cap="flat" cmpd="sng" algn="ctr">
+                      <a:solidFill>
+                        <a:schemeClr val="tx1"/>
+                      </a:solidFill>
+                      <a:prstDash val="solid"/>
+                      <a:round/>
+                      <a:headEnd type="none" w="med" len="med"/>
+                      <a:tailEnd type="none" w="med" len="med"/>
+                    </a:lnB>
+                  </a:tcPr>
+                </a:tc>
+                <a:tc>
+                  <a:txBody>
+                    <a:bodyPr/>
+                    <a:lstStyle/>
+                    <a:p>
+                      <a:pPr algn="ctr"/>
+                      <a:r>
+                        <a:rPr lang="pl-PL" dirty="0" smtClean="0">
+                          <a:latin typeface="Times New Roman" pitchFamily="18" charset="0"/>
+                          <a:cs typeface="Times New Roman" pitchFamily="18" charset="0"/>
+                        </a:rPr>
+                        <a:t>żółte</a:t>
+                      </a:r>
+                      <a:endParaRPr lang="pl-PL" dirty="0">
+                        <a:latin typeface="Times New Roman" pitchFamily="18" charset="0"/>
+                        <a:cs typeface="Times New Roman" pitchFamily="18" charset="0"/>
+                      </a:endParaRPr>
+                    </a:p>
+                  </a:txBody>
+                  <a:tcPr anchor="ctr">
+                    <a:lnL w="12700" cap="flat" cmpd="sng" algn="ctr">
+                      <a:solidFill>
+                        <a:schemeClr val="tx1"/>
+                      </a:solidFill>
+                      <a:prstDash val="solid"/>
+                      <a:round/>
+                      <a:headEnd type="none" w="med" len="med"/>
+                      <a:tailEnd type="none" w="med" len="med"/>
+                    </a:lnL>
+                    <a:lnR w="12700" cap="flat" cmpd="sng" algn="ctr">
+                      <a:solidFill>
+                        <a:schemeClr val="tx1"/>
+                      </a:solidFill>
+                      <a:prstDash val="solid"/>
+                      <a:round/>
+                      <a:headEnd type="none" w="med" len="med"/>
+                      <a:tailEnd type="none" w="med" len="med"/>
+                    </a:lnR>
+                    <a:lnT w="12700" cap="flat" cmpd="sng" algn="ctr">
+                      <a:solidFill>
+                        <a:schemeClr val="tx1"/>
+                      </a:solidFill>
+                      <a:prstDash val="solid"/>
+                      <a:round/>
+                      <a:headEnd type="none" w="med" len="med"/>
+                      <a:tailEnd type="none" w="med" len="med"/>
+                    </a:lnT>
+                    <a:lnB w="12700" cap="flat" cmpd="sng" algn="ctr">
+                      <a:solidFill>
+                        <a:schemeClr val="tx1"/>
+                      </a:solidFill>
+                      <a:prstDash val="solid"/>
+                      <a:round/>
+                      <a:headEnd type="none" w="med" len="med"/>
+                      <a:tailEnd type="none" w="med" len="med"/>
+                    </a:lnB>
+                  </a:tcPr>
+                </a:tc>
+                <a:tc>
+                  <a:txBody>
+                    <a:bodyPr/>
+                    <a:lstStyle/>
+                    <a:p>
+                      <a:pPr algn="ctr"/>
+                      <a:r>
+                        <a:rPr lang="pl-PL" dirty="0" smtClean="0">
+                          <a:latin typeface="Times New Roman" pitchFamily="18" charset="0"/>
+                          <a:cs typeface="Times New Roman" pitchFamily="18" charset="0"/>
+                        </a:rPr>
+                        <a:t>Podtrzymanie fazy żółtych</a:t>
+                      </a:r>
+                      <a:r>
+                        <a:rPr lang="pl-PL" baseline="0" dirty="0" smtClean="0">
+                          <a:latin typeface="Times New Roman" pitchFamily="18" charset="0"/>
+                          <a:cs typeface="Times New Roman" pitchFamily="18" charset="0"/>
+                        </a:rPr>
+                        <a:t> świateł.</a:t>
+                      </a:r>
+                    </a:p>
+                    <a:p>
+                      <a:pPr algn="ctr"/>
+                      <a:r>
+                        <a:rPr lang="pl-PL" baseline="0" dirty="0" smtClean="0">
+                          <a:latin typeface="Times New Roman" pitchFamily="18" charset="0"/>
+                          <a:cs typeface="Times New Roman" pitchFamily="18" charset="0"/>
+                        </a:rPr>
+                        <a:t>Jeśli żółta faza trwa dłużej niż 2 interwały czasowe – włączenie oczekiwanej fazy 0 lub 1.</a:t>
+                      </a:r>
+                    </a:p>
+                    <a:p>
+                      <a:pPr algn="ctr"/>
+                      <a:endParaRPr lang="pl-PL" dirty="0" smtClean="0">
+                        <a:latin typeface="Times New Roman" pitchFamily="18" charset="0"/>
+                        <a:cs typeface="Times New Roman" pitchFamily="18" charset="0"/>
+                      </a:endParaRPr>
+                    </a:p>
+                  </a:txBody>
+                  <a:tcPr anchor="ctr">
+                    <a:lnL w="12700" cap="flat" cmpd="sng" algn="ctr">
+                      <a:solidFill>
+                        <a:schemeClr val="tx1"/>
+                      </a:solidFill>
+                      <a:prstDash val="solid"/>
+                      <a:round/>
+                      <a:headEnd type="none" w="med" len="med"/>
+                      <a:tailEnd type="none" w="med" len="med"/>
+                    </a:lnL>
+                    <a:lnR w="12700" cap="flat" cmpd="sng" algn="ctr">
+                      <a:solidFill>
+                        <a:schemeClr val="tx1"/>
+                      </a:solidFill>
+                      <a:prstDash val="solid"/>
+                      <a:round/>
+                      <a:headEnd type="none" w="med" len="med"/>
+                      <a:tailEnd type="none" w="med" len="med"/>
+                    </a:lnR>
+                    <a:lnT w="12700" cap="flat" cmpd="sng" algn="ctr">
+                      <a:solidFill>
+                        <a:schemeClr val="tx1"/>
+                      </a:solidFill>
+                      <a:prstDash val="solid"/>
+                      <a:round/>
+                      <a:headEnd type="none" w="med" len="med"/>
+                      <a:tailEnd type="none" w="med" len="med"/>
+                    </a:lnT>
+                    <a:lnB w="12700" cap="flat" cmpd="sng" algn="ctr">
+                      <a:solidFill>
+                        <a:schemeClr val="tx1"/>
+                      </a:solidFill>
+                      <a:prstDash val="solid"/>
+                      <a:round/>
+                      <a:headEnd type="none" w="med" len="med"/>
+                      <a:tailEnd type="none" w="med" len="med"/>
+                    </a:lnB>
+                  </a:tcPr>
+                </a:tc>
+              </a:tr>
+            </a:tbl>
+          </a:graphicData>
+        </a:graphic>
+      </p:graphicFrame>
+      <p:pic>
+        <p:nvPicPr>
+          <p:cNvPr id="8" name="Picture 2"/>
+          <p:cNvPicPr>
+            <a:picLocks noChangeAspect="1" noChangeArrowheads="1"/>
+          </p:cNvPicPr>
+          <p:nvPr/>
+        </p:nvPicPr>
+        <p:blipFill>
+          <a:blip r:embed="rId3">
+            <a:extLst>
+              <a:ext uri="{28A0092B-C50C-407E-A947-70E740481C1C}">
+                <a14:useLocalDpi xmlns:a14="http://schemas.microsoft.com/office/drawing/2010/main" val="0"/>
+              </a:ext>
+            </a:extLst>
+          </a:blip>
+          <a:srcRect/>
+          <a:stretch>
+            <a:fillRect/>
+          </a:stretch>
+        </p:blipFill>
+        <p:spPr bwMode="auto">
+          <a:xfrm>
+            <a:off x="755575" y="1340768"/>
+            <a:ext cx="2520280" cy="1249369"/>
+          </a:xfrm>
+          <a:prstGeom prst="rect">
+            <a:avLst/>
+          </a:prstGeom>
+          <a:noFill/>
+          <a:ln w="38100">
+            <a:noFill/>
+            <a:miter lim="800000"/>
+            <a:headEnd/>
+            <a:tailEnd/>
+          </a:ln>
+          <a:effectLst/>
+          <a:extLst>
+            <a:ext uri="{909E8E84-426E-40DD-AFC4-6F175D3DCCD1}">
+              <a14:hiddenFill xmlns:a14="http://schemas.microsoft.com/office/drawing/2010/main">
+                <a:solidFill>
+                  <a:schemeClr val="accent1"/>
+                </a:solidFill>
+              </a14:hiddenFill>
+            </a:ext>
+            <a:ext uri="{AF507438-7753-43E0-B8FC-AC1667EBCBE1}">
+              <a14:hiddenEffects xmlns:a14="http://schemas.microsoft.com/office/drawing/2010/main">
+                <a:effectLst>
+                  <a:outerShdw dist="35921" dir="2700000" algn="ctr" rotWithShape="0">
+                    <a:schemeClr val="bg2"/>
+                  </a:outerShdw>
+                </a:effectLst>
+              </a14:hiddenEffects>
+            </a:ext>
+          </a:extLst>
+        </p:spPr>
+      </p:pic>
+      <p:pic>
+        <p:nvPicPr>
+          <p:cNvPr id="9" name="Picture 3"/>
+          <p:cNvPicPr>
+            <a:picLocks noChangeAspect="1" noChangeArrowheads="1"/>
+          </p:cNvPicPr>
+          <p:nvPr/>
+        </p:nvPicPr>
+        <p:blipFill>
+          <a:blip r:embed="rId4">
+            <a:extLst>
+              <a:ext uri="{28A0092B-C50C-407E-A947-70E740481C1C}">
+                <a14:useLocalDpi xmlns:a14="http://schemas.microsoft.com/office/drawing/2010/main" val="0"/>
+              </a:ext>
+            </a:extLst>
+          </a:blip>
+          <a:srcRect/>
+          <a:stretch>
+            <a:fillRect/>
+          </a:stretch>
+        </p:blipFill>
+        <p:spPr bwMode="auto">
+          <a:xfrm>
+            <a:off x="791871" y="2743045"/>
+            <a:ext cx="2520280" cy="1257509"/>
+          </a:xfrm>
+          <a:prstGeom prst="rect">
+            <a:avLst/>
+          </a:prstGeom>
+          <a:noFill/>
+          <a:ln w="38100">
+            <a:noFill/>
+            <a:miter lim="800000"/>
+            <a:headEnd/>
+            <a:tailEnd/>
+          </a:ln>
+          <a:effectLst/>
+          <a:extLst>
+            <a:ext uri="{909E8E84-426E-40DD-AFC4-6F175D3DCCD1}">
+              <a14:hiddenFill xmlns:a14="http://schemas.microsoft.com/office/drawing/2010/main">
+                <a:solidFill>
+                  <a:schemeClr val="accent1"/>
+                </a:solidFill>
+              </a14:hiddenFill>
+            </a:ext>
+            <a:ext uri="{AF507438-7753-43E0-B8FC-AC1667EBCBE1}">
+              <a14:hiddenEffects xmlns:a14="http://schemas.microsoft.com/office/drawing/2010/main">
+                <a:effectLst>
+                  <a:outerShdw dist="35921" dir="2700000" algn="ctr" rotWithShape="0">
+                    <a:schemeClr val="bg2"/>
+                  </a:outerShdw>
+                </a:effectLst>
+              </a14:hiddenEffects>
+            </a:ext>
+          </a:extLst>
+        </p:spPr>
+      </p:pic>
+      <p:pic>
+        <p:nvPicPr>
+          <p:cNvPr id="11" name="Picture 4"/>
+          <p:cNvPicPr>
+            <a:picLocks noChangeAspect="1" noChangeArrowheads="1"/>
+          </p:cNvPicPr>
+          <p:nvPr/>
+        </p:nvPicPr>
+        <p:blipFill>
+          <a:blip r:embed="rId5">
+            <a:extLst>
+              <a:ext uri="{28A0092B-C50C-407E-A947-70E740481C1C}">
+                <a14:useLocalDpi xmlns:a14="http://schemas.microsoft.com/office/drawing/2010/main" val="0"/>
+              </a:ext>
+            </a:extLst>
+          </a:blip>
+          <a:srcRect/>
+          <a:stretch>
+            <a:fillRect/>
+          </a:stretch>
+        </p:blipFill>
+        <p:spPr bwMode="auto">
+          <a:xfrm>
+            <a:off x="755575" y="4441069"/>
+            <a:ext cx="2447689" cy="1203447"/>
+          </a:xfrm>
+          <a:prstGeom prst="rect">
+            <a:avLst/>
+          </a:prstGeom>
+          <a:noFill/>
+          <a:ln w="38100">
+            <a:noFill/>
+            <a:miter lim="800000"/>
+            <a:headEnd/>
+            <a:tailEnd/>
+          </a:ln>
+          <a:effectLst/>
+          <a:extLst>
+            <a:ext uri="{909E8E84-426E-40DD-AFC4-6F175D3DCCD1}">
+              <a14:hiddenFill xmlns:a14="http://schemas.microsoft.com/office/drawing/2010/main">
+                <a:solidFill>
+                  <a:schemeClr val="accent1"/>
+                </a:solidFill>
+              </a14:hiddenFill>
+            </a:ext>
+            <a:ext uri="{AF507438-7753-43E0-B8FC-AC1667EBCBE1}">
+              <a14:hiddenEffects xmlns:a14="http://schemas.microsoft.com/office/drawing/2010/main">
+                <a:effectLst>
+                  <a:outerShdw dist="35921" dir="2700000" algn="ctr" rotWithShape="0">
+                    <a:schemeClr val="bg2"/>
+                  </a:outerShdw>
+                </a:effectLst>
+              </a14:hiddenEffects>
+            </a:ext>
+          </a:extLst>
+        </p:spPr>
+      </p:pic>
+      <p:sp>
+        <p:nvSpPr>
+          <p:cNvPr id="7" name="pole tekstowe 6"/>
+          <p:cNvSpPr txBox="1"/>
+          <p:nvPr/>
+        </p:nvSpPr>
+        <p:spPr>
+          <a:xfrm>
+            <a:off x="1881932" y="1331268"/>
+            <a:ext cx="340158" cy="461665"/>
+          </a:xfrm>
+          <a:prstGeom prst="rect">
+            <a:avLst/>
+          </a:prstGeom>
+          <a:noFill/>
+        </p:spPr>
+        <p:txBody>
+          <a:bodyPr wrap="none" rtlCol="0">
+            <a:spAutoFit/>
+          </a:bodyPr>
+          <a:lstStyle/>
+          <a:p>
+            <a:r>
+              <a:rPr lang="pl-PL" sz="2400" b="1" dirty="0" smtClean="0"/>
+              <a:t>0</a:t>
+            </a:r>
+            <a:endParaRPr lang="pl-PL" b="1" dirty="0"/>
+          </a:p>
+        </p:txBody>
+      </p:sp>
+      <p:sp>
+        <p:nvSpPr>
+          <p:cNvPr id="13" name="pole tekstowe 12"/>
+          <p:cNvSpPr txBox="1"/>
+          <p:nvPr/>
+        </p:nvSpPr>
+        <p:spPr>
+          <a:xfrm>
+            <a:off x="1881931" y="2743045"/>
+            <a:ext cx="340158" cy="461665"/>
+          </a:xfrm>
+          <a:prstGeom prst="rect">
+            <a:avLst/>
+          </a:prstGeom>
+          <a:noFill/>
+        </p:spPr>
+        <p:txBody>
+          <a:bodyPr wrap="none" rtlCol="0">
+            <a:spAutoFit/>
+          </a:bodyPr>
+          <a:lstStyle/>
+          <a:p>
+            <a:r>
+              <a:rPr lang="pl-PL" sz="2400" b="1" dirty="0" smtClean="0"/>
+              <a:t>1</a:t>
+            </a:r>
+            <a:endParaRPr lang="pl-PL" b="1" dirty="0"/>
+          </a:p>
+        </p:txBody>
+      </p:sp>
+      <p:sp>
+        <p:nvSpPr>
+          <p:cNvPr id="14" name="pole tekstowe 13"/>
+          <p:cNvSpPr txBox="1"/>
+          <p:nvPr/>
+        </p:nvSpPr>
+        <p:spPr>
+          <a:xfrm>
+            <a:off x="1648405" y="4210236"/>
+            <a:ext cx="807209" cy="461665"/>
+          </a:xfrm>
+          <a:prstGeom prst="rect">
+            <a:avLst/>
+          </a:prstGeom>
+          <a:noFill/>
+        </p:spPr>
+        <p:txBody>
+          <a:bodyPr wrap="none" rtlCol="0">
+            <a:spAutoFit/>
+          </a:bodyPr>
+          <a:lstStyle/>
+          <a:p>
+            <a:r>
+              <a:rPr lang="pl-PL" sz="2400" b="1" dirty="0" smtClean="0"/>
+              <a:t>żółte</a:t>
+            </a:r>
+            <a:endParaRPr lang="pl-PL" b="1" dirty="0"/>
+          </a:p>
+        </p:txBody>
+      </p:sp>
+    </p:spTree>
+    <p:extLst>
+      <p:ext uri="{BB962C8B-B14F-4D97-AF65-F5344CB8AC3E}">
+        <p14:creationId xmlns:p14="http://schemas.microsoft.com/office/powerpoint/2010/main" val="4152549919"/>
       </p:ext>
     </p:extLst>
   </p:cSld>
